--- a/Slides/Git for the Normal Developer.pptx
+++ b/Slides/Git for the Normal Developer.pptx
@@ -5,7 +5,7 @@
     <p:sldMasterId id="2147483648" r:id="rId1"/>
   </p:sldMasterIdLst>
   <p:notesMasterIdLst>
-    <p:notesMasterId r:id="rId24"/>
+    <p:notesMasterId r:id="rId29"/>
   </p:notesMasterIdLst>
   <p:sldIdLst>
     <p:sldId id="425" r:id="rId2"/>
@@ -28,8 +28,13 @@
     <p:sldId id="432" r:id="rId19"/>
     <p:sldId id="434" r:id="rId20"/>
     <p:sldId id="446" r:id="rId21"/>
-    <p:sldId id="433" r:id="rId22"/>
-    <p:sldId id="423" r:id="rId23"/>
+    <p:sldId id="447" r:id="rId22"/>
+    <p:sldId id="448" r:id="rId23"/>
+    <p:sldId id="449" r:id="rId24"/>
+    <p:sldId id="450" r:id="rId25"/>
+    <p:sldId id="451" r:id="rId26"/>
+    <p:sldId id="433" r:id="rId27"/>
+    <p:sldId id="423" r:id="rId28"/>
   </p:sldIdLst>
   <p:sldSz cx="12192000" cy="6858000"/>
   <p:notesSz cx="6858000" cy="9144000"/>
@@ -153,6 +158,11 @@
             <p14:sldId id="432"/>
             <p14:sldId id="434"/>
             <p14:sldId id="446"/>
+            <p14:sldId id="447"/>
+            <p14:sldId id="448"/>
+            <p14:sldId id="449"/>
+            <p14:sldId id="450"/>
+            <p14:sldId id="451"/>
             <p14:sldId id="433"/>
             <p14:sldId id="423"/>
           </p14:sldIdLst>
@@ -189,10 +199,6 @@
 </p:cmAuthorLst>
 </file>
 
-<file path=ppt/revisionInfo.xml><?xml version="1.0" encoding="utf-8"?>
-<p1510:revInfo xmlns:a="http://schemas.openxmlformats.org/drawingml/2006/main" xmlns:r="http://schemas.openxmlformats.org/officeDocument/2006/relationships" xmlns:p1510="http://schemas.microsoft.com/office/powerpoint/2015/10/main"/>
-</file>
-
 <file path=ppt/notesMasters/notesMaster1.xml><?xml version="1.0" encoding="utf-8"?>
 <p:notesMaster xmlns:a="http://schemas.openxmlformats.org/drawingml/2006/main" xmlns:r="http://schemas.openxmlformats.org/officeDocument/2006/relationships" xmlns:p="http://schemas.openxmlformats.org/presentationml/2006/main">
   <p:cSld>
@@ -275,7 +281,7 @@
           <a:p>
             <a:fld id="{1BEA97F8-B659-47CA-8766-3CBCF3366F26}" type="datetimeFigureOut">
               <a:rPr lang="en-US" smtClean="0"/>
-              <a:t>2/18/2018</a:t>
+              <a:t>5/2/2018</a:t>
             </a:fld>
             <a:endParaRPr lang="en-US"/>
           </a:p>
@@ -1093,7 +1099,7 @@
           <a:noFill/>
           <a:extLst>
             <a:ext uri="{909E8E84-426E-40dd-AFC4-6F175D3DCCD1}">
-              <a14:hiddenFill xmlns:a14="http://schemas.microsoft.com/office/drawing/2010/main" xmlns="">
+              <a14:hiddenFill xmlns="" xmlns:a14="http://schemas.microsoft.com/office/drawing/2010/main">
                 <a:solidFill>
                   <a:srgbClr val="FFFFFF"/>
                 </a:solidFill>
@@ -1349,7 +1355,7 @@
           <a:noFill/>
           <a:extLst>
             <a:ext uri="{909E8E84-426E-40dd-AFC4-6F175D3DCCD1}">
-              <a14:hiddenFill xmlns:a14="http://schemas.microsoft.com/office/drawing/2010/main" xmlns="">
+              <a14:hiddenFill xmlns="" xmlns:a14="http://schemas.microsoft.com/office/drawing/2010/main">
                 <a:solidFill>
                   <a:srgbClr val="FFFFFF"/>
                 </a:solidFill>
@@ -1428,7 +1434,7 @@
           <a:noFill/>
           <a:extLst>
             <a:ext uri="{909E8E84-426E-40dd-AFC4-6F175D3DCCD1}">
-              <a14:hiddenFill xmlns:a14="http://schemas.microsoft.com/office/drawing/2010/main" xmlns="">
+              <a14:hiddenFill xmlns="" xmlns:a14="http://schemas.microsoft.com/office/drawing/2010/main">
                 <a:solidFill>
                   <a:srgbClr val="FFFFFF"/>
                 </a:solidFill>
@@ -1614,7 +1620,7 @@
           <a:noFill/>
           <a:extLst>
             <a:ext uri="{909E8E84-426E-40dd-AFC4-6F175D3DCCD1}">
-              <a14:hiddenFill xmlns:a14="http://schemas.microsoft.com/office/drawing/2010/main" xmlns="">
+              <a14:hiddenFill xmlns="" xmlns:a14="http://schemas.microsoft.com/office/drawing/2010/main">
                 <a:solidFill>
                   <a:srgbClr val="FFFFFF"/>
                 </a:solidFill>
@@ -1870,7 +1876,7 @@
           <a:noFill/>
           <a:extLst>
             <a:ext uri="{909E8E84-426E-40dd-AFC4-6F175D3DCCD1}">
-              <a14:hiddenFill xmlns:a14="http://schemas.microsoft.com/office/drawing/2010/main" xmlns="">
+              <a14:hiddenFill xmlns="" xmlns:a14="http://schemas.microsoft.com/office/drawing/2010/main">
                 <a:solidFill>
                   <a:srgbClr val="FFFFFF"/>
                 </a:solidFill>
@@ -1918,7 +1924,7 @@
           <a:noFill/>
           <a:extLst>
             <a:ext uri="{909E8E84-426E-40dd-AFC4-6F175D3DCCD1}">
-              <a14:hiddenFill xmlns:a14="http://schemas.microsoft.com/office/drawing/2010/main" xmlns="">
+              <a14:hiddenFill xmlns="" xmlns:a14="http://schemas.microsoft.com/office/drawing/2010/main">
                 <a:solidFill>
                   <a:srgbClr val="FFFFFF"/>
                 </a:solidFill>
@@ -2144,7 +2150,7 @@
           <a:noFill/>
           <a:extLst>
             <a:ext uri="{909E8E84-426E-40dd-AFC4-6F175D3DCCD1}">
-              <a14:hiddenFill xmlns:a14="http://schemas.microsoft.com/office/drawing/2010/main" xmlns="">
+              <a14:hiddenFill xmlns="" xmlns:a14="http://schemas.microsoft.com/office/drawing/2010/main">
                 <a:solidFill>
                   <a:srgbClr val="FFFFFF"/>
                 </a:solidFill>
@@ -2399,7 +2405,7 @@
           <a:noFill/>
           <a:extLst>
             <a:ext uri="{909E8E84-426E-40dd-AFC4-6F175D3DCCD1}">
-              <a14:hiddenFill xmlns:a14="http://schemas.microsoft.com/office/drawing/2010/main" xmlns="">
+              <a14:hiddenFill xmlns="" xmlns:a14="http://schemas.microsoft.com/office/drawing/2010/main">
                 <a:solidFill>
                   <a:srgbClr val="FFFFFF"/>
                 </a:solidFill>
@@ -2655,7 +2661,7 @@
           <a:noFill/>
           <a:extLst>
             <a:ext uri="{909E8E84-426E-40dd-AFC4-6F175D3DCCD1}">
-              <a14:hiddenFill xmlns:a14="http://schemas.microsoft.com/office/drawing/2010/main" xmlns="">
+              <a14:hiddenFill xmlns="" xmlns:a14="http://schemas.microsoft.com/office/drawing/2010/main">
                 <a:solidFill>
                   <a:srgbClr val="FFFFFF"/>
                 </a:solidFill>
@@ -2910,7 +2916,7 @@
           <a:noFill/>
           <a:extLst>
             <a:ext uri="{909E8E84-426E-40dd-AFC4-6F175D3DCCD1}">
-              <a14:hiddenFill xmlns:a14="http://schemas.microsoft.com/office/drawing/2010/main" xmlns="">
+              <a14:hiddenFill xmlns="" xmlns:a14="http://schemas.microsoft.com/office/drawing/2010/main">
                 <a:solidFill>
                   <a:srgbClr val="FFFFFF"/>
                 </a:solidFill>
@@ -3166,7 +3172,7 @@
           <a:noFill/>
           <a:extLst>
             <a:ext uri="{909E8E84-426E-40dd-AFC4-6F175D3DCCD1}">
-              <a14:hiddenFill xmlns:a14="http://schemas.microsoft.com/office/drawing/2010/main" xmlns="">
+              <a14:hiddenFill xmlns="" xmlns:a14="http://schemas.microsoft.com/office/drawing/2010/main">
                 <a:solidFill>
                   <a:srgbClr val="FFFFFF"/>
                 </a:solidFill>
@@ -3609,7 +3615,7 @@
           <a:noFill/>
           <a:extLst>
             <a:ext uri="{909E8E84-426E-40dd-AFC4-6F175D3DCCD1}">
-              <a14:hiddenFill xmlns:a14="http://schemas.microsoft.com/office/drawing/2010/main" xmlns="">
+              <a14:hiddenFill xmlns="" xmlns:a14="http://schemas.microsoft.com/office/drawing/2010/main">
                 <a:solidFill>
                   <a:srgbClr val="FFFFFF"/>
                 </a:solidFill>
@@ -3688,7 +3694,7 @@
           <a:noFill/>
           <a:extLst>
             <a:ext uri="{909E8E84-426E-40dd-AFC4-6F175D3DCCD1}">
-              <a14:hiddenFill xmlns:a14="http://schemas.microsoft.com/office/drawing/2010/main" xmlns="">
+              <a14:hiddenFill xmlns="" xmlns:a14="http://schemas.microsoft.com/office/drawing/2010/main">
                 <a:solidFill>
                   <a:srgbClr val="FFFFFF"/>
                 </a:solidFill>
@@ -3727,7 +3733,7 @@
           <a:noFill/>
           <a:extLst>
             <a:ext uri="{909E8E84-426E-40dd-AFC4-6F175D3DCCD1}">
-              <a14:hiddenFill xmlns:a14="http://schemas.microsoft.com/office/drawing/2010/main" xmlns="">
+              <a14:hiddenFill xmlns="" xmlns:a14="http://schemas.microsoft.com/office/drawing/2010/main">
                 <a:solidFill>
                   <a:srgbClr val="FFFFFF"/>
                 </a:solidFill>
@@ -3913,7 +3919,7 @@
           <a:noFill/>
           <a:extLst>
             <a:ext uri="{909E8E84-426E-40dd-AFC4-6F175D3DCCD1}">
-              <a14:hiddenFill xmlns:a14="http://schemas.microsoft.com/office/drawing/2010/main" xmlns="">
+              <a14:hiddenFill xmlns="" xmlns:a14="http://schemas.microsoft.com/office/drawing/2010/main">
                 <a:solidFill>
                   <a:srgbClr val="FFFFFF"/>
                 </a:solidFill>
@@ -4110,7 +4116,7 @@
           <a:noFill/>
           <a:extLst>
             <a:ext uri="{909E8E84-426E-40dd-AFC4-6F175D3DCCD1}">
-              <a14:hiddenFill xmlns:a14="http://schemas.microsoft.com/office/drawing/2010/main" xmlns="">
+              <a14:hiddenFill xmlns="" xmlns:a14="http://schemas.microsoft.com/office/drawing/2010/main">
                 <a:solidFill>
                   <a:srgbClr val="FFFFFF"/>
                 </a:solidFill>
@@ -4187,7 +4193,7 @@
           <a:noFill/>
           <a:extLst>
             <a:ext uri="{909E8E84-426E-40dd-AFC4-6F175D3DCCD1}">
-              <a14:hiddenFill xmlns:a14="http://schemas.microsoft.com/office/drawing/2010/main" xmlns="">
+              <a14:hiddenFill xmlns="" xmlns:a14="http://schemas.microsoft.com/office/drawing/2010/main">
                 <a:solidFill>
                   <a:srgbClr val="FFFFFF"/>
                 </a:solidFill>
@@ -4266,7 +4272,7 @@
           <a:noFill/>
           <a:extLst>
             <a:ext uri="{909E8E84-426E-40dd-AFC4-6F175D3DCCD1}">
-              <a14:hiddenFill xmlns:a14="http://schemas.microsoft.com/office/drawing/2010/main" xmlns="">
+              <a14:hiddenFill xmlns="" xmlns:a14="http://schemas.microsoft.com/office/drawing/2010/main">
                 <a:solidFill>
                   <a:srgbClr val="FFFFFF"/>
                 </a:solidFill>
@@ -4452,7 +4458,7 @@
           <a:noFill/>
           <a:extLst>
             <a:ext uri="{909E8E84-426E-40dd-AFC4-6F175D3DCCD1}">
-              <a14:hiddenFill xmlns:a14="http://schemas.microsoft.com/office/drawing/2010/main" xmlns="">
+              <a14:hiddenFill xmlns="" xmlns:a14="http://schemas.microsoft.com/office/drawing/2010/main">
                 <a:solidFill>
                   <a:srgbClr val="FFFFFF"/>
                 </a:solidFill>
@@ -4707,7 +4713,7 @@
           <a:noFill/>
           <a:extLst>
             <a:ext uri="{909E8E84-426E-40dd-AFC4-6F175D3DCCD1}">
-              <a14:hiddenFill xmlns:a14="http://schemas.microsoft.com/office/drawing/2010/main" xmlns="">
+              <a14:hiddenFill xmlns="" xmlns:a14="http://schemas.microsoft.com/office/drawing/2010/main">
                 <a:solidFill>
                   <a:srgbClr val="FFFFFF"/>
                 </a:solidFill>
@@ -4897,7 +4903,7 @@
           <a:noFill/>
           <a:extLst>
             <a:ext uri="{909E8E84-426E-40dd-AFC4-6F175D3DCCD1}">
-              <a14:hiddenFill xmlns:a14="http://schemas.microsoft.com/office/drawing/2010/main" xmlns="">
+              <a14:hiddenFill xmlns="" xmlns:a14="http://schemas.microsoft.com/office/drawing/2010/main">
                 <a:solidFill>
                   <a:srgbClr val="FFFFFF"/>
                 </a:solidFill>
@@ -4974,7 +4980,7 @@
           <a:noFill/>
           <a:extLst>
             <a:ext uri="{909E8E84-426E-40dd-AFC4-6F175D3DCCD1}">
-              <a14:hiddenFill xmlns:a14="http://schemas.microsoft.com/office/drawing/2010/main" xmlns="">
+              <a14:hiddenFill xmlns="" xmlns:a14="http://schemas.microsoft.com/office/drawing/2010/main">
                 <a:solidFill>
                   <a:srgbClr val="FFFFFF"/>
                 </a:solidFill>
@@ -5230,7 +5236,7 @@
           <a:noFill/>
           <a:extLst>
             <a:ext uri="{909E8E84-426E-40dd-AFC4-6F175D3DCCD1}">
-              <a14:hiddenFill xmlns:a14="http://schemas.microsoft.com/office/drawing/2010/main" xmlns="">
+              <a14:hiddenFill xmlns="" xmlns:a14="http://schemas.microsoft.com/office/drawing/2010/main">
                 <a:solidFill>
                   <a:srgbClr val="FFFFFF"/>
                 </a:solidFill>
@@ -5420,7 +5426,7 @@
           <a:noFill/>
           <a:extLst>
             <a:ext uri="{909E8E84-426E-40dd-AFC4-6F175D3DCCD1}">
-              <a14:hiddenFill xmlns:a14="http://schemas.microsoft.com/office/drawing/2010/main" xmlns="">
+              <a14:hiddenFill xmlns="" xmlns:a14="http://schemas.microsoft.com/office/drawing/2010/main">
                 <a:solidFill>
                   <a:srgbClr val="FFFFFF"/>
                 </a:solidFill>
@@ -5497,7 +5503,7 @@
           <a:noFill/>
           <a:extLst>
             <a:ext uri="{909E8E84-426E-40dd-AFC4-6F175D3DCCD1}">
-              <a14:hiddenFill xmlns:a14="http://schemas.microsoft.com/office/drawing/2010/main" xmlns="">
+              <a14:hiddenFill xmlns="" xmlns:a14="http://schemas.microsoft.com/office/drawing/2010/main">
                 <a:solidFill>
                   <a:srgbClr val="FFFFFF"/>
                 </a:solidFill>
@@ -5684,7 +5690,7 @@
           <a:noFill/>
           <a:extLst>
             <a:ext uri="{909E8E84-426E-40dd-AFC4-6F175D3DCCD1}">
-              <a14:hiddenFill xmlns:a14="http://schemas.microsoft.com/office/drawing/2010/main" xmlns="">
+              <a14:hiddenFill xmlns="" xmlns:a14="http://schemas.microsoft.com/office/drawing/2010/main">
                 <a:solidFill>
                   <a:srgbClr val="FFFFFF"/>
                 </a:solidFill>
@@ -11512,6 +11518,15 @@
               <a:t> offers a nice alternative to Github, but is not as well known. Mileage may vary.</a:t>
             </a:r>
           </a:p>
+          <a:p>
+            <a:endParaRPr lang="en-US" dirty="0"/>
+          </a:p>
+          <a:p>
+            <a:r>
+              <a:rPr lang="en-US" dirty="0"/>
+              <a:t>AWS is offering some interesting new options</a:t>
+            </a:r>
+          </a:p>
         </p:txBody>
       </p:sp>
     </p:spTree>
@@ -11838,6 +11853,527 @@
           <p:cNvPr id="2" name="Title 1">
             <a:extLst>
               <a:ext uri="{FF2B5EF4-FFF2-40B4-BE49-F238E27FC236}">
+                <a16:creationId xmlns:a16="http://schemas.microsoft.com/office/drawing/2014/main" id="{F220168B-851B-448D-B065-1390D2D73C20}"/>
+              </a:ext>
+            </a:extLst>
+          </p:cNvPr>
+          <p:cNvSpPr>
+            <a:spLocks noGrp="1"/>
+          </p:cNvSpPr>
+          <p:nvPr>
+            <p:ph type="title"/>
+          </p:nvPr>
+        </p:nvSpPr>
+        <p:spPr/>
+        <p:txBody>
+          <a:bodyPr/>
+          <a:lstStyle/>
+          <a:p>
+            <a:r>
+              <a:rPr lang="en-US" dirty="0"/>
+              <a:t>Common UI Tools</a:t>
+            </a:r>
+          </a:p>
+        </p:txBody>
+      </p:sp>
+      <p:sp>
+        <p:nvSpPr>
+          <p:cNvPr id="3" name="Text Placeholder 2">
+            <a:extLst>
+              <a:ext uri="{FF2B5EF4-FFF2-40B4-BE49-F238E27FC236}">
+                <a16:creationId xmlns:a16="http://schemas.microsoft.com/office/drawing/2014/main" id="{1471B88D-28C1-4B4E-A5A7-4BC5DECCA821}"/>
+              </a:ext>
+            </a:extLst>
+          </p:cNvPr>
+          <p:cNvSpPr>
+            <a:spLocks noGrp="1"/>
+          </p:cNvSpPr>
+          <p:nvPr>
+            <p:ph type="body" idx="1"/>
+          </p:nvPr>
+        </p:nvSpPr>
+        <p:spPr/>
+        <p:txBody>
+          <a:bodyPr/>
+          <a:lstStyle/>
+          <a:p>
+            <a:endParaRPr lang="en-US"/>
+          </a:p>
+        </p:txBody>
+      </p:sp>
+    </p:spTree>
+    <p:extLst>
+      <p:ext uri="{BB962C8B-B14F-4D97-AF65-F5344CB8AC3E}">
+        <p14:creationId xmlns:p14="http://schemas.microsoft.com/office/powerpoint/2010/main" val="384892571"/>
+      </p:ext>
+    </p:extLst>
+  </p:cSld>
+  <p:clrMapOvr>
+    <a:masterClrMapping/>
+  </p:clrMapOvr>
+</p:sld>
+</file>
+
+<file path=ppt/slides/slide22.xml><?xml version="1.0" encoding="utf-8"?>
+<p:sld xmlns:a="http://schemas.openxmlformats.org/drawingml/2006/main" xmlns:r="http://schemas.openxmlformats.org/officeDocument/2006/relationships" xmlns:p="http://schemas.openxmlformats.org/presentationml/2006/main">
+  <p:cSld>
+    <p:spTree>
+      <p:nvGrpSpPr>
+        <p:cNvPr id="1" name=""/>
+        <p:cNvGrpSpPr/>
+        <p:nvPr/>
+      </p:nvGrpSpPr>
+      <p:grpSpPr>
+        <a:xfrm>
+          <a:off x="0" y="0"/>
+          <a:ext cx="0" cy="0"/>
+          <a:chOff x="0" y="0"/>
+          <a:chExt cx="0" cy="0"/>
+        </a:xfrm>
+      </p:grpSpPr>
+      <p:sp>
+        <p:nvSpPr>
+          <p:cNvPr id="2" name="Title 1">
+            <a:extLst>
+              <a:ext uri="{FF2B5EF4-FFF2-40B4-BE49-F238E27FC236}">
+                <a16:creationId xmlns:a16="http://schemas.microsoft.com/office/drawing/2014/main" id="{58877F43-7F96-4A05-9192-F72D5998C0FD}"/>
+              </a:ext>
+            </a:extLst>
+          </p:cNvPr>
+          <p:cNvSpPr>
+            <a:spLocks noGrp="1"/>
+          </p:cNvSpPr>
+          <p:nvPr>
+            <p:ph type="title"/>
+          </p:nvPr>
+        </p:nvSpPr>
+        <p:spPr/>
+        <p:txBody>
+          <a:bodyPr/>
+          <a:lstStyle/>
+          <a:p>
+            <a:r>
+              <a:rPr lang="en-US" dirty="0"/>
+              <a:t>The Command Line</a:t>
+            </a:r>
+          </a:p>
+        </p:txBody>
+      </p:sp>
+      <p:pic>
+        <p:nvPicPr>
+          <p:cNvPr id="4" name="Content Placeholder 3">
+            <a:extLst>
+              <a:ext uri="{FF2B5EF4-FFF2-40B4-BE49-F238E27FC236}">
+                <a16:creationId xmlns:a16="http://schemas.microsoft.com/office/drawing/2014/main" id="{58CD5727-155C-4842-B31F-01A46BD28679}"/>
+              </a:ext>
+            </a:extLst>
+          </p:cNvPr>
+          <p:cNvPicPr>
+            <a:picLocks noGrp="1" noChangeAspect="1"/>
+          </p:cNvPicPr>
+          <p:nvPr>
+            <p:ph idx="1"/>
+          </p:nvPr>
+        </p:nvPicPr>
+        <p:blipFill>
+          <a:blip r:embed="rId2"/>
+          <a:stretch>
+            <a:fillRect/>
+          </a:stretch>
+        </p:blipFill>
+        <p:spPr>
+          <a:xfrm>
+            <a:off x="2032713" y="1881069"/>
+            <a:ext cx="8126574" cy="4240449"/>
+          </a:xfrm>
+          <a:prstGeom prst="rect">
+            <a:avLst/>
+          </a:prstGeom>
+        </p:spPr>
+      </p:pic>
+    </p:spTree>
+    <p:extLst>
+      <p:ext uri="{BB962C8B-B14F-4D97-AF65-F5344CB8AC3E}">
+        <p14:creationId xmlns:p14="http://schemas.microsoft.com/office/powerpoint/2010/main" val="1978598311"/>
+      </p:ext>
+    </p:extLst>
+  </p:cSld>
+  <p:clrMapOvr>
+    <a:masterClrMapping/>
+  </p:clrMapOvr>
+</p:sld>
+</file>
+
+<file path=ppt/slides/slide23.xml><?xml version="1.0" encoding="utf-8"?>
+<p:sld xmlns:a="http://schemas.openxmlformats.org/drawingml/2006/main" xmlns:r="http://schemas.openxmlformats.org/officeDocument/2006/relationships" xmlns:p="http://schemas.openxmlformats.org/presentationml/2006/main">
+  <p:cSld>
+    <p:spTree>
+      <p:nvGrpSpPr>
+        <p:cNvPr id="1" name=""/>
+        <p:cNvGrpSpPr/>
+        <p:nvPr/>
+      </p:nvGrpSpPr>
+      <p:grpSpPr>
+        <a:xfrm>
+          <a:off x="0" y="0"/>
+          <a:ext cx="0" cy="0"/>
+          <a:chOff x="0" y="0"/>
+          <a:chExt cx="0" cy="0"/>
+        </a:xfrm>
+      </p:grpSpPr>
+      <p:sp>
+        <p:nvSpPr>
+          <p:cNvPr id="2" name="Title 1">
+            <a:extLst>
+              <a:ext uri="{FF2B5EF4-FFF2-40B4-BE49-F238E27FC236}">
+                <a16:creationId xmlns:a16="http://schemas.microsoft.com/office/drawing/2014/main" id="{6F065B9B-DF9F-4EE1-A34B-B214540B13E1}"/>
+              </a:ext>
+            </a:extLst>
+          </p:cNvPr>
+          <p:cNvSpPr>
+            <a:spLocks noGrp="1"/>
+          </p:cNvSpPr>
+          <p:nvPr>
+            <p:ph type="title"/>
+          </p:nvPr>
+        </p:nvSpPr>
+        <p:spPr/>
+        <p:txBody>
+          <a:bodyPr/>
+          <a:lstStyle/>
+          <a:p>
+            <a:r>
+              <a:rPr lang="en-US" dirty="0"/>
+              <a:t>The Command Line</a:t>
+            </a:r>
+          </a:p>
+        </p:txBody>
+      </p:sp>
+      <p:sp>
+        <p:nvSpPr>
+          <p:cNvPr id="3" name="Content Placeholder 2">
+            <a:extLst>
+              <a:ext uri="{FF2B5EF4-FFF2-40B4-BE49-F238E27FC236}">
+                <a16:creationId xmlns:a16="http://schemas.microsoft.com/office/drawing/2014/main" id="{C45A14B0-644B-4112-AA76-B2906EAB6FFB}"/>
+              </a:ext>
+            </a:extLst>
+          </p:cNvPr>
+          <p:cNvSpPr>
+            <a:spLocks noGrp="1"/>
+          </p:cNvSpPr>
+          <p:nvPr>
+            <p:ph idx="1"/>
+          </p:nvPr>
+        </p:nvSpPr>
+        <p:spPr/>
+        <p:txBody>
+          <a:bodyPr/>
+          <a:lstStyle/>
+          <a:p>
+            <a:r>
+              <a:rPr lang="en-US" dirty="0"/>
+              <a:t>Advantages</a:t>
+            </a:r>
+          </a:p>
+          <a:p>
+            <a:pPr lvl="1"/>
+            <a:r>
+              <a:rPr lang="en-US" dirty="0"/>
+              <a:t>Ubiquitous</a:t>
+            </a:r>
+          </a:p>
+          <a:p>
+            <a:pPr lvl="1"/>
+            <a:r>
+              <a:rPr lang="en-US" dirty="0"/>
+              <a:t>Easy to find solutions, answers, hints</a:t>
+            </a:r>
+          </a:p>
+          <a:p>
+            <a:pPr lvl="1"/>
+            <a:r>
+              <a:rPr lang="en-US" dirty="0"/>
+              <a:t>It’s always there</a:t>
+            </a:r>
+          </a:p>
+          <a:p>
+            <a:r>
+              <a:rPr lang="en-US" dirty="0"/>
+              <a:t>Disadvantages</a:t>
+            </a:r>
+          </a:p>
+          <a:p>
+            <a:pPr lvl="1"/>
+            <a:r>
+              <a:rPr lang="en-US" dirty="0"/>
+              <a:t>It’s the command line.</a:t>
+            </a:r>
+          </a:p>
+          <a:p>
+            <a:pPr lvl="1"/>
+            <a:r>
+              <a:rPr lang="en-US" dirty="0"/>
+              <a:t>Seriously though… it’s the command line.</a:t>
+            </a:r>
+          </a:p>
+        </p:txBody>
+      </p:sp>
+    </p:spTree>
+    <p:extLst>
+      <p:ext uri="{BB962C8B-B14F-4D97-AF65-F5344CB8AC3E}">
+        <p14:creationId xmlns:p14="http://schemas.microsoft.com/office/powerpoint/2010/main" val="2403642711"/>
+      </p:ext>
+    </p:extLst>
+  </p:cSld>
+  <p:clrMapOvr>
+    <a:masterClrMapping/>
+  </p:clrMapOvr>
+</p:sld>
+</file>
+
+<file path=ppt/slides/slide24.xml><?xml version="1.0" encoding="utf-8"?>
+<p:sld xmlns:a="http://schemas.openxmlformats.org/drawingml/2006/main" xmlns:r="http://schemas.openxmlformats.org/officeDocument/2006/relationships" xmlns:p="http://schemas.openxmlformats.org/presentationml/2006/main">
+  <p:cSld>
+    <p:spTree>
+      <p:nvGrpSpPr>
+        <p:cNvPr id="1" name=""/>
+        <p:cNvGrpSpPr/>
+        <p:nvPr/>
+      </p:nvGrpSpPr>
+      <p:grpSpPr>
+        <a:xfrm>
+          <a:off x="0" y="0"/>
+          <a:ext cx="0" cy="0"/>
+          <a:chOff x="0" y="0"/>
+          <a:chExt cx="0" cy="0"/>
+        </a:xfrm>
+      </p:grpSpPr>
+      <p:sp>
+        <p:nvSpPr>
+          <p:cNvPr id="2" name="Title 1">
+            <a:extLst>
+              <a:ext uri="{FF2B5EF4-FFF2-40B4-BE49-F238E27FC236}">
+                <a16:creationId xmlns:a16="http://schemas.microsoft.com/office/drawing/2014/main" id="{52B9E538-2607-48E8-89B9-7E324991C43E}"/>
+              </a:ext>
+            </a:extLst>
+          </p:cNvPr>
+          <p:cNvSpPr>
+            <a:spLocks noGrp="1"/>
+          </p:cNvSpPr>
+          <p:nvPr>
+            <p:ph type="title"/>
+          </p:nvPr>
+        </p:nvSpPr>
+        <p:spPr/>
+        <p:txBody>
+          <a:bodyPr/>
+          <a:lstStyle/>
+          <a:p>
+            <a:r>
+              <a:rPr lang="en-US" dirty="0"/>
+              <a:t>SourceTree</a:t>
+            </a:r>
+          </a:p>
+        </p:txBody>
+      </p:sp>
+      <p:pic>
+        <p:nvPicPr>
+          <p:cNvPr id="4" name="Content Placeholder 3">
+            <a:extLst>
+              <a:ext uri="{FF2B5EF4-FFF2-40B4-BE49-F238E27FC236}">
+                <a16:creationId xmlns:a16="http://schemas.microsoft.com/office/drawing/2014/main" id="{170692BA-4A52-45A4-AD54-BDE3EB083DF2}"/>
+              </a:ext>
+            </a:extLst>
+          </p:cNvPr>
+          <p:cNvPicPr>
+            <a:picLocks noGrp="1" noChangeAspect="1"/>
+          </p:cNvPicPr>
+          <p:nvPr>
+            <p:ph idx="1"/>
+          </p:nvPr>
+        </p:nvPicPr>
+        <p:blipFill>
+          <a:blip r:embed="rId2"/>
+          <a:stretch>
+            <a:fillRect/>
+          </a:stretch>
+        </p:blipFill>
+        <p:spPr>
+          <a:xfrm>
+            <a:off x="2228144" y="1825625"/>
+            <a:ext cx="7735711" cy="4351338"/>
+          </a:xfrm>
+          <a:prstGeom prst="rect">
+            <a:avLst/>
+          </a:prstGeom>
+        </p:spPr>
+      </p:pic>
+    </p:spTree>
+    <p:extLst>
+      <p:ext uri="{BB962C8B-B14F-4D97-AF65-F5344CB8AC3E}">
+        <p14:creationId xmlns:p14="http://schemas.microsoft.com/office/powerpoint/2010/main" val="932627191"/>
+      </p:ext>
+    </p:extLst>
+  </p:cSld>
+  <p:clrMapOvr>
+    <a:masterClrMapping/>
+  </p:clrMapOvr>
+</p:sld>
+</file>
+
+<file path=ppt/slides/slide25.xml><?xml version="1.0" encoding="utf-8"?>
+<p:sld xmlns:a="http://schemas.openxmlformats.org/drawingml/2006/main" xmlns:r="http://schemas.openxmlformats.org/officeDocument/2006/relationships" xmlns:p="http://schemas.openxmlformats.org/presentationml/2006/main">
+  <p:cSld>
+    <p:spTree>
+      <p:nvGrpSpPr>
+        <p:cNvPr id="1" name=""/>
+        <p:cNvGrpSpPr/>
+        <p:nvPr/>
+      </p:nvGrpSpPr>
+      <p:grpSpPr>
+        <a:xfrm>
+          <a:off x="0" y="0"/>
+          <a:ext cx="0" cy="0"/>
+          <a:chOff x="0" y="0"/>
+          <a:chExt cx="0" cy="0"/>
+        </a:xfrm>
+      </p:grpSpPr>
+      <p:sp>
+        <p:nvSpPr>
+          <p:cNvPr id="2" name="Title 1">
+            <a:extLst>
+              <a:ext uri="{FF2B5EF4-FFF2-40B4-BE49-F238E27FC236}">
+                <a16:creationId xmlns:a16="http://schemas.microsoft.com/office/drawing/2014/main" id="{47F9B615-73A8-454F-BA70-483057F276EF}"/>
+              </a:ext>
+            </a:extLst>
+          </p:cNvPr>
+          <p:cNvSpPr>
+            <a:spLocks noGrp="1"/>
+          </p:cNvSpPr>
+          <p:nvPr>
+            <p:ph type="title"/>
+          </p:nvPr>
+        </p:nvSpPr>
+        <p:spPr/>
+        <p:txBody>
+          <a:bodyPr/>
+          <a:lstStyle/>
+          <a:p>
+            <a:r>
+              <a:rPr lang="en-US" dirty="0"/>
+              <a:t>SourceTree</a:t>
+            </a:r>
+          </a:p>
+        </p:txBody>
+      </p:sp>
+      <p:sp>
+        <p:nvSpPr>
+          <p:cNvPr id="3" name="Content Placeholder 2">
+            <a:extLst>
+              <a:ext uri="{FF2B5EF4-FFF2-40B4-BE49-F238E27FC236}">
+                <a16:creationId xmlns:a16="http://schemas.microsoft.com/office/drawing/2014/main" id="{FFC99A81-2CCC-44FA-A25B-613AAA5F0C11}"/>
+              </a:ext>
+            </a:extLst>
+          </p:cNvPr>
+          <p:cNvSpPr>
+            <a:spLocks noGrp="1"/>
+          </p:cNvSpPr>
+          <p:nvPr>
+            <p:ph idx="1"/>
+          </p:nvPr>
+        </p:nvSpPr>
+        <p:spPr/>
+        <p:txBody>
+          <a:bodyPr/>
+          <a:lstStyle/>
+          <a:p>
+            <a:r>
+              <a:rPr lang="en-US" dirty="0"/>
+              <a:t>Advantages</a:t>
+            </a:r>
+          </a:p>
+          <a:p>
+            <a:pPr lvl="1"/>
+            <a:r>
+              <a:rPr lang="en-US" dirty="0"/>
+              <a:t>Common UI</a:t>
+            </a:r>
+          </a:p>
+          <a:p>
+            <a:pPr lvl="1"/>
+            <a:r>
+              <a:rPr lang="en-US" dirty="0"/>
+              <a:t>Easy to use</a:t>
+            </a:r>
+          </a:p>
+          <a:p>
+            <a:pPr lvl="1"/>
+            <a:r>
+              <a:rPr lang="en-US" dirty="0"/>
+              <a:t>Multi-Platform</a:t>
+            </a:r>
+          </a:p>
+          <a:p>
+            <a:r>
+              <a:rPr lang="en-US" dirty="0"/>
+              <a:t>Disadvantages</a:t>
+            </a:r>
+          </a:p>
+          <a:p>
+            <a:pPr lvl="1"/>
+            <a:r>
+              <a:rPr lang="en-US" dirty="0"/>
+              <a:t>Seems to update a LOT – this can be a pain</a:t>
+            </a:r>
+          </a:p>
+          <a:p>
+            <a:pPr lvl="1"/>
+            <a:r>
+              <a:rPr lang="en-US" dirty="0"/>
+              <a:t>Owned by Atlassian, requires </a:t>
+            </a:r>
+            <a:r>
+              <a:rPr lang="en-US"/>
+              <a:t>an account</a:t>
+            </a:r>
+          </a:p>
+        </p:txBody>
+      </p:sp>
+    </p:spTree>
+    <p:extLst>
+      <p:ext uri="{BB962C8B-B14F-4D97-AF65-F5344CB8AC3E}">
+        <p14:creationId xmlns:p14="http://schemas.microsoft.com/office/powerpoint/2010/main" val="105811851"/>
+      </p:ext>
+    </p:extLst>
+  </p:cSld>
+  <p:clrMapOvr>
+    <a:masterClrMapping/>
+  </p:clrMapOvr>
+</p:sld>
+</file>
+
+<file path=ppt/slides/slide26.xml><?xml version="1.0" encoding="utf-8"?>
+<p:sld xmlns:a="http://schemas.openxmlformats.org/drawingml/2006/main" xmlns:r="http://schemas.openxmlformats.org/officeDocument/2006/relationships" xmlns:p="http://schemas.openxmlformats.org/presentationml/2006/main">
+  <p:cSld>
+    <p:spTree>
+      <p:nvGrpSpPr>
+        <p:cNvPr id="1" name=""/>
+        <p:cNvGrpSpPr/>
+        <p:nvPr/>
+      </p:nvGrpSpPr>
+      <p:grpSpPr>
+        <a:xfrm>
+          <a:off x="0" y="0"/>
+          <a:ext cx="0" cy="0"/>
+          <a:chOff x="0" y="0"/>
+          <a:chExt cx="0" cy="0"/>
+        </a:xfrm>
+      </p:grpSpPr>
+      <p:sp>
+        <p:nvSpPr>
+          <p:cNvPr id="2" name="Title 1">
+            <a:extLst>
+              <a:ext uri="{FF2B5EF4-FFF2-40B4-BE49-F238E27FC236}">
                 <a16:creationId xmlns:a16="http://schemas.microsoft.com/office/drawing/2014/main" id="{BF5778DD-3C07-454D-981B-E4BE4CA84837}"/>
               </a:ext>
             </a:extLst>
@@ -11953,7 +12489,7 @@
 </p:sld>
 </file>
 
-<file path=ppt/slides/slide22.xml><?xml version="1.0" encoding="utf-8"?>
+<file path=ppt/slides/slide27.xml><?xml version="1.0" encoding="utf-8"?>
 <p:sld xmlns:a="http://schemas.openxmlformats.org/drawingml/2006/main" xmlns:r="http://schemas.openxmlformats.org/officeDocument/2006/relationships" xmlns:p="http://schemas.openxmlformats.org/presentationml/2006/main">
   <p:cSld>
     <p:spTree>

--- a/Slides/Git for the Normal Developer.pptx
+++ b/Slides/Git for the Normal Developer.pptx
@@ -5,7 +5,7 @@
     <p:sldMasterId id="2147483648" r:id="rId1"/>
   </p:sldMasterIdLst>
   <p:notesMasterIdLst>
-    <p:notesMasterId r:id="rId29"/>
+    <p:notesMasterId r:id="rId31"/>
   </p:notesMasterIdLst>
   <p:sldIdLst>
     <p:sldId id="425" r:id="rId2"/>
@@ -28,13 +28,15 @@
     <p:sldId id="432" r:id="rId19"/>
     <p:sldId id="434" r:id="rId20"/>
     <p:sldId id="446" r:id="rId21"/>
-    <p:sldId id="447" r:id="rId22"/>
-    <p:sldId id="448" r:id="rId23"/>
-    <p:sldId id="449" r:id="rId24"/>
-    <p:sldId id="450" r:id="rId25"/>
-    <p:sldId id="451" r:id="rId26"/>
-    <p:sldId id="433" r:id="rId27"/>
-    <p:sldId id="423" r:id="rId28"/>
+    <p:sldId id="452" r:id="rId22"/>
+    <p:sldId id="453" r:id="rId23"/>
+    <p:sldId id="447" r:id="rId24"/>
+    <p:sldId id="448" r:id="rId25"/>
+    <p:sldId id="449" r:id="rId26"/>
+    <p:sldId id="450" r:id="rId27"/>
+    <p:sldId id="451" r:id="rId28"/>
+    <p:sldId id="433" r:id="rId29"/>
+    <p:sldId id="423" r:id="rId30"/>
   </p:sldIdLst>
   <p:sldSz cx="12192000" cy="6858000"/>
   <p:notesSz cx="6858000" cy="9144000"/>
@@ -158,6 +160,8 @@
             <p14:sldId id="432"/>
             <p14:sldId id="434"/>
             <p14:sldId id="446"/>
+            <p14:sldId id="452"/>
+            <p14:sldId id="453"/>
             <p14:sldId id="447"/>
             <p14:sldId id="448"/>
             <p14:sldId id="449"/>
@@ -281,7 +285,7 @@
           <a:p>
             <a:fld id="{1BEA97F8-B659-47CA-8766-3CBCF3366F26}" type="datetimeFigureOut">
               <a:rPr lang="en-US" smtClean="0"/>
-              <a:t>5/2/2018</a:t>
+              <a:t>5/4/2018</a:t>
             </a:fld>
             <a:endParaRPr lang="en-US"/>
           </a:p>
@@ -11850,10 +11854,10 @@
       </p:grpSpPr>
       <p:sp>
         <p:nvSpPr>
-          <p:cNvPr id="2" name="Title 1">
+          <p:cNvPr id="4" name="Title 3">
             <a:extLst>
               <a:ext uri="{FF2B5EF4-FFF2-40B4-BE49-F238E27FC236}">
-                <a16:creationId xmlns:a16="http://schemas.microsoft.com/office/drawing/2014/main" id="{F220168B-851B-448D-B065-1390D2D73C20}"/>
+                <a16:creationId xmlns:a16="http://schemas.microsoft.com/office/drawing/2014/main" id="{B4D0A662-C37A-473D-A246-0D681A71BA66}"/>
               </a:ext>
             </a:extLst>
           </p:cNvPr>
@@ -11871,40 +11875,66 @@
           <a:p>
             <a:r>
               <a:rPr lang="en-US" dirty="0"/>
-              <a:t>Common UI Tools</a:t>
+              <a:t>Gitflow</a:t>
             </a:r>
           </a:p>
         </p:txBody>
       </p:sp>
-      <p:sp>
-        <p:nvSpPr>
-          <p:cNvPr id="3" name="Text Placeholder 2">
+      <p:pic>
+        <p:nvPicPr>
+          <p:cNvPr id="7" name="Content Placeholder 6">
             <a:extLst>
               <a:ext uri="{FF2B5EF4-FFF2-40B4-BE49-F238E27FC236}">
-                <a16:creationId xmlns:a16="http://schemas.microsoft.com/office/drawing/2014/main" id="{1471B88D-28C1-4B4E-A5A7-4BC5DECCA821}"/>
+                <a16:creationId xmlns:a16="http://schemas.microsoft.com/office/drawing/2014/main" id="{EEB5084E-8EDB-474F-8DAC-73F4A7AF336D}"/>
               </a:ext>
             </a:extLst>
           </p:cNvPr>
-          <p:cNvSpPr>
-            <a:spLocks noGrp="1"/>
-          </p:cNvSpPr>
-          <p:nvPr>
-            <p:ph type="body" idx="1"/>
-          </p:nvPr>
-        </p:nvSpPr>
-        <p:spPr/>
-        <p:txBody>
-          <a:bodyPr/>
-          <a:lstStyle/>
-          <a:p>
-            <a:endParaRPr lang="en-US"/>
-          </a:p>
-        </p:txBody>
-      </p:sp>
+          <p:cNvPicPr>
+            <a:picLocks noGrp="1" noChangeAspect="1"/>
+          </p:cNvPicPr>
+          <p:nvPr>
+            <p:ph idx="1"/>
+          </p:nvPr>
+        </p:nvPicPr>
+        <p:blipFill>
+          <a:blip r:embed="rId2">
+            <a:extLst>
+              <a:ext uri="{28A0092B-C50C-407E-A947-70E740481C1C}">
+                <a14:useLocalDpi xmlns:a14="http://schemas.microsoft.com/office/drawing/2010/main" val="0"/>
+              </a:ext>
+              <a:ext uri="{96DAC541-7B7A-43D3-8B79-37D633B846F1}">
+                <asvg:svgBlip xmlns:asvg="http://schemas.microsoft.com/office/drawing/2016/SVG/main" r:embed="rId3"/>
+              </a:ext>
+            </a:extLst>
+          </a:blip>
+          <a:stretch>
+            <a:fillRect/>
+          </a:stretch>
+        </p:blipFill>
+        <p:spPr bwMode="auto">
+          <a:xfrm>
+            <a:off x="3063709" y="1825625"/>
+            <a:ext cx="6064582" cy="4351338"/>
+          </a:xfrm>
+          <a:prstGeom prst="rect">
+            <a:avLst/>
+          </a:prstGeom>
+          <a:noFill/>
+          <a:extLst>
+            <a:ext uri="{909E8E84-426E-40DD-AFC4-6F175D3DCCD1}">
+              <a14:hiddenFill xmlns:a14="http://schemas.microsoft.com/office/drawing/2010/main">
+                <a:solidFill>
+                  <a:srgbClr val="FFFFFF"/>
+                </a:solidFill>
+              </a14:hiddenFill>
+            </a:ext>
+          </a:extLst>
+        </p:spPr>
+      </p:pic>
     </p:spTree>
     <p:extLst>
       <p:ext uri="{BB962C8B-B14F-4D97-AF65-F5344CB8AC3E}">
-        <p14:creationId xmlns:p14="http://schemas.microsoft.com/office/powerpoint/2010/main" val="384892571"/>
+        <p14:creationId xmlns:p14="http://schemas.microsoft.com/office/powerpoint/2010/main" val="2377605413"/>
       </p:ext>
     </p:extLst>
   </p:cSld>
@@ -11936,7 +11966,7 @@
           <p:cNvPr id="2" name="Title 1">
             <a:extLst>
               <a:ext uri="{FF2B5EF4-FFF2-40B4-BE49-F238E27FC236}">
-                <a16:creationId xmlns:a16="http://schemas.microsoft.com/office/drawing/2014/main" id="{58877F43-7F96-4A05-9192-F72D5998C0FD}"/>
+                <a16:creationId xmlns:a16="http://schemas.microsoft.com/office/drawing/2014/main" id="{CC4A54E6-05F8-4D89-971E-BC053D209B94}"/>
               </a:ext>
             </a:extLst>
           </p:cNvPr>
@@ -11954,17 +11984,17 @@
           <a:p>
             <a:r>
               <a:rPr lang="en-US" dirty="0"/>
-              <a:t>The Command Line</a:t>
+              <a:t>Github Flow</a:t>
             </a:r>
           </a:p>
         </p:txBody>
       </p:sp>
       <p:pic>
         <p:nvPicPr>
-          <p:cNvPr id="4" name="Content Placeholder 3">
+          <p:cNvPr id="5" name="Content Placeholder 4">
             <a:extLst>
               <a:ext uri="{FF2B5EF4-FFF2-40B4-BE49-F238E27FC236}">
-                <a16:creationId xmlns:a16="http://schemas.microsoft.com/office/drawing/2014/main" id="{58CD5727-155C-4842-B31F-01A46BD28679}"/>
+                <a16:creationId xmlns:a16="http://schemas.microsoft.com/office/drawing/2014/main" id="{7A2BCEFD-3342-43C1-B40B-42DE90C5E3F6}"/>
               </a:ext>
             </a:extLst>
           </p:cNvPr>
@@ -11976,25 +12006,28 @@
           </p:nvPr>
         </p:nvPicPr>
         <p:blipFill>
-          <a:blip r:embed="rId2"/>
+          <a:blip r:embed="rId2">
+            <a:extLst>
+              <a:ext uri="{28A0092B-C50C-407E-A947-70E740481C1C}">
+                <a14:useLocalDpi xmlns:a14="http://schemas.microsoft.com/office/drawing/2010/main" val="0"/>
+              </a:ext>
+            </a:extLst>
+          </a:blip>
           <a:stretch>
             <a:fillRect/>
           </a:stretch>
         </p:blipFill>
         <p:spPr>
           <a:xfrm>
-            <a:off x="2032713" y="1881069"/>
-            <a:ext cx="8126574" cy="4240449"/>
-          </a:xfrm>
-          <a:prstGeom prst="rect">
-            <a:avLst/>
-          </a:prstGeom>
+            <a:off x="838200" y="2678073"/>
+            <a:ext cx="10515600" cy="2646442"/>
+          </a:xfrm>
         </p:spPr>
       </p:pic>
     </p:spTree>
     <p:extLst>
       <p:ext uri="{BB962C8B-B14F-4D97-AF65-F5344CB8AC3E}">
-        <p14:creationId xmlns:p14="http://schemas.microsoft.com/office/powerpoint/2010/main" val="1978598311"/>
+        <p14:creationId xmlns:p14="http://schemas.microsoft.com/office/powerpoint/2010/main" val="3213113248"/>
       </p:ext>
     </p:extLst>
   </p:cSld>
@@ -12026,7 +12059,7 @@
           <p:cNvPr id="2" name="Title 1">
             <a:extLst>
               <a:ext uri="{FF2B5EF4-FFF2-40B4-BE49-F238E27FC236}">
-                <a16:creationId xmlns:a16="http://schemas.microsoft.com/office/drawing/2014/main" id="{6F065B9B-DF9F-4EE1-A34B-B214540B13E1}"/>
+                <a16:creationId xmlns:a16="http://schemas.microsoft.com/office/drawing/2014/main" id="{F220168B-851B-448D-B065-1390D2D73C20}"/>
               </a:ext>
             </a:extLst>
           </p:cNvPr>
@@ -12044,17 +12077,17 @@
           <a:p>
             <a:r>
               <a:rPr lang="en-US" dirty="0"/>
-              <a:t>The Command Line</a:t>
+              <a:t>Common UI Tools</a:t>
             </a:r>
           </a:p>
         </p:txBody>
       </p:sp>
       <p:sp>
         <p:nvSpPr>
-          <p:cNvPr id="3" name="Content Placeholder 2">
+          <p:cNvPr id="3" name="Text Placeholder 2">
             <a:extLst>
               <a:ext uri="{FF2B5EF4-FFF2-40B4-BE49-F238E27FC236}">
-                <a16:creationId xmlns:a16="http://schemas.microsoft.com/office/drawing/2014/main" id="{C45A14B0-644B-4112-AA76-B2906EAB6FFB}"/>
+                <a16:creationId xmlns:a16="http://schemas.microsoft.com/office/drawing/2014/main" id="{1471B88D-28C1-4B4E-A5A7-4BC5DECCA821}"/>
               </a:ext>
             </a:extLst>
           </p:cNvPr>
@@ -12062,7 +12095,7 @@
             <a:spLocks noGrp="1"/>
           </p:cNvSpPr>
           <p:nvPr>
-            <p:ph idx="1"/>
+            <p:ph type="body" idx="1"/>
           </p:nvPr>
         </p:nvSpPr>
         <p:spPr/>
@@ -12070,58 +12103,14 @@
           <a:bodyPr/>
           <a:lstStyle/>
           <a:p>
-            <a:r>
-              <a:rPr lang="en-US" dirty="0"/>
-              <a:t>Advantages</a:t>
-            </a:r>
-          </a:p>
-          <a:p>
-            <a:pPr lvl="1"/>
-            <a:r>
-              <a:rPr lang="en-US" dirty="0"/>
-              <a:t>Ubiquitous</a:t>
-            </a:r>
-          </a:p>
-          <a:p>
-            <a:pPr lvl="1"/>
-            <a:r>
-              <a:rPr lang="en-US" dirty="0"/>
-              <a:t>Easy to find solutions, answers, hints</a:t>
-            </a:r>
-          </a:p>
-          <a:p>
-            <a:pPr lvl="1"/>
-            <a:r>
-              <a:rPr lang="en-US" dirty="0"/>
-              <a:t>It’s always there</a:t>
-            </a:r>
-          </a:p>
-          <a:p>
-            <a:r>
-              <a:rPr lang="en-US" dirty="0"/>
-              <a:t>Disadvantages</a:t>
-            </a:r>
-          </a:p>
-          <a:p>
-            <a:pPr lvl="1"/>
-            <a:r>
-              <a:rPr lang="en-US" dirty="0"/>
-              <a:t>It’s the command line.</a:t>
-            </a:r>
-          </a:p>
-          <a:p>
-            <a:pPr lvl="1"/>
-            <a:r>
-              <a:rPr lang="en-US" dirty="0"/>
-              <a:t>Seriously though… it’s the command line.</a:t>
-            </a:r>
+            <a:endParaRPr lang="en-US"/>
           </a:p>
         </p:txBody>
       </p:sp>
     </p:spTree>
     <p:extLst>
       <p:ext uri="{BB962C8B-B14F-4D97-AF65-F5344CB8AC3E}">
-        <p14:creationId xmlns:p14="http://schemas.microsoft.com/office/powerpoint/2010/main" val="2403642711"/>
+        <p14:creationId xmlns:p14="http://schemas.microsoft.com/office/powerpoint/2010/main" val="384892571"/>
       </p:ext>
     </p:extLst>
   </p:cSld>
@@ -12153,7 +12142,7 @@
           <p:cNvPr id="2" name="Title 1">
             <a:extLst>
               <a:ext uri="{FF2B5EF4-FFF2-40B4-BE49-F238E27FC236}">
-                <a16:creationId xmlns:a16="http://schemas.microsoft.com/office/drawing/2014/main" id="{52B9E538-2607-48E8-89B9-7E324991C43E}"/>
+                <a16:creationId xmlns:a16="http://schemas.microsoft.com/office/drawing/2014/main" id="{58877F43-7F96-4A05-9192-F72D5998C0FD}"/>
               </a:ext>
             </a:extLst>
           </p:cNvPr>
@@ -12171,7 +12160,7 @@
           <a:p>
             <a:r>
               <a:rPr lang="en-US" dirty="0"/>
-              <a:t>SourceTree</a:t>
+              <a:t>The Command Line</a:t>
             </a:r>
           </a:p>
         </p:txBody>
@@ -12181,7 +12170,7 @@
           <p:cNvPr id="4" name="Content Placeholder 3">
             <a:extLst>
               <a:ext uri="{FF2B5EF4-FFF2-40B4-BE49-F238E27FC236}">
-                <a16:creationId xmlns:a16="http://schemas.microsoft.com/office/drawing/2014/main" id="{170692BA-4A52-45A4-AD54-BDE3EB083DF2}"/>
+                <a16:creationId xmlns:a16="http://schemas.microsoft.com/office/drawing/2014/main" id="{58CD5727-155C-4842-B31F-01A46BD28679}"/>
               </a:ext>
             </a:extLst>
           </p:cNvPr>
@@ -12200,8 +12189,8 @@
         </p:blipFill>
         <p:spPr>
           <a:xfrm>
-            <a:off x="2228144" y="1825625"/>
-            <a:ext cx="7735711" cy="4351338"/>
+            <a:off x="2032713" y="1881069"/>
+            <a:ext cx="8126574" cy="4240449"/>
           </a:xfrm>
           <a:prstGeom prst="rect">
             <a:avLst/>
@@ -12211,7 +12200,7 @@
     </p:spTree>
     <p:extLst>
       <p:ext uri="{BB962C8B-B14F-4D97-AF65-F5344CB8AC3E}">
-        <p14:creationId xmlns:p14="http://schemas.microsoft.com/office/powerpoint/2010/main" val="932627191"/>
+        <p14:creationId xmlns:p14="http://schemas.microsoft.com/office/powerpoint/2010/main" val="1978598311"/>
       </p:ext>
     </p:extLst>
   </p:cSld>
@@ -12243,7 +12232,7 @@
           <p:cNvPr id="2" name="Title 1">
             <a:extLst>
               <a:ext uri="{FF2B5EF4-FFF2-40B4-BE49-F238E27FC236}">
-                <a16:creationId xmlns:a16="http://schemas.microsoft.com/office/drawing/2014/main" id="{47F9B615-73A8-454F-BA70-483057F276EF}"/>
+                <a16:creationId xmlns:a16="http://schemas.microsoft.com/office/drawing/2014/main" id="{6F065B9B-DF9F-4EE1-A34B-B214540B13E1}"/>
               </a:ext>
             </a:extLst>
           </p:cNvPr>
@@ -12261,7 +12250,7 @@
           <a:p>
             <a:r>
               <a:rPr lang="en-US" dirty="0"/>
-              <a:t>SourceTree</a:t>
+              <a:t>The Command Line</a:t>
             </a:r>
           </a:p>
         </p:txBody>
@@ -12271,7 +12260,7 @@
           <p:cNvPr id="3" name="Content Placeholder 2">
             <a:extLst>
               <a:ext uri="{FF2B5EF4-FFF2-40B4-BE49-F238E27FC236}">
-                <a16:creationId xmlns:a16="http://schemas.microsoft.com/office/drawing/2014/main" id="{FFC99A81-2CCC-44FA-A25B-613AAA5F0C11}"/>
+                <a16:creationId xmlns:a16="http://schemas.microsoft.com/office/drawing/2014/main" id="{C45A14B0-644B-4112-AA76-B2906EAB6FFB}"/>
               </a:ext>
             </a:extLst>
           </p:cNvPr>
@@ -12296,21 +12285,21 @@
             <a:pPr lvl="1"/>
             <a:r>
               <a:rPr lang="en-US" dirty="0"/>
-              <a:t>Common UI</a:t>
+              <a:t>Ubiquitous</a:t>
             </a:r>
           </a:p>
           <a:p>
             <a:pPr lvl="1"/>
             <a:r>
               <a:rPr lang="en-US" dirty="0"/>
-              <a:t>Easy to use</a:t>
+              <a:t>Easy to find solutions, answers, hints</a:t>
             </a:r>
           </a:p>
           <a:p>
             <a:pPr lvl="1"/>
             <a:r>
               <a:rPr lang="en-US" dirty="0"/>
-              <a:t>Multi-Platform</a:t>
+              <a:t>It’s always there</a:t>
             </a:r>
           </a:p>
           <a:p>
@@ -12323,18 +12312,14 @@
             <a:pPr lvl="1"/>
             <a:r>
               <a:rPr lang="en-US" dirty="0"/>
-              <a:t>Seems to update a LOT – this can be a pain</a:t>
+              <a:t>It’s the command line.</a:t>
             </a:r>
           </a:p>
           <a:p>
             <a:pPr lvl="1"/>
             <a:r>
               <a:rPr lang="en-US" dirty="0"/>
-              <a:t>Owned by Atlassian, requires </a:t>
-            </a:r>
-            <a:r>
-              <a:rPr lang="en-US"/>
-              <a:t>an account</a:t>
+              <a:t>Seriously though… it’s the command line.</a:t>
             </a:r>
           </a:p>
         </p:txBody>
@@ -12342,7 +12327,7 @@
     </p:spTree>
     <p:extLst>
       <p:ext uri="{BB962C8B-B14F-4D97-AF65-F5344CB8AC3E}">
-        <p14:creationId xmlns:p14="http://schemas.microsoft.com/office/powerpoint/2010/main" val="105811851"/>
+        <p14:creationId xmlns:p14="http://schemas.microsoft.com/office/powerpoint/2010/main" val="2403642711"/>
       </p:ext>
     </p:extLst>
   </p:cSld>
@@ -12374,6 +12359,227 @@
           <p:cNvPr id="2" name="Title 1">
             <a:extLst>
               <a:ext uri="{FF2B5EF4-FFF2-40B4-BE49-F238E27FC236}">
+                <a16:creationId xmlns:a16="http://schemas.microsoft.com/office/drawing/2014/main" id="{52B9E538-2607-48E8-89B9-7E324991C43E}"/>
+              </a:ext>
+            </a:extLst>
+          </p:cNvPr>
+          <p:cNvSpPr>
+            <a:spLocks noGrp="1"/>
+          </p:cNvSpPr>
+          <p:nvPr>
+            <p:ph type="title"/>
+          </p:nvPr>
+        </p:nvSpPr>
+        <p:spPr/>
+        <p:txBody>
+          <a:bodyPr/>
+          <a:lstStyle/>
+          <a:p>
+            <a:r>
+              <a:rPr lang="en-US" dirty="0"/>
+              <a:t>SourceTree</a:t>
+            </a:r>
+          </a:p>
+        </p:txBody>
+      </p:sp>
+      <p:pic>
+        <p:nvPicPr>
+          <p:cNvPr id="4" name="Content Placeholder 3">
+            <a:extLst>
+              <a:ext uri="{FF2B5EF4-FFF2-40B4-BE49-F238E27FC236}">
+                <a16:creationId xmlns:a16="http://schemas.microsoft.com/office/drawing/2014/main" id="{170692BA-4A52-45A4-AD54-BDE3EB083DF2}"/>
+              </a:ext>
+            </a:extLst>
+          </p:cNvPr>
+          <p:cNvPicPr>
+            <a:picLocks noGrp="1" noChangeAspect="1"/>
+          </p:cNvPicPr>
+          <p:nvPr>
+            <p:ph idx="1"/>
+          </p:nvPr>
+        </p:nvPicPr>
+        <p:blipFill>
+          <a:blip r:embed="rId2"/>
+          <a:stretch>
+            <a:fillRect/>
+          </a:stretch>
+        </p:blipFill>
+        <p:spPr>
+          <a:xfrm>
+            <a:off x="2228144" y="1825625"/>
+            <a:ext cx="7735711" cy="4351338"/>
+          </a:xfrm>
+          <a:prstGeom prst="rect">
+            <a:avLst/>
+          </a:prstGeom>
+        </p:spPr>
+      </p:pic>
+    </p:spTree>
+    <p:extLst>
+      <p:ext uri="{BB962C8B-B14F-4D97-AF65-F5344CB8AC3E}">
+        <p14:creationId xmlns:p14="http://schemas.microsoft.com/office/powerpoint/2010/main" val="932627191"/>
+      </p:ext>
+    </p:extLst>
+  </p:cSld>
+  <p:clrMapOvr>
+    <a:masterClrMapping/>
+  </p:clrMapOvr>
+</p:sld>
+</file>
+
+<file path=ppt/slides/slide27.xml><?xml version="1.0" encoding="utf-8"?>
+<p:sld xmlns:a="http://schemas.openxmlformats.org/drawingml/2006/main" xmlns:r="http://schemas.openxmlformats.org/officeDocument/2006/relationships" xmlns:p="http://schemas.openxmlformats.org/presentationml/2006/main">
+  <p:cSld>
+    <p:spTree>
+      <p:nvGrpSpPr>
+        <p:cNvPr id="1" name=""/>
+        <p:cNvGrpSpPr/>
+        <p:nvPr/>
+      </p:nvGrpSpPr>
+      <p:grpSpPr>
+        <a:xfrm>
+          <a:off x="0" y="0"/>
+          <a:ext cx="0" cy="0"/>
+          <a:chOff x="0" y="0"/>
+          <a:chExt cx="0" cy="0"/>
+        </a:xfrm>
+      </p:grpSpPr>
+      <p:sp>
+        <p:nvSpPr>
+          <p:cNvPr id="2" name="Title 1">
+            <a:extLst>
+              <a:ext uri="{FF2B5EF4-FFF2-40B4-BE49-F238E27FC236}">
+                <a16:creationId xmlns:a16="http://schemas.microsoft.com/office/drawing/2014/main" id="{47F9B615-73A8-454F-BA70-483057F276EF}"/>
+              </a:ext>
+            </a:extLst>
+          </p:cNvPr>
+          <p:cNvSpPr>
+            <a:spLocks noGrp="1"/>
+          </p:cNvSpPr>
+          <p:nvPr>
+            <p:ph type="title"/>
+          </p:nvPr>
+        </p:nvSpPr>
+        <p:spPr/>
+        <p:txBody>
+          <a:bodyPr/>
+          <a:lstStyle/>
+          <a:p>
+            <a:r>
+              <a:rPr lang="en-US" dirty="0"/>
+              <a:t>SourceTree</a:t>
+            </a:r>
+          </a:p>
+        </p:txBody>
+      </p:sp>
+      <p:sp>
+        <p:nvSpPr>
+          <p:cNvPr id="3" name="Content Placeholder 2">
+            <a:extLst>
+              <a:ext uri="{FF2B5EF4-FFF2-40B4-BE49-F238E27FC236}">
+                <a16:creationId xmlns:a16="http://schemas.microsoft.com/office/drawing/2014/main" id="{FFC99A81-2CCC-44FA-A25B-613AAA5F0C11}"/>
+              </a:ext>
+            </a:extLst>
+          </p:cNvPr>
+          <p:cNvSpPr>
+            <a:spLocks noGrp="1"/>
+          </p:cNvSpPr>
+          <p:nvPr>
+            <p:ph idx="1"/>
+          </p:nvPr>
+        </p:nvSpPr>
+        <p:spPr/>
+        <p:txBody>
+          <a:bodyPr/>
+          <a:lstStyle/>
+          <a:p>
+            <a:r>
+              <a:rPr lang="en-US" dirty="0"/>
+              <a:t>Advantages</a:t>
+            </a:r>
+          </a:p>
+          <a:p>
+            <a:pPr lvl="1"/>
+            <a:r>
+              <a:rPr lang="en-US" dirty="0"/>
+              <a:t>Common UI</a:t>
+            </a:r>
+          </a:p>
+          <a:p>
+            <a:pPr lvl="1"/>
+            <a:r>
+              <a:rPr lang="en-US" dirty="0"/>
+              <a:t>Easy to use</a:t>
+            </a:r>
+          </a:p>
+          <a:p>
+            <a:pPr lvl="1"/>
+            <a:r>
+              <a:rPr lang="en-US" dirty="0"/>
+              <a:t>Multi-Platform</a:t>
+            </a:r>
+          </a:p>
+          <a:p>
+            <a:r>
+              <a:rPr lang="en-US" dirty="0"/>
+              <a:t>Disadvantages</a:t>
+            </a:r>
+          </a:p>
+          <a:p>
+            <a:pPr lvl="1"/>
+            <a:r>
+              <a:rPr lang="en-US" dirty="0"/>
+              <a:t>Seems to update a LOT – this can be a pain</a:t>
+            </a:r>
+          </a:p>
+          <a:p>
+            <a:pPr lvl="1"/>
+            <a:r>
+              <a:rPr lang="en-US" dirty="0"/>
+              <a:t>Owned by Atlassian, requires </a:t>
+            </a:r>
+            <a:r>
+              <a:rPr lang="en-US"/>
+              <a:t>an account</a:t>
+            </a:r>
+          </a:p>
+        </p:txBody>
+      </p:sp>
+    </p:spTree>
+    <p:extLst>
+      <p:ext uri="{BB962C8B-B14F-4D97-AF65-F5344CB8AC3E}">
+        <p14:creationId xmlns:p14="http://schemas.microsoft.com/office/powerpoint/2010/main" val="105811851"/>
+      </p:ext>
+    </p:extLst>
+  </p:cSld>
+  <p:clrMapOvr>
+    <a:masterClrMapping/>
+  </p:clrMapOvr>
+</p:sld>
+</file>
+
+<file path=ppt/slides/slide28.xml><?xml version="1.0" encoding="utf-8"?>
+<p:sld xmlns:a="http://schemas.openxmlformats.org/drawingml/2006/main" xmlns:r="http://schemas.openxmlformats.org/officeDocument/2006/relationships" xmlns:p="http://schemas.openxmlformats.org/presentationml/2006/main">
+  <p:cSld>
+    <p:spTree>
+      <p:nvGrpSpPr>
+        <p:cNvPr id="1" name=""/>
+        <p:cNvGrpSpPr/>
+        <p:nvPr/>
+      </p:nvGrpSpPr>
+      <p:grpSpPr>
+        <a:xfrm>
+          <a:off x="0" y="0"/>
+          <a:ext cx="0" cy="0"/>
+          <a:chOff x="0" y="0"/>
+          <a:chExt cx="0" cy="0"/>
+        </a:xfrm>
+      </p:grpSpPr>
+      <p:sp>
+        <p:nvSpPr>
+          <p:cNvPr id="2" name="Title 1">
+            <a:extLst>
+              <a:ext uri="{FF2B5EF4-FFF2-40B4-BE49-F238E27FC236}">
                 <a16:creationId xmlns:a16="http://schemas.microsoft.com/office/drawing/2014/main" id="{BF5778DD-3C07-454D-981B-E4BE4CA84837}"/>
               </a:ext>
             </a:extLst>
@@ -12489,7 +12695,7 @@
 </p:sld>
 </file>
 
-<file path=ppt/slides/slide27.xml><?xml version="1.0" encoding="utf-8"?>
+<file path=ppt/slides/slide29.xml><?xml version="1.0" encoding="utf-8"?>
 <p:sld xmlns:a="http://schemas.openxmlformats.org/drawingml/2006/main" xmlns:r="http://schemas.openxmlformats.org/officeDocument/2006/relationships" xmlns:p="http://schemas.openxmlformats.org/presentationml/2006/main">
   <p:cSld>
     <p:spTree>

--- a/Slides/Git for the Normal Developer.pptx
+++ b/Slides/Git for the Normal Developer.pptx
@@ -5,7 +5,7 @@
     <p:sldMasterId id="2147483648" r:id="rId1"/>
   </p:sldMasterIdLst>
   <p:notesMasterIdLst>
-    <p:notesMasterId r:id="rId31"/>
+    <p:notesMasterId r:id="rId32"/>
   </p:notesMasterIdLst>
   <p:sldIdLst>
     <p:sldId id="425" r:id="rId2"/>
@@ -13,30 +13,31 @@
     <p:sldId id="428" r:id="rId4"/>
     <p:sldId id="436" r:id="rId5"/>
     <p:sldId id="441" r:id="rId6"/>
-    <p:sldId id="437" r:id="rId7"/>
-    <p:sldId id="438" r:id="rId8"/>
-    <p:sldId id="439" r:id="rId9"/>
-    <p:sldId id="440" r:id="rId10"/>
-    <p:sldId id="442" r:id="rId11"/>
-    <p:sldId id="443" r:id="rId12"/>
-    <p:sldId id="444" r:id="rId13"/>
-    <p:sldId id="445" r:id="rId14"/>
-    <p:sldId id="435" r:id="rId15"/>
-    <p:sldId id="429" r:id="rId16"/>
-    <p:sldId id="430" r:id="rId17"/>
-    <p:sldId id="431" r:id="rId18"/>
-    <p:sldId id="432" r:id="rId19"/>
-    <p:sldId id="434" r:id="rId20"/>
-    <p:sldId id="446" r:id="rId21"/>
-    <p:sldId id="452" r:id="rId22"/>
-    <p:sldId id="453" r:id="rId23"/>
-    <p:sldId id="447" r:id="rId24"/>
-    <p:sldId id="448" r:id="rId25"/>
-    <p:sldId id="449" r:id="rId26"/>
-    <p:sldId id="450" r:id="rId27"/>
-    <p:sldId id="451" r:id="rId28"/>
-    <p:sldId id="433" r:id="rId29"/>
-    <p:sldId id="423" r:id="rId30"/>
+    <p:sldId id="454" r:id="rId7"/>
+    <p:sldId id="437" r:id="rId8"/>
+    <p:sldId id="438" r:id="rId9"/>
+    <p:sldId id="439" r:id="rId10"/>
+    <p:sldId id="440" r:id="rId11"/>
+    <p:sldId id="442" r:id="rId12"/>
+    <p:sldId id="443" r:id="rId13"/>
+    <p:sldId id="444" r:id="rId14"/>
+    <p:sldId id="445" r:id="rId15"/>
+    <p:sldId id="435" r:id="rId16"/>
+    <p:sldId id="429" r:id="rId17"/>
+    <p:sldId id="430" r:id="rId18"/>
+    <p:sldId id="431" r:id="rId19"/>
+    <p:sldId id="432" r:id="rId20"/>
+    <p:sldId id="434" r:id="rId21"/>
+    <p:sldId id="446" r:id="rId22"/>
+    <p:sldId id="452" r:id="rId23"/>
+    <p:sldId id="453" r:id="rId24"/>
+    <p:sldId id="447" r:id="rId25"/>
+    <p:sldId id="448" r:id="rId26"/>
+    <p:sldId id="449" r:id="rId27"/>
+    <p:sldId id="450" r:id="rId28"/>
+    <p:sldId id="451" r:id="rId29"/>
+    <p:sldId id="433" r:id="rId30"/>
+    <p:sldId id="423" r:id="rId31"/>
   </p:sldIdLst>
   <p:sldSz cx="12192000" cy="6858000"/>
   <p:notesSz cx="6858000" cy="9144000"/>
@@ -145,6 +146,7 @@
             <p14:sldId id="428"/>
             <p14:sldId id="436"/>
             <p14:sldId id="441"/>
+            <p14:sldId id="454"/>
             <p14:sldId id="437"/>
             <p14:sldId id="438"/>
             <p14:sldId id="439"/>
@@ -285,7 +287,7 @@
           <a:p>
             <a:fld id="{1BEA97F8-B659-47CA-8766-3CBCF3366F26}" type="datetimeFigureOut">
               <a:rPr lang="en-US" smtClean="0"/>
-              <a:t>5/4/2018</a:t>
+              <a:t>6/10/2019</a:t>
             </a:fld>
             <a:endParaRPr lang="en-US"/>
           </a:p>
@@ -724,37 +726,6 @@
           </a:p>
         </p:txBody>
       </p:sp>
-      <p:pic>
-        <p:nvPicPr>
-          <p:cNvPr id="7" name="Picture 6"/>
-          <p:cNvPicPr>
-            <a:picLocks noChangeAspect="1"/>
-          </p:cNvPicPr>
-          <p:nvPr userDrawn="1"/>
-        </p:nvPicPr>
-        <p:blipFill>
-          <a:blip r:embed="rId2" cstate="print">
-            <a:extLst>
-              <a:ext uri="{28A0092B-C50C-407E-A947-70E740481C1C}">
-                <a14:useLocalDpi xmlns:a14="http://schemas.microsoft.com/office/drawing/2010/main" val="0"/>
-              </a:ext>
-            </a:extLst>
-          </a:blip>
-          <a:stretch>
-            <a:fillRect/>
-          </a:stretch>
-        </p:blipFill>
-        <p:spPr>
-          <a:xfrm>
-            <a:off x="4354805" y="5086350"/>
-            <a:ext cx="3482391" cy="742950"/>
-          </a:xfrm>
-          <a:prstGeom prst="rect">
-            <a:avLst/>
-          </a:prstGeom>
-          <a:effectLst/>
-        </p:spPr>
-      </p:pic>
       <p:cxnSp>
         <p:nvCxnSpPr>
           <p:cNvPr id="5" name="Straight Connector 4"/>
@@ -1103,53 +1074,13 @@
           <a:noFill/>
           <a:extLst>
             <a:ext uri="{909E8E84-426E-40dd-AFC4-6F175D3DCCD1}">
-              <a14:hiddenFill xmlns="" xmlns:a14="http://schemas.microsoft.com/office/drawing/2010/main">
+              <a14:hiddenFill xmlns:a14="http://schemas.microsoft.com/office/drawing/2010/main" xmlns="">
                 <a:solidFill>
                   <a:srgbClr val="FFFFFF"/>
                 </a:solidFill>
               </a14:hiddenFill>
             </a:ext>
           </a:extLst>
-        </p:spPr>
-      </p:pic>
-      <p:pic>
-        <p:nvPicPr>
-          <p:cNvPr id="9" name="Picture 8"/>
-          <p:cNvPicPr>
-            <a:picLocks noChangeAspect="1"/>
-          </p:cNvPicPr>
-          <p:nvPr userDrawn="1"/>
-        </p:nvPicPr>
-        <p:blipFill>
-          <a:blip r:embed="rId3" cstate="print">
-            <a:extLst>
-              <a:ext uri="{BEBA8EAE-BF5A-486C-A8C5-ECC9F3942E4B}">
-                <a14:imgProps xmlns:a14="http://schemas.microsoft.com/office/drawing/2010/main">
-                  <a14:imgLayer r:embed="rId4">
-                    <a14:imgEffect>
-                      <a14:brightnessContrast bright="100000" contrast="100000"/>
-                    </a14:imgEffect>
-                  </a14:imgLayer>
-                </a14:imgProps>
-              </a:ext>
-              <a:ext uri="{28A0092B-C50C-407E-A947-70E740481C1C}">
-                <a14:useLocalDpi xmlns:a14="http://schemas.microsoft.com/office/drawing/2010/main" val="0"/>
-              </a:ext>
-            </a:extLst>
-          </a:blip>
-          <a:stretch>
-            <a:fillRect/>
-          </a:stretch>
-        </p:blipFill>
-        <p:spPr>
-          <a:xfrm>
-            <a:off x="9311640" y="6151912"/>
-            <a:ext cx="2781300" cy="593376"/>
-          </a:xfrm>
-          <a:prstGeom prst="rect">
-            <a:avLst/>
-          </a:prstGeom>
-          <a:effectLst/>
         </p:spPr>
       </p:pic>
       <p:sp>
@@ -1270,7 +1201,7 @@
           <p:nvPr userDrawn="1"/>
         </p:nvPicPr>
         <p:blipFill>
-          <a:blip r:embed="rId5">
+          <a:blip r:embed="rId3">
             <a:extLst>
               <a:ext uri="{28A0092B-C50C-407E-A947-70E740481C1C}">
                 <a14:useLocalDpi xmlns:a14="http://schemas.microsoft.com/office/drawing/2010/main" val="0"/>
@@ -1359,53 +1290,13 @@
           <a:noFill/>
           <a:extLst>
             <a:ext uri="{909E8E84-426E-40dd-AFC4-6F175D3DCCD1}">
-              <a14:hiddenFill xmlns="" xmlns:a14="http://schemas.microsoft.com/office/drawing/2010/main">
+              <a14:hiddenFill xmlns:a14="http://schemas.microsoft.com/office/drawing/2010/main" xmlns="">
                 <a:solidFill>
                   <a:srgbClr val="FFFFFF"/>
                 </a:solidFill>
               </a14:hiddenFill>
             </a:ext>
           </a:extLst>
-        </p:spPr>
-      </p:pic>
-      <p:pic>
-        <p:nvPicPr>
-          <p:cNvPr id="9" name="Picture 8"/>
-          <p:cNvPicPr>
-            <a:picLocks noChangeAspect="1"/>
-          </p:cNvPicPr>
-          <p:nvPr userDrawn="1"/>
-        </p:nvPicPr>
-        <p:blipFill>
-          <a:blip r:embed="rId3" cstate="print">
-            <a:extLst>
-              <a:ext uri="{BEBA8EAE-BF5A-486C-A8C5-ECC9F3942E4B}">
-                <a14:imgProps xmlns:a14="http://schemas.microsoft.com/office/drawing/2010/main">
-                  <a14:imgLayer r:embed="rId4">
-                    <a14:imgEffect>
-                      <a14:brightnessContrast bright="100000" contrast="100000"/>
-                    </a14:imgEffect>
-                  </a14:imgLayer>
-                </a14:imgProps>
-              </a:ext>
-              <a:ext uri="{28A0092B-C50C-407E-A947-70E740481C1C}">
-                <a14:useLocalDpi xmlns:a14="http://schemas.microsoft.com/office/drawing/2010/main" val="0"/>
-              </a:ext>
-            </a:extLst>
-          </a:blip>
-          <a:stretch>
-            <a:fillRect/>
-          </a:stretch>
-        </p:blipFill>
-        <p:spPr>
-          <a:xfrm>
-            <a:off x="9311640" y="6151912"/>
-            <a:ext cx="2781300" cy="593376"/>
-          </a:xfrm>
-          <a:prstGeom prst="rect">
-            <a:avLst/>
-          </a:prstGeom>
-          <a:effectLst/>
         </p:spPr>
       </p:pic>
       <p:pic>
@@ -1417,7 +1308,7 @@
           <p:nvPr userDrawn="1"/>
         </p:nvPicPr>
         <p:blipFill rotWithShape="1">
-          <a:blip r:embed="rId5">
+          <a:blip r:embed="rId3">
             <a:extLst>
               <a:ext uri="{28A0092B-C50C-407E-A947-70E740481C1C}">
                 <a14:useLocalDpi xmlns:a14="http://schemas.microsoft.com/office/drawing/2010/main" val="0"/>
@@ -1438,7 +1329,7 @@
           <a:noFill/>
           <a:extLst>
             <a:ext uri="{909E8E84-426E-40dd-AFC4-6F175D3DCCD1}">
-              <a14:hiddenFill xmlns="" xmlns:a14="http://schemas.microsoft.com/office/drawing/2010/main">
+              <a14:hiddenFill xmlns:a14="http://schemas.microsoft.com/office/drawing/2010/main" xmlns="">
                 <a:solidFill>
                   <a:srgbClr val="FFFFFF"/>
                 </a:solidFill>
@@ -1624,53 +1515,13 @@
           <a:noFill/>
           <a:extLst>
             <a:ext uri="{909E8E84-426E-40dd-AFC4-6F175D3DCCD1}">
-              <a14:hiddenFill xmlns="" xmlns:a14="http://schemas.microsoft.com/office/drawing/2010/main">
+              <a14:hiddenFill xmlns:a14="http://schemas.microsoft.com/office/drawing/2010/main" xmlns="">
                 <a:solidFill>
                   <a:srgbClr val="FFFFFF"/>
                 </a:solidFill>
               </a14:hiddenFill>
             </a:ext>
           </a:extLst>
-        </p:spPr>
-      </p:pic>
-      <p:pic>
-        <p:nvPicPr>
-          <p:cNvPr id="9" name="Picture 8"/>
-          <p:cNvPicPr>
-            <a:picLocks noChangeAspect="1"/>
-          </p:cNvPicPr>
-          <p:nvPr userDrawn="1"/>
-        </p:nvPicPr>
-        <p:blipFill>
-          <a:blip r:embed="rId3" cstate="print">
-            <a:extLst>
-              <a:ext uri="{BEBA8EAE-BF5A-486C-A8C5-ECC9F3942E4B}">
-                <a14:imgProps xmlns:a14="http://schemas.microsoft.com/office/drawing/2010/main">
-                  <a14:imgLayer r:embed="rId4">
-                    <a14:imgEffect>
-                      <a14:brightnessContrast bright="100000" contrast="100000"/>
-                    </a14:imgEffect>
-                  </a14:imgLayer>
-                </a14:imgProps>
-              </a:ext>
-              <a:ext uri="{28A0092B-C50C-407E-A947-70E740481C1C}">
-                <a14:useLocalDpi xmlns:a14="http://schemas.microsoft.com/office/drawing/2010/main" val="0"/>
-              </a:ext>
-            </a:extLst>
-          </a:blip>
-          <a:stretch>
-            <a:fillRect/>
-          </a:stretch>
-        </p:blipFill>
-        <p:spPr>
-          <a:xfrm>
-            <a:off x="9311640" y="6151912"/>
-            <a:ext cx="2781300" cy="593376"/>
-          </a:xfrm>
-          <a:prstGeom prst="rect">
-            <a:avLst/>
-          </a:prstGeom>
-          <a:effectLst/>
         </p:spPr>
       </p:pic>
       <p:sp>
@@ -1791,7 +1642,7 @@
           <p:nvPr userDrawn="1"/>
         </p:nvPicPr>
         <p:blipFill>
-          <a:blip r:embed="rId5">
+          <a:blip r:embed="rId3">
             <a:extLst>
               <a:ext uri="{28A0092B-C50C-407E-A947-70E740481C1C}">
                 <a14:useLocalDpi xmlns:a14="http://schemas.microsoft.com/office/drawing/2010/main" val="0"/>
@@ -1880,7 +1731,7 @@
           <a:noFill/>
           <a:extLst>
             <a:ext uri="{909E8E84-426E-40dd-AFC4-6F175D3DCCD1}">
-              <a14:hiddenFill xmlns="" xmlns:a14="http://schemas.microsoft.com/office/drawing/2010/main">
+              <a14:hiddenFill xmlns:a14="http://schemas.microsoft.com/office/drawing/2010/main" xmlns="">
                 <a:solidFill>
                   <a:srgbClr val="FFFFFF"/>
                 </a:solidFill>
@@ -1928,53 +1779,13 @@
           <a:noFill/>
           <a:extLst>
             <a:ext uri="{909E8E84-426E-40dd-AFC4-6F175D3DCCD1}">
-              <a14:hiddenFill xmlns="" xmlns:a14="http://schemas.microsoft.com/office/drawing/2010/main">
+              <a14:hiddenFill xmlns:a14="http://schemas.microsoft.com/office/drawing/2010/main" xmlns="">
                 <a:solidFill>
                   <a:srgbClr val="FFFFFF"/>
                 </a:solidFill>
               </a14:hiddenFill>
             </a:ext>
           </a:extLst>
-        </p:spPr>
-      </p:pic>
-      <p:pic>
-        <p:nvPicPr>
-          <p:cNvPr id="9" name="Picture 8"/>
-          <p:cNvPicPr>
-            <a:picLocks noChangeAspect="1"/>
-          </p:cNvPicPr>
-          <p:nvPr userDrawn="1"/>
-        </p:nvPicPr>
-        <p:blipFill>
-          <a:blip r:embed="rId4" cstate="print">
-            <a:extLst>
-              <a:ext uri="{BEBA8EAE-BF5A-486C-A8C5-ECC9F3942E4B}">
-                <a14:imgProps xmlns:a14="http://schemas.microsoft.com/office/drawing/2010/main">
-                  <a14:imgLayer r:embed="rId5">
-                    <a14:imgEffect>
-                      <a14:brightnessContrast bright="100000" contrast="100000"/>
-                    </a14:imgEffect>
-                  </a14:imgLayer>
-                </a14:imgProps>
-              </a:ext>
-              <a:ext uri="{28A0092B-C50C-407E-A947-70E740481C1C}">
-                <a14:useLocalDpi xmlns:a14="http://schemas.microsoft.com/office/drawing/2010/main" val="0"/>
-              </a:ext>
-            </a:extLst>
-          </a:blip>
-          <a:stretch>
-            <a:fillRect/>
-          </a:stretch>
-        </p:blipFill>
-        <p:spPr>
-          <a:xfrm>
-            <a:off x="9311640" y="6151912"/>
-            <a:ext cx="2781300" cy="593376"/>
-          </a:xfrm>
-          <a:prstGeom prst="rect">
-            <a:avLst/>
-          </a:prstGeom>
-          <a:effectLst/>
         </p:spPr>
       </p:pic>
       <p:sp>
@@ -2154,53 +1965,13 @@
           <a:noFill/>
           <a:extLst>
             <a:ext uri="{909E8E84-426E-40dd-AFC4-6F175D3DCCD1}">
-              <a14:hiddenFill xmlns="" xmlns:a14="http://schemas.microsoft.com/office/drawing/2010/main">
+              <a14:hiddenFill xmlns:a14="http://schemas.microsoft.com/office/drawing/2010/main" xmlns="">
                 <a:solidFill>
                   <a:srgbClr val="FFFFFF"/>
                 </a:solidFill>
               </a14:hiddenFill>
             </a:ext>
           </a:extLst>
-        </p:spPr>
-      </p:pic>
-      <p:pic>
-        <p:nvPicPr>
-          <p:cNvPr id="7" name="Picture 6"/>
-          <p:cNvPicPr>
-            <a:picLocks noChangeAspect="1"/>
-          </p:cNvPicPr>
-          <p:nvPr userDrawn="1"/>
-        </p:nvPicPr>
-        <p:blipFill>
-          <a:blip r:embed="rId3" cstate="print">
-            <a:extLst>
-              <a:ext uri="{BEBA8EAE-BF5A-486C-A8C5-ECC9F3942E4B}">
-                <a14:imgProps xmlns:a14="http://schemas.microsoft.com/office/drawing/2010/main">
-                  <a14:imgLayer r:embed="rId4">
-                    <a14:imgEffect>
-                      <a14:brightnessContrast bright="100000" contrast="100000"/>
-                    </a14:imgEffect>
-                  </a14:imgLayer>
-                </a14:imgProps>
-              </a:ext>
-              <a:ext uri="{28A0092B-C50C-407E-A947-70E740481C1C}">
-                <a14:useLocalDpi xmlns:a14="http://schemas.microsoft.com/office/drawing/2010/main" val="0"/>
-              </a:ext>
-            </a:extLst>
-          </a:blip>
-          <a:stretch>
-            <a:fillRect/>
-          </a:stretch>
-        </p:blipFill>
-        <p:spPr>
-          <a:xfrm>
-            <a:off x="9311640" y="6151912"/>
-            <a:ext cx="2781300" cy="593376"/>
-          </a:xfrm>
-          <a:prstGeom prst="rect">
-            <a:avLst/>
-          </a:prstGeom>
-          <a:effectLst/>
         </p:spPr>
       </p:pic>
       <p:sp>
@@ -2321,7 +2092,7 @@
           <p:nvPr userDrawn="1"/>
         </p:nvPicPr>
         <p:blipFill rotWithShape="1">
-          <a:blip r:embed="rId5">
+          <a:blip r:embed="rId3">
             <a:extLst>
               <a:ext uri="{28A0092B-C50C-407E-A947-70E740481C1C}">
                 <a14:useLocalDpi xmlns:a14="http://schemas.microsoft.com/office/drawing/2010/main" val="0"/>
@@ -2409,53 +2180,13 @@
           <a:noFill/>
           <a:extLst>
             <a:ext uri="{909E8E84-426E-40dd-AFC4-6F175D3DCCD1}">
-              <a14:hiddenFill xmlns="" xmlns:a14="http://schemas.microsoft.com/office/drawing/2010/main">
+              <a14:hiddenFill xmlns:a14="http://schemas.microsoft.com/office/drawing/2010/main" xmlns="">
                 <a:solidFill>
                   <a:srgbClr val="FFFFFF"/>
                 </a:solidFill>
               </a14:hiddenFill>
             </a:ext>
           </a:extLst>
-        </p:spPr>
-      </p:pic>
-      <p:pic>
-        <p:nvPicPr>
-          <p:cNvPr id="7" name="Picture 6"/>
-          <p:cNvPicPr>
-            <a:picLocks noChangeAspect="1"/>
-          </p:cNvPicPr>
-          <p:nvPr userDrawn="1"/>
-        </p:nvPicPr>
-        <p:blipFill>
-          <a:blip r:embed="rId3" cstate="print">
-            <a:extLst>
-              <a:ext uri="{BEBA8EAE-BF5A-486C-A8C5-ECC9F3942E4B}">
-                <a14:imgProps xmlns:a14="http://schemas.microsoft.com/office/drawing/2010/main">
-                  <a14:imgLayer r:embed="rId4">
-                    <a14:imgEffect>
-                      <a14:brightnessContrast bright="100000" contrast="100000"/>
-                    </a14:imgEffect>
-                  </a14:imgLayer>
-                </a14:imgProps>
-              </a:ext>
-              <a:ext uri="{28A0092B-C50C-407E-A947-70E740481C1C}">
-                <a14:useLocalDpi xmlns:a14="http://schemas.microsoft.com/office/drawing/2010/main" val="0"/>
-              </a:ext>
-            </a:extLst>
-          </a:blip>
-          <a:stretch>
-            <a:fillRect/>
-          </a:stretch>
-        </p:blipFill>
-        <p:spPr>
-          <a:xfrm>
-            <a:off x="9311640" y="6151912"/>
-            <a:ext cx="2781300" cy="593376"/>
-          </a:xfrm>
-          <a:prstGeom prst="rect">
-            <a:avLst/>
-          </a:prstGeom>
-          <a:effectLst/>
         </p:spPr>
       </p:pic>
       <p:sp>
@@ -2576,7 +2307,7 @@
           <p:nvPr userDrawn="1"/>
         </p:nvPicPr>
         <p:blipFill>
-          <a:blip r:embed="rId5">
+          <a:blip r:embed="rId3">
             <a:extLst>
               <a:ext uri="{28A0092B-C50C-407E-A947-70E740481C1C}">
                 <a14:useLocalDpi xmlns:a14="http://schemas.microsoft.com/office/drawing/2010/main" val="0"/>
@@ -2665,7 +2396,7 @@
           <a:noFill/>
           <a:extLst>
             <a:ext uri="{909E8E84-426E-40dd-AFC4-6F175D3DCCD1}">
-              <a14:hiddenFill xmlns="" xmlns:a14="http://schemas.microsoft.com/office/drawing/2010/main">
+              <a14:hiddenFill xmlns:a14="http://schemas.microsoft.com/office/drawing/2010/main" xmlns="">
                 <a:solidFill>
                   <a:srgbClr val="FFFFFF"/>
                 </a:solidFill>
@@ -2701,46 +2432,6 @@
           <a:prstGeom prst="rect">
             <a:avLst/>
           </a:prstGeom>
-        </p:spPr>
-      </p:pic>
-      <p:pic>
-        <p:nvPicPr>
-          <p:cNvPr id="7" name="Picture 6"/>
-          <p:cNvPicPr>
-            <a:picLocks noChangeAspect="1"/>
-          </p:cNvPicPr>
-          <p:nvPr userDrawn="1"/>
-        </p:nvPicPr>
-        <p:blipFill>
-          <a:blip r:embed="rId4" cstate="print">
-            <a:extLst>
-              <a:ext uri="{BEBA8EAE-BF5A-486C-A8C5-ECC9F3942E4B}">
-                <a14:imgProps xmlns:a14="http://schemas.microsoft.com/office/drawing/2010/main">
-                  <a14:imgLayer r:embed="rId5">
-                    <a14:imgEffect>
-                      <a14:brightnessContrast bright="100000" contrast="100000"/>
-                    </a14:imgEffect>
-                  </a14:imgLayer>
-                </a14:imgProps>
-              </a:ext>
-              <a:ext uri="{28A0092B-C50C-407E-A947-70E740481C1C}">
-                <a14:useLocalDpi xmlns:a14="http://schemas.microsoft.com/office/drawing/2010/main" val="0"/>
-              </a:ext>
-            </a:extLst>
-          </a:blip>
-          <a:stretch>
-            <a:fillRect/>
-          </a:stretch>
-        </p:blipFill>
-        <p:spPr>
-          <a:xfrm>
-            <a:off x="9311640" y="6151912"/>
-            <a:ext cx="2781300" cy="593376"/>
-          </a:xfrm>
-          <a:prstGeom prst="rect">
-            <a:avLst/>
-          </a:prstGeom>
-          <a:effectLst/>
         </p:spPr>
       </p:pic>
       <p:sp>
@@ -2920,53 +2611,13 @@
           <a:noFill/>
           <a:extLst>
             <a:ext uri="{909E8E84-426E-40dd-AFC4-6F175D3DCCD1}">
-              <a14:hiddenFill xmlns="" xmlns:a14="http://schemas.microsoft.com/office/drawing/2010/main">
+              <a14:hiddenFill xmlns:a14="http://schemas.microsoft.com/office/drawing/2010/main" xmlns="">
                 <a:solidFill>
                   <a:srgbClr val="FFFFFF"/>
                 </a:solidFill>
               </a14:hiddenFill>
             </a:ext>
           </a:extLst>
-        </p:spPr>
-      </p:pic>
-      <p:pic>
-        <p:nvPicPr>
-          <p:cNvPr id="7" name="Picture 6"/>
-          <p:cNvPicPr>
-            <a:picLocks noChangeAspect="1"/>
-          </p:cNvPicPr>
-          <p:nvPr userDrawn="1"/>
-        </p:nvPicPr>
-        <p:blipFill>
-          <a:blip r:embed="rId3" cstate="print">
-            <a:extLst>
-              <a:ext uri="{BEBA8EAE-BF5A-486C-A8C5-ECC9F3942E4B}">
-                <a14:imgProps xmlns:a14="http://schemas.microsoft.com/office/drawing/2010/main">
-                  <a14:imgLayer r:embed="rId4">
-                    <a14:imgEffect>
-                      <a14:brightnessContrast bright="100000" contrast="100000"/>
-                    </a14:imgEffect>
-                  </a14:imgLayer>
-                </a14:imgProps>
-              </a:ext>
-              <a:ext uri="{28A0092B-C50C-407E-A947-70E740481C1C}">
-                <a14:useLocalDpi xmlns:a14="http://schemas.microsoft.com/office/drawing/2010/main" val="0"/>
-              </a:ext>
-            </a:extLst>
-          </a:blip>
-          <a:stretch>
-            <a:fillRect/>
-          </a:stretch>
-        </p:blipFill>
-        <p:spPr>
-          <a:xfrm>
-            <a:off x="9311640" y="6151912"/>
-            <a:ext cx="2781300" cy="593376"/>
-          </a:xfrm>
-          <a:prstGeom prst="rect">
-            <a:avLst/>
-          </a:prstGeom>
-          <a:effectLst/>
         </p:spPr>
       </p:pic>
       <p:sp>
@@ -3087,7 +2738,7 @@
           <p:nvPr userDrawn="1"/>
         </p:nvPicPr>
         <p:blipFill>
-          <a:blip r:embed="rId5">
+          <a:blip r:embed="rId3">
             <a:extLst>
               <a:ext uri="{28A0092B-C50C-407E-A947-70E740481C1C}">
                 <a14:useLocalDpi xmlns:a14="http://schemas.microsoft.com/office/drawing/2010/main" val="0"/>
@@ -3176,53 +2827,13 @@
           <a:noFill/>
           <a:extLst>
             <a:ext uri="{909E8E84-426E-40dd-AFC4-6F175D3DCCD1}">
-              <a14:hiddenFill xmlns="" xmlns:a14="http://schemas.microsoft.com/office/drawing/2010/main">
+              <a14:hiddenFill xmlns:a14="http://schemas.microsoft.com/office/drawing/2010/main" xmlns="">
                 <a:solidFill>
                   <a:srgbClr val="FFFFFF"/>
                 </a:solidFill>
               </a14:hiddenFill>
             </a:ext>
           </a:extLst>
-        </p:spPr>
-      </p:pic>
-      <p:pic>
-        <p:nvPicPr>
-          <p:cNvPr id="7" name="Picture 6"/>
-          <p:cNvPicPr>
-            <a:picLocks noChangeAspect="1"/>
-          </p:cNvPicPr>
-          <p:nvPr userDrawn="1"/>
-        </p:nvPicPr>
-        <p:blipFill>
-          <a:blip r:embed="rId3" cstate="print">
-            <a:extLst>
-              <a:ext uri="{BEBA8EAE-BF5A-486C-A8C5-ECC9F3942E4B}">
-                <a14:imgProps xmlns:a14="http://schemas.microsoft.com/office/drawing/2010/main">
-                  <a14:imgLayer r:embed="rId4">
-                    <a14:imgEffect>
-                      <a14:brightnessContrast bright="100000" contrast="100000"/>
-                    </a14:imgEffect>
-                  </a14:imgLayer>
-                </a14:imgProps>
-              </a:ext>
-              <a:ext uri="{28A0092B-C50C-407E-A947-70E740481C1C}">
-                <a14:useLocalDpi xmlns:a14="http://schemas.microsoft.com/office/drawing/2010/main" val="0"/>
-              </a:ext>
-            </a:extLst>
-          </a:blip>
-          <a:stretch>
-            <a:fillRect/>
-          </a:stretch>
-        </p:blipFill>
-        <p:spPr>
-          <a:xfrm>
-            <a:off x="9311640" y="6151912"/>
-            <a:ext cx="2781300" cy="593376"/>
-          </a:xfrm>
-          <a:prstGeom prst="rect">
-            <a:avLst/>
-          </a:prstGeom>
-          <a:effectLst/>
         </p:spPr>
       </p:pic>
       <p:sp>
@@ -3343,7 +2954,7 @@
           <p:nvPr userDrawn="1"/>
         </p:nvPicPr>
         <p:blipFill>
-          <a:blip r:embed="rId5">
+          <a:blip r:embed="rId3">
             <a:extLst>
               <a:ext uri="{28A0092B-C50C-407E-A947-70E740481C1C}">
                 <a14:useLocalDpi xmlns:a14="http://schemas.microsoft.com/office/drawing/2010/main" val="0"/>
@@ -3402,46 +3013,6 @@
           <a:chExt cx="0" cy="0"/>
         </a:xfrm>
       </p:grpSpPr>
-      <p:pic>
-        <p:nvPicPr>
-          <p:cNvPr id="10" name="Picture 9"/>
-          <p:cNvPicPr>
-            <a:picLocks noChangeAspect="1"/>
-          </p:cNvPicPr>
-          <p:nvPr userDrawn="1"/>
-        </p:nvPicPr>
-        <p:blipFill>
-          <a:blip r:embed="rId2" cstate="print">
-            <a:extLst>
-              <a:ext uri="{BEBA8EAE-BF5A-486C-A8C5-ECC9F3942E4B}">
-                <a14:imgProps xmlns:a14="http://schemas.microsoft.com/office/drawing/2010/main">
-                  <a14:imgLayer r:embed="rId3">
-                    <a14:imgEffect>
-                      <a14:brightnessContrast bright="100000" contrast="100000"/>
-                    </a14:imgEffect>
-                  </a14:imgLayer>
-                </a14:imgProps>
-              </a:ext>
-              <a:ext uri="{28A0092B-C50C-407E-A947-70E740481C1C}">
-                <a14:useLocalDpi xmlns:a14="http://schemas.microsoft.com/office/drawing/2010/main" val="0"/>
-              </a:ext>
-            </a:extLst>
-          </a:blip>
-          <a:stretch>
-            <a:fillRect/>
-          </a:stretch>
-        </p:blipFill>
-        <p:spPr>
-          <a:xfrm>
-            <a:off x="9311640" y="6151912"/>
-            <a:ext cx="2781300" cy="593376"/>
-          </a:xfrm>
-          <a:prstGeom prst="rect">
-            <a:avLst/>
-          </a:prstGeom>
-          <a:effectLst/>
-        </p:spPr>
-      </p:pic>
       <p:sp>
         <p:nvSpPr>
           <p:cNvPr id="5" name="Title 1"/>
@@ -3619,53 +3190,13 @@
           <a:noFill/>
           <a:extLst>
             <a:ext uri="{909E8E84-426E-40dd-AFC4-6F175D3DCCD1}">
-              <a14:hiddenFill xmlns="" xmlns:a14="http://schemas.microsoft.com/office/drawing/2010/main">
+              <a14:hiddenFill xmlns:a14="http://schemas.microsoft.com/office/drawing/2010/main" xmlns="">
                 <a:solidFill>
                   <a:srgbClr val="FFFFFF"/>
                 </a:solidFill>
               </a14:hiddenFill>
             </a:ext>
           </a:extLst>
-        </p:spPr>
-      </p:pic>
-      <p:pic>
-        <p:nvPicPr>
-          <p:cNvPr id="7" name="Picture 6"/>
-          <p:cNvPicPr>
-            <a:picLocks noChangeAspect="1"/>
-          </p:cNvPicPr>
-          <p:nvPr userDrawn="1"/>
-        </p:nvPicPr>
-        <p:blipFill>
-          <a:blip r:embed="rId3" cstate="print">
-            <a:extLst>
-              <a:ext uri="{BEBA8EAE-BF5A-486C-A8C5-ECC9F3942E4B}">
-                <a14:imgProps xmlns:a14="http://schemas.microsoft.com/office/drawing/2010/main">
-                  <a14:imgLayer r:embed="rId4">
-                    <a14:imgEffect>
-                      <a14:brightnessContrast bright="100000" contrast="100000"/>
-                    </a14:imgEffect>
-                  </a14:imgLayer>
-                </a14:imgProps>
-              </a:ext>
-              <a:ext uri="{28A0092B-C50C-407E-A947-70E740481C1C}">
-                <a14:useLocalDpi xmlns:a14="http://schemas.microsoft.com/office/drawing/2010/main" val="0"/>
-              </a:ext>
-            </a:extLst>
-          </a:blip>
-          <a:stretch>
-            <a:fillRect/>
-          </a:stretch>
-        </p:blipFill>
-        <p:spPr>
-          <a:xfrm>
-            <a:off x="9311640" y="6151912"/>
-            <a:ext cx="2781300" cy="593376"/>
-          </a:xfrm>
-          <a:prstGeom prst="rect">
-            <a:avLst/>
-          </a:prstGeom>
-          <a:effectLst/>
         </p:spPr>
       </p:pic>
       <p:pic>
@@ -3677,7 +3208,7 @@
           <p:nvPr userDrawn="1"/>
         </p:nvPicPr>
         <p:blipFill rotWithShape="1">
-          <a:blip r:embed="rId5" cstate="print">
+          <a:blip r:embed="rId3" cstate="print">
             <a:extLst>
               <a:ext uri="{28A0092B-C50C-407E-A947-70E740481C1C}">
                 <a14:useLocalDpi xmlns:a14="http://schemas.microsoft.com/office/drawing/2010/main" val="0"/>
@@ -3698,7 +3229,7 @@
           <a:noFill/>
           <a:extLst>
             <a:ext uri="{909E8E84-426E-40dd-AFC4-6F175D3DCCD1}">
-              <a14:hiddenFill xmlns="" xmlns:a14="http://schemas.microsoft.com/office/drawing/2010/main">
+              <a14:hiddenFill xmlns:a14="http://schemas.microsoft.com/office/drawing/2010/main" xmlns="">
                 <a:solidFill>
                   <a:srgbClr val="FFFFFF"/>
                 </a:solidFill>
@@ -3716,7 +3247,7 @@
           <p:nvPr userDrawn="1"/>
         </p:nvPicPr>
         <p:blipFill rotWithShape="1">
-          <a:blip r:embed="rId5" cstate="print">
+          <a:blip r:embed="rId3" cstate="print">
             <a:extLst>
               <a:ext uri="{28A0092B-C50C-407E-A947-70E740481C1C}">
                 <a14:useLocalDpi xmlns:a14="http://schemas.microsoft.com/office/drawing/2010/main" val="0"/>
@@ -3737,7 +3268,7 @@
           <a:noFill/>
           <a:extLst>
             <a:ext uri="{909E8E84-426E-40dd-AFC4-6F175D3DCCD1}">
-              <a14:hiddenFill xmlns="" xmlns:a14="http://schemas.microsoft.com/office/drawing/2010/main">
+              <a14:hiddenFill xmlns:a14="http://schemas.microsoft.com/office/drawing/2010/main" xmlns="">
                 <a:solidFill>
                   <a:srgbClr val="FFFFFF"/>
                 </a:solidFill>
@@ -3923,7 +3454,7 @@
           <a:noFill/>
           <a:extLst>
             <a:ext uri="{909E8E84-426E-40dd-AFC4-6F175D3DCCD1}">
-              <a14:hiddenFill xmlns="" xmlns:a14="http://schemas.microsoft.com/office/drawing/2010/main">
+              <a14:hiddenFill xmlns:a14="http://schemas.microsoft.com/office/drawing/2010/main" xmlns="">
                 <a:solidFill>
                   <a:srgbClr val="FFFFFF"/>
                 </a:solidFill>
@@ -3932,16 +3463,125 @@
           </a:extLst>
         </p:spPr>
       </p:pic>
+      <p:sp>
+        <p:nvSpPr>
+          <p:cNvPr id="11" name="Title 1"/>
+          <p:cNvSpPr>
+            <a:spLocks noGrp="1"/>
+          </p:cNvSpPr>
+          <p:nvPr>
+            <p:ph type="ctrTitle"/>
+          </p:nvPr>
+        </p:nvSpPr>
+        <p:spPr>
+          <a:xfrm>
+            <a:off x="4229100" y="1122363"/>
+            <a:ext cx="7959090" cy="2387600"/>
+          </a:xfrm>
+          <a:effectLst/>
+        </p:spPr>
+        <p:txBody>
+          <a:bodyPr anchor="t">
+            <a:normAutofit/>
+          </a:bodyPr>
+          <a:lstStyle>
+            <a:lvl1pPr algn="ctr">
+              <a:defRPr sz="8000" b="0">
+                <a:solidFill>
+                  <a:schemeClr val="bg1"/>
+                </a:solidFill>
+              </a:defRPr>
+            </a:lvl1pPr>
+          </a:lstStyle>
+          <a:p>
+            <a:r>
+              <a:rPr lang="en-US" dirty="0"/>
+              <a:t>Click to edit Master title style</a:t>
+            </a:r>
+          </a:p>
+        </p:txBody>
+      </p:sp>
+      <p:sp>
+        <p:nvSpPr>
+          <p:cNvPr id="12" name="Subtitle 2"/>
+          <p:cNvSpPr>
+            <a:spLocks noGrp="1"/>
+          </p:cNvSpPr>
+          <p:nvPr>
+            <p:ph type="subTitle" idx="1"/>
+          </p:nvPr>
+        </p:nvSpPr>
+        <p:spPr>
+          <a:xfrm>
+            <a:off x="4688114" y="3602038"/>
+            <a:ext cx="7500076" cy="1655762"/>
+          </a:xfrm>
+          <a:effectLst/>
+        </p:spPr>
+        <p:txBody>
+          <a:bodyPr anchor="t">
+            <a:normAutofit/>
+          </a:bodyPr>
+          <a:lstStyle>
+            <a:lvl1pPr marL="0" indent="0" algn="l">
+              <a:buNone/>
+              <a:defRPr sz="3200">
+                <a:solidFill>
+                  <a:schemeClr val="bg1"/>
+                </a:solidFill>
+              </a:defRPr>
+            </a:lvl1pPr>
+            <a:lvl2pPr marL="457200" indent="0" algn="ctr">
+              <a:buNone/>
+              <a:defRPr sz="2000"/>
+            </a:lvl2pPr>
+            <a:lvl3pPr marL="914400" indent="0" algn="ctr">
+              <a:buNone/>
+              <a:defRPr sz="1800"/>
+            </a:lvl3pPr>
+            <a:lvl4pPr marL="1371600" indent="0" algn="ctr">
+              <a:buNone/>
+              <a:defRPr sz="1600"/>
+            </a:lvl4pPr>
+            <a:lvl5pPr marL="1828800" indent="0" algn="ctr">
+              <a:buNone/>
+              <a:defRPr sz="1600"/>
+            </a:lvl5pPr>
+            <a:lvl6pPr marL="2286000" indent="0" algn="ctr">
+              <a:buNone/>
+              <a:defRPr sz="1600"/>
+            </a:lvl6pPr>
+            <a:lvl7pPr marL="2743200" indent="0" algn="ctr">
+              <a:buNone/>
+              <a:defRPr sz="1600"/>
+            </a:lvl7pPr>
+            <a:lvl8pPr marL="3200400" indent="0" algn="ctr">
+              <a:buNone/>
+              <a:defRPr sz="1600"/>
+            </a:lvl8pPr>
+            <a:lvl9pPr marL="3657600" indent="0" algn="ctr">
+              <a:buNone/>
+              <a:defRPr sz="1600"/>
+            </a:lvl9pPr>
+          </a:lstStyle>
+          <a:p>
+            <a:r>
+              <a:rPr lang="en-US"/>
+              <a:t>Click to edit Master subtitle style</a:t>
+            </a:r>
+          </a:p>
+        </p:txBody>
+      </p:sp>
       <p:pic>
         <p:nvPicPr>
-          <p:cNvPr id="7" name="Picture 6"/>
+          <p:cNvPr id="6146" name="Picture 2" descr="http://eatyourheartout.se/img/projects/uppd-refresh.png"/>
           <p:cNvPicPr>
-            <a:picLocks noChangeAspect="1"/>
+            <a:picLocks noChangeAspect="1" noChangeArrowheads="1"/>
           </p:cNvPicPr>
           <p:nvPr userDrawn="1"/>
         </p:nvPicPr>
-        <p:blipFill>
-          <a:blip r:embed="rId3" cstate="print">
+        <p:blipFill rotWithShape="1">
+          <a:blip r:embed="rId3">
             <a:extLst>
               <a:ext uri="{BEBA8EAE-BF5A-486C-A8C5-ECC9F3942E4B}">
                 <a14:imgProps xmlns:a14="http://schemas.microsoft.com/office/drawing/2010/main">
@@ -3957,155 +3597,6 @@
               </a:ext>
             </a:extLst>
           </a:blip>
-          <a:stretch>
-            <a:fillRect/>
-          </a:stretch>
-        </p:blipFill>
-        <p:spPr>
-          <a:xfrm>
-            <a:off x="9311640" y="6151912"/>
-            <a:ext cx="2781300" cy="593376"/>
-          </a:xfrm>
-          <a:prstGeom prst="rect">
-            <a:avLst/>
-          </a:prstGeom>
-          <a:effectLst/>
-        </p:spPr>
-      </p:pic>
-      <p:sp>
-        <p:nvSpPr>
-          <p:cNvPr id="11" name="Title 1"/>
-          <p:cNvSpPr>
-            <a:spLocks noGrp="1"/>
-          </p:cNvSpPr>
-          <p:nvPr>
-            <p:ph type="ctrTitle"/>
-          </p:nvPr>
-        </p:nvSpPr>
-        <p:spPr>
-          <a:xfrm>
-            <a:off x="4229100" y="1122363"/>
-            <a:ext cx="7959090" cy="2387600"/>
-          </a:xfrm>
-          <a:effectLst/>
-        </p:spPr>
-        <p:txBody>
-          <a:bodyPr anchor="t">
-            <a:normAutofit/>
-          </a:bodyPr>
-          <a:lstStyle>
-            <a:lvl1pPr algn="ctr">
-              <a:defRPr sz="8000" b="0">
-                <a:solidFill>
-                  <a:schemeClr val="bg1"/>
-                </a:solidFill>
-              </a:defRPr>
-            </a:lvl1pPr>
-          </a:lstStyle>
-          <a:p>
-            <a:r>
-              <a:rPr lang="en-US" dirty="0"/>
-              <a:t>Click to edit Master title style</a:t>
-            </a:r>
-          </a:p>
-        </p:txBody>
-      </p:sp>
-      <p:sp>
-        <p:nvSpPr>
-          <p:cNvPr id="12" name="Subtitle 2"/>
-          <p:cNvSpPr>
-            <a:spLocks noGrp="1"/>
-          </p:cNvSpPr>
-          <p:nvPr>
-            <p:ph type="subTitle" idx="1"/>
-          </p:nvPr>
-        </p:nvSpPr>
-        <p:spPr>
-          <a:xfrm>
-            <a:off x="4688114" y="3602038"/>
-            <a:ext cx="7500076" cy="1655762"/>
-          </a:xfrm>
-          <a:effectLst/>
-        </p:spPr>
-        <p:txBody>
-          <a:bodyPr anchor="t">
-            <a:normAutofit/>
-          </a:bodyPr>
-          <a:lstStyle>
-            <a:lvl1pPr marL="0" indent="0" algn="l">
-              <a:buNone/>
-              <a:defRPr sz="3200">
-                <a:solidFill>
-                  <a:schemeClr val="bg1"/>
-                </a:solidFill>
-              </a:defRPr>
-            </a:lvl1pPr>
-            <a:lvl2pPr marL="457200" indent="0" algn="ctr">
-              <a:buNone/>
-              <a:defRPr sz="2000"/>
-            </a:lvl2pPr>
-            <a:lvl3pPr marL="914400" indent="0" algn="ctr">
-              <a:buNone/>
-              <a:defRPr sz="1800"/>
-            </a:lvl3pPr>
-            <a:lvl4pPr marL="1371600" indent="0" algn="ctr">
-              <a:buNone/>
-              <a:defRPr sz="1600"/>
-            </a:lvl4pPr>
-            <a:lvl5pPr marL="1828800" indent="0" algn="ctr">
-              <a:buNone/>
-              <a:defRPr sz="1600"/>
-            </a:lvl5pPr>
-            <a:lvl6pPr marL="2286000" indent="0" algn="ctr">
-              <a:buNone/>
-              <a:defRPr sz="1600"/>
-            </a:lvl6pPr>
-            <a:lvl7pPr marL="2743200" indent="0" algn="ctr">
-              <a:buNone/>
-              <a:defRPr sz="1600"/>
-            </a:lvl7pPr>
-            <a:lvl8pPr marL="3200400" indent="0" algn="ctr">
-              <a:buNone/>
-              <a:defRPr sz="1600"/>
-            </a:lvl8pPr>
-            <a:lvl9pPr marL="3657600" indent="0" algn="ctr">
-              <a:buNone/>
-              <a:defRPr sz="1600"/>
-            </a:lvl9pPr>
-          </a:lstStyle>
-          <a:p>
-            <a:r>
-              <a:rPr lang="en-US"/>
-              <a:t>Click to edit Master subtitle style</a:t>
-            </a:r>
-          </a:p>
-        </p:txBody>
-      </p:sp>
-      <p:pic>
-        <p:nvPicPr>
-          <p:cNvPr id="6146" name="Picture 2" descr="http://eatyourheartout.se/img/projects/uppd-refresh.png"/>
-          <p:cNvPicPr>
-            <a:picLocks noChangeAspect="1" noChangeArrowheads="1"/>
-          </p:cNvPicPr>
-          <p:nvPr userDrawn="1"/>
-        </p:nvPicPr>
-        <p:blipFill rotWithShape="1">
-          <a:blip r:embed="rId5">
-            <a:extLst>
-              <a:ext uri="{BEBA8EAE-BF5A-486C-A8C5-ECC9F3942E4B}">
-                <a14:imgProps xmlns:a14="http://schemas.microsoft.com/office/drawing/2010/main">
-                  <a14:imgLayer r:embed="rId6">
-                    <a14:imgEffect>
-                      <a14:brightnessContrast bright="100000" contrast="100000"/>
-                    </a14:imgEffect>
-                  </a14:imgLayer>
-                </a14:imgProps>
-              </a:ext>
-              <a:ext uri="{28A0092B-C50C-407E-A947-70E740481C1C}">
-                <a14:useLocalDpi xmlns:a14="http://schemas.microsoft.com/office/drawing/2010/main" val="0"/>
-              </a:ext>
-            </a:extLst>
-          </a:blip>
           <a:srcRect l="18165"/>
           <a:stretch/>
         </p:blipFill>
@@ -4120,7 +3611,7 @@
           <a:noFill/>
           <a:extLst>
             <a:ext uri="{909E8E84-426E-40dd-AFC4-6F175D3DCCD1}">
-              <a14:hiddenFill xmlns="" xmlns:a14="http://schemas.microsoft.com/office/drawing/2010/main">
+              <a14:hiddenFill xmlns:a14="http://schemas.microsoft.com/office/drawing/2010/main" xmlns="">
                 <a:solidFill>
                   <a:srgbClr val="FFFFFF"/>
                 </a:solidFill>
@@ -4197,53 +3688,13 @@
           <a:noFill/>
           <a:extLst>
             <a:ext uri="{909E8E84-426E-40dd-AFC4-6F175D3DCCD1}">
-              <a14:hiddenFill xmlns="" xmlns:a14="http://schemas.microsoft.com/office/drawing/2010/main">
+              <a14:hiddenFill xmlns:a14="http://schemas.microsoft.com/office/drawing/2010/main" xmlns="">
                 <a:solidFill>
                   <a:srgbClr val="FFFFFF"/>
                 </a:solidFill>
               </a14:hiddenFill>
             </a:ext>
           </a:extLst>
-        </p:spPr>
-      </p:pic>
-      <p:pic>
-        <p:nvPicPr>
-          <p:cNvPr id="7" name="Picture 6"/>
-          <p:cNvPicPr>
-            <a:picLocks noChangeAspect="1"/>
-          </p:cNvPicPr>
-          <p:nvPr userDrawn="1"/>
-        </p:nvPicPr>
-        <p:blipFill>
-          <a:blip r:embed="rId3" cstate="print">
-            <a:extLst>
-              <a:ext uri="{BEBA8EAE-BF5A-486C-A8C5-ECC9F3942E4B}">
-                <a14:imgProps xmlns:a14="http://schemas.microsoft.com/office/drawing/2010/main">
-                  <a14:imgLayer r:embed="rId4">
-                    <a14:imgEffect>
-                      <a14:brightnessContrast bright="100000" contrast="100000"/>
-                    </a14:imgEffect>
-                  </a14:imgLayer>
-                </a14:imgProps>
-              </a:ext>
-              <a:ext uri="{28A0092B-C50C-407E-A947-70E740481C1C}">
-                <a14:useLocalDpi xmlns:a14="http://schemas.microsoft.com/office/drawing/2010/main" val="0"/>
-              </a:ext>
-            </a:extLst>
-          </a:blip>
-          <a:stretch>
-            <a:fillRect/>
-          </a:stretch>
-        </p:blipFill>
-        <p:spPr>
-          <a:xfrm>
-            <a:off x="9311640" y="6151912"/>
-            <a:ext cx="2781300" cy="593376"/>
-          </a:xfrm>
-          <a:prstGeom prst="rect">
-            <a:avLst/>
-          </a:prstGeom>
-          <a:effectLst/>
         </p:spPr>
       </p:pic>
       <p:pic>
@@ -4255,7 +3706,7 @@
           <p:nvPr userDrawn="1"/>
         </p:nvPicPr>
         <p:blipFill rotWithShape="1">
-          <a:blip r:embed="rId5">
+          <a:blip r:embed="rId3">
             <a:extLst>
               <a:ext uri="{28A0092B-C50C-407E-A947-70E740481C1C}">
                 <a14:useLocalDpi xmlns:a14="http://schemas.microsoft.com/office/drawing/2010/main" val="0"/>
@@ -4276,7 +3727,7 @@
           <a:noFill/>
           <a:extLst>
             <a:ext uri="{909E8E84-426E-40dd-AFC4-6F175D3DCCD1}">
-              <a14:hiddenFill xmlns="" xmlns:a14="http://schemas.microsoft.com/office/drawing/2010/main">
+              <a14:hiddenFill xmlns:a14="http://schemas.microsoft.com/office/drawing/2010/main" xmlns="">
                 <a:solidFill>
                   <a:srgbClr val="FFFFFF"/>
                 </a:solidFill>
@@ -4462,53 +3913,13 @@
           <a:noFill/>
           <a:extLst>
             <a:ext uri="{909E8E84-426E-40dd-AFC4-6F175D3DCCD1}">
-              <a14:hiddenFill xmlns="" xmlns:a14="http://schemas.microsoft.com/office/drawing/2010/main">
+              <a14:hiddenFill xmlns:a14="http://schemas.microsoft.com/office/drawing/2010/main" xmlns="">
                 <a:solidFill>
                   <a:srgbClr val="FFFFFF"/>
                 </a:solidFill>
               </a14:hiddenFill>
             </a:ext>
           </a:extLst>
-        </p:spPr>
-      </p:pic>
-      <p:pic>
-        <p:nvPicPr>
-          <p:cNvPr id="7" name="Picture 6"/>
-          <p:cNvPicPr>
-            <a:picLocks noChangeAspect="1"/>
-          </p:cNvPicPr>
-          <p:nvPr userDrawn="1"/>
-        </p:nvPicPr>
-        <p:blipFill>
-          <a:blip r:embed="rId3" cstate="print">
-            <a:extLst>
-              <a:ext uri="{BEBA8EAE-BF5A-486C-A8C5-ECC9F3942E4B}">
-                <a14:imgProps xmlns:a14="http://schemas.microsoft.com/office/drawing/2010/main">
-                  <a14:imgLayer r:embed="rId4">
-                    <a14:imgEffect>
-                      <a14:brightnessContrast bright="100000" contrast="100000"/>
-                    </a14:imgEffect>
-                  </a14:imgLayer>
-                </a14:imgProps>
-              </a:ext>
-              <a:ext uri="{28A0092B-C50C-407E-A947-70E740481C1C}">
-                <a14:useLocalDpi xmlns:a14="http://schemas.microsoft.com/office/drawing/2010/main" val="0"/>
-              </a:ext>
-            </a:extLst>
-          </a:blip>
-          <a:stretch>
-            <a:fillRect/>
-          </a:stretch>
-        </p:blipFill>
-        <p:spPr>
-          <a:xfrm>
-            <a:off x="9311640" y="6151912"/>
-            <a:ext cx="2781300" cy="593376"/>
-          </a:xfrm>
-          <a:prstGeom prst="rect">
-            <a:avLst/>
-          </a:prstGeom>
-          <a:effectLst/>
         </p:spPr>
       </p:pic>
       <p:sp>
@@ -4629,7 +4040,7 @@
           <p:nvPr userDrawn="1"/>
         </p:nvPicPr>
         <p:blipFill rotWithShape="1">
-          <a:blip r:embed="rId5">
+          <a:blip r:embed="rId3">
             <a:extLst>
               <a:ext uri="{28A0092B-C50C-407E-A947-70E740481C1C}">
                 <a14:useLocalDpi xmlns:a14="http://schemas.microsoft.com/office/drawing/2010/main" val="0"/>
@@ -4717,53 +4128,13 @@
           <a:noFill/>
           <a:extLst>
             <a:ext uri="{909E8E84-426E-40dd-AFC4-6F175D3DCCD1}">
-              <a14:hiddenFill xmlns="" xmlns:a14="http://schemas.microsoft.com/office/drawing/2010/main">
+              <a14:hiddenFill xmlns:a14="http://schemas.microsoft.com/office/drawing/2010/main" xmlns="">
                 <a:solidFill>
                   <a:srgbClr val="FFFFFF"/>
                 </a:solidFill>
               </a14:hiddenFill>
             </a:ext>
           </a:extLst>
-        </p:spPr>
-      </p:pic>
-      <p:pic>
-        <p:nvPicPr>
-          <p:cNvPr id="7" name="Picture 6"/>
-          <p:cNvPicPr>
-            <a:picLocks noChangeAspect="1"/>
-          </p:cNvPicPr>
-          <p:nvPr userDrawn="1"/>
-        </p:nvPicPr>
-        <p:blipFill>
-          <a:blip r:embed="rId3" cstate="print">
-            <a:extLst>
-              <a:ext uri="{BEBA8EAE-BF5A-486C-A8C5-ECC9F3942E4B}">
-                <a14:imgProps xmlns:a14="http://schemas.microsoft.com/office/drawing/2010/main">
-                  <a14:imgLayer r:embed="rId4">
-                    <a14:imgEffect>
-                      <a14:brightnessContrast bright="100000" contrast="100000"/>
-                    </a14:imgEffect>
-                  </a14:imgLayer>
-                </a14:imgProps>
-              </a:ext>
-              <a:ext uri="{28A0092B-C50C-407E-A947-70E740481C1C}">
-                <a14:useLocalDpi xmlns:a14="http://schemas.microsoft.com/office/drawing/2010/main" val="0"/>
-              </a:ext>
-            </a:extLst>
-          </a:blip>
-          <a:stretch>
-            <a:fillRect/>
-          </a:stretch>
-        </p:blipFill>
-        <p:spPr>
-          <a:xfrm>
-            <a:off x="9311640" y="6151912"/>
-            <a:ext cx="2781300" cy="593376"/>
-          </a:xfrm>
-          <a:prstGeom prst="rect">
-            <a:avLst/>
-          </a:prstGeom>
-          <a:effectLst/>
         </p:spPr>
       </p:pic>
       <p:sp>
@@ -4884,7 +4255,7 @@
           <p:nvPr userDrawn="1"/>
         </p:nvPicPr>
         <p:blipFill>
-          <a:blip r:embed="rId5">
+          <a:blip r:embed="rId3">
             <a:extLst>
               <a:ext uri="{28A0092B-C50C-407E-A947-70E740481C1C}">
                 <a14:useLocalDpi xmlns:a14="http://schemas.microsoft.com/office/drawing/2010/main" val="0"/>
@@ -4907,7 +4278,7 @@
           <a:noFill/>
           <a:extLst>
             <a:ext uri="{909E8E84-426E-40dd-AFC4-6F175D3DCCD1}">
-              <a14:hiddenFill xmlns="" xmlns:a14="http://schemas.microsoft.com/office/drawing/2010/main">
+              <a14:hiddenFill xmlns:a14="http://schemas.microsoft.com/office/drawing/2010/main" xmlns="">
                 <a:solidFill>
                   <a:srgbClr val="FFFFFF"/>
                 </a:solidFill>
@@ -4984,53 +4355,13 @@
           <a:noFill/>
           <a:extLst>
             <a:ext uri="{909E8E84-426E-40dd-AFC4-6F175D3DCCD1}">
-              <a14:hiddenFill xmlns="" xmlns:a14="http://schemas.microsoft.com/office/drawing/2010/main">
+              <a14:hiddenFill xmlns:a14="http://schemas.microsoft.com/office/drawing/2010/main" xmlns="">
                 <a:solidFill>
                   <a:srgbClr val="FFFFFF"/>
                 </a:solidFill>
               </a14:hiddenFill>
             </a:ext>
           </a:extLst>
-        </p:spPr>
-      </p:pic>
-      <p:pic>
-        <p:nvPicPr>
-          <p:cNvPr id="7" name="Picture 6"/>
-          <p:cNvPicPr>
-            <a:picLocks noChangeAspect="1"/>
-          </p:cNvPicPr>
-          <p:nvPr userDrawn="1"/>
-        </p:nvPicPr>
-        <p:blipFill>
-          <a:blip r:embed="rId3" cstate="print">
-            <a:extLst>
-              <a:ext uri="{BEBA8EAE-BF5A-486C-A8C5-ECC9F3942E4B}">
-                <a14:imgProps xmlns:a14="http://schemas.microsoft.com/office/drawing/2010/main">
-                  <a14:imgLayer r:embed="rId4">
-                    <a14:imgEffect>
-                      <a14:brightnessContrast bright="100000" contrast="100000"/>
-                    </a14:imgEffect>
-                  </a14:imgLayer>
-                </a14:imgProps>
-              </a:ext>
-              <a:ext uri="{28A0092B-C50C-407E-A947-70E740481C1C}">
-                <a14:useLocalDpi xmlns:a14="http://schemas.microsoft.com/office/drawing/2010/main" val="0"/>
-              </a:ext>
-            </a:extLst>
-          </a:blip>
-          <a:stretch>
-            <a:fillRect/>
-          </a:stretch>
-        </p:blipFill>
-        <p:spPr>
-          <a:xfrm>
-            <a:off x="9311640" y="6151912"/>
-            <a:ext cx="2781300" cy="593376"/>
-          </a:xfrm>
-          <a:prstGeom prst="rect">
-            <a:avLst/>
-          </a:prstGeom>
-          <a:effectLst/>
         </p:spPr>
       </p:pic>
       <p:sp>
@@ -5151,7 +4482,7 @@
           <p:nvPr userDrawn="1"/>
         </p:nvPicPr>
         <p:blipFill>
-          <a:blip r:embed="rId5">
+          <a:blip r:embed="rId3">
             <a:extLst>
               <a:ext uri="{28A0092B-C50C-407E-A947-70E740481C1C}">
                 <a14:useLocalDpi xmlns:a14="http://schemas.microsoft.com/office/drawing/2010/main" val="0"/>
@@ -5240,53 +4571,13 @@
           <a:noFill/>
           <a:extLst>
             <a:ext uri="{909E8E84-426E-40dd-AFC4-6F175D3DCCD1}">
-              <a14:hiddenFill xmlns="" xmlns:a14="http://schemas.microsoft.com/office/drawing/2010/main">
+              <a14:hiddenFill xmlns:a14="http://schemas.microsoft.com/office/drawing/2010/main" xmlns="">
                 <a:solidFill>
                   <a:srgbClr val="FFFFFF"/>
                 </a:solidFill>
               </a14:hiddenFill>
             </a:ext>
           </a:extLst>
-        </p:spPr>
-      </p:pic>
-      <p:pic>
-        <p:nvPicPr>
-          <p:cNvPr id="7" name="Picture 6"/>
-          <p:cNvPicPr>
-            <a:picLocks noChangeAspect="1"/>
-          </p:cNvPicPr>
-          <p:nvPr userDrawn="1"/>
-        </p:nvPicPr>
-        <p:blipFill>
-          <a:blip r:embed="rId3" cstate="print">
-            <a:extLst>
-              <a:ext uri="{BEBA8EAE-BF5A-486C-A8C5-ECC9F3942E4B}">
-                <a14:imgProps xmlns:a14="http://schemas.microsoft.com/office/drawing/2010/main">
-                  <a14:imgLayer r:embed="rId4">
-                    <a14:imgEffect>
-                      <a14:brightnessContrast bright="100000" contrast="100000"/>
-                    </a14:imgEffect>
-                  </a14:imgLayer>
-                </a14:imgProps>
-              </a:ext>
-              <a:ext uri="{28A0092B-C50C-407E-A947-70E740481C1C}">
-                <a14:useLocalDpi xmlns:a14="http://schemas.microsoft.com/office/drawing/2010/main" val="0"/>
-              </a:ext>
-            </a:extLst>
-          </a:blip>
-          <a:stretch>
-            <a:fillRect/>
-          </a:stretch>
-        </p:blipFill>
-        <p:spPr>
-          <a:xfrm>
-            <a:off x="9311640" y="6151912"/>
-            <a:ext cx="2781300" cy="593376"/>
-          </a:xfrm>
-          <a:prstGeom prst="rect">
-            <a:avLst/>
-          </a:prstGeom>
-          <a:effectLst/>
         </p:spPr>
       </p:pic>
       <p:sp>
@@ -5407,7 +4698,7 @@
           <p:nvPr userDrawn="1"/>
         </p:nvPicPr>
         <p:blipFill>
-          <a:blip r:embed="rId5">
+          <a:blip r:embed="rId3">
             <a:extLst>
               <a:ext uri="{28A0092B-C50C-407E-A947-70E740481C1C}">
                 <a14:useLocalDpi xmlns:a14="http://schemas.microsoft.com/office/drawing/2010/main" val="0"/>
@@ -5430,7 +4721,7 @@
           <a:noFill/>
           <a:extLst>
             <a:ext uri="{909E8E84-426E-40dd-AFC4-6F175D3DCCD1}">
-              <a14:hiddenFill xmlns="" xmlns:a14="http://schemas.microsoft.com/office/drawing/2010/main">
+              <a14:hiddenFill xmlns:a14="http://schemas.microsoft.com/office/drawing/2010/main" xmlns="">
                 <a:solidFill>
                   <a:srgbClr val="FFFFFF"/>
                 </a:solidFill>
@@ -5507,53 +4798,13 @@
           <a:noFill/>
           <a:extLst>
             <a:ext uri="{909E8E84-426E-40dd-AFC4-6F175D3DCCD1}">
-              <a14:hiddenFill xmlns="" xmlns:a14="http://schemas.microsoft.com/office/drawing/2010/main">
+              <a14:hiddenFill xmlns:a14="http://schemas.microsoft.com/office/drawing/2010/main" xmlns="">
                 <a:solidFill>
                   <a:srgbClr val="FFFFFF"/>
                 </a:solidFill>
               </a14:hiddenFill>
             </a:ext>
           </a:extLst>
-        </p:spPr>
-      </p:pic>
-      <p:pic>
-        <p:nvPicPr>
-          <p:cNvPr id="7" name="Picture 6"/>
-          <p:cNvPicPr>
-            <a:picLocks noChangeAspect="1"/>
-          </p:cNvPicPr>
-          <p:nvPr userDrawn="1"/>
-        </p:nvPicPr>
-        <p:blipFill>
-          <a:blip r:embed="rId3" cstate="print">
-            <a:extLst>
-              <a:ext uri="{BEBA8EAE-BF5A-486C-A8C5-ECC9F3942E4B}">
-                <a14:imgProps xmlns:a14="http://schemas.microsoft.com/office/drawing/2010/main">
-                  <a14:imgLayer r:embed="rId4">
-                    <a14:imgEffect>
-                      <a14:brightnessContrast bright="100000" contrast="100000"/>
-                    </a14:imgEffect>
-                  </a14:imgLayer>
-                </a14:imgProps>
-              </a:ext>
-              <a:ext uri="{28A0092B-C50C-407E-A947-70E740481C1C}">
-                <a14:useLocalDpi xmlns:a14="http://schemas.microsoft.com/office/drawing/2010/main" val="0"/>
-              </a:ext>
-            </a:extLst>
-          </a:blip>
-          <a:stretch>
-            <a:fillRect/>
-          </a:stretch>
-        </p:blipFill>
-        <p:spPr>
-          <a:xfrm>
-            <a:off x="9311640" y="6151912"/>
-            <a:ext cx="2781300" cy="593376"/>
-          </a:xfrm>
-          <a:prstGeom prst="rect">
-            <a:avLst/>
-          </a:prstGeom>
-          <a:effectLst/>
         </p:spPr>
       </p:pic>
       <p:sp>
@@ -5671,7 +4922,7 @@
           <p:nvPr userDrawn="1"/>
         </p:nvPicPr>
         <p:blipFill>
-          <a:blip r:embed="rId5">
+          <a:blip r:embed="rId3">
             <a:extLst>
               <a:ext uri="{28A0092B-C50C-407E-A947-70E740481C1C}">
                 <a14:useLocalDpi xmlns:a14="http://schemas.microsoft.com/office/drawing/2010/main" val="0"/>
@@ -5694,7 +4945,7 @@
           <a:noFill/>
           <a:extLst>
             <a:ext uri="{909E8E84-426E-40dd-AFC4-6F175D3DCCD1}">
-              <a14:hiddenFill xmlns="" xmlns:a14="http://schemas.microsoft.com/office/drawing/2010/main">
+              <a14:hiddenFill xmlns:a14="http://schemas.microsoft.com/office/drawing/2010/main" xmlns="">
                 <a:solidFill>
                   <a:srgbClr val="FFFFFF"/>
                 </a:solidFill>
@@ -5865,37 +5116,6 @@
           </a:p>
         </p:txBody>
       </p:sp>
-      <p:pic>
-        <p:nvPicPr>
-          <p:cNvPr id="8" name="Picture 7"/>
-          <p:cNvPicPr>
-            <a:picLocks noChangeAspect="1"/>
-          </p:cNvPicPr>
-          <p:nvPr userDrawn="1"/>
-        </p:nvPicPr>
-        <p:blipFill>
-          <a:blip r:embed="rId2" cstate="print">
-            <a:extLst>
-              <a:ext uri="{28A0092B-C50C-407E-A947-70E740481C1C}">
-                <a14:useLocalDpi xmlns:a14="http://schemas.microsoft.com/office/drawing/2010/main" val="0"/>
-              </a:ext>
-            </a:extLst>
-          </a:blip>
-          <a:stretch>
-            <a:fillRect/>
-          </a:stretch>
-        </p:blipFill>
-        <p:spPr>
-          <a:xfrm>
-            <a:off x="9311640" y="6151912"/>
-            <a:ext cx="2781300" cy="593376"/>
-          </a:xfrm>
-          <a:prstGeom prst="rect">
-            <a:avLst/>
-          </a:prstGeom>
-          <a:effectLst/>
-        </p:spPr>
-      </p:pic>
       <p:cxnSp>
         <p:nvCxnSpPr>
           <p:cNvPr id="5" name="Straight Connector 4"/>
@@ -6116,37 +5336,6 @@
           </a:p>
         </p:txBody>
       </p:sp>
-      <p:pic>
-        <p:nvPicPr>
-          <p:cNvPr id="7" name="Picture 6"/>
-          <p:cNvPicPr>
-            <a:picLocks noChangeAspect="1"/>
-          </p:cNvPicPr>
-          <p:nvPr userDrawn="1"/>
-        </p:nvPicPr>
-        <p:blipFill>
-          <a:blip r:embed="rId2" cstate="print">
-            <a:extLst>
-              <a:ext uri="{28A0092B-C50C-407E-A947-70E740481C1C}">
-                <a14:useLocalDpi xmlns:a14="http://schemas.microsoft.com/office/drawing/2010/main" val="0"/>
-              </a:ext>
-            </a:extLst>
-          </a:blip>
-          <a:stretch>
-            <a:fillRect/>
-          </a:stretch>
-        </p:blipFill>
-        <p:spPr>
-          <a:xfrm>
-            <a:off x="9311640" y="6151912"/>
-            <a:ext cx="2781300" cy="593376"/>
-          </a:xfrm>
-          <a:prstGeom prst="rect">
-            <a:avLst/>
-          </a:prstGeom>
-          <a:effectLst/>
-        </p:spPr>
-      </p:pic>
       <p:cxnSp>
         <p:nvCxnSpPr>
           <p:cNvPr id="5" name="Straight Connector 4"/>
@@ -6220,46 +5409,6 @@
           <a:chExt cx="0" cy="0"/>
         </a:xfrm>
       </p:grpSpPr>
-      <p:pic>
-        <p:nvPicPr>
-          <p:cNvPr id="5" name="Picture 4"/>
-          <p:cNvPicPr>
-            <a:picLocks noChangeAspect="1"/>
-          </p:cNvPicPr>
-          <p:nvPr userDrawn="1"/>
-        </p:nvPicPr>
-        <p:blipFill>
-          <a:blip r:embed="rId2" cstate="print">
-            <a:extLst>
-              <a:ext uri="{BEBA8EAE-BF5A-486C-A8C5-ECC9F3942E4B}">
-                <a14:imgProps xmlns:a14="http://schemas.microsoft.com/office/drawing/2010/main">
-                  <a14:imgLayer r:embed="rId3">
-                    <a14:imgEffect>
-                      <a14:brightnessContrast bright="100000" contrast="100000"/>
-                    </a14:imgEffect>
-                  </a14:imgLayer>
-                </a14:imgProps>
-              </a:ext>
-              <a:ext uri="{28A0092B-C50C-407E-A947-70E740481C1C}">
-                <a14:useLocalDpi xmlns:a14="http://schemas.microsoft.com/office/drawing/2010/main" val="0"/>
-              </a:ext>
-            </a:extLst>
-          </a:blip>
-          <a:stretch>
-            <a:fillRect/>
-          </a:stretch>
-        </p:blipFill>
-        <p:spPr>
-          <a:xfrm>
-            <a:off x="9311640" y="6151912"/>
-            <a:ext cx="2781300" cy="593376"/>
-          </a:xfrm>
-          <a:prstGeom prst="rect">
-            <a:avLst/>
-          </a:prstGeom>
-          <a:effectLst/>
-        </p:spPr>
-      </p:pic>
       <p:sp>
         <p:nvSpPr>
           <p:cNvPr id="9" name="Title 1"/>
@@ -6643,37 +5792,6 @@
           </a:p>
         </p:txBody>
       </p:sp>
-      <p:pic>
-        <p:nvPicPr>
-          <p:cNvPr id="8" name="Picture 7"/>
-          <p:cNvPicPr>
-            <a:picLocks noChangeAspect="1"/>
-          </p:cNvPicPr>
-          <p:nvPr userDrawn="1"/>
-        </p:nvPicPr>
-        <p:blipFill>
-          <a:blip r:embed="rId2" cstate="print">
-            <a:extLst>
-              <a:ext uri="{28A0092B-C50C-407E-A947-70E740481C1C}">
-                <a14:useLocalDpi xmlns:a14="http://schemas.microsoft.com/office/drawing/2010/main" val="0"/>
-              </a:ext>
-            </a:extLst>
-          </a:blip>
-          <a:stretch>
-            <a:fillRect/>
-          </a:stretch>
-        </p:blipFill>
-        <p:spPr>
-          <a:xfrm>
-            <a:off x="9311640" y="6151912"/>
-            <a:ext cx="2781300" cy="593376"/>
-          </a:xfrm>
-          <a:prstGeom prst="rect">
-            <a:avLst/>
-          </a:prstGeom>
-          <a:effectLst/>
-        </p:spPr>
-      </p:pic>
       <p:cxnSp>
         <p:nvCxnSpPr>
           <p:cNvPr id="6" name="Straight Connector 5"/>
@@ -7126,37 +6244,6 @@
           </a:p>
         </p:txBody>
       </p:sp>
-      <p:pic>
-        <p:nvPicPr>
-          <p:cNvPr id="10" name="Picture 9"/>
-          <p:cNvPicPr>
-            <a:picLocks noChangeAspect="1"/>
-          </p:cNvPicPr>
-          <p:nvPr userDrawn="1"/>
-        </p:nvPicPr>
-        <p:blipFill>
-          <a:blip r:embed="rId2" cstate="print">
-            <a:extLst>
-              <a:ext uri="{28A0092B-C50C-407E-A947-70E740481C1C}">
-                <a14:useLocalDpi xmlns:a14="http://schemas.microsoft.com/office/drawing/2010/main" val="0"/>
-              </a:ext>
-            </a:extLst>
-          </a:blip>
-          <a:stretch>
-            <a:fillRect/>
-          </a:stretch>
-        </p:blipFill>
-        <p:spPr>
-          <a:xfrm>
-            <a:off x="9311640" y="6151912"/>
-            <a:ext cx="2781300" cy="593376"/>
-          </a:xfrm>
-          <a:prstGeom prst="rect">
-            <a:avLst/>
-          </a:prstGeom>
-          <a:effectLst/>
-        </p:spPr>
-      </p:pic>
       <p:cxnSp>
         <p:nvCxnSpPr>
           <p:cNvPr id="8" name="Straight Connector 7"/>
@@ -7252,37 +6339,6 @@
           </a:p>
         </p:txBody>
       </p:sp>
-      <p:pic>
-        <p:nvPicPr>
-          <p:cNvPr id="6" name="Picture 5"/>
-          <p:cNvPicPr>
-            <a:picLocks noChangeAspect="1"/>
-          </p:cNvPicPr>
-          <p:nvPr userDrawn="1"/>
-        </p:nvPicPr>
-        <p:blipFill>
-          <a:blip r:embed="rId2" cstate="print">
-            <a:extLst>
-              <a:ext uri="{28A0092B-C50C-407E-A947-70E740481C1C}">
-                <a14:useLocalDpi xmlns:a14="http://schemas.microsoft.com/office/drawing/2010/main" val="0"/>
-              </a:ext>
-            </a:extLst>
-          </a:blip>
-          <a:stretch>
-            <a:fillRect/>
-          </a:stretch>
-        </p:blipFill>
-        <p:spPr>
-          <a:xfrm>
-            <a:off x="9311640" y="6151912"/>
-            <a:ext cx="2781300" cy="593376"/>
-          </a:xfrm>
-          <a:prstGeom prst="rect">
-            <a:avLst/>
-          </a:prstGeom>
-          <a:effectLst/>
-        </p:spPr>
-      </p:pic>
       <p:cxnSp>
         <p:nvCxnSpPr>
           <p:cNvPr id="4" name="Straight Connector 3"/>
@@ -7348,37 +6404,6 @@
           <a:chExt cx="0" cy="0"/>
         </a:xfrm>
       </p:grpSpPr>
-      <p:pic>
-        <p:nvPicPr>
-          <p:cNvPr id="5" name="Picture 4"/>
-          <p:cNvPicPr>
-            <a:picLocks noChangeAspect="1"/>
-          </p:cNvPicPr>
-          <p:nvPr userDrawn="1"/>
-        </p:nvPicPr>
-        <p:blipFill>
-          <a:blip r:embed="rId2" cstate="print">
-            <a:extLst>
-              <a:ext uri="{28A0092B-C50C-407E-A947-70E740481C1C}">
-                <a14:useLocalDpi xmlns:a14="http://schemas.microsoft.com/office/drawing/2010/main" val="0"/>
-              </a:ext>
-            </a:extLst>
-          </a:blip>
-          <a:stretch>
-            <a:fillRect/>
-          </a:stretch>
-        </p:blipFill>
-        <p:spPr>
-          <a:xfrm>
-            <a:off x="9311640" y="6151912"/>
-            <a:ext cx="2781300" cy="593376"/>
-          </a:xfrm>
-          <a:prstGeom prst="rect">
-            <a:avLst/>
-          </a:prstGeom>
-          <a:effectLst/>
-        </p:spPr>
-      </p:pic>
       <p:cxnSp>
         <p:nvCxnSpPr>
           <p:cNvPr id="3" name="Straight Connector 2"/>
@@ -7444,37 +6469,6 @@
           <a:chExt cx="0" cy="0"/>
         </a:xfrm>
       </p:grpSpPr>
-      <p:pic>
-        <p:nvPicPr>
-          <p:cNvPr id="7" name="Picture 6"/>
-          <p:cNvPicPr>
-            <a:picLocks noChangeAspect="1"/>
-          </p:cNvPicPr>
-          <p:nvPr userDrawn="1"/>
-        </p:nvPicPr>
-        <p:blipFill>
-          <a:blip r:embed="rId2" cstate="print">
-            <a:extLst>
-              <a:ext uri="{28A0092B-C50C-407E-A947-70E740481C1C}">
-                <a14:useLocalDpi xmlns:a14="http://schemas.microsoft.com/office/drawing/2010/main" val="0"/>
-              </a:ext>
-            </a:extLst>
-          </a:blip>
-          <a:stretch>
-            <a:fillRect/>
-          </a:stretch>
-        </p:blipFill>
-        <p:spPr>
-          <a:xfrm>
-            <a:off x="4354805" y="5086350"/>
-            <a:ext cx="3482391" cy="742950"/>
-          </a:xfrm>
-          <a:prstGeom prst="rect">
-            <a:avLst/>
-          </a:prstGeom>
-          <a:effectLst/>
-        </p:spPr>
-      </p:pic>
       <p:cxnSp>
         <p:nvCxnSpPr>
           <p:cNvPr id="5" name="Straight Connector 4"/>
@@ -7925,37 +6919,6 @@
           </a:p>
         </p:txBody>
       </p:sp>
-      <p:pic>
-        <p:nvPicPr>
-          <p:cNvPr id="8" name="Picture 7"/>
-          <p:cNvPicPr>
-            <a:picLocks noChangeAspect="1"/>
-          </p:cNvPicPr>
-          <p:nvPr userDrawn="1"/>
-        </p:nvPicPr>
-        <p:blipFill>
-          <a:blip r:embed="rId2" cstate="print">
-            <a:extLst>
-              <a:ext uri="{28A0092B-C50C-407E-A947-70E740481C1C}">
-                <a14:useLocalDpi xmlns:a14="http://schemas.microsoft.com/office/drawing/2010/main" val="0"/>
-              </a:ext>
-            </a:extLst>
-          </a:blip>
-          <a:stretch>
-            <a:fillRect/>
-          </a:stretch>
-        </p:blipFill>
-        <p:spPr>
-          <a:xfrm>
-            <a:off x="9311640" y="6151912"/>
-            <a:ext cx="2781300" cy="593376"/>
-          </a:xfrm>
-          <a:prstGeom prst="rect">
-            <a:avLst/>
-          </a:prstGeom>
-          <a:effectLst/>
-        </p:spPr>
-      </p:pic>
       <p:cxnSp>
         <p:nvCxnSpPr>
           <p:cNvPr id="6" name="Straight Connector 5"/>
@@ -8196,37 +7159,6 @@
           </a:p>
         </p:txBody>
       </p:sp>
-      <p:pic>
-        <p:nvPicPr>
-          <p:cNvPr id="8" name="Picture 7"/>
-          <p:cNvPicPr>
-            <a:picLocks noChangeAspect="1"/>
-          </p:cNvPicPr>
-          <p:nvPr userDrawn="1"/>
-        </p:nvPicPr>
-        <p:blipFill>
-          <a:blip r:embed="rId2" cstate="print">
-            <a:extLst>
-              <a:ext uri="{28A0092B-C50C-407E-A947-70E740481C1C}">
-                <a14:useLocalDpi xmlns:a14="http://schemas.microsoft.com/office/drawing/2010/main" val="0"/>
-              </a:ext>
-            </a:extLst>
-          </a:blip>
-          <a:stretch>
-            <a:fillRect/>
-          </a:stretch>
-        </p:blipFill>
-        <p:spPr>
-          <a:xfrm>
-            <a:off x="9311640" y="6151912"/>
-            <a:ext cx="2781300" cy="593376"/>
-          </a:xfrm>
-          <a:prstGeom prst="rect">
-            <a:avLst/>
-          </a:prstGeom>
-          <a:effectLst/>
-        </p:spPr>
-      </p:pic>
       <p:cxnSp>
         <p:nvCxnSpPr>
           <p:cNvPr id="6" name="Straight Connector 5"/>
@@ -8424,37 +7356,6 @@
           </a:p>
         </p:txBody>
       </p:sp>
-      <p:pic>
-        <p:nvPicPr>
-          <p:cNvPr id="7" name="Picture 6"/>
-          <p:cNvPicPr>
-            <a:picLocks noChangeAspect="1"/>
-          </p:cNvPicPr>
-          <p:nvPr userDrawn="1"/>
-        </p:nvPicPr>
-        <p:blipFill>
-          <a:blip r:embed="rId2" cstate="print">
-            <a:extLst>
-              <a:ext uri="{28A0092B-C50C-407E-A947-70E740481C1C}">
-                <a14:useLocalDpi xmlns:a14="http://schemas.microsoft.com/office/drawing/2010/main" val="0"/>
-              </a:ext>
-            </a:extLst>
-          </a:blip>
-          <a:stretch>
-            <a:fillRect/>
-          </a:stretch>
-        </p:blipFill>
-        <p:spPr>
-          <a:xfrm>
-            <a:off x="9311640" y="6151912"/>
-            <a:ext cx="2781300" cy="593376"/>
-          </a:xfrm>
-          <a:prstGeom prst="rect">
-            <a:avLst/>
-          </a:prstGeom>
-          <a:effectLst/>
-        </p:spPr>
-      </p:pic>
     </p:spTree>
     <p:extLst>
       <p:ext uri="{BB962C8B-B14F-4D97-AF65-F5344CB8AC3E}">
@@ -8627,37 +7528,6 @@
           </a:p>
         </p:txBody>
       </p:sp>
-      <p:pic>
-        <p:nvPicPr>
-          <p:cNvPr id="7" name="Picture 6"/>
-          <p:cNvPicPr>
-            <a:picLocks noChangeAspect="1"/>
-          </p:cNvPicPr>
-          <p:nvPr userDrawn="1"/>
-        </p:nvPicPr>
-        <p:blipFill>
-          <a:blip r:embed="rId2" cstate="print">
-            <a:extLst>
-              <a:ext uri="{28A0092B-C50C-407E-A947-70E740481C1C}">
-                <a14:useLocalDpi xmlns:a14="http://schemas.microsoft.com/office/drawing/2010/main" val="0"/>
-              </a:ext>
-            </a:extLst>
-          </a:blip>
-          <a:stretch>
-            <a:fillRect/>
-          </a:stretch>
-        </p:blipFill>
-        <p:spPr>
-          <a:xfrm>
-            <a:off x="9311640" y="6151912"/>
-            <a:ext cx="2781300" cy="593376"/>
-          </a:xfrm>
-          <a:prstGeom prst="rect">
-            <a:avLst/>
-          </a:prstGeom>
-          <a:effectLst/>
-        </p:spPr>
-      </p:pic>
     </p:spTree>
     <p:extLst>
       <p:ext uri="{BB962C8B-B14F-4D97-AF65-F5344CB8AC3E}">
@@ -8696,46 +7566,6 @@
           <a:chExt cx="0" cy="0"/>
         </a:xfrm>
       </p:grpSpPr>
-      <p:pic>
-        <p:nvPicPr>
-          <p:cNvPr id="5" name="Picture 4"/>
-          <p:cNvPicPr>
-            <a:picLocks noChangeAspect="1"/>
-          </p:cNvPicPr>
-          <p:nvPr userDrawn="1"/>
-        </p:nvPicPr>
-        <p:blipFill>
-          <a:blip r:embed="rId2" cstate="print">
-            <a:extLst>
-              <a:ext uri="{BEBA8EAE-BF5A-486C-A8C5-ECC9F3942E4B}">
-                <a14:imgProps xmlns:a14="http://schemas.microsoft.com/office/drawing/2010/main">
-                  <a14:imgLayer r:embed="rId3">
-                    <a14:imgEffect>
-                      <a14:brightnessContrast bright="100000" contrast="100000"/>
-                    </a14:imgEffect>
-                  </a14:imgLayer>
-                </a14:imgProps>
-              </a:ext>
-              <a:ext uri="{28A0092B-C50C-407E-A947-70E740481C1C}">
-                <a14:useLocalDpi xmlns:a14="http://schemas.microsoft.com/office/drawing/2010/main" val="0"/>
-              </a:ext>
-            </a:extLst>
-          </a:blip>
-          <a:stretch>
-            <a:fillRect/>
-          </a:stretch>
-        </p:blipFill>
-        <p:spPr>
-          <a:xfrm>
-            <a:off x="9311640" y="6151912"/>
-            <a:ext cx="2781300" cy="593376"/>
-          </a:xfrm>
-          <a:prstGeom prst="rect">
-            <a:avLst/>
-          </a:prstGeom>
-          <a:effectLst/>
-        </p:spPr>
-      </p:pic>
       <p:sp>
         <p:nvSpPr>
           <p:cNvPr id="9" name="Title 1"/>
@@ -8883,46 +7713,6 @@
           <a:chExt cx="0" cy="0"/>
         </a:xfrm>
       </p:grpSpPr>
-      <p:pic>
-        <p:nvPicPr>
-          <p:cNvPr id="5" name="Picture 4"/>
-          <p:cNvPicPr>
-            <a:picLocks noChangeAspect="1"/>
-          </p:cNvPicPr>
-          <p:nvPr userDrawn="1"/>
-        </p:nvPicPr>
-        <p:blipFill>
-          <a:blip r:embed="rId2" cstate="print">
-            <a:extLst>
-              <a:ext uri="{BEBA8EAE-BF5A-486C-A8C5-ECC9F3942E4B}">
-                <a14:imgProps xmlns:a14="http://schemas.microsoft.com/office/drawing/2010/main">
-                  <a14:imgLayer r:embed="rId3">
-                    <a14:imgEffect>
-                      <a14:brightnessContrast bright="100000" contrast="100000"/>
-                    </a14:imgEffect>
-                  </a14:imgLayer>
-                </a14:imgProps>
-              </a:ext>
-              <a:ext uri="{28A0092B-C50C-407E-A947-70E740481C1C}">
-                <a14:useLocalDpi xmlns:a14="http://schemas.microsoft.com/office/drawing/2010/main" val="0"/>
-              </a:ext>
-            </a:extLst>
-          </a:blip>
-          <a:stretch>
-            <a:fillRect/>
-          </a:stretch>
-        </p:blipFill>
-        <p:spPr>
-          <a:xfrm>
-            <a:off x="9311640" y="6151912"/>
-            <a:ext cx="2781300" cy="593376"/>
-          </a:xfrm>
-          <a:prstGeom prst="rect">
-            <a:avLst/>
-          </a:prstGeom>
-          <a:effectLst/>
-        </p:spPr>
-      </p:pic>
       <p:sp>
         <p:nvSpPr>
           <p:cNvPr id="9" name="Title 1"/>
@@ -9108,46 +7898,6 @@
           </a:p>
         </p:txBody>
       </p:sp>
-      <p:pic>
-        <p:nvPicPr>
-          <p:cNvPr id="5" name="Picture 4"/>
-          <p:cNvPicPr>
-            <a:picLocks noChangeAspect="1"/>
-          </p:cNvPicPr>
-          <p:nvPr userDrawn="1"/>
-        </p:nvPicPr>
-        <p:blipFill>
-          <a:blip r:embed="rId2" cstate="print">
-            <a:extLst>
-              <a:ext uri="{BEBA8EAE-BF5A-486C-A8C5-ECC9F3942E4B}">
-                <a14:imgProps xmlns:a14="http://schemas.microsoft.com/office/drawing/2010/main">
-                  <a14:imgLayer r:embed="rId3">
-                    <a14:imgEffect>
-                      <a14:brightnessContrast bright="100000" contrast="100000"/>
-                    </a14:imgEffect>
-                  </a14:imgLayer>
-                </a14:imgProps>
-              </a:ext>
-              <a:ext uri="{28A0092B-C50C-407E-A947-70E740481C1C}">
-                <a14:useLocalDpi xmlns:a14="http://schemas.microsoft.com/office/drawing/2010/main" val="0"/>
-              </a:ext>
-            </a:extLst>
-          </a:blip>
-          <a:stretch>
-            <a:fillRect/>
-          </a:stretch>
-        </p:blipFill>
-        <p:spPr>
-          <a:xfrm>
-            <a:off x="9311640" y="6151912"/>
-            <a:ext cx="2781300" cy="593376"/>
-          </a:xfrm>
-          <a:prstGeom prst="rect">
-            <a:avLst/>
-          </a:prstGeom>
-          <a:effectLst/>
-        </p:spPr>
-      </p:pic>
       <p:sp>
         <p:nvSpPr>
           <p:cNvPr id="6" name="Subtitle 2"/>
@@ -9257,46 +8007,6 @@
           <a:chExt cx="0" cy="0"/>
         </a:xfrm>
       </p:grpSpPr>
-      <p:pic>
-        <p:nvPicPr>
-          <p:cNvPr id="7" name="Picture 6"/>
-          <p:cNvPicPr>
-            <a:picLocks noChangeAspect="1"/>
-          </p:cNvPicPr>
-          <p:nvPr userDrawn="1"/>
-        </p:nvPicPr>
-        <p:blipFill>
-          <a:blip r:embed="rId2" cstate="print">
-            <a:extLst>
-              <a:ext uri="{BEBA8EAE-BF5A-486C-A8C5-ECC9F3942E4B}">
-                <a14:imgProps xmlns:a14="http://schemas.microsoft.com/office/drawing/2010/main">
-                  <a14:imgLayer r:embed="rId3">
-                    <a14:imgEffect>
-                      <a14:brightnessContrast bright="100000" contrast="100000"/>
-                    </a14:imgEffect>
-                  </a14:imgLayer>
-                </a14:imgProps>
-              </a:ext>
-              <a:ext uri="{28A0092B-C50C-407E-A947-70E740481C1C}">
-                <a14:useLocalDpi xmlns:a14="http://schemas.microsoft.com/office/drawing/2010/main" val="0"/>
-              </a:ext>
-            </a:extLst>
-          </a:blip>
-          <a:stretch>
-            <a:fillRect/>
-          </a:stretch>
-        </p:blipFill>
-        <p:spPr>
-          <a:xfrm>
-            <a:off x="9311640" y="6151912"/>
-            <a:ext cx="2781300" cy="593376"/>
-          </a:xfrm>
-          <a:prstGeom prst="rect">
-            <a:avLst/>
-          </a:prstGeom>
-          <a:effectLst/>
-        </p:spPr>
-      </p:pic>
       <p:sp>
         <p:nvSpPr>
           <p:cNvPr id="8" name="Title 1"/>
@@ -9444,46 +8154,6 @@
           <a:chExt cx="0" cy="0"/>
         </a:xfrm>
       </p:grpSpPr>
-      <p:pic>
-        <p:nvPicPr>
-          <p:cNvPr id="7" name="Picture 6"/>
-          <p:cNvPicPr>
-            <a:picLocks noChangeAspect="1"/>
-          </p:cNvPicPr>
-          <p:nvPr userDrawn="1"/>
-        </p:nvPicPr>
-        <p:blipFill>
-          <a:blip r:embed="rId2" cstate="print">
-            <a:extLst>
-              <a:ext uri="{BEBA8EAE-BF5A-486C-A8C5-ECC9F3942E4B}">
-                <a14:imgProps xmlns:a14="http://schemas.microsoft.com/office/drawing/2010/main">
-                  <a14:imgLayer r:embed="rId3">
-                    <a14:imgEffect>
-                      <a14:brightnessContrast bright="100000" contrast="100000"/>
-                    </a14:imgEffect>
-                  </a14:imgLayer>
-                </a14:imgProps>
-              </a:ext>
-              <a:ext uri="{28A0092B-C50C-407E-A947-70E740481C1C}">
-                <a14:useLocalDpi xmlns:a14="http://schemas.microsoft.com/office/drawing/2010/main" val="0"/>
-              </a:ext>
-            </a:extLst>
-          </a:blip>
-          <a:stretch>
-            <a:fillRect/>
-          </a:stretch>
-        </p:blipFill>
-        <p:spPr>
-          <a:xfrm>
-            <a:off x="9311640" y="6151912"/>
-            <a:ext cx="2781300" cy="593376"/>
-          </a:xfrm>
-          <a:prstGeom prst="rect">
-            <a:avLst/>
-          </a:prstGeom>
-          <a:effectLst/>
-        </p:spPr>
-      </p:pic>
       <p:sp>
         <p:nvSpPr>
           <p:cNvPr id="8" name="Title 1"/>
@@ -10382,7 +9052,7 @@
           <p:cNvPr id="2" name="Title 1">
             <a:extLst>
               <a:ext uri="{FF2B5EF4-FFF2-40B4-BE49-F238E27FC236}">
-                <a16:creationId xmlns:a16="http://schemas.microsoft.com/office/drawing/2014/main" id="{0FA6AEAC-E7B5-460D-AB9D-92BC4090C5B7}"/>
+                <a16:creationId xmlns:a16="http://schemas.microsoft.com/office/drawing/2014/main" id="{2D3BA762-E4FA-4368-B751-764176300177}"/>
               </a:ext>
             </a:extLst>
           </p:cNvPr>
@@ -10400,7 +9070,7 @@
           <a:p>
             <a:r>
               <a:rPr lang="en-US" dirty="0"/>
-              <a:t>Git is recoverable</a:t>
+              <a:t>Git has Integrity</a:t>
             </a:r>
           </a:p>
         </p:txBody>
@@ -10410,7 +9080,7 @@
           <p:cNvPr id="3" name="Content Placeholder 2">
             <a:extLst>
               <a:ext uri="{FF2B5EF4-FFF2-40B4-BE49-F238E27FC236}">
-                <a16:creationId xmlns:a16="http://schemas.microsoft.com/office/drawing/2014/main" id="{475C6E75-54FD-47E6-9EBF-F85A49A7907E}"/>
+                <a16:creationId xmlns:a16="http://schemas.microsoft.com/office/drawing/2014/main" id="{AAB4FD9A-15F8-48E9-A693-489CB3730C2E}"/>
               </a:ext>
             </a:extLst>
           </p:cNvPr>
@@ -10428,19 +9098,27 @@
           <a:p>
             <a:r>
               <a:rPr lang="en-US" dirty="0"/>
-              <a:t>Git generally only *adds* data.</a:t>
-            </a:r>
-          </a:p>
-          <a:p>
-            <a:r>
-              <a:rPr lang="en-US" dirty="0"/>
-              <a:t>There’s a couple things you can do that are un-undoable, probably, but I haven’t found them yet.</a:t>
-            </a:r>
-          </a:p>
-          <a:p>
-            <a:r>
-              <a:rPr lang="en-US" dirty="0"/>
-              <a:t>Once you commit a change, you can always go back and access it. If you mess something up, you can revert to a previous change-set, and you’re good to go!</a:t>
+              <a:t>The SHA-1 thing I mentioned earlier?</a:t>
+            </a:r>
+          </a:p>
+          <a:p>
+            <a:r>
+              <a:rPr lang="en-US" dirty="0"/>
+              <a:t>Git computes a SHA-1 Hash of the commit you just made, and it makes it so you can’t make changes to watched files without Git knowing about it.</a:t>
+            </a:r>
+          </a:p>
+          <a:p>
+            <a:r>
+              <a:rPr lang="en-US" dirty="0"/>
+              <a:t>How? I </a:t>
+            </a:r>
+            <a:r>
+              <a:rPr lang="en-US" dirty="0" err="1"/>
+              <a:t>dunno</a:t>
+            </a:r>
+            <a:r>
+              <a:rPr lang="en-US" dirty="0"/>
+              <a:t>. Magic probably.</a:t>
             </a:r>
           </a:p>
         </p:txBody>
@@ -10448,7 +9126,7 @@
     </p:spTree>
     <p:extLst>
       <p:ext uri="{BB962C8B-B14F-4D97-AF65-F5344CB8AC3E}">
-        <p14:creationId xmlns:p14="http://schemas.microsoft.com/office/powerpoint/2010/main" val="189421915"/>
+        <p14:creationId xmlns:p14="http://schemas.microsoft.com/office/powerpoint/2010/main" val="2504312543"/>
       </p:ext>
     </p:extLst>
   </p:cSld>
@@ -10480,7 +9158,7 @@
           <p:cNvPr id="2" name="Title 1">
             <a:extLst>
               <a:ext uri="{FF2B5EF4-FFF2-40B4-BE49-F238E27FC236}">
-                <a16:creationId xmlns:a16="http://schemas.microsoft.com/office/drawing/2014/main" id="{8A9629C9-9AD4-4A86-97C1-0BA5B0C19D94}"/>
+                <a16:creationId xmlns:a16="http://schemas.microsoft.com/office/drawing/2014/main" id="{0FA6AEAC-E7B5-460D-AB9D-92BC4090C5B7}"/>
               </a:ext>
             </a:extLst>
           </p:cNvPr>
@@ -10498,64 +9176,55 @@
           <a:p>
             <a:r>
               <a:rPr lang="en-US" dirty="0"/>
-              <a:t>Basic Workflow</a:t>
-            </a:r>
-          </a:p>
-        </p:txBody>
-      </p:sp>
-      <p:pic>
-        <p:nvPicPr>
-          <p:cNvPr id="3074" name="Picture 2" descr="Working tree, staging area, and Git directory.">
+              <a:t>Git is recoverable</a:t>
+            </a:r>
+          </a:p>
+        </p:txBody>
+      </p:sp>
+      <p:sp>
+        <p:nvSpPr>
+          <p:cNvPr id="3" name="Content Placeholder 2">
             <a:extLst>
               <a:ext uri="{FF2B5EF4-FFF2-40B4-BE49-F238E27FC236}">
-                <a16:creationId xmlns:a16="http://schemas.microsoft.com/office/drawing/2014/main" id="{25F68965-AA38-4808-B661-2D8747F8E8E5}"/>
+                <a16:creationId xmlns:a16="http://schemas.microsoft.com/office/drawing/2014/main" id="{475C6E75-54FD-47E6-9EBF-F85A49A7907E}"/>
               </a:ext>
             </a:extLst>
           </p:cNvPr>
-          <p:cNvPicPr>
-            <a:picLocks noGrp="1" noChangeAspect="1" noChangeArrowheads="1"/>
-          </p:cNvPicPr>
+          <p:cNvSpPr>
+            <a:spLocks noGrp="1"/>
+          </p:cNvSpPr>
           <p:nvPr>
             <p:ph idx="1"/>
           </p:nvPr>
-        </p:nvPicPr>
-        <p:blipFill>
-          <a:blip r:embed="rId2">
-            <a:extLst>
-              <a:ext uri="{28A0092B-C50C-407E-A947-70E740481C1C}">
-                <a14:useLocalDpi xmlns:a14="http://schemas.microsoft.com/office/drawing/2010/main" val="0"/>
-              </a:ext>
-            </a:extLst>
-          </a:blip>
-          <a:srcRect/>
-          <a:stretch>
-            <a:fillRect/>
-          </a:stretch>
-        </p:blipFill>
-        <p:spPr bwMode="auto">
-          <a:xfrm>
-            <a:off x="2286000" y="1901031"/>
-            <a:ext cx="7620000" cy="4200525"/>
-          </a:xfrm>
-          <a:prstGeom prst="rect">
-            <a:avLst/>
-          </a:prstGeom>
-          <a:noFill/>
-          <a:extLst>
-            <a:ext uri="{909E8E84-426E-40DD-AFC4-6F175D3DCCD1}">
-              <a14:hiddenFill xmlns:a14="http://schemas.microsoft.com/office/drawing/2010/main">
-                <a:solidFill>
-                  <a:srgbClr val="FFFFFF"/>
-                </a:solidFill>
-              </a14:hiddenFill>
-            </a:ext>
-          </a:extLst>
-        </p:spPr>
-      </p:pic>
+        </p:nvSpPr>
+        <p:spPr/>
+        <p:txBody>
+          <a:bodyPr/>
+          <a:lstStyle/>
+          <a:p>
+            <a:r>
+              <a:rPr lang="en-US" dirty="0"/>
+              <a:t>Git generally only *adds* data.</a:t>
+            </a:r>
+          </a:p>
+          <a:p>
+            <a:r>
+              <a:rPr lang="en-US" dirty="0"/>
+              <a:t>There’s a couple things you can do that are un-undoable, probably, but I haven’t found them yet.</a:t>
+            </a:r>
+          </a:p>
+          <a:p>
+            <a:r>
+              <a:rPr lang="en-US" dirty="0"/>
+              <a:t>Once you commit a change, you can always go back and access it. If you mess something up, you can revert to a previous change-set, and you’re good to go!</a:t>
+            </a:r>
+          </a:p>
+        </p:txBody>
+      </p:sp>
     </p:spTree>
     <p:extLst>
       <p:ext uri="{BB962C8B-B14F-4D97-AF65-F5344CB8AC3E}">
-        <p14:creationId xmlns:p14="http://schemas.microsoft.com/office/powerpoint/2010/main" val="1617573897"/>
+        <p14:creationId xmlns:p14="http://schemas.microsoft.com/office/powerpoint/2010/main" val="189421915"/>
       </p:ext>
     </p:extLst>
   </p:cSld>
@@ -10587,7 +9256,7 @@
           <p:cNvPr id="2" name="Title 1">
             <a:extLst>
               <a:ext uri="{FF2B5EF4-FFF2-40B4-BE49-F238E27FC236}">
-                <a16:creationId xmlns:a16="http://schemas.microsoft.com/office/drawing/2014/main" id="{7FC8900C-5155-4F12-9845-2CC9027CCBCA}"/>
+                <a16:creationId xmlns:a16="http://schemas.microsoft.com/office/drawing/2014/main" id="{8A9629C9-9AD4-4A86-97C1-0BA5B0C19D94}"/>
               </a:ext>
             </a:extLst>
           </p:cNvPr>
@@ -10605,83 +9274,64 @@
           <a:p>
             <a:r>
               <a:rPr lang="en-US" dirty="0"/>
-              <a:t>Three States</a:t>
-            </a:r>
-          </a:p>
-        </p:txBody>
-      </p:sp>
-      <p:sp>
-        <p:nvSpPr>
-          <p:cNvPr id="3" name="Content Placeholder 2">
+              <a:t>Basic Workflow</a:t>
+            </a:r>
+          </a:p>
+        </p:txBody>
+      </p:sp>
+      <p:pic>
+        <p:nvPicPr>
+          <p:cNvPr id="3074" name="Picture 2" descr="Working tree, staging area, and Git directory.">
             <a:extLst>
               <a:ext uri="{FF2B5EF4-FFF2-40B4-BE49-F238E27FC236}">
-                <a16:creationId xmlns:a16="http://schemas.microsoft.com/office/drawing/2014/main" id="{41415508-FBBE-4D83-AA4F-B5A08A348B02}"/>
+                <a16:creationId xmlns:a16="http://schemas.microsoft.com/office/drawing/2014/main" id="{25F68965-AA38-4808-B661-2D8747F8E8E5}"/>
               </a:ext>
             </a:extLst>
           </p:cNvPr>
-          <p:cNvSpPr>
-            <a:spLocks noGrp="1"/>
-          </p:cNvSpPr>
+          <p:cNvPicPr>
+            <a:picLocks noGrp="1" noChangeAspect="1" noChangeArrowheads="1"/>
+          </p:cNvPicPr>
           <p:nvPr>
             <p:ph idx="1"/>
           </p:nvPr>
-        </p:nvSpPr>
-        <p:spPr/>
-        <p:txBody>
-          <a:bodyPr/>
-          <a:lstStyle/>
-          <a:p>
-            <a:r>
-              <a:rPr lang="en-US" dirty="0"/>
-              <a:t>Modified</a:t>
-            </a:r>
-          </a:p>
-          <a:p>
-            <a:pPr lvl="1"/>
-            <a:r>
-              <a:rPr lang="en-US" dirty="0"/>
-              <a:t>You’ve made a change to one or more files.</a:t>
-            </a:r>
-          </a:p>
-          <a:p>
-            <a:r>
-              <a:rPr lang="en-US" dirty="0"/>
-              <a:t>Staged</a:t>
-            </a:r>
-          </a:p>
-          <a:p>
-            <a:pPr lvl="1"/>
-            <a:r>
-              <a:rPr lang="en-US" dirty="0"/>
-              <a:t>You’ve gone through and selected the files you want to commit</a:t>
-            </a:r>
-          </a:p>
-          <a:p>
-            <a:pPr lvl="1"/>
-            <a:r>
-              <a:rPr lang="en-US" dirty="0"/>
-              <a:t>You don’t HAVE to commit everything in one go!</a:t>
-            </a:r>
-          </a:p>
-          <a:p>
-            <a:r>
-              <a:rPr lang="en-US" dirty="0"/>
-              <a:t>Committed</a:t>
-            </a:r>
-          </a:p>
-          <a:p>
-            <a:pPr lvl="1"/>
-            <a:r>
-              <a:rPr lang="en-US" dirty="0"/>
-              <a:t>Committing is the part that is recorded to Git. It’s now part of the log and can be seen in the history.</a:t>
-            </a:r>
-          </a:p>
-        </p:txBody>
-      </p:sp>
+        </p:nvPicPr>
+        <p:blipFill>
+          <a:blip r:embed="rId2">
+            <a:extLst>
+              <a:ext uri="{28A0092B-C50C-407E-A947-70E740481C1C}">
+                <a14:useLocalDpi xmlns:a14="http://schemas.microsoft.com/office/drawing/2010/main" val="0"/>
+              </a:ext>
+            </a:extLst>
+          </a:blip>
+          <a:srcRect/>
+          <a:stretch>
+            <a:fillRect/>
+          </a:stretch>
+        </p:blipFill>
+        <p:spPr bwMode="auto">
+          <a:xfrm>
+            <a:off x="2286000" y="1901031"/>
+            <a:ext cx="7620000" cy="4200525"/>
+          </a:xfrm>
+          <a:prstGeom prst="rect">
+            <a:avLst/>
+          </a:prstGeom>
+          <a:noFill/>
+          <a:extLst>
+            <a:ext uri="{909E8E84-426E-40DD-AFC4-6F175D3DCCD1}">
+              <a14:hiddenFill xmlns:a14="http://schemas.microsoft.com/office/drawing/2010/main">
+                <a:solidFill>
+                  <a:srgbClr val="FFFFFF"/>
+                </a:solidFill>
+              </a14:hiddenFill>
+            </a:ext>
+          </a:extLst>
+        </p:spPr>
+      </p:pic>
     </p:spTree>
     <p:extLst>
       <p:ext uri="{BB962C8B-B14F-4D97-AF65-F5344CB8AC3E}">
-        <p14:creationId xmlns:p14="http://schemas.microsoft.com/office/powerpoint/2010/main" val="4231516819"/>
+        <p14:creationId xmlns:p14="http://schemas.microsoft.com/office/powerpoint/2010/main" val="1617573897"/>
       </p:ext>
     </p:extLst>
   </p:cSld>
@@ -10713,7 +9363,7 @@
           <p:cNvPr id="2" name="Title 1">
             <a:extLst>
               <a:ext uri="{FF2B5EF4-FFF2-40B4-BE49-F238E27FC236}">
-                <a16:creationId xmlns:a16="http://schemas.microsoft.com/office/drawing/2014/main" id="{6374560B-CBBB-4D34-81B8-BCEC16AC23A1}"/>
+                <a16:creationId xmlns:a16="http://schemas.microsoft.com/office/drawing/2014/main" id="{7FC8900C-5155-4F12-9845-2CC9027CCBCA}"/>
               </a:ext>
             </a:extLst>
           </p:cNvPr>
@@ -10731,15 +9381,7 @@
           <a:p>
             <a:r>
               <a:rPr lang="en-US" dirty="0"/>
-              <a:t>Not </a:t>
-            </a:r>
-            <a:r>
-              <a:rPr lang="en-US" i="1" dirty="0"/>
-              <a:t>quite </a:t>
-            </a:r>
-            <a:r>
-              <a:rPr lang="en-US" dirty="0"/>
-              <a:t>done - probably</a:t>
+              <a:t>Three States</a:t>
             </a:r>
           </a:p>
         </p:txBody>
@@ -10749,7 +9391,7 @@
           <p:cNvPr id="3" name="Content Placeholder 2">
             <a:extLst>
               <a:ext uri="{FF2B5EF4-FFF2-40B4-BE49-F238E27FC236}">
-                <a16:creationId xmlns:a16="http://schemas.microsoft.com/office/drawing/2014/main" id="{3917125C-2BDC-4B04-B75A-31F80461EF98}"/>
+                <a16:creationId xmlns:a16="http://schemas.microsoft.com/office/drawing/2014/main" id="{41415508-FBBE-4D83-AA4F-B5A08A348B02}"/>
               </a:ext>
             </a:extLst>
           </p:cNvPr>
@@ -10767,28 +9409,47 @@
           <a:p>
             <a:r>
               <a:rPr lang="en-US" dirty="0"/>
-              <a:t>In most cases, you still need to synchronize your code with a shared repository.</a:t>
-            </a:r>
-          </a:p>
-          <a:p>
-            <a:r>
-              <a:rPr lang="en-US" dirty="0"/>
-              <a:t>This is known as a “Push”</a:t>
-            </a:r>
-          </a:p>
-          <a:p>
-            <a:r>
-              <a:rPr lang="en-US" dirty="0"/>
-              <a:t>Getting code from the central repo is known as a “Pull”</a:t>
-            </a:r>
-          </a:p>
-          <a:p>
-            <a:endParaRPr lang="en-US" dirty="0"/>
-          </a:p>
-          <a:p>
-            <a:r>
-              <a:rPr lang="en-US" dirty="0"/>
-              <a:t>If you both “Pull” and “Push” – you have “synched” your code.</a:t>
+              <a:t>Modified</a:t>
+            </a:r>
+          </a:p>
+          <a:p>
+            <a:pPr lvl="1"/>
+            <a:r>
+              <a:rPr lang="en-US" dirty="0"/>
+              <a:t>You’ve made a change to one or more files.</a:t>
+            </a:r>
+          </a:p>
+          <a:p>
+            <a:r>
+              <a:rPr lang="en-US" dirty="0"/>
+              <a:t>Staged</a:t>
+            </a:r>
+          </a:p>
+          <a:p>
+            <a:pPr lvl="1"/>
+            <a:r>
+              <a:rPr lang="en-US" dirty="0"/>
+              <a:t>You’ve gone through and selected the files you want to commit</a:t>
+            </a:r>
+          </a:p>
+          <a:p>
+            <a:pPr lvl="1"/>
+            <a:r>
+              <a:rPr lang="en-US" dirty="0"/>
+              <a:t>You don’t HAVE to commit everything in one go!</a:t>
+            </a:r>
+          </a:p>
+          <a:p>
+            <a:r>
+              <a:rPr lang="en-US" dirty="0"/>
+              <a:t>Committed</a:t>
+            </a:r>
+          </a:p>
+          <a:p>
+            <a:pPr lvl="1"/>
+            <a:r>
+              <a:rPr lang="en-US" dirty="0"/>
+              <a:t>Committing is the part that is recorded to Git. It’s now part of the log and can be seen in the history.</a:t>
             </a:r>
           </a:p>
         </p:txBody>
@@ -10796,7 +9457,7 @@
     </p:spTree>
     <p:extLst>
       <p:ext uri="{BB962C8B-B14F-4D97-AF65-F5344CB8AC3E}">
-        <p14:creationId xmlns:p14="http://schemas.microsoft.com/office/powerpoint/2010/main" val="4155925949"/>
+        <p14:creationId xmlns:p14="http://schemas.microsoft.com/office/powerpoint/2010/main" val="4231516819"/>
       </p:ext>
     </p:extLst>
   </p:cSld>
@@ -10828,7 +9489,7 @@
           <p:cNvPr id="2" name="Title 1">
             <a:extLst>
               <a:ext uri="{FF2B5EF4-FFF2-40B4-BE49-F238E27FC236}">
-                <a16:creationId xmlns:a16="http://schemas.microsoft.com/office/drawing/2014/main" id="{9232E434-9413-4B36-99F6-6127E6ACA56E}"/>
+                <a16:creationId xmlns:a16="http://schemas.microsoft.com/office/drawing/2014/main" id="{6374560B-CBBB-4D34-81B8-BCEC16AC23A1}"/>
               </a:ext>
             </a:extLst>
           </p:cNvPr>
@@ -10846,17 +9507,25 @@
           <a:p>
             <a:r>
               <a:rPr lang="en-US" dirty="0"/>
-              <a:t>Hosted Git Repos</a:t>
-            </a:r>
-          </a:p>
-        </p:txBody>
-      </p:sp>
-      <p:sp>
-        <p:nvSpPr>
-          <p:cNvPr id="3" name="Text Placeholder 2">
+              <a:t>Not </a:t>
+            </a:r>
+            <a:r>
+              <a:rPr lang="en-US" i="1" dirty="0"/>
+              <a:t>quite </a:t>
+            </a:r>
+            <a:r>
+              <a:rPr lang="en-US" dirty="0"/>
+              <a:t>done - probably</a:t>
+            </a:r>
+          </a:p>
+        </p:txBody>
+      </p:sp>
+      <p:sp>
+        <p:nvSpPr>
+          <p:cNvPr id="3" name="Content Placeholder 2">
             <a:extLst>
               <a:ext uri="{FF2B5EF4-FFF2-40B4-BE49-F238E27FC236}">
-                <a16:creationId xmlns:a16="http://schemas.microsoft.com/office/drawing/2014/main" id="{980E02D7-15CA-454F-A487-78BF648CF9F0}"/>
+                <a16:creationId xmlns:a16="http://schemas.microsoft.com/office/drawing/2014/main" id="{3917125C-2BDC-4B04-B75A-31F80461EF98}"/>
               </a:ext>
             </a:extLst>
           </p:cNvPr>
@@ -10864,7 +9533,7 @@
             <a:spLocks noGrp="1"/>
           </p:cNvSpPr>
           <p:nvPr>
-            <p:ph type="body" idx="1"/>
+            <p:ph idx="1"/>
           </p:nvPr>
         </p:nvSpPr>
         <p:spPr/>
@@ -10874,7 +9543,28 @@
           <a:p>
             <a:r>
               <a:rPr lang="en-US" dirty="0"/>
-              <a:t>Sharing the code!</a:t>
+              <a:t>In most cases, you still need to synchronize your code with a shared repository.</a:t>
+            </a:r>
+          </a:p>
+          <a:p>
+            <a:r>
+              <a:rPr lang="en-US" dirty="0"/>
+              <a:t>This is known as a “Push”</a:t>
+            </a:r>
+          </a:p>
+          <a:p>
+            <a:r>
+              <a:rPr lang="en-US" dirty="0"/>
+              <a:t>Getting code from the central repo is known as a “Pull”</a:t>
+            </a:r>
+          </a:p>
+          <a:p>
+            <a:endParaRPr lang="en-US" dirty="0"/>
+          </a:p>
+          <a:p>
+            <a:r>
+              <a:rPr lang="en-US" dirty="0"/>
+              <a:t>If you both “Pull” and “Push” – you have “synced” your code.</a:t>
             </a:r>
           </a:p>
         </p:txBody>
@@ -10882,7 +9572,7 @@
     </p:spTree>
     <p:extLst>
       <p:ext uri="{BB962C8B-B14F-4D97-AF65-F5344CB8AC3E}">
-        <p14:creationId xmlns:p14="http://schemas.microsoft.com/office/powerpoint/2010/main" val="784079646"/>
+        <p14:creationId xmlns:p14="http://schemas.microsoft.com/office/powerpoint/2010/main" val="4155925949"/>
       </p:ext>
     </p:extLst>
   </p:cSld>
@@ -10914,7 +9604,7 @@
           <p:cNvPr id="2" name="Title 1">
             <a:extLst>
               <a:ext uri="{FF2B5EF4-FFF2-40B4-BE49-F238E27FC236}">
-                <a16:creationId xmlns:a16="http://schemas.microsoft.com/office/drawing/2014/main" id="{5B9111D1-EBA9-469A-A5AC-94959A3B7E01}"/>
+                <a16:creationId xmlns:a16="http://schemas.microsoft.com/office/drawing/2014/main" id="{9232E434-9413-4B36-99F6-6127E6ACA56E}"/>
               </a:ext>
             </a:extLst>
           </p:cNvPr>
@@ -10932,17 +9622,17 @@
           <a:p>
             <a:r>
               <a:rPr lang="en-US" dirty="0"/>
-              <a:t>Repos</a:t>
-            </a:r>
-          </a:p>
-        </p:txBody>
-      </p:sp>
-      <p:sp>
-        <p:nvSpPr>
-          <p:cNvPr id="3" name="Content Placeholder 2">
+              <a:t>Hosted Git Repos</a:t>
+            </a:r>
+          </a:p>
+        </p:txBody>
+      </p:sp>
+      <p:sp>
+        <p:nvSpPr>
+          <p:cNvPr id="3" name="Text Placeholder 2">
             <a:extLst>
               <a:ext uri="{FF2B5EF4-FFF2-40B4-BE49-F238E27FC236}">
-                <a16:creationId xmlns:a16="http://schemas.microsoft.com/office/drawing/2014/main" id="{66A1847F-81AF-4B9B-96B0-C1825FDCDF8F}"/>
+                <a16:creationId xmlns:a16="http://schemas.microsoft.com/office/drawing/2014/main" id="{980E02D7-15CA-454F-A487-78BF648CF9F0}"/>
               </a:ext>
             </a:extLst>
           </p:cNvPr>
@@ -10950,92 +9640,25 @@
             <a:spLocks noGrp="1"/>
           </p:cNvSpPr>
           <p:nvPr>
-            <p:ph idx="1"/>
+            <p:ph type="body" idx="1"/>
           </p:nvPr>
         </p:nvSpPr>
         <p:spPr/>
         <p:txBody>
-          <a:bodyPr>
-            <a:normAutofit lnSpcReduction="10000"/>
-          </a:bodyPr>
+          <a:bodyPr/>
           <a:lstStyle/>
           <a:p>
             <a:r>
               <a:rPr lang="en-US" dirty="0"/>
-              <a:t>Big 3</a:t>
-            </a:r>
-          </a:p>
-          <a:p>
-            <a:r>
-              <a:rPr lang="en-US" dirty="0"/>
-              <a:t>VSTS</a:t>
-            </a:r>
-          </a:p>
-          <a:p>
-            <a:pPr lvl="1"/>
-            <a:r>
-              <a:rPr lang="en-US" dirty="0"/>
-              <a:t>Known for closed source projects</a:t>
-            </a:r>
-          </a:p>
-          <a:p>
-            <a:pPr lvl="1"/>
-            <a:r>
-              <a:rPr lang="en-US" dirty="0"/>
-              <a:t>High-End CI/CD functionality</a:t>
-            </a:r>
-          </a:p>
-          <a:p>
-            <a:pPr lvl="1"/>
-            <a:r>
-              <a:rPr lang="en-US" dirty="0"/>
-              <a:t>Exceptional project tracking via TFS</a:t>
-            </a:r>
-          </a:p>
-          <a:p>
-            <a:r>
-              <a:rPr lang="en-US" dirty="0"/>
-              <a:t>GitHub</a:t>
-            </a:r>
-          </a:p>
-          <a:p>
-            <a:pPr lvl="1"/>
-            <a:r>
-              <a:rPr lang="en-US" dirty="0"/>
-              <a:t>Known for open source projects</a:t>
-            </a:r>
-          </a:p>
-          <a:p>
-            <a:pPr lvl="1"/>
-            <a:r>
-              <a:rPr lang="en-US" dirty="0"/>
-              <a:t>Exceptional bug-tracking and messaging</a:t>
-            </a:r>
-          </a:p>
-          <a:p>
-            <a:pPr lvl="1"/>
-            <a:r>
-              <a:rPr lang="en-US" dirty="0"/>
-              <a:t>API works well with most CI/CD platforms, Team City, Jenkins, TFS, etc.</a:t>
-            </a:r>
-          </a:p>
-          <a:p>
-            <a:r>
-              <a:rPr lang="en-US" dirty="0" err="1"/>
-              <a:t>BitBucket</a:t>
-            </a:r>
-            <a:endParaRPr lang="en-US" dirty="0"/>
-          </a:p>
-          <a:p>
-            <a:pPr lvl="1"/>
-            <a:endParaRPr lang="en-US" dirty="0"/>
+              <a:t>Sharing the code!</a:t>
+            </a:r>
           </a:p>
         </p:txBody>
       </p:sp>
     </p:spTree>
     <p:extLst>
       <p:ext uri="{BB962C8B-B14F-4D97-AF65-F5344CB8AC3E}">
-        <p14:creationId xmlns:p14="http://schemas.microsoft.com/office/powerpoint/2010/main" val="662332301"/>
+        <p14:creationId xmlns:p14="http://schemas.microsoft.com/office/powerpoint/2010/main" val="784079646"/>
       </p:ext>
     </p:extLst>
   </p:cSld>
@@ -11067,7 +9690,7 @@
           <p:cNvPr id="2" name="Title 1">
             <a:extLst>
               <a:ext uri="{FF2B5EF4-FFF2-40B4-BE49-F238E27FC236}">
-                <a16:creationId xmlns:a16="http://schemas.microsoft.com/office/drawing/2014/main" id="{29093CCA-7953-439D-9E03-48C7A94BACAD}"/>
+                <a16:creationId xmlns:a16="http://schemas.microsoft.com/office/drawing/2014/main" id="{5B9111D1-EBA9-469A-A5AC-94959A3B7E01}"/>
               </a:ext>
             </a:extLst>
           </p:cNvPr>
@@ -11085,7 +9708,7 @@
           <a:p>
             <a:r>
               <a:rPr lang="en-US" dirty="0"/>
-              <a:t>TFS</a:t>
+              <a:t>Repos</a:t>
             </a:r>
           </a:p>
         </p:txBody>
@@ -11095,7 +9718,7 @@
           <p:cNvPr id="3" name="Content Placeholder 2">
             <a:extLst>
               <a:ext uri="{FF2B5EF4-FFF2-40B4-BE49-F238E27FC236}">
-                <a16:creationId xmlns:a16="http://schemas.microsoft.com/office/drawing/2014/main" id="{5552C562-13BC-49D0-9EF3-1406A4C3C4E4}"/>
+                <a16:creationId xmlns:a16="http://schemas.microsoft.com/office/drawing/2014/main" id="{66A1847F-81AF-4B9B-96B0-C1825FDCDF8F}"/>
               </a:ext>
             </a:extLst>
           </p:cNvPr>
@@ -11115,53 +9738,72 @@
           <a:p>
             <a:r>
               <a:rPr lang="en-US" dirty="0"/>
-              <a:t>Free up to 5 users</a:t>
-            </a:r>
-          </a:p>
-          <a:p>
-            <a:r>
-              <a:rPr lang="en-US" dirty="0"/>
-              <a:t>Unlimited private repos</a:t>
-            </a:r>
-          </a:p>
-          <a:p>
-            <a:r>
-              <a:rPr lang="en-US" dirty="0"/>
-              <a:t>No public repositories!</a:t>
-            </a:r>
-          </a:p>
-          <a:p>
-            <a:r>
-              <a:rPr lang="en-US" dirty="0"/>
-              <a:t>CI/CD pipeline is well developed – no Team City necessary, Octopus Deploy is debatable.</a:t>
-            </a:r>
-          </a:p>
-          <a:p>
-            <a:r>
-              <a:rPr lang="en-US" dirty="0"/>
-              <a:t>Azure is well integrated – great for websites, services, mobile, </a:t>
-            </a:r>
+              <a:t>Big 3</a:t>
+            </a:r>
+          </a:p>
+          <a:p>
+            <a:r>
+              <a:rPr lang="en-US" dirty="0"/>
+              <a:t>VSTS</a:t>
+            </a:r>
+          </a:p>
+          <a:p>
+            <a:pPr lvl="1"/>
+            <a:r>
+              <a:rPr lang="en-US" dirty="0"/>
+              <a:t>Known for closed source projects</a:t>
+            </a:r>
+          </a:p>
+          <a:p>
+            <a:pPr lvl="1"/>
+            <a:r>
+              <a:rPr lang="en-US" dirty="0"/>
+              <a:t>High-End CI/CD functionality</a:t>
+            </a:r>
+          </a:p>
+          <a:p>
+            <a:pPr lvl="1"/>
+            <a:r>
+              <a:rPr lang="en-US" dirty="0"/>
+              <a:t>Exceptional project tracking via TFS</a:t>
+            </a:r>
+          </a:p>
+          <a:p>
+            <a:r>
+              <a:rPr lang="en-US" dirty="0"/>
+              <a:t>GitHub</a:t>
+            </a:r>
+          </a:p>
+          <a:p>
+            <a:pPr lvl="1"/>
+            <a:r>
+              <a:rPr lang="en-US" dirty="0"/>
+              <a:t>Known for open source projects</a:t>
+            </a:r>
+          </a:p>
+          <a:p>
+            <a:pPr lvl="1"/>
+            <a:r>
+              <a:rPr lang="en-US" dirty="0"/>
+              <a:t>Exceptional bug-tracking and messaging</a:t>
+            </a:r>
+          </a:p>
+          <a:p>
+            <a:pPr lvl="1"/>
+            <a:r>
+              <a:rPr lang="en-US" dirty="0"/>
+              <a:t>API works well with most CI/CD platforms, Team City, Jenkins, TFS, etc.</a:t>
+            </a:r>
+          </a:p>
+          <a:p>
             <a:r>
               <a:rPr lang="en-US" dirty="0" err="1"/>
-              <a:t>etc</a:t>
+              <a:t>BitBucket</a:t>
             </a:r>
             <a:endParaRPr lang="en-US" dirty="0"/>
           </a:p>
           <a:p>
-            <a:r>
-              <a:rPr lang="en-US" dirty="0"/>
-              <a:t>Great choice for small business!</a:t>
-            </a:r>
-          </a:p>
-          <a:p>
-            <a:r>
-              <a:rPr lang="en-US" dirty="0"/>
-              <a:t>Learning Curve: Experience with MS products makes this easy-</a:t>
-            </a:r>
-            <a:r>
-              <a:rPr lang="en-US" dirty="0" err="1"/>
-              <a:t>ish</a:t>
-            </a:r>
+            <a:pPr lvl="1"/>
             <a:endParaRPr lang="en-US" dirty="0"/>
           </a:p>
         </p:txBody>
@@ -11169,7 +9811,7 @@
     </p:spTree>
     <p:extLst>
       <p:ext uri="{BB962C8B-B14F-4D97-AF65-F5344CB8AC3E}">
-        <p14:creationId xmlns:p14="http://schemas.microsoft.com/office/powerpoint/2010/main" val="951745335"/>
+        <p14:creationId xmlns:p14="http://schemas.microsoft.com/office/powerpoint/2010/main" val="662332301"/>
       </p:ext>
     </p:extLst>
   </p:cSld>
@@ -11201,7 +9843,7 @@
           <p:cNvPr id="2" name="Title 1">
             <a:extLst>
               <a:ext uri="{FF2B5EF4-FFF2-40B4-BE49-F238E27FC236}">
-                <a16:creationId xmlns:a16="http://schemas.microsoft.com/office/drawing/2014/main" id="{9F5EE912-1E0A-470C-AB7B-2F2CCC87BB2A}"/>
+                <a16:creationId xmlns:a16="http://schemas.microsoft.com/office/drawing/2014/main" id="{29093CCA-7953-439D-9E03-48C7A94BACAD}"/>
               </a:ext>
             </a:extLst>
           </p:cNvPr>
@@ -11219,7 +9861,7 @@
           <a:p>
             <a:r>
               <a:rPr lang="en-US" dirty="0"/>
-              <a:t>Github</a:t>
+              <a:t>TFS</a:t>
             </a:r>
           </a:p>
         </p:txBody>
@@ -11229,7 +9871,7 @@
           <p:cNvPr id="3" name="Content Placeholder 2">
             <a:extLst>
               <a:ext uri="{FF2B5EF4-FFF2-40B4-BE49-F238E27FC236}">
-                <a16:creationId xmlns:a16="http://schemas.microsoft.com/office/drawing/2014/main" id="{64252670-4F73-4792-B175-6F43FDE66830}"/>
+                <a16:creationId xmlns:a16="http://schemas.microsoft.com/office/drawing/2014/main" id="{5552C562-13BC-49D0-9EF3-1406A4C3C4E4}"/>
               </a:ext>
             </a:extLst>
           </p:cNvPr>
@@ -11249,75 +9891,61 @@
           <a:p>
             <a:r>
               <a:rPr lang="en-US" dirty="0"/>
-              <a:t>Most widely used hosting platform</a:t>
-            </a:r>
-          </a:p>
-          <a:p>
-            <a:r>
-              <a:rPr lang="en-US" dirty="0"/>
-              <a:t>Unlimited public repositories</a:t>
-            </a:r>
-          </a:p>
-          <a:p>
-            <a:r>
-              <a:rPr lang="en-US" dirty="0"/>
-              <a:t>$7/month personal account with unlimited private repositories</a:t>
-            </a:r>
-          </a:p>
-          <a:p>
-            <a:r>
-              <a:rPr lang="en-US" dirty="0"/>
-              <a:t>Enterprise plans allow on-premises hosted solutions.</a:t>
-            </a:r>
-          </a:p>
-          <a:p>
-            <a:r>
-              <a:rPr lang="en-US" dirty="0"/>
-              <a:t>Learning Curve: Experience with Git helps make this easy-</a:t>
+              <a:t>Free up to 5 users</a:t>
+            </a:r>
+          </a:p>
+          <a:p>
+            <a:r>
+              <a:rPr lang="en-US" dirty="0"/>
+              <a:t>Unlimited private repos</a:t>
+            </a:r>
+          </a:p>
+          <a:p>
+            <a:r>
+              <a:rPr lang="en-US" dirty="0"/>
+              <a:t>No public repositories!</a:t>
+            </a:r>
+          </a:p>
+          <a:p>
+            <a:r>
+              <a:rPr lang="en-US" dirty="0"/>
+              <a:t>CI/CD pipeline is well developed – no Team City necessary, Octopus Deploy is debatable.</a:t>
+            </a:r>
+          </a:p>
+          <a:p>
+            <a:r>
+              <a:rPr lang="en-US" dirty="0"/>
+              <a:t>Azure is well integrated – great for websites, services, mobile, </a:t>
+            </a:r>
+            <a:r>
+              <a:rPr lang="en-US" dirty="0" err="1"/>
+              <a:t>etc</a:t>
+            </a:r>
+            <a:endParaRPr lang="en-US" dirty="0"/>
+          </a:p>
+          <a:p>
+            <a:r>
+              <a:rPr lang="en-US" dirty="0"/>
+              <a:t>Great choice for small business!</a:t>
+            </a:r>
+          </a:p>
+          <a:p>
+            <a:r>
+              <a:rPr lang="en-US" dirty="0"/>
+              <a:t>Learning Curve: Experience with MS products makes this easy-</a:t>
             </a:r>
             <a:r>
               <a:rPr lang="en-US" dirty="0" err="1"/>
               <a:t>ish</a:t>
             </a:r>
             <a:endParaRPr lang="en-US" dirty="0"/>
-          </a:p>
-          <a:p>
-            <a:endParaRPr lang="en-US" dirty="0"/>
-          </a:p>
-          <a:p>
-            <a:r>
-              <a:rPr lang="en-US" b="1" dirty="0"/>
-              <a:t>EVERY DEVELOPER SHOULD HAVE A GITHUB PROFILE</a:t>
-            </a:r>
-            <a:endParaRPr lang="en-US" dirty="0"/>
-          </a:p>
-          <a:p>
-            <a:pPr lvl="1"/>
-            <a:r>
-              <a:rPr lang="en-US" dirty="0"/>
-              <a:t>Host code you’re proud of</a:t>
-            </a:r>
-          </a:p>
-          <a:p>
-            <a:pPr lvl="1"/>
-            <a:r>
-              <a:rPr lang="en-US" dirty="0"/>
-              <a:t>Fork someone else’s code and make a change</a:t>
-            </a:r>
-          </a:p>
-          <a:p>
-            <a:pPr lvl="1"/>
-            <a:r>
-              <a:rPr lang="en-US" dirty="0"/>
-              <a:t>It’s as good as or better than a resume!</a:t>
-            </a:r>
           </a:p>
         </p:txBody>
       </p:sp>
     </p:spTree>
     <p:extLst>
       <p:ext uri="{BB962C8B-B14F-4D97-AF65-F5344CB8AC3E}">
-        <p14:creationId xmlns:p14="http://schemas.microsoft.com/office/powerpoint/2010/main" val="3303160553"/>
+        <p14:creationId xmlns:p14="http://schemas.microsoft.com/office/powerpoint/2010/main" val="951745335"/>
       </p:ext>
     </p:extLst>
   </p:cSld>
@@ -11349,7 +9977,7 @@
           <p:cNvPr id="2" name="Title 1">
             <a:extLst>
               <a:ext uri="{FF2B5EF4-FFF2-40B4-BE49-F238E27FC236}">
-                <a16:creationId xmlns:a16="http://schemas.microsoft.com/office/drawing/2014/main" id="{4EAC3CEE-55B5-498F-B337-F6698845AD6D}"/>
+                <a16:creationId xmlns:a16="http://schemas.microsoft.com/office/drawing/2014/main" id="{9F5EE912-1E0A-470C-AB7B-2F2CCC87BB2A}"/>
               </a:ext>
             </a:extLst>
           </p:cNvPr>
@@ -11366,10 +9994,9 @@
           <a:lstStyle/>
           <a:p>
             <a:r>
-              <a:rPr lang="en-US" dirty="0" err="1"/>
-              <a:t>BitBucket</a:t>
-            </a:r>
-            <a:endParaRPr lang="en-US" dirty="0"/>
+              <a:rPr lang="en-US" dirty="0"/>
+              <a:t>Github</a:t>
+            </a:r>
           </a:p>
         </p:txBody>
       </p:sp>
@@ -11378,7 +10005,7 @@
           <p:cNvPr id="3" name="Content Placeholder 2">
             <a:extLst>
               <a:ext uri="{FF2B5EF4-FFF2-40B4-BE49-F238E27FC236}">
-                <a16:creationId xmlns:a16="http://schemas.microsoft.com/office/drawing/2014/main" id="{A230217E-4487-403E-9114-3429E27BD4A2}"/>
+                <a16:creationId xmlns:a16="http://schemas.microsoft.com/office/drawing/2014/main" id="{64252670-4F73-4792-B175-6F43FDE66830}"/>
               </a:ext>
             </a:extLst>
           </p:cNvPr>
@@ -11391,12 +10018,14 @@
         </p:nvSpPr>
         <p:spPr/>
         <p:txBody>
-          <a:bodyPr/>
+          <a:bodyPr>
+            <a:normAutofit lnSpcReduction="10000"/>
+          </a:bodyPr>
           <a:lstStyle/>
           <a:p>
             <a:r>
               <a:rPr lang="en-US" dirty="0"/>
-              <a:t>Free up to 5 users</a:t>
+              <a:t>Most widely used hosting platform</a:t>
             </a:r>
           </a:p>
           <a:p>
@@ -11408,24 +10037,63 @@
           <a:p>
             <a:r>
               <a:rPr lang="en-US" dirty="0"/>
-              <a:t>Unlimited private repositories</a:t>
-            </a:r>
-          </a:p>
-          <a:p>
-            <a:r>
-              <a:rPr lang="en-US" dirty="0"/>
-              <a:t>Pricing beyond 5 users is roughly $1/month/user</a:t>
-            </a:r>
-          </a:p>
-          <a:p>
+              <a:t>$7/month personal account with unlimited private repositories</a:t>
+            </a:r>
+          </a:p>
+          <a:p>
+            <a:r>
+              <a:rPr lang="en-US" dirty="0"/>
+              <a:t>Enterprise plans allow on-premises hosted solutions.</a:t>
+            </a:r>
+          </a:p>
+          <a:p>
+            <a:r>
+              <a:rPr lang="en-US" dirty="0"/>
+              <a:t>Learning Curve: Experience with Git helps make this easy-</a:t>
+            </a:r>
+            <a:r>
+              <a:rPr lang="en-US" dirty="0" err="1"/>
+              <a:t>ish</a:t>
+            </a:r>
             <a:endParaRPr lang="en-US" dirty="0"/>
+          </a:p>
+          <a:p>
+            <a:endParaRPr lang="en-US" dirty="0"/>
+          </a:p>
+          <a:p>
+            <a:r>
+              <a:rPr lang="en-US" b="1" dirty="0"/>
+              <a:t>EVERY DEVELOPER SHOULD HAVE A GITHUB PROFILE</a:t>
+            </a:r>
+            <a:endParaRPr lang="en-US" dirty="0"/>
+          </a:p>
+          <a:p>
+            <a:pPr lvl="1"/>
+            <a:r>
+              <a:rPr lang="en-US" dirty="0"/>
+              <a:t>Host code you’re proud of</a:t>
+            </a:r>
+          </a:p>
+          <a:p>
+            <a:pPr lvl="1"/>
+            <a:r>
+              <a:rPr lang="en-US" dirty="0"/>
+              <a:t>Fork someone else’s code and make a change</a:t>
+            </a:r>
+          </a:p>
+          <a:p>
+            <a:pPr lvl="1"/>
+            <a:r>
+              <a:rPr lang="en-US" dirty="0"/>
+              <a:t>It’s as good as or better than a resume!</a:t>
+            </a:r>
           </a:p>
         </p:txBody>
       </p:sp>
     </p:spTree>
     <p:extLst>
       <p:ext uri="{BB962C8B-B14F-4D97-AF65-F5344CB8AC3E}">
-        <p14:creationId xmlns:p14="http://schemas.microsoft.com/office/powerpoint/2010/main" val="2402215412"/>
+        <p14:creationId xmlns:p14="http://schemas.microsoft.com/office/powerpoint/2010/main" val="3303160553"/>
       </p:ext>
     </p:extLst>
   </p:cSld>
@@ -11457,7 +10125,7 @@
           <p:cNvPr id="2" name="Title 1">
             <a:extLst>
               <a:ext uri="{FF2B5EF4-FFF2-40B4-BE49-F238E27FC236}">
-                <a16:creationId xmlns:a16="http://schemas.microsoft.com/office/drawing/2014/main" id="{6174851A-8287-468C-9577-53577DE4E1C5}"/>
+                <a16:creationId xmlns:a16="http://schemas.microsoft.com/office/drawing/2014/main" id="{4EAC3CEE-55B5-498F-B337-F6698845AD6D}"/>
               </a:ext>
             </a:extLst>
           </p:cNvPr>
@@ -11474,9 +10142,10 @@
           <a:lstStyle/>
           <a:p>
             <a:r>
-              <a:rPr lang="en-US" dirty="0"/>
-              <a:t>Host roundup</a:t>
-            </a:r>
+              <a:rPr lang="en-US" dirty="0" err="1"/>
+              <a:t>BitBucket</a:t>
+            </a:r>
+            <a:endParaRPr lang="en-US" dirty="0"/>
           </a:p>
         </p:txBody>
       </p:sp>
@@ -11485,7 +10154,7 @@
           <p:cNvPr id="3" name="Content Placeholder 2">
             <a:extLst>
               <a:ext uri="{FF2B5EF4-FFF2-40B4-BE49-F238E27FC236}">
-                <a16:creationId xmlns:a16="http://schemas.microsoft.com/office/drawing/2014/main" id="{A031299B-ADFE-4523-8946-52288916B63F}"/>
+                <a16:creationId xmlns:a16="http://schemas.microsoft.com/office/drawing/2014/main" id="{A230217E-4487-403E-9114-3429E27BD4A2}"/>
               </a:ext>
             </a:extLst>
           </p:cNvPr>
@@ -11503,40 +10172,36 @@
           <a:p>
             <a:r>
               <a:rPr lang="en-US" dirty="0"/>
-              <a:t>Choose Github for your open-source, publicly-viewable projects</a:t>
-            </a:r>
-          </a:p>
-          <a:p>
-            <a:r>
-              <a:rPr lang="en-US" dirty="0"/>
-              <a:t>Choose VSTS for company projects, or for running the CI/CD builds on your GitHub repo (Yes, you can do BOTH!)</a:t>
-            </a:r>
-          </a:p>
-          <a:p>
-            <a:r>
-              <a:rPr lang="en-US" dirty="0" err="1"/>
-              <a:t>BitBucket</a:t>
-            </a:r>
-            <a:r>
-              <a:rPr lang="en-US" dirty="0"/>
-              <a:t> offers a nice alternative to Github, but is not as well known. Mileage may vary.</a:t>
+              <a:t>Free up to 5 users</a:t>
+            </a:r>
+          </a:p>
+          <a:p>
+            <a:r>
+              <a:rPr lang="en-US" dirty="0"/>
+              <a:t>Unlimited public repositories</a:t>
+            </a:r>
+          </a:p>
+          <a:p>
+            <a:r>
+              <a:rPr lang="en-US" dirty="0"/>
+              <a:t>Unlimited private repositories</a:t>
+            </a:r>
+          </a:p>
+          <a:p>
+            <a:r>
+              <a:rPr lang="en-US" dirty="0"/>
+              <a:t>Pricing beyond 5 users is roughly $1/month/user</a:t>
             </a:r>
           </a:p>
           <a:p>
             <a:endParaRPr lang="en-US" dirty="0"/>
-          </a:p>
-          <a:p>
-            <a:r>
-              <a:rPr lang="en-US" dirty="0"/>
-              <a:t>AWS is offering some interesting new options</a:t>
-            </a:r>
           </a:p>
         </p:txBody>
       </p:sp>
     </p:spTree>
     <p:extLst>
       <p:ext uri="{BB962C8B-B14F-4D97-AF65-F5344CB8AC3E}">
-        <p14:creationId xmlns:p14="http://schemas.microsoft.com/office/powerpoint/2010/main" val="2372600824"/>
+        <p14:creationId xmlns:p14="http://schemas.microsoft.com/office/powerpoint/2010/main" val="2402215412"/>
       </p:ext>
     </p:extLst>
   </p:cSld>
@@ -11662,7 +10327,7 @@
             </a:br>
             <a:r>
               <a:rPr lang="en-US" i="1" dirty="0"/>
-              <a:t>2013 – present</a:t>
+              <a:t>2013 – 2018</a:t>
             </a:r>
           </a:p>
           <a:p>
@@ -11700,36 +10365,6 @@
           <a:xfrm>
             <a:off x="8635369" y="1359242"/>
             <a:ext cx="2451787" cy="2451787"/>
-          </a:xfrm>
-          <a:prstGeom prst="rect">
-            <a:avLst/>
-          </a:prstGeom>
-        </p:spPr>
-      </p:pic>
-      <p:pic>
-        <p:nvPicPr>
-          <p:cNvPr id="5" name="Picture 4"/>
-          <p:cNvPicPr>
-            <a:picLocks noChangeAspect="1"/>
-          </p:cNvPicPr>
-          <p:nvPr/>
-        </p:nvPicPr>
-        <p:blipFill>
-          <a:blip r:embed="rId3">
-            <a:extLst>
-              <a:ext uri="{28A0092B-C50C-407E-A947-70E740481C1C}">
-                <a14:useLocalDpi xmlns:a14="http://schemas.microsoft.com/office/drawing/2010/main" val="0"/>
-              </a:ext>
-            </a:extLst>
-          </a:blip>
-          <a:stretch>
-            <a:fillRect/>
-          </a:stretch>
-        </p:blipFill>
-        <p:spPr>
-          <a:xfrm>
-            <a:off x="7598066" y="2625045"/>
-            <a:ext cx="757712" cy="1185984"/>
           </a:xfrm>
           <a:prstGeom prst="rect">
             <a:avLst/>
@@ -11771,7 +10406,7 @@
           <p:cNvPr id="2" name="Title 1">
             <a:extLst>
               <a:ext uri="{FF2B5EF4-FFF2-40B4-BE49-F238E27FC236}">
-                <a16:creationId xmlns:a16="http://schemas.microsoft.com/office/drawing/2014/main" id="{009C8563-8243-4BD7-A153-2AF7C9C016E2}"/>
+                <a16:creationId xmlns:a16="http://schemas.microsoft.com/office/drawing/2014/main" id="{6174851A-8287-468C-9577-53577DE4E1C5}"/>
               </a:ext>
             </a:extLst>
           </p:cNvPr>
@@ -11789,17 +10424,17 @@
           <a:p>
             <a:r>
               <a:rPr lang="en-US" dirty="0"/>
-              <a:t>Branching and Merging</a:t>
-            </a:r>
-          </a:p>
-        </p:txBody>
-      </p:sp>
-      <p:sp>
-        <p:nvSpPr>
-          <p:cNvPr id="3" name="Text Placeholder 2">
+              <a:t>Host roundup</a:t>
+            </a:r>
+          </a:p>
+        </p:txBody>
+      </p:sp>
+      <p:sp>
+        <p:nvSpPr>
+          <p:cNvPr id="3" name="Content Placeholder 2">
             <a:extLst>
               <a:ext uri="{FF2B5EF4-FFF2-40B4-BE49-F238E27FC236}">
-                <a16:creationId xmlns:a16="http://schemas.microsoft.com/office/drawing/2014/main" id="{182F19D3-529A-4D24-A8A1-8F63D0085728}"/>
+                <a16:creationId xmlns:a16="http://schemas.microsoft.com/office/drawing/2014/main" id="{A031299B-ADFE-4523-8946-52288916B63F}"/>
               </a:ext>
             </a:extLst>
           </p:cNvPr>
@@ -11807,7 +10442,7 @@
             <a:spLocks noGrp="1"/>
           </p:cNvSpPr>
           <p:nvPr>
-            <p:ph type="body" idx="1"/>
+            <p:ph idx="1"/>
           </p:nvPr>
         </p:nvSpPr>
         <p:spPr/>
@@ -11817,7 +10452,32 @@
           <a:p>
             <a:r>
               <a:rPr lang="en-US" dirty="0"/>
-              <a:t>How to stay sane</a:t>
+              <a:t>Choose Github for your open-source, publicly-viewable projects</a:t>
+            </a:r>
+          </a:p>
+          <a:p>
+            <a:r>
+              <a:rPr lang="en-US" dirty="0"/>
+              <a:t>Choose VSTS for company projects, or for running the CI/CD builds on your GitHub repo (Yes, you can do BOTH!)</a:t>
+            </a:r>
+          </a:p>
+          <a:p>
+            <a:r>
+              <a:rPr lang="en-US" dirty="0" err="1"/>
+              <a:t>BitBucket</a:t>
+            </a:r>
+            <a:r>
+              <a:rPr lang="en-US" dirty="0"/>
+              <a:t> offers a nice alternative to Github, but is not as well known. Mileage may vary.</a:t>
+            </a:r>
+          </a:p>
+          <a:p>
+            <a:endParaRPr lang="en-US" dirty="0"/>
+          </a:p>
+          <a:p>
+            <a:r>
+              <a:rPr lang="en-US" dirty="0"/>
+              <a:t>AWS is offering some interesting new options</a:t>
             </a:r>
           </a:p>
         </p:txBody>
@@ -11825,7 +10485,7 @@
     </p:spTree>
     <p:extLst>
       <p:ext uri="{BB962C8B-B14F-4D97-AF65-F5344CB8AC3E}">
-        <p14:creationId xmlns:p14="http://schemas.microsoft.com/office/powerpoint/2010/main" val="3084031404"/>
+        <p14:creationId xmlns:p14="http://schemas.microsoft.com/office/powerpoint/2010/main" val="2372600824"/>
       </p:ext>
     </p:extLst>
   </p:cSld>
@@ -11854,10 +10514,10 @@
       </p:grpSpPr>
       <p:sp>
         <p:nvSpPr>
-          <p:cNvPr id="4" name="Title 3">
+          <p:cNvPr id="2" name="Title 1">
             <a:extLst>
               <a:ext uri="{FF2B5EF4-FFF2-40B4-BE49-F238E27FC236}">
-                <a16:creationId xmlns:a16="http://schemas.microsoft.com/office/drawing/2014/main" id="{B4D0A662-C37A-473D-A246-0D681A71BA66}"/>
+                <a16:creationId xmlns:a16="http://schemas.microsoft.com/office/drawing/2014/main" id="{009C8563-8243-4BD7-A153-2AF7C9C016E2}"/>
               </a:ext>
             </a:extLst>
           </p:cNvPr>
@@ -11875,66 +10535,43 @@
           <a:p>
             <a:r>
               <a:rPr lang="en-US" dirty="0"/>
-              <a:t>Gitflow</a:t>
-            </a:r>
-          </a:p>
-        </p:txBody>
-      </p:sp>
-      <p:pic>
-        <p:nvPicPr>
-          <p:cNvPr id="7" name="Content Placeholder 6">
+              <a:t>Branching and Merging</a:t>
+            </a:r>
+          </a:p>
+        </p:txBody>
+      </p:sp>
+      <p:sp>
+        <p:nvSpPr>
+          <p:cNvPr id="3" name="Text Placeholder 2">
             <a:extLst>
               <a:ext uri="{FF2B5EF4-FFF2-40B4-BE49-F238E27FC236}">
-                <a16:creationId xmlns:a16="http://schemas.microsoft.com/office/drawing/2014/main" id="{EEB5084E-8EDB-474F-8DAC-73F4A7AF336D}"/>
+                <a16:creationId xmlns:a16="http://schemas.microsoft.com/office/drawing/2014/main" id="{182F19D3-529A-4D24-A8A1-8F63D0085728}"/>
               </a:ext>
             </a:extLst>
           </p:cNvPr>
-          <p:cNvPicPr>
-            <a:picLocks noGrp="1" noChangeAspect="1"/>
-          </p:cNvPicPr>
-          <p:nvPr>
-            <p:ph idx="1"/>
-          </p:nvPr>
-        </p:nvPicPr>
-        <p:blipFill>
-          <a:blip r:embed="rId2">
-            <a:extLst>
-              <a:ext uri="{28A0092B-C50C-407E-A947-70E740481C1C}">
-                <a14:useLocalDpi xmlns:a14="http://schemas.microsoft.com/office/drawing/2010/main" val="0"/>
-              </a:ext>
-              <a:ext uri="{96DAC541-7B7A-43D3-8B79-37D633B846F1}">
-                <asvg:svgBlip xmlns:asvg="http://schemas.microsoft.com/office/drawing/2016/SVG/main" r:embed="rId3"/>
-              </a:ext>
-            </a:extLst>
-          </a:blip>
-          <a:stretch>
-            <a:fillRect/>
-          </a:stretch>
-        </p:blipFill>
-        <p:spPr bwMode="auto">
-          <a:xfrm>
-            <a:off x="3063709" y="1825625"/>
-            <a:ext cx="6064582" cy="4351338"/>
-          </a:xfrm>
-          <a:prstGeom prst="rect">
-            <a:avLst/>
-          </a:prstGeom>
-          <a:noFill/>
-          <a:extLst>
-            <a:ext uri="{909E8E84-426E-40DD-AFC4-6F175D3DCCD1}">
-              <a14:hiddenFill xmlns:a14="http://schemas.microsoft.com/office/drawing/2010/main">
-                <a:solidFill>
-                  <a:srgbClr val="FFFFFF"/>
-                </a:solidFill>
-              </a14:hiddenFill>
-            </a:ext>
-          </a:extLst>
-        </p:spPr>
-      </p:pic>
+          <p:cNvSpPr>
+            <a:spLocks noGrp="1"/>
+          </p:cNvSpPr>
+          <p:nvPr>
+            <p:ph type="body" idx="1"/>
+          </p:nvPr>
+        </p:nvSpPr>
+        <p:spPr/>
+        <p:txBody>
+          <a:bodyPr/>
+          <a:lstStyle/>
+          <a:p>
+            <a:r>
+              <a:rPr lang="en-US" dirty="0"/>
+              <a:t>How to stay sane</a:t>
+            </a:r>
+          </a:p>
+        </p:txBody>
+      </p:sp>
     </p:spTree>
     <p:extLst>
       <p:ext uri="{BB962C8B-B14F-4D97-AF65-F5344CB8AC3E}">
-        <p14:creationId xmlns:p14="http://schemas.microsoft.com/office/powerpoint/2010/main" val="2377605413"/>
+        <p14:creationId xmlns:p14="http://schemas.microsoft.com/office/powerpoint/2010/main" val="3084031404"/>
       </p:ext>
     </p:extLst>
   </p:cSld>
@@ -11963,10 +10600,10 @@
       </p:grpSpPr>
       <p:sp>
         <p:nvSpPr>
-          <p:cNvPr id="2" name="Title 1">
+          <p:cNvPr id="4" name="Title 3">
             <a:extLst>
               <a:ext uri="{FF2B5EF4-FFF2-40B4-BE49-F238E27FC236}">
-                <a16:creationId xmlns:a16="http://schemas.microsoft.com/office/drawing/2014/main" id="{CC4A54E6-05F8-4D89-971E-BC053D209B94}"/>
+                <a16:creationId xmlns:a16="http://schemas.microsoft.com/office/drawing/2014/main" id="{B4D0A662-C37A-473D-A246-0D681A71BA66}"/>
               </a:ext>
             </a:extLst>
           </p:cNvPr>
@@ -11984,17 +10621,17 @@
           <a:p>
             <a:r>
               <a:rPr lang="en-US" dirty="0"/>
-              <a:t>Github Flow</a:t>
+              <a:t>Gitflow</a:t>
             </a:r>
           </a:p>
         </p:txBody>
       </p:sp>
       <p:pic>
         <p:nvPicPr>
-          <p:cNvPr id="5" name="Content Placeholder 4">
+          <p:cNvPr id="7" name="Content Placeholder 6">
             <a:extLst>
               <a:ext uri="{FF2B5EF4-FFF2-40B4-BE49-F238E27FC236}">
-                <a16:creationId xmlns:a16="http://schemas.microsoft.com/office/drawing/2014/main" id="{7A2BCEFD-3342-43C1-B40B-42DE90C5E3F6}"/>
+                <a16:creationId xmlns:a16="http://schemas.microsoft.com/office/drawing/2014/main" id="{EEB5084E-8EDB-474F-8DAC-73F4A7AF336D}"/>
               </a:ext>
             </a:extLst>
           </p:cNvPr>
@@ -12011,23 +10648,39 @@
               <a:ext uri="{28A0092B-C50C-407E-A947-70E740481C1C}">
                 <a14:useLocalDpi xmlns:a14="http://schemas.microsoft.com/office/drawing/2010/main" val="0"/>
               </a:ext>
+              <a:ext uri="{96DAC541-7B7A-43D3-8B79-37D633B846F1}">
+                <asvg:svgBlip xmlns:asvg="http://schemas.microsoft.com/office/drawing/2016/SVG/main" r:embed="rId3"/>
+              </a:ext>
             </a:extLst>
           </a:blip>
           <a:stretch>
             <a:fillRect/>
           </a:stretch>
         </p:blipFill>
-        <p:spPr>
-          <a:xfrm>
-            <a:off x="838200" y="2678073"/>
-            <a:ext cx="10515600" cy="2646442"/>
-          </a:xfrm>
+        <p:spPr bwMode="auto">
+          <a:xfrm>
+            <a:off x="3063709" y="1825625"/>
+            <a:ext cx="6064582" cy="4351338"/>
+          </a:xfrm>
+          <a:prstGeom prst="rect">
+            <a:avLst/>
+          </a:prstGeom>
+          <a:noFill/>
+          <a:extLst>
+            <a:ext uri="{909E8E84-426E-40DD-AFC4-6F175D3DCCD1}">
+              <a14:hiddenFill xmlns:a14="http://schemas.microsoft.com/office/drawing/2010/main">
+                <a:solidFill>
+                  <a:srgbClr val="FFFFFF"/>
+                </a:solidFill>
+              </a14:hiddenFill>
+            </a:ext>
+          </a:extLst>
         </p:spPr>
       </p:pic>
     </p:spTree>
     <p:extLst>
       <p:ext uri="{BB962C8B-B14F-4D97-AF65-F5344CB8AC3E}">
-        <p14:creationId xmlns:p14="http://schemas.microsoft.com/office/powerpoint/2010/main" val="3213113248"/>
+        <p14:creationId xmlns:p14="http://schemas.microsoft.com/office/powerpoint/2010/main" val="2377605413"/>
       </p:ext>
     </p:extLst>
   </p:cSld>
@@ -12059,7 +10712,7 @@
           <p:cNvPr id="2" name="Title 1">
             <a:extLst>
               <a:ext uri="{FF2B5EF4-FFF2-40B4-BE49-F238E27FC236}">
-                <a16:creationId xmlns:a16="http://schemas.microsoft.com/office/drawing/2014/main" id="{F220168B-851B-448D-B065-1390D2D73C20}"/>
+                <a16:creationId xmlns:a16="http://schemas.microsoft.com/office/drawing/2014/main" id="{CC4A54E6-05F8-4D89-971E-BC053D209B94}"/>
               </a:ext>
             </a:extLst>
           </p:cNvPr>
@@ -12077,40 +10730,50 @@
           <a:p>
             <a:r>
               <a:rPr lang="en-US" dirty="0"/>
-              <a:t>Common UI Tools</a:t>
-            </a:r>
-          </a:p>
-        </p:txBody>
-      </p:sp>
-      <p:sp>
-        <p:nvSpPr>
-          <p:cNvPr id="3" name="Text Placeholder 2">
+              <a:t>Github Flow</a:t>
+            </a:r>
+          </a:p>
+        </p:txBody>
+      </p:sp>
+      <p:pic>
+        <p:nvPicPr>
+          <p:cNvPr id="5" name="Content Placeholder 4">
             <a:extLst>
               <a:ext uri="{FF2B5EF4-FFF2-40B4-BE49-F238E27FC236}">
-                <a16:creationId xmlns:a16="http://schemas.microsoft.com/office/drawing/2014/main" id="{1471B88D-28C1-4B4E-A5A7-4BC5DECCA821}"/>
+                <a16:creationId xmlns:a16="http://schemas.microsoft.com/office/drawing/2014/main" id="{7A2BCEFD-3342-43C1-B40B-42DE90C5E3F6}"/>
               </a:ext>
             </a:extLst>
           </p:cNvPr>
-          <p:cNvSpPr>
-            <a:spLocks noGrp="1"/>
-          </p:cNvSpPr>
-          <p:nvPr>
-            <p:ph type="body" idx="1"/>
-          </p:nvPr>
-        </p:nvSpPr>
-        <p:spPr/>
-        <p:txBody>
-          <a:bodyPr/>
-          <a:lstStyle/>
-          <a:p>
-            <a:endParaRPr lang="en-US"/>
-          </a:p>
-        </p:txBody>
-      </p:sp>
+          <p:cNvPicPr>
+            <a:picLocks noGrp="1" noChangeAspect="1"/>
+          </p:cNvPicPr>
+          <p:nvPr>
+            <p:ph idx="1"/>
+          </p:nvPr>
+        </p:nvPicPr>
+        <p:blipFill>
+          <a:blip r:embed="rId2">
+            <a:extLst>
+              <a:ext uri="{28A0092B-C50C-407E-A947-70E740481C1C}">
+                <a14:useLocalDpi xmlns:a14="http://schemas.microsoft.com/office/drawing/2010/main" val="0"/>
+              </a:ext>
+            </a:extLst>
+          </a:blip>
+          <a:stretch>
+            <a:fillRect/>
+          </a:stretch>
+        </p:blipFill>
+        <p:spPr>
+          <a:xfrm>
+            <a:off x="838200" y="2678073"/>
+            <a:ext cx="10515600" cy="2646442"/>
+          </a:xfrm>
+        </p:spPr>
+      </p:pic>
     </p:spTree>
     <p:extLst>
       <p:ext uri="{BB962C8B-B14F-4D97-AF65-F5344CB8AC3E}">
-        <p14:creationId xmlns:p14="http://schemas.microsoft.com/office/powerpoint/2010/main" val="384892571"/>
+        <p14:creationId xmlns:p14="http://schemas.microsoft.com/office/powerpoint/2010/main" val="3213113248"/>
       </p:ext>
     </p:extLst>
   </p:cSld>
@@ -12142,7 +10805,7 @@
           <p:cNvPr id="2" name="Title 1">
             <a:extLst>
               <a:ext uri="{FF2B5EF4-FFF2-40B4-BE49-F238E27FC236}">
-                <a16:creationId xmlns:a16="http://schemas.microsoft.com/office/drawing/2014/main" id="{58877F43-7F96-4A05-9192-F72D5998C0FD}"/>
+                <a16:creationId xmlns:a16="http://schemas.microsoft.com/office/drawing/2014/main" id="{F220168B-851B-448D-B065-1390D2D73C20}"/>
               </a:ext>
             </a:extLst>
           </p:cNvPr>
@@ -12160,47 +10823,40 @@
           <a:p>
             <a:r>
               <a:rPr lang="en-US" dirty="0"/>
-              <a:t>The Command Line</a:t>
-            </a:r>
-          </a:p>
-        </p:txBody>
-      </p:sp>
-      <p:pic>
-        <p:nvPicPr>
-          <p:cNvPr id="4" name="Content Placeholder 3">
+              <a:t>Common UI Tools</a:t>
+            </a:r>
+          </a:p>
+        </p:txBody>
+      </p:sp>
+      <p:sp>
+        <p:nvSpPr>
+          <p:cNvPr id="3" name="Text Placeholder 2">
             <a:extLst>
               <a:ext uri="{FF2B5EF4-FFF2-40B4-BE49-F238E27FC236}">
-                <a16:creationId xmlns:a16="http://schemas.microsoft.com/office/drawing/2014/main" id="{58CD5727-155C-4842-B31F-01A46BD28679}"/>
+                <a16:creationId xmlns:a16="http://schemas.microsoft.com/office/drawing/2014/main" id="{1471B88D-28C1-4B4E-A5A7-4BC5DECCA821}"/>
               </a:ext>
             </a:extLst>
           </p:cNvPr>
-          <p:cNvPicPr>
-            <a:picLocks noGrp="1" noChangeAspect="1"/>
-          </p:cNvPicPr>
-          <p:nvPr>
-            <p:ph idx="1"/>
-          </p:nvPr>
-        </p:nvPicPr>
-        <p:blipFill>
-          <a:blip r:embed="rId2"/>
-          <a:stretch>
-            <a:fillRect/>
-          </a:stretch>
-        </p:blipFill>
-        <p:spPr>
-          <a:xfrm>
-            <a:off x="2032713" y="1881069"/>
-            <a:ext cx="8126574" cy="4240449"/>
-          </a:xfrm>
-          <a:prstGeom prst="rect">
-            <a:avLst/>
-          </a:prstGeom>
-        </p:spPr>
-      </p:pic>
+          <p:cNvSpPr>
+            <a:spLocks noGrp="1"/>
+          </p:cNvSpPr>
+          <p:nvPr>
+            <p:ph type="body" idx="1"/>
+          </p:nvPr>
+        </p:nvSpPr>
+        <p:spPr/>
+        <p:txBody>
+          <a:bodyPr/>
+          <a:lstStyle/>
+          <a:p>
+            <a:endParaRPr lang="en-US"/>
+          </a:p>
+        </p:txBody>
+      </p:sp>
     </p:spTree>
     <p:extLst>
       <p:ext uri="{BB962C8B-B14F-4D97-AF65-F5344CB8AC3E}">
-        <p14:creationId xmlns:p14="http://schemas.microsoft.com/office/powerpoint/2010/main" val="1978598311"/>
+        <p14:creationId xmlns:p14="http://schemas.microsoft.com/office/powerpoint/2010/main" val="384892571"/>
       </p:ext>
     </p:extLst>
   </p:cSld>
@@ -12232,7 +10888,7 @@
           <p:cNvPr id="2" name="Title 1">
             <a:extLst>
               <a:ext uri="{FF2B5EF4-FFF2-40B4-BE49-F238E27FC236}">
-                <a16:creationId xmlns:a16="http://schemas.microsoft.com/office/drawing/2014/main" id="{6F065B9B-DF9F-4EE1-A34B-B214540B13E1}"/>
+                <a16:creationId xmlns:a16="http://schemas.microsoft.com/office/drawing/2014/main" id="{58877F43-7F96-4A05-9192-F72D5998C0FD}"/>
               </a:ext>
             </a:extLst>
           </p:cNvPr>
@@ -12255,79 +10911,42 @@
           </a:p>
         </p:txBody>
       </p:sp>
-      <p:sp>
-        <p:nvSpPr>
-          <p:cNvPr id="3" name="Content Placeholder 2">
+      <p:pic>
+        <p:nvPicPr>
+          <p:cNvPr id="4" name="Content Placeholder 3">
             <a:extLst>
               <a:ext uri="{FF2B5EF4-FFF2-40B4-BE49-F238E27FC236}">
-                <a16:creationId xmlns:a16="http://schemas.microsoft.com/office/drawing/2014/main" id="{C45A14B0-644B-4112-AA76-B2906EAB6FFB}"/>
+                <a16:creationId xmlns:a16="http://schemas.microsoft.com/office/drawing/2014/main" id="{58CD5727-155C-4842-B31F-01A46BD28679}"/>
               </a:ext>
             </a:extLst>
           </p:cNvPr>
-          <p:cNvSpPr>
-            <a:spLocks noGrp="1"/>
-          </p:cNvSpPr>
+          <p:cNvPicPr>
+            <a:picLocks noGrp="1" noChangeAspect="1"/>
+          </p:cNvPicPr>
           <p:nvPr>
             <p:ph idx="1"/>
           </p:nvPr>
-        </p:nvSpPr>
-        <p:spPr/>
-        <p:txBody>
-          <a:bodyPr/>
-          <a:lstStyle/>
-          <a:p>
-            <a:r>
-              <a:rPr lang="en-US" dirty="0"/>
-              <a:t>Advantages</a:t>
-            </a:r>
-          </a:p>
-          <a:p>
-            <a:pPr lvl="1"/>
-            <a:r>
-              <a:rPr lang="en-US" dirty="0"/>
-              <a:t>Ubiquitous</a:t>
-            </a:r>
-          </a:p>
-          <a:p>
-            <a:pPr lvl="1"/>
-            <a:r>
-              <a:rPr lang="en-US" dirty="0"/>
-              <a:t>Easy to find solutions, answers, hints</a:t>
-            </a:r>
-          </a:p>
-          <a:p>
-            <a:pPr lvl="1"/>
-            <a:r>
-              <a:rPr lang="en-US" dirty="0"/>
-              <a:t>It’s always there</a:t>
-            </a:r>
-          </a:p>
-          <a:p>
-            <a:r>
-              <a:rPr lang="en-US" dirty="0"/>
-              <a:t>Disadvantages</a:t>
-            </a:r>
-          </a:p>
-          <a:p>
-            <a:pPr lvl="1"/>
-            <a:r>
-              <a:rPr lang="en-US" dirty="0"/>
-              <a:t>It’s the command line.</a:t>
-            </a:r>
-          </a:p>
-          <a:p>
-            <a:pPr lvl="1"/>
-            <a:r>
-              <a:rPr lang="en-US" dirty="0"/>
-              <a:t>Seriously though… it’s the command line.</a:t>
-            </a:r>
-          </a:p>
-        </p:txBody>
-      </p:sp>
+        </p:nvPicPr>
+        <p:blipFill>
+          <a:blip r:embed="rId2"/>
+          <a:stretch>
+            <a:fillRect/>
+          </a:stretch>
+        </p:blipFill>
+        <p:spPr>
+          <a:xfrm>
+            <a:off x="2032713" y="1881069"/>
+            <a:ext cx="8126574" cy="4240449"/>
+          </a:xfrm>
+          <a:prstGeom prst="rect">
+            <a:avLst/>
+          </a:prstGeom>
+        </p:spPr>
+      </p:pic>
     </p:spTree>
     <p:extLst>
       <p:ext uri="{BB962C8B-B14F-4D97-AF65-F5344CB8AC3E}">
-        <p14:creationId xmlns:p14="http://schemas.microsoft.com/office/powerpoint/2010/main" val="2403642711"/>
+        <p14:creationId xmlns:p14="http://schemas.microsoft.com/office/powerpoint/2010/main" val="1978598311"/>
       </p:ext>
     </p:extLst>
   </p:cSld>
@@ -12359,7 +10978,7 @@
           <p:cNvPr id="2" name="Title 1">
             <a:extLst>
               <a:ext uri="{FF2B5EF4-FFF2-40B4-BE49-F238E27FC236}">
-                <a16:creationId xmlns:a16="http://schemas.microsoft.com/office/drawing/2014/main" id="{52B9E538-2607-48E8-89B9-7E324991C43E}"/>
+                <a16:creationId xmlns:a16="http://schemas.microsoft.com/office/drawing/2014/main" id="{6F065B9B-DF9F-4EE1-A34B-B214540B13E1}"/>
               </a:ext>
             </a:extLst>
           </p:cNvPr>
@@ -12377,47 +10996,84 @@
           <a:p>
             <a:r>
               <a:rPr lang="en-US" dirty="0"/>
-              <a:t>SourceTree</a:t>
-            </a:r>
-          </a:p>
-        </p:txBody>
-      </p:sp>
-      <p:pic>
-        <p:nvPicPr>
-          <p:cNvPr id="4" name="Content Placeholder 3">
+              <a:t>The Command Line</a:t>
+            </a:r>
+          </a:p>
+        </p:txBody>
+      </p:sp>
+      <p:sp>
+        <p:nvSpPr>
+          <p:cNvPr id="3" name="Content Placeholder 2">
             <a:extLst>
               <a:ext uri="{FF2B5EF4-FFF2-40B4-BE49-F238E27FC236}">
-                <a16:creationId xmlns:a16="http://schemas.microsoft.com/office/drawing/2014/main" id="{170692BA-4A52-45A4-AD54-BDE3EB083DF2}"/>
+                <a16:creationId xmlns:a16="http://schemas.microsoft.com/office/drawing/2014/main" id="{C45A14B0-644B-4112-AA76-B2906EAB6FFB}"/>
               </a:ext>
             </a:extLst>
           </p:cNvPr>
-          <p:cNvPicPr>
-            <a:picLocks noGrp="1" noChangeAspect="1"/>
-          </p:cNvPicPr>
+          <p:cNvSpPr>
+            <a:spLocks noGrp="1"/>
+          </p:cNvSpPr>
           <p:nvPr>
             <p:ph idx="1"/>
           </p:nvPr>
-        </p:nvPicPr>
-        <p:blipFill>
-          <a:blip r:embed="rId2"/>
-          <a:stretch>
-            <a:fillRect/>
-          </a:stretch>
-        </p:blipFill>
-        <p:spPr>
-          <a:xfrm>
-            <a:off x="2228144" y="1825625"/>
-            <a:ext cx="7735711" cy="4351338"/>
-          </a:xfrm>
-          <a:prstGeom prst="rect">
-            <a:avLst/>
-          </a:prstGeom>
-        </p:spPr>
-      </p:pic>
+        </p:nvSpPr>
+        <p:spPr/>
+        <p:txBody>
+          <a:bodyPr/>
+          <a:lstStyle/>
+          <a:p>
+            <a:r>
+              <a:rPr lang="en-US" dirty="0"/>
+              <a:t>Advantages</a:t>
+            </a:r>
+          </a:p>
+          <a:p>
+            <a:pPr lvl="1"/>
+            <a:r>
+              <a:rPr lang="en-US" dirty="0"/>
+              <a:t>Ubiquitous</a:t>
+            </a:r>
+          </a:p>
+          <a:p>
+            <a:pPr lvl="1"/>
+            <a:r>
+              <a:rPr lang="en-US" dirty="0"/>
+              <a:t>Easy to find solutions, answers, hints</a:t>
+            </a:r>
+          </a:p>
+          <a:p>
+            <a:pPr lvl="1"/>
+            <a:r>
+              <a:rPr lang="en-US" dirty="0"/>
+              <a:t>It’s always there</a:t>
+            </a:r>
+          </a:p>
+          <a:p>
+            <a:r>
+              <a:rPr lang="en-US" dirty="0"/>
+              <a:t>Disadvantages</a:t>
+            </a:r>
+          </a:p>
+          <a:p>
+            <a:pPr lvl="1"/>
+            <a:r>
+              <a:rPr lang="en-US" dirty="0"/>
+              <a:t>It’s the command line.</a:t>
+            </a:r>
+          </a:p>
+          <a:p>
+            <a:pPr lvl="1"/>
+            <a:r>
+              <a:rPr lang="en-US" dirty="0"/>
+              <a:t>Seriously though… it’s the command line.</a:t>
+            </a:r>
+          </a:p>
+        </p:txBody>
+      </p:sp>
     </p:spTree>
     <p:extLst>
       <p:ext uri="{BB962C8B-B14F-4D97-AF65-F5344CB8AC3E}">
-        <p14:creationId xmlns:p14="http://schemas.microsoft.com/office/powerpoint/2010/main" val="932627191"/>
+        <p14:creationId xmlns:p14="http://schemas.microsoft.com/office/powerpoint/2010/main" val="2403642711"/>
       </p:ext>
     </p:extLst>
   </p:cSld>
@@ -12449,7 +11105,7 @@
           <p:cNvPr id="2" name="Title 1">
             <a:extLst>
               <a:ext uri="{FF2B5EF4-FFF2-40B4-BE49-F238E27FC236}">
-                <a16:creationId xmlns:a16="http://schemas.microsoft.com/office/drawing/2014/main" id="{47F9B615-73A8-454F-BA70-483057F276EF}"/>
+                <a16:creationId xmlns:a16="http://schemas.microsoft.com/office/drawing/2014/main" id="{52B9E538-2607-48E8-89B9-7E324991C43E}"/>
               </a:ext>
             </a:extLst>
           </p:cNvPr>
@@ -12472,83 +11128,42 @@
           </a:p>
         </p:txBody>
       </p:sp>
-      <p:sp>
-        <p:nvSpPr>
-          <p:cNvPr id="3" name="Content Placeholder 2">
+      <p:pic>
+        <p:nvPicPr>
+          <p:cNvPr id="4" name="Content Placeholder 3">
             <a:extLst>
               <a:ext uri="{FF2B5EF4-FFF2-40B4-BE49-F238E27FC236}">
-                <a16:creationId xmlns:a16="http://schemas.microsoft.com/office/drawing/2014/main" id="{FFC99A81-2CCC-44FA-A25B-613AAA5F0C11}"/>
+                <a16:creationId xmlns:a16="http://schemas.microsoft.com/office/drawing/2014/main" id="{170692BA-4A52-45A4-AD54-BDE3EB083DF2}"/>
               </a:ext>
             </a:extLst>
           </p:cNvPr>
-          <p:cNvSpPr>
-            <a:spLocks noGrp="1"/>
-          </p:cNvSpPr>
+          <p:cNvPicPr>
+            <a:picLocks noGrp="1" noChangeAspect="1"/>
+          </p:cNvPicPr>
           <p:nvPr>
             <p:ph idx="1"/>
           </p:nvPr>
-        </p:nvSpPr>
-        <p:spPr/>
-        <p:txBody>
-          <a:bodyPr/>
-          <a:lstStyle/>
-          <a:p>
-            <a:r>
-              <a:rPr lang="en-US" dirty="0"/>
-              <a:t>Advantages</a:t>
-            </a:r>
-          </a:p>
-          <a:p>
-            <a:pPr lvl="1"/>
-            <a:r>
-              <a:rPr lang="en-US" dirty="0"/>
-              <a:t>Common UI</a:t>
-            </a:r>
-          </a:p>
-          <a:p>
-            <a:pPr lvl="1"/>
-            <a:r>
-              <a:rPr lang="en-US" dirty="0"/>
-              <a:t>Easy to use</a:t>
-            </a:r>
-          </a:p>
-          <a:p>
-            <a:pPr lvl="1"/>
-            <a:r>
-              <a:rPr lang="en-US" dirty="0"/>
-              <a:t>Multi-Platform</a:t>
-            </a:r>
-          </a:p>
-          <a:p>
-            <a:r>
-              <a:rPr lang="en-US" dirty="0"/>
-              <a:t>Disadvantages</a:t>
-            </a:r>
-          </a:p>
-          <a:p>
-            <a:pPr lvl="1"/>
-            <a:r>
-              <a:rPr lang="en-US" dirty="0"/>
-              <a:t>Seems to update a LOT – this can be a pain</a:t>
-            </a:r>
-          </a:p>
-          <a:p>
-            <a:pPr lvl="1"/>
-            <a:r>
-              <a:rPr lang="en-US" dirty="0"/>
-              <a:t>Owned by Atlassian, requires </a:t>
-            </a:r>
-            <a:r>
-              <a:rPr lang="en-US"/>
-              <a:t>an account</a:t>
-            </a:r>
-          </a:p>
-        </p:txBody>
-      </p:sp>
+        </p:nvPicPr>
+        <p:blipFill>
+          <a:blip r:embed="rId2"/>
+          <a:stretch>
+            <a:fillRect/>
+          </a:stretch>
+        </p:blipFill>
+        <p:spPr>
+          <a:xfrm>
+            <a:off x="2228144" y="1825625"/>
+            <a:ext cx="7735711" cy="4351338"/>
+          </a:xfrm>
+          <a:prstGeom prst="rect">
+            <a:avLst/>
+          </a:prstGeom>
+        </p:spPr>
+      </p:pic>
     </p:spTree>
     <p:extLst>
       <p:ext uri="{BB962C8B-B14F-4D97-AF65-F5344CB8AC3E}">
-        <p14:creationId xmlns:p14="http://schemas.microsoft.com/office/powerpoint/2010/main" val="105811851"/>
+        <p14:creationId xmlns:p14="http://schemas.microsoft.com/office/powerpoint/2010/main" val="932627191"/>
       </p:ext>
     </p:extLst>
   </p:cSld>
@@ -12580,7 +11195,7 @@
           <p:cNvPr id="2" name="Title 1">
             <a:extLst>
               <a:ext uri="{FF2B5EF4-FFF2-40B4-BE49-F238E27FC236}">
-                <a16:creationId xmlns:a16="http://schemas.microsoft.com/office/drawing/2014/main" id="{BF5778DD-3C07-454D-981B-E4BE4CA84837}"/>
+                <a16:creationId xmlns:a16="http://schemas.microsoft.com/office/drawing/2014/main" id="{47F9B615-73A8-454F-BA70-483057F276EF}"/>
               </a:ext>
             </a:extLst>
           </p:cNvPr>
@@ -12598,7 +11213,7 @@
           <a:p>
             <a:r>
               <a:rPr lang="en-US" dirty="0"/>
-              <a:t>Further Reading</a:t>
+              <a:t>SourceTree</a:t>
             </a:r>
           </a:p>
         </p:txBody>
@@ -12608,7 +11223,7 @@
           <p:cNvPr id="3" name="Content Placeholder 2">
             <a:extLst>
               <a:ext uri="{FF2B5EF4-FFF2-40B4-BE49-F238E27FC236}">
-                <a16:creationId xmlns:a16="http://schemas.microsoft.com/office/drawing/2014/main" id="{E247E0E1-E313-4A40-8C8D-801950F08A6F}"/>
+                <a16:creationId xmlns:a16="http://schemas.microsoft.com/office/drawing/2014/main" id="{FFC99A81-2CCC-44FA-A25B-613AAA5F0C11}"/>
               </a:ext>
             </a:extLst>
           </p:cNvPr>
@@ -12626,66 +11241,60 @@
           <a:p>
             <a:r>
               <a:rPr lang="en-US" dirty="0"/>
-              <a:t>Comparisons of Hosting Platforms</a:t>
+              <a:t>Advantages</a:t>
             </a:r>
           </a:p>
           <a:p>
             <a:pPr lvl="1"/>
             <a:r>
-              <a:rPr lang="en-US" dirty="0">
-                <a:hlinkClick r:id="rId2"/>
-              </a:rPr>
-              <a:t>https://www.funkysi1701.com/2017/03/06/github-vs-bitbucket-vs-vsts/</a:t>
-            </a:r>
-            <a:endParaRPr lang="en-US" dirty="0"/>
+              <a:rPr lang="en-US" dirty="0"/>
+              <a:t>Common UI</a:t>
+            </a:r>
           </a:p>
           <a:p>
             <a:pPr lvl="1"/>
             <a:r>
-              <a:rPr lang="en-US" dirty="0">
-                <a:hlinkClick r:id="rId3"/>
-              </a:rPr>
-              <a:t>https://www.upguard.com/articles/microsoft-visual-studio-team-services-vs-github</a:t>
-            </a:r>
-            <a:r>
-              <a:rPr lang="en-US" dirty="0"/>
-              <a:t> </a:t>
-            </a:r>
-          </a:p>
-          <a:p>
-            <a:r>
-              <a:rPr lang="en-US" dirty="0"/>
-              <a:t>Tips and Tricks</a:t>
+              <a:rPr lang="en-US" dirty="0"/>
+              <a:t>Easy to use</a:t>
             </a:r>
           </a:p>
           <a:p>
             <a:pPr lvl="1"/>
             <a:r>
               <a:rPr lang="en-US" dirty="0"/>
-              <a:t>Sync VSTS and Github: </a:t>
-            </a:r>
-            <a:r>
-              <a:rPr lang="en-US" dirty="0">
-                <a:hlinkClick r:id="rId4"/>
-              </a:rPr>
-              <a:t>https://nkdagility.com/open-source-vsts-tfs-github-better-devops/</a:t>
-            </a:r>
-            <a:endParaRPr lang="en-US" dirty="0"/>
+              <a:t>Multi-Platform</a:t>
+            </a:r>
+          </a:p>
+          <a:p>
+            <a:r>
+              <a:rPr lang="en-US" dirty="0"/>
+              <a:t>Disadvantages</a:t>
+            </a:r>
           </a:p>
           <a:p>
             <a:pPr lvl="1"/>
-            <a:endParaRPr lang="en-US" dirty="0"/>
+            <a:r>
+              <a:rPr lang="en-US" dirty="0"/>
+              <a:t>Seems to update a LOT – this can be a pain</a:t>
+            </a:r>
           </a:p>
           <a:p>
             <a:pPr lvl="1"/>
-            <a:endParaRPr lang="en-US" dirty="0"/>
+            <a:r>
+              <a:rPr lang="en-US" dirty="0"/>
+              <a:t>Owned by Atlassian, requires </a:t>
+            </a:r>
+            <a:r>
+              <a:rPr lang="en-US"/>
+              <a:t>an account</a:t>
+            </a:r>
           </a:p>
         </p:txBody>
       </p:sp>
     </p:spTree>
     <p:extLst>
       <p:ext uri="{BB962C8B-B14F-4D97-AF65-F5344CB8AC3E}">
-        <p14:creationId xmlns:p14="http://schemas.microsoft.com/office/powerpoint/2010/main" val="1356405967"/>
+        <p14:creationId xmlns:p14="http://schemas.microsoft.com/office/powerpoint/2010/main" val="105811851"/>
       </p:ext>
     </p:extLst>
   </p:cSld>
@@ -12714,12 +11323,18 @@
       </p:grpSpPr>
       <p:sp>
         <p:nvSpPr>
-          <p:cNvPr id="6" name="Text Placeholder 5"/>
-          <p:cNvSpPr>
-            <a:spLocks noGrp="1"/>
-          </p:cNvSpPr>
-          <p:nvPr>
-            <p:ph type="body" sz="quarter" idx="10"/>
+          <p:cNvPr id="2" name="Title 1">
+            <a:extLst>
+              <a:ext uri="{FF2B5EF4-FFF2-40B4-BE49-F238E27FC236}">
+                <a16:creationId xmlns:a16="http://schemas.microsoft.com/office/drawing/2014/main" id="{BF5778DD-3C07-454D-981B-E4BE4CA84837}"/>
+              </a:ext>
+            </a:extLst>
+          </p:cNvPr>
+          <p:cNvSpPr>
+            <a:spLocks noGrp="1"/>
+          </p:cNvSpPr>
+          <p:nvPr>
+            <p:ph type="title"/>
           </p:nvPr>
         </p:nvSpPr>
         <p:spPr/>
@@ -12727,18 +11342,27 @@
           <a:bodyPr/>
           <a:lstStyle/>
           <a:p>
-            <a:endParaRPr lang="en-US" dirty="0"/>
-          </a:p>
-        </p:txBody>
-      </p:sp>
-      <p:sp>
-        <p:nvSpPr>
-          <p:cNvPr id="7" name="Text Placeholder 6"/>
-          <p:cNvSpPr>
-            <a:spLocks noGrp="1"/>
-          </p:cNvSpPr>
-          <p:nvPr>
-            <p:ph type="body" sz="quarter" idx="11"/>
+            <a:r>
+              <a:rPr lang="en-US" dirty="0"/>
+              <a:t>Further Reading</a:t>
+            </a:r>
+          </a:p>
+        </p:txBody>
+      </p:sp>
+      <p:sp>
+        <p:nvSpPr>
+          <p:cNvPr id="3" name="Content Placeholder 2">
+            <a:extLst>
+              <a:ext uri="{FF2B5EF4-FFF2-40B4-BE49-F238E27FC236}">
+                <a16:creationId xmlns:a16="http://schemas.microsoft.com/office/drawing/2014/main" id="{E247E0E1-E313-4A40-8C8D-801950F08A6F}"/>
+              </a:ext>
+            </a:extLst>
+          </p:cNvPr>
+          <p:cNvSpPr>
+            <a:spLocks noGrp="1"/>
+          </p:cNvSpPr>
+          <p:nvPr>
+            <p:ph idx="1"/>
           </p:nvPr>
         </p:nvSpPr>
         <p:spPr/>
@@ -12746,6 +11370,60 @@
           <a:bodyPr/>
           <a:lstStyle/>
           <a:p>
+            <a:r>
+              <a:rPr lang="en-US" dirty="0"/>
+              <a:t>Comparisons of Hosting Platforms</a:t>
+            </a:r>
+          </a:p>
+          <a:p>
+            <a:pPr lvl="1"/>
+            <a:r>
+              <a:rPr lang="en-US" dirty="0">
+                <a:hlinkClick r:id="rId2"/>
+              </a:rPr>
+              <a:t>https://www.funkysi1701.com/2017/03/06/github-vs-bitbucket-vs-vsts/</a:t>
+            </a:r>
+            <a:endParaRPr lang="en-US" dirty="0"/>
+          </a:p>
+          <a:p>
+            <a:pPr lvl="1"/>
+            <a:r>
+              <a:rPr lang="en-US" dirty="0">
+                <a:hlinkClick r:id="rId3"/>
+              </a:rPr>
+              <a:t>https://www.upguard.com/articles/microsoft-visual-studio-team-services-vs-github</a:t>
+            </a:r>
+            <a:r>
+              <a:rPr lang="en-US" dirty="0"/>
+              <a:t> </a:t>
+            </a:r>
+          </a:p>
+          <a:p>
+            <a:r>
+              <a:rPr lang="en-US" dirty="0"/>
+              <a:t>Tips and Tricks</a:t>
+            </a:r>
+          </a:p>
+          <a:p>
+            <a:pPr lvl="1"/>
+            <a:r>
+              <a:rPr lang="en-US" dirty="0"/>
+              <a:t>Sync VSTS and Github: </a:t>
+            </a:r>
+            <a:r>
+              <a:rPr lang="en-US" dirty="0">
+                <a:hlinkClick r:id="rId4"/>
+              </a:rPr>
+              <a:t>https://nkdagility.com/open-source-vsts-tfs-github-better-devops/</a:t>
+            </a:r>
+            <a:endParaRPr lang="en-US" dirty="0"/>
+          </a:p>
+          <a:p>
+            <a:pPr lvl="1"/>
+            <a:endParaRPr lang="en-US" dirty="0"/>
+          </a:p>
+          <a:p>
+            <a:pPr lvl="1"/>
             <a:endParaRPr lang="en-US" dirty="0"/>
           </a:p>
         </p:txBody>
@@ -12753,7 +11431,7 @@
     </p:spTree>
     <p:extLst>
       <p:ext uri="{BB962C8B-B14F-4D97-AF65-F5344CB8AC3E}">
-        <p14:creationId xmlns:p14="http://schemas.microsoft.com/office/powerpoint/2010/main" val="1253018918"/>
+        <p14:creationId xmlns:p14="http://schemas.microsoft.com/office/powerpoint/2010/main" val="1356405967"/>
       </p:ext>
     </p:extLst>
   </p:cSld>
@@ -12866,6 +11544,74 @@
     <p:extLst>
       <p:ext uri="{BB962C8B-B14F-4D97-AF65-F5344CB8AC3E}">
         <p14:creationId xmlns:p14="http://schemas.microsoft.com/office/powerpoint/2010/main" val="1757414438"/>
+      </p:ext>
+    </p:extLst>
+  </p:cSld>
+  <p:clrMapOvr>
+    <a:masterClrMapping/>
+  </p:clrMapOvr>
+</p:sld>
+</file>
+
+<file path=ppt/slides/slide30.xml><?xml version="1.0" encoding="utf-8"?>
+<p:sld xmlns:a="http://schemas.openxmlformats.org/drawingml/2006/main" xmlns:r="http://schemas.openxmlformats.org/officeDocument/2006/relationships" xmlns:p="http://schemas.openxmlformats.org/presentationml/2006/main">
+  <p:cSld>
+    <p:spTree>
+      <p:nvGrpSpPr>
+        <p:cNvPr id="1" name=""/>
+        <p:cNvGrpSpPr/>
+        <p:nvPr/>
+      </p:nvGrpSpPr>
+      <p:grpSpPr>
+        <a:xfrm>
+          <a:off x="0" y="0"/>
+          <a:ext cx="0" cy="0"/>
+          <a:chOff x="0" y="0"/>
+          <a:chExt cx="0" cy="0"/>
+        </a:xfrm>
+      </p:grpSpPr>
+      <p:sp>
+        <p:nvSpPr>
+          <p:cNvPr id="6" name="Text Placeholder 5"/>
+          <p:cNvSpPr>
+            <a:spLocks noGrp="1"/>
+          </p:cNvSpPr>
+          <p:nvPr>
+            <p:ph type="body" sz="quarter" idx="10"/>
+          </p:nvPr>
+        </p:nvSpPr>
+        <p:spPr/>
+        <p:txBody>
+          <a:bodyPr/>
+          <a:lstStyle/>
+          <a:p>
+            <a:endParaRPr lang="en-US" dirty="0"/>
+          </a:p>
+        </p:txBody>
+      </p:sp>
+      <p:sp>
+        <p:nvSpPr>
+          <p:cNvPr id="7" name="Text Placeholder 6"/>
+          <p:cNvSpPr>
+            <a:spLocks noGrp="1"/>
+          </p:cNvSpPr>
+          <p:nvPr>
+            <p:ph type="body" sz="quarter" idx="11"/>
+          </p:nvPr>
+        </p:nvSpPr>
+        <p:spPr/>
+        <p:txBody>
+          <a:bodyPr/>
+          <a:lstStyle/>
+          <a:p>
+            <a:endParaRPr lang="en-US" dirty="0"/>
+          </a:p>
+        </p:txBody>
+      </p:sp>
+    </p:spTree>
+    <p:extLst>
+      <p:ext uri="{BB962C8B-B14F-4D97-AF65-F5344CB8AC3E}">
+        <p14:creationId xmlns:p14="http://schemas.microsoft.com/office/powerpoint/2010/main" val="1253018918"/>
       </p:ext>
     </p:extLst>
   </p:cSld>
@@ -13084,6 +11830,181 @@
       </p:grpSpPr>
       <p:sp>
         <p:nvSpPr>
+          <p:cNvPr id="2" name="Title 1">
+            <a:extLst>
+              <a:ext uri="{FF2B5EF4-FFF2-40B4-BE49-F238E27FC236}">
+                <a16:creationId xmlns:a16="http://schemas.microsoft.com/office/drawing/2014/main" id="{045A233C-DA6C-4F11-9C3E-C4C6186B3EB3}"/>
+              </a:ext>
+            </a:extLst>
+          </p:cNvPr>
+          <p:cNvSpPr>
+            <a:spLocks noGrp="1"/>
+          </p:cNvSpPr>
+          <p:nvPr>
+            <p:ph type="title"/>
+          </p:nvPr>
+        </p:nvSpPr>
+        <p:spPr/>
+        <p:txBody>
+          <a:bodyPr/>
+          <a:lstStyle/>
+          <a:p>
+            <a:r>
+              <a:rPr lang="en-US" dirty="0"/>
+              <a:t>Terms</a:t>
+            </a:r>
+          </a:p>
+        </p:txBody>
+      </p:sp>
+      <p:sp>
+        <p:nvSpPr>
+          <p:cNvPr id="3" name="Content Placeholder 2">
+            <a:extLst>
+              <a:ext uri="{FF2B5EF4-FFF2-40B4-BE49-F238E27FC236}">
+                <a16:creationId xmlns:a16="http://schemas.microsoft.com/office/drawing/2014/main" id="{1BF24279-44D6-4BFE-8DAA-4AF2A1B08429}"/>
+              </a:ext>
+            </a:extLst>
+          </p:cNvPr>
+          <p:cNvSpPr>
+            <a:spLocks noGrp="1"/>
+          </p:cNvSpPr>
+          <p:nvPr>
+            <p:ph idx="1"/>
+          </p:nvPr>
+        </p:nvSpPr>
+        <p:spPr/>
+        <p:txBody>
+          <a:bodyPr>
+            <a:normAutofit fontScale="77500" lnSpcReduction="20000"/>
+          </a:bodyPr>
+          <a:lstStyle/>
+          <a:p>
+            <a:r>
+              <a:rPr lang="en-US" dirty="0"/>
+              <a:t>Stage </a:t>
+            </a:r>
+          </a:p>
+          <a:p>
+            <a:pPr lvl="1"/>
+            <a:r>
+              <a:rPr lang="en-US" dirty="0"/>
+              <a:t>Tells git that you have changes you want to commit.</a:t>
+            </a:r>
+          </a:p>
+          <a:p>
+            <a:pPr lvl="1"/>
+            <a:r>
+              <a:rPr lang="en-US" dirty="0"/>
+              <a:t>Can be used to “stage” small subsets of changes, making it obvious that they are related.</a:t>
+            </a:r>
+          </a:p>
+          <a:p>
+            <a:pPr lvl="1"/>
+            <a:r>
+              <a:rPr lang="en-US" dirty="0"/>
+              <a:t>Can be “</a:t>
+            </a:r>
+            <a:r>
+              <a:rPr lang="en-US" dirty="0" err="1"/>
+              <a:t>unstaged</a:t>
+            </a:r>
+            <a:r>
+              <a:rPr lang="en-US" dirty="0"/>
+              <a:t>”.</a:t>
+            </a:r>
+          </a:p>
+          <a:p>
+            <a:pPr lvl="1"/>
+            <a:r>
+              <a:rPr lang="en-US" dirty="0"/>
+              <a:t>Can stage portions of files as well as a full file.</a:t>
+            </a:r>
+          </a:p>
+          <a:p>
+            <a:r>
+              <a:rPr lang="en-US" dirty="0"/>
+              <a:t>Commit</a:t>
+            </a:r>
+          </a:p>
+          <a:p>
+            <a:pPr lvl="1"/>
+            <a:r>
+              <a:rPr lang="en-US" dirty="0"/>
+              <a:t>Tells git to save the changes and make an entry in the log.</a:t>
+            </a:r>
+          </a:p>
+          <a:p>
+            <a:pPr lvl="1"/>
+            <a:r>
+              <a:rPr lang="en-US" dirty="0"/>
+              <a:t>Can be reversed.</a:t>
+            </a:r>
+          </a:p>
+          <a:p>
+            <a:pPr lvl="1"/>
+            <a:r>
+              <a:rPr lang="en-US" dirty="0"/>
+              <a:t>Requires a message describing the change</a:t>
+            </a:r>
+          </a:p>
+          <a:p>
+            <a:r>
+              <a:rPr lang="en-US" dirty="0"/>
+              <a:t>Fetch</a:t>
+            </a:r>
+          </a:p>
+          <a:p>
+            <a:r>
+              <a:rPr lang="en-US" dirty="0"/>
+              <a:t>Pull</a:t>
+            </a:r>
+          </a:p>
+          <a:p>
+            <a:r>
+              <a:rPr lang="en-US" dirty="0"/>
+              <a:t>Push</a:t>
+            </a:r>
+          </a:p>
+          <a:p>
+            <a:r>
+              <a:rPr lang="en-US" dirty="0"/>
+              <a:t>Sync</a:t>
+            </a:r>
+          </a:p>
+        </p:txBody>
+      </p:sp>
+    </p:spTree>
+    <p:extLst>
+      <p:ext uri="{BB962C8B-B14F-4D97-AF65-F5344CB8AC3E}">
+        <p14:creationId xmlns:p14="http://schemas.microsoft.com/office/powerpoint/2010/main" val="1036394060"/>
+      </p:ext>
+    </p:extLst>
+  </p:cSld>
+  <p:clrMapOvr>
+    <a:masterClrMapping/>
+  </p:clrMapOvr>
+</p:sld>
+</file>
+
+<file path=ppt/slides/slide7.xml><?xml version="1.0" encoding="utf-8"?>
+<p:sld xmlns:a="http://schemas.openxmlformats.org/drawingml/2006/main" xmlns:r="http://schemas.openxmlformats.org/officeDocument/2006/relationships" xmlns:p="http://schemas.openxmlformats.org/presentationml/2006/main">
+  <p:cSld>
+    <p:spTree>
+      <p:nvGrpSpPr>
+        <p:cNvPr id="1" name=""/>
+        <p:cNvGrpSpPr/>
+        <p:nvPr/>
+      </p:nvGrpSpPr>
+      <p:grpSpPr>
+        <a:xfrm>
+          <a:off x="0" y="0"/>
+          <a:ext cx="0" cy="0"/>
+          <a:chOff x="0" y="0"/>
+          <a:chExt cx="0" cy="0"/>
+        </a:xfrm>
+      </p:grpSpPr>
+      <p:sp>
+        <p:nvSpPr>
           <p:cNvPr id="4" name="Title 3">
             <a:extLst>
               <a:ext uri="{FF2B5EF4-FFF2-40B4-BE49-F238E27FC236}">
@@ -13208,7 +12129,7 @@
 </p:sld>
 </file>
 
-<file path=ppt/slides/slide7.xml><?xml version="1.0" encoding="utf-8"?>
+<file path=ppt/slides/slide8.xml><?xml version="1.0" encoding="utf-8"?>
 <p:sld xmlns:a="http://schemas.openxmlformats.org/drawingml/2006/main" xmlns:r="http://schemas.openxmlformats.org/officeDocument/2006/relationships" xmlns:p="http://schemas.openxmlformats.org/presentationml/2006/main">
   <p:cSld>
     <p:spTree>
@@ -13346,116 +12267,6 @@
 </p:sld>
 </file>
 
-<file path=ppt/slides/slide8.xml><?xml version="1.0" encoding="utf-8"?>
-<p:sld xmlns:a="http://schemas.openxmlformats.org/drawingml/2006/main" xmlns:r="http://schemas.openxmlformats.org/officeDocument/2006/relationships" xmlns:p="http://schemas.openxmlformats.org/presentationml/2006/main">
-  <p:cSld>
-    <p:spTree>
-      <p:nvGrpSpPr>
-        <p:cNvPr id="1" name=""/>
-        <p:cNvGrpSpPr/>
-        <p:nvPr/>
-      </p:nvGrpSpPr>
-      <p:grpSpPr>
-        <a:xfrm>
-          <a:off x="0" y="0"/>
-          <a:ext cx="0" cy="0"/>
-          <a:chOff x="0" y="0"/>
-          <a:chExt cx="0" cy="0"/>
-        </a:xfrm>
-      </p:grpSpPr>
-      <p:sp>
-        <p:nvSpPr>
-          <p:cNvPr id="2" name="Title 1">
-            <a:extLst>
-              <a:ext uri="{FF2B5EF4-FFF2-40B4-BE49-F238E27FC236}">
-                <a16:creationId xmlns:a16="http://schemas.microsoft.com/office/drawing/2014/main" id="{24CC2CD7-2C6F-40C6-A804-DD7A36C5B32F}"/>
-              </a:ext>
-            </a:extLst>
-          </p:cNvPr>
-          <p:cNvSpPr>
-            <a:spLocks noGrp="1"/>
-          </p:cNvSpPr>
-          <p:nvPr>
-            <p:ph type="title"/>
-          </p:nvPr>
-        </p:nvSpPr>
-        <p:spPr/>
-        <p:txBody>
-          <a:bodyPr/>
-          <a:lstStyle/>
-          <a:p>
-            <a:r>
-              <a:rPr lang="en-US" dirty="0"/>
-              <a:t>Local Operations</a:t>
-            </a:r>
-          </a:p>
-        </p:txBody>
-      </p:sp>
-      <p:sp>
-        <p:nvSpPr>
-          <p:cNvPr id="3" name="Content Placeholder 2">
-            <a:extLst>
-              <a:ext uri="{FF2B5EF4-FFF2-40B4-BE49-F238E27FC236}">
-                <a16:creationId xmlns:a16="http://schemas.microsoft.com/office/drawing/2014/main" id="{5B1783C5-7E91-459F-8CA1-5C8BCAC5C446}"/>
-              </a:ext>
-            </a:extLst>
-          </p:cNvPr>
-          <p:cNvSpPr>
-            <a:spLocks noGrp="1"/>
-          </p:cNvSpPr>
-          <p:nvPr>
-            <p:ph idx="1"/>
-          </p:nvPr>
-        </p:nvSpPr>
-        <p:spPr/>
-        <p:txBody>
-          <a:bodyPr/>
-          <a:lstStyle/>
-          <a:p>
-            <a:r>
-              <a:rPr lang="en-US" dirty="0"/>
-              <a:t>Git keeps the full repo on your local computer</a:t>
-            </a:r>
-          </a:p>
-          <a:p>
-            <a:r>
-              <a:rPr lang="en-US" dirty="0"/>
-              <a:t>Commits, Log operations, branching\merging – it’s all local</a:t>
-            </a:r>
-          </a:p>
-          <a:p>
-            <a:r>
-              <a:rPr lang="en-US" dirty="0"/>
-              <a:t>Only the initial checkout, and synchronizing your branch is done remotely!</a:t>
-            </a:r>
-          </a:p>
-          <a:p>
-            <a:r>
-              <a:rPr lang="en-US" dirty="0"/>
-              <a:t>(Well, pull requests too, sort of, but that’s a deeper topic!)</a:t>
-            </a:r>
-          </a:p>
-          <a:p>
-            <a:r>
-              <a:rPr lang="en-US" dirty="0"/>
-              <a:t>This means you can work offline, in a distributed scenario. No file locks, checking the central server, or being blocked by bad internet access!</a:t>
-            </a:r>
-          </a:p>
-        </p:txBody>
-      </p:sp>
-    </p:spTree>
-    <p:extLst>
-      <p:ext uri="{BB962C8B-B14F-4D97-AF65-F5344CB8AC3E}">
-        <p14:creationId xmlns:p14="http://schemas.microsoft.com/office/powerpoint/2010/main" val="1988009388"/>
-      </p:ext>
-    </p:extLst>
-  </p:cSld>
-  <p:clrMapOvr>
-    <a:masterClrMapping/>
-  </p:clrMapOvr>
-</p:sld>
-</file>
-
 <file path=ppt/slides/slide9.xml><?xml version="1.0" encoding="utf-8"?>
 <p:sld xmlns:a="http://schemas.openxmlformats.org/drawingml/2006/main" xmlns:r="http://schemas.openxmlformats.org/officeDocument/2006/relationships" xmlns:p="http://schemas.openxmlformats.org/presentationml/2006/main">
   <p:cSld>
@@ -13478,7 +12289,7 @@
           <p:cNvPr id="2" name="Title 1">
             <a:extLst>
               <a:ext uri="{FF2B5EF4-FFF2-40B4-BE49-F238E27FC236}">
-                <a16:creationId xmlns:a16="http://schemas.microsoft.com/office/drawing/2014/main" id="{2D3BA762-E4FA-4368-B751-764176300177}"/>
+                <a16:creationId xmlns:a16="http://schemas.microsoft.com/office/drawing/2014/main" id="{24CC2CD7-2C6F-40C6-A804-DD7A36C5B32F}"/>
               </a:ext>
             </a:extLst>
           </p:cNvPr>
@@ -13496,7 +12307,7 @@
           <a:p>
             <a:r>
               <a:rPr lang="en-US" dirty="0"/>
-              <a:t>Git has Integrity</a:t>
+              <a:t>Local Operations</a:t>
             </a:r>
           </a:p>
         </p:txBody>
@@ -13506,7 +12317,7 @@
           <p:cNvPr id="3" name="Content Placeholder 2">
             <a:extLst>
               <a:ext uri="{FF2B5EF4-FFF2-40B4-BE49-F238E27FC236}">
-                <a16:creationId xmlns:a16="http://schemas.microsoft.com/office/drawing/2014/main" id="{AAB4FD9A-15F8-48E9-A693-489CB3730C2E}"/>
+                <a16:creationId xmlns:a16="http://schemas.microsoft.com/office/drawing/2014/main" id="{5B1783C5-7E91-459F-8CA1-5C8BCAC5C446}"/>
               </a:ext>
             </a:extLst>
           </p:cNvPr>
@@ -13524,27 +12335,31 @@
           <a:p>
             <a:r>
               <a:rPr lang="en-US" dirty="0"/>
-              <a:t>The SHA-1 thing I mentioned earlier?</a:t>
-            </a:r>
-          </a:p>
-          <a:p>
-            <a:r>
-              <a:rPr lang="en-US" dirty="0"/>
-              <a:t>Git computes a SHA-1 Hash of the commit you just made, and it makes it so you can’t make changes to watched files without Git knowing about it.</a:t>
-            </a:r>
-          </a:p>
-          <a:p>
-            <a:r>
-              <a:rPr lang="en-US" dirty="0"/>
-              <a:t>How? I </a:t>
-            </a:r>
-            <a:r>
-              <a:rPr lang="en-US" dirty="0" err="1"/>
-              <a:t>dunno</a:t>
-            </a:r>
-            <a:r>
-              <a:rPr lang="en-US" dirty="0"/>
-              <a:t>. Magic probably.</a:t>
+              <a:t>Git keeps the full repo on your local computer</a:t>
+            </a:r>
+          </a:p>
+          <a:p>
+            <a:r>
+              <a:rPr lang="en-US" dirty="0"/>
+              <a:t>Commits, Log operations, branching\merging – it’s all local</a:t>
+            </a:r>
+          </a:p>
+          <a:p>
+            <a:r>
+              <a:rPr lang="en-US" dirty="0"/>
+              <a:t>Only the initial checkout, and synchronizing your branch is done remotely!</a:t>
+            </a:r>
+          </a:p>
+          <a:p>
+            <a:r>
+              <a:rPr lang="en-US" dirty="0"/>
+              <a:t>(Well, pull requests too, sort of, but that’s a deeper topic!)</a:t>
+            </a:r>
+          </a:p>
+          <a:p>
+            <a:r>
+              <a:rPr lang="en-US" dirty="0"/>
+              <a:t>This means you can work offline, in a distributed scenario. No file locks, checking the central server, or being blocked by bad internet access!</a:t>
             </a:r>
           </a:p>
         </p:txBody>
@@ -13552,7 +12367,7 @@
     </p:spTree>
     <p:extLst>
       <p:ext uri="{BB962C8B-B14F-4D97-AF65-F5344CB8AC3E}">
-        <p14:creationId xmlns:p14="http://schemas.microsoft.com/office/powerpoint/2010/main" val="2504312543"/>
+        <p14:creationId xmlns:p14="http://schemas.microsoft.com/office/powerpoint/2010/main" val="1988009388"/>
       </p:ext>
     </p:extLst>
   </p:cSld>

--- a/Slides/Git for the Normal Developer.pptx
+++ b/Slides/Git for the Normal Developer.pptx
@@ -5,7 +5,7 @@
     <p:sldMasterId id="2147483648" r:id="rId1"/>
   </p:sldMasterIdLst>
   <p:notesMasterIdLst>
-    <p:notesMasterId r:id="rId32"/>
+    <p:notesMasterId r:id="rId33"/>
   </p:notesMasterIdLst>
   <p:sldIdLst>
     <p:sldId id="425" r:id="rId2"/>
@@ -14,30 +14,31 @@
     <p:sldId id="436" r:id="rId5"/>
     <p:sldId id="441" r:id="rId6"/>
     <p:sldId id="454" r:id="rId7"/>
-    <p:sldId id="437" r:id="rId8"/>
-    <p:sldId id="438" r:id="rId9"/>
-    <p:sldId id="439" r:id="rId10"/>
-    <p:sldId id="440" r:id="rId11"/>
-    <p:sldId id="442" r:id="rId12"/>
-    <p:sldId id="443" r:id="rId13"/>
-    <p:sldId id="444" r:id="rId14"/>
-    <p:sldId id="445" r:id="rId15"/>
-    <p:sldId id="435" r:id="rId16"/>
-    <p:sldId id="429" r:id="rId17"/>
-    <p:sldId id="430" r:id="rId18"/>
-    <p:sldId id="431" r:id="rId19"/>
-    <p:sldId id="432" r:id="rId20"/>
-    <p:sldId id="434" r:id="rId21"/>
-    <p:sldId id="446" r:id="rId22"/>
-    <p:sldId id="452" r:id="rId23"/>
-    <p:sldId id="453" r:id="rId24"/>
-    <p:sldId id="447" r:id="rId25"/>
-    <p:sldId id="448" r:id="rId26"/>
-    <p:sldId id="449" r:id="rId27"/>
-    <p:sldId id="450" r:id="rId28"/>
-    <p:sldId id="451" r:id="rId29"/>
-    <p:sldId id="433" r:id="rId30"/>
-    <p:sldId id="423" r:id="rId31"/>
+    <p:sldId id="455" r:id="rId8"/>
+    <p:sldId id="437" r:id="rId9"/>
+    <p:sldId id="438" r:id="rId10"/>
+    <p:sldId id="439" r:id="rId11"/>
+    <p:sldId id="440" r:id="rId12"/>
+    <p:sldId id="442" r:id="rId13"/>
+    <p:sldId id="443" r:id="rId14"/>
+    <p:sldId id="444" r:id="rId15"/>
+    <p:sldId id="445" r:id="rId16"/>
+    <p:sldId id="435" r:id="rId17"/>
+    <p:sldId id="429" r:id="rId18"/>
+    <p:sldId id="430" r:id="rId19"/>
+    <p:sldId id="431" r:id="rId20"/>
+    <p:sldId id="432" r:id="rId21"/>
+    <p:sldId id="434" r:id="rId22"/>
+    <p:sldId id="446" r:id="rId23"/>
+    <p:sldId id="452" r:id="rId24"/>
+    <p:sldId id="453" r:id="rId25"/>
+    <p:sldId id="447" r:id="rId26"/>
+    <p:sldId id="448" r:id="rId27"/>
+    <p:sldId id="449" r:id="rId28"/>
+    <p:sldId id="450" r:id="rId29"/>
+    <p:sldId id="451" r:id="rId30"/>
+    <p:sldId id="433" r:id="rId31"/>
+    <p:sldId id="423" r:id="rId32"/>
   </p:sldIdLst>
   <p:sldSz cx="12192000" cy="6858000"/>
   <p:notesSz cx="6858000" cy="9144000"/>
@@ -147,6 +148,7 @@
             <p14:sldId id="436"/>
             <p14:sldId id="441"/>
             <p14:sldId id="454"/>
+            <p14:sldId id="455"/>
             <p14:sldId id="437"/>
             <p14:sldId id="438"/>
             <p14:sldId id="439"/>
@@ -287,7 +289,7 @@
           <a:p>
             <a:fld id="{1BEA97F8-B659-47CA-8766-3CBCF3366F26}" type="datetimeFigureOut">
               <a:rPr lang="en-US" smtClean="0"/>
-              <a:t>6/10/2019</a:t>
+              <a:t>6/12/2019</a:t>
             </a:fld>
             <a:endParaRPr lang="en-US"/>
           </a:p>
@@ -1074,7 +1076,7 @@
           <a:noFill/>
           <a:extLst>
             <a:ext uri="{909E8E84-426E-40dd-AFC4-6F175D3DCCD1}">
-              <a14:hiddenFill xmlns:a14="http://schemas.microsoft.com/office/drawing/2010/main" xmlns="">
+              <a14:hiddenFill xmlns="" xmlns:a14="http://schemas.microsoft.com/office/drawing/2010/main">
                 <a:solidFill>
                   <a:srgbClr val="FFFFFF"/>
                 </a:solidFill>
@@ -1290,7 +1292,7 @@
           <a:noFill/>
           <a:extLst>
             <a:ext uri="{909E8E84-426E-40dd-AFC4-6F175D3DCCD1}">
-              <a14:hiddenFill xmlns:a14="http://schemas.microsoft.com/office/drawing/2010/main" xmlns="">
+              <a14:hiddenFill xmlns="" xmlns:a14="http://schemas.microsoft.com/office/drawing/2010/main">
                 <a:solidFill>
                   <a:srgbClr val="FFFFFF"/>
                 </a:solidFill>
@@ -1329,7 +1331,7 @@
           <a:noFill/>
           <a:extLst>
             <a:ext uri="{909E8E84-426E-40dd-AFC4-6F175D3DCCD1}">
-              <a14:hiddenFill xmlns:a14="http://schemas.microsoft.com/office/drawing/2010/main" xmlns="">
+              <a14:hiddenFill xmlns="" xmlns:a14="http://schemas.microsoft.com/office/drawing/2010/main">
                 <a:solidFill>
                   <a:srgbClr val="FFFFFF"/>
                 </a:solidFill>
@@ -1515,7 +1517,7 @@
           <a:noFill/>
           <a:extLst>
             <a:ext uri="{909E8E84-426E-40dd-AFC4-6F175D3DCCD1}">
-              <a14:hiddenFill xmlns:a14="http://schemas.microsoft.com/office/drawing/2010/main" xmlns="">
+              <a14:hiddenFill xmlns="" xmlns:a14="http://schemas.microsoft.com/office/drawing/2010/main">
                 <a:solidFill>
                   <a:srgbClr val="FFFFFF"/>
                 </a:solidFill>
@@ -1731,7 +1733,7 @@
           <a:noFill/>
           <a:extLst>
             <a:ext uri="{909E8E84-426E-40dd-AFC4-6F175D3DCCD1}">
-              <a14:hiddenFill xmlns:a14="http://schemas.microsoft.com/office/drawing/2010/main" xmlns="">
+              <a14:hiddenFill xmlns="" xmlns:a14="http://schemas.microsoft.com/office/drawing/2010/main">
                 <a:solidFill>
                   <a:srgbClr val="FFFFFF"/>
                 </a:solidFill>
@@ -1779,7 +1781,7 @@
           <a:noFill/>
           <a:extLst>
             <a:ext uri="{909E8E84-426E-40dd-AFC4-6F175D3DCCD1}">
-              <a14:hiddenFill xmlns:a14="http://schemas.microsoft.com/office/drawing/2010/main" xmlns="">
+              <a14:hiddenFill xmlns="" xmlns:a14="http://schemas.microsoft.com/office/drawing/2010/main">
                 <a:solidFill>
                   <a:srgbClr val="FFFFFF"/>
                 </a:solidFill>
@@ -1965,7 +1967,7 @@
           <a:noFill/>
           <a:extLst>
             <a:ext uri="{909E8E84-426E-40dd-AFC4-6F175D3DCCD1}">
-              <a14:hiddenFill xmlns:a14="http://schemas.microsoft.com/office/drawing/2010/main" xmlns="">
+              <a14:hiddenFill xmlns="" xmlns:a14="http://schemas.microsoft.com/office/drawing/2010/main">
                 <a:solidFill>
                   <a:srgbClr val="FFFFFF"/>
                 </a:solidFill>
@@ -2180,7 +2182,7 @@
           <a:noFill/>
           <a:extLst>
             <a:ext uri="{909E8E84-426E-40dd-AFC4-6F175D3DCCD1}">
-              <a14:hiddenFill xmlns:a14="http://schemas.microsoft.com/office/drawing/2010/main" xmlns="">
+              <a14:hiddenFill xmlns="" xmlns:a14="http://schemas.microsoft.com/office/drawing/2010/main">
                 <a:solidFill>
                   <a:srgbClr val="FFFFFF"/>
                 </a:solidFill>
@@ -2396,7 +2398,7 @@
           <a:noFill/>
           <a:extLst>
             <a:ext uri="{909E8E84-426E-40dd-AFC4-6F175D3DCCD1}">
-              <a14:hiddenFill xmlns:a14="http://schemas.microsoft.com/office/drawing/2010/main" xmlns="">
+              <a14:hiddenFill xmlns="" xmlns:a14="http://schemas.microsoft.com/office/drawing/2010/main">
                 <a:solidFill>
                   <a:srgbClr val="FFFFFF"/>
                 </a:solidFill>
@@ -2611,7 +2613,7 @@
           <a:noFill/>
           <a:extLst>
             <a:ext uri="{909E8E84-426E-40dd-AFC4-6F175D3DCCD1}">
-              <a14:hiddenFill xmlns:a14="http://schemas.microsoft.com/office/drawing/2010/main" xmlns="">
+              <a14:hiddenFill xmlns="" xmlns:a14="http://schemas.microsoft.com/office/drawing/2010/main">
                 <a:solidFill>
                   <a:srgbClr val="FFFFFF"/>
                 </a:solidFill>
@@ -2827,7 +2829,7 @@
           <a:noFill/>
           <a:extLst>
             <a:ext uri="{909E8E84-426E-40dd-AFC4-6F175D3DCCD1}">
-              <a14:hiddenFill xmlns:a14="http://schemas.microsoft.com/office/drawing/2010/main" xmlns="">
+              <a14:hiddenFill xmlns="" xmlns:a14="http://schemas.microsoft.com/office/drawing/2010/main">
                 <a:solidFill>
                   <a:srgbClr val="FFFFFF"/>
                 </a:solidFill>
@@ -3190,7 +3192,7 @@
           <a:noFill/>
           <a:extLst>
             <a:ext uri="{909E8E84-426E-40dd-AFC4-6F175D3DCCD1}">
-              <a14:hiddenFill xmlns:a14="http://schemas.microsoft.com/office/drawing/2010/main" xmlns="">
+              <a14:hiddenFill xmlns="" xmlns:a14="http://schemas.microsoft.com/office/drawing/2010/main">
                 <a:solidFill>
                   <a:srgbClr val="FFFFFF"/>
                 </a:solidFill>
@@ -3229,7 +3231,7 @@
           <a:noFill/>
           <a:extLst>
             <a:ext uri="{909E8E84-426E-40dd-AFC4-6F175D3DCCD1}">
-              <a14:hiddenFill xmlns:a14="http://schemas.microsoft.com/office/drawing/2010/main" xmlns="">
+              <a14:hiddenFill xmlns="" xmlns:a14="http://schemas.microsoft.com/office/drawing/2010/main">
                 <a:solidFill>
                   <a:srgbClr val="FFFFFF"/>
                 </a:solidFill>
@@ -3268,7 +3270,7 @@
           <a:noFill/>
           <a:extLst>
             <a:ext uri="{909E8E84-426E-40dd-AFC4-6F175D3DCCD1}">
-              <a14:hiddenFill xmlns:a14="http://schemas.microsoft.com/office/drawing/2010/main" xmlns="">
+              <a14:hiddenFill xmlns="" xmlns:a14="http://schemas.microsoft.com/office/drawing/2010/main">
                 <a:solidFill>
                   <a:srgbClr val="FFFFFF"/>
                 </a:solidFill>
@@ -3454,7 +3456,7 @@
           <a:noFill/>
           <a:extLst>
             <a:ext uri="{909E8E84-426E-40dd-AFC4-6F175D3DCCD1}">
-              <a14:hiddenFill xmlns:a14="http://schemas.microsoft.com/office/drawing/2010/main" xmlns="">
+              <a14:hiddenFill xmlns="" xmlns:a14="http://schemas.microsoft.com/office/drawing/2010/main">
                 <a:solidFill>
                   <a:srgbClr val="FFFFFF"/>
                 </a:solidFill>
@@ -3611,7 +3613,7 @@
           <a:noFill/>
           <a:extLst>
             <a:ext uri="{909E8E84-426E-40dd-AFC4-6F175D3DCCD1}">
-              <a14:hiddenFill xmlns:a14="http://schemas.microsoft.com/office/drawing/2010/main" xmlns="">
+              <a14:hiddenFill xmlns="" xmlns:a14="http://schemas.microsoft.com/office/drawing/2010/main">
                 <a:solidFill>
                   <a:srgbClr val="FFFFFF"/>
                 </a:solidFill>
@@ -3688,7 +3690,7 @@
           <a:noFill/>
           <a:extLst>
             <a:ext uri="{909E8E84-426E-40dd-AFC4-6F175D3DCCD1}">
-              <a14:hiddenFill xmlns:a14="http://schemas.microsoft.com/office/drawing/2010/main" xmlns="">
+              <a14:hiddenFill xmlns="" xmlns:a14="http://schemas.microsoft.com/office/drawing/2010/main">
                 <a:solidFill>
                   <a:srgbClr val="FFFFFF"/>
                 </a:solidFill>
@@ -3727,7 +3729,7 @@
           <a:noFill/>
           <a:extLst>
             <a:ext uri="{909E8E84-426E-40dd-AFC4-6F175D3DCCD1}">
-              <a14:hiddenFill xmlns:a14="http://schemas.microsoft.com/office/drawing/2010/main" xmlns="">
+              <a14:hiddenFill xmlns="" xmlns:a14="http://schemas.microsoft.com/office/drawing/2010/main">
                 <a:solidFill>
                   <a:srgbClr val="FFFFFF"/>
                 </a:solidFill>
@@ -3913,7 +3915,7 @@
           <a:noFill/>
           <a:extLst>
             <a:ext uri="{909E8E84-426E-40dd-AFC4-6F175D3DCCD1}">
-              <a14:hiddenFill xmlns:a14="http://schemas.microsoft.com/office/drawing/2010/main" xmlns="">
+              <a14:hiddenFill xmlns="" xmlns:a14="http://schemas.microsoft.com/office/drawing/2010/main">
                 <a:solidFill>
                   <a:srgbClr val="FFFFFF"/>
                 </a:solidFill>
@@ -4128,7 +4130,7 @@
           <a:noFill/>
           <a:extLst>
             <a:ext uri="{909E8E84-426E-40dd-AFC4-6F175D3DCCD1}">
-              <a14:hiddenFill xmlns:a14="http://schemas.microsoft.com/office/drawing/2010/main" xmlns="">
+              <a14:hiddenFill xmlns="" xmlns:a14="http://schemas.microsoft.com/office/drawing/2010/main">
                 <a:solidFill>
                   <a:srgbClr val="FFFFFF"/>
                 </a:solidFill>
@@ -4278,7 +4280,7 @@
           <a:noFill/>
           <a:extLst>
             <a:ext uri="{909E8E84-426E-40dd-AFC4-6F175D3DCCD1}">
-              <a14:hiddenFill xmlns:a14="http://schemas.microsoft.com/office/drawing/2010/main" xmlns="">
+              <a14:hiddenFill xmlns="" xmlns:a14="http://schemas.microsoft.com/office/drawing/2010/main">
                 <a:solidFill>
                   <a:srgbClr val="FFFFFF"/>
                 </a:solidFill>
@@ -4355,7 +4357,7 @@
           <a:noFill/>
           <a:extLst>
             <a:ext uri="{909E8E84-426E-40dd-AFC4-6F175D3DCCD1}">
-              <a14:hiddenFill xmlns:a14="http://schemas.microsoft.com/office/drawing/2010/main" xmlns="">
+              <a14:hiddenFill xmlns="" xmlns:a14="http://schemas.microsoft.com/office/drawing/2010/main">
                 <a:solidFill>
                   <a:srgbClr val="FFFFFF"/>
                 </a:solidFill>
@@ -4571,7 +4573,7 @@
           <a:noFill/>
           <a:extLst>
             <a:ext uri="{909E8E84-426E-40dd-AFC4-6F175D3DCCD1}">
-              <a14:hiddenFill xmlns:a14="http://schemas.microsoft.com/office/drawing/2010/main" xmlns="">
+              <a14:hiddenFill xmlns="" xmlns:a14="http://schemas.microsoft.com/office/drawing/2010/main">
                 <a:solidFill>
                   <a:srgbClr val="FFFFFF"/>
                 </a:solidFill>
@@ -4721,7 +4723,7 @@
           <a:noFill/>
           <a:extLst>
             <a:ext uri="{909E8E84-426E-40dd-AFC4-6F175D3DCCD1}">
-              <a14:hiddenFill xmlns:a14="http://schemas.microsoft.com/office/drawing/2010/main" xmlns="">
+              <a14:hiddenFill xmlns="" xmlns:a14="http://schemas.microsoft.com/office/drawing/2010/main">
                 <a:solidFill>
                   <a:srgbClr val="FFFFFF"/>
                 </a:solidFill>
@@ -4798,7 +4800,7 @@
           <a:noFill/>
           <a:extLst>
             <a:ext uri="{909E8E84-426E-40dd-AFC4-6F175D3DCCD1}">
-              <a14:hiddenFill xmlns:a14="http://schemas.microsoft.com/office/drawing/2010/main" xmlns="">
+              <a14:hiddenFill xmlns="" xmlns:a14="http://schemas.microsoft.com/office/drawing/2010/main">
                 <a:solidFill>
                   <a:srgbClr val="FFFFFF"/>
                 </a:solidFill>
@@ -4945,7 +4947,7 @@
           <a:noFill/>
           <a:extLst>
             <a:ext uri="{909E8E84-426E-40dd-AFC4-6F175D3DCCD1}">
-              <a14:hiddenFill xmlns:a14="http://schemas.microsoft.com/office/drawing/2010/main" xmlns="">
+              <a14:hiddenFill xmlns="" xmlns:a14="http://schemas.microsoft.com/office/drawing/2010/main">
                 <a:solidFill>
                   <a:srgbClr val="FFFFFF"/>
                 </a:solidFill>
@@ -9052,7 +9054,7 @@
           <p:cNvPr id="2" name="Title 1">
             <a:extLst>
               <a:ext uri="{FF2B5EF4-FFF2-40B4-BE49-F238E27FC236}">
-                <a16:creationId xmlns:a16="http://schemas.microsoft.com/office/drawing/2014/main" id="{2D3BA762-E4FA-4368-B751-764176300177}"/>
+                <a16:creationId xmlns:a16="http://schemas.microsoft.com/office/drawing/2014/main" id="{24CC2CD7-2C6F-40C6-A804-DD7A36C5B32F}"/>
               </a:ext>
             </a:extLst>
           </p:cNvPr>
@@ -9070,7 +9072,7 @@
           <a:p>
             <a:r>
               <a:rPr lang="en-US" dirty="0"/>
-              <a:t>Git has Integrity</a:t>
+              <a:t>Local Operations</a:t>
             </a:r>
           </a:p>
         </p:txBody>
@@ -9080,7 +9082,7 @@
           <p:cNvPr id="3" name="Content Placeholder 2">
             <a:extLst>
               <a:ext uri="{FF2B5EF4-FFF2-40B4-BE49-F238E27FC236}">
-                <a16:creationId xmlns:a16="http://schemas.microsoft.com/office/drawing/2014/main" id="{AAB4FD9A-15F8-48E9-A693-489CB3730C2E}"/>
+                <a16:creationId xmlns:a16="http://schemas.microsoft.com/office/drawing/2014/main" id="{5B1783C5-7E91-459F-8CA1-5C8BCAC5C446}"/>
               </a:ext>
             </a:extLst>
           </p:cNvPr>
@@ -9098,27 +9100,31 @@
           <a:p>
             <a:r>
               <a:rPr lang="en-US" dirty="0"/>
-              <a:t>The SHA-1 thing I mentioned earlier?</a:t>
-            </a:r>
-          </a:p>
-          <a:p>
-            <a:r>
-              <a:rPr lang="en-US" dirty="0"/>
-              <a:t>Git computes a SHA-1 Hash of the commit you just made, and it makes it so you can’t make changes to watched files without Git knowing about it.</a:t>
-            </a:r>
-          </a:p>
-          <a:p>
-            <a:r>
-              <a:rPr lang="en-US" dirty="0"/>
-              <a:t>How? I </a:t>
-            </a:r>
-            <a:r>
-              <a:rPr lang="en-US" dirty="0" err="1"/>
-              <a:t>dunno</a:t>
-            </a:r>
-            <a:r>
-              <a:rPr lang="en-US" dirty="0"/>
-              <a:t>. Magic probably.</a:t>
+              <a:t>Git keeps the full repo on your local computer</a:t>
+            </a:r>
+          </a:p>
+          <a:p>
+            <a:r>
+              <a:rPr lang="en-US" dirty="0"/>
+              <a:t>Commits, Log operations, branching\merging – it’s all local</a:t>
+            </a:r>
+          </a:p>
+          <a:p>
+            <a:r>
+              <a:rPr lang="en-US" dirty="0"/>
+              <a:t>Only the initial checkout, and synchronizing your branch is done remotely!</a:t>
+            </a:r>
+          </a:p>
+          <a:p>
+            <a:r>
+              <a:rPr lang="en-US" dirty="0"/>
+              <a:t>(Well, pull requests too, sort of, but that’s a deeper topic!)</a:t>
+            </a:r>
+          </a:p>
+          <a:p>
+            <a:r>
+              <a:rPr lang="en-US" dirty="0"/>
+              <a:t>This means you can work offline, in a distributed scenario. No file locks, checking the central server, or being blocked by bad internet access!</a:t>
             </a:r>
           </a:p>
         </p:txBody>
@@ -9126,7 +9132,7 @@
     </p:spTree>
     <p:extLst>
       <p:ext uri="{BB962C8B-B14F-4D97-AF65-F5344CB8AC3E}">
-        <p14:creationId xmlns:p14="http://schemas.microsoft.com/office/powerpoint/2010/main" val="2504312543"/>
+        <p14:creationId xmlns:p14="http://schemas.microsoft.com/office/powerpoint/2010/main" val="1988009388"/>
       </p:ext>
     </p:extLst>
   </p:cSld>
@@ -9158,7 +9164,7 @@
           <p:cNvPr id="2" name="Title 1">
             <a:extLst>
               <a:ext uri="{FF2B5EF4-FFF2-40B4-BE49-F238E27FC236}">
-                <a16:creationId xmlns:a16="http://schemas.microsoft.com/office/drawing/2014/main" id="{0FA6AEAC-E7B5-460D-AB9D-92BC4090C5B7}"/>
+                <a16:creationId xmlns:a16="http://schemas.microsoft.com/office/drawing/2014/main" id="{2D3BA762-E4FA-4368-B751-764176300177}"/>
               </a:ext>
             </a:extLst>
           </p:cNvPr>
@@ -9176,7 +9182,7 @@
           <a:p>
             <a:r>
               <a:rPr lang="en-US" dirty="0"/>
-              <a:t>Git is recoverable</a:t>
+              <a:t>Git has Integrity</a:t>
             </a:r>
           </a:p>
         </p:txBody>
@@ -9186,7 +9192,7 @@
           <p:cNvPr id="3" name="Content Placeholder 2">
             <a:extLst>
               <a:ext uri="{FF2B5EF4-FFF2-40B4-BE49-F238E27FC236}">
-                <a16:creationId xmlns:a16="http://schemas.microsoft.com/office/drawing/2014/main" id="{475C6E75-54FD-47E6-9EBF-F85A49A7907E}"/>
+                <a16:creationId xmlns:a16="http://schemas.microsoft.com/office/drawing/2014/main" id="{AAB4FD9A-15F8-48E9-A693-489CB3730C2E}"/>
               </a:ext>
             </a:extLst>
           </p:cNvPr>
@@ -9204,19 +9210,27 @@
           <a:p>
             <a:r>
               <a:rPr lang="en-US" dirty="0"/>
-              <a:t>Git generally only *adds* data.</a:t>
-            </a:r>
-          </a:p>
-          <a:p>
-            <a:r>
-              <a:rPr lang="en-US" dirty="0"/>
-              <a:t>There’s a couple things you can do that are un-undoable, probably, but I haven’t found them yet.</a:t>
-            </a:r>
-          </a:p>
-          <a:p>
-            <a:r>
-              <a:rPr lang="en-US" dirty="0"/>
-              <a:t>Once you commit a change, you can always go back and access it. If you mess something up, you can revert to a previous change-set, and you’re good to go!</a:t>
+              <a:t>The SHA-1 thing I mentioned earlier?</a:t>
+            </a:r>
+          </a:p>
+          <a:p>
+            <a:r>
+              <a:rPr lang="en-US" dirty="0"/>
+              <a:t>Git computes a SHA-1 Hash of the commit you just made, and it makes it so you can’t make changes to watched files without Git knowing about it.</a:t>
+            </a:r>
+          </a:p>
+          <a:p>
+            <a:r>
+              <a:rPr lang="en-US" dirty="0"/>
+              <a:t>How? I </a:t>
+            </a:r>
+            <a:r>
+              <a:rPr lang="en-US" dirty="0" err="1"/>
+              <a:t>dunno</a:t>
+            </a:r>
+            <a:r>
+              <a:rPr lang="en-US" dirty="0"/>
+              <a:t>. Magic probably.</a:t>
             </a:r>
           </a:p>
         </p:txBody>
@@ -9224,7 +9238,7 @@
     </p:spTree>
     <p:extLst>
       <p:ext uri="{BB962C8B-B14F-4D97-AF65-F5344CB8AC3E}">
-        <p14:creationId xmlns:p14="http://schemas.microsoft.com/office/powerpoint/2010/main" val="189421915"/>
+        <p14:creationId xmlns:p14="http://schemas.microsoft.com/office/powerpoint/2010/main" val="2504312543"/>
       </p:ext>
     </p:extLst>
   </p:cSld>
@@ -9256,7 +9270,7 @@
           <p:cNvPr id="2" name="Title 1">
             <a:extLst>
               <a:ext uri="{FF2B5EF4-FFF2-40B4-BE49-F238E27FC236}">
-                <a16:creationId xmlns:a16="http://schemas.microsoft.com/office/drawing/2014/main" id="{8A9629C9-9AD4-4A86-97C1-0BA5B0C19D94}"/>
+                <a16:creationId xmlns:a16="http://schemas.microsoft.com/office/drawing/2014/main" id="{0FA6AEAC-E7B5-460D-AB9D-92BC4090C5B7}"/>
               </a:ext>
             </a:extLst>
           </p:cNvPr>
@@ -9274,64 +9288,55 @@
           <a:p>
             <a:r>
               <a:rPr lang="en-US" dirty="0"/>
-              <a:t>Basic Workflow</a:t>
-            </a:r>
-          </a:p>
-        </p:txBody>
-      </p:sp>
-      <p:pic>
-        <p:nvPicPr>
-          <p:cNvPr id="3074" name="Picture 2" descr="Working tree, staging area, and Git directory.">
+              <a:t>Git is recoverable</a:t>
+            </a:r>
+          </a:p>
+        </p:txBody>
+      </p:sp>
+      <p:sp>
+        <p:nvSpPr>
+          <p:cNvPr id="3" name="Content Placeholder 2">
             <a:extLst>
               <a:ext uri="{FF2B5EF4-FFF2-40B4-BE49-F238E27FC236}">
-                <a16:creationId xmlns:a16="http://schemas.microsoft.com/office/drawing/2014/main" id="{25F68965-AA38-4808-B661-2D8747F8E8E5}"/>
+                <a16:creationId xmlns:a16="http://schemas.microsoft.com/office/drawing/2014/main" id="{475C6E75-54FD-47E6-9EBF-F85A49A7907E}"/>
               </a:ext>
             </a:extLst>
           </p:cNvPr>
-          <p:cNvPicPr>
-            <a:picLocks noGrp="1" noChangeAspect="1" noChangeArrowheads="1"/>
-          </p:cNvPicPr>
+          <p:cNvSpPr>
+            <a:spLocks noGrp="1"/>
+          </p:cNvSpPr>
           <p:nvPr>
             <p:ph idx="1"/>
           </p:nvPr>
-        </p:nvPicPr>
-        <p:blipFill>
-          <a:blip r:embed="rId2">
-            <a:extLst>
-              <a:ext uri="{28A0092B-C50C-407E-A947-70E740481C1C}">
-                <a14:useLocalDpi xmlns:a14="http://schemas.microsoft.com/office/drawing/2010/main" val="0"/>
-              </a:ext>
-            </a:extLst>
-          </a:blip>
-          <a:srcRect/>
-          <a:stretch>
-            <a:fillRect/>
-          </a:stretch>
-        </p:blipFill>
-        <p:spPr bwMode="auto">
-          <a:xfrm>
-            <a:off x="2286000" y="1901031"/>
-            <a:ext cx="7620000" cy="4200525"/>
-          </a:xfrm>
-          <a:prstGeom prst="rect">
-            <a:avLst/>
-          </a:prstGeom>
-          <a:noFill/>
-          <a:extLst>
-            <a:ext uri="{909E8E84-426E-40DD-AFC4-6F175D3DCCD1}">
-              <a14:hiddenFill xmlns:a14="http://schemas.microsoft.com/office/drawing/2010/main">
-                <a:solidFill>
-                  <a:srgbClr val="FFFFFF"/>
-                </a:solidFill>
-              </a14:hiddenFill>
-            </a:ext>
-          </a:extLst>
-        </p:spPr>
-      </p:pic>
+        </p:nvSpPr>
+        <p:spPr/>
+        <p:txBody>
+          <a:bodyPr/>
+          <a:lstStyle/>
+          <a:p>
+            <a:r>
+              <a:rPr lang="en-US" dirty="0"/>
+              <a:t>Git generally only *adds* data.</a:t>
+            </a:r>
+          </a:p>
+          <a:p>
+            <a:r>
+              <a:rPr lang="en-US" dirty="0"/>
+              <a:t>There’s a couple things you can do that are un-undoable, probably, but I haven’t found them yet.</a:t>
+            </a:r>
+          </a:p>
+          <a:p>
+            <a:r>
+              <a:rPr lang="en-US" dirty="0"/>
+              <a:t>Once you commit a change, you can always go back and access it. If you mess something up, you can revert to a previous change-set, and you’re good to go!</a:t>
+            </a:r>
+          </a:p>
+        </p:txBody>
+      </p:sp>
     </p:spTree>
     <p:extLst>
       <p:ext uri="{BB962C8B-B14F-4D97-AF65-F5344CB8AC3E}">
-        <p14:creationId xmlns:p14="http://schemas.microsoft.com/office/powerpoint/2010/main" val="1617573897"/>
+        <p14:creationId xmlns:p14="http://schemas.microsoft.com/office/powerpoint/2010/main" val="189421915"/>
       </p:ext>
     </p:extLst>
   </p:cSld>
@@ -9363,7 +9368,7 @@
           <p:cNvPr id="2" name="Title 1">
             <a:extLst>
               <a:ext uri="{FF2B5EF4-FFF2-40B4-BE49-F238E27FC236}">
-                <a16:creationId xmlns:a16="http://schemas.microsoft.com/office/drawing/2014/main" id="{7FC8900C-5155-4F12-9845-2CC9027CCBCA}"/>
+                <a16:creationId xmlns:a16="http://schemas.microsoft.com/office/drawing/2014/main" id="{8A9629C9-9AD4-4A86-97C1-0BA5B0C19D94}"/>
               </a:ext>
             </a:extLst>
           </p:cNvPr>
@@ -9381,75 +9386,91 @@
           <a:p>
             <a:r>
               <a:rPr lang="en-US" dirty="0"/>
-              <a:t>Three States</a:t>
-            </a:r>
-          </a:p>
-        </p:txBody>
-      </p:sp>
-      <p:sp>
-        <p:nvSpPr>
-          <p:cNvPr id="3" name="Content Placeholder 2">
+              <a:t>Basic Workflow</a:t>
+            </a:r>
+          </a:p>
+        </p:txBody>
+      </p:sp>
+      <p:pic>
+        <p:nvPicPr>
+          <p:cNvPr id="3074" name="Picture 2" descr="Working tree, staging area, and Git directory.">
             <a:extLst>
               <a:ext uri="{FF2B5EF4-FFF2-40B4-BE49-F238E27FC236}">
-                <a16:creationId xmlns:a16="http://schemas.microsoft.com/office/drawing/2014/main" id="{41415508-FBBE-4D83-AA4F-B5A08A348B02}"/>
+                <a16:creationId xmlns:a16="http://schemas.microsoft.com/office/drawing/2014/main" id="{25F68965-AA38-4808-B661-2D8747F8E8E5}"/>
               </a:ext>
             </a:extLst>
           </p:cNvPr>
-          <p:cNvSpPr>
-            <a:spLocks noGrp="1"/>
-          </p:cNvSpPr>
+          <p:cNvPicPr>
+            <a:picLocks noGrp="1" noChangeAspect="1" noChangeArrowheads="1"/>
+          </p:cNvPicPr>
           <p:nvPr>
             <p:ph idx="1"/>
           </p:nvPr>
-        </p:nvSpPr>
-        <p:spPr/>
-        <p:txBody>
-          <a:bodyPr/>
+        </p:nvPicPr>
+        <p:blipFill>
+          <a:blip r:embed="rId2">
+            <a:extLst>
+              <a:ext uri="{28A0092B-C50C-407E-A947-70E740481C1C}">
+                <a14:useLocalDpi xmlns:a14="http://schemas.microsoft.com/office/drawing/2010/main" val="0"/>
+              </a:ext>
+            </a:extLst>
+          </a:blip>
+          <a:srcRect/>
+          <a:stretch>
+            <a:fillRect/>
+          </a:stretch>
+        </p:blipFill>
+        <p:spPr bwMode="auto">
+          <a:xfrm>
+            <a:off x="2286000" y="1901031"/>
+            <a:ext cx="7620000" cy="4200525"/>
+          </a:xfrm>
+          <a:prstGeom prst="rect">
+            <a:avLst/>
+          </a:prstGeom>
+          <a:noFill/>
+          <a:extLst>
+            <a:ext uri="{909E8E84-426E-40DD-AFC4-6F175D3DCCD1}">
+              <a14:hiddenFill xmlns:a14="http://schemas.microsoft.com/office/drawing/2010/main">
+                <a:solidFill>
+                  <a:srgbClr val="FFFFFF"/>
+                </a:solidFill>
+              </a14:hiddenFill>
+            </a:ext>
+          </a:extLst>
+        </p:spPr>
+      </p:pic>
+      <p:sp>
+        <p:nvSpPr>
+          <p:cNvPr id="3" name="TextBox 2">
+            <a:extLst>
+              <a:ext uri="{FF2B5EF4-FFF2-40B4-BE49-F238E27FC236}">
+                <a16:creationId xmlns:a16="http://schemas.microsoft.com/office/drawing/2014/main" id="{35177CA5-A56E-426F-B4F0-298FED920311}"/>
+              </a:ext>
+            </a:extLst>
+          </p:cNvPr>
+          <p:cNvSpPr txBox="1"/>
+          <p:nvPr/>
+        </p:nvSpPr>
+        <p:spPr>
+          <a:xfrm>
+            <a:off x="7566212" y="3244334"/>
+            <a:ext cx="1102659" cy="369332"/>
+          </a:xfrm>
+          <a:prstGeom prst="rect">
+            <a:avLst/>
+          </a:prstGeom>
+          <a:noFill/>
+        </p:spPr>
+        <p:txBody>
+          <a:bodyPr wrap="square" rtlCol="0">
+            <a:spAutoFit/>
+          </a:bodyPr>
           <a:lstStyle/>
           <a:p>
             <a:r>
               <a:rPr lang="en-US" dirty="0"/>
-              <a:t>Modified</a:t>
-            </a:r>
-          </a:p>
-          <a:p>
-            <a:pPr lvl="1"/>
-            <a:r>
-              <a:rPr lang="en-US" dirty="0"/>
-              <a:t>You’ve made a change to one or more files.</a:t>
-            </a:r>
-          </a:p>
-          <a:p>
-            <a:r>
-              <a:rPr lang="en-US" dirty="0"/>
-              <a:t>Staged</a:t>
-            </a:r>
-          </a:p>
-          <a:p>
-            <a:pPr lvl="1"/>
-            <a:r>
-              <a:rPr lang="en-US" dirty="0"/>
-              <a:t>You’ve gone through and selected the files you want to commit</a:t>
-            </a:r>
-          </a:p>
-          <a:p>
-            <a:pPr lvl="1"/>
-            <a:r>
-              <a:rPr lang="en-US" dirty="0"/>
-              <a:t>You don’t HAVE to commit everything in one go!</a:t>
-            </a:r>
-          </a:p>
-          <a:p>
-            <a:r>
-              <a:rPr lang="en-US" dirty="0"/>
-              <a:t>Committed</a:t>
-            </a:r>
-          </a:p>
-          <a:p>
-            <a:pPr lvl="1"/>
-            <a:r>
-              <a:rPr lang="en-US" dirty="0"/>
-              <a:t>Committing is the part that is recorded to Git. It’s now part of the log and can be seen in the history.</a:t>
+              <a:t>(Clone)</a:t>
             </a:r>
           </a:p>
         </p:txBody>
@@ -9457,7 +9478,7 @@
     </p:spTree>
     <p:extLst>
       <p:ext uri="{BB962C8B-B14F-4D97-AF65-F5344CB8AC3E}">
-        <p14:creationId xmlns:p14="http://schemas.microsoft.com/office/powerpoint/2010/main" val="4231516819"/>
+        <p14:creationId xmlns:p14="http://schemas.microsoft.com/office/powerpoint/2010/main" val="1617573897"/>
       </p:ext>
     </p:extLst>
   </p:cSld>
@@ -9489,7 +9510,7 @@
           <p:cNvPr id="2" name="Title 1">
             <a:extLst>
               <a:ext uri="{FF2B5EF4-FFF2-40B4-BE49-F238E27FC236}">
-                <a16:creationId xmlns:a16="http://schemas.microsoft.com/office/drawing/2014/main" id="{6374560B-CBBB-4D34-81B8-BCEC16AC23A1}"/>
+                <a16:creationId xmlns:a16="http://schemas.microsoft.com/office/drawing/2014/main" id="{7FC8900C-5155-4F12-9845-2CC9027CCBCA}"/>
               </a:ext>
             </a:extLst>
           </p:cNvPr>
@@ -9507,15 +9528,7 @@
           <a:p>
             <a:r>
               <a:rPr lang="en-US" dirty="0"/>
-              <a:t>Not </a:t>
-            </a:r>
-            <a:r>
-              <a:rPr lang="en-US" i="1" dirty="0"/>
-              <a:t>quite </a:t>
-            </a:r>
-            <a:r>
-              <a:rPr lang="en-US" dirty="0"/>
-              <a:t>done - probably</a:t>
+              <a:t>Three States</a:t>
             </a:r>
           </a:p>
         </p:txBody>
@@ -9525,7 +9538,7 @@
           <p:cNvPr id="3" name="Content Placeholder 2">
             <a:extLst>
               <a:ext uri="{FF2B5EF4-FFF2-40B4-BE49-F238E27FC236}">
-                <a16:creationId xmlns:a16="http://schemas.microsoft.com/office/drawing/2014/main" id="{3917125C-2BDC-4B04-B75A-31F80461EF98}"/>
+                <a16:creationId xmlns:a16="http://schemas.microsoft.com/office/drawing/2014/main" id="{41415508-FBBE-4D83-AA4F-B5A08A348B02}"/>
               </a:ext>
             </a:extLst>
           </p:cNvPr>
@@ -9543,28 +9556,47 @@
           <a:p>
             <a:r>
               <a:rPr lang="en-US" dirty="0"/>
-              <a:t>In most cases, you still need to synchronize your code with a shared repository.</a:t>
-            </a:r>
-          </a:p>
-          <a:p>
-            <a:r>
-              <a:rPr lang="en-US" dirty="0"/>
-              <a:t>This is known as a “Push”</a:t>
-            </a:r>
-          </a:p>
-          <a:p>
-            <a:r>
-              <a:rPr lang="en-US" dirty="0"/>
-              <a:t>Getting code from the central repo is known as a “Pull”</a:t>
-            </a:r>
-          </a:p>
-          <a:p>
-            <a:endParaRPr lang="en-US" dirty="0"/>
-          </a:p>
-          <a:p>
-            <a:r>
-              <a:rPr lang="en-US" dirty="0"/>
-              <a:t>If you both “Pull” and “Push” – you have “synced” your code.</a:t>
+              <a:t>Modified</a:t>
+            </a:r>
+          </a:p>
+          <a:p>
+            <a:pPr lvl="1"/>
+            <a:r>
+              <a:rPr lang="en-US" dirty="0"/>
+              <a:t>You’ve made a change to one or more files.</a:t>
+            </a:r>
+          </a:p>
+          <a:p>
+            <a:r>
+              <a:rPr lang="en-US" dirty="0"/>
+              <a:t>Staged</a:t>
+            </a:r>
+          </a:p>
+          <a:p>
+            <a:pPr lvl="1"/>
+            <a:r>
+              <a:rPr lang="en-US" dirty="0"/>
+              <a:t>You’ve gone through and selected the files you want to commit</a:t>
+            </a:r>
+          </a:p>
+          <a:p>
+            <a:pPr lvl="1"/>
+            <a:r>
+              <a:rPr lang="en-US" dirty="0"/>
+              <a:t>You don’t HAVE to commit everything in one go!</a:t>
+            </a:r>
+          </a:p>
+          <a:p>
+            <a:r>
+              <a:rPr lang="en-US" dirty="0"/>
+              <a:t>Committed</a:t>
+            </a:r>
+          </a:p>
+          <a:p>
+            <a:pPr lvl="1"/>
+            <a:r>
+              <a:rPr lang="en-US" dirty="0"/>
+              <a:t>Committing is the part that is recorded to Git. It’s now part of the log and can be seen in the history.</a:t>
             </a:r>
           </a:p>
         </p:txBody>
@@ -9572,7 +9604,7 @@
     </p:spTree>
     <p:extLst>
       <p:ext uri="{BB962C8B-B14F-4D97-AF65-F5344CB8AC3E}">
-        <p14:creationId xmlns:p14="http://schemas.microsoft.com/office/powerpoint/2010/main" val="4155925949"/>
+        <p14:creationId xmlns:p14="http://schemas.microsoft.com/office/powerpoint/2010/main" val="4231516819"/>
       </p:ext>
     </p:extLst>
   </p:cSld>
@@ -9604,7 +9636,7 @@
           <p:cNvPr id="2" name="Title 1">
             <a:extLst>
               <a:ext uri="{FF2B5EF4-FFF2-40B4-BE49-F238E27FC236}">
-                <a16:creationId xmlns:a16="http://schemas.microsoft.com/office/drawing/2014/main" id="{9232E434-9413-4B36-99F6-6127E6ACA56E}"/>
+                <a16:creationId xmlns:a16="http://schemas.microsoft.com/office/drawing/2014/main" id="{6374560B-CBBB-4D34-81B8-BCEC16AC23A1}"/>
               </a:ext>
             </a:extLst>
           </p:cNvPr>
@@ -9622,17 +9654,25 @@
           <a:p>
             <a:r>
               <a:rPr lang="en-US" dirty="0"/>
-              <a:t>Hosted Git Repos</a:t>
-            </a:r>
-          </a:p>
-        </p:txBody>
-      </p:sp>
-      <p:sp>
-        <p:nvSpPr>
-          <p:cNvPr id="3" name="Text Placeholder 2">
+              <a:t>Not </a:t>
+            </a:r>
+            <a:r>
+              <a:rPr lang="en-US" i="1" dirty="0"/>
+              <a:t>quite </a:t>
+            </a:r>
+            <a:r>
+              <a:rPr lang="en-US" dirty="0"/>
+              <a:t>done - probably</a:t>
+            </a:r>
+          </a:p>
+        </p:txBody>
+      </p:sp>
+      <p:sp>
+        <p:nvSpPr>
+          <p:cNvPr id="3" name="Content Placeholder 2">
             <a:extLst>
               <a:ext uri="{FF2B5EF4-FFF2-40B4-BE49-F238E27FC236}">
-                <a16:creationId xmlns:a16="http://schemas.microsoft.com/office/drawing/2014/main" id="{980E02D7-15CA-454F-A487-78BF648CF9F0}"/>
+                <a16:creationId xmlns:a16="http://schemas.microsoft.com/office/drawing/2014/main" id="{3917125C-2BDC-4B04-B75A-31F80461EF98}"/>
               </a:ext>
             </a:extLst>
           </p:cNvPr>
@@ -9640,7 +9680,7 @@
             <a:spLocks noGrp="1"/>
           </p:cNvSpPr>
           <p:nvPr>
-            <p:ph type="body" idx="1"/>
+            <p:ph idx="1"/>
           </p:nvPr>
         </p:nvSpPr>
         <p:spPr/>
@@ -9650,7 +9690,28 @@
           <a:p>
             <a:r>
               <a:rPr lang="en-US" dirty="0"/>
-              <a:t>Sharing the code!</a:t>
+              <a:t>In most cases, you still need to synchronize your code with a shared repository.</a:t>
+            </a:r>
+          </a:p>
+          <a:p>
+            <a:r>
+              <a:rPr lang="en-US" dirty="0"/>
+              <a:t>This is known as a “Push”</a:t>
+            </a:r>
+          </a:p>
+          <a:p>
+            <a:r>
+              <a:rPr lang="en-US" dirty="0"/>
+              <a:t>Getting code from the central repo is known as a “Pull”</a:t>
+            </a:r>
+          </a:p>
+          <a:p>
+            <a:endParaRPr lang="en-US" dirty="0"/>
+          </a:p>
+          <a:p>
+            <a:r>
+              <a:rPr lang="en-US" dirty="0"/>
+              <a:t>If you both “Pull” and “Push” – you have “synced” your code.</a:t>
             </a:r>
           </a:p>
         </p:txBody>
@@ -9658,7 +9719,7 @@
     </p:spTree>
     <p:extLst>
       <p:ext uri="{BB962C8B-B14F-4D97-AF65-F5344CB8AC3E}">
-        <p14:creationId xmlns:p14="http://schemas.microsoft.com/office/powerpoint/2010/main" val="784079646"/>
+        <p14:creationId xmlns:p14="http://schemas.microsoft.com/office/powerpoint/2010/main" val="4155925949"/>
       </p:ext>
     </p:extLst>
   </p:cSld>
@@ -9690,7 +9751,7 @@
           <p:cNvPr id="2" name="Title 1">
             <a:extLst>
               <a:ext uri="{FF2B5EF4-FFF2-40B4-BE49-F238E27FC236}">
-                <a16:creationId xmlns:a16="http://schemas.microsoft.com/office/drawing/2014/main" id="{5B9111D1-EBA9-469A-A5AC-94959A3B7E01}"/>
+                <a16:creationId xmlns:a16="http://schemas.microsoft.com/office/drawing/2014/main" id="{9232E434-9413-4B36-99F6-6127E6ACA56E}"/>
               </a:ext>
             </a:extLst>
           </p:cNvPr>
@@ -9708,17 +9769,17 @@
           <a:p>
             <a:r>
               <a:rPr lang="en-US" dirty="0"/>
-              <a:t>Repos</a:t>
-            </a:r>
-          </a:p>
-        </p:txBody>
-      </p:sp>
-      <p:sp>
-        <p:nvSpPr>
-          <p:cNvPr id="3" name="Content Placeholder 2">
+              <a:t>Hosted Git Repos</a:t>
+            </a:r>
+          </a:p>
+        </p:txBody>
+      </p:sp>
+      <p:sp>
+        <p:nvSpPr>
+          <p:cNvPr id="3" name="Text Placeholder 2">
             <a:extLst>
               <a:ext uri="{FF2B5EF4-FFF2-40B4-BE49-F238E27FC236}">
-                <a16:creationId xmlns:a16="http://schemas.microsoft.com/office/drawing/2014/main" id="{66A1847F-81AF-4B9B-96B0-C1825FDCDF8F}"/>
+                <a16:creationId xmlns:a16="http://schemas.microsoft.com/office/drawing/2014/main" id="{980E02D7-15CA-454F-A487-78BF648CF9F0}"/>
               </a:ext>
             </a:extLst>
           </p:cNvPr>
@@ -9726,92 +9787,25 @@
             <a:spLocks noGrp="1"/>
           </p:cNvSpPr>
           <p:nvPr>
-            <p:ph idx="1"/>
+            <p:ph type="body" idx="1"/>
           </p:nvPr>
         </p:nvSpPr>
         <p:spPr/>
         <p:txBody>
-          <a:bodyPr>
-            <a:normAutofit lnSpcReduction="10000"/>
-          </a:bodyPr>
+          <a:bodyPr/>
           <a:lstStyle/>
           <a:p>
             <a:r>
               <a:rPr lang="en-US" dirty="0"/>
-              <a:t>Big 3</a:t>
-            </a:r>
-          </a:p>
-          <a:p>
-            <a:r>
-              <a:rPr lang="en-US" dirty="0"/>
-              <a:t>VSTS</a:t>
-            </a:r>
-          </a:p>
-          <a:p>
-            <a:pPr lvl="1"/>
-            <a:r>
-              <a:rPr lang="en-US" dirty="0"/>
-              <a:t>Known for closed source projects</a:t>
-            </a:r>
-          </a:p>
-          <a:p>
-            <a:pPr lvl="1"/>
-            <a:r>
-              <a:rPr lang="en-US" dirty="0"/>
-              <a:t>High-End CI/CD functionality</a:t>
-            </a:r>
-          </a:p>
-          <a:p>
-            <a:pPr lvl="1"/>
-            <a:r>
-              <a:rPr lang="en-US" dirty="0"/>
-              <a:t>Exceptional project tracking via TFS</a:t>
-            </a:r>
-          </a:p>
-          <a:p>
-            <a:r>
-              <a:rPr lang="en-US" dirty="0"/>
-              <a:t>GitHub</a:t>
-            </a:r>
-          </a:p>
-          <a:p>
-            <a:pPr lvl="1"/>
-            <a:r>
-              <a:rPr lang="en-US" dirty="0"/>
-              <a:t>Known for open source projects</a:t>
-            </a:r>
-          </a:p>
-          <a:p>
-            <a:pPr lvl="1"/>
-            <a:r>
-              <a:rPr lang="en-US" dirty="0"/>
-              <a:t>Exceptional bug-tracking and messaging</a:t>
-            </a:r>
-          </a:p>
-          <a:p>
-            <a:pPr lvl="1"/>
-            <a:r>
-              <a:rPr lang="en-US" dirty="0"/>
-              <a:t>API works well with most CI/CD platforms, Team City, Jenkins, TFS, etc.</a:t>
-            </a:r>
-          </a:p>
-          <a:p>
-            <a:r>
-              <a:rPr lang="en-US" dirty="0" err="1"/>
-              <a:t>BitBucket</a:t>
-            </a:r>
-            <a:endParaRPr lang="en-US" dirty="0"/>
-          </a:p>
-          <a:p>
-            <a:pPr lvl="1"/>
-            <a:endParaRPr lang="en-US" dirty="0"/>
+              <a:t>Sharing the code!</a:t>
+            </a:r>
           </a:p>
         </p:txBody>
       </p:sp>
     </p:spTree>
     <p:extLst>
       <p:ext uri="{BB962C8B-B14F-4D97-AF65-F5344CB8AC3E}">
-        <p14:creationId xmlns:p14="http://schemas.microsoft.com/office/powerpoint/2010/main" val="662332301"/>
+        <p14:creationId xmlns:p14="http://schemas.microsoft.com/office/powerpoint/2010/main" val="784079646"/>
       </p:ext>
     </p:extLst>
   </p:cSld>
@@ -9843,7 +9837,7 @@
           <p:cNvPr id="2" name="Title 1">
             <a:extLst>
               <a:ext uri="{FF2B5EF4-FFF2-40B4-BE49-F238E27FC236}">
-                <a16:creationId xmlns:a16="http://schemas.microsoft.com/office/drawing/2014/main" id="{29093CCA-7953-439D-9E03-48C7A94BACAD}"/>
+                <a16:creationId xmlns:a16="http://schemas.microsoft.com/office/drawing/2014/main" id="{5B9111D1-EBA9-469A-A5AC-94959A3B7E01}"/>
               </a:ext>
             </a:extLst>
           </p:cNvPr>
@@ -9861,7 +9855,7 @@
           <a:p>
             <a:r>
               <a:rPr lang="en-US" dirty="0"/>
-              <a:t>TFS</a:t>
+              <a:t>Repos</a:t>
             </a:r>
           </a:p>
         </p:txBody>
@@ -9871,7 +9865,7 @@
           <p:cNvPr id="3" name="Content Placeholder 2">
             <a:extLst>
               <a:ext uri="{FF2B5EF4-FFF2-40B4-BE49-F238E27FC236}">
-                <a16:creationId xmlns:a16="http://schemas.microsoft.com/office/drawing/2014/main" id="{5552C562-13BC-49D0-9EF3-1406A4C3C4E4}"/>
+                <a16:creationId xmlns:a16="http://schemas.microsoft.com/office/drawing/2014/main" id="{66A1847F-81AF-4B9B-96B0-C1825FDCDF8F}"/>
               </a:ext>
             </a:extLst>
           </p:cNvPr>
@@ -9891,53 +9885,77 @@
           <a:p>
             <a:r>
               <a:rPr lang="en-US" dirty="0"/>
-              <a:t>Free up to 5 users</a:t>
-            </a:r>
-          </a:p>
-          <a:p>
-            <a:r>
-              <a:rPr lang="en-US" dirty="0"/>
-              <a:t>Unlimited private repos</a:t>
-            </a:r>
-          </a:p>
-          <a:p>
-            <a:r>
-              <a:rPr lang="en-US" dirty="0"/>
-              <a:t>No public repositories!</a:t>
-            </a:r>
-          </a:p>
-          <a:p>
-            <a:r>
-              <a:rPr lang="en-US" dirty="0"/>
-              <a:t>CI/CD pipeline is well developed – no Team City necessary, Octopus Deploy is debatable.</a:t>
-            </a:r>
-          </a:p>
-          <a:p>
-            <a:r>
-              <a:rPr lang="en-US" dirty="0"/>
-              <a:t>Azure is well integrated – great for websites, services, mobile, </a:t>
+              <a:t>Big 3</a:t>
+            </a:r>
+          </a:p>
+          <a:p>
+            <a:r>
+              <a:rPr lang="en-US" dirty="0"/>
+              <a:t>Azure </a:t>
             </a:r>
             <a:r>
               <a:rPr lang="en-US" dirty="0" err="1"/>
-              <a:t>etc</a:t>
+              <a:t>Devops</a:t>
             </a:r>
             <a:endParaRPr lang="en-US" dirty="0"/>
           </a:p>
           <a:p>
-            <a:r>
-              <a:rPr lang="en-US" dirty="0"/>
-              <a:t>Great choice for small business!</a:t>
-            </a:r>
-          </a:p>
-          <a:p>
-            <a:r>
-              <a:rPr lang="en-US" dirty="0"/>
-              <a:t>Learning Curve: Experience with MS products makes this easy-</a:t>
-            </a:r>
+            <a:pPr lvl="1"/>
+            <a:r>
+              <a:rPr lang="en-US" dirty="0"/>
+              <a:t>Known for closed source projects</a:t>
+            </a:r>
+          </a:p>
+          <a:p>
+            <a:pPr lvl="1"/>
+            <a:r>
+              <a:rPr lang="en-US" dirty="0"/>
+              <a:t>High-End CI/CD functionality</a:t>
+            </a:r>
+          </a:p>
+          <a:p>
+            <a:pPr lvl="1"/>
+            <a:r>
+              <a:rPr lang="en-US" dirty="0"/>
+              <a:t>Exceptional project tracking via TFS</a:t>
+            </a:r>
+          </a:p>
+          <a:p>
+            <a:r>
+              <a:rPr lang="en-US" dirty="0"/>
+              <a:t>GitHub</a:t>
+            </a:r>
+          </a:p>
+          <a:p>
+            <a:pPr lvl="1"/>
+            <a:r>
+              <a:rPr lang="en-US" dirty="0"/>
+              <a:t>Known for open source projects</a:t>
+            </a:r>
+          </a:p>
+          <a:p>
+            <a:pPr lvl="1"/>
+            <a:r>
+              <a:rPr lang="en-US" dirty="0"/>
+              <a:t>Exceptional bug-tracking and messaging</a:t>
+            </a:r>
+          </a:p>
+          <a:p>
+            <a:pPr lvl="1"/>
+            <a:r>
+              <a:rPr lang="en-US" dirty="0"/>
+              <a:t>API works well with most CI/CD platforms, Team City, Jenkins, TFS, etc.</a:t>
+            </a:r>
+          </a:p>
+          <a:p>
             <a:r>
               <a:rPr lang="en-US" dirty="0" err="1"/>
-              <a:t>ish</a:t>
-            </a:r>
+              <a:t>BitBucket</a:t>
+            </a:r>
+            <a:endParaRPr lang="en-US" dirty="0"/>
+          </a:p>
+          <a:p>
+            <a:pPr lvl="1"/>
             <a:endParaRPr lang="en-US" dirty="0"/>
           </a:p>
         </p:txBody>
@@ -9945,7 +9963,7 @@
     </p:spTree>
     <p:extLst>
       <p:ext uri="{BB962C8B-B14F-4D97-AF65-F5344CB8AC3E}">
-        <p14:creationId xmlns:p14="http://schemas.microsoft.com/office/powerpoint/2010/main" val="951745335"/>
+        <p14:creationId xmlns:p14="http://schemas.microsoft.com/office/powerpoint/2010/main" val="662332301"/>
       </p:ext>
     </p:extLst>
   </p:cSld>
@@ -9977,7 +9995,7 @@
           <p:cNvPr id="2" name="Title 1">
             <a:extLst>
               <a:ext uri="{FF2B5EF4-FFF2-40B4-BE49-F238E27FC236}">
-                <a16:creationId xmlns:a16="http://schemas.microsoft.com/office/drawing/2014/main" id="{9F5EE912-1E0A-470C-AB7B-2F2CCC87BB2A}"/>
+                <a16:creationId xmlns:a16="http://schemas.microsoft.com/office/drawing/2014/main" id="{29093CCA-7953-439D-9E03-48C7A94BACAD}"/>
               </a:ext>
             </a:extLst>
           </p:cNvPr>
@@ -9995,8 +10013,13 @@
           <a:p>
             <a:r>
               <a:rPr lang="en-US" dirty="0"/>
-              <a:t>Github</a:t>
-            </a:r>
+              <a:t>Azure </a:t>
+            </a:r>
+            <a:r>
+              <a:rPr lang="en-US" dirty="0" err="1"/>
+              <a:t>Devops</a:t>
+            </a:r>
+            <a:endParaRPr lang="en-US" dirty="0"/>
           </a:p>
         </p:txBody>
       </p:sp>
@@ -10005,7 +10028,7 @@
           <p:cNvPr id="3" name="Content Placeholder 2">
             <a:extLst>
               <a:ext uri="{FF2B5EF4-FFF2-40B4-BE49-F238E27FC236}">
-                <a16:creationId xmlns:a16="http://schemas.microsoft.com/office/drawing/2014/main" id="{64252670-4F73-4792-B175-6F43FDE66830}"/>
+                <a16:creationId xmlns:a16="http://schemas.microsoft.com/office/drawing/2014/main" id="{5552C562-13BC-49D0-9EF3-1406A4C3C4E4}"/>
               </a:ext>
             </a:extLst>
           </p:cNvPr>
@@ -10019,81 +10042,72 @@
         <p:spPr/>
         <p:txBody>
           <a:bodyPr>
-            <a:normAutofit lnSpcReduction="10000"/>
+            <a:normAutofit fontScale="92500"/>
           </a:bodyPr>
           <a:lstStyle/>
           <a:p>
             <a:r>
               <a:rPr lang="en-US" dirty="0"/>
-              <a:t>Most widely used hosting platform</a:t>
-            </a:r>
-          </a:p>
-          <a:p>
-            <a:r>
-              <a:rPr lang="en-US" dirty="0"/>
-              <a:t>Unlimited public repositories</a:t>
-            </a:r>
-          </a:p>
-          <a:p>
-            <a:r>
-              <a:rPr lang="en-US" dirty="0"/>
-              <a:t>$7/month personal account with unlimited private repositories</a:t>
-            </a:r>
-          </a:p>
-          <a:p>
-            <a:r>
-              <a:rPr lang="en-US" dirty="0"/>
-              <a:t>Enterprise plans allow on-premises hosted solutions.</a:t>
-            </a:r>
-          </a:p>
-          <a:p>
-            <a:r>
-              <a:rPr lang="en-US" dirty="0"/>
-              <a:t>Learning Curve: Experience with Git helps make this easy-</a:t>
+              <a:t>Free up to 5 users</a:t>
+            </a:r>
+          </a:p>
+          <a:p>
+            <a:r>
+              <a:rPr lang="en-US" dirty="0"/>
+              <a:t>Unlimited private repos</a:t>
+            </a:r>
+          </a:p>
+          <a:p>
+            <a:r>
+              <a:rPr lang="en-US" strike="sngStrike" dirty="0"/>
+              <a:t>No public repositories! </a:t>
+            </a:r>
+            <a:r>
+              <a:rPr lang="en-US" dirty="0"/>
+              <a:t>Public Repositories are in preview as of this writing.</a:t>
+            </a:r>
+            <a:endParaRPr lang="en-US" strike="sngStrike" dirty="0"/>
+          </a:p>
+          <a:p>
+            <a:r>
+              <a:rPr lang="en-US" dirty="0"/>
+              <a:t>CI/CD pipeline is well developed – no Team City necessary, Octopus Deploy is debatable.</a:t>
+            </a:r>
+          </a:p>
+          <a:p>
+            <a:r>
+              <a:rPr lang="en-US" dirty="0"/>
+              <a:t>Azure is well integrated – great for websites, services, mobile, </a:t>
+            </a:r>
+            <a:r>
+              <a:rPr lang="en-US" dirty="0" err="1"/>
+              <a:t>etc</a:t>
+            </a:r>
+            <a:endParaRPr lang="en-US" dirty="0"/>
+          </a:p>
+          <a:p>
+            <a:r>
+              <a:rPr lang="en-US" dirty="0"/>
+              <a:t>Great choice for small business!</a:t>
+            </a:r>
+          </a:p>
+          <a:p>
+            <a:r>
+              <a:rPr lang="en-US" dirty="0"/>
+              <a:t>Learning Curve: Experience with MS products makes this easy-</a:t>
             </a:r>
             <a:r>
               <a:rPr lang="en-US" dirty="0" err="1"/>
               <a:t>ish</a:t>
             </a:r>
             <a:endParaRPr lang="en-US" dirty="0"/>
-          </a:p>
-          <a:p>
-            <a:endParaRPr lang="en-US" dirty="0"/>
-          </a:p>
-          <a:p>
-            <a:r>
-              <a:rPr lang="en-US" b="1" dirty="0"/>
-              <a:t>EVERY DEVELOPER SHOULD HAVE A GITHUB PROFILE</a:t>
-            </a:r>
-            <a:endParaRPr lang="en-US" dirty="0"/>
-          </a:p>
-          <a:p>
-            <a:pPr lvl="1"/>
-            <a:r>
-              <a:rPr lang="en-US" dirty="0"/>
-              <a:t>Host code you’re proud of</a:t>
-            </a:r>
-          </a:p>
-          <a:p>
-            <a:pPr lvl="1"/>
-            <a:r>
-              <a:rPr lang="en-US" dirty="0"/>
-              <a:t>Fork someone else’s code and make a change</a:t>
-            </a:r>
-          </a:p>
-          <a:p>
-            <a:pPr lvl="1"/>
-            <a:r>
-              <a:rPr lang="en-US" dirty="0"/>
-              <a:t>It’s as good as or better than a resume!</a:t>
-            </a:r>
           </a:p>
         </p:txBody>
       </p:sp>
     </p:spTree>
     <p:extLst>
       <p:ext uri="{BB962C8B-B14F-4D97-AF65-F5344CB8AC3E}">
-        <p14:creationId xmlns:p14="http://schemas.microsoft.com/office/powerpoint/2010/main" val="3303160553"/>
+        <p14:creationId xmlns:p14="http://schemas.microsoft.com/office/powerpoint/2010/main" val="951745335"/>
       </p:ext>
     </p:extLst>
   </p:cSld>
@@ -10125,7 +10139,7 @@
           <p:cNvPr id="2" name="Title 1">
             <a:extLst>
               <a:ext uri="{FF2B5EF4-FFF2-40B4-BE49-F238E27FC236}">
-                <a16:creationId xmlns:a16="http://schemas.microsoft.com/office/drawing/2014/main" id="{4EAC3CEE-55B5-498F-B337-F6698845AD6D}"/>
+                <a16:creationId xmlns:a16="http://schemas.microsoft.com/office/drawing/2014/main" id="{9F5EE912-1E0A-470C-AB7B-2F2CCC87BB2A}"/>
               </a:ext>
             </a:extLst>
           </p:cNvPr>
@@ -10142,10 +10156,9 @@
           <a:lstStyle/>
           <a:p>
             <a:r>
-              <a:rPr lang="en-US" dirty="0" err="1"/>
-              <a:t>BitBucket</a:t>
-            </a:r>
-            <a:endParaRPr lang="en-US" dirty="0"/>
+              <a:rPr lang="en-US" dirty="0"/>
+              <a:t>Github</a:t>
+            </a:r>
           </a:p>
         </p:txBody>
       </p:sp>
@@ -10154,7 +10167,7 @@
           <p:cNvPr id="3" name="Content Placeholder 2">
             <a:extLst>
               <a:ext uri="{FF2B5EF4-FFF2-40B4-BE49-F238E27FC236}">
-                <a16:creationId xmlns:a16="http://schemas.microsoft.com/office/drawing/2014/main" id="{A230217E-4487-403E-9114-3429E27BD4A2}"/>
+                <a16:creationId xmlns:a16="http://schemas.microsoft.com/office/drawing/2014/main" id="{64252670-4F73-4792-B175-6F43FDE66830}"/>
               </a:ext>
             </a:extLst>
           </p:cNvPr>
@@ -10167,12 +10180,14 @@
         </p:nvSpPr>
         <p:spPr/>
         <p:txBody>
-          <a:bodyPr/>
+          <a:bodyPr>
+            <a:normAutofit lnSpcReduction="10000"/>
+          </a:bodyPr>
           <a:lstStyle/>
           <a:p>
             <a:r>
               <a:rPr lang="en-US" dirty="0"/>
-              <a:t>Free up to 5 users</a:t>
+              <a:t>Most widely used hosting platform</a:t>
             </a:r>
           </a:p>
           <a:p>
@@ -10184,24 +10199,63 @@
           <a:p>
             <a:r>
               <a:rPr lang="en-US" dirty="0"/>
-              <a:t>Unlimited private repositories</a:t>
-            </a:r>
-          </a:p>
-          <a:p>
-            <a:r>
-              <a:rPr lang="en-US" dirty="0"/>
-              <a:t>Pricing beyond 5 users is roughly $1/month/user</a:t>
-            </a:r>
-          </a:p>
-          <a:p>
+              <a:t>$7/month personal account with unlimited private repositories</a:t>
+            </a:r>
+          </a:p>
+          <a:p>
+            <a:r>
+              <a:rPr lang="en-US" dirty="0"/>
+              <a:t>Enterprise plans allow on-premises hosted solutions.</a:t>
+            </a:r>
+          </a:p>
+          <a:p>
+            <a:r>
+              <a:rPr lang="en-US" dirty="0"/>
+              <a:t>Learning Curve: Experience with Git helps make this easy-</a:t>
+            </a:r>
+            <a:r>
+              <a:rPr lang="en-US" dirty="0" err="1"/>
+              <a:t>ish</a:t>
+            </a:r>
             <a:endParaRPr lang="en-US" dirty="0"/>
+          </a:p>
+          <a:p>
+            <a:endParaRPr lang="en-US" dirty="0"/>
+          </a:p>
+          <a:p>
+            <a:r>
+              <a:rPr lang="en-US" b="1" dirty="0"/>
+              <a:t>EVERY DEVELOPER SHOULD HAVE A GITHUB PROFILE</a:t>
+            </a:r>
+            <a:endParaRPr lang="en-US" dirty="0"/>
+          </a:p>
+          <a:p>
+            <a:pPr lvl="1"/>
+            <a:r>
+              <a:rPr lang="en-US" dirty="0"/>
+              <a:t>Host code you’re proud of</a:t>
+            </a:r>
+          </a:p>
+          <a:p>
+            <a:pPr lvl="1"/>
+            <a:r>
+              <a:rPr lang="en-US" dirty="0"/>
+              <a:t>Fork someone else’s code and make a change</a:t>
+            </a:r>
+          </a:p>
+          <a:p>
+            <a:pPr lvl="1"/>
+            <a:r>
+              <a:rPr lang="en-US" dirty="0"/>
+              <a:t>It’s as good as or better than a resume!</a:t>
+            </a:r>
           </a:p>
         </p:txBody>
       </p:sp>
     </p:spTree>
     <p:extLst>
       <p:ext uri="{BB962C8B-B14F-4D97-AF65-F5344CB8AC3E}">
-        <p14:creationId xmlns:p14="http://schemas.microsoft.com/office/powerpoint/2010/main" val="2402215412"/>
+        <p14:creationId xmlns:p14="http://schemas.microsoft.com/office/powerpoint/2010/main" val="3303160553"/>
       </p:ext>
     </p:extLst>
   </p:cSld>
@@ -10276,7 +10330,7 @@
             </a:br>
             <a:r>
               <a:rPr lang="en-US" i="1" dirty="0"/>
-              <a:t>Clear Measure</a:t>
+              <a:t>Surge</a:t>
             </a:r>
           </a:p>
           <a:p>
@@ -10406,7 +10460,7 @@
           <p:cNvPr id="2" name="Title 1">
             <a:extLst>
               <a:ext uri="{FF2B5EF4-FFF2-40B4-BE49-F238E27FC236}">
-                <a16:creationId xmlns:a16="http://schemas.microsoft.com/office/drawing/2014/main" id="{6174851A-8287-468C-9577-53577DE4E1C5}"/>
+                <a16:creationId xmlns:a16="http://schemas.microsoft.com/office/drawing/2014/main" id="{4EAC3CEE-55B5-498F-B337-F6698845AD6D}"/>
               </a:ext>
             </a:extLst>
           </p:cNvPr>
@@ -10423,9 +10477,10 @@
           <a:lstStyle/>
           <a:p>
             <a:r>
-              <a:rPr lang="en-US" dirty="0"/>
-              <a:t>Host roundup</a:t>
-            </a:r>
+              <a:rPr lang="en-US" dirty="0" err="1"/>
+              <a:t>BitBucket</a:t>
+            </a:r>
+            <a:endParaRPr lang="en-US" dirty="0"/>
           </a:p>
         </p:txBody>
       </p:sp>
@@ -10434,7 +10489,7 @@
           <p:cNvPr id="3" name="Content Placeholder 2">
             <a:extLst>
               <a:ext uri="{FF2B5EF4-FFF2-40B4-BE49-F238E27FC236}">
-                <a16:creationId xmlns:a16="http://schemas.microsoft.com/office/drawing/2014/main" id="{A031299B-ADFE-4523-8946-52288916B63F}"/>
+                <a16:creationId xmlns:a16="http://schemas.microsoft.com/office/drawing/2014/main" id="{A230217E-4487-403E-9114-3429E27BD4A2}"/>
               </a:ext>
             </a:extLst>
           </p:cNvPr>
@@ -10452,40 +10507,36 @@
           <a:p>
             <a:r>
               <a:rPr lang="en-US" dirty="0"/>
-              <a:t>Choose Github for your open-source, publicly-viewable projects</a:t>
-            </a:r>
-          </a:p>
-          <a:p>
-            <a:r>
-              <a:rPr lang="en-US" dirty="0"/>
-              <a:t>Choose VSTS for company projects, or for running the CI/CD builds on your GitHub repo (Yes, you can do BOTH!)</a:t>
-            </a:r>
-          </a:p>
-          <a:p>
-            <a:r>
-              <a:rPr lang="en-US" dirty="0" err="1"/>
-              <a:t>BitBucket</a:t>
-            </a:r>
-            <a:r>
-              <a:rPr lang="en-US" dirty="0"/>
-              <a:t> offers a nice alternative to Github, but is not as well known. Mileage may vary.</a:t>
+              <a:t>Free up to 5 users</a:t>
+            </a:r>
+          </a:p>
+          <a:p>
+            <a:r>
+              <a:rPr lang="en-US" dirty="0"/>
+              <a:t>Unlimited public repositories</a:t>
+            </a:r>
+          </a:p>
+          <a:p>
+            <a:r>
+              <a:rPr lang="en-US" dirty="0"/>
+              <a:t>Unlimited private repositories</a:t>
+            </a:r>
+          </a:p>
+          <a:p>
+            <a:r>
+              <a:rPr lang="en-US" dirty="0"/>
+              <a:t>Pricing beyond 5 users is roughly $1/month/user</a:t>
             </a:r>
           </a:p>
           <a:p>
             <a:endParaRPr lang="en-US" dirty="0"/>
-          </a:p>
-          <a:p>
-            <a:r>
-              <a:rPr lang="en-US" dirty="0"/>
-              <a:t>AWS is offering some interesting new options</a:t>
-            </a:r>
           </a:p>
         </p:txBody>
       </p:sp>
     </p:spTree>
     <p:extLst>
       <p:ext uri="{BB962C8B-B14F-4D97-AF65-F5344CB8AC3E}">
-        <p14:creationId xmlns:p14="http://schemas.microsoft.com/office/powerpoint/2010/main" val="2372600824"/>
+        <p14:creationId xmlns:p14="http://schemas.microsoft.com/office/powerpoint/2010/main" val="2402215412"/>
       </p:ext>
     </p:extLst>
   </p:cSld>
@@ -10517,7 +10568,7 @@
           <p:cNvPr id="2" name="Title 1">
             <a:extLst>
               <a:ext uri="{FF2B5EF4-FFF2-40B4-BE49-F238E27FC236}">
-                <a16:creationId xmlns:a16="http://schemas.microsoft.com/office/drawing/2014/main" id="{009C8563-8243-4BD7-A153-2AF7C9C016E2}"/>
+                <a16:creationId xmlns:a16="http://schemas.microsoft.com/office/drawing/2014/main" id="{6174851A-8287-468C-9577-53577DE4E1C5}"/>
               </a:ext>
             </a:extLst>
           </p:cNvPr>
@@ -10535,17 +10586,17 @@
           <a:p>
             <a:r>
               <a:rPr lang="en-US" dirty="0"/>
-              <a:t>Branching and Merging</a:t>
-            </a:r>
-          </a:p>
-        </p:txBody>
-      </p:sp>
-      <p:sp>
-        <p:nvSpPr>
-          <p:cNvPr id="3" name="Text Placeholder 2">
+              <a:t>Host roundup</a:t>
+            </a:r>
+          </a:p>
+        </p:txBody>
+      </p:sp>
+      <p:sp>
+        <p:nvSpPr>
+          <p:cNvPr id="3" name="Content Placeholder 2">
             <a:extLst>
               <a:ext uri="{FF2B5EF4-FFF2-40B4-BE49-F238E27FC236}">
-                <a16:creationId xmlns:a16="http://schemas.microsoft.com/office/drawing/2014/main" id="{182F19D3-529A-4D24-A8A1-8F63D0085728}"/>
+                <a16:creationId xmlns:a16="http://schemas.microsoft.com/office/drawing/2014/main" id="{A031299B-ADFE-4523-8946-52288916B63F}"/>
               </a:ext>
             </a:extLst>
           </p:cNvPr>
@@ -10553,7 +10604,7 @@
             <a:spLocks noGrp="1"/>
           </p:cNvSpPr>
           <p:nvPr>
-            <p:ph type="body" idx="1"/>
+            <p:ph idx="1"/>
           </p:nvPr>
         </p:nvSpPr>
         <p:spPr/>
@@ -10563,7 +10614,40 @@
           <a:p>
             <a:r>
               <a:rPr lang="en-US" dirty="0"/>
-              <a:t>How to stay sane</a:t>
+              <a:t>Choose Github for your open-source, publicly-viewable projects</a:t>
+            </a:r>
+          </a:p>
+          <a:p>
+            <a:r>
+              <a:rPr lang="en-US" dirty="0"/>
+              <a:t>Choose Azure </a:t>
+            </a:r>
+            <a:r>
+              <a:rPr lang="en-US" dirty="0" err="1"/>
+              <a:t>Devops</a:t>
+            </a:r>
+            <a:r>
+              <a:rPr lang="en-US" dirty="0"/>
+              <a:t> for company projects, or for running the CI/CD builds on your GitHub repo (Yes, you can do BOTH!)</a:t>
+            </a:r>
+          </a:p>
+          <a:p>
+            <a:r>
+              <a:rPr lang="en-US" dirty="0" err="1"/>
+              <a:t>BitBucket</a:t>
+            </a:r>
+            <a:r>
+              <a:rPr lang="en-US" dirty="0"/>
+              <a:t> offers a nice alternative to Github, but is not as well known. Mileage may vary.</a:t>
+            </a:r>
+          </a:p>
+          <a:p>
+            <a:endParaRPr lang="en-US" dirty="0"/>
+          </a:p>
+          <a:p>
+            <a:r>
+              <a:rPr lang="en-US" dirty="0"/>
+              <a:t>AWS is offering some interesting new options</a:t>
             </a:r>
           </a:p>
         </p:txBody>
@@ -10571,7 +10655,7 @@
     </p:spTree>
     <p:extLst>
       <p:ext uri="{BB962C8B-B14F-4D97-AF65-F5344CB8AC3E}">
-        <p14:creationId xmlns:p14="http://schemas.microsoft.com/office/powerpoint/2010/main" val="3084031404"/>
+        <p14:creationId xmlns:p14="http://schemas.microsoft.com/office/powerpoint/2010/main" val="2372600824"/>
       </p:ext>
     </p:extLst>
   </p:cSld>
@@ -10600,10 +10684,10 @@
       </p:grpSpPr>
       <p:sp>
         <p:nvSpPr>
-          <p:cNvPr id="4" name="Title 3">
+          <p:cNvPr id="2" name="Title 1">
             <a:extLst>
               <a:ext uri="{FF2B5EF4-FFF2-40B4-BE49-F238E27FC236}">
-                <a16:creationId xmlns:a16="http://schemas.microsoft.com/office/drawing/2014/main" id="{B4D0A662-C37A-473D-A246-0D681A71BA66}"/>
+                <a16:creationId xmlns:a16="http://schemas.microsoft.com/office/drawing/2014/main" id="{009C8563-8243-4BD7-A153-2AF7C9C016E2}"/>
               </a:ext>
             </a:extLst>
           </p:cNvPr>
@@ -10621,66 +10705,43 @@
           <a:p>
             <a:r>
               <a:rPr lang="en-US" dirty="0"/>
-              <a:t>Gitflow</a:t>
-            </a:r>
-          </a:p>
-        </p:txBody>
-      </p:sp>
-      <p:pic>
-        <p:nvPicPr>
-          <p:cNvPr id="7" name="Content Placeholder 6">
+              <a:t>Branching and Merging</a:t>
+            </a:r>
+          </a:p>
+        </p:txBody>
+      </p:sp>
+      <p:sp>
+        <p:nvSpPr>
+          <p:cNvPr id="3" name="Text Placeholder 2">
             <a:extLst>
               <a:ext uri="{FF2B5EF4-FFF2-40B4-BE49-F238E27FC236}">
-                <a16:creationId xmlns:a16="http://schemas.microsoft.com/office/drawing/2014/main" id="{EEB5084E-8EDB-474F-8DAC-73F4A7AF336D}"/>
+                <a16:creationId xmlns:a16="http://schemas.microsoft.com/office/drawing/2014/main" id="{182F19D3-529A-4D24-A8A1-8F63D0085728}"/>
               </a:ext>
             </a:extLst>
           </p:cNvPr>
-          <p:cNvPicPr>
-            <a:picLocks noGrp="1" noChangeAspect="1"/>
-          </p:cNvPicPr>
-          <p:nvPr>
-            <p:ph idx="1"/>
-          </p:nvPr>
-        </p:nvPicPr>
-        <p:blipFill>
-          <a:blip r:embed="rId2">
-            <a:extLst>
-              <a:ext uri="{28A0092B-C50C-407E-A947-70E740481C1C}">
-                <a14:useLocalDpi xmlns:a14="http://schemas.microsoft.com/office/drawing/2010/main" val="0"/>
-              </a:ext>
-              <a:ext uri="{96DAC541-7B7A-43D3-8B79-37D633B846F1}">
-                <asvg:svgBlip xmlns:asvg="http://schemas.microsoft.com/office/drawing/2016/SVG/main" r:embed="rId3"/>
-              </a:ext>
-            </a:extLst>
-          </a:blip>
-          <a:stretch>
-            <a:fillRect/>
-          </a:stretch>
-        </p:blipFill>
-        <p:spPr bwMode="auto">
-          <a:xfrm>
-            <a:off x="3063709" y="1825625"/>
-            <a:ext cx="6064582" cy="4351338"/>
-          </a:xfrm>
-          <a:prstGeom prst="rect">
-            <a:avLst/>
-          </a:prstGeom>
-          <a:noFill/>
-          <a:extLst>
-            <a:ext uri="{909E8E84-426E-40DD-AFC4-6F175D3DCCD1}">
-              <a14:hiddenFill xmlns:a14="http://schemas.microsoft.com/office/drawing/2010/main">
-                <a:solidFill>
-                  <a:srgbClr val="FFFFFF"/>
-                </a:solidFill>
-              </a14:hiddenFill>
-            </a:ext>
-          </a:extLst>
-        </p:spPr>
-      </p:pic>
+          <p:cNvSpPr>
+            <a:spLocks noGrp="1"/>
+          </p:cNvSpPr>
+          <p:nvPr>
+            <p:ph type="body" idx="1"/>
+          </p:nvPr>
+        </p:nvSpPr>
+        <p:spPr/>
+        <p:txBody>
+          <a:bodyPr/>
+          <a:lstStyle/>
+          <a:p>
+            <a:r>
+              <a:rPr lang="en-US" dirty="0"/>
+              <a:t>How to stay sane</a:t>
+            </a:r>
+          </a:p>
+        </p:txBody>
+      </p:sp>
     </p:spTree>
     <p:extLst>
       <p:ext uri="{BB962C8B-B14F-4D97-AF65-F5344CB8AC3E}">
-        <p14:creationId xmlns:p14="http://schemas.microsoft.com/office/powerpoint/2010/main" val="2377605413"/>
+        <p14:creationId xmlns:p14="http://schemas.microsoft.com/office/powerpoint/2010/main" val="3084031404"/>
       </p:ext>
     </p:extLst>
   </p:cSld>
@@ -10709,10 +10770,10 @@
       </p:grpSpPr>
       <p:sp>
         <p:nvSpPr>
-          <p:cNvPr id="2" name="Title 1">
+          <p:cNvPr id="4" name="Title 3">
             <a:extLst>
               <a:ext uri="{FF2B5EF4-FFF2-40B4-BE49-F238E27FC236}">
-                <a16:creationId xmlns:a16="http://schemas.microsoft.com/office/drawing/2014/main" id="{CC4A54E6-05F8-4D89-971E-BC053D209B94}"/>
+                <a16:creationId xmlns:a16="http://schemas.microsoft.com/office/drawing/2014/main" id="{B4D0A662-C37A-473D-A246-0D681A71BA66}"/>
               </a:ext>
             </a:extLst>
           </p:cNvPr>
@@ -10730,17 +10791,17 @@
           <a:p>
             <a:r>
               <a:rPr lang="en-US" dirty="0"/>
-              <a:t>Github Flow</a:t>
+              <a:t>Gitflow</a:t>
             </a:r>
           </a:p>
         </p:txBody>
       </p:sp>
       <p:pic>
         <p:nvPicPr>
-          <p:cNvPr id="5" name="Content Placeholder 4">
+          <p:cNvPr id="7" name="Content Placeholder 6">
             <a:extLst>
               <a:ext uri="{FF2B5EF4-FFF2-40B4-BE49-F238E27FC236}">
-                <a16:creationId xmlns:a16="http://schemas.microsoft.com/office/drawing/2014/main" id="{7A2BCEFD-3342-43C1-B40B-42DE90C5E3F6}"/>
+                <a16:creationId xmlns:a16="http://schemas.microsoft.com/office/drawing/2014/main" id="{EEB5084E-8EDB-474F-8DAC-73F4A7AF336D}"/>
               </a:ext>
             </a:extLst>
           </p:cNvPr>
@@ -10757,23 +10818,39 @@
               <a:ext uri="{28A0092B-C50C-407E-A947-70E740481C1C}">
                 <a14:useLocalDpi xmlns:a14="http://schemas.microsoft.com/office/drawing/2010/main" val="0"/>
               </a:ext>
+              <a:ext uri="{96DAC541-7B7A-43D3-8B79-37D633B846F1}">
+                <asvg:svgBlip xmlns:asvg="http://schemas.microsoft.com/office/drawing/2016/SVG/main" r:embed="rId3"/>
+              </a:ext>
             </a:extLst>
           </a:blip>
           <a:stretch>
             <a:fillRect/>
           </a:stretch>
         </p:blipFill>
-        <p:spPr>
-          <a:xfrm>
-            <a:off x="838200" y="2678073"/>
-            <a:ext cx="10515600" cy="2646442"/>
-          </a:xfrm>
+        <p:spPr bwMode="auto">
+          <a:xfrm>
+            <a:off x="3063709" y="1825625"/>
+            <a:ext cx="6064582" cy="4351338"/>
+          </a:xfrm>
+          <a:prstGeom prst="rect">
+            <a:avLst/>
+          </a:prstGeom>
+          <a:noFill/>
+          <a:extLst>
+            <a:ext uri="{909E8E84-426E-40DD-AFC4-6F175D3DCCD1}">
+              <a14:hiddenFill xmlns:a14="http://schemas.microsoft.com/office/drawing/2010/main">
+                <a:solidFill>
+                  <a:srgbClr val="FFFFFF"/>
+                </a:solidFill>
+              </a14:hiddenFill>
+            </a:ext>
+          </a:extLst>
         </p:spPr>
       </p:pic>
     </p:spTree>
     <p:extLst>
       <p:ext uri="{BB962C8B-B14F-4D97-AF65-F5344CB8AC3E}">
-        <p14:creationId xmlns:p14="http://schemas.microsoft.com/office/powerpoint/2010/main" val="3213113248"/>
+        <p14:creationId xmlns:p14="http://schemas.microsoft.com/office/powerpoint/2010/main" val="2377605413"/>
       </p:ext>
     </p:extLst>
   </p:cSld>
@@ -10805,7 +10882,7 @@
           <p:cNvPr id="2" name="Title 1">
             <a:extLst>
               <a:ext uri="{FF2B5EF4-FFF2-40B4-BE49-F238E27FC236}">
-                <a16:creationId xmlns:a16="http://schemas.microsoft.com/office/drawing/2014/main" id="{F220168B-851B-448D-B065-1390D2D73C20}"/>
+                <a16:creationId xmlns:a16="http://schemas.microsoft.com/office/drawing/2014/main" id="{CC4A54E6-05F8-4D89-971E-BC053D209B94}"/>
               </a:ext>
             </a:extLst>
           </p:cNvPr>
@@ -10823,40 +10900,50 @@
           <a:p>
             <a:r>
               <a:rPr lang="en-US" dirty="0"/>
-              <a:t>Common UI Tools</a:t>
-            </a:r>
-          </a:p>
-        </p:txBody>
-      </p:sp>
-      <p:sp>
-        <p:nvSpPr>
-          <p:cNvPr id="3" name="Text Placeholder 2">
+              <a:t>Github Flow</a:t>
+            </a:r>
+          </a:p>
+        </p:txBody>
+      </p:sp>
+      <p:pic>
+        <p:nvPicPr>
+          <p:cNvPr id="5" name="Content Placeholder 4">
             <a:extLst>
               <a:ext uri="{FF2B5EF4-FFF2-40B4-BE49-F238E27FC236}">
-                <a16:creationId xmlns:a16="http://schemas.microsoft.com/office/drawing/2014/main" id="{1471B88D-28C1-4B4E-A5A7-4BC5DECCA821}"/>
+                <a16:creationId xmlns:a16="http://schemas.microsoft.com/office/drawing/2014/main" id="{7A2BCEFD-3342-43C1-B40B-42DE90C5E3F6}"/>
               </a:ext>
             </a:extLst>
           </p:cNvPr>
-          <p:cNvSpPr>
-            <a:spLocks noGrp="1"/>
-          </p:cNvSpPr>
-          <p:nvPr>
-            <p:ph type="body" idx="1"/>
-          </p:nvPr>
-        </p:nvSpPr>
-        <p:spPr/>
-        <p:txBody>
-          <a:bodyPr/>
-          <a:lstStyle/>
-          <a:p>
-            <a:endParaRPr lang="en-US"/>
-          </a:p>
-        </p:txBody>
-      </p:sp>
+          <p:cNvPicPr>
+            <a:picLocks noGrp="1" noChangeAspect="1"/>
+          </p:cNvPicPr>
+          <p:nvPr>
+            <p:ph idx="1"/>
+          </p:nvPr>
+        </p:nvPicPr>
+        <p:blipFill>
+          <a:blip r:embed="rId2">
+            <a:extLst>
+              <a:ext uri="{28A0092B-C50C-407E-A947-70E740481C1C}">
+                <a14:useLocalDpi xmlns:a14="http://schemas.microsoft.com/office/drawing/2010/main" val="0"/>
+              </a:ext>
+            </a:extLst>
+          </a:blip>
+          <a:stretch>
+            <a:fillRect/>
+          </a:stretch>
+        </p:blipFill>
+        <p:spPr>
+          <a:xfrm>
+            <a:off x="838200" y="2678073"/>
+            <a:ext cx="10515600" cy="2646442"/>
+          </a:xfrm>
+        </p:spPr>
+      </p:pic>
     </p:spTree>
     <p:extLst>
       <p:ext uri="{BB962C8B-B14F-4D97-AF65-F5344CB8AC3E}">
-        <p14:creationId xmlns:p14="http://schemas.microsoft.com/office/powerpoint/2010/main" val="384892571"/>
+        <p14:creationId xmlns:p14="http://schemas.microsoft.com/office/powerpoint/2010/main" val="3213113248"/>
       </p:ext>
     </p:extLst>
   </p:cSld>
@@ -10888,7 +10975,7 @@
           <p:cNvPr id="2" name="Title 1">
             <a:extLst>
               <a:ext uri="{FF2B5EF4-FFF2-40B4-BE49-F238E27FC236}">
-                <a16:creationId xmlns:a16="http://schemas.microsoft.com/office/drawing/2014/main" id="{58877F43-7F96-4A05-9192-F72D5998C0FD}"/>
+                <a16:creationId xmlns:a16="http://schemas.microsoft.com/office/drawing/2014/main" id="{F220168B-851B-448D-B065-1390D2D73C20}"/>
               </a:ext>
             </a:extLst>
           </p:cNvPr>
@@ -10906,47 +10993,40 @@
           <a:p>
             <a:r>
               <a:rPr lang="en-US" dirty="0"/>
-              <a:t>The Command Line</a:t>
-            </a:r>
-          </a:p>
-        </p:txBody>
-      </p:sp>
-      <p:pic>
-        <p:nvPicPr>
-          <p:cNvPr id="4" name="Content Placeholder 3">
+              <a:t>Common UI Tools</a:t>
+            </a:r>
+          </a:p>
+        </p:txBody>
+      </p:sp>
+      <p:sp>
+        <p:nvSpPr>
+          <p:cNvPr id="3" name="Text Placeholder 2">
             <a:extLst>
               <a:ext uri="{FF2B5EF4-FFF2-40B4-BE49-F238E27FC236}">
-                <a16:creationId xmlns:a16="http://schemas.microsoft.com/office/drawing/2014/main" id="{58CD5727-155C-4842-B31F-01A46BD28679}"/>
+                <a16:creationId xmlns:a16="http://schemas.microsoft.com/office/drawing/2014/main" id="{1471B88D-28C1-4B4E-A5A7-4BC5DECCA821}"/>
               </a:ext>
             </a:extLst>
           </p:cNvPr>
-          <p:cNvPicPr>
-            <a:picLocks noGrp="1" noChangeAspect="1"/>
-          </p:cNvPicPr>
-          <p:nvPr>
-            <p:ph idx="1"/>
-          </p:nvPr>
-        </p:nvPicPr>
-        <p:blipFill>
-          <a:blip r:embed="rId2"/>
-          <a:stretch>
-            <a:fillRect/>
-          </a:stretch>
-        </p:blipFill>
-        <p:spPr>
-          <a:xfrm>
-            <a:off x="2032713" y="1881069"/>
-            <a:ext cx="8126574" cy="4240449"/>
-          </a:xfrm>
-          <a:prstGeom prst="rect">
-            <a:avLst/>
-          </a:prstGeom>
-        </p:spPr>
-      </p:pic>
+          <p:cNvSpPr>
+            <a:spLocks noGrp="1"/>
+          </p:cNvSpPr>
+          <p:nvPr>
+            <p:ph type="body" idx="1"/>
+          </p:nvPr>
+        </p:nvSpPr>
+        <p:spPr/>
+        <p:txBody>
+          <a:bodyPr/>
+          <a:lstStyle/>
+          <a:p>
+            <a:endParaRPr lang="en-US"/>
+          </a:p>
+        </p:txBody>
+      </p:sp>
     </p:spTree>
     <p:extLst>
       <p:ext uri="{BB962C8B-B14F-4D97-AF65-F5344CB8AC3E}">
-        <p14:creationId xmlns:p14="http://schemas.microsoft.com/office/powerpoint/2010/main" val="1978598311"/>
+        <p14:creationId xmlns:p14="http://schemas.microsoft.com/office/powerpoint/2010/main" val="384892571"/>
       </p:ext>
     </p:extLst>
   </p:cSld>
@@ -10978,7 +11058,7 @@
           <p:cNvPr id="2" name="Title 1">
             <a:extLst>
               <a:ext uri="{FF2B5EF4-FFF2-40B4-BE49-F238E27FC236}">
-                <a16:creationId xmlns:a16="http://schemas.microsoft.com/office/drawing/2014/main" id="{6F065B9B-DF9F-4EE1-A34B-B214540B13E1}"/>
+                <a16:creationId xmlns:a16="http://schemas.microsoft.com/office/drawing/2014/main" id="{58877F43-7F96-4A05-9192-F72D5998C0FD}"/>
               </a:ext>
             </a:extLst>
           </p:cNvPr>
@@ -11001,79 +11081,42 @@
           </a:p>
         </p:txBody>
       </p:sp>
-      <p:sp>
-        <p:nvSpPr>
-          <p:cNvPr id="3" name="Content Placeholder 2">
+      <p:pic>
+        <p:nvPicPr>
+          <p:cNvPr id="4" name="Content Placeholder 3">
             <a:extLst>
               <a:ext uri="{FF2B5EF4-FFF2-40B4-BE49-F238E27FC236}">
-                <a16:creationId xmlns:a16="http://schemas.microsoft.com/office/drawing/2014/main" id="{C45A14B0-644B-4112-AA76-B2906EAB6FFB}"/>
+                <a16:creationId xmlns:a16="http://schemas.microsoft.com/office/drawing/2014/main" id="{58CD5727-155C-4842-B31F-01A46BD28679}"/>
               </a:ext>
             </a:extLst>
           </p:cNvPr>
-          <p:cNvSpPr>
-            <a:spLocks noGrp="1"/>
-          </p:cNvSpPr>
+          <p:cNvPicPr>
+            <a:picLocks noGrp="1" noChangeAspect="1"/>
+          </p:cNvPicPr>
           <p:nvPr>
             <p:ph idx="1"/>
           </p:nvPr>
-        </p:nvSpPr>
-        <p:spPr/>
-        <p:txBody>
-          <a:bodyPr/>
-          <a:lstStyle/>
-          <a:p>
-            <a:r>
-              <a:rPr lang="en-US" dirty="0"/>
-              <a:t>Advantages</a:t>
-            </a:r>
-          </a:p>
-          <a:p>
-            <a:pPr lvl="1"/>
-            <a:r>
-              <a:rPr lang="en-US" dirty="0"/>
-              <a:t>Ubiquitous</a:t>
-            </a:r>
-          </a:p>
-          <a:p>
-            <a:pPr lvl="1"/>
-            <a:r>
-              <a:rPr lang="en-US" dirty="0"/>
-              <a:t>Easy to find solutions, answers, hints</a:t>
-            </a:r>
-          </a:p>
-          <a:p>
-            <a:pPr lvl="1"/>
-            <a:r>
-              <a:rPr lang="en-US" dirty="0"/>
-              <a:t>It’s always there</a:t>
-            </a:r>
-          </a:p>
-          <a:p>
-            <a:r>
-              <a:rPr lang="en-US" dirty="0"/>
-              <a:t>Disadvantages</a:t>
-            </a:r>
-          </a:p>
-          <a:p>
-            <a:pPr lvl="1"/>
-            <a:r>
-              <a:rPr lang="en-US" dirty="0"/>
-              <a:t>It’s the command line.</a:t>
-            </a:r>
-          </a:p>
-          <a:p>
-            <a:pPr lvl="1"/>
-            <a:r>
-              <a:rPr lang="en-US" dirty="0"/>
-              <a:t>Seriously though… it’s the command line.</a:t>
-            </a:r>
-          </a:p>
-        </p:txBody>
-      </p:sp>
+        </p:nvPicPr>
+        <p:blipFill>
+          <a:blip r:embed="rId2"/>
+          <a:stretch>
+            <a:fillRect/>
+          </a:stretch>
+        </p:blipFill>
+        <p:spPr>
+          <a:xfrm>
+            <a:off x="2032713" y="1881069"/>
+            <a:ext cx="8126574" cy="4240449"/>
+          </a:xfrm>
+          <a:prstGeom prst="rect">
+            <a:avLst/>
+          </a:prstGeom>
+        </p:spPr>
+      </p:pic>
     </p:spTree>
     <p:extLst>
       <p:ext uri="{BB962C8B-B14F-4D97-AF65-F5344CB8AC3E}">
-        <p14:creationId xmlns:p14="http://schemas.microsoft.com/office/powerpoint/2010/main" val="2403642711"/>
+        <p14:creationId xmlns:p14="http://schemas.microsoft.com/office/powerpoint/2010/main" val="1978598311"/>
       </p:ext>
     </p:extLst>
   </p:cSld>
@@ -11105,7 +11148,7 @@
           <p:cNvPr id="2" name="Title 1">
             <a:extLst>
               <a:ext uri="{FF2B5EF4-FFF2-40B4-BE49-F238E27FC236}">
-                <a16:creationId xmlns:a16="http://schemas.microsoft.com/office/drawing/2014/main" id="{52B9E538-2607-48E8-89B9-7E324991C43E}"/>
+                <a16:creationId xmlns:a16="http://schemas.microsoft.com/office/drawing/2014/main" id="{6F065B9B-DF9F-4EE1-A34B-B214540B13E1}"/>
               </a:ext>
             </a:extLst>
           </p:cNvPr>
@@ -11123,47 +11166,84 @@
           <a:p>
             <a:r>
               <a:rPr lang="en-US" dirty="0"/>
-              <a:t>SourceTree</a:t>
-            </a:r>
-          </a:p>
-        </p:txBody>
-      </p:sp>
-      <p:pic>
-        <p:nvPicPr>
-          <p:cNvPr id="4" name="Content Placeholder 3">
+              <a:t>The Command Line</a:t>
+            </a:r>
+          </a:p>
+        </p:txBody>
+      </p:sp>
+      <p:sp>
+        <p:nvSpPr>
+          <p:cNvPr id="3" name="Content Placeholder 2">
             <a:extLst>
               <a:ext uri="{FF2B5EF4-FFF2-40B4-BE49-F238E27FC236}">
-                <a16:creationId xmlns:a16="http://schemas.microsoft.com/office/drawing/2014/main" id="{170692BA-4A52-45A4-AD54-BDE3EB083DF2}"/>
+                <a16:creationId xmlns:a16="http://schemas.microsoft.com/office/drawing/2014/main" id="{C45A14B0-644B-4112-AA76-B2906EAB6FFB}"/>
               </a:ext>
             </a:extLst>
           </p:cNvPr>
-          <p:cNvPicPr>
-            <a:picLocks noGrp="1" noChangeAspect="1"/>
-          </p:cNvPicPr>
+          <p:cNvSpPr>
+            <a:spLocks noGrp="1"/>
+          </p:cNvSpPr>
           <p:nvPr>
             <p:ph idx="1"/>
           </p:nvPr>
-        </p:nvPicPr>
-        <p:blipFill>
-          <a:blip r:embed="rId2"/>
-          <a:stretch>
-            <a:fillRect/>
-          </a:stretch>
-        </p:blipFill>
-        <p:spPr>
-          <a:xfrm>
-            <a:off x="2228144" y="1825625"/>
-            <a:ext cx="7735711" cy="4351338"/>
-          </a:xfrm>
-          <a:prstGeom prst="rect">
-            <a:avLst/>
-          </a:prstGeom>
-        </p:spPr>
-      </p:pic>
+        </p:nvSpPr>
+        <p:spPr/>
+        <p:txBody>
+          <a:bodyPr/>
+          <a:lstStyle/>
+          <a:p>
+            <a:r>
+              <a:rPr lang="en-US" dirty="0"/>
+              <a:t>Advantages</a:t>
+            </a:r>
+          </a:p>
+          <a:p>
+            <a:pPr lvl="1"/>
+            <a:r>
+              <a:rPr lang="en-US" dirty="0"/>
+              <a:t>Ubiquitous</a:t>
+            </a:r>
+          </a:p>
+          <a:p>
+            <a:pPr lvl="1"/>
+            <a:r>
+              <a:rPr lang="en-US" dirty="0"/>
+              <a:t>Easy to find solutions, answers, hints</a:t>
+            </a:r>
+          </a:p>
+          <a:p>
+            <a:pPr lvl="1"/>
+            <a:r>
+              <a:rPr lang="en-US" dirty="0"/>
+              <a:t>It’s always there</a:t>
+            </a:r>
+          </a:p>
+          <a:p>
+            <a:r>
+              <a:rPr lang="en-US" dirty="0"/>
+              <a:t>Disadvantages</a:t>
+            </a:r>
+          </a:p>
+          <a:p>
+            <a:pPr lvl="1"/>
+            <a:r>
+              <a:rPr lang="en-US" dirty="0"/>
+              <a:t>It’s the command line.</a:t>
+            </a:r>
+          </a:p>
+          <a:p>
+            <a:pPr lvl="1"/>
+            <a:r>
+              <a:rPr lang="en-US" dirty="0"/>
+              <a:t>Seriously though… it’s the command line.</a:t>
+            </a:r>
+          </a:p>
+        </p:txBody>
+      </p:sp>
     </p:spTree>
     <p:extLst>
       <p:ext uri="{BB962C8B-B14F-4D97-AF65-F5344CB8AC3E}">
-        <p14:creationId xmlns:p14="http://schemas.microsoft.com/office/powerpoint/2010/main" val="932627191"/>
+        <p14:creationId xmlns:p14="http://schemas.microsoft.com/office/powerpoint/2010/main" val="2403642711"/>
       </p:ext>
     </p:extLst>
   </p:cSld>
@@ -11195,7 +11275,7 @@
           <p:cNvPr id="2" name="Title 1">
             <a:extLst>
               <a:ext uri="{FF2B5EF4-FFF2-40B4-BE49-F238E27FC236}">
-                <a16:creationId xmlns:a16="http://schemas.microsoft.com/office/drawing/2014/main" id="{47F9B615-73A8-454F-BA70-483057F276EF}"/>
+                <a16:creationId xmlns:a16="http://schemas.microsoft.com/office/drawing/2014/main" id="{52B9E538-2607-48E8-89B9-7E324991C43E}"/>
               </a:ext>
             </a:extLst>
           </p:cNvPr>
@@ -11218,83 +11298,42 @@
           </a:p>
         </p:txBody>
       </p:sp>
-      <p:sp>
-        <p:nvSpPr>
-          <p:cNvPr id="3" name="Content Placeholder 2">
+      <p:pic>
+        <p:nvPicPr>
+          <p:cNvPr id="4" name="Content Placeholder 3">
             <a:extLst>
               <a:ext uri="{FF2B5EF4-FFF2-40B4-BE49-F238E27FC236}">
-                <a16:creationId xmlns:a16="http://schemas.microsoft.com/office/drawing/2014/main" id="{FFC99A81-2CCC-44FA-A25B-613AAA5F0C11}"/>
+                <a16:creationId xmlns:a16="http://schemas.microsoft.com/office/drawing/2014/main" id="{170692BA-4A52-45A4-AD54-BDE3EB083DF2}"/>
               </a:ext>
             </a:extLst>
           </p:cNvPr>
-          <p:cNvSpPr>
-            <a:spLocks noGrp="1"/>
-          </p:cNvSpPr>
+          <p:cNvPicPr>
+            <a:picLocks noGrp="1" noChangeAspect="1"/>
+          </p:cNvPicPr>
           <p:nvPr>
             <p:ph idx="1"/>
           </p:nvPr>
-        </p:nvSpPr>
-        <p:spPr/>
-        <p:txBody>
-          <a:bodyPr/>
-          <a:lstStyle/>
-          <a:p>
-            <a:r>
-              <a:rPr lang="en-US" dirty="0"/>
-              <a:t>Advantages</a:t>
-            </a:r>
-          </a:p>
-          <a:p>
-            <a:pPr lvl="1"/>
-            <a:r>
-              <a:rPr lang="en-US" dirty="0"/>
-              <a:t>Common UI</a:t>
-            </a:r>
-          </a:p>
-          <a:p>
-            <a:pPr lvl="1"/>
-            <a:r>
-              <a:rPr lang="en-US" dirty="0"/>
-              <a:t>Easy to use</a:t>
-            </a:r>
-          </a:p>
-          <a:p>
-            <a:pPr lvl="1"/>
-            <a:r>
-              <a:rPr lang="en-US" dirty="0"/>
-              <a:t>Multi-Platform</a:t>
-            </a:r>
-          </a:p>
-          <a:p>
-            <a:r>
-              <a:rPr lang="en-US" dirty="0"/>
-              <a:t>Disadvantages</a:t>
-            </a:r>
-          </a:p>
-          <a:p>
-            <a:pPr lvl="1"/>
-            <a:r>
-              <a:rPr lang="en-US" dirty="0"/>
-              <a:t>Seems to update a LOT – this can be a pain</a:t>
-            </a:r>
-          </a:p>
-          <a:p>
-            <a:pPr lvl="1"/>
-            <a:r>
-              <a:rPr lang="en-US" dirty="0"/>
-              <a:t>Owned by Atlassian, requires </a:t>
-            </a:r>
-            <a:r>
-              <a:rPr lang="en-US"/>
-              <a:t>an account</a:t>
-            </a:r>
-          </a:p>
-        </p:txBody>
-      </p:sp>
+        </p:nvPicPr>
+        <p:blipFill>
+          <a:blip r:embed="rId2"/>
+          <a:stretch>
+            <a:fillRect/>
+          </a:stretch>
+        </p:blipFill>
+        <p:spPr>
+          <a:xfrm>
+            <a:off x="2228144" y="1825625"/>
+            <a:ext cx="7735711" cy="4351338"/>
+          </a:xfrm>
+          <a:prstGeom prst="rect">
+            <a:avLst/>
+          </a:prstGeom>
+        </p:spPr>
+      </p:pic>
     </p:spTree>
     <p:extLst>
       <p:ext uri="{BB962C8B-B14F-4D97-AF65-F5344CB8AC3E}">
-        <p14:creationId xmlns:p14="http://schemas.microsoft.com/office/powerpoint/2010/main" val="105811851"/>
+        <p14:creationId xmlns:p14="http://schemas.microsoft.com/office/powerpoint/2010/main" val="932627191"/>
       </p:ext>
     </p:extLst>
   </p:cSld>
@@ -11326,7 +11365,7 @@
           <p:cNvPr id="2" name="Title 1">
             <a:extLst>
               <a:ext uri="{FF2B5EF4-FFF2-40B4-BE49-F238E27FC236}">
-                <a16:creationId xmlns:a16="http://schemas.microsoft.com/office/drawing/2014/main" id="{BF5778DD-3C07-454D-981B-E4BE4CA84837}"/>
+                <a16:creationId xmlns:a16="http://schemas.microsoft.com/office/drawing/2014/main" id="{47F9B615-73A8-454F-BA70-483057F276EF}"/>
               </a:ext>
             </a:extLst>
           </p:cNvPr>
@@ -11344,7 +11383,7 @@
           <a:p>
             <a:r>
               <a:rPr lang="en-US" dirty="0"/>
-              <a:t>Further Reading</a:t>
+              <a:t>SourceTree</a:t>
             </a:r>
           </a:p>
         </p:txBody>
@@ -11354,7 +11393,7 @@
           <p:cNvPr id="3" name="Content Placeholder 2">
             <a:extLst>
               <a:ext uri="{FF2B5EF4-FFF2-40B4-BE49-F238E27FC236}">
-                <a16:creationId xmlns:a16="http://schemas.microsoft.com/office/drawing/2014/main" id="{E247E0E1-E313-4A40-8C8D-801950F08A6F}"/>
+                <a16:creationId xmlns:a16="http://schemas.microsoft.com/office/drawing/2014/main" id="{FFC99A81-2CCC-44FA-A25B-613AAA5F0C11}"/>
               </a:ext>
             </a:extLst>
           </p:cNvPr>
@@ -11372,66 +11411,60 @@
           <a:p>
             <a:r>
               <a:rPr lang="en-US" dirty="0"/>
-              <a:t>Comparisons of Hosting Platforms</a:t>
+              <a:t>Advantages</a:t>
             </a:r>
           </a:p>
           <a:p>
             <a:pPr lvl="1"/>
             <a:r>
-              <a:rPr lang="en-US" dirty="0">
-                <a:hlinkClick r:id="rId2"/>
-              </a:rPr>
-              <a:t>https://www.funkysi1701.com/2017/03/06/github-vs-bitbucket-vs-vsts/</a:t>
-            </a:r>
-            <a:endParaRPr lang="en-US" dirty="0"/>
+              <a:rPr lang="en-US" dirty="0"/>
+              <a:t>Common UI</a:t>
+            </a:r>
           </a:p>
           <a:p>
             <a:pPr lvl="1"/>
             <a:r>
-              <a:rPr lang="en-US" dirty="0">
-                <a:hlinkClick r:id="rId3"/>
-              </a:rPr>
-              <a:t>https://www.upguard.com/articles/microsoft-visual-studio-team-services-vs-github</a:t>
-            </a:r>
-            <a:r>
-              <a:rPr lang="en-US" dirty="0"/>
-              <a:t> </a:t>
-            </a:r>
-          </a:p>
-          <a:p>
-            <a:r>
-              <a:rPr lang="en-US" dirty="0"/>
-              <a:t>Tips and Tricks</a:t>
+              <a:rPr lang="en-US" dirty="0"/>
+              <a:t>Easy to use</a:t>
             </a:r>
           </a:p>
           <a:p>
             <a:pPr lvl="1"/>
             <a:r>
               <a:rPr lang="en-US" dirty="0"/>
-              <a:t>Sync VSTS and Github: </a:t>
-            </a:r>
-            <a:r>
-              <a:rPr lang="en-US" dirty="0">
-                <a:hlinkClick r:id="rId4"/>
-              </a:rPr>
-              <a:t>https://nkdagility.com/open-source-vsts-tfs-github-better-devops/</a:t>
-            </a:r>
-            <a:endParaRPr lang="en-US" dirty="0"/>
+              <a:t>Multi-Platform</a:t>
+            </a:r>
+          </a:p>
+          <a:p>
+            <a:r>
+              <a:rPr lang="en-US" dirty="0"/>
+              <a:t>Disadvantages</a:t>
+            </a:r>
           </a:p>
           <a:p>
             <a:pPr lvl="1"/>
-            <a:endParaRPr lang="en-US" dirty="0"/>
+            <a:r>
+              <a:rPr lang="en-US" dirty="0"/>
+              <a:t>Seems to update a LOT – this can be a pain</a:t>
+            </a:r>
           </a:p>
           <a:p>
             <a:pPr lvl="1"/>
-            <a:endParaRPr lang="en-US" dirty="0"/>
+            <a:r>
+              <a:rPr lang="en-US" dirty="0"/>
+              <a:t>Owned by Atlassian, requires </a:t>
+            </a:r>
+            <a:r>
+              <a:rPr lang="en-US"/>
+              <a:t>an account</a:t>
+            </a:r>
           </a:p>
         </p:txBody>
       </p:sp>
     </p:spTree>
     <p:extLst>
       <p:ext uri="{BB962C8B-B14F-4D97-AF65-F5344CB8AC3E}">
-        <p14:creationId xmlns:p14="http://schemas.microsoft.com/office/powerpoint/2010/main" val="1356405967"/>
+        <p14:creationId xmlns:p14="http://schemas.microsoft.com/office/powerpoint/2010/main" val="105811851"/>
       </p:ext>
     </p:extLst>
   </p:cSld>
@@ -11572,6 +11605,143 @@
       </p:grpSpPr>
       <p:sp>
         <p:nvSpPr>
+          <p:cNvPr id="2" name="Title 1">
+            <a:extLst>
+              <a:ext uri="{FF2B5EF4-FFF2-40B4-BE49-F238E27FC236}">
+                <a16:creationId xmlns:a16="http://schemas.microsoft.com/office/drawing/2014/main" id="{BF5778DD-3C07-454D-981B-E4BE4CA84837}"/>
+              </a:ext>
+            </a:extLst>
+          </p:cNvPr>
+          <p:cNvSpPr>
+            <a:spLocks noGrp="1"/>
+          </p:cNvSpPr>
+          <p:nvPr>
+            <p:ph type="title"/>
+          </p:nvPr>
+        </p:nvSpPr>
+        <p:spPr/>
+        <p:txBody>
+          <a:bodyPr/>
+          <a:lstStyle/>
+          <a:p>
+            <a:r>
+              <a:rPr lang="en-US" dirty="0"/>
+              <a:t>Further Reading</a:t>
+            </a:r>
+          </a:p>
+        </p:txBody>
+      </p:sp>
+      <p:sp>
+        <p:nvSpPr>
+          <p:cNvPr id="3" name="Content Placeholder 2">
+            <a:extLst>
+              <a:ext uri="{FF2B5EF4-FFF2-40B4-BE49-F238E27FC236}">
+                <a16:creationId xmlns:a16="http://schemas.microsoft.com/office/drawing/2014/main" id="{E247E0E1-E313-4A40-8C8D-801950F08A6F}"/>
+              </a:ext>
+            </a:extLst>
+          </p:cNvPr>
+          <p:cNvSpPr>
+            <a:spLocks noGrp="1"/>
+          </p:cNvSpPr>
+          <p:nvPr>
+            <p:ph idx="1"/>
+          </p:nvPr>
+        </p:nvSpPr>
+        <p:spPr/>
+        <p:txBody>
+          <a:bodyPr/>
+          <a:lstStyle/>
+          <a:p>
+            <a:r>
+              <a:rPr lang="en-US" dirty="0"/>
+              <a:t>Comparisons of Hosting Platforms</a:t>
+            </a:r>
+          </a:p>
+          <a:p>
+            <a:pPr lvl="1"/>
+            <a:r>
+              <a:rPr lang="en-US" dirty="0">
+                <a:hlinkClick r:id="rId2"/>
+              </a:rPr>
+              <a:t>https://www.funkysi1701.com/2017/03/06/github-vs-bitbucket-vs-vsts/</a:t>
+            </a:r>
+            <a:endParaRPr lang="en-US" dirty="0"/>
+          </a:p>
+          <a:p>
+            <a:pPr lvl="1"/>
+            <a:r>
+              <a:rPr lang="en-US" dirty="0">
+                <a:hlinkClick r:id="rId3"/>
+              </a:rPr>
+              <a:t>https://www.upguard.com/articles/microsoft-visual-studio-team-services-vs-github</a:t>
+            </a:r>
+            <a:r>
+              <a:rPr lang="en-US" dirty="0"/>
+              <a:t> </a:t>
+            </a:r>
+          </a:p>
+          <a:p>
+            <a:r>
+              <a:rPr lang="en-US" dirty="0"/>
+              <a:t>Tips and Tricks</a:t>
+            </a:r>
+          </a:p>
+          <a:p>
+            <a:pPr lvl="1"/>
+            <a:r>
+              <a:rPr lang="en-US" dirty="0"/>
+              <a:t>Sync VSTS and Github: </a:t>
+            </a:r>
+            <a:r>
+              <a:rPr lang="en-US" dirty="0">
+                <a:hlinkClick r:id="rId4"/>
+              </a:rPr>
+              <a:t>https://nkdagility.com/open-source-vsts-tfs-github-better-devops/</a:t>
+            </a:r>
+            <a:endParaRPr lang="en-US" dirty="0"/>
+          </a:p>
+          <a:p>
+            <a:pPr lvl="1"/>
+            <a:endParaRPr lang="en-US" dirty="0"/>
+          </a:p>
+          <a:p>
+            <a:pPr lvl="1"/>
+            <a:endParaRPr lang="en-US" dirty="0"/>
+          </a:p>
+        </p:txBody>
+      </p:sp>
+    </p:spTree>
+    <p:extLst>
+      <p:ext uri="{BB962C8B-B14F-4D97-AF65-F5344CB8AC3E}">
+        <p14:creationId xmlns:p14="http://schemas.microsoft.com/office/powerpoint/2010/main" val="1356405967"/>
+      </p:ext>
+    </p:extLst>
+  </p:cSld>
+  <p:clrMapOvr>
+    <a:masterClrMapping/>
+  </p:clrMapOvr>
+</p:sld>
+</file>
+
+<file path=ppt/slides/slide31.xml><?xml version="1.0" encoding="utf-8"?>
+<p:sld xmlns:a="http://schemas.openxmlformats.org/drawingml/2006/main" xmlns:r="http://schemas.openxmlformats.org/officeDocument/2006/relationships" xmlns:p="http://schemas.openxmlformats.org/presentationml/2006/main">
+  <p:cSld>
+    <p:spTree>
+      <p:nvGrpSpPr>
+        <p:cNvPr id="1" name=""/>
+        <p:cNvGrpSpPr/>
+        <p:nvPr/>
+      </p:nvGrpSpPr>
+      <p:grpSpPr>
+        <a:xfrm>
+          <a:off x="0" y="0"/>
+          <a:ext cx="0" cy="0"/>
+          <a:chOff x="0" y="0"/>
+          <a:chExt cx="0" cy="0"/>
+        </a:xfrm>
+      </p:grpSpPr>
+      <p:sp>
+        <p:nvSpPr>
           <p:cNvPr id="6" name="Text Placeholder 5"/>
           <p:cNvSpPr>
             <a:spLocks noGrp="1"/>
@@ -11875,12 +12045,32 @@
         <p:spPr/>
         <p:txBody>
           <a:bodyPr>
-            <a:normAutofit fontScale="77500" lnSpcReduction="20000"/>
+            <a:normAutofit fontScale="70000" lnSpcReduction="20000"/>
           </a:bodyPr>
           <a:lstStyle/>
           <a:p>
             <a:r>
               <a:rPr lang="en-US" dirty="0"/>
+              <a:t>Clone</a:t>
+            </a:r>
+          </a:p>
+          <a:p>
+            <a:pPr lvl="1"/>
+            <a:r>
+              <a:rPr lang="en-US" dirty="0"/>
+              <a:t>Make a local copy of another repository.</a:t>
+            </a:r>
+          </a:p>
+          <a:p>
+            <a:pPr lvl="1"/>
+            <a:r>
+              <a:rPr lang="en-US" dirty="0"/>
+              <a:t>You can clone local repositories – but this is usually done to bring a remote repository to your local workspace.</a:t>
+            </a:r>
+          </a:p>
+          <a:p>
+            <a:r>
+              <a:rPr lang="en-US" dirty="0"/>
               <a:t>Stage </a:t>
             </a:r>
           </a:p>
@@ -11944,7 +12134,7 @@
             <a:pPr lvl="1"/>
             <a:r>
               <a:rPr lang="en-US" dirty="0"/>
-              <a:t>Requires a message describing the change</a:t>
+              <a:t>Requires a message describing the change.</a:t>
             </a:r>
           </a:p>
           <a:p>
@@ -11954,21 +12144,17 @@
             </a:r>
           </a:p>
           <a:p>
-            <a:r>
-              <a:rPr lang="en-US" dirty="0"/>
-              <a:t>Pull</a:t>
-            </a:r>
-          </a:p>
-          <a:p>
-            <a:r>
-              <a:rPr lang="en-US" dirty="0"/>
-              <a:t>Push</a:t>
-            </a:r>
-          </a:p>
-          <a:p>
-            <a:r>
-              <a:rPr lang="en-US" dirty="0"/>
-              <a:t>Sync</a:t>
+            <a:pPr lvl="1"/>
+            <a:r>
+              <a:rPr lang="en-US" dirty="0"/>
+              <a:t>Gets information from the remote source about what is different between you and the remote.</a:t>
+            </a:r>
+          </a:p>
+          <a:p>
+            <a:pPr lvl="1"/>
+            <a:r>
+              <a:rPr lang="en-US" dirty="0"/>
+              <a:t>Does not actually perform a merge operation.</a:t>
             </a:r>
           </a:p>
         </p:txBody>
@@ -12005,6 +12191,128 @@
       </p:grpSpPr>
       <p:sp>
         <p:nvSpPr>
+          <p:cNvPr id="2" name="Title 1">
+            <a:extLst>
+              <a:ext uri="{FF2B5EF4-FFF2-40B4-BE49-F238E27FC236}">
+                <a16:creationId xmlns:a16="http://schemas.microsoft.com/office/drawing/2014/main" id="{7D8352EA-3D30-4FD6-B95D-2F6587E008E5}"/>
+              </a:ext>
+            </a:extLst>
+          </p:cNvPr>
+          <p:cNvSpPr>
+            <a:spLocks noGrp="1"/>
+          </p:cNvSpPr>
+          <p:nvPr>
+            <p:ph type="title"/>
+          </p:nvPr>
+        </p:nvSpPr>
+        <p:spPr/>
+        <p:txBody>
+          <a:bodyPr/>
+          <a:lstStyle/>
+          <a:p>
+            <a:r>
+              <a:rPr lang="en-US" dirty="0"/>
+              <a:t>Terms</a:t>
+            </a:r>
+          </a:p>
+        </p:txBody>
+      </p:sp>
+      <p:sp>
+        <p:nvSpPr>
+          <p:cNvPr id="3" name="Content Placeholder 2">
+            <a:extLst>
+              <a:ext uri="{FF2B5EF4-FFF2-40B4-BE49-F238E27FC236}">
+                <a16:creationId xmlns:a16="http://schemas.microsoft.com/office/drawing/2014/main" id="{8D68AD8E-A1FB-4F18-92E8-A11F0D3844D8}"/>
+              </a:ext>
+            </a:extLst>
+          </p:cNvPr>
+          <p:cNvSpPr>
+            <a:spLocks noGrp="1"/>
+          </p:cNvSpPr>
+          <p:nvPr>
+            <p:ph idx="1"/>
+          </p:nvPr>
+        </p:nvSpPr>
+        <p:spPr/>
+        <p:txBody>
+          <a:bodyPr/>
+          <a:lstStyle/>
+          <a:p>
+            <a:r>
+              <a:rPr lang="en-US" dirty="0"/>
+              <a:t>Pull</a:t>
+            </a:r>
+          </a:p>
+          <a:p>
+            <a:pPr lvl="1"/>
+            <a:r>
+              <a:rPr lang="en-US" dirty="0"/>
+              <a:t>Merges changes on the remote repository with your local repository.</a:t>
+            </a:r>
+          </a:p>
+          <a:p>
+            <a:r>
+              <a:rPr lang="en-US" dirty="0"/>
+              <a:t>Push</a:t>
+            </a:r>
+          </a:p>
+          <a:p>
+            <a:pPr lvl="1"/>
+            <a:r>
+              <a:rPr lang="en-US" dirty="0"/>
+              <a:t>Replicates your changes to the remote repository.</a:t>
+            </a:r>
+          </a:p>
+          <a:p>
+            <a:r>
+              <a:rPr lang="en-US" dirty="0"/>
+              <a:t>Sync</a:t>
+            </a:r>
+          </a:p>
+          <a:p>
+            <a:pPr lvl="1"/>
+            <a:r>
+              <a:rPr lang="en-US" dirty="0"/>
+              <a:t>If you do a push and a pull, you have synced the repositories.</a:t>
+            </a:r>
+          </a:p>
+          <a:p>
+            <a:endParaRPr lang="en-US" dirty="0"/>
+          </a:p>
+        </p:txBody>
+      </p:sp>
+    </p:spTree>
+    <p:extLst>
+      <p:ext uri="{BB962C8B-B14F-4D97-AF65-F5344CB8AC3E}">
+        <p14:creationId xmlns:p14="http://schemas.microsoft.com/office/powerpoint/2010/main" val="2795945886"/>
+      </p:ext>
+    </p:extLst>
+  </p:cSld>
+  <p:clrMapOvr>
+    <a:masterClrMapping/>
+  </p:clrMapOvr>
+</p:sld>
+</file>
+
+<file path=ppt/slides/slide8.xml><?xml version="1.0" encoding="utf-8"?>
+<p:sld xmlns:a="http://schemas.openxmlformats.org/drawingml/2006/main" xmlns:r="http://schemas.openxmlformats.org/officeDocument/2006/relationships" xmlns:p="http://schemas.openxmlformats.org/presentationml/2006/main">
+  <p:cSld>
+    <p:spTree>
+      <p:nvGrpSpPr>
+        <p:cNvPr id="1" name=""/>
+        <p:cNvGrpSpPr/>
+        <p:nvPr/>
+      </p:nvGrpSpPr>
+      <p:grpSpPr>
+        <a:xfrm>
+          <a:off x="0" y="0"/>
+          <a:ext cx="0" cy="0"/>
+          <a:chOff x="0" y="0"/>
+          <a:chExt cx="0" cy="0"/>
+        </a:xfrm>
+      </p:grpSpPr>
+      <p:sp>
+        <p:nvSpPr>
           <p:cNvPr id="4" name="Title 3">
             <a:extLst>
               <a:ext uri="{FF2B5EF4-FFF2-40B4-BE49-F238E27FC236}">
@@ -12129,7 +12437,7 @@
 </p:sld>
 </file>
 
-<file path=ppt/slides/slide8.xml><?xml version="1.0" encoding="utf-8"?>
+<file path=ppt/slides/slide9.xml><?xml version="1.0" encoding="utf-8"?>
 <p:sld xmlns:a="http://schemas.openxmlformats.org/drawingml/2006/main" xmlns:r="http://schemas.openxmlformats.org/officeDocument/2006/relationships" xmlns:p="http://schemas.openxmlformats.org/presentationml/2006/main">
   <p:cSld>
     <p:spTree>
@@ -12258,116 +12566,6 @@
     <p:extLst>
       <p:ext uri="{BB962C8B-B14F-4D97-AF65-F5344CB8AC3E}">
         <p14:creationId xmlns:p14="http://schemas.microsoft.com/office/powerpoint/2010/main" val="2467824290"/>
-      </p:ext>
-    </p:extLst>
-  </p:cSld>
-  <p:clrMapOvr>
-    <a:masterClrMapping/>
-  </p:clrMapOvr>
-</p:sld>
-</file>
-
-<file path=ppt/slides/slide9.xml><?xml version="1.0" encoding="utf-8"?>
-<p:sld xmlns:a="http://schemas.openxmlformats.org/drawingml/2006/main" xmlns:r="http://schemas.openxmlformats.org/officeDocument/2006/relationships" xmlns:p="http://schemas.openxmlformats.org/presentationml/2006/main">
-  <p:cSld>
-    <p:spTree>
-      <p:nvGrpSpPr>
-        <p:cNvPr id="1" name=""/>
-        <p:cNvGrpSpPr/>
-        <p:nvPr/>
-      </p:nvGrpSpPr>
-      <p:grpSpPr>
-        <a:xfrm>
-          <a:off x="0" y="0"/>
-          <a:ext cx="0" cy="0"/>
-          <a:chOff x="0" y="0"/>
-          <a:chExt cx="0" cy="0"/>
-        </a:xfrm>
-      </p:grpSpPr>
-      <p:sp>
-        <p:nvSpPr>
-          <p:cNvPr id="2" name="Title 1">
-            <a:extLst>
-              <a:ext uri="{FF2B5EF4-FFF2-40B4-BE49-F238E27FC236}">
-                <a16:creationId xmlns:a16="http://schemas.microsoft.com/office/drawing/2014/main" id="{24CC2CD7-2C6F-40C6-A804-DD7A36C5B32F}"/>
-              </a:ext>
-            </a:extLst>
-          </p:cNvPr>
-          <p:cNvSpPr>
-            <a:spLocks noGrp="1"/>
-          </p:cNvSpPr>
-          <p:nvPr>
-            <p:ph type="title"/>
-          </p:nvPr>
-        </p:nvSpPr>
-        <p:spPr/>
-        <p:txBody>
-          <a:bodyPr/>
-          <a:lstStyle/>
-          <a:p>
-            <a:r>
-              <a:rPr lang="en-US" dirty="0"/>
-              <a:t>Local Operations</a:t>
-            </a:r>
-          </a:p>
-        </p:txBody>
-      </p:sp>
-      <p:sp>
-        <p:nvSpPr>
-          <p:cNvPr id="3" name="Content Placeholder 2">
-            <a:extLst>
-              <a:ext uri="{FF2B5EF4-FFF2-40B4-BE49-F238E27FC236}">
-                <a16:creationId xmlns:a16="http://schemas.microsoft.com/office/drawing/2014/main" id="{5B1783C5-7E91-459F-8CA1-5C8BCAC5C446}"/>
-              </a:ext>
-            </a:extLst>
-          </p:cNvPr>
-          <p:cNvSpPr>
-            <a:spLocks noGrp="1"/>
-          </p:cNvSpPr>
-          <p:nvPr>
-            <p:ph idx="1"/>
-          </p:nvPr>
-        </p:nvSpPr>
-        <p:spPr/>
-        <p:txBody>
-          <a:bodyPr/>
-          <a:lstStyle/>
-          <a:p>
-            <a:r>
-              <a:rPr lang="en-US" dirty="0"/>
-              <a:t>Git keeps the full repo on your local computer</a:t>
-            </a:r>
-          </a:p>
-          <a:p>
-            <a:r>
-              <a:rPr lang="en-US" dirty="0"/>
-              <a:t>Commits, Log operations, branching\merging – it’s all local</a:t>
-            </a:r>
-          </a:p>
-          <a:p>
-            <a:r>
-              <a:rPr lang="en-US" dirty="0"/>
-              <a:t>Only the initial checkout, and synchronizing your branch is done remotely!</a:t>
-            </a:r>
-          </a:p>
-          <a:p>
-            <a:r>
-              <a:rPr lang="en-US" dirty="0"/>
-              <a:t>(Well, pull requests too, sort of, but that’s a deeper topic!)</a:t>
-            </a:r>
-          </a:p>
-          <a:p>
-            <a:r>
-              <a:rPr lang="en-US" dirty="0"/>
-              <a:t>This means you can work offline, in a distributed scenario. No file locks, checking the central server, or being blocked by bad internet access!</a:t>
-            </a:r>
-          </a:p>
-        </p:txBody>
-      </p:sp>
-    </p:spTree>
-    <p:extLst>
-      <p:ext uri="{BB962C8B-B14F-4D97-AF65-F5344CB8AC3E}">
-        <p14:creationId xmlns:p14="http://schemas.microsoft.com/office/powerpoint/2010/main" val="1988009388"/>
       </p:ext>
     </p:extLst>
   </p:cSld>

--- a/Slides/Git for the Normal Developer.pptx
+++ b/Slides/Git for the Normal Developer.pptx
@@ -5,7 +5,7 @@
     <p:sldMasterId id="2147483648" r:id="rId1"/>
   </p:sldMasterIdLst>
   <p:notesMasterIdLst>
-    <p:notesMasterId r:id="rId33"/>
+    <p:notesMasterId r:id="rId38"/>
   </p:notesMasterIdLst>
   <p:sldIdLst>
     <p:sldId id="425" r:id="rId2"/>
@@ -15,30 +15,35 @@
     <p:sldId id="441" r:id="rId6"/>
     <p:sldId id="454" r:id="rId7"/>
     <p:sldId id="455" r:id="rId8"/>
-    <p:sldId id="437" r:id="rId9"/>
-    <p:sldId id="438" r:id="rId10"/>
-    <p:sldId id="439" r:id="rId11"/>
-    <p:sldId id="440" r:id="rId12"/>
-    <p:sldId id="442" r:id="rId13"/>
-    <p:sldId id="443" r:id="rId14"/>
-    <p:sldId id="444" r:id="rId15"/>
-    <p:sldId id="445" r:id="rId16"/>
-    <p:sldId id="435" r:id="rId17"/>
-    <p:sldId id="429" r:id="rId18"/>
-    <p:sldId id="430" r:id="rId19"/>
-    <p:sldId id="431" r:id="rId20"/>
-    <p:sldId id="432" r:id="rId21"/>
-    <p:sldId id="434" r:id="rId22"/>
-    <p:sldId id="446" r:id="rId23"/>
-    <p:sldId id="452" r:id="rId24"/>
-    <p:sldId id="453" r:id="rId25"/>
-    <p:sldId id="447" r:id="rId26"/>
-    <p:sldId id="448" r:id="rId27"/>
-    <p:sldId id="449" r:id="rId28"/>
-    <p:sldId id="450" r:id="rId29"/>
-    <p:sldId id="451" r:id="rId30"/>
-    <p:sldId id="433" r:id="rId31"/>
-    <p:sldId id="423" r:id="rId32"/>
+    <p:sldId id="456" r:id="rId9"/>
+    <p:sldId id="457" r:id="rId10"/>
+    <p:sldId id="458" r:id="rId11"/>
+    <p:sldId id="459" r:id="rId12"/>
+    <p:sldId id="460" r:id="rId13"/>
+    <p:sldId id="437" r:id="rId14"/>
+    <p:sldId id="438" r:id="rId15"/>
+    <p:sldId id="439" r:id="rId16"/>
+    <p:sldId id="440" r:id="rId17"/>
+    <p:sldId id="442" r:id="rId18"/>
+    <p:sldId id="443" r:id="rId19"/>
+    <p:sldId id="444" r:id="rId20"/>
+    <p:sldId id="445" r:id="rId21"/>
+    <p:sldId id="435" r:id="rId22"/>
+    <p:sldId id="429" r:id="rId23"/>
+    <p:sldId id="430" r:id="rId24"/>
+    <p:sldId id="431" r:id="rId25"/>
+    <p:sldId id="432" r:id="rId26"/>
+    <p:sldId id="434" r:id="rId27"/>
+    <p:sldId id="446" r:id="rId28"/>
+    <p:sldId id="452" r:id="rId29"/>
+    <p:sldId id="453" r:id="rId30"/>
+    <p:sldId id="447" r:id="rId31"/>
+    <p:sldId id="448" r:id="rId32"/>
+    <p:sldId id="449" r:id="rId33"/>
+    <p:sldId id="450" r:id="rId34"/>
+    <p:sldId id="451" r:id="rId35"/>
+    <p:sldId id="433" r:id="rId36"/>
+    <p:sldId id="423" r:id="rId37"/>
   </p:sldIdLst>
   <p:sldSz cx="12192000" cy="6858000"/>
   <p:notesSz cx="6858000" cy="9144000"/>
@@ -149,6 +154,11 @@
             <p14:sldId id="441"/>
             <p14:sldId id="454"/>
             <p14:sldId id="455"/>
+            <p14:sldId id="456"/>
+            <p14:sldId id="457"/>
+            <p14:sldId id="458"/>
+            <p14:sldId id="459"/>
+            <p14:sldId id="460"/>
             <p14:sldId id="437"/>
             <p14:sldId id="438"/>
             <p14:sldId id="439"/>
@@ -289,7 +299,7 @@
           <a:p>
             <a:fld id="{1BEA97F8-B659-47CA-8766-3CBCF3366F26}" type="datetimeFigureOut">
               <a:rPr lang="en-US" smtClean="0"/>
-              <a:t>6/12/2019</a:t>
+              <a:t>6/13/2019</a:t>
             </a:fld>
             <a:endParaRPr lang="en-US"/>
           </a:p>
@@ -1076,7 +1086,7 @@
           <a:noFill/>
           <a:extLst>
             <a:ext uri="{909E8E84-426E-40dd-AFC4-6F175D3DCCD1}">
-              <a14:hiddenFill xmlns="" xmlns:a14="http://schemas.microsoft.com/office/drawing/2010/main">
+              <a14:hiddenFill xmlns:a14="http://schemas.microsoft.com/office/drawing/2010/main" xmlns="">
                 <a:solidFill>
                   <a:srgbClr val="FFFFFF"/>
                 </a:solidFill>
@@ -1292,7 +1302,7 @@
           <a:noFill/>
           <a:extLst>
             <a:ext uri="{909E8E84-426E-40dd-AFC4-6F175D3DCCD1}">
-              <a14:hiddenFill xmlns="" xmlns:a14="http://schemas.microsoft.com/office/drawing/2010/main">
+              <a14:hiddenFill xmlns:a14="http://schemas.microsoft.com/office/drawing/2010/main" xmlns="">
                 <a:solidFill>
                   <a:srgbClr val="FFFFFF"/>
                 </a:solidFill>
@@ -1331,7 +1341,7 @@
           <a:noFill/>
           <a:extLst>
             <a:ext uri="{909E8E84-426E-40dd-AFC4-6F175D3DCCD1}">
-              <a14:hiddenFill xmlns="" xmlns:a14="http://schemas.microsoft.com/office/drawing/2010/main">
+              <a14:hiddenFill xmlns:a14="http://schemas.microsoft.com/office/drawing/2010/main" xmlns="">
                 <a:solidFill>
                   <a:srgbClr val="FFFFFF"/>
                 </a:solidFill>
@@ -1517,7 +1527,7 @@
           <a:noFill/>
           <a:extLst>
             <a:ext uri="{909E8E84-426E-40dd-AFC4-6F175D3DCCD1}">
-              <a14:hiddenFill xmlns="" xmlns:a14="http://schemas.microsoft.com/office/drawing/2010/main">
+              <a14:hiddenFill xmlns:a14="http://schemas.microsoft.com/office/drawing/2010/main" xmlns="">
                 <a:solidFill>
                   <a:srgbClr val="FFFFFF"/>
                 </a:solidFill>
@@ -1733,7 +1743,7 @@
           <a:noFill/>
           <a:extLst>
             <a:ext uri="{909E8E84-426E-40dd-AFC4-6F175D3DCCD1}">
-              <a14:hiddenFill xmlns="" xmlns:a14="http://schemas.microsoft.com/office/drawing/2010/main">
+              <a14:hiddenFill xmlns:a14="http://schemas.microsoft.com/office/drawing/2010/main" xmlns="">
                 <a:solidFill>
                   <a:srgbClr val="FFFFFF"/>
                 </a:solidFill>
@@ -1781,7 +1791,7 @@
           <a:noFill/>
           <a:extLst>
             <a:ext uri="{909E8E84-426E-40dd-AFC4-6F175D3DCCD1}">
-              <a14:hiddenFill xmlns="" xmlns:a14="http://schemas.microsoft.com/office/drawing/2010/main">
+              <a14:hiddenFill xmlns:a14="http://schemas.microsoft.com/office/drawing/2010/main" xmlns="">
                 <a:solidFill>
                   <a:srgbClr val="FFFFFF"/>
                 </a:solidFill>
@@ -1967,7 +1977,7 @@
           <a:noFill/>
           <a:extLst>
             <a:ext uri="{909E8E84-426E-40dd-AFC4-6F175D3DCCD1}">
-              <a14:hiddenFill xmlns="" xmlns:a14="http://schemas.microsoft.com/office/drawing/2010/main">
+              <a14:hiddenFill xmlns:a14="http://schemas.microsoft.com/office/drawing/2010/main" xmlns="">
                 <a:solidFill>
                   <a:srgbClr val="FFFFFF"/>
                 </a:solidFill>
@@ -2182,7 +2192,7 @@
           <a:noFill/>
           <a:extLst>
             <a:ext uri="{909E8E84-426E-40dd-AFC4-6F175D3DCCD1}">
-              <a14:hiddenFill xmlns="" xmlns:a14="http://schemas.microsoft.com/office/drawing/2010/main">
+              <a14:hiddenFill xmlns:a14="http://schemas.microsoft.com/office/drawing/2010/main" xmlns="">
                 <a:solidFill>
                   <a:srgbClr val="FFFFFF"/>
                 </a:solidFill>
@@ -2398,7 +2408,7 @@
           <a:noFill/>
           <a:extLst>
             <a:ext uri="{909E8E84-426E-40dd-AFC4-6F175D3DCCD1}">
-              <a14:hiddenFill xmlns="" xmlns:a14="http://schemas.microsoft.com/office/drawing/2010/main">
+              <a14:hiddenFill xmlns:a14="http://schemas.microsoft.com/office/drawing/2010/main" xmlns="">
                 <a:solidFill>
                   <a:srgbClr val="FFFFFF"/>
                 </a:solidFill>
@@ -2613,7 +2623,7 @@
           <a:noFill/>
           <a:extLst>
             <a:ext uri="{909E8E84-426E-40dd-AFC4-6F175D3DCCD1}">
-              <a14:hiddenFill xmlns="" xmlns:a14="http://schemas.microsoft.com/office/drawing/2010/main">
+              <a14:hiddenFill xmlns:a14="http://schemas.microsoft.com/office/drawing/2010/main" xmlns="">
                 <a:solidFill>
                   <a:srgbClr val="FFFFFF"/>
                 </a:solidFill>
@@ -2829,7 +2839,7 @@
           <a:noFill/>
           <a:extLst>
             <a:ext uri="{909E8E84-426E-40dd-AFC4-6F175D3DCCD1}">
-              <a14:hiddenFill xmlns="" xmlns:a14="http://schemas.microsoft.com/office/drawing/2010/main">
+              <a14:hiddenFill xmlns:a14="http://schemas.microsoft.com/office/drawing/2010/main" xmlns="">
                 <a:solidFill>
                   <a:srgbClr val="FFFFFF"/>
                 </a:solidFill>
@@ -3192,7 +3202,7 @@
           <a:noFill/>
           <a:extLst>
             <a:ext uri="{909E8E84-426E-40dd-AFC4-6F175D3DCCD1}">
-              <a14:hiddenFill xmlns="" xmlns:a14="http://schemas.microsoft.com/office/drawing/2010/main">
+              <a14:hiddenFill xmlns:a14="http://schemas.microsoft.com/office/drawing/2010/main" xmlns="">
                 <a:solidFill>
                   <a:srgbClr val="FFFFFF"/>
                 </a:solidFill>
@@ -3231,7 +3241,7 @@
           <a:noFill/>
           <a:extLst>
             <a:ext uri="{909E8E84-426E-40dd-AFC4-6F175D3DCCD1}">
-              <a14:hiddenFill xmlns="" xmlns:a14="http://schemas.microsoft.com/office/drawing/2010/main">
+              <a14:hiddenFill xmlns:a14="http://schemas.microsoft.com/office/drawing/2010/main" xmlns="">
                 <a:solidFill>
                   <a:srgbClr val="FFFFFF"/>
                 </a:solidFill>
@@ -3270,7 +3280,7 @@
           <a:noFill/>
           <a:extLst>
             <a:ext uri="{909E8E84-426E-40dd-AFC4-6F175D3DCCD1}">
-              <a14:hiddenFill xmlns="" xmlns:a14="http://schemas.microsoft.com/office/drawing/2010/main">
+              <a14:hiddenFill xmlns:a14="http://schemas.microsoft.com/office/drawing/2010/main" xmlns="">
                 <a:solidFill>
                   <a:srgbClr val="FFFFFF"/>
                 </a:solidFill>
@@ -3456,7 +3466,7 @@
           <a:noFill/>
           <a:extLst>
             <a:ext uri="{909E8E84-426E-40dd-AFC4-6F175D3DCCD1}">
-              <a14:hiddenFill xmlns="" xmlns:a14="http://schemas.microsoft.com/office/drawing/2010/main">
+              <a14:hiddenFill xmlns:a14="http://schemas.microsoft.com/office/drawing/2010/main" xmlns="">
                 <a:solidFill>
                   <a:srgbClr val="FFFFFF"/>
                 </a:solidFill>
@@ -3613,7 +3623,7 @@
           <a:noFill/>
           <a:extLst>
             <a:ext uri="{909E8E84-426E-40dd-AFC4-6F175D3DCCD1}">
-              <a14:hiddenFill xmlns="" xmlns:a14="http://schemas.microsoft.com/office/drawing/2010/main">
+              <a14:hiddenFill xmlns:a14="http://schemas.microsoft.com/office/drawing/2010/main" xmlns="">
                 <a:solidFill>
                   <a:srgbClr val="FFFFFF"/>
                 </a:solidFill>
@@ -3690,7 +3700,7 @@
           <a:noFill/>
           <a:extLst>
             <a:ext uri="{909E8E84-426E-40dd-AFC4-6F175D3DCCD1}">
-              <a14:hiddenFill xmlns="" xmlns:a14="http://schemas.microsoft.com/office/drawing/2010/main">
+              <a14:hiddenFill xmlns:a14="http://schemas.microsoft.com/office/drawing/2010/main" xmlns="">
                 <a:solidFill>
                   <a:srgbClr val="FFFFFF"/>
                 </a:solidFill>
@@ -3729,7 +3739,7 @@
           <a:noFill/>
           <a:extLst>
             <a:ext uri="{909E8E84-426E-40dd-AFC4-6F175D3DCCD1}">
-              <a14:hiddenFill xmlns="" xmlns:a14="http://schemas.microsoft.com/office/drawing/2010/main">
+              <a14:hiddenFill xmlns:a14="http://schemas.microsoft.com/office/drawing/2010/main" xmlns="">
                 <a:solidFill>
                   <a:srgbClr val="FFFFFF"/>
                 </a:solidFill>
@@ -3915,7 +3925,7 @@
           <a:noFill/>
           <a:extLst>
             <a:ext uri="{909E8E84-426E-40dd-AFC4-6F175D3DCCD1}">
-              <a14:hiddenFill xmlns="" xmlns:a14="http://schemas.microsoft.com/office/drawing/2010/main">
+              <a14:hiddenFill xmlns:a14="http://schemas.microsoft.com/office/drawing/2010/main" xmlns="">
                 <a:solidFill>
                   <a:srgbClr val="FFFFFF"/>
                 </a:solidFill>
@@ -4130,7 +4140,7 @@
           <a:noFill/>
           <a:extLst>
             <a:ext uri="{909E8E84-426E-40dd-AFC4-6F175D3DCCD1}">
-              <a14:hiddenFill xmlns="" xmlns:a14="http://schemas.microsoft.com/office/drawing/2010/main">
+              <a14:hiddenFill xmlns:a14="http://schemas.microsoft.com/office/drawing/2010/main" xmlns="">
                 <a:solidFill>
                   <a:srgbClr val="FFFFFF"/>
                 </a:solidFill>
@@ -4280,7 +4290,7 @@
           <a:noFill/>
           <a:extLst>
             <a:ext uri="{909E8E84-426E-40dd-AFC4-6F175D3DCCD1}">
-              <a14:hiddenFill xmlns="" xmlns:a14="http://schemas.microsoft.com/office/drawing/2010/main">
+              <a14:hiddenFill xmlns:a14="http://schemas.microsoft.com/office/drawing/2010/main" xmlns="">
                 <a:solidFill>
                   <a:srgbClr val="FFFFFF"/>
                 </a:solidFill>
@@ -4357,7 +4367,7 @@
           <a:noFill/>
           <a:extLst>
             <a:ext uri="{909E8E84-426E-40dd-AFC4-6F175D3DCCD1}">
-              <a14:hiddenFill xmlns="" xmlns:a14="http://schemas.microsoft.com/office/drawing/2010/main">
+              <a14:hiddenFill xmlns:a14="http://schemas.microsoft.com/office/drawing/2010/main" xmlns="">
                 <a:solidFill>
                   <a:srgbClr val="FFFFFF"/>
                 </a:solidFill>
@@ -4573,7 +4583,7 @@
           <a:noFill/>
           <a:extLst>
             <a:ext uri="{909E8E84-426E-40dd-AFC4-6F175D3DCCD1}">
-              <a14:hiddenFill xmlns="" xmlns:a14="http://schemas.microsoft.com/office/drawing/2010/main">
+              <a14:hiddenFill xmlns:a14="http://schemas.microsoft.com/office/drawing/2010/main" xmlns="">
                 <a:solidFill>
                   <a:srgbClr val="FFFFFF"/>
                 </a:solidFill>
@@ -4723,7 +4733,7 @@
           <a:noFill/>
           <a:extLst>
             <a:ext uri="{909E8E84-426E-40dd-AFC4-6F175D3DCCD1}">
-              <a14:hiddenFill xmlns="" xmlns:a14="http://schemas.microsoft.com/office/drawing/2010/main">
+              <a14:hiddenFill xmlns:a14="http://schemas.microsoft.com/office/drawing/2010/main" xmlns="">
                 <a:solidFill>
                   <a:srgbClr val="FFFFFF"/>
                 </a:solidFill>
@@ -4800,7 +4810,7 @@
           <a:noFill/>
           <a:extLst>
             <a:ext uri="{909E8E84-426E-40dd-AFC4-6F175D3DCCD1}">
-              <a14:hiddenFill xmlns="" xmlns:a14="http://schemas.microsoft.com/office/drawing/2010/main">
+              <a14:hiddenFill xmlns:a14="http://schemas.microsoft.com/office/drawing/2010/main" xmlns="">
                 <a:solidFill>
                   <a:srgbClr val="FFFFFF"/>
                 </a:solidFill>
@@ -4947,7 +4957,7 @@
           <a:noFill/>
           <a:extLst>
             <a:ext uri="{909E8E84-426E-40dd-AFC4-6F175D3DCCD1}">
-              <a14:hiddenFill xmlns="" xmlns:a14="http://schemas.microsoft.com/office/drawing/2010/main">
+              <a14:hiddenFill xmlns:a14="http://schemas.microsoft.com/office/drawing/2010/main" xmlns="">
                 <a:solidFill>
                   <a:srgbClr val="FFFFFF"/>
                 </a:solidFill>
@@ -9054,7 +9064,7 @@
           <p:cNvPr id="2" name="Title 1">
             <a:extLst>
               <a:ext uri="{FF2B5EF4-FFF2-40B4-BE49-F238E27FC236}">
-                <a16:creationId xmlns:a16="http://schemas.microsoft.com/office/drawing/2014/main" id="{24CC2CD7-2C6F-40C6-A804-DD7A36C5B32F}"/>
+                <a16:creationId xmlns:a16="http://schemas.microsoft.com/office/drawing/2014/main" id="{F1982618-43DB-48A1-9CF8-7B367D2B56D7}"/>
               </a:ext>
             </a:extLst>
           </p:cNvPr>
@@ -9072,67 +9082,53 @@
           <a:p>
             <a:r>
               <a:rPr lang="en-US" dirty="0"/>
-              <a:t>Local Operations</a:t>
-            </a:r>
-          </a:p>
-        </p:txBody>
-      </p:sp>
-      <p:sp>
-        <p:nvSpPr>
-          <p:cNvPr id="3" name="Content Placeholder 2">
+              <a:t>Merging</a:t>
+            </a:r>
+          </a:p>
+        </p:txBody>
+      </p:sp>
+      <p:pic>
+        <p:nvPicPr>
+          <p:cNvPr id="5" name="Content Placeholder 4">
             <a:extLst>
               <a:ext uri="{FF2B5EF4-FFF2-40B4-BE49-F238E27FC236}">
-                <a16:creationId xmlns:a16="http://schemas.microsoft.com/office/drawing/2014/main" id="{5B1783C5-7E91-459F-8CA1-5C8BCAC5C446}"/>
+                <a16:creationId xmlns:a16="http://schemas.microsoft.com/office/drawing/2014/main" id="{D3F26FBB-643D-4556-9863-0587724DC48C}"/>
               </a:ext>
             </a:extLst>
           </p:cNvPr>
-          <p:cNvSpPr>
-            <a:spLocks noGrp="1"/>
-          </p:cNvSpPr>
+          <p:cNvPicPr>
+            <a:picLocks noGrp="1" noChangeAspect="1"/>
+          </p:cNvPicPr>
           <p:nvPr>
             <p:ph idx="1"/>
           </p:nvPr>
-        </p:nvSpPr>
-        <p:spPr/>
-        <p:txBody>
-          <a:bodyPr/>
-          <a:lstStyle/>
-          <a:p>
-            <a:r>
-              <a:rPr lang="en-US" dirty="0"/>
-              <a:t>Git keeps the full repo on your local computer</a:t>
-            </a:r>
-          </a:p>
-          <a:p>
-            <a:r>
-              <a:rPr lang="en-US" dirty="0"/>
-              <a:t>Commits, Log operations, branching\merging – it’s all local</a:t>
-            </a:r>
-          </a:p>
-          <a:p>
-            <a:r>
-              <a:rPr lang="en-US" dirty="0"/>
-              <a:t>Only the initial checkout, and synchronizing your branch is done remotely!</a:t>
-            </a:r>
-          </a:p>
-          <a:p>
-            <a:r>
-              <a:rPr lang="en-US" dirty="0"/>
-              <a:t>(Well, pull requests too, sort of, but that’s a deeper topic!)</a:t>
-            </a:r>
-          </a:p>
-          <a:p>
-            <a:r>
-              <a:rPr lang="en-US" dirty="0"/>
-              <a:t>This means you can work offline, in a distributed scenario. No file locks, checking the central server, or being blocked by bad internet access!</a:t>
-            </a:r>
-          </a:p>
-        </p:txBody>
-      </p:sp>
+        </p:nvPicPr>
+        <p:blipFill>
+          <a:blip r:embed="rId2">
+            <a:extLst>
+              <a:ext uri="{28A0092B-C50C-407E-A947-70E740481C1C}">
+                <a14:useLocalDpi xmlns:a14="http://schemas.microsoft.com/office/drawing/2010/main" val="0"/>
+              </a:ext>
+              <a:ext uri="{96DAC541-7B7A-43D3-8B79-37D633B846F1}">
+                <asvg:svgBlip xmlns:asvg="http://schemas.microsoft.com/office/drawing/2016/SVG/main" r:embed="rId3"/>
+              </a:ext>
+            </a:extLst>
+          </a:blip>
+          <a:stretch>
+            <a:fillRect/>
+          </a:stretch>
+        </p:blipFill>
+        <p:spPr>
+          <a:xfrm>
+            <a:off x="2848733" y="1825625"/>
+            <a:ext cx="6494534" cy="4351338"/>
+          </a:xfrm>
+        </p:spPr>
+      </p:pic>
     </p:spTree>
     <p:extLst>
       <p:ext uri="{BB962C8B-B14F-4D97-AF65-F5344CB8AC3E}">
-        <p14:creationId xmlns:p14="http://schemas.microsoft.com/office/powerpoint/2010/main" val="1988009388"/>
+        <p14:creationId xmlns:p14="http://schemas.microsoft.com/office/powerpoint/2010/main" val="3214448015"/>
       </p:ext>
     </p:extLst>
   </p:cSld>
@@ -9164,7 +9160,7 @@
           <p:cNvPr id="2" name="Title 1">
             <a:extLst>
               <a:ext uri="{FF2B5EF4-FFF2-40B4-BE49-F238E27FC236}">
-                <a16:creationId xmlns:a16="http://schemas.microsoft.com/office/drawing/2014/main" id="{2D3BA762-E4FA-4368-B751-764176300177}"/>
+                <a16:creationId xmlns:a16="http://schemas.microsoft.com/office/drawing/2014/main" id="{05B857E2-61DA-432C-BAD1-4CF4FC2D981F}"/>
               </a:ext>
             </a:extLst>
           </p:cNvPr>
@@ -9182,63 +9178,53 @@
           <a:p>
             <a:r>
               <a:rPr lang="en-US" dirty="0"/>
-              <a:t>Git has Integrity</a:t>
-            </a:r>
-          </a:p>
-        </p:txBody>
-      </p:sp>
-      <p:sp>
-        <p:nvSpPr>
-          <p:cNvPr id="3" name="Content Placeholder 2">
+              <a:t>Rebasing</a:t>
+            </a:r>
+          </a:p>
+        </p:txBody>
+      </p:sp>
+      <p:pic>
+        <p:nvPicPr>
+          <p:cNvPr id="5" name="Content Placeholder 4">
             <a:extLst>
               <a:ext uri="{FF2B5EF4-FFF2-40B4-BE49-F238E27FC236}">
-                <a16:creationId xmlns:a16="http://schemas.microsoft.com/office/drawing/2014/main" id="{AAB4FD9A-15F8-48E9-A693-489CB3730C2E}"/>
+                <a16:creationId xmlns:a16="http://schemas.microsoft.com/office/drawing/2014/main" id="{34782428-3BC1-4848-9801-D1FF8C8D058A}"/>
               </a:ext>
             </a:extLst>
           </p:cNvPr>
-          <p:cNvSpPr>
-            <a:spLocks noGrp="1"/>
-          </p:cNvSpPr>
+          <p:cNvPicPr>
+            <a:picLocks noGrp="1" noChangeAspect="1"/>
+          </p:cNvPicPr>
           <p:nvPr>
             <p:ph idx="1"/>
           </p:nvPr>
-        </p:nvSpPr>
-        <p:spPr/>
-        <p:txBody>
-          <a:bodyPr/>
-          <a:lstStyle/>
-          <a:p>
-            <a:r>
-              <a:rPr lang="en-US" dirty="0"/>
-              <a:t>The SHA-1 thing I mentioned earlier?</a:t>
-            </a:r>
-          </a:p>
-          <a:p>
-            <a:r>
-              <a:rPr lang="en-US" dirty="0"/>
-              <a:t>Git computes a SHA-1 Hash of the commit you just made, and it makes it so you can’t make changes to watched files without Git knowing about it.</a:t>
-            </a:r>
-          </a:p>
-          <a:p>
-            <a:r>
-              <a:rPr lang="en-US" dirty="0"/>
-              <a:t>How? I </a:t>
-            </a:r>
-            <a:r>
-              <a:rPr lang="en-US" dirty="0" err="1"/>
-              <a:t>dunno</a:t>
-            </a:r>
-            <a:r>
-              <a:rPr lang="en-US" dirty="0"/>
-              <a:t>. Magic probably.</a:t>
-            </a:r>
-          </a:p>
-        </p:txBody>
-      </p:sp>
+        </p:nvPicPr>
+        <p:blipFill>
+          <a:blip r:embed="rId2">
+            <a:extLst>
+              <a:ext uri="{28A0092B-C50C-407E-A947-70E740481C1C}">
+                <a14:useLocalDpi xmlns:a14="http://schemas.microsoft.com/office/drawing/2010/main" val="0"/>
+              </a:ext>
+              <a:ext uri="{96DAC541-7B7A-43D3-8B79-37D633B846F1}">
+                <asvg:svgBlip xmlns:asvg="http://schemas.microsoft.com/office/drawing/2016/SVG/main" r:embed="rId3"/>
+              </a:ext>
+            </a:extLst>
+          </a:blip>
+          <a:stretch>
+            <a:fillRect/>
+          </a:stretch>
+        </p:blipFill>
+        <p:spPr>
+          <a:xfrm>
+            <a:off x="2902357" y="1825625"/>
+            <a:ext cx="6387285" cy="4351338"/>
+          </a:xfrm>
+        </p:spPr>
+      </p:pic>
     </p:spTree>
     <p:extLst>
       <p:ext uri="{BB962C8B-B14F-4D97-AF65-F5344CB8AC3E}">
-        <p14:creationId xmlns:p14="http://schemas.microsoft.com/office/powerpoint/2010/main" val="2504312543"/>
+        <p14:creationId xmlns:p14="http://schemas.microsoft.com/office/powerpoint/2010/main" val="1290580419"/>
       </p:ext>
     </p:extLst>
   </p:cSld>
@@ -9270,7 +9256,7 @@
           <p:cNvPr id="2" name="Title 1">
             <a:extLst>
               <a:ext uri="{FF2B5EF4-FFF2-40B4-BE49-F238E27FC236}">
-                <a16:creationId xmlns:a16="http://schemas.microsoft.com/office/drawing/2014/main" id="{0FA6AEAC-E7B5-460D-AB9D-92BC4090C5B7}"/>
+                <a16:creationId xmlns:a16="http://schemas.microsoft.com/office/drawing/2014/main" id="{4B12FC63-BB25-4729-9D2F-FA753345DE7D}"/>
               </a:ext>
             </a:extLst>
           </p:cNvPr>
@@ -9288,7 +9274,7 @@
           <a:p>
             <a:r>
               <a:rPr lang="en-US" dirty="0"/>
-              <a:t>Git is recoverable</a:t>
+              <a:t>Best practice</a:t>
             </a:r>
           </a:p>
         </p:txBody>
@@ -9298,7 +9284,7 @@
           <p:cNvPr id="3" name="Content Placeholder 2">
             <a:extLst>
               <a:ext uri="{FF2B5EF4-FFF2-40B4-BE49-F238E27FC236}">
-                <a16:creationId xmlns:a16="http://schemas.microsoft.com/office/drawing/2014/main" id="{475C6E75-54FD-47E6-9EBF-F85A49A7907E}"/>
+                <a16:creationId xmlns:a16="http://schemas.microsoft.com/office/drawing/2014/main" id="{4D7FCE7B-CAEF-4602-AB9E-2A090CED56FE}"/>
               </a:ext>
             </a:extLst>
           </p:cNvPr>
@@ -9316,19 +9302,13 @@
           <a:p>
             <a:r>
               <a:rPr lang="en-US" dirty="0"/>
-              <a:t>Git generally only *adds* data.</a:t>
-            </a:r>
-          </a:p>
-          <a:p>
-            <a:r>
-              <a:rPr lang="en-US" dirty="0"/>
-              <a:t>There’s a couple things you can do that are un-undoable, probably, but I haven’t found them yet.</a:t>
-            </a:r>
-          </a:p>
-          <a:p>
-            <a:r>
-              <a:rPr lang="en-US" dirty="0"/>
-              <a:t>Once you commit a change, you can always go back and access it. If you mess something up, you can revert to a previous change-set, and you’re good to go!</a:t>
+              <a:t>Don’t ever rebase onto a public branch</a:t>
+            </a:r>
+          </a:p>
+          <a:p>
+            <a:r>
+              <a:rPr lang="en-US" dirty="0"/>
+              <a:t>Honestly, probably stick to merge unless your team has clear guidelines on when to rebase</a:t>
             </a:r>
           </a:p>
         </p:txBody>
@@ -9336,7 +9316,7 @@
     </p:spTree>
     <p:extLst>
       <p:ext uri="{BB962C8B-B14F-4D97-AF65-F5344CB8AC3E}">
-        <p14:creationId xmlns:p14="http://schemas.microsoft.com/office/powerpoint/2010/main" val="189421915"/>
+        <p14:creationId xmlns:p14="http://schemas.microsoft.com/office/powerpoint/2010/main" val="1583342092"/>
       </p:ext>
     </p:extLst>
   </p:cSld>
@@ -9365,10 +9345,10 @@
       </p:grpSpPr>
       <p:sp>
         <p:nvSpPr>
-          <p:cNvPr id="2" name="Title 1">
+          <p:cNvPr id="4" name="Title 3">
             <a:extLst>
               <a:ext uri="{FF2B5EF4-FFF2-40B4-BE49-F238E27FC236}">
-                <a16:creationId xmlns:a16="http://schemas.microsoft.com/office/drawing/2014/main" id="{8A9629C9-9AD4-4A86-97C1-0BA5B0C19D94}"/>
+                <a16:creationId xmlns:a16="http://schemas.microsoft.com/office/drawing/2014/main" id="{953D25B8-FE41-473F-A945-9B5740425B60}"/>
               </a:ext>
             </a:extLst>
           </p:cNvPr>
@@ -9379,33 +9359,69 @@
             <p:ph type="title"/>
           </p:nvPr>
         </p:nvSpPr>
-        <p:spPr/>
+        <p:spPr>
+          <a:xfrm>
+            <a:off x="838200" y="365125"/>
+            <a:ext cx="10515600" cy="1325563"/>
+          </a:xfrm>
+        </p:spPr>
         <p:txBody>
           <a:bodyPr/>
           <a:lstStyle/>
           <a:p>
             <a:r>
               <a:rPr lang="en-US" dirty="0"/>
-              <a:t>Basic Workflow</a:t>
+              <a:t>Snapshots – Not Diffs</a:t>
+            </a:r>
+          </a:p>
+        </p:txBody>
+      </p:sp>
+      <p:sp>
+        <p:nvSpPr>
+          <p:cNvPr id="5" name="Content Placeholder 4">
+            <a:extLst>
+              <a:ext uri="{FF2B5EF4-FFF2-40B4-BE49-F238E27FC236}">
+                <a16:creationId xmlns:a16="http://schemas.microsoft.com/office/drawing/2014/main" id="{3FDCFACD-8BD8-4FC9-B119-8103F4E2A851}"/>
+              </a:ext>
+            </a:extLst>
+          </p:cNvPr>
+          <p:cNvSpPr>
+            <a:spLocks noGrp="1"/>
+          </p:cNvSpPr>
+          <p:nvPr>
+            <p:ph idx="1"/>
+          </p:nvPr>
+        </p:nvSpPr>
+        <p:spPr>
+          <a:xfrm>
+            <a:off x="838200" y="1555844"/>
+            <a:ext cx="10515600" cy="655093"/>
+          </a:xfrm>
+        </p:spPr>
+        <p:txBody>
+          <a:bodyPr/>
+          <a:lstStyle/>
+          <a:p>
+            <a:r>
+              <a:rPr lang="en-US" dirty="0"/>
+              <a:t>Most Version Control Systems (VCS) track differences.</a:t>
             </a:r>
           </a:p>
         </p:txBody>
       </p:sp>
       <p:pic>
         <p:nvPicPr>
-          <p:cNvPr id="3074" name="Picture 2" descr="Working tree, staging area, and Git directory.">
+          <p:cNvPr id="1026" name="Picture 2" descr="Storing data as changes to a base version of each file.">
             <a:extLst>
               <a:ext uri="{FF2B5EF4-FFF2-40B4-BE49-F238E27FC236}">
-                <a16:creationId xmlns:a16="http://schemas.microsoft.com/office/drawing/2014/main" id="{25F68965-AA38-4808-B661-2D8747F8E8E5}"/>
+                <a16:creationId xmlns:a16="http://schemas.microsoft.com/office/drawing/2014/main" id="{DAC1C573-FF74-41F7-8FF5-A6D336DDC122}"/>
               </a:ext>
             </a:extLst>
           </p:cNvPr>
           <p:cNvPicPr>
-            <a:picLocks noGrp="1" noChangeAspect="1" noChangeArrowheads="1"/>
+            <a:picLocks noChangeAspect="1" noChangeArrowheads="1"/>
           </p:cNvPicPr>
-          <p:nvPr>
-            <p:ph idx="1"/>
-          </p:nvPr>
+          <p:nvPr/>
         </p:nvPicPr>
         <p:blipFill>
           <a:blip r:embed="rId2">
@@ -9422,8 +9438,8 @@
         </p:blipFill>
         <p:spPr bwMode="auto">
           <a:xfrm>
-            <a:off x="2286000" y="1901031"/>
-            <a:ext cx="7620000" cy="4200525"/>
+            <a:off x="1520730" y="2210937"/>
+            <a:ext cx="9150540" cy="3545834"/>
           </a:xfrm>
           <a:prstGeom prst="rect">
             <a:avLst/>
@@ -9440,45 +9456,10 @@
           </a:extLst>
         </p:spPr>
       </p:pic>
-      <p:sp>
-        <p:nvSpPr>
-          <p:cNvPr id="3" name="TextBox 2">
-            <a:extLst>
-              <a:ext uri="{FF2B5EF4-FFF2-40B4-BE49-F238E27FC236}">
-                <a16:creationId xmlns:a16="http://schemas.microsoft.com/office/drawing/2014/main" id="{35177CA5-A56E-426F-B4F0-298FED920311}"/>
-              </a:ext>
-            </a:extLst>
-          </p:cNvPr>
-          <p:cNvSpPr txBox="1"/>
-          <p:nvPr/>
-        </p:nvSpPr>
-        <p:spPr>
-          <a:xfrm>
-            <a:off x="7566212" y="3244334"/>
-            <a:ext cx="1102659" cy="369332"/>
-          </a:xfrm>
-          <a:prstGeom prst="rect">
-            <a:avLst/>
-          </a:prstGeom>
-          <a:noFill/>
-        </p:spPr>
-        <p:txBody>
-          <a:bodyPr wrap="square" rtlCol="0">
-            <a:spAutoFit/>
-          </a:bodyPr>
-          <a:lstStyle/>
-          <a:p>
-            <a:r>
-              <a:rPr lang="en-US" dirty="0"/>
-              <a:t>(Clone)</a:t>
-            </a:r>
-          </a:p>
-        </p:txBody>
-      </p:sp>
     </p:spTree>
     <p:extLst>
       <p:ext uri="{BB962C8B-B14F-4D97-AF65-F5344CB8AC3E}">
-        <p14:creationId xmlns:p14="http://schemas.microsoft.com/office/powerpoint/2010/main" val="1617573897"/>
+        <p14:creationId xmlns:p14="http://schemas.microsoft.com/office/powerpoint/2010/main" val="3472819714"/>
       </p:ext>
     </p:extLst>
   </p:cSld>
@@ -9510,7 +9491,7 @@
           <p:cNvPr id="2" name="Title 1">
             <a:extLst>
               <a:ext uri="{FF2B5EF4-FFF2-40B4-BE49-F238E27FC236}">
-                <a16:creationId xmlns:a16="http://schemas.microsoft.com/office/drawing/2014/main" id="{7FC8900C-5155-4F12-9845-2CC9027CCBCA}"/>
+                <a16:creationId xmlns:a16="http://schemas.microsoft.com/office/drawing/2014/main" id="{308775A3-9078-47B1-BCA5-76A8080AAD80}"/>
               </a:ext>
             </a:extLst>
           </p:cNvPr>
@@ -9528,7 +9509,7 @@
           <a:p>
             <a:r>
               <a:rPr lang="en-US" dirty="0"/>
-              <a:t>Three States</a:t>
+              <a:t>Snapshot – Not Diffs</a:t>
             </a:r>
           </a:p>
         </p:txBody>
@@ -9538,7 +9519,7 @@
           <p:cNvPr id="3" name="Content Placeholder 2">
             <a:extLst>
               <a:ext uri="{FF2B5EF4-FFF2-40B4-BE49-F238E27FC236}">
-                <a16:creationId xmlns:a16="http://schemas.microsoft.com/office/drawing/2014/main" id="{41415508-FBBE-4D83-AA4F-B5A08A348B02}"/>
+                <a16:creationId xmlns:a16="http://schemas.microsoft.com/office/drawing/2014/main" id="{D92A0E7A-AE89-46F3-A617-829ACAB1F1EE}"/>
               </a:ext>
             </a:extLst>
           </p:cNvPr>
@@ -9549,62 +9530,74 @@
             <p:ph idx="1"/>
           </p:nvPr>
         </p:nvSpPr>
-        <p:spPr/>
+        <p:spPr>
+          <a:xfrm>
+            <a:off x="838200" y="1825625"/>
+            <a:ext cx="10515600" cy="658268"/>
+          </a:xfrm>
+        </p:spPr>
         <p:txBody>
           <a:bodyPr/>
           <a:lstStyle/>
           <a:p>
             <a:r>
               <a:rPr lang="en-US" dirty="0"/>
-              <a:t>Modified</a:t>
-            </a:r>
-          </a:p>
-          <a:p>
-            <a:pPr lvl="1"/>
-            <a:r>
-              <a:rPr lang="en-US" dirty="0"/>
-              <a:t>You’ve made a change to one or more files.</a:t>
-            </a:r>
-          </a:p>
-          <a:p>
-            <a:r>
-              <a:rPr lang="en-US" dirty="0"/>
-              <a:t>Staged</a:t>
-            </a:r>
-          </a:p>
-          <a:p>
-            <a:pPr lvl="1"/>
-            <a:r>
-              <a:rPr lang="en-US" dirty="0"/>
-              <a:t>You’ve gone through and selected the files you want to commit</a:t>
-            </a:r>
-          </a:p>
-          <a:p>
-            <a:pPr lvl="1"/>
-            <a:r>
-              <a:rPr lang="en-US" dirty="0"/>
-              <a:t>You don’t HAVE to commit everything in one go!</a:t>
-            </a:r>
-          </a:p>
-          <a:p>
-            <a:r>
-              <a:rPr lang="en-US" dirty="0"/>
-              <a:t>Committed</a:t>
-            </a:r>
-          </a:p>
-          <a:p>
-            <a:pPr lvl="1"/>
-            <a:r>
-              <a:rPr lang="en-US" dirty="0"/>
-              <a:t>Committing is the part that is recorded to Git. It’s now part of the log and can be seen in the history.</a:t>
-            </a:r>
-          </a:p>
-        </p:txBody>
-      </p:sp>
+              <a:t>Git tracks a snapshot of the file – only tracking changed files.</a:t>
+            </a:r>
+          </a:p>
+        </p:txBody>
+      </p:sp>
+      <p:pic>
+        <p:nvPicPr>
+          <p:cNvPr id="2050" name="Picture 2" descr="Git stores data as snapshots of the project over time.">
+            <a:extLst>
+              <a:ext uri="{FF2B5EF4-FFF2-40B4-BE49-F238E27FC236}">
+                <a16:creationId xmlns:a16="http://schemas.microsoft.com/office/drawing/2014/main" id="{7CF41BA9-04C2-482D-85CC-047C6AF0864A}"/>
+              </a:ext>
+            </a:extLst>
+          </p:cNvPr>
+          <p:cNvPicPr>
+            <a:picLocks noChangeAspect="1" noChangeArrowheads="1"/>
+          </p:cNvPicPr>
+          <p:nvPr/>
+        </p:nvPicPr>
+        <p:blipFill>
+          <a:blip r:embed="rId2">
+            <a:extLst>
+              <a:ext uri="{28A0092B-C50C-407E-A947-70E740481C1C}">
+                <a14:useLocalDpi xmlns:a14="http://schemas.microsoft.com/office/drawing/2010/main" val="0"/>
+              </a:ext>
+            </a:extLst>
+          </a:blip>
+          <a:srcRect/>
+          <a:stretch>
+            <a:fillRect/>
+          </a:stretch>
+        </p:blipFill>
+        <p:spPr bwMode="auto">
+          <a:xfrm>
+            <a:off x="1460236" y="2715905"/>
+            <a:ext cx="9271528" cy="3534770"/>
+          </a:xfrm>
+          <a:prstGeom prst="rect">
+            <a:avLst/>
+          </a:prstGeom>
+          <a:noFill/>
+          <a:extLst>
+            <a:ext uri="{909E8E84-426E-40DD-AFC4-6F175D3DCCD1}">
+              <a14:hiddenFill xmlns:a14="http://schemas.microsoft.com/office/drawing/2010/main">
+                <a:solidFill>
+                  <a:srgbClr val="FFFFFF"/>
+                </a:solidFill>
+              </a14:hiddenFill>
+            </a:ext>
+          </a:extLst>
+        </p:spPr>
+      </p:pic>
     </p:spTree>
     <p:extLst>
       <p:ext uri="{BB962C8B-B14F-4D97-AF65-F5344CB8AC3E}">
-        <p14:creationId xmlns:p14="http://schemas.microsoft.com/office/powerpoint/2010/main" val="4231516819"/>
+        <p14:creationId xmlns:p14="http://schemas.microsoft.com/office/powerpoint/2010/main" val="2467824290"/>
       </p:ext>
     </p:extLst>
   </p:cSld>
@@ -9636,7 +9629,7 @@
           <p:cNvPr id="2" name="Title 1">
             <a:extLst>
               <a:ext uri="{FF2B5EF4-FFF2-40B4-BE49-F238E27FC236}">
-                <a16:creationId xmlns:a16="http://schemas.microsoft.com/office/drawing/2014/main" id="{6374560B-CBBB-4D34-81B8-BCEC16AC23A1}"/>
+                <a16:creationId xmlns:a16="http://schemas.microsoft.com/office/drawing/2014/main" id="{24CC2CD7-2C6F-40C6-A804-DD7A36C5B32F}"/>
               </a:ext>
             </a:extLst>
           </p:cNvPr>
@@ -9654,15 +9647,7 @@
           <a:p>
             <a:r>
               <a:rPr lang="en-US" dirty="0"/>
-              <a:t>Not </a:t>
-            </a:r>
-            <a:r>
-              <a:rPr lang="en-US" i="1" dirty="0"/>
-              <a:t>quite </a:t>
-            </a:r>
-            <a:r>
-              <a:rPr lang="en-US" dirty="0"/>
-              <a:t>done - probably</a:t>
+              <a:t>Local Operations</a:t>
             </a:r>
           </a:p>
         </p:txBody>
@@ -9672,7 +9657,7 @@
           <p:cNvPr id="3" name="Content Placeholder 2">
             <a:extLst>
               <a:ext uri="{FF2B5EF4-FFF2-40B4-BE49-F238E27FC236}">
-                <a16:creationId xmlns:a16="http://schemas.microsoft.com/office/drawing/2014/main" id="{3917125C-2BDC-4B04-B75A-31F80461EF98}"/>
+                <a16:creationId xmlns:a16="http://schemas.microsoft.com/office/drawing/2014/main" id="{5B1783C5-7E91-459F-8CA1-5C8BCAC5C446}"/>
               </a:ext>
             </a:extLst>
           </p:cNvPr>
@@ -9690,28 +9675,31 @@
           <a:p>
             <a:r>
               <a:rPr lang="en-US" dirty="0"/>
-              <a:t>In most cases, you still need to synchronize your code with a shared repository.</a:t>
-            </a:r>
-          </a:p>
-          <a:p>
-            <a:r>
-              <a:rPr lang="en-US" dirty="0"/>
-              <a:t>This is known as a “Push”</a:t>
-            </a:r>
-          </a:p>
-          <a:p>
-            <a:r>
-              <a:rPr lang="en-US" dirty="0"/>
-              <a:t>Getting code from the central repo is known as a “Pull”</a:t>
-            </a:r>
-          </a:p>
-          <a:p>
-            <a:endParaRPr lang="en-US" dirty="0"/>
-          </a:p>
-          <a:p>
-            <a:r>
-              <a:rPr lang="en-US" dirty="0"/>
-              <a:t>If you both “Pull” and “Push” – you have “synced” your code.</a:t>
+              <a:t>Git keeps the full repo on your local computer</a:t>
+            </a:r>
+          </a:p>
+          <a:p>
+            <a:r>
+              <a:rPr lang="en-US" dirty="0"/>
+              <a:t>Commits, Log operations, branching\merging – it’s all local</a:t>
+            </a:r>
+          </a:p>
+          <a:p>
+            <a:r>
+              <a:rPr lang="en-US" dirty="0"/>
+              <a:t>Only the initial checkout, and synchronizing your branch is done remotely!</a:t>
+            </a:r>
+          </a:p>
+          <a:p>
+            <a:r>
+              <a:rPr lang="en-US" dirty="0"/>
+              <a:t>(Well, pull requests too, sort of, but that’s a deeper topic!)</a:t>
+            </a:r>
+          </a:p>
+          <a:p>
+            <a:r>
+              <a:rPr lang="en-US" dirty="0"/>
+              <a:t>This means you can work offline, in a distributed scenario. No file locks, checking the central server, or being blocked by bad internet access!</a:t>
             </a:r>
           </a:p>
         </p:txBody>
@@ -9719,7 +9707,7 @@
     </p:spTree>
     <p:extLst>
       <p:ext uri="{BB962C8B-B14F-4D97-AF65-F5344CB8AC3E}">
-        <p14:creationId xmlns:p14="http://schemas.microsoft.com/office/powerpoint/2010/main" val="4155925949"/>
+        <p14:creationId xmlns:p14="http://schemas.microsoft.com/office/powerpoint/2010/main" val="1988009388"/>
       </p:ext>
     </p:extLst>
   </p:cSld>
@@ -9751,7 +9739,7 @@
           <p:cNvPr id="2" name="Title 1">
             <a:extLst>
               <a:ext uri="{FF2B5EF4-FFF2-40B4-BE49-F238E27FC236}">
-                <a16:creationId xmlns:a16="http://schemas.microsoft.com/office/drawing/2014/main" id="{9232E434-9413-4B36-99F6-6127E6ACA56E}"/>
+                <a16:creationId xmlns:a16="http://schemas.microsoft.com/office/drawing/2014/main" id="{2D3BA762-E4FA-4368-B751-764176300177}"/>
               </a:ext>
             </a:extLst>
           </p:cNvPr>
@@ -9769,17 +9757,17 @@
           <a:p>
             <a:r>
               <a:rPr lang="en-US" dirty="0"/>
-              <a:t>Hosted Git Repos</a:t>
-            </a:r>
-          </a:p>
-        </p:txBody>
-      </p:sp>
-      <p:sp>
-        <p:nvSpPr>
-          <p:cNvPr id="3" name="Text Placeholder 2">
+              <a:t>Git has Integrity</a:t>
+            </a:r>
+          </a:p>
+        </p:txBody>
+      </p:sp>
+      <p:sp>
+        <p:nvSpPr>
+          <p:cNvPr id="3" name="Content Placeholder 2">
             <a:extLst>
               <a:ext uri="{FF2B5EF4-FFF2-40B4-BE49-F238E27FC236}">
-                <a16:creationId xmlns:a16="http://schemas.microsoft.com/office/drawing/2014/main" id="{980E02D7-15CA-454F-A487-78BF648CF9F0}"/>
+                <a16:creationId xmlns:a16="http://schemas.microsoft.com/office/drawing/2014/main" id="{AAB4FD9A-15F8-48E9-A693-489CB3730C2E}"/>
               </a:ext>
             </a:extLst>
           </p:cNvPr>
@@ -9787,7 +9775,7 @@
             <a:spLocks noGrp="1"/>
           </p:cNvSpPr>
           <p:nvPr>
-            <p:ph type="body" idx="1"/>
+            <p:ph idx="1"/>
           </p:nvPr>
         </p:nvSpPr>
         <p:spPr/>
@@ -9797,7 +9785,27 @@
           <a:p>
             <a:r>
               <a:rPr lang="en-US" dirty="0"/>
-              <a:t>Sharing the code!</a:t>
+              <a:t>The SHA-1 thing I mentioned earlier?</a:t>
+            </a:r>
+          </a:p>
+          <a:p>
+            <a:r>
+              <a:rPr lang="en-US" dirty="0"/>
+              <a:t>Git computes a SHA-1 Hash of the commit you just made, and it makes it so you can’t make changes to watched files without Git knowing about it.</a:t>
+            </a:r>
+          </a:p>
+          <a:p>
+            <a:r>
+              <a:rPr lang="en-US" dirty="0"/>
+              <a:t>How? I </a:t>
+            </a:r>
+            <a:r>
+              <a:rPr lang="en-US" dirty="0" err="1"/>
+              <a:t>dunno</a:t>
+            </a:r>
+            <a:r>
+              <a:rPr lang="en-US" dirty="0"/>
+              <a:t>. Magic probably.</a:t>
             </a:r>
           </a:p>
         </p:txBody>
@@ -9805,7 +9813,7 @@
     </p:spTree>
     <p:extLst>
       <p:ext uri="{BB962C8B-B14F-4D97-AF65-F5344CB8AC3E}">
-        <p14:creationId xmlns:p14="http://schemas.microsoft.com/office/powerpoint/2010/main" val="784079646"/>
+        <p14:creationId xmlns:p14="http://schemas.microsoft.com/office/powerpoint/2010/main" val="2504312543"/>
       </p:ext>
     </p:extLst>
   </p:cSld>
@@ -9837,7 +9845,7 @@
           <p:cNvPr id="2" name="Title 1">
             <a:extLst>
               <a:ext uri="{FF2B5EF4-FFF2-40B4-BE49-F238E27FC236}">
-                <a16:creationId xmlns:a16="http://schemas.microsoft.com/office/drawing/2014/main" id="{5B9111D1-EBA9-469A-A5AC-94959A3B7E01}"/>
+                <a16:creationId xmlns:a16="http://schemas.microsoft.com/office/drawing/2014/main" id="{0FA6AEAC-E7B5-460D-AB9D-92BC4090C5B7}"/>
               </a:ext>
             </a:extLst>
           </p:cNvPr>
@@ -9855,7 +9863,7 @@
           <a:p>
             <a:r>
               <a:rPr lang="en-US" dirty="0"/>
-              <a:t>Repos</a:t>
+              <a:t>Git is recoverable</a:t>
             </a:r>
           </a:p>
         </p:txBody>
@@ -9865,7 +9873,7 @@
           <p:cNvPr id="3" name="Content Placeholder 2">
             <a:extLst>
               <a:ext uri="{FF2B5EF4-FFF2-40B4-BE49-F238E27FC236}">
-                <a16:creationId xmlns:a16="http://schemas.microsoft.com/office/drawing/2014/main" id="{66A1847F-81AF-4B9B-96B0-C1825FDCDF8F}"/>
+                <a16:creationId xmlns:a16="http://schemas.microsoft.com/office/drawing/2014/main" id="{475C6E75-54FD-47E6-9EBF-F85A49A7907E}"/>
               </a:ext>
             </a:extLst>
           </p:cNvPr>
@@ -9878,92 +9886,32 @@
         </p:nvSpPr>
         <p:spPr/>
         <p:txBody>
-          <a:bodyPr>
-            <a:normAutofit lnSpcReduction="10000"/>
-          </a:bodyPr>
+          <a:bodyPr/>
           <a:lstStyle/>
           <a:p>
             <a:r>
               <a:rPr lang="en-US" dirty="0"/>
-              <a:t>Big 3</a:t>
-            </a:r>
-          </a:p>
-          <a:p>
-            <a:r>
-              <a:rPr lang="en-US" dirty="0"/>
-              <a:t>Azure </a:t>
-            </a:r>
-            <a:r>
-              <a:rPr lang="en-US" dirty="0" err="1"/>
-              <a:t>Devops</a:t>
-            </a:r>
-            <a:endParaRPr lang="en-US" dirty="0"/>
-          </a:p>
-          <a:p>
-            <a:pPr lvl="1"/>
-            <a:r>
-              <a:rPr lang="en-US" dirty="0"/>
-              <a:t>Known for closed source projects</a:t>
-            </a:r>
-          </a:p>
-          <a:p>
-            <a:pPr lvl="1"/>
-            <a:r>
-              <a:rPr lang="en-US" dirty="0"/>
-              <a:t>High-End CI/CD functionality</a:t>
-            </a:r>
-          </a:p>
-          <a:p>
-            <a:pPr lvl="1"/>
-            <a:r>
-              <a:rPr lang="en-US" dirty="0"/>
-              <a:t>Exceptional project tracking via TFS</a:t>
-            </a:r>
-          </a:p>
-          <a:p>
-            <a:r>
-              <a:rPr lang="en-US" dirty="0"/>
-              <a:t>GitHub</a:t>
-            </a:r>
-          </a:p>
-          <a:p>
-            <a:pPr lvl="1"/>
-            <a:r>
-              <a:rPr lang="en-US" dirty="0"/>
-              <a:t>Known for open source projects</a:t>
-            </a:r>
-          </a:p>
-          <a:p>
-            <a:pPr lvl="1"/>
-            <a:r>
-              <a:rPr lang="en-US" dirty="0"/>
-              <a:t>Exceptional bug-tracking and messaging</a:t>
-            </a:r>
-          </a:p>
-          <a:p>
-            <a:pPr lvl="1"/>
-            <a:r>
-              <a:rPr lang="en-US" dirty="0"/>
-              <a:t>API works well with most CI/CD platforms, Team City, Jenkins, TFS, etc.</a:t>
-            </a:r>
-          </a:p>
-          <a:p>
-            <a:r>
-              <a:rPr lang="en-US" dirty="0" err="1"/>
-              <a:t>BitBucket</a:t>
-            </a:r>
-            <a:endParaRPr lang="en-US" dirty="0"/>
-          </a:p>
-          <a:p>
-            <a:pPr lvl="1"/>
-            <a:endParaRPr lang="en-US" dirty="0"/>
+              <a:t>Git generally only *adds* data.</a:t>
+            </a:r>
+          </a:p>
+          <a:p>
+            <a:r>
+              <a:rPr lang="en-US" dirty="0"/>
+              <a:t>There’s a couple things you can do that are un-undoable, probably, but I haven’t found them yet.</a:t>
+            </a:r>
+          </a:p>
+          <a:p>
+            <a:r>
+              <a:rPr lang="en-US" dirty="0"/>
+              <a:t>Once you commit a change, you can always go back and access it. If you mess something up, you can revert to a previous change-set, and you’re good to go!</a:t>
+            </a:r>
           </a:p>
         </p:txBody>
       </p:sp>
     </p:spTree>
     <p:extLst>
       <p:ext uri="{BB962C8B-B14F-4D97-AF65-F5344CB8AC3E}">
-        <p14:creationId xmlns:p14="http://schemas.microsoft.com/office/powerpoint/2010/main" val="662332301"/>
+        <p14:creationId xmlns:p14="http://schemas.microsoft.com/office/powerpoint/2010/main" val="189421915"/>
       </p:ext>
     </p:extLst>
   </p:cSld>
@@ -9995,7 +9943,7 @@
           <p:cNvPr id="2" name="Title 1">
             <a:extLst>
               <a:ext uri="{FF2B5EF4-FFF2-40B4-BE49-F238E27FC236}">
-                <a16:creationId xmlns:a16="http://schemas.microsoft.com/office/drawing/2014/main" id="{29093CCA-7953-439D-9E03-48C7A94BACAD}"/>
+                <a16:creationId xmlns:a16="http://schemas.microsoft.com/office/drawing/2014/main" id="{8A9629C9-9AD4-4A86-97C1-0BA5B0C19D94}"/>
               </a:ext>
             </a:extLst>
           </p:cNvPr>
@@ -10013,101 +9961,99 @@
           <a:p>
             <a:r>
               <a:rPr lang="en-US" dirty="0"/>
-              <a:t>Azure </a:t>
-            </a:r>
-            <a:r>
-              <a:rPr lang="en-US" dirty="0" err="1"/>
-              <a:t>Devops</a:t>
-            </a:r>
-            <a:endParaRPr lang="en-US" dirty="0"/>
-          </a:p>
-        </p:txBody>
-      </p:sp>
-      <p:sp>
-        <p:nvSpPr>
-          <p:cNvPr id="3" name="Content Placeholder 2">
+              <a:t>Basic Workflow</a:t>
+            </a:r>
+          </a:p>
+        </p:txBody>
+      </p:sp>
+      <p:pic>
+        <p:nvPicPr>
+          <p:cNvPr id="3074" name="Picture 2" descr="Working tree, staging area, and Git directory.">
             <a:extLst>
               <a:ext uri="{FF2B5EF4-FFF2-40B4-BE49-F238E27FC236}">
-                <a16:creationId xmlns:a16="http://schemas.microsoft.com/office/drawing/2014/main" id="{5552C562-13BC-49D0-9EF3-1406A4C3C4E4}"/>
+                <a16:creationId xmlns:a16="http://schemas.microsoft.com/office/drawing/2014/main" id="{25F68965-AA38-4808-B661-2D8747F8E8E5}"/>
               </a:ext>
             </a:extLst>
           </p:cNvPr>
-          <p:cNvSpPr>
-            <a:spLocks noGrp="1"/>
-          </p:cNvSpPr>
+          <p:cNvPicPr>
+            <a:picLocks noGrp="1" noChangeAspect="1" noChangeArrowheads="1"/>
+          </p:cNvPicPr>
           <p:nvPr>
             <p:ph idx="1"/>
           </p:nvPr>
-        </p:nvSpPr>
-        <p:spPr/>
-        <p:txBody>
-          <a:bodyPr>
-            <a:normAutofit fontScale="92500"/>
+        </p:nvPicPr>
+        <p:blipFill>
+          <a:blip r:embed="rId2">
+            <a:extLst>
+              <a:ext uri="{28A0092B-C50C-407E-A947-70E740481C1C}">
+                <a14:useLocalDpi xmlns:a14="http://schemas.microsoft.com/office/drawing/2010/main" val="0"/>
+              </a:ext>
+            </a:extLst>
+          </a:blip>
+          <a:srcRect/>
+          <a:stretch>
+            <a:fillRect/>
+          </a:stretch>
+        </p:blipFill>
+        <p:spPr bwMode="auto">
+          <a:xfrm>
+            <a:off x="2286000" y="1901031"/>
+            <a:ext cx="7620000" cy="4200525"/>
+          </a:xfrm>
+          <a:prstGeom prst="rect">
+            <a:avLst/>
+          </a:prstGeom>
+          <a:noFill/>
+          <a:extLst>
+            <a:ext uri="{909E8E84-426E-40DD-AFC4-6F175D3DCCD1}">
+              <a14:hiddenFill xmlns:a14="http://schemas.microsoft.com/office/drawing/2010/main">
+                <a:solidFill>
+                  <a:srgbClr val="FFFFFF"/>
+                </a:solidFill>
+              </a14:hiddenFill>
+            </a:ext>
+          </a:extLst>
+        </p:spPr>
+      </p:pic>
+      <p:sp>
+        <p:nvSpPr>
+          <p:cNvPr id="3" name="TextBox 2">
+            <a:extLst>
+              <a:ext uri="{FF2B5EF4-FFF2-40B4-BE49-F238E27FC236}">
+                <a16:creationId xmlns:a16="http://schemas.microsoft.com/office/drawing/2014/main" id="{35177CA5-A56E-426F-B4F0-298FED920311}"/>
+              </a:ext>
+            </a:extLst>
+          </p:cNvPr>
+          <p:cNvSpPr txBox="1"/>
+          <p:nvPr/>
+        </p:nvSpPr>
+        <p:spPr>
+          <a:xfrm>
+            <a:off x="7566212" y="3244334"/>
+            <a:ext cx="1102659" cy="369332"/>
+          </a:xfrm>
+          <a:prstGeom prst="rect">
+            <a:avLst/>
+          </a:prstGeom>
+          <a:noFill/>
+        </p:spPr>
+        <p:txBody>
+          <a:bodyPr wrap="square" rtlCol="0">
+            <a:spAutoFit/>
           </a:bodyPr>
           <a:lstStyle/>
           <a:p>
             <a:r>
               <a:rPr lang="en-US" dirty="0"/>
-              <a:t>Free up to 5 users</a:t>
-            </a:r>
-          </a:p>
-          <a:p>
-            <a:r>
-              <a:rPr lang="en-US" dirty="0"/>
-              <a:t>Unlimited private repos</a:t>
-            </a:r>
-          </a:p>
-          <a:p>
-            <a:r>
-              <a:rPr lang="en-US" strike="sngStrike" dirty="0"/>
-              <a:t>No public repositories! </a:t>
-            </a:r>
-            <a:r>
-              <a:rPr lang="en-US" dirty="0"/>
-              <a:t>Public Repositories are in preview as of this writing.</a:t>
-            </a:r>
-            <a:endParaRPr lang="en-US" strike="sngStrike" dirty="0"/>
-          </a:p>
-          <a:p>
-            <a:r>
-              <a:rPr lang="en-US" dirty="0"/>
-              <a:t>CI/CD pipeline is well developed – no Team City necessary, Octopus Deploy is debatable.</a:t>
-            </a:r>
-          </a:p>
-          <a:p>
-            <a:r>
-              <a:rPr lang="en-US" dirty="0"/>
-              <a:t>Azure is well integrated – great for websites, services, mobile, </a:t>
-            </a:r>
-            <a:r>
-              <a:rPr lang="en-US" dirty="0" err="1"/>
-              <a:t>etc</a:t>
-            </a:r>
-            <a:endParaRPr lang="en-US" dirty="0"/>
-          </a:p>
-          <a:p>
-            <a:r>
-              <a:rPr lang="en-US" dirty="0"/>
-              <a:t>Great choice for small business!</a:t>
-            </a:r>
-          </a:p>
-          <a:p>
-            <a:r>
-              <a:rPr lang="en-US" dirty="0"/>
-              <a:t>Learning Curve: Experience with MS products makes this easy-</a:t>
-            </a:r>
-            <a:r>
-              <a:rPr lang="en-US" dirty="0" err="1"/>
-              <a:t>ish</a:t>
-            </a:r>
-            <a:endParaRPr lang="en-US" dirty="0"/>
+              <a:t>(Clone)</a:t>
+            </a:r>
           </a:p>
         </p:txBody>
       </p:sp>
     </p:spTree>
     <p:extLst>
       <p:ext uri="{BB962C8B-B14F-4D97-AF65-F5344CB8AC3E}">
-        <p14:creationId xmlns:p14="http://schemas.microsoft.com/office/powerpoint/2010/main" val="951745335"/>
+        <p14:creationId xmlns:p14="http://schemas.microsoft.com/office/powerpoint/2010/main" val="1617573897"/>
       </p:ext>
     </p:extLst>
   </p:cSld>
@@ -10139,7 +10085,7 @@
           <p:cNvPr id="2" name="Title 1">
             <a:extLst>
               <a:ext uri="{FF2B5EF4-FFF2-40B4-BE49-F238E27FC236}">
-                <a16:creationId xmlns:a16="http://schemas.microsoft.com/office/drawing/2014/main" id="{9F5EE912-1E0A-470C-AB7B-2F2CCC87BB2A}"/>
+                <a16:creationId xmlns:a16="http://schemas.microsoft.com/office/drawing/2014/main" id="{7FC8900C-5155-4F12-9845-2CC9027CCBCA}"/>
               </a:ext>
             </a:extLst>
           </p:cNvPr>
@@ -10157,7 +10103,7 @@
           <a:p>
             <a:r>
               <a:rPr lang="en-US" dirty="0"/>
-              <a:t>Github</a:t>
+              <a:t>Three States</a:t>
             </a:r>
           </a:p>
         </p:txBody>
@@ -10167,7 +10113,7 @@
           <p:cNvPr id="3" name="Content Placeholder 2">
             <a:extLst>
               <a:ext uri="{FF2B5EF4-FFF2-40B4-BE49-F238E27FC236}">
-                <a16:creationId xmlns:a16="http://schemas.microsoft.com/office/drawing/2014/main" id="{64252670-4F73-4792-B175-6F43FDE66830}"/>
+                <a16:creationId xmlns:a16="http://schemas.microsoft.com/office/drawing/2014/main" id="{41415508-FBBE-4D83-AA4F-B5A08A348B02}"/>
               </a:ext>
             </a:extLst>
           </p:cNvPr>
@@ -10180,74 +10126,52 @@
         </p:nvSpPr>
         <p:spPr/>
         <p:txBody>
-          <a:bodyPr>
-            <a:normAutofit lnSpcReduction="10000"/>
-          </a:bodyPr>
+          <a:bodyPr/>
           <a:lstStyle/>
           <a:p>
             <a:r>
               <a:rPr lang="en-US" dirty="0"/>
-              <a:t>Most widely used hosting platform</a:t>
-            </a:r>
-          </a:p>
-          <a:p>
-            <a:r>
-              <a:rPr lang="en-US" dirty="0"/>
-              <a:t>Unlimited public repositories</a:t>
-            </a:r>
-          </a:p>
-          <a:p>
-            <a:r>
-              <a:rPr lang="en-US" dirty="0"/>
-              <a:t>$7/month personal account with unlimited private repositories</a:t>
-            </a:r>
-          </a:p>
-          <a:p>
-            <a:r>
-              <a:rPr lang="en-US" dirty="0"/>
-              <a:t>Enterprise plans allow on-premises hosted solutions.</a:t>
-            </a:r>
-          </a:p>
-          <a:p>
-            <a:r>
-              <a:rPr lang="en-US" dirty="0"/>
-              <a:t>Learning Curve: Experience with Git helps make this easy-</a:t>
-            </a:r>
-            <a:r>
-              <a:rPr lang="en-US" dirty="0" err="1"/>
-              <a:t>ish</a:t>
-            </a:r>
-            <a:endParaRPr lang="en-US" dirty="0"/>
-          </a:p>
-          <a:p>
-            <a:endParaRPr lang="en-US" dirty="0"/>
-          </a:p>
-          <a:p>
-            <a:r>
-              <a:rPr lang="en-US" b="1" dirty="0"/>
-              <a:t>EVERY DEVELOPER SHOULD HAVE A GITHUB PROFILE</a:t>
-            </a:r>
-            <a:endParaRPr lang="en-US" dirty="0"/>
+              <a:t>Modified</a:t>
+            </a:r>
           </a:p>
           <a:p>
             <a:pPr lvl="1"/>
             <a:r>
               <a:rPr lang="en-US" dirty="0"/>
-              <a:t>Host code you’re proud of</a:t>
+              <a:t>You’ve made a change to one or more files.</a:t>
+            </a:r>
+          </a:p>
+          <a:p>
+            <a:r>
+              <a:rPr lang="en-US" dirty="0"/>
+              <a:t>Staged</a:t>
             </a:r>
           </a:p>
           <a:p>
             <a:pPr lvl="1"/>
             <a:r>
               <a:rPr lang="en-US" dirty="0"/>
-              <a:t>Fork someone else’s code and make a change</a:t>
+              <a:t>You’ve gone through and selected the files you want to commit</a:t>
             </a:r>
           </a:p>
           <a:p>
             <a:pPr lvl="1"/>
             <a:r>
               <a:rPr lang="en-US" dirty="0"/>
-              <a:t>It’s as good as or better than a resume!</a:t>
+              <a:t>You don’t HAVE to commit everything in one go!</a:t>
+            </a:r>
+          </a:p>
+          <a:p>
+            <a:r>
+              <a:rPr lang="en-US" dirty="0"/>
+              <a:t>Committed</a:t>
+            </a:r>
+          </a:p>
+          <a:p>
+            <a:pPr lvl="1"/>
+            <a:r>
+              <a:rPr lang="en-US" dirty="0"/>
+              <a:t>Committing is the part that is recorded to Git. It’s now part of the log and can be seen in the history.</a:t>
             </a:r>
           </a:p>
         </p:txBody>
@@ -10255,7 +10179,7 @@
     </p:spTree>
     <p:extLst>
       <p:ext uri="{BB962C8B-B14F-4D97-AF65-F5344CB8AC3E}">
-        <p14:creationId xmlns:p14="http://schemas.microsoft.com/office/powerpoint/2010/main" val="3303160553"/>
+        <p14:creationId xmlns:p14="http://schemas.microsoft.com/office/powerpoint/2010/main" val="4231516819"/>
       </p:ext>
     </p:extLst>
   </p:cSld>
@@ -10460,7 +10384,7 @@
           <p:cNvPr id="2" name="Title 1">
             <a:extLst>
               <a:ext uri="{FF2B5EF4-FFF2-40B4-BE49-F238E27FC236}">
-                <a16:creationId xmlns:a16="http://schemas.microsoft.com/office/drawing/2014/main" id="{4EAC3CEE-55B5-498F-B337-F6698845AD6D}"/>
+                <a16:creationId xmlns:a16="http://schemas.microsoft.com/office/drawing/2014/main" id="{6374560B-CBBB-4D34-81B8-BCEC16AC23A1}"/>
               </a:ext>
             </a:extLst>
           </p:cNvPr>
@@ -10477,10 +10401,17 @@
           <a:lstStyle/>
           <a:p>
             <a:r>
-              <a:rPr lang="en-US" dirty="0" err="1"/>
-              <a:t>BitBucket</a:t>
-            </a:r>
-            <a:endParaRPr lang="en-US" dirty="0"/>
+              <a:rPr lang="en-US" dirty="0"/>
+              <a:t>Not </a:t>
+            </a:r>
+            <a:r>
+              <a:rPr lang="en-US" i="1" dirty="0"/>
+              <a:t>quite </a:t>
+            </a:r>
+            <a:r>
+              <a:rPr lang="en-US" dirty="0"/>
+              <a:t>done - probably</a:t>
+            </a:r>
           </a:p>
         </p:txBody>
       </p:sp>
@@ -10489,7 +10420,7 @@
           <p:cNvPr id="3" name="Content Placeholder 2">
             <a:extLst>
               <a:ext uri="{FF2B5EF4-FFF2-40B4-BE49-F238E27FC236}">
-                <a16:creationId xmlns:a16="http://schemas.microsoft.com/office/drawing/2014/main" id="{A230217E-4487-403E-9114-3429E27BD4A2}"/>
+                <a16:creationId xmlns:a16="http://schemas.microsoft.com/office/drawing/2014/main" id="{3917125C-2BDC-4B04-B75A-31F80461EF98}"/>
               </a:ext>
             </a:extLst>
           </p:cNvPr>
@@ -10507,36 +10438,36 @@
           <a:p>
             <a:r>
               <a:rPr lang="en-US" dirty="0"/>
-              <a:t>Free up to 5 users</a:t>
-            </a:r>
-          </a:p>
-          <a:p>
-            <a:r>
-              <a:rPr lang="en-US" dirty="0"/>
-              <a:t>Unlimited public repositories</a:t>
-            </a:r>
-          </a:p>
-          <a:p>
-            <a:r>
-              <a:rPr lang="en-US" dirty="0"/>
-              <a:t>Unlimited private repositories</a:t>
-            </a:r>
-          </a:p>
-          <a:p>
-            <a:r>
-              <a:rPr lang="en-US" dirty="0"/>
-              <a:t>Pricing beyond 5 users is roughly $1/month/user</a:t>
+              <a:t>In most cases, you still need to synchronize your code with a shared repository.</a:t>
+            </a:r>
+          </a:p>
+          <a:p>
+            <a:r>
+              <a:rPr lang="en-US" dirty="0"/>
+              <a:t>This is known as a “Push”</a:t>
+            </a:r>
+          </a:p>
+          <a:p>
+            <a:r>
+              <a:rPr lang="en-US" dirty="0"/>
+              <a:t>Getting code from the central repo is known as a “Pull”</a:t>
             </a:r>
           </a:p>
           <a:p>
             <a:endParaRPr lang="en-US" dirty="0"/>
+          </a:p>
+          <a:p>
+            <a:r>
+              <a:rPr lang="en-US" dirty="0"/>
+              <a:t>If you both “Pull” and “Push” – you have “synced” your code.</a:t>
+            </a:r>
           </a:p>
         </p:txBody>
       </p:sp>
     </p:spTree>
     <p:extLst>
       <p:ext uri="{BB962C8B-B14F-4D97-AF65-F5344CB8AC3E}">
-        <p14:creationId xmlns:p14="http://schemas.microsoft.com/office/powerpoint/2010/main" val="2402215412"/>
+        <p14:creationId xmlns:p14="http://schemas.microsoft.com/office/powerpoint/2010/main" val="4155925949"/>
       </p:ext>
     </p:extLst>
   </p:cSld>
@@ -10549,6 +10480,14 @@
 <file path=ppt/slides/slide21.xml><?xml version="1.0" encoding="utf-8"?>
 <p:sld xmlns:a="http://schemas.openxmlformats.org/drawingml/2006/main" xmlns:r="http://schemas.openxmlformats.org/officeDocument/2006/relationships" xmlns:p="http://schemas.openxmlformats.org/presentationml/2006/main">
   <p:cSld>
+    <p:bg>
+      <p:bgPr>
+        <a:solidFill>
+          <a:schemeClr val="bg1"/>
+        </a:solidFill>
+        <a:effectLst/>
+      </p:bgPr>
+    </p:bg>
     <p:spTree>
       <p:nvGrpSpPr>
         <p:cNvPr id="1" name=""/>
@@ -10565,10 +10504,140 @@
       </p:grpSpPr>
       <p:sp>
         <p:nvSpPr>
+          <p:cNvPr id="8" name="Rectangle 7">
+            <a:extLst>
+              <a:ext uri="{FF2B5EF4-FFF2-40B4-BE49-F238E27FC236}">
+                <a16:creationId xmlns:a16="http://schemas.microsoft.com/office/drawing/2014/main" id="{23962611-DFD5-4092-AAFD-559E3DFCE2C9}"/>
+              </a:ext>
+              <a:ext uri="{C183D7F6-B498-43B3-948B-1728B52AA6E4}">
+                <adec:decorative xmlns:adec="http://schemas.microsoft.com/office/drawing/2017/decorative" val="1"/>
+              </a:ext>
+            </a:extLst>
+          </p:cNvPr>
+          <p:cNvSpPr>
+            <a:spLocks noGrp="1" noRot="1" noChangeAspect="1" noMove="1" noResize="1" noEditPoints="1" noAdjustHandles="1" noChangeArrowheads="1" noChangeShapeType="1" noTextEdit="1"/>
+          </p:cNvSpPr>
+          <p:nvPr>
+            <p:extLst>
+              <p:ext uri="{386F3935-93C4-4BCD-93E2-E3B085C9AB24}">
+                <p16:designElem xmlns:p16="http://schemas.microsoft.com/office/powerpoint/2015/main" val="1"/>
+              </p:ext>
+            </p:extLst>
+          </p:nvPr>
+        </p:nvSpPr>
+        <p:spPr>
+          <a:xfrm>
+            <a:off x="475488" y="0"/>
+            <a:ext cx="10910292" cy="6858000"/>
+          </a:xfrm>
+          <a:prstGeom prst="rect">
+            <a:avLst/>
+          </a:prstGeom>
+          <a:gradFill>
+            <a:gsLst>
+              <a:gs pos="0">
+                <a:schemeClr val="accent1">
+                  <a:lumMod val="90000"/>
+                </a:schemeClr>
+              </a:gs>
+              <a:gs pos="25000">
+                <a:schemeClr val="accent1">
+                  <a:lumMod val="90000"/>
+                </a:schemeClr>
+              </a:gs>
+              <a:gs pos="94000">
+                <a:schemeClr val="bg2">
+                  <a:lumMod val="25000"/>
+                </a:schemeClr>
+              </a:gs>
+              <a:gs pos="100000">
+                <a:schemeClr val="bg2">
+                  <a:lumMod val="25000"/>
+                </a:schemeClr>
+              </a:gs>
+            </a:gsLst>
+            <a:lin ang="4200000" scaled="0"/>
+          </a:gradFill>
+          <a:ln>
+            <a:noFill/>
+          </a:ln>
+        </p:spPr>
+        <p:style>
+          <a:lnRef idx="2">
+            <a:schemeClr val="accent1">
+              <a:shade val="50000"/>
+            </a:schemeClr>
+          </a:lnRef>
+          <a:fillRef idx="1">
+            <a:schemeClr val="accent1"/>
+          </a:fillRef>
+          <a:effectRef idx="0">
+            <a:schemeClr val="accent1"/>
+          </a:effectRef>
+          <a:fontRef idx="minor">
+            <a:schemeClr val="lt1"/>
+          </a:fontRef>
+        </p:style>
+        <p:txBody>
+          <a:bodyPr rtlCol="0" anchor="ctr"/>
+          <a:lstStyle/>
+          <a:p>
+            <a:pPr algn="ctr"/>
+            <a:endParaRPr lang="en-US"/>
+          </a:p>
+        </p:txBody>
+      </p:sp>
+      <p:pic>
+        <p:nvPicPr>
+          <p:cNvPr id="10" name="Picture 9">
+            <a:extLst>
+              <a:ext uri="{FF2B5EF4-FFF2-40B4-BE49-F238E27FC236}">
+                <a16:creationId xmlns:a16="http://schemas.microsoft.com/office/drawing/2014/main" id="{2270F1FA-0425-408F-9861-80BF5AFB276D}"/>
+              </a:ext>
+              <a:ext uri="{C183D7F6-B498-43B3-948B-1728B52AA6E4}">
+                <adec:decorative xmlns:adec="http://schemas.microsoft.com/office/drawing/2017/decorative" val="1"/>
+              </a:ext>
+            </a:extLst>
+          </p:cNvPr>
+          <p:cNvPicPr>
+            <a:picLocks noGrp="1" noRot="1" noChangeAspect="1" noMove="1" noResize="1" noEditPoints="1" noAdjustHandles="1" noChangeArrowheads="1" noChangeShapeType="1" noCrop="1"/>
+          </p:cNvPicPr>
+          <p:nvPr>
+            <p:extLst>
+              <p:ext uri="{386F3935-93C4-4BCD-93E2-E3B085C9AB24}">
+                <p16:designElem xmlns:p16="http://schemas.microsoft.com/office/powerpoint/2015/main" val="1"/>
+              </p:ext>
+            </p:extLst>
+          </p:nvPr>
+        </p:nvPicPr>
+        <p:blipFill>
+          <a:blip r:embed="rId2">
+            <a:extLst>
+              <a:ext uri="{28A0092B-C50C-407E-A947-70E740481C1C}">
+                <a14:useLocalDpi xmlns:a14="http://schemas.microsoft.com/office/drawing/2010/main" val="0"/>
+              </a:ext>
+            </a:extLst>
+          </a:blip>
+          <a:stretch>
+            <a:fillRect/>
+          </a:stretch>
+        </p:blipFill>
+        <p:spPr>
+          <a:xfrm>
+            <a:off x="0" y="0"/>
+            <a:ext cx="12192000" cy="6858000"/>
+          </a:xfrm>
+          <a:prstGeom prst="rect">
+            <a:avLst/>
+          </a:prstGeom>
+        </p:spPr>
+      </p:pic>
+      <p:sp>
+        <p:nvSpPr>
           <p:cNvPr id="2" name="Title 1">
             <a:extLst>
               <a:ext uri="{FF2B5EF4-FFF2-40B4-BE49-F238E27FC236}">
-                <a16:creationId xmlns:a16="http://schemas.microsoft.com/office/drawing/2014/main" id="{6174851A-8287-468C-9577-53577DE4E1C5}"/>
+                <a16:creationId xmlns:a16="http://schemas.microsoft.com/office/drawing/2014/main" id="{9232E434-9413-4B36-99F6-6127E6ACA56E}"/>
               </a:ext>
             </a:extLst>
           </p:cNvPr>
@@ -10579,24 +10648,39 @@
             <p:ph type="title"/>
           </p:nvPr>
         </p:nvSpPr>
-        <p:spPr/>
-        <p:txBody>
-          <a:bodyPr/>
+        <p:spPr>
+          <a:xfrm>
+            <a:off x="3045368" y="2043663"/>
+            <a:ext cx="6105194" cy="2031055"/>
+          </a:xfrm>
+        </p:spPr>
+        <p:txBody>
+          <a:bodyPr vert="horz" lIns="91440" tIns="45720" rIns="91440" bIns="45720" rtlCol="0" anchor="b">
+            <a:normAutofit/>
+          </a:bodyPr>
           <a:lstStyle/>
           <a:p>
-            <a:r>
-              <a:rPr lang="en-US" dirty="0"/>
-              <a:t>Host roundup</a:t>
-            </a:r>
-          </a:p>
-        </p:txBody>
-      </p:sp>
-      <p:sp>
-        <p:nvSpPr>
-          <p:cNvPr id="3" name="Content Placeholder 2">
+            <a:pPr algn="ctr"/>
+            <a:r>
+              <a:rPr lang="en-US" kern="1200">
+                <a:solidFill>
+                  <a:srgbClr val="FFFFFF"/>
+                </a:solidFill>
+                <a:latin typeface="+mj-lt"/>
+                <a:ea typeface="+mj-ea"/>
+                <a:cs typeface="+mj-cs"/>
+              </a:rPr>
+              <a:t>Hosted Git Repos</a:t>
+            </a:r>
+          </a:p>
+        </p:txBody>
+      </p:sp>
+      <p:sp>
+        <p:nvSpPr>
+          <p:cNvPr id="3" name="Text Placeholder 2">
             <a:extLst>
               <a:ext uri="{FF2B5EF4-FFF2-40B4-BE49-F238E27FC236}">
-                <a16:creationId xmlns:a16="http://schemas.microsoft.com/office/drawing/2014/main" id="{A031299B-ADFE-4523-8946-52288916B63F}"/>
+                <a16:creationId xmlns:a16="http://schemas.microsoft.com/office/drawing/2014/main" id="{980E02D7-15CA-454F-A487-78BF648CF9F0}"/>
               </a:ext>
             </a:extLst>
           </p:cNvPr>
@@ -10604,50 +10688,32 @@
             <a:spLocks noGrp="1"/>
           </p:cNvSpPr>
           <p:nvPr>
-            <p:ph idx="1"/>
-          </p:nvPr>
-        </p:nvSpPr>
-        <p:spPr/>
-        <p:txBody>
-          <a:bodyPr/>
+            <p:ph type="body" idx="1"/>
+          </p:nvPr>
+        </p:nvSpPr>
+        <p:spPr>
+          <a:xfrm>
+            <a:off x="3045368" y="4074718"/>
+            <a:ext cx="6105194" cy="682079"/>
+          </a:xfrm>
+        </p:spPr>
+        <p:txBody>
+          <a:bodyPr vert="horz" lIns="91440" tIns="45720" rIns="91440" bIns="45720" rtlCol="0">
+            <a:normAutofit/>
+          </a:bodyPr>
           <a:lstStyle/>
           <a:p>
-            <a:r>
-              <a:rPr lang="en-US" dirty="0"/>
-              <a:t>Choose Github for your open-source, publicly-viewable projects</a:t>
-            </a:r>
-          </a:p>
-          <a:p>
-            <a:r>
-              <a:rPr lang="en-US" dirty="0"/>
-              <a:t>Choose Azure </a:t>
-            </a:r>
-            <a:r>
-              <a:rPr lang="en-US" dirty="0" err="1"/>
-              <a:t>Devops</a:t>
-            </a:r>
-            <a:r>
-              <a:rPr lang="en-US" dirty="0"/>
-              <a:t> for company projects, or for running the CI/CD builds on your GitHub repo (Yes, you can do BOTH!)</a:t>
-            </a:r>
-          </a:p>
-          <a:p>
-            <a:r>
-              <a:rPr lang="en-US" dirty="0" err="1"/>
-              <a:t>BitBucket</a:t>
-            </a:r>
-            <a:r>
-              <a:rPr lang="en-US" dirty="0"/>
-              <a:t> offers a nice alternative to Github, but is not as well known. Mileage may vary.</a:t>
-            </a:r>
-          </a:p>
-          <a:p>
-            <a:endParaRPr lang="en-US" dirty="0"/>
-          </a:p>
-          <a:p>
-            <a:r>
-              <a:rPr lang="en-US" dirty="0"/>
-              <a:t>AWS is offering some interesting new options</a:t>
+            <a:pPr algn="ctr"/>
+            <a:r>
+              <a:rPr lang="en-US" kern="1200">
+                <a:solidFill>
+                  <a:srgbClr val="FFFFFF"/>
+                </a:solidFill>
+                <a:latin typeface="+mn-lt"/>
+                <a:ea typeface="+mn-ea"/>
+                <a:cs typeface="+mn-cs"/>
+              </a:rPr>
+              <a:t>Sharing the code!</a:t>
             </a:r>
           </a:p>
         </p:txBody>
@@ -10655,7 +10721,7 @@
     </p:spTree>
     <p:extLst>
       <p:ext uri="{BB962C8B-B14F-4D97-AF65-F5344CB8AC3E}">
-        <p14:creationId xmlns:p14="http://schemas.microsoft.com/office/powerpoint/2010/main" val="2372600824"/>
+        <p14:creationId xmlns:p14="http://schemas.microsoft.com/office/powerpoint/2010/main" val="784079646"/>
       </p:ext>
     </p:extLst>
   </p:cSld>
@@ -10668,6 +10734,14 @@
 <file path=ppt/slides/slide22.xml><?xml version="1.0" encoding="utf-8"?>
 <p:sld xmlns:a="http://schemas.openxmlformats.org/drawingml/2006/main" xmlns:r="http://schemas.openxmlformats.org/officeDocument/2006/relationships" xmlns:p="http://schemas.openxmlformats.org/presentationml/2006/main">
   <p:cSld>
+    <p:bg>
+      <p:bgPr>
+        <a:solidFill>
+          <a:schemeClr val="bg1"/>
+        </a:solidFill>
+        <a:effectLst/>
+      </p:bgPr>
+    </p:bg>
     <p:spTree>
       <p:nvGrpSpPr>
         <p:cNvPr id="1" name=""/>
@@ -10682,12 +10756,202 @@
           <a:chExt cx="0" cy="0"/>
         </a:xfrm>
       </p:grpSpPr>
+      <p:sp useBgFill="1">
+        <p:nvSpPr>
+          <p:cNvPr id="8" name="Rectangle 7">
+            <a:extLst>
+              <a:ext uri="{FF2B5EF4-FFF2-40B4-BE49-F238E27FC236}">
+                <a16:creationId xmlns:a16="http://schemas.microsoft.com/office/drawing/2014/main" id="{3B854194-185D-494D-905C-7C7CB2E30F6E}"/>
+              </a:ext>
+              <a:ext uri="{C183D7F6-B498-43B3-948B-1728B52AA6E4}">
+                <adec:decorative xmlns:adec="http://schemas.microsoft.com/office/drawing/2017/decorative" val="1"/>
+              </a:ext>
+            </a:extLst>
+          </p:cNvPr>
+          <p:cNvSpPr>
+            <a:spLocks noGrp="1" noRot="1" noChangeAspect="1" noMove="1" noResize="1" noEditPoints="1" noAdjustHandles="1" noChangeArrowheads="1" noChangeShapeType="1" noTextEdit="1"/>
+          </p:cNvSpPr>
+          <p:nvPr>
+            <p:extLst>
+              <p:ext uri="{386F3935-93C4-4BCD-93E2-E3B085C9AB24}">
+                <p16:designElem xmlns:p16="http://schemas.microsoft.com/office/powerpoint/2015/main" val="1"/>
+              </p:ext>
+            </p:extLst>
+          </p:nvPr>
+        </p:nvSpPr>
+        <p:spPr>
+          <a:xfrm>
+            <a:off x="1" y="0"/>
+            <a:ext cx="6082110" cy="6858000"/>
+          </a:xfrm>
+          <a:prstGeom prst="rect">
+            <a:avLst/>
+          </a:prstGeom>
+          <a:ln>
+            <a:noFill/>
+          </a:ln>
+        </p:spPr>
+        <p:style>
+          <a:lnRef idx="2">
+            <a:schemeClr val="accent1">
+              <a:shade val="50000"/>
+            </a:schemeClr>
+          </a:lnRef>
+          <a:fillRef idx="1">
+            <a:schemeClr val="accent1"/>
+          </a:fillRef>
+          <a:effectRef idx="0">
+            <a:schemeClr val="accent1"/>
+          </a:effectRef>
+          <a:fontRef idx="minor">
+            <a:schemeClr val="lt1"/>
+          </a:fontRef>
+        </p:style>
+        <p:txBody>
+          <a:bodyPr rtlCol="0" anchor="ctr"/>
+          <a:lstStyle/>
+          <a:p>
+            <a:pPr algn="ctr"/>
+            <a:endParaRPr lang="en-US"/>
+          </a:p>
+        </p:txBody>
+      </p:sp>
+      <p:sp>
+        <p:nvSpPr>
+          <p:cNvPr id="10" name="Rectangle 9">
+            <a:extLst>
+              <a:ext uri="{FF2B5EF4-FFF2-40B4-BE49-F238E27FC236}">
+                <a16:creationId xmlns:a16="http://schemas.microsoft.com/office/drawing/2014/main" id="{B4F5FA0D-0104-4987-8241-EFF7C85B88DE}"/>
+              </a:ext>
+              <a:ext uri="{C183D7F6-B498-43B3-948B-1728B52AA6E4}">
+                <adec:decorative xmlns:adec="http://schemas.microsoft.com/office/drawing/2017/decorative" val="1"/>
+              </a:ext>
+            </a:extLst>
+          </p:cNvPr>
+          <p:cNvSpPr>
+            <a:spLocks noGrp="1" noRot="1" noChangeAspect="1" noMove="1" noResize="1" noEditPoints="1" noAdjustHandles="1" noChangeArrowheads="1" noChangeShapeType="1" noTextEdit="1"/>
+          </p:cNvSpPr>
+          <p:nvPr>
+            <p:extLst>
+              <p:ext uri="{386F3935-93C4-4BCD-93E2-E3B085C9AB24}">
+                <p16:designElem xmlns:p16="http://schemas.microsoft.com/office/powerpoint/2015/main" val="1"/>
+              </p:ext>
+            </p:extLst>
+          </p:nvPr>
+        </p:nvSpPr>
+        <p:spPr>
+          <a:xfrm>
+            <a:off x="1" y="0"/>
+            <a:ext cx="12191998" cy="6858000"/>
+          </a:xfrm>
+          <a:prstGeom prst="rect">
+            <a:avLst/>
+          </a:prstGeom>
+          <a:gradFill>
+            <a:gsLst>
+              <a:gs pos="0">
+                <a:schemeClr val="accent1">
+                  <a:lumMod val="90000"/>
+                </a:schemeClr>
+              </a:gs>
+              <a:gs pos="25000">
+                <a:schemeClr val="accent1">
+                  <a:lumMod val="90000"/>
+                </a:schemeClr>
+              </a:gs>
+              <a:gs pos="94000">
+                <a:schemeClr val="bg2">
+                  <a:lumMod val="25000"/>
+                </a:schemeClr>
+              </a:gs>
+              <a:gs pos="100000">
+                <a:schemeClr val="bg2">
+                  <a:lumMod val="25000"/>
+                </a:schemeClr>
+              </a:gs>
+            </a:gsLst>
+            <a:lin ang="4200000" scaled="0"/>
+          </a:gradFill>
+          <a:ln>
+            <a:noFill/>
+          </a:ln>
+        </p:spPr>
+        <p:style>
+          <a:lnRef idx="2">
+            <a:schemeClr val="accent1">
+              <a:shade val="50000"/>
+            </a:schemeClr>
+          </a:lnRef>
+          <a:fillRef idx="1">
+            <a:schemeClr val="accent1"/>
+          </a:fillRef>
+          <a:effectRef idx="0">
+            <a:schemeClr val="accent1"/>
+          </a:effectRef>
+          <a:fontRef idx="minor">
+            <a:schemeClr val="lt1"/>
+          </a:fontRef>
+        </p:style>
+        <p:txBody>
+          <a:bodyPr rtlCol="0" anchor="ctr"/>
+          <a:lstStyle/>
+          <a:p>
+            <a:pPr algn="ctr"/>
+            <a:endParaRPr lang="en-US"/>
+          </a:p>
+        </p:txBody>
+      </p:sp>
+      <p:pic>
+        <p:nvPicPr>
+          <p:cNvPr id="20" name="Picture 11">
+            <a:extLst>
+              <a:ext uri="{FF2B5EF4-FFF2-40B4-BE49-F238E27FC236}">
+                <a16:creationId xmlns:a16="http://schemas.microsoft.com/office/drawing/2014/main" id="{2897127E-6CEF-446C-BE87-93B7C46E49D1}"/>
+              </a:ext>
+              <a:ext uri="{C183D7F6-B498-43B3-948B-1728B52AA6E4}">
+                <adec:decorative xmlns:adec="http://schemas.microsoft.com/office/drawing/2017/decorative" val="1"/>
+              </a:ext>
+            </a:extLst>
+          </p:cNvPr>
+          <p:cNvPicPr>
+            <a:picLocks noGrp="1" noRot="1" noChangeAspect="1" noMove="1" noResize="1" noEditPoints="1" noAdjustHandles="1" noChangeArrowheads="1" noChangeShapeType="1" noCrop="1"/>
+          </p:cNvPicPr>
+          <p:nvPr>
+            <p:extLst>
+              <p:ext uri="{386F3935-93C4-4BCD-93E2-E3B085C9AB24}">
+                <p16:designElem xmlns:p16="http://schemas.microsoft.com/office/powerpoint/2015/main" val="1"/>
+              </p:ext>
+            </p:extLst>
+          </p:nvPr>
+        </p:nvPicPr>
+        <p:blipFill>
+          <a:blip r:embed="rId2">
+            <a:extLst>
+              <a:ext uri="{28A0092B-C50C-407E-A947-70E740481C1C}">
+                <a14:useLocalDpi xmlns:a14="http://schemas.microsoft.com/office/drawing/2010/main" val="0"/>
+              </a:ext>
+            </a:extLst>
+          </a:blip>
+          <a:stretch>
+            <a:fillRect/>
+          </a:stretch>
+        </p:blipFill>
+        <p:spPr>
+          <a:xfrm>
+            <a:off x="0" y="0"/>
+            <a:ext cx="12192000" cy="6858000"/>
+          </a:xfrm>
+          <a:prstGeom prst="rect">
+            <a:avLst/>
+          </a:prstGeom>
+        </p:spPr>
+      </p:pic>
       <p:sp>
         <p:nvSpPr>
           <p:cNvPr id="2" name="Title 1">
             <a:extLst>
               <a:ext uri="{FF2B5EF4-FFF2-40B4-BE49-F238E27FC236}">
-                <a16:creationId xmlns:a16="http://schemas.microsoft.com/office/drawing/2014/main" id="{009C8563-8243-4BD7-A153-2AF7C9C016E2}"/>
+                <a16:creationId xmlns:a16="http://schemas.microsoft.com/office/drawing/2014/main" id="{5B9111D1-EBA9-469A-A5AC-94959A3B7E01}"/>
               </a:ext>
             </a:extLst>
           </p:cNvPr>
@@ -10698,24 +10962,35 @@
             <p:ph type="title"/>
           </p:nvPr>
         </p:nvSpPr>
-        <p:spPr/>
-        <p:txBody>
-          <a:bodyPr/>
+        <p:spPr>
+          <a:xfrm>
+            <a:off x="640079" y="2053641"/>
+            <a:ext cx="3669161" cy="2760098"/>
+          </a:xfrm>
+        </p:spPr>
+        <p:txBody>
+          <a:bodyPr>
+            <a:normAutofit/>
+          </a:bodyPr>
           <a:lstStyle/>
           <a:p>
             <a:r>
-              <a:rPr lang="en-US" dirty="0"/>
-              <a:t>Branching and Merging</a:t>
-            </a:r>
-          </a:p>
-        </p:txBody>
-      </p:sp>
-      <p:sp>
-        <p:nvSpPr>
-          <p:cNvPr id="3" name="Text Placeholder 2">
+              <a:rPr lang="en-US">
+                <a:solidFill>
+                  <a:srgbClr val="FFFFFF"/>
+                </a:solidFill>
+              </a:rPr>
+              <a:t>Repos</a:t>
+            </a:r>
+          </a:p>
+        </p:txBody>
+      </p:sp>
+      <p:sp>
+        <p:nvSpPr>
+          <p:cNvPr id="3" name="Content Placeholder 2">
             <a:extLst>
               <a:ext uri="{FF2B5EF4-FFF2-40B4-BE49-F238E27FC236}">
-                <a16:creationId xmlns:a16="http://schemas.microsoft.com/office/drawing/2014/main" id="{182F19D3-529A-4D24-A8A1-8F63D0085728}"/>
+                <a16:creationId xmlns:a16="http://schemas.microsoft.com/office/drawing/2014/main" id="{66A1847F-81AF-4B9B-96B0-C1825FDCDF8F}"/>
               </a:ext>
             </a:extLst>
           </p:cNvPr>
@@ -10723,25 +10998,140 @@
             <a:spLocks noGrp="1"/>
           </p:cNvSpPr>
           <p:nvPr>
-            <p:ph type="body" idx="1"/>
-          </p:nvPr>
-        </p:nvSpPr>
-        <p:spPr/>
-        <p:txBody>
-          <a:bodyPr/>
+            <p:ph idx="1"/>
+          </p:nvPr>
+        </p:nvSpPr>
+        <p:spPr>
+          <a:xfrm>
+            <a:off x="6090574" y="801866"/>
+            <a:ext cx="5306084" cy="5230634"/>
+          </a:xfrm>
+        </p:spPr>
+        <p:txBody>
+          <a:bodyPr anchor="ctr">
+            <a:normAutofit/>
+          </a:bodyPr>
           <a:lstStyle/>
           <a:p>
             <a:r>
-              <a:rPr lang="en-US" dirty="0"/>
-              <a:t>How to stay sane</a:t>
-            </a:r>
+              <a:rPr lang="en-US" sz="2200">
+                <a:solidFill>
+                  <a:srgbClr val="000000"/>
+                </a:solidFill>
+              </a:rPr>
+              <a:t>Big 3</a:t>
+            </a:r>
+          </a:p>
+          <a:p>
+            <a:r>
+              <a:rPr lang="en-US" sz="2200">
+                <a:solidFill>
+                  <a:srgbClr val="000000"/>
+                </a:solidFill>
+              </a:rPr>
+              <a:t>Azure Devops</a:t>
+            </a:r>
+          </a:p>
+          <a:p>
+            <a:pPr lvl="1"/>
+            <a:r>
+              <a:rPr lang="en-US" sz="2200">
+                <a:solidFill>
+                  <a:srgbClr val="000000"/>
+                </a:solidFill>
+              </a:rPr>
+              <a:t>Known for closed source projects</a:t>
+            </a:r>
+          </a:p>
+          <a:p>
+            <a:pPr lvl="1"/>
+            <a:r>
+              <a:rPr lang="en-US" sz="2200">
+                <a:solidFill>
+                  <a:srgbClr val="000000"/>
+                </a:solidFill>
+              </a:rPr>
+              <a:t>High-End CI/CD functionality</a:t>
+            </a:r>
+          </a:p>
+          <a:p>
+            <a:pPr lvl="1"/>
+            <a:r>
+              <a:rPr lang="en-US" sz="2200">
+                <a:solidFill>
+                  <a:srgbClr val="000000"/>
+                </a:solidFill>
+              </a:rPr>
+              <a:t>Exceptional project tracking via TFS</a:t>
+            </a:r>
+          </a:p>
+          <a:p>
+            <a:r>
+              <a:rPr lang="en-US" sz="2200">
+                <a:solidFill>
+                  <a:srgbClr val="000000"/>
+                </a:solidFill>
+              </a:rPr>
+              <a:t>GitHub</a:t>
+            </a:r>
+          </a:p>
+          <a:p>
+            <a:pPr lvl="1"/>
+            <a:r>
+              <a:rPr lang="en-US" sz="2200">
+                <a:solidFill>
+                  <a:srgbClr val="000000"/>
+                </a:solidFill>
+              </a:rPr>
+              <a:t>Known for open source projects</a:t>
+            </a:r>
+          </a:p>
+          <a:p>
+            <a:pPr lvl="1"/>
+            <a:r>
+              <a:rPr lang="en-US" sz="2200">
+                <a:solidFill>
+                  <a:srgbClr val="000000"/>
+                </a:solidFill>
+              </a:rPr>
+              <a:t>Exceptional bug-tracking and messaging</a:t>
+            </a:r>
+          </a:p>
+          <a:p>
+            <a:pPr lvl="1"/>
+            <a:r>
+              <a:rPr lang="en-US" sz="2200">
+                <a:solidFill>
+                  <a:srgbClr val="000000"/>
+                </a:solidFill>
+              </a:rPr>
+              <a:t>API works well with most CI/CD platforms, Team City, Jenkins, TFS, etc.</a:t>
+            </a:r>
+          </a:p>
+          <a:p>
+            <a:r>
+              <a:rPr lang="en-US" sz="2200">
+                <a:solidFill>
+                  <a:srgbClr val="000000"/>
+                </a:solidFill>
+              </a:rPr>
+              <a:t>BitBucket</a:t>
+            </a:r>
+          </a:p>
+          <a:p>
+            <a:pPr lvl="1"/>
+            <a:endParaRPr lang="en-US" sz="2200">
+              <a:solidFill>
+                <a:srgbClr val="000000"/>
+              </a:solidFill>
+            </a:endParaRPr>
           </a:p>
         </p:txBody>
       </p:sp>
     </p:spTree>
     <p:extLst>
       <p:ext uri="{BB962C8B-B14F-4D97-AF65-F5344CB8AC3E}">
-        <p14:creationId xmlns:p14="http://schemas.microsoft.com/office/powerpoint/2010/main" val="3084031404"/>
+        <p14:creationId xmlns:p14="http://schemas.microsoft.com/office/powerpoint/2010/main" val="662332301"/>
       </p:ext>
     </p:extLst>
   </p:cSld>
@@ -10754,6 +11144,14 @@
 <file path=ppt/slides/slide23.xml><?xml version="1.0" encoding="utf-8"?>
 <p:sld xmlns:a="http://schemas.openxmlformats.org/drawingml/2006/main" xmlns:r="http://schemas.openxmlformats.org/officeDocument/2006/relationships" xmlns:p="http://schemas.openxmlformats.org/presentationml/2006/main">
   <p:cSld>
+    <p:bg>
+      <p:bgPr>
+        <a:solidFill>
+          <a:schemeClr val="bg1"/>
+        </a:solidFill>
+        <a:effectLst/>
+      </p:bgPr>
+    </p:bg>
     <p:spTree>
       <p:nvGrpSpPr>
         <p:cNvPr id="1" name=""/>
@@ -10768,48 +11166,172 @@
           <a:chExt cx="0" cy="0"/>
         </a:xfrm>
       </p:grpSpPr>
-      <p:sp>
-        <p:nvSpPr>
-          <p:cNvPr id="4" name="Title 3">
+      <p:sp useBgFill="1">
+        <p:nvSpPr>
+          <p:cNvPr id="8" name="Rectangle 7">
             <a:extLst>
               <a:ext uri="{FF2B5EF4-FFF2-40B4-BE49-F238E27FC236}">
-                <a16:creationId xmlns:a16="http://schemas.microsoft.com/office/drawing/2014/main" id="{B4D0A662-C37A-473D-A246-0D681A71BA66}"/>
+                <a16:creationId xmlns:a16="http://schemas.microsoft.com/office/drawing/2014/main" id="{3B854194-185D-494D-905C-7C7CB2E30F6E}"/>
+              </a:ext>
+              <a:ext uri="{C183D7F6-B498-43B3-948B-1728B52AA6E4}">
+                <adec:decorative xmlns:adec="http://schemas.microsoft.com/office/drawing/2017/decorative" val="1"/>
               </a:ext>
             </a:extLst>
           </p:cNvPr>
           <p:cNvSpPr>
-            <a:spLocks noGrp="1"/>
-          </p:cNvSpPr>
-          <p:nvPr>
-            <p:ph type="title"/>
-          </p:nvPr>
-        </p:nvSpPr>
-        <p:spPr/>
-        <p:txBody>
-          <a:bodyPr/>
+            <a:spLocks noGrp="1" noRot="1" noChangeAspect="1" noMove="1" noResize="1" noEditPoints="1" noAdjustHandles="1" noChangeArrowheads="1" noChangeShapeType="1" noTextEdit="1"/>
+          </p:cNvSpPr>
+          <p:nvPr>
+            <p:extLst>
+              <p:ext uri="{386F3935-93C4-4BCD-93E2-E3B085C9AB24}">
+                <p16:designElem xmlns:p16="http://schemas.microsoft.com/office/powerpoint/2015/main" val="1"/>
+              </p:ext>
+            </p:extLst>
+          </p:nvPr>
+        </p:nvSpPr>
+        <p:spPr>
+          <a:xfrm>
+            <a:off x="1" y="0"/>
+            <a:ext cx="6082110" cy="6858000"/>
+          </a:xfrm>
+          <a:prstGeom prst="rect">
+            <a:avLst/>
+          </a:prstGeom>
+          <a:ln>
+            <a:noFill/>
+          </a:ln>
+        </p:spPr>
+        <p:style>
+          <a:lnRef idx="2">
+            <a:schemeClr val="accent1">
+              <a:shade val="50000"/>
+            </a:schemeClr>
+          </a:lnRef>
+          <a:fillRef idx="1">
+            <a:schemeClr val="accent1"/>
+          </a:fillRef>
+          <a:effectRef idx="0">
+            <a:schemeClr val="accent1"/>
+          </a:effectRef>
+          <a:fontRef idx="minor">
+            <a:schemeClr val="lt1"/>
+          </a:fontRef>
+        </p:style>
+        <p:txBody>
+          <a:bodyPr rtlCol="0" anchor="ctr"/>
           <a:lstStyle/>
           <a:p>
-            <a:r>
-              <a:rPr lang="en-US" dirty="0"/>
-              <a:t>Gitflow</a:t>
-            </a:r>
+            <a:pPr algn="ctr"/>
+            <a:endParaRPr lang="en-US"/>
+          </a:p>
+        </p:txBody>
+      </p:sp>
+      <p:sp>
+        <p:nvSpPr>
+          <p:cNvPr id="10" name="Rectangle 9">
+            <a:extLst>
+              <a:ext uri="{FF2B5EF4-FFF2-40B4-BE49-F238E27FC236}">
+                <a16:creationId xmlns:a16="http://schemas.microsoft.com/office/drawing/2014/main" id="{B4F5FA0D-0104-4987-8241-EFF7C85B88DE}"/>
+              </a:ext>
+              <a:ext uri="{C183D7F6-B498-43B3-948B-1728B52AA6E4}">
+                <adec:decorative xmlns:adec="http://schemas.microsoft.com/office/drawing/2017/decorative" val="1"/>
+              </a:ext>
+            </a:extLst>
+          </p:cNvPr>
+          <p:cNvSpPr>
+            <a:spLocks noGrp="1" noRot="1" noChangeAspect="1" noMove="1" noResize="1" noEditPoints="1" noAdjustHandles="1" noChangeArrowheads="1" noChangeShapeType="1" noTextEdit="1"/>
+          </p:cNvSpPr>
+          <p:nvPr>
+            <p:extLst>
+              <p:ext uri="{386F3935-93C4-4BCD-93E2-E3B085C9AB24}">
+                <p16:designElem xmlns:p16="http://schemas.microsoft.com/office/powerpoint/2015/main" val="1"/>
+              </p:ext>
+            </p:extLst>
+          </p:nvPr>
+        </p:nvSpPr>
+        <p:spPr>
+          <a:xfrm>
+            <a:off x="1" y="0"/>
+            <a:ext cx="12191998" cy="6858000"/>
+          </a:xfrm>
+          <a:prstGeom prst="rect">
+            <a:avLst/>
+          </a:prstGeom>
+          <a:gradFill>
+            <a:gsLst>
+              <a:gs pos="0">
+                <a:schemeClr val="accent1">
+                  <a:lumMod val="90000"/>
+                </a:schemeClr>
+              </a:gs>
+              <a:gs pos="25000">
+                <a:schemeClr val="accent1">
+                  <a:lumMod val="90000"/>
+                </a:schemeClr>
+              </a:gs>
+              <a:gs pos="94000">
+                <a:schemeClr val="bg2">
+                  <a:lumMod val="25000"/>
+                </a:schemeClr>
+              </a:gs>
+              <a:gs pos="100000">
+                <a:schemeClr val="bg2">
+                  <a:lumMod val="25000"/>
+                </a:schemeClr>
+              </a:gs>
+            </a:gsLst>
+            <a:lin ang="4200000" scaled="0"/>
+          </a:gradFill>
+          <a:ln>
+            <a:noFill/>
+          </a:ln>
+        </p:spPr>
+        <p:style>
+          <a:lnRef idx="2">
+            <a:schemeClr val="accent1">
+              <a:shade val="50000"/>
+            </a:schemeClr>
+          </a:lnRef>
+          <a:fillRef idx="1">
+            <a:schemeClr val="accent1"/>
+          </a:fillRef>
+          <a:effectRef idx="0">
+            <a:schemeClr val="accent1"/>
+          </a:effectRef>
+          <a:fontRef idx="minor">
+            <a:schemeClr val="lt1"/>
+          </a:fontRef>
+        </p:style>
+        <p:txBody>
+          <a:bodyPr rtlCol="0" anchor="ctr"/>
+          <a:lstStyle/>
+          <a:p>
+            <a:pPr algn="ctr"/>
+            <a:endParaRPr lang="en-US"/>
           </a:p>
         </p:txBody>
       </p:sp>
       <p:pic>
         <p:nvPicPr>
-          <p:cNvPr id="7" name="Content Placeholder 6">
+          <p:cNvPr id="12" name="Picture 11">
             <a:extLst>
               <a:ext uri="{FF2B5EF4-FFF2-40B4-BE49-F238E27FC236}">
-                <a16:creationId xmlns:a16="http://schemas.microsoft.com/office/drawing/2014/main" id="{EEB5084E-8EDB-474F-8DAC-73F4A7AF336D}"/>
+                <a16:creationId xmlns:a16="http://schemas.microsoft.com/office/drawing/2014/main" id="{2897127E-6CEF-446C-BE87-93B7C46E49D1}"/>
+              </a:ext>
+              <a:ext uri="{C183D7F6-B498-43B3-948B-1728B52AA6E4}">
+                <adec:decorative xmlns:adec="http://schemas.microsoft.com/office/drawing/2017/decorative" val="1"/>
               </a:ext>
             </a:extLst>
           </p:cNvPr>
           <p:cNvPicPr>
-            <a:picLocks noGrp="1" noChangeAspect="1"/>
+            <a:picLocks noGrp="1" noRot="1" noChangeAspect="1" noMove="1" noResize="1" noEditPoints="1" noAdjustHandles="1" noChangeArrowheads="1" noChangeShapeType="1" noCrop="1"/>
           </p:cNvPicPr>
           <p:nvPr>
-            <p:ph idx="1"/>
+            <p:extLst>
+              <p:ext uri="{386F3935-93C4-4BCD-93E2-E3B085C9AB24}">
+                <p16:designElem xmlns:p16="http://schemas.microsoft.com/office/powerpoint/2015/main" val="1"/>
+              </p:ext>
+            </p:extLst>
           </p:nvPr>
         </p:nvPicPr>
         <p:blipFill>
@@ -10818,39 +11340,177 @@
               <a:ext uri="{28A0092B-C50C-407E-A947-70E740481C1C}">
                 <a14:useLocalDpi xmlns:a14="http://schemas.microsoft.com/office/drawing/2010/main" val="0"/>
               </a:ext>
-              <a:ext uri="{96DAC541-7B7A-43D3-8B79-37D633B846F1}">
-                <asvg:svgBlip xmlns:asvg="http://schemas.microsoft.com/office/drawing/2016/SVG/main" r:embed="rId3"/>
-              </a:ext>
             </a:extLst>
           </a:blip>
           <a:stretch>
             <a:fillRect/>
           </a:stretch>
         </p:blipFill>
-        <p:spPr bwMode="auto">
-          <a:xfrm>
-            <a:off x="3063709" y="1825625"/>
-            <a:ext cx="6064582" cy="4351338"/>
+        <p:spPr>
+          <a:xfrm>
+            <a:off x="0" y="0"/>
+            <a:ext cx="12192000" cy="6858000"/>
           </a:xfrm>
           <a:prstGeom prst="rect">
             <a:avLst/>
           </a:prstGeom>
-          <a:noFill/>
-          <a:extLst>
-            <a:ext uri="{909E8E84-426E-40DD-AFC4-6F175D3DCCD1}">
-              <a14:hiddenFill xmlns:a14="http://schemas.microsoft.com/office/drawing/2010/main">
+        </p:spPr>
+      </p:pic>
+      <p:sp>
+        <p:nvSpPr>
+          <p:cNvPr id="2" name="Title 1">
+            <a:extLst>
+              <a:ext uri="{FF2B5EF4-FFF2-40B4-BE49-F238E27FC236}">
+                <a16:creationId xmlns:a16="http://schemas.microsoft.com/office/drawing/2014/main" id="{29093CCA-7953-439D-9E03-48C7A94BACAD}"/>
+              </a:ext>
+            </a:extLst>
+          </p:cNvPr>
+          <p:cNvSpPr>
+            <a:spLocks noGrp="1"/>
+          </p:cNvSpPr>
+          <p:nvPr>
+            <p:ph type="title"/>
+          </p:nvPr>
+        </p:nvSpPr>
+        <p:spPr>
+          <a:xfrm>
+            <a:off x="640079" y="2053641"/>
+            <a:ext cx="3669161" cy="2760098"/>
+          </a:xfrm>
+        </p:spPr>
+        <p:txBody>
+          <a:bodyPr>
+            <a:normAutofit/>
+          </a:bodyPr>
+          <a:lstStyle/>
+          <a:p>
+            <a:r>
+              <a:rPr lang="en-US">
                 <a:solidFill>
                   <a:srgbClr val="FFFFFF"/>
                 </a:solidFill>
-              </a14:hiddenFill>
-            </a:ext>
-          </a:extLst>
-        </p:spPr>
-      </p:pic>
+              </a:rPr>
+              <a:t>Azure Devops</a:t>
+            </a:r>
+          </a:p>
+        </p:txBody>
+      </p:sp>
+      <p:sp>
+        <p:nvSpPr>
+          <p:cNvPr id="3" name="Content Placeholder 2">
+            <a:extLst>
+              <a:ext uri="{FF2B5EF4-FFF2-40B4-BE49-F238E27FC236}">
+                <a16:creationId xmlns:a16="http://schemas.microsoft.com/office/drawing/2014/main" id="{5552C562-13BC-49D0-9EF3-1406A4C3C4E4}"/>
+              </a:ext>
+            </a:extLst>
+          </p:cNvPr>
+          <p:cNvSpPr>
+            <a:spLocks noGrp="1"/>
+          </p:cNvSpPr>
+          <p:nvPr>
+            <p:ph idx="1"/>
+          </p:nvPr>
+        </p:nvSpPr>
+        <p:spPr>
+          <a:xfrm>
+            <a:off x="6090574" y="801866"/>
+            <a:ext cx="5306084" cy="5230634"/>
+          </a:xfrm>
+        </p:spPr>
+        <p:txBody>
+          <a:bodyPr anchor="ctr">
+            <a:normAutofit/>
+          </a:bodyPr>
+          <a:lstStyle/>
+          <a:p>
+            <a:r>
+              <a:rPr lang="en-US" sz="2400">
+                <a:solidFill>
+                  <a:srgbClr val="000000"/>
+                </a:solidFill>
+              </a:rPr>
+              <a:t>Free up to 5 users</a:t>
+            </a:r>
+          </a:p>
+          <a:p>
+            <a:r>
+              <a:rPr lang="en-US" sz="2400">
+                <a:solidFill>
+                  <a:srgbClr val="000000"/>
+                </a:solidFill>
+              </a:rPr>
+              <a:t>Unlimited private repos</a:t>
+            </a:r>
+          </a:p>
+          <a:p>
+            <a:r>
+              <a:rPr lang="en-US" sz="2400" strike="sngStrike">
+                <a:solidFill>
+                  <a:srgbClr val="000000"/>
+                </a:solidFill>
+              </a:rPr>
+              <a:t>No public repositories! </a:t>
+            </a:r>
+            <a:r>
+              <a:rPr lang="en-US" sz="2400">
+                <a:solidFill>
+                  <a:srgbClr val="000000"/>
+                </a:solidFill>
+              </a:rPr>
+              <a:t>Public Repositories are in preview as of this writing.</a:t>
+            </a:r>
+            <a:endParaRPr lang="en-US" sz="2400" strike="sngStrike">
+              <a:solidFill>
+                <a:srgbClr val="000000"/>
+              </a:solidFill>
+            </a:endParaRPr>
+          </a:p>
+          <a:p>
+            <a:r>
+              <a:rPr lang="en-US" sz="2400">
+                <a:solidFill>
+                  <a:srgbClr val="000000"/>
+                </a:solidFill>
+              </a:rPr>
+              <a:t>CI/CD pipeline is well developed – no Team City necessary, Octopus Deploy is debatable.</a:t>
+            </a:r>
+          </a:p>
+          <a:p>
+            <a:r>
+              <a:rPr lang="en-US" sz="2400">
+                <a:solidFill>
+                  <a:srgbClr val="000000"/>
+                </a:solidFill>
+              </a:rPr>
+              <a:t>Azure is well integrated – great for websites, services, mobile, etc</a:t>
+            </a:r>
+          </a:p>
+          <a:p>
+            <a:r>
+              <a:rPr lang="en-US" sz="2400">
+                <a:solidFill>
+                  <a:srgbClr val="000000"/>
+                </a:solidFill>
+              </a:rPr>
+              <a:t>Great choice for small business!</a:t>
+            </a:r>
+          </a:p>
+          <a:p>
+            <a:r>
+              <a:rPr lang="en-US" sz="2400">
+                <a:solidFill>
+                  <a:srgbClr val="000000"/>
+                </a:solidFill>
+              </a:rPr>
+              <a:t>Learning Curve: Experience with MS products makes this easy-ish</a:t>
+            </a:r>
+          </a:p>
+        </p:txBody>
+      </p:sp>
     </p:spTree>
     <p:extLst>
       <p:ext uri="{BB962C8B-B14F-4D97-AF65-F5344CB8AC3E}">
-        <p14:creationId xmlns:p14="http://schemas.microsoft.com/office/powerpoint/2010/main" val="2377605413"/>
+        <p14:creationId xmlns:p14="http://schemas.microsoft.com/office/powerpoint/2010/main" val="951745335"/>
       </p:ext>
     </p:extLst>
   </p:cSld>
@@ -10863,6 +11523,14 @@
 <file path=ppt/slides/slide24.xml><?xml version="1.0" encoding="utf-8"?>
 <p:sld xmlns:a="http://schemas.openxmlformats.org/drawingml/2006/main" xmlns:r="http://schemas.openxmlformats.org/officeDocument/2006/relationships" xmlns:p="http://schemas.openxmlformats.org/presentationml/2006/main">
   <p:cSld>
+    <p:bg>
+      <p:bgPr>
+        <a:solidFill>
+          <a:schemeClr val="bg1"/>
+        </a:solidFill>
+        <a:effectLst/>
+      </p:bgPr>
+    </p:bg>
     <p:spTree>
       <p:nvGrpSpPr>
         <p:cNvPr id="1" name=""/>
@@ -10877,48 +11545,172 @@
           <a:chExt cx="0" cy="0"/>
         </a:xfrm>
       </p:grpSpPr>
-      <p:sp>
-        <p:nvSpPr>
-          <p:cNvPr id="2" name="Title 1">
+      <p:sp useBgFill="1">
+        <p:nvSpPr>
+          <p:cNvPr id="8" name="Rectangle 7">
             <a:extLst>
               <a:ext uri="{FF2B5EF4-FFF2-40B4-BE49-F238E27FC236}">
-                <a16:creationId xmlns:a16="http://schemas.microsoft.com/office/drawing/2014/main" id="{CC4A54E6-05F8-4D89-971E-BC053D209B94}"/>
+                <a16:creationId xmlns:a16="http://schemas.microsoft.com/office/drawing/2014/main" id="{3B854194-185D-494D-905C-7C7CB2E30F6E}"/>
+              </a:ext>
+              <a:ext uri="{C183D7F6-B498-43B3-948B-1728B52AA6E4}">
+                <adec:decorative xmlns:adec="http://schemas.microsoft.com/office/drawing/2017/decorative" val="1"/>
               </a:ext>
             </a:extLst>
           </p:cNvPr>
           <p:cNvSpPr>
-            <a:spLocks noGrp="1"/>
-          </p:cNvSpPr>
-          <p:nvPr>
-            <p:ph type="title"/>
-          </p:nvPr>
-        </p:nvSpPr>
-        <p:spPr/>
-        <p:txBody>
-          <a:bodyPr/>
+            <a:spLocks noGrp="1" noRot="1" noChangeAspect="1" noMove="1" noResize="1" noEditPoints="1" noAdjustHandles="1" noChangeArrowheads="1" noChangeShapeType="1" noTextEdit="1"/>
+          </p:cNvSpPr>
+          <p:nvPr>
+            <p:extLst>
+              <p:ext uri="{386F3935-93C4-4BCD-93E2-E3B085C9AB24}">
+                <p16:designElem xmlns:p16="http://schemas.microsoft.com/office/powerpoint/2015/main" val="1"/>
+              </p:ext>
+            </p:extLst>
+          </p:nvPr>
+        </p:nvSpPr>
+        <p:spPr>
+          <a:xfrm>
+            <a:off x="1" y="0"/>
+            <a:ext cx="6082110" cy="6858000"/>
+          </a:xfrm>
+          <a:prstGeom prst="rect">
+            <a:avLst/>
+          </a:prstGeom>
+          <a:ln>
+            <a:noFill/>
+          </a:ln>
+        </p:spPr>
+        <p:style>
+          <a:lnRef idx="2">
+            <a:schemeClr val="accent1">
+              <a:shade val="50000"/>
+            </a:schemeClr>
+          </a:lnRef>
+          <a:fillRef idx="1">
+            <a:schemeClr val="accent1"/>
+          </a:fillRef>
+          <a:effectRef idx="0">
+            <a:schemeClr val="accent1"/>
+          </a:effectRef>
+          <a:fontRef idx="minor">
+            <a:schemeClr val="lt1"/>
+          </a:fontRef>
+        </p:style>
+        <p:txBody>
+          <a:bodyPr rtlCol="0" anchor="ctr"/>
           <a:lstStyle/>
           <a:p>
-            <a:r>
-              <a:rPr lang="en-US" dirty="0"/>
-              <a:t>Github Flow</a:t>
-            </a:r>
+            <a:pPr algn="ctr"/>
+            <a:endParaRPr lang="en-US"/>
+          </a:p>
+        </p:txBody>
+      </p:sp>
+      <p:sp>
+        <p:nvSpPr>
+          <p:cNvPr id="14" name="Rectangle 9">
+            <a:extLst>
+              <a:ext uri="{FF2B5EF4-FFF2-40B4-BE49-F238E27FC236}">
+                <a16:creationId xmlns:a16="http://schemas.microsoft.com/office/drawing/2014/main" id="{B4F5FA0D-0104-4987-8241-EFF7C85B88DE}"/>
+              </a:ext>
+              <a:ext uri="{C183D7F6-B498-43B3-948B-1728B52AA6E4}">
+                <adec:decorative xmlns:adec="http://schemas.microsoft.com/office/drawing/2017/decorative" val="1"/>
+              </a:ext>
+            </a:extLst>
+          </p:cNvPr>
+          <p:cNvSpPr>
+            <a:spLocks noGrp="1" noRot="1" noChangeAspect="1" noMove="1" noResize="1" noEditPoints="1" noAdjustHandles="1" noChangeArrowheads="1" noChangeShapeType="1" noTextEdit="1"/>
+          </p:cNvSpPr>
+          <p:nvPr>
+            <p:extLst>
+              <p:ext uri="{386F3935-93C4-4BCD-93E2-E3B085C9AB24}">
+                <p16:designElem xmlns:p16="http://schemas.microsoft.com/office/powerpoint/2015/main" val="1"/>
+              </p:ext>
+            </p:extLst>
+          </p:nvPr>
+        </p:nvSpPr>
+        <p:spPr>
+          <a:xfrm>
+            <a:off x="1" y="0"/>
+            <a:ext cx="12191998" cy="6858000"/>
+          </a:xfrm>
+          <a:prstGeom prst="rect">
+            <a:avLst/>
+          </a:prstGeom>
+          <a:gradFill>
+            <a:gsLst>
+              <a:gs pos="0">
+                <a:schemeClr val="accent1">
+                  <a:lumMod val="90000"/>
+                </a:schemeClr>
+              </a:gs>
+              <a:gs pos="25000">
+                <a:schemeClr val="accent1">
+                  <a:lumMod val="90000"/>
+                </a:schemeClr>
+              </a:gs>
+              <a:gs pos="94000">
+                <a:schemeClr val="bg2">
+                  <a:lumMod val="25000"/>
+                </a:schemeClr>
+              </a:gs>
+              <a:gs pos="100000">
+                <a:schemeClr val="bg2">
+                  <a:lumMod val="25000"/>
+                </a:schemeClr>
+              </a:gs>
+            </a:gsLst>
+            <a:lin ang="4200000" scaled="0"/>
+          </a:gradFill>
+          <a:ln>
+            <a:noFill/>
+          </a:ln>
+        </p:spPr>
+        <p:style>
+          <a:lnRef idx="2">
+            <a:schemeClr val="accent1">
+              <a:shade val="50000"/>
+            </a:schemeClr>
+          </a:lnRef>
+          <a:fillRef idx="1">
+            <a:schemeClr val="accent1"/>
+          </a:fillRef>
+          <a:effectRef idx="0">
+            <a:schemeClr val="accent1"/>
+          </a:effectRef>
+          <a:fontRef idx="minor">
+            <a:schemeClr val="lt1"/>
+          </a:fontRef>
+        </p:style>
+        <p:txBody>
+          <a:bodyPr rtlCol="0" anchor="ctr"/>
+          <a:lstStyle/>
+          <a:p>
+            <a:pPr algn="ctr"/>
+            <a:endParaRPr lang="en-US"/>
           </a:p>
         </p:txBody>
       </p:sp>
       <p:pic>
         <p:nvPicPr>
-          <p:cNvPr id="5" name="Content Placeholder 4">
+          <p:cNvPr id="15" name="Picture 11">
             <a:extLst>
               <a:ext uri="{FF2B5EF4-FFF2-40B4-BE49-F238E27FC236}">
-                <a16:creationId xmlns:a16="http://schemas.microsoft.com/office/drawing/2014/main" id="{7A2BCEFD-3342-43C1-B40B-42DE90C5E3F6}"/>
+                <a16:creationId xmlns:a16="http://schemas.microsoft.com/office/drawing/2014/main" id="{2897127E-6CEF-446C-BE87-93B7C46E49D1}"/>
+              </a:ext>
+              <a:ext uri="{C183D7F6-B498-43B3-948B-1728B52AA6E4}">
+                <adec:decorative xmlns:adec="http://schemas.microsoft.com/office/drawing/2017/decorative" val="1"/>
               </a:ext>
             </a:extLst>
           </p:cNvPr>
           <p:cNvPicPr>
-            <a:picLocks noGrp="1" noChangeAspect="1"/>
+            <a:picLocks noGrp="1" noRot="1" noChangeAspect="1" noMove="1" noResize="1" noEditPoints="1" noAdjustHandles="1" noChangeArrowheads="1" noChangeShapeType="1" noCrop="1"/>
           </p:cNvPicPr>
           <p:nvPr>
-            <p:ph idx="1"/>
+            <p:extLst>
+              <p:ext uri="{386F3935-93C4-4BCD-93E2-E3B085C9AB24}">
+                <p16:designElem xmlns:p16="http://schemas.microsoft.com/office/powerpoint/2015/main" val="1"/>
+              </p:ext>
+            </p:extLst>
           </p:nvPr>
         </p:nvPicPr>
         <p:blipFill>
@@ -10935,15 +11727,191 @@
         </p:blipFill>
         <p:spPr>
           <a:xfrm>
-            <a:off x="838200" y="2678073"/>
-            <a:ext cx="10515600" cy="2646442"/>
-          </a:xfrm>
+            <a:off x="0" y="0"/>
+            <a:ext cx="12192000" cy="6858000"/>
+          </a:xfrm>
+          <a:prstGeom prst="rect">
+            <a:avLst/>
+          </a:prstGeom>
         </p:spPr>
       </p:pic>
+      <p:sp>
+        <p:nvSpPr>
+          <p:cNvPr id="2" name="Title 1">
+            <a:extLst>
+              <a:ext uri="{FF2B5EF4-FFF2-40B4-BE49-F238E27FC236}">
+                <a16:creationId xmlns:a16="http://schemas.microsoft.com/office/drawing/2014/main" id="{9F5EE912-1E0A-470C-AB7B-2F2CCC87BB2A}"/>
+              </a:ext>
+            </a:extLst>
+          </p:cNvPr>
+          <p:cNvSpPr>
+            <a:spLocks noGrp="1"/>
+          </p:cNvSpPr>
+          <p:nvPr>
+            <p:ph type="title"/>
+          </p:nvPr>
+        </p:nvSpPr>
+        <p:spPr>
+          <a:xfrm>
+            <a:off x="640079" y="2053641"/>
+            <a:ext cx="3669161" cy="2760098"/>
+          </a:xfrm>
+        </p:spPr>
+        <p:txBody>
+          <a:bodyPr>
+            <a:normAutofit/>
+          </a:bodyPr>
+          <a:lstStyle/>
+          <a:p>
+            <a:r>
+              <a:rPr lang="en-US">
+                <a:solidFill>
+                  <a:srgbClr val="FFFFFF"/>
+                </a:solidFill>
+              </a:rPr>
+              <a:t>Github</a:t>
+            </a:r>
+          </a:p>
+        </p:txBody>
+      </p:sp>
+      <p:sp>
+        <p:nvSpPr>
+          <p:cNvPr id="3" name="Content Placeholder 2">
+            <a:extLst>
+              <a:ext uri="{FF2B5EF4-FFF2-40B4-BE49-F238E27FC236}">
+                <a16:creationId xmlns:a16="http://schemas.microsoft.com/office/drawing/2014/main" id="{64252670-4F73-4792-B175-6F43FDE66830}"/>
+              </a:ext>
+            </a:extLst>
+          </p:cNvPr>
+          <p:cNvSpPr>
+            <a:spLocks noGrp="1"/>
+          </p:cNvSpPr>
+          <p:nvPr>
+            <p:ph idx="1"/>
+          </p:nvPr>
+        </p:nvSpPr>
+        <p:spPr>
+          <a:xfrm>
+            <a:off x="6090574" y="801866"/>
+            <a:ext cx="5306084" cy="5230634"/>
+          </a:xfrm>
+        </p:spPr>
+        <p:txBody>
+          <a:bodyPr anchor="ctr">
+            <a:normAutofit/>
+          </a:bodyPr>
+          <a:lstStyle/>
+          <a:p>
+            <a:r>
+              <a:rPr lang="en-US" sz="2000">
+                <a:solidFill>
+                  <a:srgbClr val="000000"/>
+                </a:solidFill>
+              </a:rPr>
+              <a:t>Most widely used hosting platform</a:t>
+            </a:r>
+          </a:p>
+          <a:p>
+            <a:r>
+              <a:rPr lang="en-US" sz="2000">
+                <a:solidFill>
+                  <a:srgbClr val="000000"/>
+                </a:solidFill>
+              </a:rPr>
+              <a:t>Unlimited public repositories</a:t>
+            </a:r>
+          </a:p>
+          <a:p>
+            <a:r>
+              <a:rPr lang="en-US" sz="2000">
+                <a:solidFill>
+                  <a:srgbClr val="000000"/>
+                </a:solidFill>
+              </a:rPr>
+              <a:t>$7/month personal account with unlimited private repositories</a:t>
+            </a:r>
+          </a:p>
+          <a:p>
+            <a:r>
+              <a:rPr lang="en-US" sz="2000">
+                <a:solidFill>
+                  <a:srgbClr val="000000"/>
+                </a:solidFill>
+              </a:rPr>
+              <a:t>Enterprise plans allow on-premises hosted solutions.</a:t>
+            </a:r>
+          </a:p>
+          <a:p>
+            <a:r>
+              <a:rPr lang="en-US" sz="2000">
+                <a:solidFill>
+                  <a:srgbClr val="000000"/>
+                </a:solidFill>
+              </a:rPr>
+              <a:t>Learning Curve: Experience with Git helps make this easy-ish</a:t>
+            </a:r>
+          </a:p>
+          <a:p>
+            <a:endParaRPr lang="en-US" sz="2000">
+              <a:solidFill>
+                <a:srgbClr val="000000"/>
+              </a:solidFill>
+            </a:endParaRPr>
+          </a:p>
+          <a:p>
+            <a:r>
+              <a:rPr lang="en-US" sz="2000" b="1">
+                <a:solidFill>
+                  <a:srgbClr val="000000"/>
+                </a:solidFill>
+              </a:rPr>
+              <a:t>EVERY DEVELOPER SHOULD HAVE A GITHUB PROFILE</a:t>
+            </a:r>
+            <a:endParaRPr lang="en-US" sz="2000">
+              <a:solidFill>
+                <a:srgbClr val="000000"/>
+              </a:solidFill>
+            </a:endParaRPr>
+          </a:p>
+          <a:p>
+            <a:pPr lvl="1"/>
+            <a:r>
+              <a:rPr lang="en-US" sz="2000">
+                <a:solidFill>
+                  <a:srgbClr val="000000"/>
+                </a:solidFill>
+              </a:rPr>
+              <a:t>Host code you’re proud of</a:t>
+            </a:r>
+          </a:p>
+          <a:p>
+            <a:pPr lvl="1"/>
+            <a:r>
+              <a:rPr lang="en-US" sz="2000">
+                <a:solidFill>
+                  <a:srgbClr val="000000"/>
+                </a:solidFill>
+              </a:rPr>
+              <a:t>Fork someone else’s code and make a change</a:t>
+            </a:r>
+          </a:p>
+          <a:p>
+            <a:pPr lvl="1"/>
+            <a:r>
+              <a:rPr lang="en-US" sz="2000">
+                <a:solidFill>
+                  <a:srgbClr val="000000"/>
+                </a:solidFill>
+              </a:rPr>
+              <a:t>It’s as good as or better than a resume!</a:t>
+            </a:r>
+          </a:p>
+        </p:txBody>
+      </p:sp>
     </p:spTree>
     <p:extLst>
       <p:ext uri="{BB962C8B-B14F-4D97-AF65-F5344CB8AC3E}">
-        <p14:creationId xmlns:p14="http://schemas.microsoft.com/office/powerpoint/2010/main" val="3213113248"/>
+        <p14:creationId xmlns:p14="http://schemas.microsoft.com/office/powerpoint/2010/main" val="3303160553"/>
       </p:ext>
     </p:extLst>
   </p:cSld>
@@ -10956,6 +11924,14 @@
 <file path=ppt/slides/slide25.xml><?xml version="1.0" encoding="utf-8"?>
 <p:sld xmlns:a="http://schemas.openxmlformats.org/drawingml/2006/main" xmlns:r="http://schemas.openxmlformats.org/officeDocument/2006/relationships" xmlns:p="http://schemas.openxmlformats.org/presentationml/2006/main">
   <p:cSld>
+    <p:bg>
+      <p:bgPr>
+        <a:solidFill>
+          <a:schemeClr val="bg1"/>
+        </a:solidFill>
+        <a:effectLst/>
+      </p:bgPr>
+    </p:bg>
     <p:spTree>
       <p:nvGrpSpPr>
         <p:cNvPr id="1" name=""/>
@@ -10970,12 +11946,202 @@
           <a:chExt cx="0" cy="0"/>
         </a:xfrm>
       </p:grpSpPr>
+      <p:sp useBgFill="1">
+        <p:nvSpPr>
+          <p:cNvPr id="8" name="Rectangle 7">
+            <a:extLst>
+              <a:ext uri="{FF2B5EF4-FFF2-40B4-BE49-F238E27FC236}">
+                <a16:creationId xmlns:a16="http://schemas.microsoft.com/office/drawing/2014/main" id="{3B854194-185D-494D-905C-7C7CB2E30F6E}"/>
+              </a:ext>
+              <a:ext uri="{C183D7F6-B498-43B3-948B-1728B52AA6E4}">
+                <adec:decorative xmlns:adec="http://schemas.microsoft.com/office/drawing/2017/decorative" val="1"/>
+              </a:ext>
+            </a:extLst>
+          </p:cNvPr>
+          <p:cNvSpPr>
+            <a:spLocks noGrp="1" noRot="1" noChangeAspect="1" noMove="1" noResize="1" noEditPoints="1" noAdjustHandles="1" noChangeArrowheads="1" noChangeShapeType="1" noTextEdit="1"/>
+          </p:cNvSpPr>
+          <p:nvPr>
+            <p:extLst>
+              <p:ext uri="{386F3935-93C4-4BCD-93E2-E3B085C9AB24}">
+                <p16:designElem xmlns:p16="http://schemas.microsoft.com/office/powerpoint/2015/main" val="1"/>
+              </p:ext>
+            </p:extLst>
+          </p:nvPr>
+        </p:nvSpPr>
+        <p:spPr>
+          <a:xfrm>
+            <a:off x="1" y="0"/>
+            <a:ext cx="6082110" cy="6858000"/>
+          </a:xfrm>
+          <a:prstGeom prst="rect">
+            <a:avLst/>
+          </a:prstGeom>
+          <a:ln>
+            <a:noFill/>
+          </a:ln>
+        </p:spPr>
+        <p:style>
+          <a:lnRef idx="2">
+            <a:schemeClr val="accent1">
+              <a:shade val="50000"/>
+            </a:schemeClr>
+          </a:lnRef>
+          <a:fillRef idx="1">
+            <a:schemeClr val="accent1"/>
+          </a:fillRef>
+          <a:effectRef idx="0">
+            <a:schemeClr val="accent1"/>
+          </a:effectRef>
+          <a:fontRef idx="minor">
+            <a:schemeClr val="lt1"/>
+          </a:fontRef>
+        </p:style>
+        <p:txBody>
+          <a:bodyPr rtlCol="0" anchor="ctr"/>
+          <a:lstStyle/>
+          <a:p>
+            <a:pPr algn="ctr"/>
+            <a:endParaRPr lang="en-US"/>
+          </a:p>
+        </p:txBody>
+      </p:sp>
+      <p:sp>
+        <p:nvSpPr>
+          <p:cNvPr id="10" name="Rectangle 9">
+            <a:extLst>
+              <a:ext uri="{FF2B5EF4-FFF2-40B4-BE49-F238E27FC236}">
+                <a16:creationId xmlns:a16="http://schemas.microsoft.com/office/drawing/2014/main" id="{B4F5FA0D-0104-4987-8241-EFF7C85B88DE}"/>
+              </a:ext>
+              <a:ext uri="{C183D7F6-B498-43B3-948B-1728B52AA6E4}">
+                <adec:decorative xmlns:adec="http://schemas.microsoft.com/office/drawing/2017/decorative" val="1"/>
+              </a:ext>
+            </a:extLst>
+          </p:cNvPr>
+          <p:cNvSpPr>
+            <a:spLocks noGrp="1" noRot="1" noChangeAspect="1" noMove="1" noResize="1" noEditPoints="1" noAdjustHandles="1" noChangeArrowheads="1" noChangeShapeType="1" noTextEdit="1"/>
+          </p:cNvSpPr>
+          <p:nvPr>
+            <p:extLst>
+              <p:ext uri="{386F3935-93C4-4BCD-93E2-E3B085C9AB24}">
+                <p16:designElem xmlns:p16="http://schemas.microsoft.com/office/powerpoint/2015/main" val="1"/>
+              </p:ext>
+            </p:extLst>
+          </p:nvPr>
+        </p:nvSpPr>
+        <p:spPr>
+          <a:xfrm>
+            <a:off x="1" y="0"/>
+            <a:ext cx="12191998" cy="6858000"/>
+          </a:xfrm>
+          <a:prstGeom prst="rect">
+            <a:avLst/>
+          </a:prstGeom>
+          <a:gradFill>
+            <a:gsLst>
+              <a:gs pos="0">
+                <a:schemeClr val="accent1">
+                  <a:lumMod val="90000"/>
+                </a:schemeClr>
+              </a:gs>
+              <a:gs pos="25000">
+                <a:schemeClr val="accent1">
+                  <a:lumMod val="90000"/>
+                </a:schemeClr>
+              </a:gs>
+              <a:gs pos="94000">
+                <a:schemeClr val="bg2">
+                  <a:lumMod val="25000"/>
+                </a:schemeClr>
+              </a:gs>
+              <a:gs pos="100000">
+                <a:schemeClr val="bg2">
+                  <a:lumMod val="25000"/>
+                </a:schemeClr>
+              </a:gs>
+            </a:gsLst>
+            <a:lin ang="4200000" scaled="0"/>
+          </a:gradFill>
+          <a:ln>
+            <a:noFill/>
+          </a:ln>
+        </p:spPr>
+        <p:style>
+          <a:lnRef idx="2">
+            <a:schemeClr val="accent1">
+              <a:shade val="50000"/>
+            </a:schemeClr>
+          </a:lnRef>
+          <a:fillRef idx="1">
+            <a:schemeClr val="accent1"/>
+          </a:fillRef>
+          <a:effectRef idx="0">
+            <a:schemeClr val="accent1"/>
+          </a:effectRef>
+          <a:fontRef idx="minor">
+            <a:schemeClr val="lt1"/>
+          </a:fontRef>
+        </p:style>
+        <p:txBody>
+          <a:bodyPr rtlCol="0" anchor="ctr"/>
+          <a:lstStyle/>
+          <a:p>
+            <a:pPr algn="ctr"/>
+            <a:endParaRPr lang="en-US"/>
+          </a:p>
+        </p:txBody>
+      </p:sp>
+      <p:pic>
+        <p:nvPicPr>
+          <p:cNvPr id="12" name="Picture 11">
+            <a:extLst>
+              <a:ext uri="{FF2B5EF4-FFF2-40B4-BE49-F238E27FC236}">
+                <a16:creationId xmlns:a16="http://schemas.microsoft.com/office/drawing/2014/main" id="{2897127E-6CEF-446C-BE87-93B7C46E49D1}"/>
+              </a:ext>
+              <a:ext uri="{C183D7F6-B498-43B3-948B-1728B52AA6E4}">
+                <adec:decorative xmlns:adec="http://schemas.microsoft.com/office/drawing/2017/decorative" val="1"/>
+              </a:ext>
+            </a:extLst>
+          </p:cNvPr>
+          <p:cNvPicPr>
+            <a:picLocks noGrp="1" noRot="1" noChangeAspect="1" noMove="1" noResize="1" noEditPoints="1" noAdjustHandles="1" noChangeArrowheads="1" noChangeShapeType="1" noCrop="1"/>
+          </p:cNvPicPr>
+          <p:nvPr>
+            <p:extLst>
+              <p:ext uri="{386F3935-93C4-4BCD-93E2-E3B085C9AB24}">
+                <p16:designElem xmlns:p16="http://schemas.microsoft.com/office/powerpoint/2015/main" val="1"/>
+              </p:ext>
+            </p:extLst>
+          </p:nvPr>
+        </p:nvPicPr>
+        <p:blipFill>
+          <a:blip r:embed="rId2">
+            <a:extLst>
+              <a:ext uri="{28A0092B-C50C-407E-A947-70E740481C1C}">
+                <a14:useLocalDpi xmlns:a14="http://schemas.microsoft.com/office/drawing/2010/main" val="0"/>
+              </a:ext>
+            </a:extLst>
+          </a:blip>
+          <a:stretch>
+            <a:fillRect/>
+          </a:stretch>
+        </p:blipFill>
+        <p:spPr>
+          <a:xfrm>
+            <a:off x="0" y="0"/>
+            <a:ext cx="12192000" cy="6858000"/>
+          </a:xfrm>
+          <a:prstGeom prst="rect">
+            <a:avLst/>
+          </a:prstGeom>
+        </p:spPr>
+      </p:pic>
       <p:sp>
         <p:nvSpPr>
           <p:cNvPr id="2" name="Title 1">
             <a:extLst>
               <a:ext uri="{FF2B5EF4-FFF2-40B4-BE49-F238E27FC236}">
-                <a16:creationId xmlns:a16="http://schemas.microsoft.com/office/drawing/2014/main" id="{F220168B-851B-448D-B065-1390D2D73C20}"/>
+                <a16:creationId xmlns:a16="http://schemas.microsoft.com/office/drawing/2014/main" id="{4EAC3CEE-55B5-498F-B337-F6698845AD6D}"/>
               </a:ext>
             </a:extLst>
           </p:cNvPr>
@@ -10986,24 +12152,35 @@
             <p:ph type="title"/>
           </p:nvPr>
         </p:nvSpPr>
-        <p:spPr/>
-        <p:txBody>
-          <a:bodyPr/>
+        <p:spPr>
+          <a:xfrm>
+            <a:off x="640079" y="2053641"/>
+            <a:ext cx="3669161" cy="2760098"/>
+          </a:xfrm>
+        </p:spPr>
+        <p:txBody>
+          <a:bodyPr>
+            <a:normAutofit/>
+          </a:bodyPr>
           <a:lstStyle/>
           <a:p>
             <a:r>
-              <a:rPr lang="en-US" dirty="0"/>
-              <a:t>Common UI Tools</a:t>
-            </a:r>
-          </a:p>
-        </p:txBody>
-      </p:sp>
-      <p:sp>
-        <p:nvSpPr>
-          <p:cNvPr id="3" name="Text Placeholder 2">
+              <a:rPr lang="en-US">
+                <a:solidFill>
+                  <a:srgbClr val="FFFFFF"/>
+                </a:solidFill>
+              </a:rPr>
+              <a:t>BitBucket</a:t>
+            </a:r>
+          </a:p>
+        </p:txBody>
+      </p:sp>
+      <p:sp>
+        <p:nvSpPr>
+          <p:cNvPr id="3" name="Content Placeholder 2">
             <a:extLst>
               <a:ext uri="{FF2B5EF4-FFF2-40B4-BE49-F238E27FC236}">
-                <a16:creationId xmlns:a16="http://schemas.microsoft.com/office/drawing/2014/main" id="{1471B88D-28C1-4B4E-A5A7-4BC5DECCA821}"/>
+                <a16:creationId xmlns:a16="http://schemas.microsoft.com/office/drawing/2014/main" id="{A230217E-4487-403E-9114-3429E27BD4A2}"/>
               </a:ext>
             </a:extLst>
           </p:cNvPr>
@@ -11011,22 +12188,73 @@
             <a:spLocks noGrp="1"/>
           </p:cNvSpPr>
           <p:nvPr>
-            <p:ph type="body" idx="1"/>
-          </p:nvPr>
-        </p:nvSpPr>
-        <p:spPr/>
-        <p:txBody>
-          <a:bodyPr/>
+            <p:ph idx="1"/>
+          </p:nvPr>
+        </p:nvSpPr>
+        <p:spPr>
+          <a:xfrm>
+            <a:off x="6090574" y="801866"/>
+            <a:ext cx="5306084" cy="5230634"/>
+          </a:xfrm>
+        </p:spPr>
+        <p:txBody>
+          <a:bodyPr anchor="ctr">
+            <a:normAutofit/>
+          </a:bodyPr>
           <a:lstStyle/>
           <a:p>
-            <a:endParaRPr lang="en-US"/>
+            <a:r>
+              <a:rPr lang="en-US" sz="2400">
+                <a:solidFill>
+                  <a:srgbClr val="000000"/>
+                </a:solidFill>
+              </a:rPr>
+              <a:t>Free up to 5 users</a:t>
+            </a:r>
+          </a:p>
+          <a:p>
+            <a:r>
+              <a:rPr lang="en-US" sz="2400">
+                <a:solidFill>
+                  <a:srgbClr val="000000"/>
+                </a:solidFill>
+              </a:rPr>
+              <a:t>Unlimited public repositories</a:t>
+            </a:r>
+          </a:p>
+          <a:p>
+            <a:r>
+              <a:rPr lang="en-US" sz="2400">
+                <a:solidFill>
+                  <a:srgbClr val="000000"/>
+                </a:solidFill>
+              </a:rPr>
+              <a:t>Unlimited private repositories</a:t>
+            </a:r>
+          </a:p>
+          <a:p>
+            <a:r>
+              <a:rPr lang="en-US" sz="2400">
+                <a:solidFill>
+                  <a:srgbClr val="000000"/>
+                </a:solidFill>
+              </a:rPr>
+              <a:t>Pricing beyond 5 users is roughly $1/month/user</a:t>
+            </a:r>
+          </a:p>
+          <a:p>
+            <a:endParaRPr lang="en-US" sz="2400">
+              <a:solidFill>
+                <a:srgbClr val="000000"/>
+              </a:solidFill>
+            </a:endParaRPr>
           </a:p>
         </p:txBody>
       </p:sp>
     </p:spTree>
     <p:extLst>
       <p:ext uri="{BB962C8B-B14F-4D97-AF65-F5344CB8AC3E}">
-        <p14:creationId xmlns:p14="http://schemas.microsoft.com/office/powerpoint/2010/main" val="384892571"/>
+        <p14:creationId xmlns:p14="http://schemas.microsoft.com/office/powerpoint/2010/main" val="2402215412"/>
       </p:ext>
     </p:extLst>
   </p:cSld>
@@ -11039,6 +12267,14 @@
 <file path=ppt/slides/slide26.xml><?xml version="1.0" encoding="utf-8"?>
 <p:sld xmlns:a="http://schemas.openxmlformats.org/drawingml/2006/main" xmlns:r="http://schemas.openxmlformats.org/officeDocument/2006/relationships" xmlns:p="http://schemas.openxmlformats.org/presentationml/2006/main">
   <p:cSld>
+    <p:bg>
+      <p:bgPr>
+        <a:solidFill>
+          <a:schemeClr val="bg1"/>
+        </a:solidFill>
+        <a:effectLst/>
+      </p:bgPr>
+    </p:bg>
     <p:spTree>
       <p:nvGrpSpPr>
         <p:cNvPr id="1" name=""/>
@@ -11055,68 +12291,253 @@
       </p:grpSpPr>
       <p:sp>
         <p:nvSpPr>
-          <p:cNvPr id="2" name="Title 1">
+          <p:cNvPr id="8" name="Rectangle 7">
             <a:extLst>
               <a:ext uri="{FF2B5EF4-FFF2-40B4-BE49-F238E27FC236}">
-                <a16:creationId xmlns:a16="http://schemas.microsoft.com/office/drawing/2014/main" id="{58877F43-7F96-4A05-9192-F72D5998C0FD}"/>
+                <a16:creationId xmlns:a16="http://schemas.microsoft.com/office/drawing/2014/main" id="{B4F5FA0D-0104-4987-8241-EFF7C85B88DE}"/>
+              </a:ext>
+              <a:ext uri="{C183D7F6-B498-43B3-948B-1728B52AA6E4}">
+                <adec:decorative xmlns:adec="http://schemas.microsoft.com/office/drawing/2017/decorative" val="1"/>
               </a:ext>
             </a:extLst>
           </p:cNvPr>
           <p:cNvSpPr>
-            <a:spLocks noGrp="1"/>
-          </p:cNvSpPr>
-          <p:nvPr>
-            <p:ph type="title"/>
-          </p:nvPr>
-        </p:nvSpPr>
-        <p:spPr/>
-        <p:txBody>
-          <a:bodyPr/>
+            <a:spLocks noGrp="1" noRot="1" noChangeAspect="1" noMove="1" noResize="1" noEditPoints="1" noAdjustHandles="1" noChangeArrowheads="1" noChangeShapeType="1" noTextEdit="1"/>
+          </p:cNvSpPr>
+          <p:nvPr>
+            <p:extLst>
+              <p:ext uri="{386F3935-93C4-4BCD-93E2-E3B085C9AB24}">
+                <p16:designElem xmlns:p16="http://schemas.microsoft.com/office/powerpoint/2015/main" val="1"/>
+              </p:ext>
+            </p:extLst>
+          </p:nvPr>
+        </p:nvSpPr>
+        <p:spPr>
+          <a:xfrm>
+            <a:off x="1" y="0"/>
+            <a:ext cx="6090572" cy="6858000"/>
+          </a:xfrm>
+          <a:prstGeom prst="rect">
+            <a:avLst/>
+          </a:prstGeom>
+          <a:gradFill>
+            <a:gsLst>
+              <a:gs pos="0">
+                <a:srgbClr val="E3411B">
+                  <a:lumMod val="90000"/>
+                </a:srgbClr>
+              </a:gs>
+              <a:gs pos="25000">
+                <a:srgbClr val="E3411B">
+                  <a:lumMod val="90000"/>
+                </a:srgbClr>
+              </a:gs>
+              <a:gs pos="94000">
+                <a:schemeClr val="bg2">
+                  <a:lumMod val="25000"/>
+                </a:schemeClr>
+              </a:gs>
+              <a:gs pos="100000">
+                <a:schemeClr val="bg2">
+                  <a:lumMod val="25000"/>
+                </a:schemeClr>
+              </a:gs>
+            </a:gsLst>
+            <a:lin ang="4200000" scaled="0"/>
+          </a:gradFill>
+          <a:ln>
+            <a:noFill/>
+          </a:ln>
+        </p:spPr>
+        <p:style>
+          <a:lnRef idx="2">
+            <a:schemeClr val="accent1">
+              <a:shade val="50000"/>
+            </a:schemeClr>
+          </a:lnRef>
+          <a:fillRef idx="1">
+            <a:schemeClr val="accent1"/>
+          </a:fillRef>
+          <a:effectRef idx="0">
+            <a:schemeClr val="accent1"/>
+          </a:effectRef>
+          <a:fontRef idx="minor">
+            <a:schemeClr val="lt1"/>
+          </a:fontRef>
+        </p:style>
+        <p:txBody>
+          <a:bodyPr rtlCol="0" anchor="ctr"/>
           <a:lstStyle/>
           <a:p>
-            <a:r>
-              <a:rPr lang="en-US" dirty="0"/>
-              <a:t>The Command Line</a:t>
-            </a:r>
+            <a:pPr algn="ctr"/>
+            <a:endParaRPr lang="en-US"/>
           </a:p>
         </p:txBody>
       </p:sp>
       <p:pic>
         <p:nvPicPr>
-          <p:cNvPr id="4" name="Content Placeholder 3">
+          <p:cNvPr id="10" name="Picture 9">
             <a:extLst>
               <a:ext uri="{FF2B5EF4-FFF2-40B4-BE49-F238E27FC236}">
-                <a16:creationId xmlns:a16="http://schemas.microsoft.com/office/drawing/2014/main" id="{58CD5727-155C-4842-B31F-01A46BD28679}"/>
+                <a16:creationId xmlns:a16="http://schemas.microsoft.com/office/drawing/2014/main" id="{2897127E-6CEF-446C-BE87-93B7C46E49D1}"/>
+              </a:ext>
+              <a:ext uri="{C183D7F6-B498-43B3-948B-1728B52AA6E4}">
+                <adec:decorative xmlns:adec="http://schemas.microsoft.com/office/drawing/2017/decorative" val="1"/>
               </a:ext>
             </a:extLst>
           </p:cNvPr>
           <p:cNvPicPr>
-            <a:picLocks noGrp="1" noChangeAspect="1"/>
+            <a:picLocks noGrp="1" noRot="1" noChangeAspect="1" noMove="1" noResize="1" noEditPoints="1" noAdjustHandles="1" noChangeArrowheads="1" noChangeShapeType="1" noCrop="1"/>
           </p:cNvPicPr>
           <p:nvPr>
-            <p:ph idx="1"/>
+            <p:extLst>
+              <p:ext uri="{386F3935-93C4-4BCD-93E2-E3B085C9AB24}">
+                <p16:designElem xmlns:p16="http://schemas.microsoft.com/office/powerpoint/2015/main" val="1"/>
+              </p:ext>
+            </p:extLst>
           </p:nvPr>
         </p:nvPicPr>
         <p:blipFill>
-          <a:blip r:embed="rId2"/>
+          <a:blip r:embed="rId2">
+            <a:extLst>
+              <a:ext uri="{28A0092B-C50C-407E-A947-70E740481C1C}">
+                <a14:useLocalDpi xmlns:a14="http://schemas.microsoft.com/office/drawing/2010/main" val="0"/>
+              </a:ext>
+            </a:extLst>
+          </a:blip>
           <a:stretch>
             <a:fillRect/>
           </a:stretch>
         </p:blipFill>
         <p:spPr>
           <a:xfrm>
-            <a:off x="2032713" y="1881069"/>
-            <a:ext cx="8126574" cy="4240449"/>
+            <a:off x="0" y="0"/>
+            <a:ext cx="12192000" cy="6858000"/>
           </a:xfrm>
           <a:prstGeom prst="rect">
             <a:avLst/>
           </a:prstGeom>
         </p:spPr>
       </p:pic>
+      <p:sp>
+        <p:nvSpPr>
+          <p:cNvPr id="2" name="Title 1">
+            <a:extLst>
+              <a:ext uri="{FF2B5EF4-FFF2-40B4-BE49-F238E27FC236}">
+                <a16:creationId xmlns:a16="http://schemas.microsoft.com/office/drawing/2014/main" id="{6174851A-8287-468C-9577-53577DE4E1C5}"/>
+              </a:ext>
+            </a:extLst>
+          </p:cNvPr>
+          <p:cNvSpPr>
+            <a:spLocks noGrp="1"/>
+          </p:cNvSpPr>
+          <p:nvPr>
+            <p:ph type="title"/>
+          </p:nvPr>
+        </p:nvSpPr>
+        <p:spPr>
+          <a:xfrm>
+            <a:off x="640079" y="2053641"/>
+            <a:ext cx="3669161" cy="2760098"/>
+          </a:xfrm>
+        </p:spPr>
+        <p:txBody>
+          <a:bodyPr>
+            <a:normAutofit/>
+          </a:bodyPr>
+          <a:lstStyle/>
+          <a:p>
+            <a:r>
+              <a:rPr lang="en-US">
+                <a:solidFill>
+                  <a:srgbClr val="FFFFFF"/>
+                </a:solidFill>
+              </a:rPr>
+              <a:t>Host roundup</a:t>
+            </a:r>
+          </a:p>
+        </p:txBody>
+      </p:sp>
+      <p:sp>
+        <p:nvSpPr>
+          <p:cNvPr id="3" name="Content Placeholder 2">
+            <a:extLst>
+              <a:ext uri="{FF2B5EF4-FFF2-40B4-BE49-F238E27FC236}">
+                <a16:creationId xmlns:a16="http://schemas.microsoft.com/office/drawing/2014/main" id="{A031299B-ADFE-4523-8946-52288916B63F}"/>
+              </a:ext>
+            </a:extLst>
+          </p:cNvPr>
+          <p:cNvSpPr>
+            <a:spLocks noGrp="1"/>
+          </p:cNvSpPr>
+          <p:nvPr>
+            <p:ph idx="1"/>
+          </p:nvPr>
+        </p:nvSpPr>
+        <p:spPr>
+          <a:xfrm>
+            <a:off x="6090574" y="801866"/>
+            <a:ext cx="5306084" cy="5230634"/>
+          </a:xfrm>
+        </p:spPr>
+        <p:txBody>
+          <a:bodyPr anchor="ctr">
+            <a:normAutofit/>
+          </a:bodyPr>
+          <a:lstStyle/>
+          <a:p>
+            <a:r>
+              <a:rPr lang="en-US" sz="2400">
+                <a:solidFill>
+                  <a:srgbClr val="000000"/>
+                </a:solidFill>
+              </a:rPr>
+              <a:t>Choose Github for your open-source, publicly-viewable projects</a:t>
+            </a:r>
+          </a:p>
+          <a:p>
+            <a:r>
+              <a:rPr lang="en-US" sz="2400">
+                <a:solidFill>
+                  <a:srgbClr val="000000"/>
+                </a:solidFill>
+              </a:rPr>
+              <a:t>Choose Azure Devops for company projects, or for running the CI/CD builds on your GitHub repo (Yes, you can do BOTH!)</a:t>
+            </a:r>
+          </a:p>
+          <a:p>
+            <a:r>
+              <a:rPr lang="en-US" sz="2400">
+                <a:solidFill>
+                  <a:srgbClr val="000000"/>
+                </a:solidFill>
+              </a:rPr>
+              <a:t>BitBucket offers a nice alternative to Github, but is not as well known. Mileage may vary.</a:t>
+            </a:r>
+          </a:p>
+          <a:p>
+            <a:endParaRPr lang="en-US" sz="2400">
+              <a:solidFill>
+                <a:srgbClr val="000000"/>
+              </a:solidFill>
+            </a:endParaRPr>
+          </a:p>
+          <a:p>
+            <a:r>
+              <a:rPr lang="en-US" sz="2400">
+                <a:solidFill>
+                  <a:srgbClr val="000000"/>
+                </a:solidFill>
+              </a:rPr>
+              <a:t>AWS is offering some interesting new options</a:t>
+            </a:r>
+          </a:p>
+        </p:txBody>
+      </p:sp>
     </p:spTree>
     <p:extLst>
       <p:ext uri="{BB962C8B-B14F-4D97-AF65-F5344CB8AC3E}">
-        <p14:creationId xmlns:p14="http://schemas.microsoft.com/office/powerpoint/2010/main" val="1978598311"/>
+        <p14:creationId xmlns:p14="http://schemas.microsoft.com/office/powerpoint/2010/main" val="2372600824"/>
       </p:ext>
     </p:extLst>
   </p:cSld>
@@ -11148,7 +12569,7 @@
           <p:cNvPr id="2" name="Title 1">
             <a:extLst>
               <a:ext uri="{FF2B5EF4-FFF2-40B4-BE49-F238E27FC236}">
-                <a16:creationId xmlns:a16="http://schemas.microsoft.com/office/drawing/2014/main" id="{6F065B9B-DF9F-4EE1-A34B-B214540B13E1}"/>
+                <a16:creationId xmlns:a16="http://schemas.microsoft.com/office/drawing/2014/main" id="{009C8563-8243-4BD7-A153-2AF7C9C016E2}"/>
               </a:ext>
             </a:extLst>
           </p:cNvPr>
@@ -11166,17 +12587,17 @@
           <a:p>
             <a:r>
               <a:rPr lang="en-US" dirty="0"/>
-              <a:t>The Command Line</a:t>
-            </a:r>
-          </a:p>
-        </p:txBody>
-      </p:sp>
-      <p:sp>
-        <p:nvSpPr>
-          <p:cNvPr id="3" name="Content Placeholder 2">
+              <a:t>Branching and Merging</a:t>
+            </a:r>
+          </a:p>
+        </p:txBody>
+      </p:sp>
+      <p:sp>
+        <p:nvSpPr>
+          <p:cNvPr id="3" name="Text Placeholder 2">
             <a:extLst>
               <a:ext uri="{FF2B5EF4-FFF2-40B4-BE49-F238E27FC236}">
-                <a16:creationId xmlns:a16="http://schemas.microsoft.com/office/drawing/2014/main" id="{C45A14B0-644B-4112-AA76-B2906EAB6FFB}"/>
+                <a16:creationId xmlns:a16="http://schemas.microsoft.com/office/drawing/2014/main" id="{182F19D3-529A-4D24-A8A1-8F63D0085728}"/>
               </a:ext>
             </a:extLst>
           </p:cNvPr>
@@ -11184,7 +12605,7 @@
             <a:spLocks noGrp="1"/>
           </p:cNvSpPr>
           <p:nvPr>
-            <p:ph idx="1"/>
+            <p:ph type="body" idx="1"/>
           </p:nvPr>
         </p:nvSpPr>
         <p:spPr/>
@@ -11194,48 +12615,7 @@
           <a:p>
             <a:r>
               <a:rPr lang="en-US" dirty="0"/>
-              <a:t>Advantages</a:t>
-            </a:r>
-          </a:p>
-          <a:p>
-            <a:pPr lvl="1"/>
-            <a:r>
-              <a:rPr lang="en-US" dirty="0"/>
-              <a:t>Ubiquitous</a:t>
-            </a:r>
-          </a:p>
-          <a:p>
-            <a:pPr lvl="1"/>
-            <a:r>
-              <a:rPr lang="en-US" dirty="0"/>
-              <a:t>Easy to find solutions, answers, hints</a:t>
-            </a:r>
-          </a:p>
-          <a:p>
-            <a:pPr lvl="1"/>
-            <a:r>
-              <a:rPr lang="en-US" dirty="0"/>
-              <a:t>It’s always there</a:t>
-            </a:r>
-          </a:p>
-          <a:p>
-            <a:r>
-              <a:rPr lang="en-US" dirty="0"/>
-              <a:t>Disadvantages</a:t>
-            </a:r>
-          </a:p>
-          <a:p>
-            <a:pPr lvl="1"/>
-            <a:r>
-              <a:rPr lang="en-US" dirty="0"/>
-              <a:t>It’s the command line.</a:t>
-            </a:r>
-          </a:p>
-          <a:p>
-            <a:pPr lvl="1"/>
-            <a:r>
-              <a:rPr lang="en-US" dirty="0"/>
-              <a:t>Seriously though… it’s the command line.</a:t>
+              <a:t>How to stay sane</a:t>
             </a:r>
           </a:p>
         </p:txBody>
@@ -11243,7 +12623,7 @@
     </p:spTree>
     <p:extLst>
       <p:ext uri="{BB962C8B-B14F-4D97-AF65-F5344CB8AC3E}">
-        <p14:creationId xmlns:p14="http://schemas.microsoft.com/office/powerpoint/2010/main" val="2403642711"/>
+        <p14:creationId xmlns:p14="http://schemas.microsoft.com/office/powerpoint/2010/main" val="3084031404"/>
       </p:ext>
     </p:extLst>
   </p:cSld>
@@ -11272,10 +12652,10 @@
       </p:grpSpPr>
       <p:sp>
         <p:nvSpPr>
-          <p:cNvPr id="2" name="Title 1">
+          <p:cNvPr id="4" name="Title 3">
             <a:extLst>
               <a:ext uri="{FF2B5EF4-FFF2-40B4-BE49-F238E27FC236}">
-                <a16:creationId xmlns:a16="http://schemas.microsoft.com/office/drawing/2014/main" id="{52B9E538-2607-48E8-89B9-7E324991C43E}"/>
+                <a16:creationId xmlns:a16="http://schemas.microsoft.com/office/drawing/2014/main" id="{B4D0A662-C37A-473D-A246-0D681A71BA66}"/>
               </a:ext>
             </a:extLst>
           </p:cNvPr>
@@ -11293,17 +12673,17 @@
           <a:p>
             <a:r>
               <a:rPr lang="en-US" dirty="0"/>
-              <a:t>SourceTree</a:t>
+              <a:t>Gitflow</a:t>
             </a:r>
           </a:p>
         </p:txBody>
       </p:sp>
       <p:pic>
         <p:nvPicPr>
-          <p:cNvPr id="4" name="Content Placeholder 3">
+          <p:cNvPr id="7" name="Content Placeholder 6">
             <a:extLst>
               <a:ext uri="{FF2B5EF4-FFF2-40B4-BE49-F238E27FC236}">
-                <a16:creationId xmlns:a16="http://schemas.microsoft.com/office/drawing/2014/main" id="{170692BA-4A52-45A4-AD54-BDE3EB083DF2}"/>
+                <a16:creationId xmlns:a16="http://schemas.microsoft.com/office/drawing/2014/main" id="{EEB5084E-8EDB-474F-8DAC-73F4A7AF336D}"/>
               </a:ext>
             </a:extLst>
           </p:cNvPr>
@@ -11315,25 +12695,44 @@
           </p:nvPr>
         </p:nvPicPr>
         <p:blipFill>
-          <a:blip r:embed="rId2"/>
+          <a:blip r:embed="rId2">
+            <a:extLst>
+              <a:ext uri="{28A0092B-C50C-407E-A947-70E740481C1C}">
+                <a14:useLocalDpi xmlns:a14="http://schemas.microsoft.com/office/drawing/2010/main" val="0"/>
+              </a:ext>
+              <a:ext uri="{96DAC541-7B7A-43D3-8B79-37D633B846F1}">
+                <asvg:svgBlip xmlns:asvg="http://schemas.microsoft.com/office/drawing/2016/SVG/main" r:embed="rId3"/>
+              </a:ext>
+            </a:extLst>
+          </a:blip>
           <a:stretch>
             <a:fillRect/>
           </a:stretch>
         </p:blipFill>
-        <p:spPr>
-          <a:xfrm>
-            <a:off x="2228144" y="1825625"/>
-            <a:ext cx="7735711" cy="4351338"/>
+        <p:spPr bwMode="auto">
+          <a:xfrm>
+            <a:off x="3063709" y="1825625"/>
+            <a:ext cx="6064582" cy="4351338"/>
           </a:xfrm>
           <a:prstGeom prst="rect">
             <a:avLst/>
           </a:prstGeom>
+          <a:noFill/>
+          <a:extLst>
+            <a:ext uri="{909E8E84-426E-40DD-AFC4-6F175D3DCCD1}">
+              <a14:hiddenFill xmlns:a14="http://schemas.microsoft.com/office/drawing/2010/main">
+                <a:solidFill>
+                  <a:srgbClr val="FFFFFF"/>
+                </a:solidFill>
+              </a14:hiddenFill>
+            </a:ext>
+          </a:extLst>
         </p:spPr>
       </p:pic>
     </p:spTree>
     <p:extLst>
       <p:ext uri="{BB962C8B-B14F-4D97-AF65-F5344CB8AC3E}">
-        <p14:creationId xmlns:p14="http://schemas.microsoft.com/office/powerpoint/2010/main" val="932627191"/>
+        <p14:creationId xmlns:p14="http://schemas.microsoft.com/office/powerpoint/2010/main" val="2377605413"/>
       </p:ext>
     </p:extLst>
   </p:cSld>
@@ -11365,7 +12764,7 @@
           <p:cNvPr id="2" name="Title 1">
             <a:extLst>
               <a:ext uri="{FF2B5EF4-FFF2-40B4-BE49-F238E27FC236}">
-                <a16:creationId xmlns:a16="http://schemas.microsoft.com/office/drawing/2014/main" id="{47F9B615-73A8-454F-BA70-483057F276EF}"/>
+                <a16:creationId xmlns:a16="http://schemas.microsoft.com/office/drawing/2014/main" id="{CC4A54E6-05F8-4D89-971E-BC053D209B94}"/>
               </a:ext>
             </a:extLst>
           </p:cNvPr>
@@ -11383,88 +12782,50 @@
           <a:p>
             <a:r>
               <a:rPr lang="en-US" dirty="0"/>
-              <a:t>SourceTree</a:t>
-            </a:r>
-          </a:p>
-        </p:txBody>
-      </p:sp>
-      <p:sp>
-        <p:nvSpPr>
-          <p:cNvPr id="3" name="Content Placeholder 2">
+              <a:t>Github Flow</a:t>
+            </a:r>
+          </a:p>
+        </p:txBody>
+      </p:sp>
+      <p:pic>
+        <p:nvPicPr>
+          <p:cNvPr id="5" name="Content Placeholder 4">
             <a:extLst>
               <a:ext uri="{FF2B5EF4-FFF2-40B4-BE49-F238E27FC236}">
-                <a16:creationId xmlns:a16="http://schemas.microsoft.com/office/drawing/2014/main" id="{FFC99A81-2CCC-44FA-A25B-613AAA5F0C11}"/>
+                <a16:creationId xmlns:a16="http://schemas.microsoft.com/office/drawing/2014/main" id="{7A2BCEFD-3342-43C1-B40B-42DE90C5E3F6}"/>
               </a:ext>
             </a:extLst>
           </p:cNvPr>
-          <p:cNvSpPr>
-            <a:spLocks noGrp="1"/>
-          </p:cNvSpPr>
+          <p:cNvPicPr>
+            <a:picLocks noGrp="1" noChangeAspect="1"/>
+          </p:cNvPicPr>
           <p:nvPr>
             <p:ph idx="1"/>
           </p:nvPr>
-        </p:nvSpPr>
-        <p:spPr/>
-        <p:txBody>
-          <a:bodyPr/>
-          <a:lstStyle/>
-          <a:p>
-            <a:r>
-              <a:rPr lang="en-US" dirty="0"/>
-              <a:t>Advantages</a:t>
-            </a:r>
-          </a:p>
-          <a:p>
-            <a:pPr lvl="1"/>
-            <a:r>
-              <a:rPr lang="en-US" dirty="0"/>
-              <a:t>Common UI</a:t>
-            </a:r>
-          </a:p>
-          <a:p>
-            <a:pPr lvl="1"/>
-            <a:r>
-              <a:rPr lang="en-US" dirty="0"/>
-              <a:t>Easy to use</a:t>
-            </a:r>
-          </a:p>
-          <a:p>
-            <a:pPr lvl="1"/>
-            <a:r>
-              <a:rPr lang="en-US" dirty="0"/>
-              <a:t>Multi-Platform</a:t>
-            </a:r>
-          </a:p>
-          <a:p>
-            <a:r>
-              <a:rPr lang="en-US" dirty="0"/>
-              <a:t>Disadvantages</a:t>
-            </a:r>
-          </a:p>
-          <a:p>
-            <a:pPr lvl="1"/>
-            <a:r>
-              <a:rPr lang="en-US" dirty="0"/>
-              <a:t>Seems to update a LOT – this can be a pain</a:t>
-            </a:r>
-          </a:p>
-          <a:p>
-            <a:pPr lvl="1"/>
-            <a:r>
-              <a:rPr lang="en-US" dirty="0"/>
-              <a:t>Owned by Atlassian, requires </a:t>
-            </a:r>
-            <a:r>
-              <a:rPr lang="en-US"/>
-              <a:t>an account</a:t>
-            </a:r>
-          </a:p>
-        </p:txBody>
-      </p:sp>
+        </p:nvPicPr>
+        <p:blipFill>
+          <a:blip r:embed="rId2">
+            <a:extLst>
+              <a:ext uri="{28A0092B-C50C-407E-A947-70E740481C1C}">
+                <a14:useLocalDpi xmlns:a14="http://schemas.microsoft.com/office/drawing/2010/main" val="0"/>
+              </a:ext>
+            </a:extLst>
+          </a:blip>
+          <a:stretch>
+            <a:fillRect/>
+          </a:stretch>
+        </p:blipFill>
+        <p:spPr>
+          <a:xfrm>
+            <a:off x="838200" y="2678073"/>
+            <a:ext cx="10515600" cy="2646442"/>
+          </a:xfrm>
+        </p:spPr>
+      </p:pic>
     </p:spTree>
     <p:extLst>
       <p:ext uri="{BB962C8B-B14F-4D97-AF65-F5344CB8AC3E}">
-        <p14:creationId xmlns:p14="http://schemas.microsoft.com/office/powerpoint/2010/main" val="105811851"/>
+        <p14:creationId xmlns:p14="http://schemas.microsoft.com/office/powerpoint/2010/main" val="3213113248"/>
       </p:ext>
     </p:extLst>
   </p:cSld>
@@ -11608,6 +12969,527 @@
           <p:cNvPr id="2" name="Title 1">
             <a:extLst>
               <a:ext uri="{FF2B5EF4-FFF2-40B4-BE49-F238E27FC236}">
+                <a16:creationId xmlns:a16="http://schemas.microsoft.com/office/drawing/2014/main" id="{F220168B-851B-448D-B065-1390D2D73C20}"/>
+              </a:ext>
+            </a:extLst>
+          </p:cNvPr>
+          <p:cNvSpPr>
+            <a:spLocks noGrp="1"/>
+          </p:cNvSpPr>
+          <p:nvPr>
+            <p:ph type="title"/>
+          </p:nvPr>
+        </p:nvSpPr>
+        <p:spPr/>
+        <p:txBody>
+          <a:bodyPr/>
+          <a:lstStyle/>
+          <a:p>
+            <a:r>
+              <a:rPr lang="en-US" dirty="0"/>
+              <a:t>Common UI Tools</a:t>
+            </a:r>
+          </a:p>
+        </p:txBody>
+      </p:sp>
+      <p:sp>
+        <p:nvSpPr>
+          <p:cNvPr id="3" name="Text Placeholder 2">
+            <a:extLst>
+              <a:ext uri="{FF2B5EF4-FFF2-40B4-BE49-F238E27FC236}">
+                <a16:creationId xmlns:a16="http://schemas.microsoft.com/office/drawing/2014/main" id="{1471B88D-28C1-4B4E-A5A7-4BC5DECCA821}"/>
+              </a:ext>
+            </a:extLst>
+          </p:cNvPr>
+          <p:cNvSpPr>
+            <a:spLocks noGrp="1"/>
+          </p:cNvSpPr>
+          <p:nvPr>
+            <p:ph type="body" idx="1"/>
+          </p:nvPr>
+        </p:nvSpPr>
+        <p:spPr/>
+        <p:txBody>
+          <a:bodyPr/>
+          <a:lstStyle/>
+          <a:p>
+            <a:endParaRPr lang="en-US"/>
+          </a:p>
+        </p:txBody>
+      </p:sp>
+    </p:spTree>
+    <p:extLst>
+      <p:ext uri="{BB962C8B-B14F-4D97-AF65-F5344CB8AC3E}">
+        <p14:creationId xmlns:p14="http://schemas.microsoft.com/office/powerpoint/2010/main" val="384892571"/>
+      </p:ext>
+    </p:extLst>
+  </p:cSld>
+  <p:clrMapOvr>
+    <a:masterClrMapping/>
+  </p:clrMapOvr>
+</p:sld>
+</file>
+
+<file path=ppt/slides/slide31.xml><?xml version="1.0" encoding="utf-8"?>
+<p:sld xmlns:a="http://schemas.openxmlformats.org/drawingml/2006/main" xmlns:r="http://schemas.openxmlformats.org/officeDocument/2006/relationships" xmlns:p="http://schemas.openxmlformats.org/presentationml/2006/main">
+  <p:cSld>
+    <p:spTree>
+      <p:nvGrpSpPr>
+        <p:cNvPr id="1" name=""/>
+        <p:cNvGrpSpPr/>
+        <p:nvPr/>
+      </p:nvGrpSpPr>
+      <p:grpSpPr>
+        <a:xfrm>
+          <a:off x="0" y="0"/>
+          <a:ext cx="0" cy="0"/>
+          <a:chOff x="0" y="0"/>
+          <a:chExt cx="0" cy="0"/>
+        </a:xfrm>
+      </p:grpSpPr>
+      <p:sp>
+        <p:nvSpPr>
+          <p:cNvPr id="2" name="Title 1">
+            <a:extLst>
+              <a:ext uri="{FF2B5EF4-FFF2-40B4-BE49-F238E27FC236}">
+                <a16:creationId xmlns:a16="http://schemas.microsoft.com/office/drawing/2014/main" id="{58877F43-7F96-4A05-9192-F72D5998C0FD}"/>
+              </a:ext>
+            </a:extLst>
+          </p:cNvPr>
+          <p:cNvSpPr>
+            <a:spLocks noGrp="1"/>
+          </p:cNvSpPr>
+          <p:nvPr>
+            <p:ph type="title"/>
+          </p:nvPr>
+        </p:nvSpPr>
+        <p:spPr/>
+        <p:txBody>
+          <a:bodyPr/>
+          <a:lstStyle/>
+          <a:p>
+            <a:r>
+              <a:rPr lang="en-US" dirty="0"/>
+              <a:t>The Command Line</a:t>
+            </a:r>
+          </a:p>
+        </p:txBody>
+      </p:sp>
+      <p:pic>
+        <p:nvPicPr>
+          <p:cNvPr id="4" name="Content Placeholder 3">
+            <a:extLst>
+              <a:ext uri="{FF2B5EF4-FFF2-40B4-BE49-F238E27FC236}">
+                <a16:creationId xmlns:a16="http://schemas.microsoft.com/office/drawing/2014/main" id="{58CD5727-155C-4842-B31F-01A46BD28679}"/>
+              </a:ext>
+            </a:extLst>
+          </p:cNvPr>
+          <p:cNvPicPr>
+            <a:picLocks noGrp="1" noChangeAspect="1"/>
+          </p:cNvPicPr>
+          <p:nvPr>
+            <p:ph idx="1"/>
+          </p:nvPr>
+        </p:nvPicPr>
+        <p:blipFill>
+          <a:blip r:embed="rId2"/>
+          <a:stretch>
+            <a:fillRect/>
+          </a:stretch>
+        </p:blipFill>
+        <p:spPr>
+          <a:xfrm>
+            <a:off x="2032713" y="1881069"/>
+            <a:ext cx="8126574" cy="4240449"/>
+          </a:xfrm>
+          <a:prstGeom prst="rect">
+            <a:avLst/>
+          </a:prstGeom>
+        </p:spPr>
+      </p:pic>
+    </p:spTree>
+    <p:extLst>
+      <p:ext uri="{BB962C8B-B14F-4D97-AF65-F5344CB8AC3E}">
+        <p14:creationId xmlns:p14="http://schemas.microsoft.com/office/powerpoint/2010/main" val="1978598311"/>
+      </p:ext>
+    </p:extLst>
+  </p:cSld>
+  <p:clrMapOvr>
+    <a:masterClrMapping/>
+  </p:clrMapOvr>
+</p:sld>
+</file>
+
+<file path=ppt/slides/slide32.xml><?xml version="1.0" encoding="utf-8"?>
+<p:sld xmlns:a="http://schemas.openxmlformats.org/drawingml/2006/main" xmlns:r="http://schemas.openxmlformats.org/officeDocument/2006/relationships" xmlns:p="http://schemas.openxmlformats.org/presentationml/2006/main">
+  <p:cSld>
+    <p:spTree>
+      <p:nvGrpSpPr>
+        <p:cNvPr id="1" name=""/>
+        <p:cNvGrpSpPr/>
+        <p:nvPr/>
+      </p:nvGrpSpPr>
+      <p:grpSpPr>
+        <a:xfrm>
+          <a:off x="0" y="0"/>
+          <a:ext cx="0" cy="0"/>
+          <a:chOff x="0" y="0"/>
+          <a:chExt cx="0" cy="0"/>
+        </a:xfrm>
+      </p:grpSpPr>
+      <p:sp>
+        <p:nvSpPr>
+          <p:cNvPr id="2" name="Title 1">
+            <a:extLst>
+              <a:ext uri="{FF2B5EF4-FFF2-40B4-BE49-F238E27FC236}">
+                <a16:creationId xmlns:a16="http://schemas.microsoft.com/office/drawing/2014/main" id="{6F065B9B-DF9F-4EE1-A34B-B214540B13E1}"/>
+              </a:ext>
+            </a:extLst>
+          </p:cNvPr>
+          <p:cNvSpPr>
+            <a:spLocks noGrp="1"/>
+          </p:cNvSpPr>
+          <p:nvPr>
+            <p:ph type="title"/>
+          </p:nvPr>
+        </p:nvSpPr>
+        <p:spPr/>
+        <p:txBody>
+          <a:bodyPr/>
+          <a:lstStyle/>
+          <a:p>
+            <a:r>
+              <a:rPr lang="en-US" dirty="0"/>
+              <a:t>The Command Line</a:t>
+            </a:r>
+          </a:p>
+        </p:txBody>
+      </p:sp>
+      <p:sp>
+        <p:nvSpPr>
+          <p:cNvPr id="3" name="Content Placeholder 2">
+            <a:extLst>
+              <a:ext uri="{FF2B5EF4-FFF2-40B4-BE49-F238E27FC236}">
+                <a16:creationId xmlns:a16="http://schemas.microsoft.com/office/drawing/2014/main" id="{C45A14B0-644B-4112-AA76-B2906EAB6FFB}"/>
+              </a:ext>
+            </a:extLst>
+          </p:cNvPr>
+          <p:cNvSpPr>
+            <a:spLocks noGrp="1"/>
+          </p:cNvSpPr>
+          <p:nvPr>
+            <p:ph idx="1"/>
+          </p:nvPr>
+        </p:nvSpPr>
+        <p:spPr/>
+        <p:txBody>
+          <a:bodyPr/>
+          <a:lstStyle/>
+          <a:p>
+            <a:r>
+              <a:rPr lang="en-US" dirty="0"/>
+              <a:t>Advantages</a:t>
+            </a:r>
+          </a:p>
+          <a:p>
+            <a:pPr lvl="1"/>
+            <a:r>
+              <a:rPr lang="en-US" dirty="0"/>
+              <a:t>Ubiquitous</a:t>
+            </a:r>
+          </a:p>
+          <a:p>
+            <a:pPr lvl="1"/>
+            <a:r>
+              <a:rPr lang="en-US" dirty="0"/>
+              <a:t>Easy to find solutions, answers, hints</a:t>
+            </a:r>
+          </a:p>
+          <a:p>
+            <a:pPr lvl="1"/>
+            <a:r>
+              <a:rPr lang="en-US" dirty="0"/>
+              <a:t>It’s always there</a:t>
+            </a:r>
+          </a:p>
+          <a:p>
+            <a:r>
+              <a:rPr lang="en-US" dirty="0"/>
+              <a:t>Disadvantages</a:t>
+            </a:r>
+          </a:p>
+          <a:p>
+            <a:pPr lvl="1"/>
+            <a:r>
+              <a:rPr lang="en-US" dirty="0"/>
+              <a:t>It’s the command line.</a:t>
+            </a:r>
+          </a:p>
+          <a:p>
+            <a:pPr lvl="1"/>
+            <a:r>
+              <a:rPr lang="en-US" dirty="0"/>
+              <a:t>Seriously though… it’s the command line.</a:t>
+            </a:r>
+          </a:p>
+        </p:txBody>
+      </p:sp>
+    </p:spTree>
+    <p:extLst>
+      <p:ext uri="{BB962C8B-B14F-4D97-AF65-F5344CB8AC3E}">
+        <p14:creationId xmlns:p14="http://schemas.microsoft.com/office/powerpoint/2010/main" val="2403642711"/>
+      </p:ext>
+    </p:extLst>
+  </p:cSld>
+  <p:clrMapOvr>
+    <a:masterClrMapping/>
+  </p:clrMapOvr>
+</p:sld>
+</file>
+
+<file path=ppt/slides/slide33.xml><?xml version="1.0" encoding="utf-8"?>
+<p:sld xmlns:a="http://schemas.openxmlformats.org/drawingml/2006/main" xmlns:r="http://schemas.openxmlformats.org/officeDocument/2006/relationships" xmlns:p="http://schemas.openxmlformats.org/presentationml/2006/main">
+  <p:cSld>
+    <p:spTree>
+      <p:nvGrpSpPr>
+        <p:cNvPr id="1" name=""/>
+        <p:cNvGrpSpPr/>
+        <p:nvPr/>
+      </p:nvGrpSpPr>
+      <p:grpSpPr>
+        <a:xfrm>
+          <a:off x="0" y="0"/>
+          <a:ext cx="0" cy="0"/>
+          <a:chOff x="0" y="0"/>
+          <a:chExt cx="0" cy="0"/>
+        </a:xfrm>
+      </p:grpSpPr>
+      <p:sp>
+        <p:nvSpPr>
+          <p:cNvPr id="2" name="Title 1">
+            <a:extLst>
+              <a:ext uri="{FF2B5EF4-FFF2-40B4-BE49-F238E27FC236}">
+                <a16:creationId xmlns:a16="http://schemas.microsoft.com/office/drawing/2014/main" id="{52B9E538-2607-48E8-89B9-7E324991C43E}"/>
+              </a:ext>
+            </a:extLst>
+          </p:cNvPr>
+          <p:cNvSpPr>
+            <a:spLocks noGrp="1"/>
+          </p:cNvSpPr>
+          <p:nvPr>
+            <p:ph type="title"/>
+          </p:nvPr>
+        </p:nvSpPr>
+        <p:spPr/>
+        <p:txBody>
+          <a:bodyPr/>
+          <a:lstStyle/>
+          <a:p>
+            <a:r>
+              <a:rPr lang="en-US" dirty="0"/>
+              <a:t>SourceTree</a:t>
+            </a:r>
+          </a:p>
+        </p:txBody>
+      </p:sp>
+      <p:pic>
+        <p:nvPicPr>
+          <p:cNvPr id="4" name="Content Placeholder 3">
+            <a:extLst>
+              <a:ext uri="{FF2B5EF4-FFF2-40B4-BE49-F238E27FC236}">
+                <a16:creationId xmlns:a16="http://schemas.microsoft.com/office/drawing/2014/main" id="{170692BA-4A52-45A4-AD54-BDE3EB083DF2}"/>
+              </a:ext>
+            </a:extLst>
+          </p:cNvPr>
+          <p:cNvPicPr>
+            <a:picLocks noGrp="1" noChangeAspect="1"/>
+          </p:cNvPicPr>
+          <p:nvPr>
+            <p:ph idx="1"/>
+          </p:nvPr>
+        </p:nvPicPr>
+        <p:blipFill>
+          <a:blip r:embed="rId2"/>
+          <a:stretch>
+            <a:fillRect/>
+          </a:stretch>
+        </p:blipFill>
+        <p:spPr>
+          <a:xfrm>
+            <a:off x="2228144" y="1825625"/>
+            <a:ext cx="7735711" cy="4351338"/>
+          </a:xfrm>
+          <a:prstGeom prst="rect">
+            <a:avLst/>
+          </a:prstGeom>
+        </p:spPr>
+      </p:pic>
+    </p:spTree>
+    <p:extLst>
+      <p:ext uri="{BB962C8B-B14F-4D97-AF65-F5344CB8AC3E}">
+        <p14:creationId xmlns:p14="http://schemas.microsoft.com/office/powerpoint/2010/main" val="932627191"/>
+      </p:ext>
+    </p:extLst>
+  </p:cSld>
+  <p:clrMapOvr>
+    <a:masterClrMapping/>
+  </p:clrMapOvr>
+</p:sld>
+</file>
+
+<file path=ppt/slides/slide34.xml><?xml version="1.0" encoding="utf-8"?>
+<p:sld xmlns:a="http://schemas.openxmlformats.org/drawingml/2006/main" xmlns:r="http://schemas.openxmlformats.org/officeDocument/2006/relationships" xmlns:p="http://schemas.openxmlformats.org/presentationml/2006/main">
+  <p:cSld>
+    <p:spTree>
+      <p:nvGrpSpPr>
+        <p:cNvPr id="1" name=""/>
+        <p:cNvGrpSpPr/>
+        <p:nvPr/>
+      </p:nvGrpSpPr>
+      <p:grpSpPr>
+        <a:xfrm>
+          <a:off x="0" y="0"/>
+          <a:ext cx="0" cy="0"/>
+          <a:chOff x="0" y="0"/>
+          <a:chExt cx="0" cy="0"/>
+        </a:xfrm>
+      </p:grpSpPr>
+      <p:sp>
+        <p:nvSpPr>
+          <p:cNvPr id="2" name="Title 1">
+            <a:extLst>
+              <a:ext uri="{FF2B5EF4-FFF2-40B4-BE49-F238E27FC236}">
+                <a16:creationId xmlns:a16="http://schemas.microsoft.com/office/drawing/2014/main" id="{47F9B615-73A8-454F-BA70-483057F276EF}"/>
+              </a:ext>
+            </a:extLst>
+          </p:cNvPr>
+          <p:cNvSpPr>
+            <a:spLocks noGrp="1"/>
+          </p:cNvSpPr>
+          <p:nvPr>
+            <p:ph type="title"/>
+          </p:nvPr>
+        </p:nvSpPr>
+        <p:spPr/>
+        <p:txBody>
+          <a:bodyPr/>
+          <a:lstStyle/>
+          <a:p>
+            <a:r>
+              <a:rPr lang="en-US" dirty="0"/>
+              <a:t>SourceTree</a:t>
+            </a:r>
+          </a:p>
+        </p:txBody>
+      </p:sp>
+      <p:sp>
+        <p:nvSpPr>
+          <p:cNvPr id="3" name="Content Placeholder 2">
+            <a:extLst>
+              <a:ext uri="{FF2B5EF4-FFF2-40B4-BE49-F238E27FC236}">
+                <a16:creationId xmlns:a16="http://schemas.microsoft.com/office/drawing/2014/main" id="{FFC99A81-2CCC-44FA-A25B-613AAA5F0C11}"/>
+              </a:ext>
+            </a:extLst>
+          </p:cNvPr>
+          <p:cNvSpPr>
+            <a:spLocks noGrp="1"/>
+          </p:cNvSpPr>
+          <p:nvPr>
+            <p:ph idx="1"/>
+          </p:nvPr>
+        </p:nvSpPr>
+        <p:spPr/>
+        <p:txBody>
+          <a:bodyPr/>
+          <a:lstStyle/>
+          <a:p>
+            <a:r>
+              <a:rPr lang="en-US" dirty="0"/>
+              <a:t>Advantages</a:t>
+            </a:r>
+          </a:p>
+          <a:p>
+            <a:pPr lvl="1"/>
+            <a:r>
+              <a:rPr lang="en-US" dirty="0"/>
+              <a:t>Common UI</a:t>
+            </a:r>
+          </a:p>
+          <a:p>
+            <a:pPr lvl="1"/>
+            <a:r>
+              <a:rPr lang="en-US" dirty="0"/>
+              <a:t>Easy to use</a:t>
+            </a:r>
+          </a:p>
+          <a:p>
+            <a:pPr lvl="1"/>
+            <a:r>
+              <a:rPr lang="en-US" dirty="0"/>
+              <a:t>Multi-Platform</a:t>
+            </a:r>
+          </a:p>
+          <a:p>
+            <a:r>
+              <a:rPr lang="en-US" dirty="0"/>
+              <a:t>Disadvantages</a:t>
+            </a:r>
+          </a:p>
+          <a:p>
+            <a:pPr lvl="1"/>
+            <a:r>
+              <a:rPr lang="en-US" dirty="0"/>
+              <a:t>Seems to update a LOT – this can be a pain</a:t>
+            </a:r>
+          </a:p>
+          <a:p>
+            <a:pPr lvl="1"/>
+            <a:r>
+              <a:rPr lang="en-US" dirty="0"/>
+              <a:t>Owned by Atlassian, requires </a:t>
+            </a:r>
+            <a:r>
+              <a:rPr lang="en-US"/>
+              <a:t>an account</a:t>
+            </a:r>
+          </a:p>
+        </p:txBody>
+      </p:sp>
+    </p:spTree>
+    <p:extLst>
+      <p:ext uri="{BB962C8B-B14F-4D97-AF65-F5344CB8AC3E}">
+        <p14:creationId xmlns:p14="http://schemas.microsoft.com/office/powerpoint/2010/main" val="105811851"/>
+      </p:ext>
+    </p:extLst>
+  </p:cSld>
+  <p:clrMapOvr>
+    <a:masterClrMapping/>
+  </p:clrMapOvr>
+</p:sld>
+</file>
+
+<file path=ppt/slides/slide35.xml><?xml version="1.0" encoding="utf-8"?>
+<p:sld xmlns:a="http://schemas.openxmlformats.org/drawingml/2006/main" xmlns:r="http://schemas.openxmlformats.org/officeDocument/2006/relationships" xmlns:p="http://schemas.openxmlformats.org/presentationml/2006/main">
+  <p:cSld>
+    <p:spTree>
+      <p:nvGrpSpPr>
+        <p:cNvPr id="1" name=""/>
+        <p:cNvGrpSpPr/>
+        <p:nvPr/>
+      </p:nvGrpSpPr>
+      <p:grpSpPr>
+        <a:xfrm>
+          <a:off x="0" y="0"/>
+          <a:ext cx="0" cy="0"/>
+          <a:chOff x="0" y="0"/>
+          <a:chExt cx="0" cy="0"/>
+        </a:xfrm>
+      </p:grpSpPr>
+      <p:sp>
+        <p:nvSpPr>
+          <p:cNvPr id="2" name="Title 1">
+            <a:extLst>
+              <a:ext uri="{FF2B5EF4-FFF2-40B4-BE49-F238E27FC236}">
                 <a16:creationId xmlns:a16="http://schemas.microsoft.com/office/drawing/2014/main" id="{BF5778DD-3C07-454D-981B-E4BE4CA84837}"/>
               </a:ext>
             </a:extLst>
@@ -11723,7 +13605,7 @@
 </p:sld>
 </file>
 
-<file path=ppt/slides/slide31.xml><?xml version="1.0" encoding="utf-8"?>
+<file path=ppt/slides/slide36.xml><?xml version="1.0" encoding="utf-8"?>
 <p:sld xmlns:a="http://schemas.openxmlformats.org/drawingml/2006/main" xmlns:r="http://schemas.openxmlformats.org/officeDocument/2006/relationships" xmlns:p="http://schemas.openxmlformats.org/presentationml/2006/main">
   <p:cSld>
     <p:spTree>
@@ -12313,10 +14195,10 @@
       </p:grpSpPr>
       <p:sp>
         <p:nvSpPr>
-          <p:cNvPr id="4" name="Title 3">
+          <p:cNvPr id="2" name="Title 1">
             <a:extLst>
               <a:ext uri="{FF2B5EF4-FFF2-40B4-BE49-F238E27FC236}">
-                <a16:creationId xmlns:a16="http://schemas.microsoft.com/office/drawing/2014/main" id="{953D25B8-FE41-473F-A945-9B5740425B60}"/>
+                <a16:creationId xmlns:a16="http://schemas.microsoft.com/office/drawing/2014/main" id="{28425DF4-0F10-4E4E-B789-48D474CCCC54}"/>
               </a:ext>
             </a:extLst>
           </p:cNvPr>
@@ -12327,29 +14209,24 @@
             <p:ph type="title"/>
           </p:nvPr>
         </p:nvSpPr>
-        <p:spPr>
-          <a:xfrm>
-            <a:off x="838200" y="365125"/>
-            <a:ext cx="10515600" cy="1325563"/>
-          </a:xfrm>
-        </p:spPr>
+        <p:spPr/>
         <p:txBody>
           <a:bodyPr/>
           <a:lstStyle/>
           <a:p>
             <a:r>
               <a:rPr lang="en-US" dirty="0"/>
-              <a:t>Snapshots – Not Diffs</a:t>
-            </a:r>
-          </a:p>
-        </p:txBody>
-      </p:sp>
-      <p:sp>
-        <p:nvSpPr>
-          <p:cNvPr id="5" name="Content Placeholder 4">
+              <a:t>Terms</a:t>
+            </a:r>
+          </a:p>
+        </p:txBody>
+      </p:sp>
+      <p:sp>
+        <p:nvSpPr>
+          <p:cNvPr id="3" name="Content Placeholder 2">
             <a:extLst>
               <a:ext uri="{FF2B5EF4-FFF2-40B4-BE49-F238E27FC236}">
-                <a16:creationId xmlns:a16="http://schemas.microsoft.com/office/drawing/2014/main" id="{3FDCFACD-8BD8-4FC9-B119-8103F4E2A851}"/>
+                <a16:creationId xmlns:a16="http://schemas.microsoft.com/office/drawing/2014/main" id="{7F5E0436-080B-4045-9717-6ACDFEC420A4}"/>
               </a:ext>
             </a:extLst>
           </p:cNvPr>
@@ -12360,74 +14237,67 @@
             <p:ph idx="1"/>
           </p:nvPr>
         </p:nvSpPr>
-        <p:spPr>
-          <a:xfrm>
-            <a:off x="838200" y="1555844"/>
-            <a:ext cx="10515600" cy="655093"/>
-          </a:xfrm>
-        </p:spPr>
+        <p:spPr/>
         <p:txBody>
           <a:bodyPr/>
           <a:lstStyle/>
           <a:p>
             <a:r>
               <a:rPr lang="en-US" dirty="0"/>
-              <a:t>Most Version Control Systems (VCS) track differences.</a:t>
-            </a:r>
-          </a:p>
-        </p:txBody>
-      </p:sp>
-      <p:pic>
-        <p:nvPicPr>
-          <p:cNvPr id="1026" name="Picture 2" descr="Storing data as changes to a base version of each file.">
-            <a:extLst>
-              <a:ext uri="{FF2B5EF4-FFF2-40B4-BE49-F238E27FC236}">
-                <a16:creationId xmlns:a16="http://schemas.microsoft.com/office/drawing/2014/main" id="{DAC1C573-FF74-41F7-8FF5-A6D336DDC122}"/>
-              </a:ext>
-            </a:extLst>
-          </p:cNvPr>
-          <p:cNvPicPr>
-            <a:picLocks noChangeAspect="1" noChangeArrowheads="1"/>
-          </p:cNvPicPr>
-          <p:nvPr/>
-        </p:nvPicPr>
-        <p:blipFill>
-          <a:blip r:embed="rId2">
-            <a:extLst>
-              <a:ext uri="{28A0092B-C50C-407E-A947-70E740481C1C}">
-                <a14:useLocalDpi xmlns:a14="http://schemas.microsoft.com/office/drawing/2010/main" val="0"/>
-              </a:ext>
-            </a:extLst>
-          </a:blip>
-          <a:srcRect/>
-          <a:stretch>
-            <a:fillRect/>
-          </a:stretch>
-        </p:blipFill>
-        <p:spPr bwMode="auto">
-          <a:xfrm>
-            <a:off x="1520730" y="2210937"/>
-            <a:ext cx="9150540" cy="3545834"/>
-          </a:xfrm>
-          <a:prstGeom prst="rect">
-            <a:avLst/>
-          </a:prstGeom>
-          <a:noFill/>
-          <a:extLst>
-            <a:ext uri="{909E8E84-426E-40DD-AFC4-6F175D3DCCD1}">
-              <a14:hiddenFill xmlns:a14="http://schemas.microsoft.com/office/drawing/2010/main">
-                <a:solidFill>
-                  <a:srgbClr val="FFFFFF"/>
-                </a:solidFill>
-              </a14:hiddenFill>
-            </a:ext>
-          </a:extLst>
-        </p:spPr>
-      </p:pic>
+              <a:t>Merge</a:t>
+            </a:r>
+          </a:p>
+          <a:p>
+            <a:pPr lvl="1"/>
+            <a:r>
+              <a:rPr lang="en-US" dirty="0"/>
+              <a:t>A way of bringing the commits on one branch into another branch</a:t>
+            </a:r>
+          </a:p>
+          <a:p>
+            <a:pPr lvl="1"/>
+            <a:r>
+              <a:rPr lang="en-US" dirty="0"/>
+              <a:t>Results in a “Merge Commit”</a:t>
+            </a:r>
+          </a:p>
+          <a:p>
+            <a:pPr lvl="1"/>
+            <a:r>
+              <a:rPr lang="en-US" dirty="0"/>
+              <a:t>Generally the preferred way to synchronize branches</a:t>
+            </a:r>
+          </a:p>
+          <a:p>
+            <a:pPr lvl="1"/>
+            <a:endParaRPr lang="en-US" dirty="0"/>
+          </a:p>
+          <a:p>
+            <a:r>
+              <a:rPr lang="en-US" dirty="0"/>
+              <a:t>Rebase</a:t>
+            </a:r>
+          </a:p>
+          <a:p>
+            <a:pPr lvl="1"/>
+            <a:r>
+              <a:rPr lang="en-US" dirty="0"/>
+              <a:t>An alternative to merge</a:t>
+            </a:r>
+          </a:p>
+          <a:p>
+            <a:pPr lvl="1"/>
+            <a:r>
+              <a:rPr lang="en-US" dirty="0"/>
+              <a:t>Brings the tip of one branch to the end of the other</a:t>
+            </a:r>
+          </a:p>
+        </p:txBody>
+      </p:sp>
     </p:spTree>
     <p:extLst>
       <p:ext uri="{BB962C8B-B14F-4D97-AF65-F5344CB8AC3E}">
-        <p14:creationId xmlns:p14="http://schemas.microsoft.com/office/powerpoint/2010/main" val="3472819714"/>
+        <p14:creationId xmlns:p14="http://schemas.microsoft.com/office/powerpoint/2010/main" val="1901867814"/>
       </p:ext>
     </p:extLst>
   </p:cSld>
@@ -12459,7 +14329,7 @@
           <p:cNvPr id="2" name="Title 1">
             <a:extLst>
               <a:ext uri="{FF2B5EF4-FFF2-40B4-BE49-F238E27FC236}">
-                <a16:creationId xmlns:a16="http://schemas.microsoft.com/office/drawing/2014/main" id="{308775A3-9078-47B1-BCA5-76A8080AAD80}"/>
+                <a16:creationId xmlns:a16="http://schemas.microsoft.com/office/drawing/2014/main" id="{67F46049-50F4-43A1-A76E-4694D3D0BFBD}"/>
               </a:ext>
             </a:extLst>
           </p:cNvPr>
@@ -12477,57 +14347,26 @@
           <a:p>
             <a:r>
               <a:rPr lang="en-US" dirty="0"/>
-              <a:t>Snapshot – Not Diffs</a:t>
-            </a:r>
-          </a:p>
-        </p:txBody>
-      </p:sp>
-      <p:sp>
-        <p:nvSpPr>
-          <p:cNvPr id="3" name="Content Placeholder 2">
+              <a:t>Branching</a:t>
+            </a:r>
+          </a:p>
+        </p:txBody>
+      </p:sp>
+      <p:pic>
+        <p:nvPicPr>
+          <p:cNvPr id="5" name="Content Placeholder 4">
             <a:extLst>
               <a:ext uri="{FF2B5EF4-FFF2-40B4-BE49-F238E27FC236}">
-                <a16:creationId xmlns:a16="http://schemas.microsoft.com/office/drawing/2014/main" id="{D92A0E7A-AE89-46F3-A617-829ACAB1F1EE}"/>
-              </a:ext>
-            </a:extLst>
-          </p:cNvPr>
-          <p:cNvSpPr>
-            <a:spLocks noGrp="1"/>
-          </p:cNvSpPr>
-          <p:nvPr>
-            <p:ph idx="1"/>
-          </p:nvPr>
-        </p:nvSpPr>
-        <p:spPr>
-          <a:xfrm>
-            <a:off x="838200" y="1825625"/>
-            <a:ext cx="10515600" cy="658268"/>
-          </a:xfrm>
-        </p:spPr>
-        <p:txBody>
-          <a:bodyPr/>
-          <a:lstStyle/>
-          <a:p>
-            <a:r>
-              <a:rPr lang="en-US" dirty="0"/>
-              <a:t>Git tracks a snapshot of the file – only tracking changed files.</a:t>
-            </a:r>
-          </a:p>
-        </p:txBody>
-      </p:sp>
-      <p:pic>
-        <p:nvPicPr>
-          <p:cNvPr id="2050" name="Picture 2" descr="Git stores data as snapshots of the project over time.">
-            <a:extLst>
-              <a:ext uri="{FF2B5EF4-FFF2-40B4-BE49-F238E27FC236}">
-                <a16:creationId xmlns:a16="http://schemas.microsoft.com/office/drawing/2014/main" id="{7CF41BA9-04C2-482D-85CC-047C6AF0864A}"/>
+                <a16:creationId xmlns:a16="http://schemas.microsoft.com/office/drawing/2014/main" id="{0A755846-A235-48DD-8239-194A89C787FF}"/>
               </a:ext>
             </a:extLst>
           </p:cNvPr>
           <p:cNvPicPr>
-            <a:picLocks noChangeAspect="1" noChangeArrowheads="1"/>
+            <a:picLocks noGrp="1" noChangeAspect="1"/>
           </p:cNvPicPr>
-          <p:nvPr/>
+          <p:nvPr>
+            <p:ph idx="1"/>
+          </p:nvPr>
         </p:nvPicPr>
         <p:blipFill>
           <a:blip r:embed="rId2">
@@ -12535,37 +14374,26 @@
               <a:ext uri="{28A0092B-C50C-407E-A947-70E740481C1C}">
                 <a14:useLocalDpi xmlns:a14="http://schemas.microsoft.com/office/drawing/2010/main" val="0"/>
               </a:ext>
+              <a:ext uri="{96DAC541-7B7A-43D3-8B79-37D633B846F1}">
+                <asvg:svgBlip xmlns:asvg="http://schemas.microsoft.com/office/drawing/2016/SVG/main" r:embed="rId3"/>
+              </a:ext>
             </a:extLst>
           </a:blip>
-          <a:srcRect/>
           <a:stretch>
             <a:fillRect/>
           </a:stretch>
         </p:blipFill>
-        <p:spPr bwMode="auto">
-          <a:xfrm>
-            <a:off x="1460236" y="2715905"/>
-            <a:ext cx="9271528" cy="3534770"/>
-          </a:xfrm>
-          <a:prstGeom prst="rect">
-            <a:avLst/>
-          </a:prstGeom>
-          <a:noFill/>
-          <a:extLst>
-            <a:ext uri="{909E8E84-426E-40DD-AFC4-6F175D3DCCD1}">
-              <a14:hiddenFill xmlns:a14="http://schemas.microsoft.com/office/drawing/2010/main">
-                <a:solidFill>
-                  <a:srgbClr val="FFFFFF"/>
-                </a:solidFill>
-              </a14:hiddenFill>
-            </a:ext>
-          </a:extLst>
+        <p:spPr>
+          <a:xfrm>
+            <a:off x="2295705" y="1825625"/>
+            <a:ext cx="7600590" cy="4351338"/>
+          </a:xfrm>
         </p:spPr>
       </p:pic>
     </p:spTree>
     <p:extLst>
       <p:ext uri="{BB962C8B-B14F-4D97-AF65-F5344CB8AC3E}">
-        <p14:creationId xmlns:p14="http://schemas.microsoft.com/office/powerpoint/2010/main" val="2467824290"/>
+        <p14:creationId xmlns:p14="http://schemas.microsoft.com/office/powerpoint/2010/main" val="3394842086"/>
       </p:ext>
     </p:extLst>
   </p:cSld>

--- a/Slides/Git for the Normal Developer.pptx
+++ b/Slides/Git for the Normal Developer.pptx
@@ -5,7 +5,7 @@
     <p:sldMasterId id="2147483648" r:id="rId1"/>
   </p:sldMasterIdLst>
   <p:notesMasterIdLst>
-    <p:notesMasterId r:id="rId38"/>
+    <p:notesMasterId r:id="rId40"/>
   </p:notesMasterIdLst>
   <p:sldIdLst>
     <p:sldId id="425" r:id="rId2"/>
@@ -16,34 +16,36 @@
     <p:sldId id="454" r:id="rId7"/>
     <p:sldId id="455" r:id="rId8"/>
     <p:sldId id="456" r:id="rId9"/>
-    <p:sldId id="457" r:id="rId10"/>
-    <p:sldId id="458" r:id="rId11"/>
-    <p:sldId id="459" r:id="rId12"/>
-    <p:sldId id="460" r:id="rId13"/>
-    <p:sldId id="437" r:id="rId14"/>
-    <p:sldId id="438" r:id="rId15"/>
-    <p:sldId id="439" r:id="rId16"/>
-    <p:sldId id="440" r:id="rId17"/>
-    <p:sldId id="442" r:id="rId18"/>
-    <p:sldId id="443" r:id="rId19"/>
-    <p:sldId id="444" r:id="rId20"/>
-    <p:sldId id="445" r:id="rId21"/>
-    <p:sldId id="435" r:id="rId22"/>
-    <p:sldId id="429" r:id="rId23"/>
-    <p:sldId id="430" r:id="rId24"/>
-    <p:sldId id="431" r:id="rId25"/>
-    <p:sldId id="432" r:id="rId26"/>
-    <p:sldId id="434" r:id="rId27"/>
-    <p:sldId id="446" r:id="rId28"/>
-    <p:sldId id="452" r:id="rId29"/>
-    <p:sldId id="453" r:id="rId30"/>
-    <p:sldId id="447" r:id="rId31"/>
-    <p:sldId id="448" r:id="rId32"/>
-    <p:sldId id="449" r:id="rId33"/>
-    <p:sldId id="450" r:id="rId34"/>
-    <p:sldId id="451" r:id="rId35"/>
-    <p:sldId id="433" r:id="rId36"/>
-    <p:sldId id="423" r:id="rId37"/>
+    <p:sldId id="461" r:id="rId10"/>
+    <p:sldId id="457" r:id="rId11"/>
+    <p:sldId id="458" r:id="rId12"/>
+    <p:sldId id="459" r:id="rId13"/>
+    <p:sldId id="460" r:id="rId14"/>
+    <p:sldId id="437" r:id="rId15"/>
+    <p:sldId id="438" r:id="rId16"/>
+    <p:sldId id="439" r:id="rId17"/>
+    <p:sldId id="440" r:id="rId18"/>
+    <p:sldId id="442" r:id="rId19"/>
+    <p:sldId id="443" r:id="rId20"/>
+    <p:sldId id="444" r:id="rId21"/>
+    <p:sldId id="445" r:id="rId22"/>
+    <p:sldId id="462" r:id="rId23"/>
+    <p:sldId id="435" r:id="rId24"/>
+    <p:sldId id="429" r:id="rId25"/>
+    <p:sldId id="430" r:id="rId26"/>
+    <p:sldId id="431" r:id="rId27"/>
+    <p:sldId id="432" r:id="rId28"/>
+    <p:sldId id="434" r:id="rId29"/>
+    <p:sldId id="446" r:id="rId30"/>
+    <p:sldId id="452" r:id="rId31"/>
+    <p:sldId id="453" r:id="rId32"/>
+    <p:sldId id="447" r:id="rId33"/>
+    <p:sldId id="448" r:id="rId34"/>
+    <p:sldId id="449" r:id="rId35"/>
+    <p:sldId id="450" r:id="rId36"/>
+    <p:sldId id="451" r:id="rId37"/>
+    <p:sldId id="433" r:id="rId38"/>
+    <p:sldId id="423" r:id="rId39"/>
   </p:sldIdLst>
   <p:sldSz cx="12192000" cy="6858000"/>
   <p:notesSz cx="6858000" cy="9144000"/>
@@ -155,6 +157,7 @@
             <p14:sldId id="454"/>
             <p14:sldId id="455"/>
             <p14:sldId id="456"/>
+            <p14:sldId id="461"/>
             <p14:sldId id="457"/>
             <p14:sldId id="458"/>
             <p14:sldId id="459"/>
@@ -167,6 +170,7 @@
             <p14:sldId id="443"/>
             <p14:sldId id="444"/>
             <p14:sldId id="445"/>
+            <p14:sldId id="462"/>
             <p14:sldId id="435"/>
             <p14:sldId id="429"/>
             <p14:sldId id="430"/>
@@ -1086,7 +1090,7 @@
           <a:noFill/>
           <a:extLst>
             <a:ext uri="{909E8E84-426E-40dd-AFC4-6F175D3DCCD1}">
-              <a14:hiddenFill xmlns:a14="http://schemas.microsoft.com/office/drawing/2010/main" xmlns="">
+              <a14:hiddenFill xmlns="" xmlns:a14="http://schemas.microsoft.com/office/drawing/2010/main">
                 <a:solidFill>
                   <a:srgbClr val="FFFFFF"/>
                 </a:solidFill>
@@ -1302,7 +1306,7 @@
           <a:noFill/>
           <a:extLst>
             <a:ext uri="{909E8E84-426E-40dd-AFC4-6F175D3DCCD1}">
-              <a14:hiddenFill xmlns:a14="http://schemas.microsoft.com/office/drawing/2010/main" xmlns="">
+              <a14:hiddenFill xmlns="" xmlns:a14="http://schemas.microsoft.com/office/drawing/2010/main">
                 <a:solidFill>
                   <a:srgbClr val="FFFFFF"/>
                 </a:solidFill>
@@ -1341,7 +1345,7 @@
           <a:noFill/>
           <a:extLst>
             <a:ext uri="{909E8E84-426E-40dd-AFC4-6F175D3DCCD1}">
-              <a14:hiddenFill xmlns:a14="http://schemas.microsoft.com/office/drawing/2010/main" xmlns="">
+              <a14:hiddenFill xmlns="" xmlns:a14="http://schemas.microsoft.com/office/drawing/2010/main">
                 <a:solidFill>
                   <a:srgbClr val="FFFFFF"/>
                 </a:solidFill>
@@ -1527,7 +1531,7 @@
           <a:noFill/>
           <a:extLst>
             <a:ext uri="{909E8E84-426E-40dd-AFC4-6F175D3DCCD1}">
-              <a14:hiddenFill xmlns:a14="http://schemas.microsoft.com/office/drawing/2010/main" xmlns="">
+              <a14:hiddenFill xmlns="" xmlns:a14="http://schemas.microsoft.com/office/drawing/2010/main">
                 <a:solidFill>
                   <a:srgbClr val="FFFFFF"/>
                 </a:solidFill>
@@ -1743,7 +1747,7 @@
           <a:noFill/>
           <a:extLst>
             <a:ext uri="{909E8E84-426E-40dd-AFC4-6F175D3DCCD1}">
-              <a14:hiddenFill xmlns:a14="http://schemas.microsoft.com/office/drawing/2010/main" xmlns="">
+              <a14:hiddenFill xmlns="" xmlns:a14="http://schemas.microsoft.com/office/drawing/2010/main">
                 <a:solidFill>
                   <a:srgbClr val="FFFFFF"/>
                 </a:solidFill>
@@ -1791,7 +1795,7 @@
           <a:noFill/>
           <a:extLst>
             <a:ext uri="{909E8E84-426E-40dd-AFC4-6F175D3DCCD1}">
-              <a14:hiddenFill xmlns:a14="http://schemas.microsoft.com/office/drawing/2010/main" xmlns="">
+              <a14:hiddenFill xmlns="" xmlns:a14="http://schemas.microsoft.com/office/drawing/2010/main">
                 <a:solidFill>
                   <a:srgbClr val="FFFFFF"/>
                 </a:solidFill>
@@ -1977,7 +1981,7 @@
           <a:noFill/>
           <a:extLst>
             <a:ext uri="{909E8E84-426E-40dd-AFC4-6F175D3DCCD1}">
-              <a14:hiddenFill xmlns:a14="http://schemas.microsoft.com/office/drawing/2010/main" xmlns="">
+              <a14:hiddenFill xmlns="" xmlns:a14="http://schemas.microsoft.com/office/drawing/2010/main">
                 <a:solidFill>
                   <a:srgbClr val="FFFFFF"/>
                 </a:solidFill>
@@ -2192,7 +2196,7 @@
           <a:noFill/>
           <a:extLst>
             <a:ext uri="{909E8E84-426E-40dd-AFC4-6F175D3DCCD1}">
-              <a14:hiddenFill xmlns:a14="http://schemas.microsoft.com/office/drawing/2010/main" xmlns="">
+              <a14:hiddenFill xmlns="" xmlns:a14="http://schemas.microsoft.com/office/drawing/2010/main">
                 <a:solidFill>
                   <a:srgbClr val="FFFFFF"/>
                 </a:solidFill>
@@ -2408,7 +2412,7 @@
           <a:noFill/>
           <a:extLst>
             <a:ext uri="{909E8E84-426E-40dd-AFC4-6F175D3DCCD1}">
-              <a14:hiddenFill xmlns:a14="http://schemas.microsoft.com/office/drawing/2010/main" xmlns="">
+              <a14:hiddenFill xmlns="" xmlns:a14="http://schemas.microsoft.com/office/drawing/2010/main">
                 <a:solidFill>
                   <a:srgbClr val="FFFFFF"/>
                 </a:solidFill>
@@ -2623,7 +2627,7 @@
           <a:noFill/>
           <a:extLst>
             <a:ext uri="{909E8E84-426E-40dd-AFC4-6F175D3DCCD1}">
-              <a14:hiddenFill xmlns:a14="http://schemas.microsoft.com/office/drawing/2010/main" xmlns="">
+              <a14:hiddenFill xmlns="" xmlns:a14="http://schemas.microsoft.com/office/drawing/2010/main">
                 <a:solidFill>
                   <a:srgbClr val="FFFFFF"/>
                 </a:solidFill>
@@ -2839,7 +2843,7 @@
           <a:noFill/>
           <a:extLst>
             <a:ext uri="{909E8E84-426E-40dd-AFC4-6F175D3DCCD1}">
-              <a14:hiddenFill xmlns:a14="http://schemas.microsoft.com/office/drawing/2010/main" xmlns="">
+              <a14:hiddenFill xmlns="" xmlns:a14="http://schemas.microsoft.com/office/drawing/2010/main">
                 <a:solidFill>
                   <a:srgbClr val="FFFFFF"/>
                 </a:solidFill>
@@ -3202,7 +3206,7 @@
           <a:noFill/>
           <a:extLst>
             <a:ext uri="{909E8E84-426E-40dd-AFC4-6F175D3DCCD1}">
-              <a14:hiddenFill xmlns:a14="http://schemas.microsoft.com/office/drawing/2010/main" xmlns="">
+              <a14:hiddenFill xmlns="" xmlns:a14="http://schemas.microsoft.com/office/drawing/2010/main">
                 <a:solidFill>
                   <a:srgbClr val="FFFFFF"/>
                 </a:solidFill>
@@ -3241,7 +3245,7 @@
           <a:noFill/>
           <a:extLst>
             <a:ext uri="{909E8E84-426E-40dd-AFC4-6F175D3DCCD1}">
-              <a14:hiddenFill xmlns:a14="http://schemas.microsoft.com/office/drawing/2010/main" xmlns="">
+              <a14:hiddenFill xmlns="" xmlns:a14="http://schemas.microsoft.com/office/drawing/2010/main">
                 <a:solidFill>
                   <a:srgbClr val="FFFFFF"/>
                 </a:solidFill>
@@ -3280,7 +3284,7 @@
           <a:noFill/>
           <a:extLst>
             <a:ext uri="{909E8E84-426E-40dd-AFC4-6F175D3DCCD1}">
-              <a14:hiddenFill xmlns:a14="http://schemas.microsoft.com/office/drawing/2010/main" xmlns="">
+              <a14:hiddenFill xmlns="" xmlns:a14="http://schemas.microsoft.com/office/drawing/2010/main">
                 <a:solidFill>
                   <a:srgbClr val="FFFFFF"/>
                 </a:solidFill>
@@ -3466,7 +3470,7 @@
           <a:noFill/>
           <a:extLst>
             <a:ext uri="{909E8E84-426E-40dd-AFC4-6F175D3DCCD1}">
-              <a14:hiddenFill xmlns:a14="http://schemas.microsoft.com/office/drawing/2010/main" xmlns="">
+              <a14:hiddenFill xmlns="" xmlns:a14="http://schemas.microsoft.com/office/drawing/2010/main">
                 <a:solidFill>
                   <a:srgbClr val="FFFFFF"/>
                 </a:solidFill>
@@ -3623,7 +3627,7 @@
           <a:noFill/>
           <a:extLst>
             <a:ext uri="{909E8E84-426E-40dd-AFC4-6F175D3DCCD1}">
-              <a14:hiddenFill xmlns:a14="http://schemas.microsoft.com/office/drawing/2010/main" xmlns="">
+              <a14:hiddenFill xmlns="" xmlns:a14="http://schemas.microsoft.com/office/drawing/2010/main">
                 <a:solidFill>
                   <a:srgbClr val="FFFFFF"/>
                 </a:solidFill>
@@ -3700,7 +3704,7 @@
           <a:noFill/>
           <a:extLst>
             <a:ext uri="{909E8E84-426E-40dd-AFC4-6F175D3DCCD1}">
-              <a14:hiddenFill xmlns:a14="http://schemas.microsoft.com/office/drawing/2010/main" xmlns="">
+              <a14:hiddenFill xmlns="" xmlns:a14="http://schemas.microsoft.com/office/drawing/2010/main">
                 <a:solidFill>
                   <a:srgbClr val="FFFFFF"/>
                 </a:solidFill>
@@ -3739,7 +3743,7 @@
           <a:noFill/>
           <a:extLst>
             <a:ext uri="{909E8E84-426E-40dd-AFC4-6F175D3DCCD1}">
-              <a14:hiddenFill xmlns:a14="http://schemas.microsoft.com/office/drawing/2010/main" xmlns="">
+              <a14:hiddenFill xmlns="" xmlns:a14="http://schemas.microsoft.com/office/drawing/2010/main">
                 <a:solidFill>
                   <a:srgbClr val="FFFFFF"/>
                 </a:solidFill>
@@ -3925,7 +3929,7 @@
           <a:noFill/>
           <a:extLst>
             <a:ext uri="{909E8E84-426E-40dd-AFC4-6F175D3DCCD1}">
-              <a14:hiddenFill xmlns:a14="http://schemas.microsoft.com/office/drawing/2010/main" xmlns="">
+              <a14:hiddenFill xmlns="" xmlns:a14="http://schemas.microsoft.com/office/drawing/2010/main">
                 <a:solidFill>
                   <a:srgbClr val="FFFFFF"/>
                 </a:solidFill>
@@ -4140,7 +4144,7 @@
           <a:noFill/>
           <a:extLst>
             <a:ext uri="{909E8E84-426E-40dd-AFC4-6F175D3DCCD1}">
-              <a14:hiddenFill xmlns:a14="http://schemas.microsoft.com/office/drawing/2010/main" xmlns="">
+              <a14:hiddenFill xmlns="" xmlns:a14="http://schemas.microsoft.com/office/drawing/2010/main">
                 <a:solidFill>
                   <a:srgbClr val="FFFFFF"/>
                 </a:solidFill>
@@ -4290,7 +4294,7 @@
           <a:noFill/>
           <a:extLst>
             <a:ext uri="{909E8E84-426E-40dd-AFC4-6F175D3DCCD1}">
-              <a14:hiddenFill xmlns:a14="http://schemas.microsoft.com/office/drawing/2010/main" xmlns="">
+              <a14:hiddenFill xmlns="" xmlns:a14="http://schemas.microsoft.com/office/drawing/2010/main">
                 <a:solidFill>
                   <a:srgbClr val="FFFFFF"/>
                 </a:solidFill>
@@ -4367,7 +4371,7 @@
           <a:noFill/>
           <a:extLst>
             <a:ext uri="{909E8E84-426E-40dd-AFC4-6F175D3DCCD1}">
-              <a14:hiddenFill xmlns:a14="http://schemas.microsoft.com/office/drawing/2010/main" xmlns="">
+              <a14:hiddenFill xmlns="" xmlns:a14="http://schemas.microsoft.com/office/drawing/2010/main">
                 <a:solidFill>
                   <a:srgbClr val="FFFFFF"/>
                 </a:solidFill>
@@ -4583,7 +4587,7 @@
           <a:noFill/>
           <a:extLst>
             <a:ext uri="{909E8E84-426E-40dd-AFC4-6F175D3DCCD1}">
-              <a14:hiddenFill xmlns:a14="http://schemas.microsoft.com/office/drawing/2010/main" xmlns="">
+              <a14:hiddenFill xmlns="" xmlns:a14="http://schemas.microsoft.com/office/drawing/2010/main">
                 <a:solidFill>
                   <a:srgbClr val="FFFFFF"/>
                 </a:solidFill>
@@ -4733,7 +4737,7 @@
           <a:noFill/>
           <a:extLst>
             <a:ext uri="{909E8E84-426E-40dd-AFC4-6F175D3DCCD1}">
-              <a14:hiddenFill xmlns:a14="http://schemas.microsoft.com/office/drawing/2010/main" xmlns="">
+              <a14:hiddenFill xmlns="" xmlns:a14="http://schemas.microsoft.com/office/drawing/2010/main">
                 <a:solidFill>
                   <a:srgbClr val="FFFFFF"/>
                 </a:solidFill>
@@ -4810,7 +4814,7 @@
           <a:noFill/>
           <a:extLst>
             <a:ext uri="{909E8E84-426E-40dd-AFC4-6F175D3DCCD1}">
-              <a14:hiddenFill xmlns:a14="http://schemas.microsoft.com/office/drawing/2010/main" xmlns="">
+              <a14:hiddenFill xmlns="" xmlns:a14="http://schemas.microsoft.com/office/drawing/2010/main">
                 <a:solidFill>
                   <a:srgbClr val="FFFFFF"/>
                 </a:solidFill>
@@ -4957,7 +4961,7 @@
           <a:noFill/>
           <a:extLst>
             <a:ext uri="{909E8E84-426E-40dd-AFC4-6F175D3DCCD1}">
-              <a14:hiddenFill xmlns:a14="http://schemas.microsoft.com/office/drawing/2010/main" xmlns="">
+              <a14:hiddenFill xmlns="" xmlns:a14="http://schemas.microsoft.com/office/drawing/2010/main">
                 <a:solidFill>
                   <a:srgbClr val="FFFFFF"/>
                 </a:solidFill>
@@ -9064,7 +9068,7 @@
           <p:cNvPr id="2" name="Title 1">
             <a:extLst>
               <a:ext uri="{FF2B5EF4-FFF2-40B4-BE49-F238E27FC236}">
-                <a16:creationId xmlns:a16="http://schemas.microsoft.com/office/drawing/2014/main" id="{F1982618-43DB-48A1-9CF8-7B367D2B56D7}"/>
+                <a16:creationId xmlns:a16="http://schemas.microsoft.com/office/drawing/2014/main" id="{67F46049-50F4-43A1-A76E-4694D3D0BFBD}"/>
               </a:ext>
             </a:extLst>
           </p:cNvPr>
@@ -9082,7 +9086,7 @@
           <a:p>
             <a:r>
               <a:rPr lang="en-US" dirty="0"/>
-              <a:t>Merging</a:t>
+              <a:t>Branching</a:t>
             </a:r>
           </a:p>
         </p:txBody>
@@ -9092,7 +9096,7 @@
           <p:cNvPr id="5" name="Content Placeholder 4">
             <a:extLst>
               <a:ext uri="{FF2B5EF4-FFF2-40B4-BE49-F238E27FC236}">
-                <a16:creationId xmlns:a16="http://schemas.microsoft.com/office/drawing/2014/main" id="{D3F26FBB-643D-4556-9863-0587724DC48C}"/>
+                <a16:creationId xmlns:a16="http://schemas.microsoft.com/office/drawing/2014/main" id="{0A755846-A235-48DD-8239-194A89C787FF}"/>
               </a:ext>
             </a:extLst>
           </p:cNvPr>
@@ -9120,15 +9124,15 @@
         </p:blipFill>
         <p:spPr>
           <a:xfrm>
-            <a:off x="2848733" y="1825625"/>
-            <a:ext cx="6494534" cy="4351338"/>
+            <a:off x="2295705" y="1825625"/>
+            <a:ext cx="7600590" cy="4351338"/>
           </a:xfrm>
         </p:spPr>
       </p:pic>
     </p:spTree>
     <p:extLst>
       <p:ext uri="{BB962C8B-B14F-4D97-AF65-F5344CB8AC3E}">
-        <p14:creationId xmlns:p14="http://schemas.microsoft.com/office/powerpoint/2010/main" val="3214448015"/>
+        <p14:creationId xmlns:p14="http://schemas.microsoft.com/office/powerpoint/2010/main" val="3394842086"/>
       </p:ext>
     </p:extLst>
   </p:cSld>
@@ -9160,7 +9164,7 @@
           <p:cNvPr id="2" name="Title 1">
             <a:extLst>
               <a:ext uri="{FF2B5EF4-FFF2-40B4-BE49-F238E27FC236}">
-                <a16:creationId xmlns:a16="http://schemas.microsoft.com/office/drawing/2014/main" id="{05B857E2-61DA-432C-BAD1-4CF4FC2D981F}"/>
+                <a16:creationId xmlns:a16="http://schemas.microsoft.com/office/drawing/2014/main" id="{F1982618-43DB-48A1-9CF8-7B367D2B56D7}"/>
               </a:ext>
             </a:extLst>
           </p:cNvPr>
@@ -9178,7 +9182,7 @@
           <a:p>
             <a:r>
               <a:rPr lang="en-US" dirty="0"/>
-              <a:t>Rebasing</a:t>
+              <a:t>Merging</a:t>
             </a:r>
           </a:p>
         </p:txBody>
@@ -9188,7 +9192,7 @@
           <p:cNvPr id="5" name="Content Placeholder 4">
             <a:extLst>
               <a:ext uri="{FF2B5EF4-FFF2-40B4-BE49-F238E27FC236}">
-                <a16:creationId xmlns:a16="http://schemas.microsoft.com/office/drawing/2014/main" id="{34782428-3BC1-4848-9801-D1FF8C8D058A}"/>
+                <a16:creationId xmlns:a16="http://schemas.microsoft.com/office/drawing/2014/main" id="{D3F26FBB-643D-4556-9863-0587724DC48C}"/>
               </a:ext>
             </a:extLst>
           </p:cNvPr>
@@ -9216,15 +9220,15 @@
         </p:blipFill>
         <p:spPr>
           <a:xfrm>
-            <a:off x="2902357" y="1825625"/>
-            <a:ext cx="6387285" cy="4351338"/>
+            <a:off x="2848733" y="1825625"/>
+            <a:ext cx="6494534" cy="4351338"/>
           </a:xfrm>
         </p:spPr>
       </p:pic>
     </p:spTree>
     <p:extLst>
       <p:ext uri="{BB962C8B-B14F-4D97-AF65-F5344CB8AC3E}">
-        <p14:creationId xmlns:p14="http://schemas.microsoft.com/office/powerpoint/2010/main" val="1290580419"/>
+        <p14:creationId xmlns:p14="http://schemas.microsoft.com/office/powerpoint/2010/main" val="3214448015"/>
       </p:ext>
     </p:extLst>
   </p:cSld>
@@ -9256,7 +9260,7 @@
           <p:cNvPr id="2" name="Title 1">
             <a:extLst>
               <a:ext uri="{FF2B5EF4-FFF2-40B4-BE49-F238E27FC236}">
-                <a16:creationId xmlns:a16="http://schemas.microsoft.com/office/drawing/2014/main" id="{4B12FC63-BB25-4729-9D2F-FA753345DE7D}"/>
+                <a16:creationId xmlns:a16="http://schemas.microsoft.com/office/drawing/2014/main" id="{05B857E2-61DA-432C-BAD1-4CF4FC2D981F}"/>
               </a:ext>
             </a:extLst>
           </p:cNvPr>
@@ -9274,49 +9278,53 @@
           <a:p>
             <a:r>
               <a:rPr lang="en-US" dirty="0"/>
-              <a:t>Best practice</a:t>
-            </a:r>
-          </a:p>
-        </p:txBody>
-      </p:sp>
-      <p:sp>
-        <p:nvSpPr>
-          <p:cNvPr id="3" name="Content Placeholder 2">
+              <a:t>Rebasing</a:t>
+            </a:r>
+          </a:p>
+        </p:txBody>
+      </p:sp>
+      <p:pic>
+        <p:nvPicPr>
+          <p:cNvPr id="5" name="Content Placeholder 4">
             <a:extLst>
               <a:ext uri="{FF2B5EF4-FFF2-40B4-BE49-F238E27FC236}">
-                <a16:creationId xmlns:a16="http://schemas.microsoft.com/office/drawing/2014/main" id="{4D7FCE7B-CAEF-4602-AB9E-2A090CED56FE}"/>
+                <a16:creationId xmlns:a16="http://schemas.microsoft.com/office/drawing/2014/main" id="{34782428-3BC1-4848-9801-D1FF8C8D058A}"/>
               </a:ext>
             </a:extLst>
           </p:cNvPr>
-          <p:cNvSpPr>
-            <a:spLocks noGrp="1"/>
-          </p:cNvSpPr>
+          <p:cNvPicPr>
+            <a:picLocks noGrp="1" noChangeAspect="1"/>
+          </p:cNvPicPr>
           <p:nvPr>
             <p:ph idx="1"/>
           </p:nvPr>
-        </p:nvSpPr>
-        <p:spPr/>
-        <p:txBody>
-          <a:bodyPr/>
-          <a:lstStyle/>
-          <a:p>
-            <a:r>
-              <a:rPr lang="en-US" dirty="0"/>
-              <a:t>Don’t ever rebase onto a public branch</a:t>
-            </a:r>
-          </a:p>
-          <a:p>
-            <a:r>
-              <a:rPr lang="en-US" dirty="0"/>
-              <a:t>Honestly, probably stick to merge unless your team has clear guidelines on when to rebase</a:t>
-            </a:r>
-          </a:p>
-        </p:txBody>
-      </p:sp>
+        </p:nvPicPr>
+        <p:blipFill>
+          <a:blip r:embed="rId2">
+            <a:extLst>
+              <a:ext uri="{28A0092B-C50C-407E-A947-70E740481C1C}">
+                <a14:useLocalDpi xmlns:a14="http://schemas.microsoft.com/office/drawing/2010/main" val="0"/>
+              </a:ext>
+              <a:ext uri="{96DAC541-7B7A-43D3-8B79-37D633B846F1}">
+                <asvg:svgBlip xmlns:asvg="http://schemas.microsoft.com/office/drawing/2016/SVG/main" r:embed="rId3"/>
+              </a:ext>
+            </a:extLst>
+          </a:blip>
+          <a:stretch>
+            <a:fillRect/>
+          </a:stretch>
+        </p:blipFill>
+        <p:spPr>
+          <a:xfrm>
+            <a:off x="2902357" y="1825625"/>
+            <a:ext cx="6387285" cy="4351338"/>
+          </a:xfrm>
+        </p:spPr>
+      </p:pic>
     </p:spTree>
     <p:extLst>
       <p:ext uri="{BB962C8B-B14F-4D97-AF65-F5344CB8AC3E}">
-        <p14:creationId xmlns:p14="http://schemas.microsoft.com/office/powerpoint/2010/main" val="1583342092"/>
+        <p14:creationId xmlns:p14="http://schemas.microsoft.com/office/powerpoint/2010/main" val="1290580419"/>
       </p:ext>
     </p:extLst>
   </p:cSld>
@@ -9345,10 +9353,10 @@
       </p:grpSpPr>
       <p:sp>
         <p:nvSpPr>
-          <p:cNvPr id="4" name="Title 3">
+          <p:cNvPr id="2" name="Title 1">
             <a:extLst>
               <a:ext uri="{FF2B5EF4-FFF2-40B4-BE49-F238E27FC236}">
-                <a16:creationId xmlns:a16="http://schemas.microsoft.com/office/drawing/2014/main" id="{953D25B8-FE41-473F-A945-9B5740425B60}"/>
+                <a16:creationId xmlns:a16="http://schemas.microsoft.com/office/drawing/2014/main" id="{4B12FC63-BB25-4729-9D2F-FA753345DE7D}"/>
               </a:ext>
             </a:extLst>
           </p:cNvPr>
@@ -9359,29 +9367,24 @@
             <p:ph type="title"/>
           </p:nvPr>
         </p:nvSpPr>
-        <p:spPr>
-          <a:xfrm>
-            <a:off x="838200" y="365125"/>
-            <a:ext cx="10515600" cy="1325563"/>
-          </a:xfrm>
-        </p:spPr>
+        <p:spPr/>
         <p:txBody>
           <a:bodyPr/>
           <a:lstStyle/>
           <a:p>
             <a:r>
               <a:rPr lang="en-US" dirty="0"/>
-              <a:t>Snapshots – Not Diffs</a:t>
-            </a:r>
-          </a:p>
-        </p:txBody>
-      </p:sp>
-      <p:sp>
-        <p:nvSpPr>
-          <p:cNvPr id="5" name="Content Placeholder 4">
+              <a:t>Best practice</a:t>
+            </a:r>
+          </a:p>
+        </p:txBody>
+      </p:sp>
+      <p:sp>
+        <p:nvSpPr>
+          <p:cNvPr id="3" name="Content Placeholder 2">
             <a:extLst>
               <a:ext uri="{FF2B5EF4-FFF2-40B4-BE49-F238E27FC236}">
-                <a16:creationId xmlns:a16="http://schemas.microsoft.com/office/drawing/2014/main" id="{3FDCFACD-8BD8-4FC9-B119-8103F4E2A851}"/>
+                <a16:creationId xmlns:a16="http://schemas.microsoft.com/office/drawing/2014/main" id="{4D7FCE7B-CAEF-4602-AB9E-2A090CED56FE}"/>
               </a:ext>
             </a:extLst>
           </p:cNvPr>
@@ -9392,74 +9395,28 @@
             <p:ph idx="1"/>
           </p:nvPr>
         </p:nvSpPr>
-        <p:spPr>
-          <a:xfrm>
-            <a:off x="838200" y="1555844"/>
-            <a:ext cx="10515600" cy="655093"/>
-          </a:xfrm>
-        </p:spPr>
+        <p:spPr/>
         <p:txBody>
           <a:bodyPr/>
           <a:lstStyle/>
           <a:p>
             <a:r>
               <a:rPr lang="en-US" dirty="0"/>
-              <a:t>Most Version Control Systems (VCS) track differences.</a:t>
-            </a:r>
-          </a:p>
-        </p:txBody>
-      </p:sp>
-      <p:pic>
-        <p:nvPicPr>
-          <p:cNvPr id="1026" name="Picture 2" descr="Storing data as changes to a base version of each file.">
-            <a:extLst>
-              <a:ext uri="{FF2B5EF4-FFF2-40B4-BE49-F238E27FC236}">
-                <a16:creationId xmlns:a16="http://schemas.microsoft.com/office/drawing/2014/main" id="{DAC1C573-FF74-41F7-8FF5-A6D336DDC122}"/>
-              </a:ext>
-            </a:extLst>
-          </p:cNvPr>
-          <p:cNvPicPr>
-            <a:picLocks noChangeAspect="1" noChangeArrowheads="1"/>
-          </p:cNvPicPr>
-          <p:nvPr/>
-        </p:nvPicPr>
-        <p:blipFill>
-          <a:blip r:embed="rId2">
-            <a:extLst>
-              <a:ext uri="{28A0092B-C50C-407E-A947-70E740481C1C}">
-                <a14:useLocalDpi xmlns:a14="http://schemas.microsoft.com/office/drawing/2010/main" val="0"/>
-              </a:ext>
-            </a:extLst>
-          </a:blip>
-          <a:srcRect/>
-          <a:stretch>
-            <a:fillRect/>
-          </a:stretch>
-        </p:blipFill>
-        <p:spPr bwMode="auto">
-          <a:xfrm>
-            <a:off x="1520730" y="2210937"/>
-            <a:ext cx="9150540" cy="3545834"/>
-          </a:xfrm>
-          <a:prstGeom prst="rect">
-            <a:avLst/>
-          </a:prstGeom>
-          <a:noFill/>
-          <a:extLst>
-            <a:ext uri="{909E8E84-426E-40DD-AFC4-6F175D3DCCD1}">
-              <a14:hiddenFill xmlns:a14="http://schemas.microsoft.com/office/drawing/2010/main">
-                <a:solidFill>
-                  <a:srgbClr val="FFFFFF"/>
-                </a:solidFill>
-              </a14:hiddenFill>
-            </a:ext>
-          </a:extLst>
-        </p:spPr>
-      </p:pic>
+              <a:t>Don’t ever rebase onto a public branch</a:t>
+            </a:r>
+          </a:p>
+          <a:p>
+            <a:r>
+              <a:rPr lang="en-US" dirty="0"/>
+              <a:t>Honestly, probably stick to merge unless your team has clear guidelines on when to rebase</a:t>
+            </a:r>
+          </a:p>
+        </p:txBody>
+      </p:sp>
     </p:spTree>
     <p:extLst>
       <p:ext uri="{BB962C8B-B14F-4D97-AF65-F5344CB8AC3E}">
-        <p14:creationId xmlns:p14="http://schemas.microsoft.com/office/powerpoint/2010/main" val="3472819714"/>
+        <p14:creationId xmlns:p14="http://schemas.microsoft.com/office/powerpoint/2010/main" val="1583342092"/>
       </p:ext>
     </p:extLst>
   </p:cSld>
@@ -9488,10 +9445,10 @@
       </p:grpSpPr>
       <p:sp>
         <p:nvSpPr>
-          <p:cNvPr id="2" name="Title 1">
+          <p:cNvPr id="4" name="Title 3">
             <a:extLst>
               <a:ext uri="{FF2B5EF4-FFF2-40B4-BE49-F238E27FC236}">
-                <a16:creationId xmlns:a16="http://schemas.microsoft.com/office/drawing/2014/main" id="{308775A3-9078-47B1-BCA5-76A8080AAD80}"/>
+                <a16:creationId xmlns:a16="http://schemas.microsoft.com/office/drawing/2014/main" id="{953D25B8-FE41-473F-A945-9B5740425B60}"/>
               </a:ext>
             </a:extLst>
           </p:cNvPr>
@@ -9502,24 +9459,29 @@
             <p:ph type="title"/>
           </p:nvPr>
         </p:nvSpPr>
-        <p:spPr/>
+        <p:spPr>
+          <a:xfrm>
+            <a:off x="838200" y="365125"/>
+            <a:ext cx="10515600" cy="1325563"/>
+          </a:xfrm>
+        </p:spPr>
         <p:txBody>
           <a:bodyPr/>
           <a:lstStyle/>
           <a:p>
             <a:r>
               <a:rPr lang="en-US" dirty="0"/>
-              <a:t>Snapshot – Not Diffs</a:t>
-            </a:r>
-          </a:p>
-        </p:txBody>
-      </p:sp>
-      <p:sp>
-        <p:nvSpPr>
-          <p:cNvPr id="3" name="Content Placeholder 2">
+              <a:t>Snapshots – Not Diffs</a:t>
+            </a:r>
+          </a:p>
+        </p:txBody>
+      </p:sp>
+      <p:sp>
+        <p:nvSpPr>
+          <p:cNvPr id="5" name="Content Placeholder 4">
             <a:extLst>
               <a:ext uri="{FF2B5EF4-FFF2-40B4-BE49-F238E27FC236}">
-                <a16:creationId xmlns:a16="http://schemas.microsoft.com/office/drawing/2014/main" id="{D92A0E7A-AE89-46F3-A617-829ACAB1F1EE}"/>
+                <a16:creationId xmlns:a16="http://schemas.microsoft.com/office/drawing/2014/main" id="{3FDCFACD-8BD8-4FC9-B119-8103F4E2A851}"/>
               </a:ext>
             </a:extLst>
           </p:cNvPr>
@@ -9532,8 +9494,8 @@
         </p:nvSpPr>
         <p:spPr>
           <a:xfrm>
-            <a:off x="838200" y="1825625"/>
-            <a:ext cx="10515600" cy="658268"/>
+            <a:off x="838200" y="1555844"/>
+            <a:ext cx="10515600" cy="655093"/>
           </a:xfrm>
         </p:spPr>
         <p:txBody>
@@ -9542,17 +9504,17 @@
           <a:p>
             <a:r>
               <a:rPr lang="en-US" dirty="0"/>
-              <a:t>Git tracks a snapshot of the file – only tracking changed files.</a:t>
+              <a:t>Most Version Control Systems (VCS) track differences.</a:t>
             </a:r>
           </a:p>
         </p:txBody>
       </p:sp>
       <p:pic>
         <p:nvPicPr>
-          <p:cNvPr id="2050" name="Picture 2" descr="Git stores data as snapshots of the project over time.">
+          <p:cNvPr id="1026" name="Picture 2" descr="Storing data as changes to a base version of each file.">
             <a:extLst>
               <a:ext uri="{FF2B5EF4-FFF2-40B4-BE49-F238E27FC236}">
-                <a16:creationId xmlns:a16="http://schemas.microsoft.com/office/drawing/2014/main" id="{7CF41BA9-04C2-482D-85CC-047C6AF0864A}"/>
+                <a16:creationId xmlns:a16="http://schemas.microsoft.com/office/drawing/2014/main" id="{DAC1C573-FF74-41F7-8FF5-A6D336DDC122}"/>
               </a:ext>
             </a:extLst>
           </p:cNvPr>
@@ -9576,8 +9538,8 @@
         </p:blipFill>
         <p:spPr bwMode="auto">
           <a:xfrm>
-            <a:off x="1460236" y="2715905"/>
-            <a:ext cx="9271528" cy="3534770"/>
+            <a:off x="1520730" y="2210937"/>
+            <a:ext cx="9150540" cy="3545834"/>
           </a:xfrm>
           <a:prstGeom prst="rect">
             <a:avLst/>
@@ -9597,7 +9559,7 @@
     </p:spTree>
     <p:extLst>
       <p:ext uri="{BB962C8B-B14F-4D97-AF65-F5344CB8AC3E}">
-        <p14:creationId xmlns:p14="http://schemas.microsoft.com/office/powerpoint/2010/main" val="2467824290"/>
+        <p14:creationId xmlns:p14="http://schemas.microsoft.com/office/powerpoint/2010/main" val="3472819714"/>
       </p:ext>
     </p:extLst>
   </p:cSld>
@@ -9629,7 +9591,7 @@
           <p:cNvPr id="2" name="Title 1">
             <a:extLst>
               <a:ext uri="{FF2B5EF4-FFF2-40B4-BE49-F238E27FC236}">
-                <a16:creationId xmlns:a16="http://schemas.microsoft.com/office/drawing/2014/main" id="{24CC2CD7-2C6F-40C6-A804-DD7A36C5B32F}"/>
+                <a16:creationId xmlns:a16="http://schemas.microsoft.com/office/drawing/2014/main" id="{308775A3-9078-47B1-BCA5-76A8080AAD80}"/>
               </a:ext>
             </a:extLst>
           </p:cNvPr>
@@ -9647,7 +9609,7 @@
           <a:p>
             <a:r>
               <a:rPr lang="en-US" dirty="0"/>
-              <a:t>Local Operations</a:t>
+              <a:t>Snapshot – Not Diffs</a:t>
             </a:r>
           </a:p>
         </p:txBody>
@@ -9657,7 +9619,7 @@
           <p:cNvPr id="3" name="Content Placeholder 2">
             <a:extLst>
               <a:ext uri="{FF2B5EF4-FFF2-40B4-BE49-F238E27FC236}">
-                <a16:creationId xmlns:a16="http://schemas.microsoft.com/office/drawing/2014/main" id="{5B1783C5-7E91-459F-8CA1-5C8BCAC5C446}"/>
+                <a16:creationId xmlns:a16="http://schemas.microsoft.com/office/drawing/2014/main" id="{D92A0E7A-AE89-46F3-A617-829ACAB1F1EE}"/>
               </a:ext>
             </a:extLst>
           </p:cNvPr>
@@ -9668,46 +9630,74 @@
             <p:ph idx="1"/>
           </p:nvPr>
         </p:nvSpPr>
-        <p:spPr/>
+        <p:spPr>
+          <a:xfrm>
+            <a:off x="838200" y="1825625"/>
+            <a:ext cx="10515600" cy="658268"/>
+          </a:xfrm>
+        </p:spPr>
         <p:txBody>
           <a:bodyPr/>
           <a:lstStyle/>
           <a:p>
             <a:r>
               <a:rPr lang="en-US" dirty="0"/>
-              <a:t>Git keeps the full repo on your local computer</a:t>
-            </a:r>
-          </a:p>
-          <a:p>
-            <a:r>
-              <a:rPr lang="en-US" dirty="0"/>
-              <a:t>Commits, Log operations, branching\merging – it’s all local</a:t>
-            </a:r>
-          </a:p>
-          <a:p>
-            <a:r>
-              <a:rPr lang="en-US" dirty="0"/>
-              <a:t>Only the initial checkout, and synchronizing your branch is done remotely!</a:t>
-            </a:r>
-          </a:p>
-          <a:p>
-            <a:r>
-              <a:rPr lang="en-US" dirty="0"/>
-              <a:t>(Well, pull requests too, sort of, but that’s a deeper topic!)</a:t>
-            </a:r>
-          </a:p>
-          <a:p>
-            <a:r>
-              <a:rPr lang="en-US" dirty="0"/>
-              <a:t>This means you can work offline, in a distributed scenario. No file locks, checking the central server, or being blocked by bad internet access!</a:t>
-            </a:r>
-          </a:p>
-        </p:txBody>
-      </p:sp>
+              <a:t>Git tracks a snapshot of the file – only tracking changed files.</a:t>
+            </a:r>
+          </a:p>
+        </p:txBody>
+      </p:sp>
+      <p:pic>
+        <p:nvPicPr>
+          <p:cNvPr id="2050" name="Picture 2" descr="Git stores data as snapshots of the project over time.">
+            <a:extLst>
+              <a:ext uri="{FF2B5EF4-FFF2-40B4-BE49-F238E27FC236}">
+                <a16:creationId xmlns:a16="http://schemas.microsoft.com/office/drawing/2014/main" id="{7CF41BA9-04C2-482D-85CC-047C6AF0864A}"/>
+              </a:ext>
+            </a:extLst>
+          </p:cNvPr>
+          <p:cNvPicPr>
+            <a:picLocks noChangeAspect="1" noChangeArrowheads="1"/>
+          </p:cNvPicPr>
+          <p:nvPr/>
+        </p:nvPicPr>
+        <p:blipFill>
+          <a:blip r:embed="rId2">
+            <a:extLst>
+              <a:ext uri="{28A0092B-C50C-407E-A947-70E740481C1C}">
+                <a14:useLocalDpi xmlns:a14="http://schemas.microsoft.com/office/drawing/2010/main" val="0"/>
+              </a:ext>
+            </a:extLst>
+          </a:blip>
+          <a:srcRect/>
+          <a:stretch>
+            <a:fillRect/>
+          </a:stretch>
+        </p:blipFill>
+        <p:spPr bwMode="auto">
+          <a:xfrm>
+            <a:off x="1460236" y="2715905"/>
+            <a:ext cx="9271528" cy="3534770"/>
+          </a:xfrm>
+          <a:prstGeom prst="rect">
+            <a:avLst/>
+          </a:prstGeom>
+          <a:noFill/>
+          <a:extLst>
+            <a:ext uri="{909E8E84-426E-40DD-AFC4-6F175D3DCCD1}">
+              <a14:hiddenFill xmlns:a14="http://schemas.microsoft.com/office/drawing/2010/main">
+                <a:solidFill>
+                  <a:srgbClr val="FFFFFF"/>
+                </a:solidFill>
+              </a14:hiddenFill>
+            </a:ext>
+          </a:extLst>
+        </p:spPr>
+      </p:pic>
     </p:spTree>
     <p:extLst>
       <p:ext uri="{BB962C8B-B14F-4D97-AF65-F5344CB8AC3E}">
-        <p14:creationId xmlns:p14="http://schemas.microsoft.com/office/powerpoint/2010/main" val="1988009388"/>
+        <p14:creationId xmlns:p14="http://schemas.microsoft.com/office/powerpoint/2010/main" val="2467824290"/>
       </p:ext>
     </p:extLst>
   </p:cSld>
@@ -9739,7 +9729,7 @@
           <p:cNvPr id="2" name="Title 1">
             <a:extLst>
               <a:ext uri="{FF2B5EF4-FFF2-40B4-BE49-F238E27FC236}">
-                <a16:creationId xmlns:a16="http://schemas.microsoft.com/office/drawing/2014/main" id="{2D3BA762-E4FA-4368-B751-764176300177}"/>
+                <a16:creationId xmlns:a16="http://schemas.microsoft.com/office/drawing/2014/main" id="{24CC2CD7-2C6F-40C6-A804-DD7A36C5B32F}"/>
               </a:ext>
             </a:extLst>
           </p:cNvPr>
@@ -9757,7 +9747,7 @@
           <a:p>
             <a:r>
               <a:rPr lang="en-US" dirty="0"/>
-              <a:t>Git has Integrity</a:t>
+              <a:t>Local Operations</a:t>
             </a:r>
           </a:p>
         </p:txBody>
@@ -9767,7 +9757,7 @@
           <p:cNvPr id="3" name="Content Placeholder 2">
             <a:extLst>
               <a:ext uri="{FF2B5EF4-FFF2-40B4-BE49-F238E27FC236}">
-                <a16:creationId xmlns:a16="http://schemas.microsoft.com/office/drawing/2014/main" id="{AAB4FD9A-15F8-48E9-A693-489CB3730C2E}"/>
+                <a16:creationId xmlns:a16="http://schemas.microsoft.com/office/drawing/2014/main" id="{5B1783C5-7E91-459F-8CA1-5C8BCAC5C446}"/>
               </a:ext>
             </a:extLst>
           </p:cNvPr>
@@ -9785,27 +9775,31 @@
           <a:p>
             <a:r>
               <a:rPr lang="en-US" dirty="0"/>
-              <a:t>The SHA-1 thing I mentioned earlier?</a:t>
-            </a:r>
-          </a:p>
-          <a:p>
-            <a:r>
-              <a:rPr lang="en-US" dirty="0"/>
-              <a:t>Git computes a SHA-1 Hash of the commit you just made, and it makes it so you can’t make changes to watched files without Git knowing about it.</a:t>
-            </a:r>
-          </a:p>
-          <a:p>
-            <a:r>
-              <a:rPr lang="en-US" dirty="0"/>
-              <a:t>How? I </a:t>
-            </a:r>
-            <a:r>
-              <a:rPr lang="en-US" dirty="0" err="1"/>
-              <a:t>dunno</a:t>
-            </a:r>
-            <a:r>
-              <a:rPr lang="en-US" dirty="0"/>
-              <a:t>. Magic probably.</a:t>
+              <a:t>Git keeps the full repo on your local computer</a:t>
+            </a:r>
+          </a:p>
+          <a:p>
+            <a:r>
+              <a:rPr lang="en-US" dirty="0"/>
+              <a:t>Commits, Log operations, branching\merging – it’s all local</a:t>
+            </a:r>
+          </a:p>
+          <a:p>
+            <a:r>
+              <a:rPr lang="en-US" dirty="0"/>
+              <a:t>Only the initial checkout, and synchronizing your branch is done remotely!</a:t>
+            </a:r>
+          </a:p>
+          <a:p>
+            <a:r>
+              <a:rPr lang="en-US" dirty="0"/>
+              <a:t>(Well, pull requests too, sort of, but that’s a deeper topic!)</a:t>
+            </a:r>
+          </a:p>
+          <a:p>
+            <a:r>
+              <a:rPr lang="en-US" dirty="0"/>
+              <a:t>This means you can work offline, in a distributed scenario. No file locks, checking the central server, or being blocked by bad internet access!</a:t>
             </a:r>
           </a:p>
         </p:txBody>
@@ -9813,7 +9807,7 @@
     </p:spTree>
     <p:extLst>
       <p:ext uri="{BB962C8B-B14F-4D97-AF65-F5344CB8AC3E}">
-        <p14:creationId xmlns:p14="http://schemas.microsoft.com/office/powerpoint/2010/main" val="2504312543"/>
+        <p14:creationId xmlns:p14="http://schemas.microsoft.com/office/powerpoint/2010/main" val="1988009388"/>
       </p:ext>
     </p:extLst>
   </p:cSld>
@@ -9845,7 +9839,7 @@
           <p:cNvPr id="2" name="Title 1">
             <a:extLst>
               <a:ext uri="{FF2B5EF4-FFF2-40B4-BE49-F238E27FC236}">
-                <a16:creationId xmlns:a16="http://schemas.microsoft.com/office/drawing/2014/main" id="{0FA6AEAC-E7B5-460D-AB9D-92BC4090C5B7}"/>
+                <a16:creationId xmlns:a16="http://schemas.microsoft.com/office/drawing/2014/main" id="{2D3BA762-E4FA-4368-B751-764176300177}"/>
               </a:ext>
             </a:extLst>
           </p:cNvPr>
@@ -9863,7 +9857,7 @@
           <a:p>
             <a:r>
               <a:rPr lang="en-US" dirty="0"/>
-              <a:t>Git is recoverable</a:t>
+              <a:t>Git has Integrity</a:t>
             </a:r>
           </a:p>
         </p:txBody>
@@ -9873,7 +9867,7 @@
           <p:cNvPr id="3" name="Content Placeholder 2">
             <a:extLst>
               <a:ext uri="{FF2B5EF4-FFF2-40B4-BE49-F238E27FC236}">
-                <a16:creationId xmlns:a16="http://schemas.microsoft.com/office/drawing/2014/main" id="{475C6E75-54FD-47E6-9EBF-F85A49A7907E}"/>
+                <a16:creationId xmlns:a16="http://schemas.microsoft.com/office/drawing/2014/main" id="{AAB4FD9A-15F8-48E9-A693-489CB3730C2E}"/>
               </a:ext>
             </a:extLst>
           </p:cNvPr>
@@ -9891,19 +9885,27 @@
           <a:p>
             <a:r>
               <a:rPr lang="en-US" dirty="0"/>
-              <a:t>Git generally only *adds* data.</a:t>
-            </a:r>
-          </a:p>
-          <a:p>
-            <a:r>
-              <a:rPr lang="en-US" dirty="0"/>
-              <a:t>There’s a couple things you can do that are un-undoable, probably, but I haven’t found them yet.</a:t>
-            </a:r>
-          </a:p>
-          <a:p>
-            <a:r>
-              <a:rPr lang="en-US" dirty="0"/>
-              <a:t>Once you commit a change, you can always go back and access it. If you mess something up, you can revert to a previous change-set, and you’re good to go!</a:t>
+              <a:t>The SHA-1 thing I mentioned earlier?</a:t>
+            </a:r>
+          </a:p>
+          <a:p>
+            <a:r>
+              <a:rPr lang="en-US" dirty="0"/>
+              <a:t>Git computes a SHA-1 Hash of the commit you just made, and it makes it so you can’t make changes to watched files without Git knowing about it.</a:t>
+            </a:r>
+          </a:p>
+          <a:p>
+            <a:r>
+              <a:rPr lang="en-US" dirty="0"/>
+              <a:t>How? I </a:t>
+            </a:r>
+            <a:r>
+              <a:rPr lang="en-US" dirty="0" err="1"/>
+              <a:t>dunno</a:t>
+            </a:r>
+            <a:r>
+              <a:rPr lang="en-US" dirty="0"/>
+              <a:t>. Magic probably.</a:t>
             </a:r>
           </a:p>
         </p:txBody>
@@ -9911,7 +9913,7 @@
     </p:spTree>
     <p:extLst>
       <p:ext uri="{BB962C8B-B14F-4D97-AF65-F5344CB8AC3E}">
-        <p14:creationId xmlns:p14="http://schemas.microsoft.com/office/powerpoint/2010/main" val="189421915"/>
+        <p14:creationId xmlns:p14="http://schemas.microsoft.com/office/powerpoint/2010/main" val="2504312543"/>
       </p:ext>
     </p:extLst>
   </p:cSld>
@@ -9943,7 +9945,7 @@
           <p:cNvPr id="2" name="Title 1">
             <a:extLst>
               <a:ext uri="{FF2B5EF4-FFF2-40B4-BE49-F238E27FC236}">
-                <a16:creationId xmlns:a16="http://schemas.microsoft.com/office/drawing/2014/main" id="{8A9629C9-9AD4-4A86-97C1-0BA5B0C19D94}"/>
+                <a16:creationId xmlns:a16="http://schemas.microsoft.com/office/drawing/2014/main" id="{0FA6AEAC-E7B5-460D-AB9D-92BC4090C5B7}"/>
               </a:ext>
             </a:extLst>
           </p:cNvPr>
@@ -9961,91 +9963,47 @@
           <a:p>
             <a:r>
               <a:rPr lang="en-US" dirty="0"/>
-              <a:t>Basic Workflow</a:t>
-            </a:r>
-          </a:p>
-        </p:txBody>
-      </p:sp>
-      <p:pic>
-        <p:nvPicPr>
-          <p:cNvPr id="3074" name="Picture 2" descr="Working tree, staging area, and Git directory.">
+              <a:t>Git is recoverable</a:t>
+            </a:r>
+          </a:p>
+        </p:txBody>
+      </p:sp>
+      <p:sp>
+        <p:nvSpPr>
+          <p:cNvPr id="3" name="Content Placeholder 2">
             <a:extLst>
               <a:ext uri="{FF2B5EF4-FFF2-40B4-BE49-F238E27FC236}">
-                <a16:creationId xmlns:a16="http://schemas.microsoft.com/office/drawing/2014/main" id="{25F68965-AA38-4808-B661-2D8747F8E8E5}"/>
+                <a16:creationId xmlns:a16="http://schemas.microsoft.com/office/drawing/2014/main" id="{475C6E75-54FD-47E6-9EBF-F85A49A7907E}"/>
               </a:ext>
             </a:extLst>
           </p:cNvPr>
-          <p:cNvPicPr>
-            <a:picLocks noGrp="1" noChangeAspect="1" noChangeArrowheads="1"/>
-          </p:cNvPicPr>
+          <p:cNvSpPr>
+            <a:spLocks noGrp="1"/>
+          </p:cNvSpPr>
           <p:nvPr>
             <p:ph idx="1"/>
           </p:nvPr>
-        </p:nvPicPr>
-        <p:blipFill>
-          <a:blip r:embed="rId2">
-            <a:extLst>
-              <a:ext uri="{28A0092B-C50C-407E-A947-70E740481C1C}">
-                <a14:useLocalDpi xmlns:a14="http://schemas.microsoft.com/office/drawing/2010/main" val="0"/>
-              </a:ext>
-            </a:extLst>
-          </a:blip>
-          <a:srcRect/>
-          <a:stretch>
-            <a:fillRect/>
-          </a:stretch>
-        </p:blipFill>
-        <p:spPr bwMode="auto">
-          <a:xfrm>
-            <a:off x="2286000" y="1901031"/>
-            <a:ext cx="7620000" cy="4200525"/>
-          </a:xfrm>
-          <a:prstGeom prst="rect">
-            <a:avLst/>
-          </a:prstGeom>
-          <a:noFill/>
-          <a:extLst>
-            <a:ext uri="{909E8E84-426E-40DD-AFC4-6F175D3DCCD1}">
-              <a14:hiddenFill xmlns:a14="http://schemas.microsoft.com/office/drawing/2010/main">
-                <a:solidFill>
-                  <a:srgbClr val="FFFFFF"/>
-                </a:solidFill>
-              </a14:hiddenFill>
-            </a:ext>
-          </a:extLst>
-        </p:spPr>
-      </p:pic>
-      <p:sp>
-        <p:nvSpPr>
-          <p:cNvPr id="3" name="TextBox 2">
-            <a:extLst>
-              <a:ext uri="{FF2B5EF4-FFF2-40B4-BE49-F238E27FC236}">
-                <a16:creationId xmlns:a16="http://schemas.microsoft.com/office/drawing/2014/main" id="{35177CA5-A56E-426F-B4F0-298FED920311}"/>
-              </a:ext>
-            </a:extLst>
-          </p:cNvPr>
-          <p:cNvSpPr txBox="1"/>
-          <p:nvPr/>
-        </p:nvSpPr>
-        <p:spPr>
-          <a:xfrm>
-            <a:off x="7566212" y="3244334"/>
-            <a:ext cx="1102659" cy="369332"/>
-          </a:xfrm>
-          <a:prstGeom prst="rect">
-            <a:avLst/>
-          </a:prstGeom>
-          <a:noFill/>
-        </p:spPr>
-        <p:txBody>
-          <a:bodyPr wrap="square" rtlCol="0">
-            <a:spAutoFit/>
-          </a:bodyPr>
+        </p:nvSpPr>
+        <p:spPr/>
+        <p:txBody>
+          <a:bodyPr/>
           <a:lstStyle/>
           <a:p>
             <a:r>
               <a:rPr lang="en-US" dirty="0"/>
-              <a:t>(Clone)</a:t>
+              <a:t>Git generally only *adds* data.</a:t>
+            </a:r>
+          </a:p>
+          <a:p>
+            <a:r>
+              <a:rPr lang="en-US" dirty="0"/>
+              <a:t>There’s a couple things you can do that are un-undoable, probably, but I haven’t found them yet.</a:t>
+            </a:r>
+          </a:p>
+          <a:p>
+            <a:r>
+              <a:rPr lang="en-US" dirty="0"/>
+              <a:t>Once you commit a change, you can always go back and access it. If you mess something up, you can revert to a previous change-set, and you’re good to go!</a:t>
             </a:r>
           </a:p>
         </p:txBody>
@@ -10053,7 +10011,7 @@
     </p:spTree>
     <p:extLst>
       <p:ext uri="{BB962C8B-B14F-4D97-AF65-F5344CB8AC3E}">
-        <p14:creationId xmlns:p14="http://schemas.microsoft.com/office/powerpoint/2010/main" val="1617573897"/>
+        <p14:creationId xmlns:p14="http://schemas.microsoft.com/office/powerpoint/2010/main" val="189421915"/>
       </p:ext>
     </p:extLst>
   </p:cSld>
@@ -10085,7 +10043,7 @@
           <p:cNvPr id="2" name="Title 1">
             <a:extLst>
               <a:ext uri="{FF2B5EF4-FFF2-40B4-BE49-F238E27FC236}">
-                <a16:creationId xmlns:a16="http://schemas.microsoft.com/office/drawing/2014/main" id="{7FC8900C-5155-4F12-9845-2CC9027CCBCA}"/>
+                <a16:creationId xmlns:a16="http://schemas.microsoft.com/office/drawing/2014/main" id="{8A9629C9-9AD4-4A86-97C1-0BA5B0C19D94}"/>
               </a:ext>
             </a:extLst>
           </p:cNvPr>
@@ -10103,75 +10061,91 @@
           <a:p>
             <a:r>
               <a:rPr lang="en-US" dirty="0"/>
-              <a:t>Three States</a:t>
-            </a:r>
-          </a:p>
-        </p:txBody>
-      </p:sp>
-      <p:sp>
-        <p:nvSpPr>
-          <p:cNvPr id="3" name="Content Placeholder 2">
+              <a:t>Basic Workflow</a:t>
+            </a:r>
+          </a:p>
+        </p:txBody>
+      </p:sp>
+      <p:pic>
+        <p:nvPicPr>
+          <p:cNvPr id="3074" name="Picture 2" descr="Working tree, staging area, and Git directory.">
             <a:extLst>
               <a:ext uri="{FF2B5EF4-FFF2-40B4-BE49-F238E27FC236}">
-                <a16:creationId xmlns:a16="http://schemas.microsoft.com/office/drawing/2014/main" id="{41415508-FBBE-4D83-AA4F-B5A08A348B02}"/>
+                <a16:creationId xmlns:a16="http://schemas.microsoft.com/office/drawing/2014/main" id="{25F68965-AA38-4808-B661-2D8747F8E8E5}"/>
               </a:ext>
             </a:extLst>
           </p:cNvPr>
-          <p:cNvSpPr>
-            <a:spLocks noGrp="1"/>
-          </p:cNvSpPr>
+          <p:cNvPicPr>
+            <a:picLocks noGrp="1" noChangeAspect="1" noChangeArrowheads="1"/>
+          </p:cNvPicPr>
           <p:nvPr>
             <p:ph idx="1"/>
           </p:nvPr>
-        </p:nvSpPr>
-        <p:spPr/>
-        <p:txBody>
-          <a:bodyPr/>
+        </p:nvPicPr>
+        <p:blipFill>
+          <a:blip r:embed="rId2">
+            <a:extLst>
+              <a:ext uri="{28A0092B-C50C-407E-A947-70E740481C1C}">
+                <a14:useLocalDpi xmlns:a14="http://schemas.microsoft.com/office/drawing/2010/main" val="0"/>
+              </a:ext>
+            </a:extLst>
+          </a:blip>
+          <a:srcRect/>
+          <a:stretch>
+            <a:fillRect/>
+          </a:stretch>
+        </p:blipFill>
+        <p:spPr bwMode="auto">
+          <a:xfrm>
+            <a:off x="2286000" y="1901031"/>
+            <a:ext cx="7620000" cy="4200525"/>
+          </a:xfrm>
+          <a:prstGeom prst="rect">
+            <a:avLst/>
+          </a:prstGeom>
+          <a:noFill/>
+          <a:extLst>
+            <a:ext uri="{909E8E84-426E-40DD-AFC4-6F175D3DCCD1}">
+              <a14:hiddenFill xmlns:a14="http://schemas.microsoft.com/office/drawing/2010/main">
+                <a:solidFill>
+                  <a:srgbClr val="FFFFFF"/>
+                </a:solidFill>
+              </a14:hiddenFill>
+            </a:ext>
+          </a:extLst>
+        </p:spPr>
+      </p:pic>
+      <p:sp>
+        <p:nvSpPr>
+          <p:cNvPr id="3" name="TextBox 2">
+            <a:extLst>
+              <a:ext uri="{FF2B5EF4-FFF2-40B4-BE49-F238E27FC236}">
+                <a16:creationId xmlns:a16="http://schemas.microsoft.com/office/drawing/2014/main" id="{35177CA5-A56E-426F-B4F0-298FED920311}"/>
+              </a:ext>
+            </a:extLst>
+          </p:cNvPr>
+          <p:cNvSpPr txBox="1"/>
+          <p:nvPr/>
+        </p:nvSpPr>
+        <p:spPr>
+          <a:xfrm>
+            <a:off x="7566212" y="3244334"/>
+            <a:ext cx="1102659" cy="369332"/>
+          </a:xfrm>
+          <a:prstGeom prst="rect">
+            <a:avLst/>
+          </a:prstGeom>
+          <a:noFill/>
+        </p:spPr>
+        <p:txBody>
+          <a:bodyPr wrap="square" rtlCol="0">
+            <a:spAutoFit/>
+          </a:bodyPr>
           <a:lstStyle/>
           <a:p>
             <a:r>
               <a:rPr lang="en-US" dirty="0"/>
-              <a:t>Modified</a:t>
-            </a:r>
-          </a:p>
-          <a:p>
-            <a:pPr lvl="1"/>
-            <a:r>
-              <a:rPr lang="en-US" dirty="0"/>
-              <a:t>You’ve made a change to one or more files.</a:t>
-            </a:r>
-          </a:p>
-          <a:p>
-            <a:r>
-              <a:rPr lang="en-US" dirty="0"/>
-              <a:t>Staged</a:t>
-            </a:r>
-          </a:p>
-          <a:p>
-            <a:pPr lvl="1"/>
-            <a:r>
-              <a:rPr lang="en-US" dirty="0"/>
-              <a:t>You’ve gone through and selected the files you want to commit</a:t>
-            </a:r>
-          </a:p>
-          <a:p>
-            <a:pPr lvl="1"/>
-            <a:r>
-              <a:rPr lang="en-US" dirty="0"/>
-              <a:t>You don’t HAVE to commit everything in one go!</a:t>
-            </a:r>
-          </a:p>
-          <a:p>
-            <a:r>
-              <a:rPr lang="en-US" dirty="0"/>
-              <a:t>Committed</a:t>
-            </a:r>
-          </a:p>
-          <a:p>
-            <a:pPr lvl="1"/>
-            <a:r>
-              <a:rPr lang="en-US" dirty="0"/>
-              <a:t>Committing is the part that is recorded to Git. It’s now part of the log and can be seen in the history.</a:t>
+              <a:t>(Clone)</a:t>
             </a:r>
           </a:p>
         </p:txBody>
@@ -10179,7 +10153,7 @@
     </p:spTree>
     <p:extLst>
       <p:ext uri="{BB962C8B-B14F-4D97-AF65-F5344CB8AC3E}">
-        <p14:creationId xmlns:p14="http://schemas.microsoft.com/office/powerpoint/2010/main" val="4231516819"/>
+        <p14:creationId xmlns:p14="http://schemas.microsoft.com/office/powerpoint/2010/main" val="1617573897"/>
       </p:ext>
     </p:extLst>
   </p:cSld>
@@ -10384,7 +10358,7 @@
           <p:cNvPr id="2" name="Title 1">
             <a:extLst>
               <a:ext uri="{FF2B5EF4-FFF2-40B4-BE49-F238E27FC236}">
-                <a16:creationId xmlns:a16="http://schemas.microsoft.com/office/drawing/2014/main" id="{6374560B-CBBB-4D34-81B8-BCEC16AC23A1}"/>
+                <a16:creationId xmlns:a16="http://schemas.microsoft.com/office/drawing/2014/main" id="{7FC8900C-5155-4F12-9845-2CC9027CCBCA}"/>
               </a:ext>
             </a:extLst>
           </p:cNvPr>
@@ -10402,15 +10376,7 @@
           <a:p>
             <a:r>
               <a:rPr lang="en-US" dirty="0"/>
-              <a:t>Not </a:t>
-            </a:r>
-            <a:r>
-              <a:rPr lang="en-US" i="1" dirty="0"/>
-              <a:t>quite </a:t>
-            </a:r>
-            <a:r>
-              <a:rPr lang="en-US" dirty="0"/>
-              <a:t>done - probably</a:t>
+              <a:t>Three States</a:t>
             </a:r>
           </a:p>
         </p:txBody>
@@ -10420,7 +10386,7 @@
           <p:cNvPr id="3" name="Content Placeholder 2">
             <a:extLst>
               <a:ext uri="{FF2B5EF4-FFF2-40B4-BE49-F238E27FC236}">
-                <a16:creationId xmlns:a16="http://schemas.microsoft.com/office/drawing/2014/main" id="{3917125C-2BDC-4B04-B75A-31F80461EF98}"/>
+                <a16:creationId xmlns:a16="http://schemas.microsoft.com/office/drawing/2014/main" id="{41415508-FBBE-4D83-AA4F-B5A08A348B02}"/>
               </a:ext>
             </a:extLst>
           </p:cNvPr>
@@ -10438,28 +10404,47 @@
           <a:p>
             <a:r>
               <a:rPr lang="en-US" dirty="0"/>
-              <a:t>In most cases, you still need to synchronize your code with a shared repository.</a:t>
-            </a:r>
-          </a:p>
-          <a:p>
-            <a:r>
-              <a:rPr lang="en-US" dirty="0"/>
-              <a:t>This is known as a “Push”</a:t>
-            </a:r>
-          </a:p>
-          <a:p>
-            <a:r>
-              <a:rPr lang="en-US" dirty="0"/>
-              <a:t>Getting code from the central repo is known as a “Pull”</a:t>
-            </a:r>
-          </a:p>
-          <a:p>
-            <a:endParaRPr lang="en-US" dirty="0"/>
-          </a:p>
-          <a:p>
-            <a:r>
-              <a:rPr lang="en-US" dirty="0"/>
-              <a:t>If you both “Pull” and “Push” – you have “synced” your code.</a:t>
+              <a:t>Modified</a:t>
+            </a:r>
+          </a:p>
+          <a:p>
+            <a:pPr lvl="1"/>
+            <a:r>
+              <a:rPr lang="en-US" dirty="0"/>
+              <a:t>You’ve made a change to one or more files.</a:t>
+            </a:r>
+          </a:p>
+          <a:p>
+            <a:r>
+              <a:rPr lang="en-US" dirty="0"/>
+              <a:t>Staged</a:t>
+            </a:r>
+          </a:p>
+          <a:p>
+            <a:pPr lvl="1"/>
+            <a:r>
+              <a:rPr lang="en-US" dirty="0"/>
+              <a:t>You’ve gone through and selected the files you want to commit</a:t>
+            </a:r>
+          </a:p>
+          <a:p>
+            <a:pPr lvl="1"/>
+            <a:r>
+              <a:rPr lang="en-US" dirty="0"/>
+              <a:t>You don’t HAVE to commit everything in one go!</a:t>
+            </a:r>
+          </a:p>
+          <a:p>
+            <a:r>
+              <a:rPr lang="en-US" dirty="0"/>
+              <a:t>Committed</a:t>
+            </a:r>
+          </a:p>
+          <a:p>
+            <a:pPr lvl="1"/>
+            <a:r>
+              <a:rPr lang="en-US" dirty="0"/>
+              <a:t>Committing is the part that is recorded to Git. It’s now part of the log and can be seen in the history.</a:t>
             </a:r>
           </a:p>
         </p:txBody>
@@ -10467,7 +10452,7 @@
     </p:spTree>
     <p:extLst>
       <p:ext uri="{BB962C8B-B14F-4D97-AF65-F5344CB8AC3E}">
-        <p14:creationId xmlns:p14="http://schemas.microsoft.com/office/powerpoint/2010/main" val="4155925949"/>
+        <p14:creationId xmlns:p14="http://schemas.microsoft.com/office/powerpoint/2010/main" val="4231516819"/>
       </p:ext>
     </p:extLst>
   </p:cSld>
@@ -10480,14 +10465,6 @@
 <file path=ppt/slides/slide21.xml><?xml version="1.0" encoding="utf-8"?>
 <p:sld xmlns:a="http://schemas.openxmlformats.org/drawingml/2006/main" xmlns:r="http://schemas.openxmlformats.org/officeDocument/2006/relationships" xmlns:p="http://schemas.openxmlformats.org/presentationml/2006/main">
   <p:cSld>
-    <p:bg>
-      <p:bgPr>
-        <a:solidFill>
-          <a:schemeClr val="bg1"/>
-        </a:solidFill>
-        <a:effectLst/>
-      </p:bgPr>
-    </p:bg>
     <p:spTree>
       <p:nvGrpSpPr>
         <p:cNvPr id="1" name=""/>
@@ -10504,140 +10481,10 @@
       </p:grpSpPr>
       <p:sp>
         <p:nvSpPr>
-          <p:cNvPr id="8" name="Rectangle 7">
-            <a:extLst>
-              <a:ext uri="{FF2B5EF4-FFF2-40B4-BE49-F238E27FC236}">
-                <a16:creationId xmlns:a16="http://schemas.microsoft.com/office/drawing/2014/main" id="{23962611-DFD5-4092-AAFD-559E3DFCE2C9}"/>
-              </a:ext>
-              <a:ext uri="{C183D7F6-B498-43B3-948B-1728B52AA6E4}">
-                <adec:decorative xmlns:adec="http://schemas.microsoft.com/office/drawing/2017/decorative" val="1"/>
-              </a:ext>
-            </a:extLst>
-          </p:cNvPr>
-          <p:cNvSpPr>
-            <a:spLocks noGrp="1" noRot="1" noChangeAspect="1" noMove="1" noResize="1" noEditPoints="1" noAdjustHandles="1" noChangeArrowheads="1" noChangeShapeType="1" noTextEdit="1"/>
-          </p:cNvSpPr>
-          <p:nvPr>
-            <p:extLst>
-              <p:ext uri="{386F3935-93C4-4BCD-93E2-E3B085C9AB24}">
-                <p16:designElem xmlns:p16="http://schemas.microsoft.com/office/powerpoint/2015/main" val="1"/>
-              </p:ext>
-            </p:extLst>
-          </p:nvPr>
-        </p:nvSpPr>
-        <p:spPr>
-          <a:xfrm>
-            <a:off x="475488" y="0"/>
-            <a:ext cx="10910292" cy="6858000"/>
-          </a:xfrm>
-          <a:prstGeom prst="rect">
-            <a:avLst/>
-          </a:prstGeom>
-          <a:gradFill>
-            <a:gsLst>
-              <a:gs pos="0">
-                <a:schemeClr val="accent1">
-                  <a:lumMod val="90000"/>
-                </a:schemeClr>
-              </a:gs>
-              <a:gs pos="25000">
-                <a:schemeClr val="accent1">
-                  <a:lumMod val="90000"/>
-                </a:schemeClr>
-              </a:gs>
-              <a:gs pos="94000">
-                <a:schemeClr val="bg2">
-                  <a:lumMod val="25000"/>
-                </a:schemeClr>
-              </a:gs>
-              <a:gs pos="100000">
-                <a:schemeClr val="bg2">
-                  <a:lumMod val="25000"/>
-                </a:schemeClr>
-              </a:gs>
-            </a:gsLst>
-            <a:lin ang="4200000" scaled="0"/>
-          </a:gradFill>
-          <a:ln>
-            <a:noFill/>
-          </a:ln>
-        </p:spPr>
-        <p:style>
-          <a:lnRef idx="2">
-            <a:schemeClr val="accent1">
-              <a:shade val="50000"/>
-            </a:schemeClr>
-          </a:lnRef>
-          <a:fillRef idx="1">
-            <a:schemeClr val="accent1"/>
-          </a:fillRef>
-          <a:effectRef idx="0">
-            <a:schemeClr val="accent1"/>
-          </a:effectRef>
-          <a:fontRef idx="minor">
-            <a:schemeClr val="lt1"/>
-          </a:fontRef>
-        </p:style>
-        <p:txBody>
-          <a:bodyPr rtlCol="0" anchor="ctr"/>
-          <a:lstStyle/>
-          <a:p>
-            <a:pPr algn="ctr"/>
-            <a:endParaRPr lang="en-US"/>
-          </a:p>
-        </p:txBody>
-      </p:sp>
-      <p:pic>
-        <p:nvPicPr>
-          <p:cNvPr id="10" name="Picture 9">
-            <a:extLst>
-              <a:ext uri="{FF2B5EF4-FFF2-40B4-BE49-F238E27FC236}">
-                <a16:creationId xmlns:a16="http://schemas.microsoft.com/office/drawing/2014/main" id="{2270F1FA-0425-408F-9861-80BF5AFB276D}"/>
-              </a:ext>
-              <a:ext uri="{C183D7F6-B498-43B3-948B-1728B52AA6E4}">
-                <adec:decorative xmlns:adec="http://schemas.microsoft.com/office/drawing/2017/decorative" val="1"/>
-              </a:ext>
-            </a:extLst>
-          </p:cNvPr>
-          <p:cNvPicPr>
-            <a:picLocks noGrp="1" noRot="1" noChangeAspect="1" noMove="1" noResize="1" noEditPoints="1" noAdjustHandles="1" noChangeArrowheads="1" noChangeShapeType="1" noCrop="1"/>
-          </p:cNvPicPr>
-          <p:nvPr>
-            <p:extLst>
-              <p:ext uri="{386F3935-93C4-4BCD-93E2-E3B085C9AB24}">
-                <p16:designElem xmlns:p16="http://schemas.microsoft.com/office/powerpoint/2015/main" val="1"/>
-              </p:ext>
-            </p:extLst>
-          </p:nvPr>
-        </p:nvPicPr>
-        <p:blipFill>
-          <a:blip r:embed="rId2">
-            <a:extLst>
-              <a:ext uri="{28A0092B-C50C-407E-A947-70E740481C1C}">
-                <a14:useLocalDpi xmlns:a14="http://schemas.microsoft.com/office/drawing/2010/main" val="0"/>
-              </a:ext>
-            </a:extLst>
-          </a:blip>
-          <a:stretch>
-            <a:fillRect/>
-          </a:stretch>
-        </p:blipFill>
-        <p:spPr>
-          <a:xfrm>
-            <a:off x="0" y="0"/>
-            <a:ext cx="12192000" cy="6858000"/>
-          </a:xfrm>
-          <a:prstGeom prst="rect">
-            <a:avLst/>
-          </a:prstGeom>
-        </p:spPr>
-      </p:pic>
-      <p:sp>
-        <p:nvSpPr>
           <p:cNvPr id="2" name="Title 1">
             <a:extLst>
               <a:ext uri="{FF2B5EF4-FFF2-40B4-BE49-F238E27FC236}">
-                <a16:creationId xmlns:a16="http://schemas.microsoft.com/office/drawing/2014/main" id="{9232E434-9413-4B36-99F6-6127E6ACA56E}"/>
+                <a16:creationId xmlns:a16="http://schemas.microsoft.com/office/drawing/2014/main" id="{6374560B-CBBB-4D34-81B8-BCEC16AC23A1}"/>
               </a:ext>
             </a:extLst>
           </p:cNvPr>
@@ -10648,39 +10495,32 @@
             <p:ph type="title"/>
           </p:nvPr>
         </p:nvSpPr>
-        <p:spPr>
-          <a:xfrm>
-            <a:off x="3045368" y="2043663"/>
-            <a:ext cx="6105194" cy="2031055"/>
-          </a:xfrm>
-        </p:spPr>
-        <p:txBody>
-          <a:bodyPr vert="horz" lIns="91440" tIns="45720" rIns="91440" bIns="45720" rtlCol="0" anchor="b">
-            <a:normAutofit/>
-          </a:bodyPr>
+        <p:spPr/>
+        <p:txBody>
+          <a:bodyPr/>
           <a:lstStyle/>
           <a:p>
-            <a:pPr algn="ctr"/>
-            <a:r>
-              <a:rPr lang="en-US" kern="1200">
-                <a:solidFill>
-                  <a:srgbClr val="FFFFFF"/>
-                </a:solidFill>
-                <a:latin typeface="+mj-lt"/>
-                <a:ea typeface="+mj-ea"/>
-                <a:cs typeface="+mj-cs"/>
-              </a:rPr>
-              <a:t>Hosted Git Repos</a:t>
-            </a:r>
-          </a:p>
-        </p:txBody>
-      </p:sp>
-      <p:sp>
-        <p:nvSpPr>
-          <p:cNvPr id="3" name="Text Placeholder 2">
+            <a:r>
+              <a:rPr lang="en-US" dirty="0"/>
+              <a:t>Not </a:t>
+            </a:r>
+            <a:r>
+              <a:rPr lang="en-US" i="1" dirty="0"/>
+              <a:t>quite </a:t>
+            </a:r>
+            <a:r>
+              <a:rPr lang="en-US" dirty="0"/>
+              <a:t>done - probably</a:t>
+            </a:r>
+          </a:p>
+        </p:txBody>
+      </p:sp>
+      <p:sp>
+        <p:nvSpPr>
+          <p:cNvPr id="3" name="Content Placeholder 2">
             <a:extLst>
               <a:ext uri="{FF2B5EF4-FFF2-40B4-BE49-F238E27FC236}">
-                <a16:creationId xmlns:a16="http://schemas.microsoft.com/office/drawing/2014/main" id="{980E02D7-15CA-454F-A487-78BF648CF9F0}"/>
+                <a16:creationId xmlns:a16="http://schemas.microsoft.com/office/drawing/2014/main" id="{3917125C-2BDC-4B04-B75A-31F80461EF98}"/>
               </a:ext>
             </a:extLst>
           </p:cNvPr>
@@ -10688,32 +10528,38 @@
             <a:spLocks noGrp="1"/>
           </p:cNvSpPr>
           <p:nvPr>
-            <p:ph type="body" idx="1"/>
-          </p:nvPr>
-        </p:nvSpPr>
-        <p:spPr>
-          <a:xfrm>
-            <a:off x="3045368" y="4074718"/>
-            <a:ext cx="6105194" cy="682079"/>
-          </a:xfrm>
-        </p:spPr>
-        <p:txBody>
-          <a:bodyPr vert="horz" lIns="91440" tIns="45720" rIns="91440" bIns="45720" rtlCol="0">
-            <a:normAutofit/>
-          </a:bodyPr>
+            <p:ph idx="1"/>
+          </p:nvPr>
+        </p:nvSpPr>
+        <p:spPr/>
+        <p:txBody>
+          <a:bodyPr/>
           <a:lstStyle/>
           <a:p>
-            <a:pPr algn="ctr"/>
-            <a:r>
-              <a:rPr lang="en-US" kern="1200">
-                <a:solidFill>
-                  <a:srgbClr val="FFFFFF"/>
-                </a:solidFill>
-                <a:latin typeface="+mn-lt"/>
-                <a:ea typeface="+mn-ea"/>
-                <a:cs typeface="+mn-cs"/>
-              </a:rPr>
-              <a:t>Sharing the code!</a:t>
+            <a:r>
+              <a:rPr lang="en-US" dirty="0"/>
+              <a:t>In most cases, you still need to synchronize your code with a shared repository.</a:t>
+            </a:r>
+          </a:p>
+          <a:p>
+            <a:r>
+              <a:rPr lang="en-US" dirty="0"/>
+              <a:t>This is known as a “Push”</a:t>
+            </a:r>
+          </a:p>
+          <a:p>
+            <a:r>
+              <a:rPr lang="en-US" dirty="0"/>
+              <a:t>Getting code from the central repo is known as a “Pull”</a:t>
+            </a:r>
+          </a:p>
+          <a:p>
+            <a:endParaRPr lang="en-US" dirty="0"/>
+          </a:p>
+          <a:p>
+            <a:r>
+              <a:rPr lang="en-US" dirty="0"/>
+              <a:t>If you both “Pull” and “Push” – you have “synced” your code.</a:t>
             </a:r>
           </a:p>
         </p:txBody>
@@ -10721,7 +10567,7 @@
     </p:spTree>
     <p:extLst>
       <p:ext uri="{BB962C8B-B14F-4D97-AF65-F5344CB8AC3E}">
-        <p14:creationId xmlns:p14="http://schemas.microsoft.com/office/powerpoint/2010/main" val="784079646"/>
+        <p14:creationId xmlns:p14="http://schemas.microsoft.com/office/powerpoint/2010/main" val="4155925949"/>
       </p:ext>
     </p:extLst>
   </p:cSld>
@@ -10756,175 +10602,23 @@
           <a:chExt cx="0" cy="0"/>
         </a:xfrm>
       </p:grpSpPr>
-      <p:sp useBgFill="1">
-        <p:nvSpPr>
-          <p:cNvPr id="8" name="Rectangle 7">
+      <p:pic>
+        <p:nvPicPr>
+          <p:cNvPr id="5" name="Content Placeholder 4" descr="A person holding a sign&#10;&#10;Description automatically generated">
             <a:extLst>
               <a:ext uri="{FF2B5EF4-FFF2-40B4-BE49-F238E27FC236}">
-                <a16:creationId xmlns:a16="http://schemas.microsoft.com/office/drawing/2014/main" id="{3B854194-185D-494D-905C-7C7CB2E30F6E}"/>
-              </a:ext>
-              <a:ext uri="{C183D7F6-B498-43B3-948B-1728B52AA6E4}">
-                <adec:decorative xmlns:adec="http://schemas.microsoft.com/office/drawing/2017/decorative" val="1"/>
-              </a:ext>
-            </a:extLst>
-          </p:cNvPr>
-          <p:cNvSpPr>
-            <a:spLocks noGrp="1" noRot="1" noChangeAspect="1" noMove="1" noResize="1" noEditPoints="1" noAdjustHandles="1" noChangeArrowheads="1" noChangeShapeType="1" noTextEdit="1"/>
-          </p:cNvSpPr>
-          <p:nvPr>
-            <p:extLst>
-              <p:ext uri="{386F3935-93C4-4BCD-93E2-E3B085C9AB24}">
-                <p16:designElem xmlns:p16="http://schemas.microsoft.com/office/powerpoint/2015/main" val="1"/>
-              </p:ext>
-            </p:extLst>
-          </p:nvPr>
-        </p:nvSpPr>
-        <p:spPr>
-          <a:xfrm>
-            <a:off x="1" y="0"/>
-            <a:ext cx="6082110" cy="6858000"/>
-          </a:xfrm>
-          <a:prstGeom prst="rect">
-            <a:avLst/>
-          </a:prstGeom>
-          <a:ln>
-            <a:noFill/>
-          </a:ln>
-        </p:spPr>
-        <p:style>
-          <a:lnRef idx="2">
-            <a:schemeClr val="accent1">
-              <a:shade val="50000"/>
-            </a:schemeClr>
-          </a:lnRef>
-          <a:fillRef idx="1">
-            <a:schemeClr val="accent1"/>
-          </a:fillRef>
-          <a:effectRef idx="0">
-            <a:schemeClr val="accent1"/>
-          </a:effectRef>
-          <a:fontRef idx="minor">
-            <a:schemeClr val="lt1"/>
-          </a:fontRef>
-        </p:style>
-        <p:txBody>
-          <a:bodyPr rtlCol="0" anchor="ctr"/>
-          <a:lstStyle/>
-          <a:p>
-            <a:pPr algn="ctr"/>
-            <a:endParaRPr lang="en-US"/>
-          </a:p>
-        </p:txBody>
-      </p:sp>
-      <p:sp>
-        <p:nvSpPr>
-          <p:cNvPr id="10" name="Rectangle 9">
-            <a:extLst>
-              <a:ext uri="{FF2B5EF4-FFF2-40B4-BE49-F238E27FC236}">
-                <a16:creationId xmlns:a16="http://schemas.microsoft.com/office/drawing/2014/main" id="{B4F5FA0D-0104-4987-8241-EFF7C85B88DE}"/>
-              </a:ext>
-              <a:ext uri="{C183D7F6-B498-43B3-948B-1728B52AA6E4}">
-                <adec:decorative xmlns:adec="http://schemas.microsoft.com/office/drawing/2017/decorative" val="1"/>
-              </a:ext>
-            </a:extLst>
-          </p:cNvPr>
-          <p:cNvSpPr>
-            <a:spLocks noGrp="1" noRot="1" noChangeAspect="1" noMove="1" noResize="1" noEditPoints="1" noAdjustHandles="1" noChangeArrowheads="1" noChangeShapeType="1" noTextEdit="1"/>
-          </p:cNvSpPr>
-          <p:nvPr>
-            <p:extLst>
-              <p:ext uri="{386F3935-93C4-4BCD-93E2-E3B085C9AB24}">
-                <p16:designElem xmlns:p16="http://schemas.microsoft.com/office/powerpoint/2015/main" val="1"/>
-              </p:ext>
-            </p:extLst>
-          </p:nvPr>
-        </p:nvSpPr>
-        <p:spPr>
-          <a:xfrm>
-            <a:off x="1" y="0"/>
-            <a:ext cx="12191998" cy="6858000"/>
-          </a:xfrm>
-          <a:prstGeom prst="rect">
-            <a:avLst/>
-          </a:prstGeom>
-          <a:gradFill>
-            <a:gsLst>
-              <a:gs pos="0">
-                <a:schemeClr val="accent1">
-                  <a:lumMod val="90000"/>
-                </a:schemeClr>
-              </a:gs>
-              <a:gs pos="25000">
-                <a:schemeClr val="accent1">
-                  <a:lumMod val="90000"/>
-                </a:schemeClr>
-              </a:gs>
-              <a:gs pos="94000">
-                <a:schemeClr val="bg2">
-                  <a:lumMod val="25000"/>
-                </a:schemeClr>
-              </a:gs>
-              <a:gs pos="100000">
-                <a:schemeClr val="bg2">
-                  <a:lumMod val="25000"/>
-                </a:schemeClr>
-              </a:gs>
-            </a:gsLst>
-            <a:lin ang="4200000" scaled="0"/>
-          </a:gradFill>
-          <a:ln>
-            <a:noFill/>
-          </a:ln>
-        </p:spPr>
-        <p:style>
-          <a:lnRef idx="2">
-            <a:schemeClr val="accent1">
-              <a:shade val="50000"/>
-            </a:schemeClr>
-          </a:lnRef>
-          <a:fillRef idx="1">
-            <a:schemeClr val="accent1"/>
-          </a:fillRef>
-          <a:effectRef idx="0">
-            <a:schemeClr val="accent1"/>
-          </a:effectRef>
-          <a:fontRef idx="minor">
-            <a:schemeClr val="lt1"/>
-          </a:fontRef>
-        </p:style>
-        <p:txBody>
-          <a:bodyPr rtlCol="0" anchor="ctr"/>
-          <a:lstStyle/>
-          <a:p>
-            <a:pPr algn="ctr"/>
-            <a:endParaRPr lang="en-US"/>
-          </a:p>
-        </p:txBody>
-      </p:sp>
-      <p:pic>
-        <p:nvPicPr>
-          <p:cNvPr id="20" name="Picture 11">
-            <a:extLst>
-              <a:ext uri="{FF2B5EF4-FFF2-40B4-BE49-F238E27FC236}">
-                <a16:creationId xmlns:a16="http://schemas.microsoft.com/office/drawing/2014/main" id="{2897127E-6CEF-446C-BE87-93B7C46E49D1}"/>
-              </a:ext>
-              <a:ext uri="{C183D7F6-B498-43B3-948B-1728B52AA6E4}">
-                <adec:decorative xmlns:adec="http://schemas.microsoft.com/office/drawing/2017/decorative" val="1"/>
+                <a16:creationId xmlns:a16="http://schemas.microsoft.com/office/drawing/2014/main" id="{4124081A-8BCF-4FD7-B45F-708EB2565254}"/>
               </a:ext>
             </a:extLst>
           </p:cNvPr>
           <p:cNvPicPr>
-            <a:picLocks noGrp="1" noRot="1" noChangeAspect="1" noMove="1" noResize="1" noEditPoints="1" noAdjustHandles="1" noChangeArrowheads="1" noChangeShapeType="1" noCrop="1"/>
+            <a:picLocks noGrp="1" noChangeAspect="1"/>
           </p:cNvPicPr>
           <p:nvPr>
-            <p:extLst>
-              <p:ext uri="{386F3935-93C4-4BCD-93E2-E3B085C9AB24}">
-                <p16:designElem xmlns:p16="http://schemas.microsoft.com/office/powerpoint/2015/main" val="1"/>
-              </p:ext>
-            </p:extLst>
+            <p:ph idx="1"/>
           </p:nvPr>
         </p:nvPicPr>
-        <p:blipFill>
+        <p:blipFill rotWithShape="1">
           <a:blip r:embed="rId2">
             <a:extLst>
               <a:ext uri="{28A0092B-C50C-407E-A947-70E740481C1C}">
@@ -10932,206 +10626,23 @@
               </a:ext>
             </a:extLst>
           </a:blip>
-          <a:stretch>
-            <a:fillRect/>
-          </a:stretch>
+          <a:srcRect t="1747"/>
+          <a:stretch/>
         </p:blipFill>
         <p:spPr>
           <a:xfrm>
-            <a:off x="0" y="0"/>
-            <a:ext cx="12192000" cy="6858000"/>
+            <a:off x="20" y="10"/>
+            <a:ext cx="12191980" cy="6857990"/>
           </a:xfrm>
           <a:prstGeom prst="rect">
             <a:avLst/>
           </a:prstGeom>
         </p:spPr>
       </p:pic>
-      <p:sp>
-        <p:nvSpPr>
-          <p:cNvPr id="2" name="Title 1">
-            <a:extLst>
-              <a:ext uri="{FF2B5EF4-FFF2-40B4-BE49-F238E27FC236}">
-                <a16:creationId xmlns:a16="http://schemas.microsoft.com/office/drawing/2014/main" id="{5B9111D1-EBA9-469A-A5AC-94959A3B7E01}"/>
-              </a:ext>
-            </a:extLst>
-          </p:cNvPr>
-          <p:cNvSpPr>
-            <a:spLocks noGrp="1"/>
-          </p:cNvSpPr>
-          <p:nvPr>
-            <p:ph type="title"/>
-          </p:nvPr>
-        </p:nvSpPr>
-        <p:spPr>
-          <a:xfrm>
-            <a:off x="640079" y="2053641"/>
-            <a:ext cx="3669161" cy="2760098"/>
-          </a:xfrm>
-        </p:spPr>
-        <p:txBody>
-          <a:bodyPr>
-            <a:normAutofit/>
-          </a:bodyPr>
-          <a:lstStyle/>
-          <a:p>
-            <a:r>
-              <a:rPr lang="en-US">
-                <a:solidFill>
-                  <a:srgbClr val="FFFFFF"/>
-                </a:solidFill>
-              </a:rPr>
-              <a:t>Repos</a:t>
-            </a:r>
-          </a:p>
-        </p:txBody>
-      </p:sp>
-      <p:sp>
-        <p:nvSpPr>
-          <p:cNvPr id="3" name="Content Placeholder 2">
-            <a:extLst>
-              <a:ext uri="{FF2B5EF4-FFF2-40B4-BE49-F238E27FC236}">
-                <a16:creationId xmlns:a16="http://schemas.microsoft.com/office/drawing/2014/main" id="{66A1847F-81AF-4B9B-96B0-C1825FDCDF8F}"/>
-              </a:ext>
-            </a:extLst>
-          </p:cNvPr>
-          <p:cNvSpPr>
-            <a:spLocks noGrp="1"/>
-          </p:cNvSpPr>
-          <p:nvPr>
-            <p:ph idx="1"/>
-          </p:nvPr>
-        </p:nvSpPr>
-        <p:spPr>
-          <a:xfrm>
-            <a:off x="6090574" y="801866"/>
-            <a:ext cx="5306084" cy="5230634"/>
-          </a:xfrm>
-        </p:spPr>
-        <p:txBody>
-          <a:bodyPr anchor="ctr">
-            <a:normAutofit/>
-          </a:bodyPr>
-          <a:lstStyle/>
-          <a:p>
-            <a:r>
-              <a:rPr lang="en-US" sz="2200">
-                <a:solidFill>
-                  <a:srgbClr val="000000"/>
-                </a:solidFill>
-              </a:rPr>
-              <a:t>Big 3</a:t>
-            </a:r>
-          </a:p>
-          <a:p>
-            <a:r>
-              <a:rPr lang="en-US" sz="2200">
-                <a:solidFill>
-                  <a:srgbClr val="000000"/>
-                </a:solidFill>
-              </a:rPr>
-              <a:t>Azure Devops</a:t>
-            </a:r>
-          </a:p>
-          <a:p>
-            <a:pPr lvl="1"/>
-            <a:r>
-              <a:rPr lang="en-US" sz="2200">
-                <a:solidFill>
-                  <a:srgbClr val="000000"/>
-                </a:solidFill>
-              </a:rPr>
-              <a:t>Known for closed source projects</a:t>
-            </a:r>
-          </a:p>
-          <a:p>
-            <a:pPr lvl="1"/>
-            <a:r>
-              <a:rPr lang="en-US" sz="2200">
-                <a:solidFill>
-                  <a:srgbClr val="000000"/>
-                </a:solidFill>
-              </a:rPr>
-              <a:t>High-End CI/CD functionality</a:t>
-            </a:r>
-          </a:p>
-          <a:p>
-            <a:pPr lvl="1"/>
-            <a:r>
-              <a:rPr lang="en-US" sz="2200">
-                <a:solidFill>
-                  <a:srgbClr val="000000"/>
-                </a:solidFill>
-              </a:rPr>
-              <a:t>Exceptional project tracking via TFS</a:t>
-            </a:r>
-          </a:p>
-          <a:p>
-            <a:r>
-              <a:rPr lang="en-US" sz="2200">
-                <a:solidFill>
-                  <a:srgbClr val="000000"/>
-                </a:solidFill>
-              </a:rPr>
-              <a:t>GitHub</a:t>
-            </a:r>
-          </a:p>
-          <a:p>
-            <a:pPr lvl="1"/>
-            <a:r>
-              <a:rPr lang="en-US" sz="2200">
-                <a:solidFill>
-                  <a:srgbClr val="000000"/>
-                </a:solidFill>
-              </a:rPr>
-              <a:t>Known for open source projects</a:t>
-            </a:r>
-          </a:p>
-          <a:p>
-            <a:pPr lvl="1"/>
-            <a:r>
-              <a:rPr lang="en-US" sz="2200">
-                <a:solidFill>
-                  <a:srgbClr val="000000"/>
-                </a:solidFill>
-              </a:rPr>
-              <a:t>Exceptional bug-tracking and messaging</a:t>
-            </a:r>
-          </a:p>
-          <a:p>
-            <a:pPr lvl="1"/>
-            <a:r>
-              <a:rPr lang="en-US" sz="2200">
-                <a:solidFill>
-                  <a:srgbClr val="000000"/>
-                </a:solidFill>
-              </a:rPr>
-              <a:t>API works well with most CI/CD platforms, Team City, Jenkins, TFS, etc.</a:t>
-            </a:r>
-          </a:p>
-          <a:p>
-            <a:r>
-              <a:rPr lang="en-US" sz="2200">
-                <a:solidFill>
-                  <a:srgbClr val="000000"/>
-                </a:solidFill>
-              </a:rPr>
-              <a:t>BitBucket</a:t>
-            </a:r>
-          </a:p>
-          <a:p>
-            <a:pPr lvl="1"/>
-            <a:endParaRPr lang="en-US" sz="2200">
-              <a:solidFill>
-                <a:srgbClr val="000000"/>
-              </a:solidFill>
-            </a:endParaRPr>
-          </a:p>
-        </p:txBody>
-      </p:sp>
     </p:spTree>
     <p:extLst>
       <p:ext uri="{BB962C8B-B14F-4D97-AF65-F5344CB8AC3E}">
-        <p14:creationId xmlns:p14="http://schemas.microsoft.com/office/powerpoint/2010/main" val="662332301"/>
+        <p14:creationId xmlns:p14="http://schemas.microsoft.com/office/powerpoint/2010/main" val="1754849514"/>
       </p:ext>
     </p:extLst>
   </p:cSld>
@@ -11166,12 +10677,12 @@
           <a:chExt cx="0" cy="0"/>
         </a:xfrm>
       </p:grpSpPr>
-      <p:sp useBgFill="1">
+      <p:sp>
         <p:nvSpPr>
           <p:cNvPr id="8" name="Rectangle 7">
             <a:extLst>
               <a:ext uri="{FF2B5EF4-FFF2-40B4-BE49-F238E27FC236}">
-                <a16:creationId xmlns:a16="http://schemas.microsoft.com/office/drawing/2014/main" id="{3B854194-185D-494D-905C-7C7CB2E30F6E}"/>
+                <a16:creationId xmlns:a16="http://schemas.microsoft.com/office/drawing/2014/main" id="{23962611-DFD5-4092-AAFD-559E3DFCE2C9}"/>
               </a:ext>
               <a:ext uri="{C183D7F6-B498-43B3-948B-1728B52AA6E4}">
                 <adec:decorative xmlns:adec="http://schemas.microsoft.com/office/drawing/2017/decorative" val="1"/>
@@ -11191,68 +10702,8 @@
         </p:nvSpPr>
         <p:spPr>
           <a:xfrm>
-            <a:off x="1" y="0"/>
-            <a:ext cx="6082110" cy="6858000"/>
-          </a:xfrm>
-          <a:prstGeom prst="rect">
-            <a:avLst/>
-          </a:prstGeom>
-          <a:ln>
-            <a:noFill/>
-          </a:ln>
-        </p:spPr>
-        <p:style>
-          <a:lnRef idx="2">
-            <a:schemeClr val="accent1">
-              <a:shade val="50000"/>
-            </a:schemeClr>
-          </a:lnRef>
-          <a:fillRef idx="1">
-            <a:schemeClr val="accent1"/>
-          </a:fillRef>
-          <a:effectRef idx="0">
-            <a:schemeClr val="accent1"/>
-          </a:effectRef>
-          <a:fontRef idx="minor">
-            <a:schemeClr val="lt1"/>
-          </a:fontRef>
-        </p:style>
-        <p:txBody>
-          <a:bodyPr rtlCol="0" anchor="ctr"/>
-          <a:lstStyle/>
-          <a:p>
-            <a:pPr algn="ctr"/>
-            <a:endParaRPr lang="en-US"/>
-          </a:p>
-        </p:txBody>
-      </p:sp>
-      <p:sp>
-        <p:nvSpPr>
-          <p:cNvPr id="10" name="Rectangle 9">
-            <a:extLst>
-              <a:ext uri="{FF2B5EF4-FFF2-40B4-BE49-F238E27FC236}">
-                <a16:creationId xmlns:a16="http://schemas.microsoft.com/office/drawing/2014/main" id="{B4F5FA0D-0104-4987-8241-EFF7C85B88DE}"/>
-              </a:ext>
-              <a:ext uri="{C183D7F6-B498-43B3-948B-1728B52AA6E4}">
-                <adec:decorative xmlns:adec="http://schemas.microsoft.com/office/drawing/2017/decorative" val="1"/>
-              </a:ext>
-            </a:extLst>
-          </p:cNvPr>
-          <p:cNvSpPr>
-            <a:spLocks noGrp="1" noRot="1" noChangeAspect="1" noMove="1" noResize="1" noEditPoints="1" noAdjustHandles="1" noChangeArrowheads="1" noChangeShapeType="1" noTextEdit="1"/>
-          </p:cNvSpPr>
-          <p:nvPr>
-            <p:extLst>
-              <p:ext uri="{386F3935-93C4-4BCD-93E2-E3B085C9AB24}">
-                <p16:designElem xmlns:p16="http://schemas.microsoft.com/office/powerpoint/2015/main" val="1"/>
-              </p:ext>
-            </p:extLst>
-          </p:nvPr>
-        </p:nvSpPr>
-        <p:spPr>
-          <a:xfrm>
-            <a:off x="1" y="0"/>
-            <a:ext cx="12191998" cy="6858000"/>
+            <a:off x="475488" y="0"/>
+            <a:ext cx="10910292" cy="6858000"/>
           </a:xfrm>
           <a:prstGeom prst="rect">
             <a:avLst/>
@@ -11313,10 +10764,10 @@
       </p:sp>
       <p:pic>
         <p:nvPicPr>
-          <p:cNvPr id="12" name="Picture 11">
+          <p:cNvPr id="10" name="Picture 9">
             <a:extLst>
               <a:ext uri="{FF2B5EF4-FFF2-40B4-BE49-F238E27FC236}">
-                <a16:creationId xmlns:a16="http://schemas.microsoft.com/office/drawing/2014/main" id="{2897127E-6CEF-446C-BE87-93B7C46E49D1}"/>
+                <a16:creationId xmlns:a16="http://schemas.microsoft.com/office/drawing/2014/main" id="{2270F1FA-0425-408F-9861-80BF5AFB276D}"/>
               </a:ext>
               <a:ext uri="{C183D7F6-B498-43B3-948B-1728B52AA6E4}">
                 <adec:decorative xmlns:adec="http://schemas.microsoft.com/office/drawing/2017/decorative" val="1"/>
@@ -11361,7 +10812,7 @@
           <p:cNvPr id="2" name="Title 1">
             <a:extLst>
               <a:ext uri="{FF2B5EF4-FFF2-40B4-BE49-F238E27FC236}">
-                <a16:creationId xmlns:a16="http://schemas.microsoft.com/office/drawing/2014/main" id="{29093CCA-7953-439D-9E03-48C7A94BACAD}"/>
+                <a16:creationId xmlns:a16="http://schemas.microsoft.com/office/drawing/2014/main" id="{9232E434-9413-4B36-99F6-6127E6ACA56E}"/>
               </a:ext>
             </a:extLst>
           </p:cNvPr>
@@ -11374,33 +10825,37 @@
         </p:nvSpPr>
         <p:spPr>
           <a:xfrm>
-            <a:off x="640079" y="2053641"/>
-            <a:ext cx="3669161" cy="2760098"/>
-          </a:xfrm>
-        </p:spPr>
-        <p:txBody>
-          <a:bodyPr>
+            <a:off x="3045368" y="2043663"/>
+            <a:ext cx="6105194" cy="2031055"/>
+          </a:xfrm>
+        </p:spPr>
+        <p:txBody>
+          <a:bodyPr vert="horz" lIns="91440" tIns="45720" rIns="91440" bIns="45720" rtlCol="0" anchor="b">
             <a:normAutofit/>
           </a:bodyPr>
           <a:lstStyle/>
           <a:p>
-            <a:r>
-              <a:rPr lang="en-US">
+            <a:pPr algn="ctr"/>
+            <a:r>
+              <a:rPr lang="en-US" kern="1200">
                 <a:solidFill>
                   <a:srgbClr val="FFFFFF"/>
                 </a:solidFill>
+                <a:latin typeface="+mj-lt"/>
+                <a:ea typeface="+mj-ea"/>
+                <a:cs typeface="+mj-cs"/>
               </a:rPr>
-              <a:t>Azure Devops</a:t>
-            </a:r>
-          </a:p>
-        </p:txBody>
-      </p:sp>
-      <p:sp>
-        <p:nvSpPr>
-          <p:cNvPr id="3" name="Content Placeholder 2">
+              <a:t>Hosted Git Repos</a:t>
+            </a:r>
+          </a:p>
+        </p:txBody>
+      </p:sp>
+      <p:sp>
+        <p:nvSpPr>
+          <p:cNvPr id="3" name="Text Placeholder 2">
             <a:extLst>
               <a:ext uri="{FF2B5EF4-FFF2-40B4-BE49-F238E27FC236}">
-                <a16:creationId xmlns:a16="http://schemas.microsoft.com/office/drawing/2014/main" id="{5552C562-13BC-49D0-9EF3-1406A4C3C4E4}"/>
+                <a16:creationId xmlns:a16="http://schemas.microsoft.com/office/drawing/2014/main" id="{980E02D7-15CA-454F-A487-78BF648CF9F0}"/>
               </a:ext>
             </a:extLst>
           </p:cNvPr>
@@ -11408,101 +10863,32 @@
             <a:spLocks noGrp="1"/>
           </p:cNvSpPr>
           <p:nvPr>
-            <p:ph idx="1"/>
+            <p:ph type="body" idx="1"/>
           </p:nvPr>
         </p:nvSpPr>
         <p:spPr>
           <a:xfrm>
-            <a:off x="6090574" y="801866"/>
-            <a:ext cx="5306084" cy="5230634"/>
-          </a:xfrm>
-        </p:spPr>
-        <p:txBody>
-          <a:bodyPr anchor="ctr">
+            <a:off x="3045368" y="4074718"/>
+            <a:ext cx="6105194" cy="682079"/>
+          </a:xfrm>
+        </p:spPr>
+        <p:txBody>
+          <a:bodyPr vert="horz" lIns="91440" tIns="45720" rIns="91440" bIns="45720" rtlCol="0">
             <a:normAutofit/>
           </a:bodyPr>
           <a:lstStyle/>
           <a:p>
-            <a:r>
-              <a:rPr lang="en-US" sz="2400">
-                <a:solidFill>
-                  <a:srgbClr val="000000"/>
-                </a:solidFill>
+            <a:pPr algn="ctr"/>
+            <a:r>
+              <a:rPr lang="en-US" kern="1200">
+                <a:solidFill>
+                  <a:srgbClr val="FFFFFF"/>
+                </a:solidFill>
+                <a:latin typeface="+mn-lt"/>
+                <a:ea typeface="+mn-ea"/>
+                <a:cs typeface="+mn-cs"/>
               </a:rPr>
-              <a:t>Free up to 5 users</a:t>
-            </a:r>
-          </a:p>
-          <a:p>
-            <a:r>
-              <a:rPr lang="en-US" sz="2400">
-                <a:solidFill>
-                  <a:srgbClr val="000000"/>
-                </a:solidFill>
-              </a:rPr>
-              <a:t>Unlimited private repos</a:t>
-            </a:r>
-          </a:p>
-          <a:p>
-            <a:r>
-              <a:rPr lang="en-US" sz="2400" strike="sngStrike">
-                <a:solidFill>
-                  <a:srgbClr val="000000"/>
-                </a:solidFill>
-              </a:rPr>
-              <a:t>No public repositories! </a:t>
-            </a:r>
-            <a:r>
-              <a:rPr lang="en-US" sz="2400">
-                <a:solidFill>
-                  <a:srgbClr val="000000"/>
-                </a:solidFill>
-              </a:rPr>
-              <a:t>Public Repositories are in preview as of this writing.</a:t>
-            </a:r>
-            <a:endParaRPr lang="en-US" sz="2400" strike="sngStrike">
-              <a:solidFill>
-                <a:srgbClr val="000000"/>
-              </a:solidFill>
-            </a:endParaRPr>
-          </a:p>
-          <a:p>
-            <a:r>
-              <a:rPr lang="en-US" sz="2400">
-                <a:solidFill>
-                  <a:srgbClr val="000000"/>
-                </a:solidFill>
-              </a:rPr>
-              <a:t>CI/CD pipeline is well developed – no Team City necessary, Octopus Deploy is debatable.</a:t>
-            </a:r>
-          </a:p>
-          <a:p>
-            <a:r>
-              <a:rPr lang="en-US" sz="2400">
-                <a:solidFill>
-                  <a:srgbClr val="000000"/>
-                </a:solidFill>
-              </a:rPr>
-              <a:t>Azure is well integrated – great for websites, services, mobile, etc</a:t>
-            </a:r>
-          </a:p>
-          <a:p>
-            <a:r>
-              <a:rPr lang="en-US" sz="2400">
-                <a:solidFill>
-                  <a:srgbClr val="000000"/>
-                </a:solidFill>
-              </a:rPr>
-              <a:t>Great choice for small business!</a:t>
-            </a:r>
-          </a:p>
-          <a:p>
-            <a:r>
-              <a:rPr lang="en-US" sz="2400">
-                <a:solidFill>
-                  <a:srgbClr val="000000"/>
-                </a:solidFill>
-              </a:rPr>
-              <a:t>Learning Curve: Experience with MS products makes this easy-ish</a:t>
+              <a:t>Sharing the code!</a:t>
             </a:r>
           </a:p>
         </p:txBody>
@@ -11510,7 +10896,7 @@
     </p:spTree>
     <p:extLst>
       <p:ext uri="{BB962C8B-B14F-4D97-AF65-F5344CB8AC3E}">
-        <p14:creationId xmlns:p14="http://schemas.microsoft.com/office/powerpoint/2010/main" val="951745335"/>
+        <p14:creationId xmlns:p14="http://schemas.microsoft.com/office/powerpoint/2010/main" val="784079646"/>
       </p:ext>
     </p:extLst>
   </p:cSld>
@@ -11607,7 +10993,7 @@
       </p:sp>
       <p:sp>
         <p:nvSpPr>
-          <p:cNvPr id="14" name="Rectangle 9">
+          <p:cNvPr id="10" name="Rectangle 9">
             <a:extLst>
               <a:ext uri="{FF2B5EF4-FFF2-40B4-BE49-F238E27FC236}">
                 <a16:creationId xmlns:a16="http://schemas.microsoft.com/office/drawing/2014/main" id="{B4F5FA0D-0104-4987-8241-EFF7C85B88DE}"/>
@@ -11692,7 +11078,7 @@
       </p:sp>
       <p:pic>
         <p:nvPicPr>
-          <p:cNvPr id="15" name="Picture 11">
+          <p:cNvPr id="20" name="Picture 11">
             <a:extLst>
               <a:ext uri="{FF2B5EF4-FFF2-40B4-BE49-F238E27FC236}">
                 <a16:creationId xmlns:a16="http://schemas.microsoft.com/office/drawing/2014/main" id="{2897127E-6CEF-446C-BE87-93B7C46E49D1}"/>
@@ -11740,7 +11126,7 @@
           <p:cNvPr id="2" name="Title 1">
             <a:extLst>
               <a:ext uri="{FF2B5EF4-FFF2-40B4-BE49-F238E27FC236}">
-                <a16:creationId xmlns:a16="http://schemas.microsoft.com/office/drawing/2014/main" id="{9F5EE912-1E0A-470C-AB7B-2F2CCC87BB2A}"/>
+                <a16:creationId xmlns:a16="http://schemas.microsoft.com/office/drawing/2014/main" id="{5B9111D1-EBA9-469A-A5AC-94959A3B7E01}"/>
               </a:ext>
             </a:extLst>
           </p:cNvPr>
@@ -11769,7 +11155,7 @@
                   <a:srgbClr val="FFFFFF"/>
                 </a:solidFill>
               </a:rPr>
-              <a:t>Github</a:t>
+              <a:t>Repos</a:t>
             </a:r>
           </a:p>
         </p:txBody>
@@ -11779,7 +11165,7 @@
           <p:cNvPr id="3" name="Content Placeholder 2">
             <a:extLst>
               <a:ext uri="{FF2B5EF4-FFF2-40B4-BE49-F238E27FC236}">
-                <a16:creationId xmlns:a16="http://schemas.microsoft.com/office/drawing/2014/main" id="{64252670-4F73-4792-B175-6F43FDE66830}"/>
+                <a16:creationId xmlns:a16="http://schemas.microsoft.com/office/drawing/2014/main" id="{66A1847F-81AF-4B9B-96B0-C1825FDCDF8F}"/>
               </a:ext>
             </a:extLst>
           </p:cNvPr>
@@ -11803,115 +11189,124 @@
           <a:lstStyle/>
           <a:p>
             <a:r>
-              <a:rPr lang="en-US" sz="2000">
+              <a:rPr lang="en-US" sz="2200">
                 <a:solidFill>
                   <a:srgbClr val="000000"/>
                 </a:solidFill>
               </a:rPr>
-              <a:t>Most widely used hosting platform</a:t>
-            </a:r>
-          </a:p>
-          <a:p>
-            <a:r>
-              <a:rPr lang="en-US" sz="2000">
+              <a:t>Big 3</a:t>
+            </a:r>
+          </a:p>
+          <a:p>
+            <a:r>
+              <a:rPr lang="en-US" sz="2200">
                 <a:solidFill>
                   <a:srgbClr val="000000"/>
                 </a:solidFill>
               </a:rPr>
-              <a:t>Unlimited public repositories</a:t>
-            </a:r>
-          </a:p>
-          <a:p>
-            <a:r>
-              <a:rPr lang="en-US" sz="2000">
+              <a:t>Azure Devops</a:t>
+            </a:r>
+          </a:p>
+          <a:p>
+            <a:pPr lvl="1"/>
+            <a:r>
+              <a:rPr lang="en-US" sz="2200">
                 <a:solidFill>
                   <a:srgbClr val="000000"/>
                 </a:solidFill>
               </a:rPr>
-              <a:t>$7/month personal account with unlimited private repositories</a:t>
-            </a:r>
-          </a:p>
-          <a:p>
-            <a:r>
-              <a:rPr lang="en-US" sz="2000">
+              <a:t>Known for closed source projects</a:t>
+            </a:r>
+          </a:p>
+          <a:p>
+            <a:pPr lvl="1"/>
+            <a:r>
+              <a:rPr lang="en-US" sz="2200">
                 <a:solidFill>
                   <a:srgbClr val="000000"/>
                 </a:solidFill>
               </a:rPr>
-              <a:t>Enterprise plans allow on-premises hosted solutions.</a:t>
-            </a:r>
-          </a:p>
-          <a:p>
-            <a:r>
-              <a:rPr lang="en-US" sz="2000">
+              <a:t>High-End CI/CD functionality</a:t>
+            </a:r>
+          </a:p>
+          <a:p>
+            <a:pPr lvl="1"/>
+            <a:r>
+              <a:rPr lang="en-US" sz="2200">
                 <a:solidFill>
                   <a:srgbClr val="000000"/>
                 </a:solidFill>
               </a:rPr>
-              <a:t>Learning Curve: Experience with Git helps make this easy-ish</a:t>
-            </a:r>
-          </a:p>
-          <a:p>
-            <a:endParaRPr lang="en-US" sz="2000">
+              <a:t>Exceptional project tracking via TFS</a:t>
+            </a:r>
+          </a:p>
+          <a:p>
+            <a:r>
+              <a:rPr lang="en-US" sz="2200">
+                <a:solidFill>
+                  <a:srgbClr val="000000"/>
+                </a:solidFill>
+              </a:rPr>
+              <a:t>GitHub</a:t>
+            </a:r>
+          </a:p>
+          <a:p>
+            <a:pPr lvl="1"/>
+            <a:r>
+              <a:rPr lang="en-US" sz="2200">
+                <a:solidFill>
+                  <a:srgbClr val="000000"/>
+                </a:solidFill>
+              </a:rPr>
+              <a:t>Known for open source projects</a:t>
+            </a:r>
+          </a:p>
+          <a:p>
+            <a:pPr lvl="1"/>
+            <a:r>
+              <a:rPr lang="en-US" sz="2200">
+                <a:solidFill>
+                  <a:srgbClr val="000000"/>
+                </a:solidFill>
+              </a:rPr>
+              <a:t>Exceptional bug-tracking and messaging</a:t>
+            </a:r>
+          </a:p>
+          <a:p>
+            <a:pPr lvl="1"/>
+            <a:r>
+              <a:rPr lang="en-US" sz="2200">
+                <a:solidFill>
+                  <a:srgbClr val="000000"/>
+                </a:solidFill>
+              </a:rPr>
+              <a:t>API works well with most CI/CD platforms, Team City, Jenkins, TFS, etc.</a:t>
+            </a:r>
+          </a:p>
+          <a:p>
+            <a:r>
+              <a:rPr lang="en-US" sz="2200">
+                <a:solidFill>
+                  <a:srgbClr val="000000"/>
+                </a:solidFill>
+              </a:rPr>
+              <a:t>BitBucket</a:t>
+            </a:r>
+          </a:p>
+          <a:p>
+            <a:pPr lvl="1"/>
+            <a:endParaRPr lang="en-US" sz="2200">
               <a:solidFill>
                 <a:srgbClr val="000000"/>
               </a:solidFill>
             </a:endParaRPr>
           </a:p>
-          <a:p>
-            <a:r>
-              <a:rPr lang="en-US" sz="2000" b="1">
-                <a:solidFill>
-                  <a:srgbClr val="000000"/>
-                </a:solidFill>
-              </a:rPr>
-              <a:t>EVERY DEVELOPER SHOULD HAVE A GITHUB PROFILE</a:t>
-            </a:r>
-            <a:endParaRPr lang="en-US" sz="2000">
-              <a:solidFill>
-                <a:srgbClr val="000000"/>
-              </a:solidFill>
-            </a:endParaRPr>
-          </a:p>
-          <a:p>
-            <a:pPr lvl="1"/>
-            <a:r>
-              <a:rPr lang="en-US" sz="2000">
-                <a:solidFill>
-                  <a:srgbClr val="000000"/>
-                </a:solidFill>
-              </a:rPr>
-              <a:t>Host code you’re proud of</a:t>
-            </a:r>
-          </a:p>
-          <a:p>
-            <a:pPr lvl="1"/>
-            <a:r>
-              <a:rPr lang="en-US" sz="2000">
-                <a:solidFill>
-                  <a:srgbClr val="000000"/>
-                </a:solidFill>
-              </a:rPr>
-              <a:t>Fork someone else’s code and make a change</a:t>
-            </a:r>
-          </a:p>
-          <a:p>
-            <a:pPr lvl="1"/>
-            <a:r>
-              <a:rPr lang="en-US" sz="2000">
-                <a:solidFill>
-                  <a:srgbClr val="000000"/>
-                </a:solidFill>
-              </a:rPr>
-              <a:t>It’s as good as or better than a resume!</a:t>
-            </a:r>
-          </a:p>
         </p:txBody>
       </p:sp>
     </p:spTree>
     <p:extLst>
       <p:ext uri="{BB962C8B-B14F-4D97-AF65-F5344CB8AC3E}">
-        <p14:creationId xmlns:p14="http://schemas.microsoft.com/office/powerpoint/2010/main" val="3303160553"/>
+        <p14:creationId xmlns:p14="http://schemas.microsoft.com/office/powerpoint/2010/main" val="662332301"/>
       </p:ext>
     </p:extLst>
   </p:cSld>
@@ -12141,7 +11536,7 @@
           <p:cNvPr id="2" name="Title 1">
             <a:extLst>
               <a:ext uri="{FF2B5EF4-FFF2-40B4-BE49-F238E27FC236}">
-                <a16:creationId xmlns:a16="http://schemas.microsoft.com/office/drawing/2014/main" id="{4EAC3CEE-55B5-498F-B337-F6698845AD6D}"/>
+                <a16:creationId xmlns:a16="http://schemas.microsoft.com/office/drawing/2014/main" id="{29093CCA-7953-439D-9E03-48C7A94BACAD}"/>
               </a:ext>
             </a:extLst>
           </p:cNvPr>
@@ -12170,7 +11565,7 @@
                   <a:srgbClr val="FFFFFF"/>
                 </a:solidFill>
               </a:rPr>
-              <a:t>BitBucket</a:t>
+              <a:t>Azure Devops</a:t>
             </a:r>
           </a:p>
         </p:txBody>
@@ -12180,7 +11575,7 @@
           <p:cNvPr id="3" name="Content Placeholder 2">
             <a:extLst>
               <a:ext uri="{FF2B5EF4-FFF2-40B4-BE49-F238E27FC236}">
-                <a16:creationId xmlns:a16="http://schemas.microsoft.com/office/drawing/2014/main" id="{A230217E-4487-403E-9114-3429E27BD4A2}"/>
+                <a16:creationId xmlns:a16="http://schemas.microsoft.com/office/drawing/2014/main" id="{5552C562-13BC-49D0-9EF3-1406A4C3C4E4}"/>
               </a:ext>
             </a:extLst>
           </p:cNvPr>
@@ -12219,42 +11614,78 @@
                   <a:srgbClr val="000000"/>
                 </a:solidFill>
               </a:rPr>
-              <a:t>Unlimited public repositories</a:t>
-            </a:r>
-          </a:p>
-          <a:p>
+              <a:t>Unlimited private repos</a:t>
+            </a:r>
+          </a:p>
+          <a:p>
+            <a:r>
+              <a:rPr lang="en-US" sz="2400" strike="sngStrike">
+                <a:solidFill>
+                  <a:srgbClr val="000000"/>
+                </a:solidFill>
+              </a:rPr>
+              <a:t>No public repositories! </a:t>
+            </a:r>
             <a:r>
               <a:rPr lang="en-US" sz="2400">
                 <a:solidFill>
                   <a:srgbClr val="000000"/>
                 </a:solidFill>
               </a:rPr>
-              <a:t>Unlimited private repositories</a:t>
-            </a:r>
-          </a:p>
-          <a:p>
-            <a:r>
-              <a:rPr lang="en-US" sz="2400">
-                <a:solidFill>
-                  <a:srgbClr val="000000"/>
-                </a:solidFill>
-              </a:rPr>
-              <a:t>Pricing beyond 5 users is roughly $1/month/user</a:t>
-            </a:r>
-          </a:p>
-          <a:p>
-            <a:endParaRPr lang="en-US" sz="2400">
+              <a:t>Public Repositories are in preview as of this writing.</a:t>
+            </a:r>
+            <a:endParaRPr lang="en-US" sz="2400" strike="sngStrike">
               <a:solidFill>
                 <a:srgbClr val="000000"/>
               </a:solidFill>
             </a:endParaRPr>
           </a:p>
+          <a:p>
+            <a:r>
+              <a:rPr lang="en-US" sz="2400">
+                <a:solidFill>
+                  <a:srgbClr val="000000"/>
+                </a:solidFill>
+              </a:rPr>
+              <a:t>CI/CD pipeline is well developed – no Team City necessary, Octopus Deploy is debatable.</a:t>
+            </a:r>
+          </a:p>
+          <a:p>
+            <a:r>
+              <a:rPr lang="en-US" sz="2400">
+                <a:solidFill>
+                  <a:srgbClr val="000000"/>
+                </a:solidFill>
+              </a:rPr>
+              <a:t>Azure is well integrated – great for websites, services, mobile, etc</a:t>
+            </a:r>
+          </a:p>
+          <a:p>
+            <a:r>
+              <a:rPr lang="en-US" sz="2400">
+                <a:solidFill>
+                  <a:srgbClr val="000000"/>
+                </a:solidFill>
+              </a:rPr>
+              <a:t>Great choice for small business!</a:t>
+            </a:r>
+          </a:p>
+          <a:p>
+            <a:r>
+              <a:rPr lang="en-US" sz="2400">
+                <a:solidFill>
+                  <a:srgbClr val="000000"/>
+                </a:solidFill>
+              </a:rPr>
+              <a:t>Learning Curve: Experience with MS products makes this easy-ish</a:t>
+            </a:r>
+          </a:p>
         </p:txBody>
       </p:sp>
     </p:spTree>
     <p:extLst>
       <p:ext uri="{BB962C8B-B14F-4D97-AF65-F5344CB8AC3E}">
-        <p14:creationId xmlns:p14="http://schemas.microsoft.com/office/powerpoint/2010/main" val="2402215412"/>
+        <p14:creationId xmlns:p14="http://schemas.microsoft.com/office/powerpoint/2010/main" val="951745335"/>
       </p:ext>
     </p:extLst>
   </p:cSld>
@@ -12289,6 +11720,750 @@
           <a:chExt cx="0" cy="0"/>
         </a:xfrm>
       </p:grpSpPr>
+      <p:sp useBgFill="1">
+        <p:nvSpPr>
+          <p:cNvPr id="8" name="Rectangle 7">
+            <a:extLst>
+              <a:ext uri="{FF2B5EF4-FFF2-40B4-BE49-F238E27FC236}">
+                <a16:creationId xmlns:a16="http://schemas.microsoft.com/office/drawing/2014/main" id="{3B854194-185D-494D-905C-7C7CB2E30F6E}"/>
+              </a:ext>
+              <a:ext uri="{C183D7F6-B498-43B3-948B-1728B52AA6E4}">
+                <adec:decorative xmlns:adec="http://schemas.microsoft.com/office/drawing/2017/decorative" val="1"/>
+              </a:ext>
+            </a:extLst>
+          </p:cNvPr>
+          <p:cNvSpPr>
+            <a:spLocks noGrp="1" noRot="1" noChangeAspect="1" noMove="1" noResize="1" noEditPoints="1" noAdjustHandles="1" noChangeArrowheads="1" noChangeShapeType="1" noTextEdit="1"/>
+          </p:cNvSpPr>
+          <p:nvPr>
+            <p:extLst>
+              <p:ext uri="{386F3935-93C4-4BCD-93E2-E3B085C9AB24}">
+                <p16:designElem xmlns:p16="http://schemas.microsoft.com/office/powerpoint/2015/main" val="1"/>
+              </p:ext>
+            </p:extLst>
+          </p:nvPr>
+        </p:nvSpPr>
+        <p:spPr>
+          <a:xfrm>
+            <a:off x="1" y="0"/>
+            <a:ext cx="6082110" cy="6858000"/>
+          </a:xfrm>
+          <a:prstGeom prst="rect">
+            <a:avLst/>
+          </a:prstGeom>
+          <a:ln>
+            <a:noFill/>
+          </a:ln>
+        </p:spPr>
+        <p:style>
+          <a:lnRef idx="2">
+            <a:schemeClr val="accent1">
+              <a:shade val="50000"/>
+            </a:schemeClr>
+          </a:lnRef>
+          <a:fillRef idx="1">
+            <a:schemeClr val="accent1"/>
+          </a:fillRef>
+          <a:effectRef idx="0">
+            <a:schemeClr val="accent1"/>
+          </a:effectRef>
+          <a:fontRef idx="minor">
+            <a:schemeClr val="lt1"/>
+          </a:fontRef>
+        </p:style>
+        <p:txBody>
+          <a:bodyPr rtlCol="0" anchor="ctr"/>
+          <a:lstStyle/>
+          <a:p>
+            <a:pPr algn="ctr"/>
+            <a:endParaRPr lang="en-US"/>
+          </a:p>
+        </p:txBody>
+      </p:sp>
+      <p:sp>
+        <p:nvSpPr>
+          <p:cNvPr id="14" name="Rectangle 9">
+            <a:extLst>
+              <a:ext uri="{FF2B5EF4-FFF2-40B4-BE49-F238E27FC236}">
+                <a16:creationId xmlns:a16="http://schemas.microsoft.com/office/drawing/2014/main" id="{B4F5FA0D-0104-4987-8241-EFF7C85B88DE}"/>
+              </a:ext>
+              <a:ext uri="{C183D7F6-B498-43B3-948B-1728B52AA6E4}">
+                <adec:decorative xmlns:adec="http://schemas.microsoft.com/office/drawing/2017/decorative" val="1"/>
+              </a:ext>
+            </a:extLst>
+          </p:cNvPr>
+          <p:cNvSpPr>
+            <a:spLocks noGrp="1" noRot="1" noChangeAspect="1" noMove="1" noResize="1" noEditPoints="1" noAdjustHandles="1" noChangeArrowheads="1" noChangeShapeType="1" noTextEdit="1"/>
+          </p:cNvSpPr>
+          <p:nvPr>
+            <p:extLst>
+              <p:ext uri="{386F3935-93C4-4BCD-93E2-E3B085C9AB24}">
+                <p16:designElem xmlns:p16="http://schemas.microsoft.com/office/powerpoint/2015/main" val="1"/>
+              </p:ext>
+            </p:extLst>
+          </p:nvPr>
+        </p:nvSpPr>
+        <p:spPr>
+          <a:xfrm>
+            <a:off x="1" y="0"/>
+            <a:ext cx="12191998" cy="6858000"/>
+          </a:xfrm>
+          <a:prstGeom prst="rect">
+            <a:avLst/>
+          </a:prstGeom>
+          <a:gradFill>
+            <a:gsLst>
+              <a:gs pos="0">
+                <a:schemeClr val="accent1">
+                  <a:lumMod val="90000"/>
+                </a:schemeClr>
+              </a:gs>
+              <a:gs pos="25000">
+                <a:schemeClr val="accent1">
+                  <a:lumMod val="90000"/>
+                </a:schemeClr>
+              </a:gs>
+              <a:gs pos="94000">
+                <a:schemeClr val="bg2">
+                  <a:lumMod val="25000"/>
+                </a:schemeClr>
+              </a:gs>
+              <a:gs pos="100000">
+                <a:schemeClr val="bg2">
+                  <a:lumMod val="25000"/>
+                </a:schemeClr>
+              </a:gs>
+            </a:gsLst>
+            <a:lin ang="4200000" scaled="0"/>
+          </a:gradFill>
+          <a:ln>
+            <a:noFill/>
+          </a:ln>
+        </p:spPr>
+        <p:style>
+          <a:lnRef idx="2">
+            <a:schemeClr val="accent1">
+              <a:shade val="50000"/>
+            </a:schemeClr>
+          </a:lnRef>
+          <a:fillRef idx="1">
+            <a:schemeClr val="accent1"/>
+          </a:fillRef>
+          <a:effectRef idx="0">
+            <a:schemeClr val="accent1"/>
+          </a:effectRef>
+          <a:fontRef idx="minor">
+            <a:schemeClr val="lt1"/>
+          </a:fontRef>
+        </p:style>
+        <p:txBody>
+          <a:bodyPr rtlCol="0" anchor="ctr"/>
+          <a:lstStyle/>
+          <a:p>
+            <a:pPr algn="ctr"/>
+            <a:endParaRPr lang="en-US"/>
+          </a:p>
+        </p:txBody>
+      </p:sp>
+      <p:pic>
+        <p:nvPicPr>
+          <p:cNvPr id="15" name="Picture 11">
+            <a:extLst>
+              <a:ext uri="{FF2B5EF4-FFF2-40B4-BE49-F238E27FC236}">
+                <a16:creationId xmlns:a16="http://schemas.microsoft.com/office/drawing/2014/main" id="{2897127E-6CEF-446C-BE87-93B7C46E49D1}"/>
+              </a:ext>
+              <a:ext uri="{C183D7F6-B498-43B3-948B-1728B52AA6E4}">
+                <adec:decorative xmlns:adec="http://schemas.microsoft.com/office/drawing/2017/decorative" val="1"/>
+              </a:ext>
+            </a:extLst>
+          </p:cNvPr>
+          <p:cNvPicPr>
+            <a:picLocks noGrp="1" noRot="1" noChangeAspect="1" noMove="1" noResize="1" noEditPoints="1" noAdjustHandles="1" noChangeArrowheads="1" noChangeShapeType="1" noCrop="1"/>
+          </p:cNvPicPr>
+          <p:nvPr>
+            <p:extLst>
+              <p:ext uri="{386F3935-93C4-4BCD-93E2-E3B085C9AB24}">
+                <p16:designElem xmlns:p16="http://schemas.microsoft.com/office/powerpoint/2015/main" val="1"/>
+              </p:ext>
+            </p:extLst>
+          </p:nvPr>
+        </p:nvPicPr>
+        <p:blipFill>
+          <a:blip r:embed="rId2">
+            <a:extLst>
+              <a:ext uri="{28A0092B-C50C-407E-A947-70E740481C1C}">
+                <a14:useLocalDpi xmlns:a14="http://schemas.microsoft.com/office/drawing/2010/main" val="0"/>
+              </a:ext>
+            </a:extLst>
+          </a:blip>
+          <a:stretch>
+            <a:fillRect/>
+          </a:stretch>
+        </p:blipFill>
+        <p:spPr>
+          <a:xfrm>
+            <a:off x="0" y="0"/>
+            <a:ext cx="12192000" cy="6858000"/>
+          </a:xfrm>
+          <a:prstGeom prst="rect">
+            <a:avLst/>
+          </a:prstGeom>
+        </p:spPr>
+      </p:pic>
+      <p:sp>
+        <p:nvSpPr>
+          <p:cNvPr id="2" name="Title 1">
+            <a:extLst>
+              <a:ext uri="{FF2B5EF4-FFF2-40B4-BE49-F238E27FC236}">
+                <a16:creationId xmlns:a16="http://schemas.microsoft.com/office/drawing/2014/main" id="{9F5EE912-1E0A-470C-AB7B-2F2CCC87BB2A}"/>
+              </a:ext>
+            </a:extLst>
+          </p:cNvPr>
+          <p:cNvSpPr>
+            <a:spLocks noGrp="1"/>
+          </p:cNvSpPr>
+          <p:nvPr>
+            <p:ph type="title"/>
+          </p:nvPr>
+        </p:nvSpPr>
+        <p:spPr>
+          <a:xfrm>
+            <a:off x="640079" y="2053641"/>
+            <a:ext cx="3669161" cy="2760098"/>
+          </a:xfrm>
+        </p:spPr>
+        <p:txBody>
+          <a:bodyPr>
+            <a:normAutofit/>
+          </a:bodyPr>
+          <a:lstStyle/>
+          <a:p>
+            <a:r>
+              <a:rPr lang="en-US">
+                <a:solidFill>
+                  <a:srgbClr val="FFFFFF"/>
+                </a:solidFill>
+              </a:rPr>
+              <a:t>Github</a:t>
+            </a:r>
+          </a:p>
+        </p:txBody>
+      </p:sp>
+      <p:sp>
+        <p:nvSpPr>
+          <p:cNvPr id="3" name="Content Placeholder 2">
+            <a:extLst>
+              <a:ext uri="{FF2B5EF4-FFF2-40B4-BE49-F238E27FC236}">
+                <a16:creationId xmlns:a16="http://schemas.microsoft.com/office/drawing/2014/main" id="{64252670-4F73-4792-B175-6F43FDE66830}"/>
+              </a:ext>
+            </a:extLst>
+          </p:cNvPr>
+          <p:cNvSpPr>
+            <a:spLocks noGrp="1"/>
+          </p:cNvSpPr>
+          <p:nvPr>
+            <p:ph idx="1"/>
+          </p:nvPr>
+        </p:nvSpPr>
+        <p:spPr>
+          <a:xfrm>
+            <a:off x="6090574" y="801866"/>
+            <a:ext cx="5306084" cy="5230634"/>
+          </a:xfrm>
+        </p:spPr>
+        <p:txBody>
+          <a:bodyPr anchor="ctr">
+            <a:normAutofit/>
+          </a:bodyPr>
+          <a:lstStyle/>
+          <a:p>
+            <a:r>
+              <a:rPr lang="en-US" sz="2000">
+                <a:solidFill>
+                  <a:srgbClr val="000000"/>
+                </a:solidFill>
+              </a:rPr>
+              <a:t>Most widely used hosting platform</a:t>
+            </a:r>
+          </a:p>
+          <a:p>
+            <a:r>
+              <a:rPr lang="en-US" sz="2000">
+                <a:solidFill>
+                  <a:srgbClr val="000000"/>
+                </a:solidFill>
+              </a:rPr>
+              <a:t>Unlimited public repositories</a:t>
+            </a:r>
+          </a:p>
+          <a:p>
+            <a:r>
+              <a:rPr lang="en-US" sz="2000">
+                <a:solidFill>
+                  <a:srgbClr val="000000"/>
+                </a:solidFill>
+              </a:rPr>
+              <a:t>$7/month personal account with unlimited private repositories</a:t>
+            </a:r>
+          </a:p>
+          <a:p>
+            <a:r>
+              <a:rPr lang="en-US" sz="2000">
+                <a:solidFill>
+                  <a:srgbClr val="000000"/>
+                </a:solidFill>
+              </a:rPr>
+              <a:t>Enterprise plans allow on-premises hosted solutions.</a:t>
+            </a:r>
+          </a:p>
+          <a:p>
+            <a:r>
+              <a:rPr lang="en-US" sz="2000">
+                <a:solidFill>
+                  <a:srgbClr val="000000"/>
+                </a:solidFill>
+              </a:rPr>
+              <a:t>Learning Curve: Experience with Git helps make this easy-ish</a:t>
+            </a:r>
+          </a:p>
+          <a:p>
+            <a:endParaRPr lang="en-US" sz="2000">
+              <a:solidFill>
+                <a:srgbClr val="000000"/>
+              </a:solidFill>
+            </a:endParaRPr>
+          </a:p>
+          <a:p>
+            <a:r>
+              <a:rPr lang="en-US" sz="2000" b="1">
+                <a:solidFill>
+                  <a:srgbClr val="000000"/>
+                </a:solidFill>
+              </a:rPr>
+              <a:t>EVERY DEVELOPER SHOULD HAVE A GITHUB PROFILE</a:t>
+            </a:r>
+            <a:endParaRPr lang="en-US" sz="2000">
+              <a:solidFill>
+                <a:srgbClr val="000000"/>
+              </a:solidFill>
+            </a:endParaRPr>
+          </a:p>
+          <a:p>
+            <a:pPr lvl="1"/>
+            <a:r>
+              <a:rPr lang="en-US" sz="2000">
+                <a:solidFill>
+                  <a:srgbClr val="000000"/>
+                </a:solidFill>
+              </a:rPr>
+              <a:t>Host code you’re proud of</a:t>
+            </a:r>
+          </a:p>
+          <a:p>
+            <a:pPr lvl="1"/>
+            <a:r>
+              <a:rPr lang="en-US" sz="2000">
+                <a:solidFill>
+                  <a:srgbClr val="000000"/>
+                </a:solidFill>
+              </a:rPr>
+              <a:t>Fork someone else’s code and make a change</a:t>
+            </a:r>
+          </a:p>
+          <a:p>
+            <a:pPr lvl="1"/>
+            <a:r>
+              <a:rPr lang="en-US" sz="2000">
+                <a:solidFill>
+                  <a:srgbClr val="000000"/>
+                </a:solidFill>
+              </a:rPr>
+              <a:t>It’s as good as or better than a resume!</a:t>
+            </a:r>
+          </a:p>
+        </p:txBody>
+      </p:sp>
+    </p:spTree>
+    <p:extLst>
+      <p:ext uri="{BB962C8B-B14F-4D97-AF65-F5344CB8AC3E}">
+        <p14:creationId xmlns:p14="http://schemas.microsoft.com/office/powerpoint/2010/main" val="3303160553"/>
+      </p:ext>
+    </p:extLst>
+  </p:cSld>
+  <p:clrMapOvr>
+    <a:masterClrMapping/>
+  </p:clrMapOvr>
+</p:sld>
+</file>
+
+<file path=ppt/slides/slide27.xml><?xml version="1.0" encoding="utf-8"?>
+<p:sld xmlns:a="http://schemas.openxmlformats.org/drawingml/2006/main" xmlns:r="http://schemas.openxmlformats.org/officeDocument/2006/relationships" xmlns:p="http://schemas.openxmlformats.org/presentationml/2006/main">
+  <p:cSld>
+    <p:bg>
+      <p:bgPr>
+        <a:solidFill>
+          <a:schemeClr val="bg1"/>
+        </a:solidFill>
+        <a:effectLst/>
+      </p:bgPr>
+    </p:bg>
+    <p:spTree>
+      <p:nvGrpSpPr>
+        <p:cNvPr id="1" name=""/>
+        <p:cNvGrpSpPr/>
+        <p:nvPr/>
+      </p:nvGrpSpPr>
+      <p:grpSpPr>
+        <a:xfrm>
+          <a:off x="0" y="0"/>
+          <a:ext cx="0" cy="0"/>
+          <a:chOff x="0" y="0"/>
+          <a:chExt cx="0" cy="0"/>
+        </a:xfrm>
+      </p:grpSpPr>
+      <p:sp useBgFill="1">
+        <p:nvSpPr>
+          <p:cNvPr id="8" name="Rectangle 7">
+            <a:extLst>
+              <a:ext uri="{FF2B5EF4-FFF2-40B4-BE49-F238E27FC236}">
+                <a16:creationId xmlns:a16="http://schemas.microsoft.com/office/drawing/2014/main" id="{3B854194-185D-494D-905C-7C7CB2E30F6E}"/>
+              </a:ext>
+              <a:ext uri="{C183D7F6-B498-43B3-948B-1728B52AA6E4}">
+                <adec:decorative xmlns:adec="http://schemas.microsoft.com/office/drawing/2017/decorative" val="1"/>
+              </a:ext>
+            </a:extLst>
+          </p:cNvPr>
+          <p:cNvSpPr>
+            <a:spLocks noGrp="1" noRot="1" noChangeAspect="1" noMove="1" noResize="1" noEditPoints="1" noAdjustHandles="1" noChangeArrowheads="1" noChangeShapeType="1" noTextEdit="1"/>
+          </p:cNvSpPr>
+          <p:nvPr>
+            <p:extLst>
+              <p:ext uri="{386F3935-93C4-4BCD-93E2-E3B085C9AB24}">
+                <p16:designElem xmlns:p16="http://schemas.microsoft.com/office/powerpoint/2015/main" val="1"/>
+              </p:ext>
+            </p:extLst>
+          </p:nvPr>
+        </p:nvSpPr>
+        <p:spPr>
+          <a:xfrm>
+            <a:off x="1" y="0"/>
+            <a:ext cx="6082110" cy="6858000"/>
+          </a:xfrm>
+          <a:prstGeom prst="rect">
+            <a:avLst/>
+          </a:prstGeom>
+          <a:ln>
+            <a:noFill/>
+          </a:ln>
+        </p:spPr>
+        <p:style>
+          <a:lnRef idx="2">
+            <a:schemeClr val="accent1">
+              <a:shade val="50000"/>
+            </a:schemeClr>
+          </a:lnRef>
+          <a:fillRef idx="1">
+            <a:schemeClr val="accent1"/>
+          </a:fillRef>
+          <a:effectRef idx="0">
+            <a:schemeClr val="accent1"/>
+          </a:effectRef>
+          <a:fontRef idx="minor">
+            <a:schemeClr val="lt1"/>
+          </a:fontRef>
+        </p:style>
+        <p:txBody>
+          <a:bodyPr rtlCol="0" anchor="ctr"/>
+          <a:lstStyle/>
+          <a:p>
+            <a:pPr algn="ctr"/>
+            <a:endParaRPr lang="en-US"/>
+          </a:p>
+        </p:txBody>
+      </p:sp>
+      <p:sp>
+        <p:nvSpPr>
+          <p:cNvPr id="10" name="Rectangle 9">
+            <a:extLst>
+              <a:ext uri="{FF2B5EF4-FFF2-40B4-BE49-F238E27FC236}">
+                <a16:creationId xmlns:a16="http://schemas.microsoft.com/office/drawing/2014/main" id="{B4F5FA0D-0104-4987-8241-EFF7C85B88DE}"/>
+              </a:ext>
+              <a:ext uri="{C183D7F6-B498-43B3-948B-1728B52AA6E4}">
+                <adec:decorative xmlns:adec="http://schemas.microsoft.com/office/drawing/2017/decorative" val="1"/>
+              </a:ext>
+            </a:extLst>
+          </p:cNvPr>
+          <p:cNvSpPr>
+            <a:spLocks noGrp="1" noRot="1" noChangeAspect="1" noMove="1" noResize="1" noEditPoints="1" noAdjustHandles="1" noChangeArrowheads="1" noChangeShapeType="1" noTextEdit="1"/>
+          </p:cNvSpPr>
+          <p:nvPr>
+            <p:extLst>
+              <p:ext uri="{386F3935-93C4-4BCD-93E2-E3B085C9AB24}">
+                <p16:designElem xmlns:p16="http://schemas.microsoft.com/office/powerpoint/2015/main" val="1"/>
+              </p:ext>
+            </p:extLst>
+          </p:nvPr>
+        </p:nvSpPr>
+        <p:spPr>
+          <a:xfrm>
+            <a:off x="1" y="0"/>
+            <a:ext cx="12191998" cy="6858000"/>
+          </a:xfrm>
+          <a:prstGeom prst="rect">
+            <a:avLst/>
+          </a:prstGeom>
+          <a:gradFill>
+            <a:gsLst>
+              <a:gs pos="0">
+                <a:schemeClr val="accent1">
+                  <a:lumMod val="90000"/>
+                </a:schemeClr>
+              </a:gs>
+              <a:gs pos="25000">
+                <a:schemeClr val="accent1">
+                  <a:lumMod val="90000"/>
+                </a:schemeClr>
+              </a:gs>
+              <a:gs pos="94000">
+                <a:schemeClr val="bg2">
+                  <a:lumMod val="25000"/>
+                </a:schemeClr>
+              </a:gs>
+              <a:gs pos="100000">
+                <a:schemeClr val="bg2">
+                  <a:lumMod val="25000"/>
+                </a:schemeClr>
+              </a:gs>
+            </a:gsLst>
+            <a:lin ang="4200000" scaled="0"/>
+          </a:gradFill>
+          <a:ln>
+            <a:noFill/>
+          </a:ln>
+        </p:spPr>
+        <p:style>
+          <a:lnRef idx="2">
+            <a:schemeClr val="accent1">
+              <a:shade val="50000"/>
+            </a:schemeClr>
+          </a:lnRef>
+          <a:fillRef idx="1">
+            <a:schemeClr val="accent1"/>
+          </a:fillRef>
+          <a:effectRef idx="0">
+            <a:schemeClr val="accent1"/>
+          </a:effectRef>
+          <a:fontRef idx="minor">
+            <a:schemeClr val="lt1"/>
+          </a:fontRef>
+        </p:style>
+        <p:txBody>
+          <a:bodyPr rtlCol="0" anchor="ctr"/>
+          <a:lstStyle/>
+          <a:p>
+            <a:pPr algn="ctr"/>
+            <a:endParaRPr lang="en-US"/>
+          </a:p>
+        </p:txBody>
+      </p:sp>
+      <p:pic>
+        <p:nvPicPr>
+          <p:cNvPr id="12" name="Picture 11">
+            <a:extLst>
+              <a:ext uri="{FF2B5EF4-FFF2-40B4-BE49-F238E27FC236}">
+                <a16:creationId xmlns:a16="http://schemas.microsoft.com/office/drawing/2014/main" id="{2897127E-6CEF-446C-BE87-93B7C46E49D1}"/>
+              </a:ext>
+              <a:ext uri="{C183D7F6-B498-43B3-948B-1728B52AA6E4}">
+                <adec:decorative xmlns:adec="http://schemas.microsoft.com/office/drawing/2017/decorative" val="1"/>
+              </a:ext>
+            </a:extLst>
+          </p:cNvPr>
+          <p:cNvPicPr>
+            <a:picLocks noGrp="1" noRot="1" noChangeAspect="1" noMove="1" noResize="1" noEditPoints="1" noAdjustHandles="1" noChangeArrowheads="1" noChangeShapeType="1" noCrop="1"/>
+          </p:cNvPicPr>
+          <p:nvPr>
+            <p:extLst>
+              <p:ext uri="{386F3935-93C4-4BCD-93E2-E3B085C9AB24}">
+                <p16:designElem xmlns:p16="http://schemas.microsoft.com/office/powerpoint/2015/main" val="1"/>
+              </p:ext>
+            </p:extLst>
+          </p:nvPr>
+        </p:nvPicPr>
+        <p:blipFill>
+          <a:blip r:embed="rId2">
+            <a:extLst>
+              <a:ext uri="{28A0092B-C50C-407E-A947-70E740481C1C}">
+                <a14:useLocalDpi xmlns:a14="http://schemas.microsoft.com/office/drawing/2010/main" val="0"/>
+              </a:ext>
+            </a:extLst>
+          </a:blip>
+          <a:stretch>
+            <a:fillRect/>
+          </a:stretch>
+        </p:blipFill>
+        <p:spPr>
+          <a:xfrm>
+            <a:off x="0" y="0"/>
+            <a:ext cx="12192000" cy="6858000"/>
+          </a:xfrm>
+          <a:prstGeom prst="rect">
+            <a:avLst/>
+          </a:prstGeom>
+        </p:spPr>
+      </p:pic>
+      <p:sp>
+        <p:nvSpPr>
+          <p:cNvPr id="2" name="Title 1">
+            <a:extLst>
+              <a:ext uri="{FF2B5EF4-FFF2-40B4-BE49-F238E27FC236}">
+                <a16:creationId xmlns:a16="http://schemas.microsoft.com/office/drawing/2014/main" id="{4EAC3CEE-55B5-498F-B337-F6698845AD6D}"/>
+              </a:ext>
+            </a:extLst>
+          </p:cNvPr>
+          <p:cNvSpPr>
+            <a:spLocks noGrp="1"/>
+          </p:cNvSpPr>
+          <p:nvPr>
+            <p:ph type="title"/>
+          </p:nvPr>
+        </p:nvSpPr>
+        <p:spPr>
+          <a:xfrm>
+            <a:off x="640079" y="2053641"/>
+            <a:ext cx="3669161" cy="2760098"/>
+          </a:xfrm>
+        </p:spPr>
+        <p:txBody>
+          <a:bodyPr>
+            <a:normAutofit/>
+          </a:bodyPr>
+          <a:lstStyle/>
+          <a:p>
+            <a:r>
+              <a:rPr lang="en-US">
+                <a:solidFill>
+                  <a:srgbClr val="FFFFFF"/>
+                </a:solidFill>
+              </a:rPr>
+              <a:t>BitBucket</a:t>
+            </a:r>
+          </a:p>
+        </p:txBody>
+      </p:sp>
+      <p:sp>
+        <p:nvSpPr>
+          <p:cNvPr id="3" name="Content Placeholder 2">
+            <a:extLst>
+              <a:ext uri="{FF2B5EF4-FFF2-40B4-BE49-F238E27FC236}">
+                <a16:creationId xmlns:a16="http://schemas.microsoft.com/office/drawing/2014/main" id="{A230217E-4487-403E-9114-3429E27BD4A2}"/>
+              </a:ext>
+            </a:extLst>
+          </p:cNvPr>
+          <p:cNvSpPr>
+            <a:spLocks noGrp="1"/>
+          </p:cNvSpPr>
+          <p:nvPr>
+            <p:ph idx="1"/>
+          </p:nvPr>
+        </p:nvSpPr>
+        <p:spPr>
+          <a:xfrm>
+            <a:off x="6090574" y="801866"/>
+            <a:ext cx="5306084" cy="5230634"/>
+          </a:xfrm>
+        </p:spPr>
+        <p:txBody>
+          <a:bodyPr anchor="ctr">
+            <a:normAutofit/>
+          </a:bodyPr>
+          <a:lstStyle/>
+          <a:p>
+            <a:r>
+              <a:rPr lang="en-US" sz="2400">
+                <a:solidFill>
+                  <a:srgbClr val="000000"/>
+                </a:solidFill>
+              </a:rPr>
+              <a:t>Free up to 5 users</a:t>
+            </a:r>
+          </a:p>
+          <a:p>
+            <a:r>
+              <a:rPr lang="en-US" sz="2400">
+                <a:solidFill>
+                  <a:srgbClr val="000000"/>
+                </a:solidFill>
+              </a:rPr>
+              <a:t>Unlimited public repositories</a:t>
+            </a:r>
+          </a:p>
+          <a:p>
+            <a:r>
+              <a:rPr lang="en-US" sz="2400">
+                <a:solidFill>
+                  <a:srgbClr val="000000"/>
+                </a:solidFill>
+              </a:rPr>
+              <a:t>Unlimited private repositories</a:t>
+            </a:r>
+          </a:p>
+          <a:p>
+            <a:r>
+              <a:rPr lang="en-US" sz="2400">
+                <a:solidFill>
+                  <a:srgbClr val="000000"/>
+                </a:solidFill>
+              </a:rPr>
+              <a:t>Pricing beyond 5 users is roughly $1/month/user</a:t>
+            </a:r>
+          </a:p>
+          <a:p>
+            <a:endParaRPr lang="en-US" sz="2400">
+              <a:solidFill>
+                <a:srgbClr val="000000"/>
+              </a:solidFill>
+            </a:endParaRPr>
+          </a:p>
+        </p:txBody>
+      </p:sp>
+    </p:spTree>
+    <p:extLst>
+      <p:ext uri="{BB962C8B-B14F-4D97-AF65-F5344CB8AC3E}">
+        <p14:creationId xmlns:p14="http://schemas.microsoft.com/office/powerpoint/2010/main" val="2402215412"/>
+      </p:ext>
+    </p:extLst>
+  </p:cSld>
+  <p:clrMapOvr>
+    <a:masterClrMapping/>
+  </p:clrMapOvr>
+</p:sld>
+</file>
+
+<file path=ppt/slides/slide28.xml><?xml version="1.0" encoding="utf-8"?>
+<p:sld xmlns:a="http://schemas.openxmlformats.org/drawingml/2006/main" xmlns:r="http://schemas.openxmlformats.org/officeDocument/2006/relationships" xmlns:p="http://schemas.openxmlformats.org/presentationml/2006/main">
+  <p:cSld>
+    <p:bg>
+      <p:bgPr>
+        <a:solidFill>
+          <a:schemeClr val="bg1"/>
+        </a:solidFill>
+        <a:effectLst/>
+      </p:bgPr>
+    </p:bg>
+    <p:spTree>
+      <p:nvGrpSpPr>
+        <p:cNvPr id="1" name=""/>
+        <p:cNvGrpSpPr/>
+        <p:nvPr/>
+      </p:nvGrpSpPr>
+      <p:grpSpPr>
+        <a:xfrm>
+          <a:off x="0" y="0"/>
+          <a:ext cx="0" cy="0"/>
+          <a:chOff x="0" y="0"/>
+          <a:chExt cx="0" cy="0"/>
+        </a:xfrm>
+      </p:grpSpPr>
       <p:sp>
         <p:nvSpPr>
           <p:cNvPr id="8" name="Rectangle 7">
@@ -12547,201 +12722,6 @@
 </p:sld>
 </file>
 
-<file path=ppt/slides/slide27.xml><?xml version="1.0" encoding="utf-8"?>
-<p:sld xmlns:a="http://schemas.openxmlformats.org/drawingml/2006/main" xmlns:r="http://schemas.openxmlformats.org/officeDocument/2006/relationships" xmlns:p="http://schemas.openxmlformats.org/presentationml/2006/main">
-  <p:cSld>
-    <p:spTree>
-      <p:nvGrpSpPr>
-        <p:cNvPr id="1" name=""/>
-        <p:cNvGrpSpPr/>
-        <p:nvPr/>
-      </p:nvGrpSpPr>
-      <p:grpSpPr>
-        <a:xfrm>
-          <a:off x="0" y="0"/>
-          <a:ext cx="0" cy="0"/>
-          <a:chOff x="0" y="0"/>
-          <a:chExt cx="0" cy="0"/>
-        </a:xfrm>
-      </p:grpSpPr>
-      <p:sp>
-        <p:nvSpPr>
-          <p:cNvPr id="2" name="Title 1">
-            <a:extLst>
-              <a:ext uri="{FF2B5EF4-FFF2-40B4-BE49-F238E27FC236}">
-                <a16:creationId xmlns:a16="http://schemas.microsoft.com/office/drawing/2014/main" id="{009C8563-8243-4BD7-A153-2AF7C9C016E2}"/>
-              </a:ext>
-            </a:extLst>
-          </p:cNvPr>
-          <p:cNvSpPr>
-            <a:spLocks noGrp="1"/>
-          </p:cNvSpPr>
-          <p:nvPr>
-            <p:ph type="title"/>
-          </p:nvPr>
-        </p:nvSpPr>
-        <p:spPr/>
-        <p:txBody>
-          <a:bodyPr/>
-          <a:lstStyle/>
-          <a:p>
-            <a:r>
-              <a:rPr lang="en-US" dirty="0"/>
-              <a:t>Branching and Merging</a:t>
-            </a:r>
-          </a:p>
-        </p:txBody>
-      </p:sp>
-      <p:sp>
-        <p:nvSpPr>
-          <p:cNvPr id="3" name="Text Placeholder 2">
-            <a:extLst>
-              <a:ext uri="{FF2B5EF4-FFF2-40B4-BE49-F238E27FC236}">
-                <a16:creationId xmlns:a16="http://schemas.microsoft.com/office/drawing/2014/main" id="{182F19D3-529A-4D24-A8A1-8F63D0085728}"/>
-              </a:ext>
-            </a:extLst>
-          </p:cNvPr>
-          <p:cNvSpPr>
-            <a:spLocks noGrp="1"/>
-          </p:cNvSpPr>
-          <p:nvPr>
-            <p:ph type="body" idx="1"/>
-          </p:nvPr>
-        </p:nvSpPr>
-        <p:spPr/>
-        <p:txBody>
-          <a:bodyPr/>
-          <a:lstStyle/>
-          <a:p>
-            <a:r>
-              <a:rPr lang="en-US" dirty="0"/>
-              <a:t>How to stay sane</a:t>
-            </a:r>
-          </a:p>
-        </p:txBody>
-      </p:sp>
-    </p:spTree>
-    <p:extLst>
-      <p:ext uri="{BB962C8B-B14F-4D97-AF65-F5344CB8AC3E}">
-        <p14:creationId xmlns:p14="http://schemas.microsoft.com/office/powerpoint/2010/main" val="3084031404"/>
-      </p:ext>
-    </p:extLst>
-  </p:cSld>
-  <p:clrMapOvr>
-    <a:masterClrMapping/>
-  </p:clrMapOvr>
-</p:sld>
-</file>
-
-<file path=ppt/slides/slide28.xml><?xml version="1.0" encoding="utf-8"?>
-<p:sld xmlns:a="http://schemas.openxmlformats.org/drawingml/2006/main" xmlns:r="http://schemas.openxmlformats.org/officeDocument/2006/relationships" xmlns:p="http://schemas.openxmlformats.org/presentationml/2006/main">
-  <p:cSld>
-    <p:spTree>
-      <p:nvGrpSpPr>
-        <p:cNvPr id="1" name=""/>
-        <p:cNvGrpSpPr/>
-        <p:nvPr/>
-      </p:nvGrpSpPr>
-      <p:grpSpPr>
-        <a:xfrm>
-          <a:off x="0" y="0"/>
-          <a:ext cx="0" cy="0"/>
-          <a:chOff x="0" y="0"/>
-          <a:chExt cx="0" cy="0"/>
-        </a:xfrm>
-      </p:grpSpPr>
-      <p:sp>
-        <p:nvSpPr>
-          <p:cNvPr id="4" name="Title 3">
-            <a:extLst>
-              <a:ext uri="{FF2B5EF4-FFF2-40B4-BE49-F238E27FC236}">
-                <a16:creationId xmlns:a16="http://schemas.microsoft.com/office/drawing/2014/main" id="{B4D0A662-C37A-473D-A246-0D681A71BA66}"/>
-              </a:ext>
-            </a:extLst>
-          </p:cNvPr>
-          <p:cNvSpPr>
-            <a:spLocks noGrp="1"/>
-          </p:cNvSpPr>
-          <p:nvPr>
-            <p:ph type="title"/>
-          </p:nvPr>
-        </p:nvSpPr>
-        <p:spPr/>
-        <p:txBody>
-          <a:bodyPr/>
-          <a:lstStyle/>
-          <a:p>
-            <a:r>
-              <a:rPr lang="en-US" dirty="0"/>
-              <a:t>Gitflow</a:t>
-            </a:r>
-          </a:p>
-        </p:txBody>
-      </p:sp>
-      <p:pic>
-        <p:nvPicPr>
-          <p:cNvPr id="7" name="Content Placeholder 6">
-            <a:extLst>
-              <a:ext uri="{FF2B5EF4-FFF2-40B4-BE49-F238E27FC236}">
-                <a16:creationId xmlns:a16="http://schemas.microsoft.com/office/drawing/2014/main" id="{EEB5084E-8EDB-474F-8DAC-73F4A7AF336D}"/>
-              </a:ext>
-            </a:extLst>
-          </p:cNvPr>
-          <p:cNvPicPr>
-            <a:picLocks noGrp="1" noChangeAspect="1"/>
-          </p:cNvPicPr>
-          <p:nvPr>
-            <p:ph idx="1"/>
-          </p:nvPr>
-        </p:nvPicPr>
-        <p:blipFill>
-          <a:blip r:embed="rId2">
-            <a:extLst>
-              <a:ext uri="{28A0092B-C50C-407E-A947-70E740481C1C}">
-                <a14:useLocalDpi xmlns:a14="http://schemas.microsoft.com/office/drawing/2010/main" val="0"/>
-              </a:ext>
-              <a:ext uri="{96DAC541-7B7A-43D3-8B79-37D633B846F1}">
-                <asvg:svgBlip xmlns:asvg="http://schemas.microsoft.com/office/drawing/2016/SVG/main" r:embed="rId3"/>
-              </a:ext>
-            </a:extLst>
-          </a:blip>
-          <a:stretch>
-            <a:fillRect/>
-          </a:stretch>
-        </p:blipFill>
-        <p:spPr bwMode="auto">
-          <a:xfrm>
-            <a:off x="3063709" y="1825625"/>
-            <a:ext cx="6064582" cy="4351338"/>
-          </a:xfrm>
-          <a:prstGeom prst="rect">
-            <a:avLst/>
-          </a:prstGeom>
-          <a:noFill/>
-          <a:extLst>
-            <a:ext uri="{909E8E84-426E-40DD-AFC4-6F175D3DCCD1}">
-              <a14:hiddenFill xmlns:a14="http://schemas.microsoft.com/office/drawing/2010/main">
-                <a:solidFill>
-                  <a:srgbClr val="FFFFFF"/>
-                </a:solidFill>
-              </a14:hiddenFill>
-            </a:ext>
-          </a:extLst>
-        </p:spPr>
-      </p:pic>
-    </p:spTree>
-    <p:extLst>
-      <p:ext uri="{BB962C8B-B14F-4D97-AF65-F5344CB8AC3E}">
-        <p14:creationId xmlns:p14="http://schemas.microsoft.com/office/powerpoint/2010/main" val="2377605413"/>
-      </p:ext>
-    </p:extLst>
-  </p:cSld>
-  <p:clrMapOvr>
-    <a:masterClrMapping/>
-  </p:clrMapOvr>
-</p:sld>
-</file>
-
 <file path=ppt/slides/slide29.xml><?xml version="1.0" encoding="utf-8"?>
 <p:sld xmlns:a="http://schemas.openxmlformats.org/drawingml/2006/main" xmlns:r="http://schemas.openxmlformats.org/officeDocument/2006/relationships" xmlns:p="http://schemas.openxmlformats.org/presentationml/2006/main">
   <p:cSld>
@@ -12764,7 +12744,7 @@
           <p:cNvPr id="2" name="Title 1">
             <a:extLst>
               <a:ext uri="{FF2B5EF4-FFF2-40B4-BE49-F238E27FC236}">
-                <a16:creationId xmlns:a16="http://schemas.microsoft.com/office/drawing/2014/main" id="{CC4A54E6-05F8-4D89-971E-BC053D209B94}"/>
+                <a16:creationId xmlns:a16="http://schemas.microsoft.com/office/drawing/2014/main" id="{009C8563-8243-4BD7-A153-2AF7C9C016E2}"/>
               </a:ext>
             </a:extLst>
           </p:cNvPr>
@@ -12782,50 +12762,43 @@
           <a:p>
             <a:r>
               <a:rPr lang="en-US" dirty="0"/>
-              <a:t>Github Flow</a:t>
-            </a:r>
-          </a:p>
-        </p:txBody>
-      </p:sp>
-      <p:pic>
-        <p:nvPicPr>
-          <p:cNvPr id="5" name="Content Placeholder 4">
+              <a:t>Strategies</a:t>
+            </a:r>
+          </a:p>
+        </p:txBody>
+      </p:sp>
+      <p:sp>
+        <p:nvSpPr>
+          <p:cNvPr id="3" name="Text Placeholder 2">
             <a:extLst>
               <a:ext uri="{FF2B5EF4-FFF2-40B4-BE49-F238E27FC236}">
-                <a16:creationId xmlns:a16="http://schemas.microsoft.com/office/drawing/2014/main" id="{7A2BCEFD-3342-43C1-B40B-42DE90C5E3F6}"/>
+                <a16:creationId xmlns:a16="http://schemas.microsoft.com/office/drawing/2014/main" id="{182F19D3-529A-4D24-A8A1-8F63D0085728}"/>
               </a:ext>
             </a:extLst>
           </p:cNvPr>
-          <p:cNvPicPr>
-            <a:picLocks noGrp="1" noChangeAspect="1"/>
-          </p:cNvPicPr>
-          <p:nvPr>
-            <p:ph idx="1"/>
-          </p:nvPr>
-        </p:nvPicPr>
-        <p:blipFill>
-          <a:blip r:embed="rId2">
-            <a:extLst>
-              <a:ext uri="{28A0092B-C50C-407E-A947-70E740481C1C}">
-                <a14:useLocalDpi xmlns:a14="http://schemas.microsoft.com/office/drawing/2010/main" val="0"/>
-              </a:ext>
-            </a:extLst>
-          </a:blip>
-          <a:stretch>
-            <a:fillRect/>
-          </a:stretch>
-        </p:blipFill>
-        <p:spPr>
-          <a:xfrm>
-            <a:off x="838200" y="2678073"/>
-            <a:ext cx="10515600" cy="2646442"/>
-          </a:xfrm>
-        </p:spPr>
-      </p:pic>
+          <p:cNvSpPr>
+            <a:spLocks noGrp="1"/>
+          </p:cNvSpPr>
+          <p:nvPr>
+            <p:ph type="body" idx="1"/>
+          </p:nvPr>
+        </p:nvSpPr>
+        <p:spPr/>
+        <p:txBody>
+          <a:bodyPr/>
+          <a:lstStyle/>
+          <a:p>
+            <a:r>
+              <a:rPr lang="en-US" dirty="0"/>
+              <a:t>How to stay sane</a:t>
+            </a:r>
+          </a:p>
+        </p:txBody>
+      </p:sp>
     </p:spTree>
     <p:extLst>
       <p:ext uri="{BB962C8B-B14F-4D97-AF65-F5344CB8AC3E}">
-        <p14:creationId xmlns:p14="http://schemas.microsoft.com/office/powerpoint/2010/main" val="3213113248"/>
+        <p14:creationId xmlns:p14="http://schemas.microsoft.com/office/powerpoint/2010/main" val="3084031404"/>
       </p:ext>
     </p:extLst>
   </p:cSld>
@@ -12966,10 +12939,10 @@
       </p:grpSpPr>
       <p:sp>
         <p:nvSpPr>
-          <p:cNvPr id="2" name="Title 1">
+          <p:cNvPr id="4" name="Title 3">
             <a:extLst>
               <a:ext uri="{FF2B5EF4-FFF2-40B4-BE49-F238E27FC236}">
-                <a16:creationId xmlns:a16="http://schemas.microsoft.com/office/drawing/2014/main" id="{F220168B-851B-448D-B065-1390D2D73C20}"/>
+                <a16:creationId xmlns:a16="http://schemas.microsoft.com/office/drawing/2014/main" id="{B4D0A662-C37A-473D-A246-0D681A71BA66}"/>
               </a:ext>
             </a:extLst>
           </p:cNvPr>
@@ -12987,40 +12960,66 @@
           <a:p>
             <a:r>
               <a:rPr lang="en-US" dirty="0"/>
-              <a:t>Common UI Tools</a:t>
-            </a:r>
-          </a:p>
-        </p:txBody>
-      </p:sp>
-      <p:sp>
-        <p:nvSpPr>
-          <p:cNvPr id="3" name="Text Placeholder 2">
+              <a:t>Gitflow</a:t>
+            </a:r>
+          </a:p>
+        </p:txBody>
+      </p:sp>
+      <p:pic>
+        <p:nvPicPr>
+          <p:cNvPr id="7" name="Content Placeholder 6">
             <a:extLst>
               <a:ext uri="{FF2B5EF4-FFF2-40B4-BE49-F238E27FC236}">
-                <a16:creationId xmlns:a16="http://schemas.microsoft.com/office/drawing/2014/main" id="{1471B88D-28C1-4B4E-A5A7-4BC5DECCA821}"/>
+                <a16:creationId xmlns:a16="http://schemas.microsoft.com/office/drawing/2014/main" id="{EEB5084E-8EDB-474F-8DAC-73F4A7AF336D}"/>
               </a:ext>
             </a:extLst>
           </p:cNvPr>
-          <p:cNvSpPr>
-            <a:spLocks noGrp="1"/>
-          </p:cNvSpPr>
-          <p:nvPr>
-            <p:ph type="body" idx="1"/>
-          </p:nvPr>
-        </p:nvSpPr>
-        <p:spPr/>
-        <p:txBody>
-          <a:bodyPr/>
-          <a:lstStyle/>
-          <a:p>
-            <a:endParaRPr lang="en-US"/>
-          </a:p>
-        </p:txBody>
-      </p:sp>
+          <p:cNvPicPr>
+            <a:picLocks noGrp="1" noChangeAspect="1"/>
+          </p:cNvPicPr>
+          <p:nvPr>
+            <p:ph idx="1"/>
+          </p:nvPr>
+        </p:nvPicPr>
+        <p:blipFill>
+          <a:blip r:embed="rId2">
+            <a:extLst>
+              <a:ext uri="{28A0092B-C50C-407E-A947-70E740481C1C}">
+                <a14:useLocalDpi xmlns:a14="http://schemas.microsoft.com/office/drawing/2010/main" val="0"/>
+              </a:ext>
+              <a:ext uri="{96DAC541-7B7A-43D3-8B79-37D633B846F1}">
+                <asvg:svgBlip xmlns:asvg="http://schemas.microsoft.com/office/drawing/2016/SVG/main" r:embed="rId3"/>
+              </a:ext>
+            </a:extLst>
+          </a:blip>
+          <a:stretch>
+            <a:fillRect/>
+          </a:stretch>
+        </p:blipFill>
+        <p:spPr bwMode="auto">
+          <a:xfrm>
+            <a:off x="3063709" y="1825625"/>
+            <a:ext cx="6064582" cy="4351338"/>
+          </a:xfrm>
+          <a:prstGeom prst="rect">
+            <a:avLst/>
+          </a:prstGeom>
+          <a:noFill/>
+          <a:extLst>
+            <a:ext uri="{909E8E84-426E-40DD-AFC4-6F175D3DCCD1}">
+              <a14:hiddenFill xmlns:a14="http://schemas.microsoft.com/office/drawing/2010/main">
+                <a:solidFill>
+                  <a:srgbClr val="FFFFFF"/>
+                </a:solidFill>
+              </a14:hiddenFill>
+            </a:ext>
+          </a:extLst>
+        </p:spPr>
+      </p:pic>
     </p:spTree>
     <p:extLst>
       <p:ext uri="{BB962C8B-B14F-4D97-AF65-F5344CB8AC3E}">
-        <p14:creationId xmlns:p14="http://schemas.microsoft.com/office/powerpoint/2010/main" val="384892571"/>
+        <p14:creationId xmlns:p14="http://schemas.microsoft.com/office/powerpoint/2010/main" val="2377605413"/>
       </p:ext>
     </p:extLst>
   </p:cSld>
@@ -13052,7 +13051,7 @@
           <p:cNvPr id="2" name="Title 1">
             <a:extLst>
               <a:ext uri="{FF2B5EF4-FFF2-40B4-BE49-F238E27FC236}">
-                <a16:creationId xmlns:a16="http://schemas.microsoft.com/office/drawing/2014/main" id="{58877F43-7F96-4A05-9192-F72D5998C0FD}"/>
+                <a16:creationId xmlns:a16="http://schemas.microsoft.com/office/drawing/2014/main" id="{CC4A54E6-05F8-4D89-971E-BC053D209B94}"/>
               </a:ext>
             </a:extLst>
           </p:cNvPr>
@@ -13070,17 +13069,17 @@
           <a:p>
             <a:r>
               <a:rPr lang="en-US" dirty="0"/>
-              <a:t>The Command Line</a:t>
+              <a:t>Github Flow</a:t>
             </a:r>
           </a:p>
         </p:txBody>
       </p:sp>
       <p:pic>
         <p:nvPicPr>
-          <p:cNvPr id="4" name="Content Placeholder 3">
+          <p:cNvPr id="5" name="Content Placeholder 4">
             <a:extLst>
               <a:ext uri="{FF2B5EF4-FFF2-40B4-BE49-F238E27FC236}">
-                <a16:creationId xmlns:a16="http://schemas.microsoft.com/office/drawing/2014/main" id="{58CD5727-155C-4842-B31F-01A46BD28679}"/>
+                <a16:creationId xmlns:a16="http://schemas.microsoft.com/office/drawing/2014/main" id="{7A2BCEFD-3342-43C1-B40B-42DE90C5E3F6}"/>
               </a:ext>
             </a:extLst>
           </p:cNvPr>
@@ -13092,25 +13091,28 @@
           </p:nvPr>
         </p:nvPicPr>
         <p:blipFill>
-          <a:blip r:embed="rId2"/>
+          <a:blip r:embed="rId2">
+            <a:extLst>
+              <a:ext uri="{28A0092B-C50C-407E-A947-70E740481C1C}">
+                <a14:useLocalDpi xmlns:a14="http://schemas.microsoft.com/office/drawing/2010/main" val="0"/>
+              </a:ext>
+            </a:extLst>
+          </a:blip>
           <a:stretch>
             <a:fillRect/>
           </a:stretch>
         </p:blipFill>
         <p:spPr>
           <a:xfrm>
-            <a:off x="2032713" y="1881069"/>
-            <a:ext cx="8126574" cy="4240449"/>
-          </a:xfrm>
-          <a:prstGeom prst="rect">
-            <a:avLst/>
-          </a:prstGeom>
+            <a:off x="838200" y="2678073"/>
+            <a:ext cx="10515600" cy="2646442"/>
+          </a:xfrm>
         </p:spPr>
       </p:pic>
     </p:spTree>
     <p:extLst>
       <p:ext uri="{BB962C8B-B14F-4D97-AF65-F5344CB8AC3E}">
-        <p14:creationId xmlns:p14="http://schemas.microsoft.com/office/powerpoint/2010/main" val="1978598311"/>
+        <p14:creationId xmlns:p14="http://schemas.microsoft.com/office/powerpoint/2010/main" val="3213113248"/>
       </p:ext>
     </p:extLst>
   </p:cSld>
@@ -13142,7 +13144,7 @@
           <p:cNvPr id="2" name="Title 1">
             <a:extLst>
               <a:ext uri="{FF2B5EF4-FFF2-40B4-BE49-F238E27FC236}">
-                <a16:creationId xmlns:a16="http://schemas.microsoft.com/office/drawing/2014/main" id="{6F065B9B-DF9F-4EE1-A34B-B214540B13E1}"/>
+                <a16:creationId xmlns:a16="http://schemas.microsoft.com/office/drawing/2014/main" id="{F220168B-851B-448D-B065-1390D2D73C20}"/>
               </a:ext>
             </a:extLst>
           </p:cNvPr>
@@ -13160,17 +13162,17 @@
           <a:p>
             <a:r>
               <a:rPr lang="en-US" dirty="0"/>
-              <a:t>The Command Line</a:t>
-            </a:r>
-          </a:p>
-        </p:txBody>
-      </p:sp>
-      <p:sp>
-        <p:nvSpPr>
-          <p:cNvPr id="3" name="Content Placeholder 2">
+              <a:t>Common UI Tools</a:t>
+            </a:r>
+          </a:p>
+        </p:txBody>
+      </p:sp>
+      <p:sp>
+        <p:nvSpPr>
+          <p:cNvPr id="3" name="Text Placeholder 2">
             <a:extLst>
               <a:ext uri="{FF2B5EF4-FFF2-40B4-BE49-F238E27FC236}">
-                <a16:creationId xmlns:a16="http://schemas.microsoft.com/office/drawing/2014/main" id="{C45A14B0-644B-4112-AA76-B2906EAB6FFB}"/>
+                <a16:creationId xmlns:a16="http://schemas.microsoft.com/office/drawing/2014/main" id="{1471B88D-28C1-4B4E-A5A7-4BC5DECCA821}"/>
               </a:ext>
             </a:extLst>
           </p:cNvPr>
@@ -13178,7 +13180,7 @@
             <a:spLocks noGrp="1"/>
           </p:cNvSpPr>
           <p:nvPr>
-            <p:ph idx="1"/>
+            <p:ph type="body" idx="1"/>
           </p:nvPr>
         </p:nvSpPr>
         <p:spPr/>
@@ -13186,58 +13188,14 @@
           <a:bodyPr/>
           <a:lstStyle/>
           <a:p>
-            <a:r>
-              <a:rPr lang="en-US" dirty="0"/>
-              <a:t>Advantages</a:t>
-            </a:r>
-          </a:p>
-          <a:p>
-            <a:pPr lvl="1"/>
-            <a:r>
-              <a:rPr lang="en-US" dirty="0"/>
-              <a:t>Ubiquitous</a:t>
-            </a:r>
-          </a:p>
-          <a:p>
-            <a:pPr lvl="1"/>
-            <a:r>
-              <a:rPr lang="en-US" dirty="0"/>
-              <a:t>Easy to find solutions, answers, hints</a:t>
-            </a:r>
-          </a:p>
-          <a:p>
-            <a:pPr lvl="1"/>
-            <a:r>
-              <a:rPr lang="en-US" dirty="0"/>
-              <a:t>It’s always there</a:t>
-            </a:r>
-          </a:p>
-          <a:p>
-            <a:r>
-              <a:rPr lang="en-US" dirty="0"/>
-              <a:t>Disadvantages</a:t>
-            </a:r>
-          </a:p>
-          <a:p>
-            <a:pPr lvl="1"/>
-            <a:r>
-              <a:rPr lang="en-US" dirty="0"/>
-              <a:t>It’s the command line.</a:t>
-            </a:r>
-          </a:p>
-          <a:p>
-            <a:pPr lvl="1"/>
-            <a:r>
-              <a:rPr lang="en-US" dirty="0"/>
-              <a:t>Seriously though… it’s the command line.</a:t>
-            </a:r>
+            <a:endParaRPr lang="en-US"/>
           </a:p>
         </p:txBody>
       </p:sp>
     </p:spTree>
     <p:extLst>
       <p:ext uri="{BB962C8B-B14F-4D97-AF65-F5344CB8AC3E}">
-        <p14:creationId xmlns:p14="http://schemas.microsoft.com/office/powerpoint/2010/main" val="2403642711"/>
+        <p14:creationId xmlns:p14="http://schemas.microsoft.com/office/powerpoint/2010/main" val="384892571"/>
       </p:ext>
     </p:extLst>
   </p:cSld>
@@ -13269,7 +13227,7 @@
           <p:cNvPr id="2" name="Title 1">
             <a:extLst>
               <a:ext uri="{FF2B5EF4-FFF2-40B4-BE49-F238E27FC236}">
-                <a16:creationId xmlns:a16="http://schemas.microsoft.com/office/drawing/2014/main" id="{52B9E538-2607-48E8-89B9-7E324991C43E}"/>
+                <a16:creationId xmlns:a16="http://schemas.microsoft.com/office/drawing/2014/main" id="{58877F43-7F96-4A05-9192-F72D5998C0FD}"/>
               </a:ext>
             </a:extLst>
           </p:cNvPr>
@@ -13287,7 +13245,7 @@
           <a:p>
             <a:r>
               <a:rPr lang="en-US" dirty="0"/>
-              <a:t>SourceTree</a:t>
+              <a:t>The Command Line</a:t>
             </a:r>
           </a:p>
         </p:txBody>
@@ -13297,7 +13255,7 @@
           <p:cNvPr id="4" name="Content Placeholder 3">
             <a:extLst>
               <a:ext uri="{FF2B5EF4-FFF2-40B4-BE49-F238E27FC236}">
-                <a16:creationId xmlns:a16="http://schemas.microsoft.com/office/drawing/2014/main" id="{170692BA-4A52-45A4-AD54-BDE3EB083DF2}"/>
+                <a16:creationId xmlns:a16="http://schemas.microsoft.com/office/drawing/2014/main" id="{58CD5727-155C-4842-B31F-01A46BD28679}"/>
               </a:ext>
             </a:extLst>
           </p:cNvPr>
@@ -13316,8 +13274,8 @@
         </p:blipFill>
         <p:spPr>
           <a:xfrm>
-            <a:off x="2228144" y="1825625"/>
-            <a:ext cx="7735711" cy="4351338"/>
+            <a:off x="2032713" y="1881069"/>
+            <a:ext cx="8126574" cy="4240449"/>
           </a:xfrm>
           <a:prstGeom prst="rect">
             <a:avLst/>
@@ -13327,7 +13285,7 @@
     </p:spTree>
     <p:extLst>
       <p:ext uri="{BB962C8B-B14F-4D97-AF65-F5344CB8AC3E}">
-        <p14:creationId xmlns:p14="http://schemas.microsoft.com/office/powerpoint/2010/main" val="932627191"/>
+        <p14:creationId xmlns:p14="http://schemas.microsoft.com/office/powerpoint/2010/main" val="1978598311"/>
       </p:ext>
     </p:extLst>
   </p:cSld>
@@ -13359,7 +13317,7 @@
           <p:cNvPr id="2" name="Title 1">
             <a:extLst>
               <a:ext uri="{FF2B5EF4-FFF2-40B4-BE49-F238E27FC236}">
-                <a16:creationId xmlns:a16="http://schemas.microsoft.com/office/drawing/2014/main" id="{47F9B615-73A8-454F-BA70-483057F276EF}"/>
+                <a16:creationId xmlns:a16="http://schemas.microsoft.com/office/drawing/2014/main" id="{6F065B9B-DF9F-4EE1-A34B-B214540B13E1}"/>
               </a:ext>
             </a:extLst>
           </p:cNvPr>
@@ -13377,7 +13335,7 @@
           <a:p>
             <a:r>
               <a:rPr lang="en-US" dirty="0"/>
-              <a:t>SourceTree</a:t>
+              <a:t>The Command Line</a:t>
             </a:r>
           </a:p>
         </p:txBody>
@@ -13387,7 +13345,7 @@
           <p:cNvPr id="3" name="Content Placeholder 2">
             <a:extLst>
               <a:ext uri="{FF2B5EF4-FFF2-40B4-BE49-F238E27FC236}">
-                <a16:creationId xmlns:a16="http://schemas.microsoft.com/office/drawing/2014/main" id="{FFC99A81-2CCC-44FA-A25B-613AAA5F0C11}"/>
+                <a16:creationId xmlns:a16="http://schemas.microsoft.com/office/drawing/2014/main" id="{C45A14B0-644B-4112-AA76-B2906EAB6FFB}"/>
               </a:ext>
             </a:extLst>
           </p:cNvPr>
@@ -13412,21 +13370,21 @@
             <a:pPr lvl="1"/>
             <a:r>
               <a:rPr lang="en-US" dirty="0"/>
-              <a:t>Common UI</a:t>
+              <a:t>Ubiquitous</a:t>
             </a:r>
           </a:p>
           <a:p>
             <a:pPr lvl="1"/>
             <a:r>
               <a:rPr lang="en-US" dirty="0"/>
-              <a:t>Easy to use</a:t>
+              <a:t>Easy to find solutions, answers, hints</a:t>
             </a:r>
           </a:p>
           <a:p>
             <a:pPr lvl="1"/>
             <a:r>
               <a:rPr lang="en-US" dirty="0"/>
-              <a:t>Multi-Platform</a:t>
+              <a:t>It’s always there</a:t>
             </a:r>
           </a:p>
           <a:p>
@@ -13439,18 +13397,14 @@
             <a:pPr lvl="1"/>
             <a:r>
               <a:rPr lang="en-US" dirty="0"/>
-              <a:t>Seems to update a LOT – this can be a pain</a:t>
+              <a:t>It’s the command line.</a:t>
             </a:r>
           </a:p>
           <a:p>
             <a:pPr lvl="1"/>
             <a:r>
               <a:rPr lang="en-US" dirty="0"/>
-              <a:t>Owned by Atlassian, requires </a:t>
-            </a:r>
-            <a:r>
-              <a:rPr lang="en-US"/>
-              <a:t>an account</a:t>
+              <a:t>Seriously though… it’s the command line.</a:t>
             </a:r>
           </a:p>
         </p:txBody>
@@ -13458,7 +13412,7 @@
     </p:spTree>
     <p:extLst>
       <p:ext uri="{BB962C8B-B14F-4D97-AF65-F5344CB8AC3E}">
-        <p14:creationId xmlns:p14="http://schemas.microsoft.com/office/powerpoint/2010/main" val="105811851"/>
+        <p14:creationId xmlns:p14="http://schemas.microsoft.com/office/powerpoint/2010/main" val="2403642711"/>
       </p:ext>
     </p:extLst>
   </p:cSld>
@@ -13490,6 +13444,227 @@
           <p:cNvPr id="2" name="Title 1">
             <a:extLst>
               <a:ext uri="{FF2B5EF4-FFF2-40B4-BE49-F238E27FC236}">
+                <a16:creationId xmlns:a16="http://schemas.microsoft.com/office/drawing/2014/main" id="{52B9E538-2607-48E8-89B9-7E324991C43E}"/>
+              </a:ext>
+            </a:extLst>
+          </p:cNvPr>
+          <p:cNvSpPr>
+            <a:spLocks noGrp="1"/>
+          </p:cNvSpPr>
+          <p:nvPr>
+            <p:ph type="title"/>
+          </p:nvPr>
+        </p:nvSpPr>
+        <p:spPr/>
+        <p:txBody>
+          <a:bodyPr/>
+          <a:lstStyle/>
+          <a:p>
+            <a:r>
+              <a:rPr lang="en-US" dirty="0"/>
+              <a:t>SourceTree</a:t>
+            </a:r>
+          </a:p>
+        </p:txBody>
+      </p:sp>
+      <p:pic>
+        <p:nvPicPr>
+          <p:cNvPr id="4" name="Content Placeholder 3">
+            <a:extLst>
+              <a:ext uri="{FF2B5EF4-FFF2-40B4-BE49-F238E27FC236}">
+                <a16:creationId xmlns:a16="http://schemas.microsoft.com/office/drawing/2014/main" id="{170692BA-4A52-45A4-AD54-BDE3EB083DF2}"/>
+              </a:ext>
+            </a:extLst>
+          </p:cNvPr>
+          <p:cNvPicPr>
+            <a:picLocks noGrp="1" noChangeAspect="1"/>
+          </p:cNvPicPr>
+          <p:nvPr>
+            <p:ph idx="1"/>
+          </p:nvPr>
+        </p:nvPicPr>
+        <p:blipFill>
+          <a:blip r:embed="rId2"/>
+          <a:stretch>
+            <a:fillRect/>
+          </a:stretch>
+        </p:blipFill>
+        <p:spPr>
+          <a:xfrm>
+            <a:off x="2228144" y="1825625"/>
+            <a:ext cx="7735711" cy="4351338"/>
+          </a:xfrm>
+          <a:prstGeom prst="rect">
+            <a:avLst/>
+          </a:prstGeom>
+        </p:spPr>
+      </p:pic>
+    </p:spTree>
+    <p:extLst>
+      <p:ext uri="{BB962C8B-B14F-4D97-AF65-F5344CB8AC3E}">
+        <p14:creationId xmlns:p14="http://schemas.microsoft.com/office/powerpoint/2010/main" val="932627191"/>
+      </p:ext>
+    </p:extLst>
+  </p:cSld>
+  <p:clrMapOvr>
+    <a:masterClrMapping/>
+  </p:clrMapOvr>
+</p:sld>
+</file>
+
+<file path=ppt/slides/slide36.xml><?xml version="1.0" encoding="utf-8"?>
+<p:sld xmlns:a="http://schemas.openxmlformats.org/drawingml/2006/main" xmlns:r="http://schemas.openxmlformats.org/officeDocument/2006/relationships" xmlns:p="http://schemas.openxmlformats.org/presentationml/2006/main">
+  <p:cSld>
+    <p:spTree>
+      <p:nvGrpSpPr>
+        <p:cNvPr id="1" name=""/>
+        <p:cNvGrpSpPr/>
+        <p:nvPr/>
+      </p:nvGrpSpPr>
+      <p:grpSpPr>
+        <a:xfrm>
+          <a:off x="0" y="0"/>
+          <a:ext cx="0" cy="0"/>
+          <a:chOff x="0" y="0"/>
+          <a:chExt cx="0" cy="0"/>
+        </a:xfrm>
+      </p:grpSpPr>
+      <p:sp>
+        <p:nvSpPr>
+          <p:cNvPr id="2" name="Title 1">
+            <a:extLst>
+              <a:ext uri="{FF2B5EF4-FFF2-40B4-BE49-F238E27FC236}">
+                <a16:creationId xmlns:a16="http://schemas.microsoft.com/office/drawing/2014/main" id="{47F9B615-73A8-454F-BA70-483057F276EF}"/>
+              </a:ext>
+            </a:extLst>
+          </p:cNvPr>
+          <p:cNvSpPr>
+            <a:spLocks noGrp="1"/>
+          </p:cNvSpPr>
+          <p:nvPr>
+            <p:ph type="title"/>
+          </p:nvPr>
+        </p:nvSpPr>
+        <p:spPr/>
+        <p:txBody>
+          <a:bodyPr/>
+          <a:lstStyle/>
+          <a:p>
+            <a:r>
+              <a:rPr lang="en-US" dirty="0"/>
+              <a:t>SourceTree</a:t>
+            </a:r>
+          </a:p>
+        </p:txBody>
+      </p:sp>
+      <p:sp>
+        <p:nvSpPr>
+          <p:cNvPr id="3" name="Content Placeholder 2">
+            <a:extLst>
+              <a:ext uri="{FF2B5EF4-FFF2-40B4-BE49-F238E27FC236}">
+                <a16:creationId xmlns:a16="http://schemas.microsoft.com/office/drawing/2014/main" id="{FFC99A81-2CCC-44FA-A25B-613AAA5F0C11}"/>
+              </a:ext>
+            </a:extLst>
+          </p:cNvPr>
+          <p:cNvSpPr>
+            <a:spLocks noGrp="1"/>
+          </p:cNvSpPr>
+          <p:nvPr>
+            <p:ph idx="1"/>
+          </p:nvPr>
+        </p:nvSpPr>
+        <p:spPr/>
+        <p:txBody>
+          <a:bodyPr/>
+          <a:lstStyle/>
+          <a:p>
+            <a:r>
+              <a:rPr lang="en-US" dirty="0"/>
+              <a:t>Advantages</a:t>
+            </a:r>
+          </a:p>
+          <a:p>
+            <a:pPr lvl="1"/>
+            <a:r>
+              <a:rPr lang="en-US" dirty="0"/>
+              <a:t>Common UI</a:t>
+            </a:r>
+          </a:p>
+          <a:p>
+            <a:pPr lvl="1"/>
+            <a:r>
+              <a:rPr lang="en-US" dirty="0"/>
+              <a:t>Easy to use</a:t>
+            </a:r>
+          </a:p>
+          <a:p>
+            <a:pPr lvl="1"/>
+            <a:r>
+              <a:rPr lang="en-US" dirty="0"/>
+              <a:t>Multi-Platform</a:t>
+            </a:r>
+          </a:p>
+          <a:p>
+            <a:r>
+              <a:rPr lang="en-US" dirty="0"/>
+              <a:t>Disadvantages</a:t>
+            </a:r>
+          </a:p>
+          <a:p>
+            <a:pPr lvl="1"/>
+            <a:r>
+              <a:rPr lang="en-US" dirty="0"/>
+              <a:t>Seems to update a LOT – this can be a pain</a:t>
+            </a:r>
+          </a:p>
+          <a:p>
+            <a:pPr lvl="1"/>
+            <a:r>
+              <a:rPr lang="en-US" dirty="0"/>
+              <a:t>Owned by Atlassian, requires </a:t>
+            </a:r>
+            <a:r>
+              <a:rPr lang="en-US"/>
+              <a:t>an account</a:t>
+            </a:r>
+          </a:p>
+        </p:txBody>
+      </p:sp>
+    </p:spTree>
+    <p:extLst>
+      <p:ext uri="{BB962C8B-B14F-4D97-AF65-F5344CB8AC3E}">
+        <p14:creationId xmlns:p14="http://schemas.microsoft.com/office/powerpoint/2010/main" val="105811851"/>
+      </p:ext>
+    </p:extLst>
+  </p:cSld>
+  <p:clrMapOvr>
+    <a:masterClrMapping/>
+  </p:clrMapOvr>
+</p:sld>
+</file>
+
+<file path=ppt/slides/slide37.xml><?xml version="1.0" encoding="utf-8"?>
+<p:sld xmlns:a="http://schemas.openxmlformats.org/drawingml/2006/main" xmlns:r="http://schemas.openxmlformats.org/officeDocument/2006/relationships" xmlns:p="http://schemas.openxmlformats.org/presentationml/2006/main">
+  <p:cSld>
+    <p:spTree>
+      <p:nvGrpSpPr>
+        <p:cNvPr id="1" name=""/>
+        <p:cNvGrpSpPr/>
+        <p:nvPr/>
+      </p:nvGrpSpPr>
+      <p:grpSpPr>
+        <a:xfrm>
+          <a:off x="0" y="0"/>
+          <a:ext cx="0" cy="0"/>
+          <a:chOff x="0" y="0"/>
+          <a:chExt cx="0" cy="0"/>
+        </a:xfrm>
+      </p:grpSpPr>
+      <p:sp>
+        <p:nvSpPr>
+          <p:cNvPr id="2" name="Title 1">
+            <a:extLst>
+              <a:ext uri="{FF2B5EF4-FFF2-40B4-BE49-F238E27FC236}">
                 <a16:creationId xmlns:a16="http://schemas.microsoft.com/office/drawing/2014/main" id="{BF5778DD-3C07-454D-981B-E4BE4CA84837}"/>
               </a:ext>
             </a:extLst>
@@ -13605,7 +13780,7 @@
 </p:sld>
 </file>
 
-<file path=ppt/slides/slide36.xml><?xml version="1.0" encoding="utf-8"?>
+<file path=ppt/slides/slide38.xml><?xml version="1.0" encoding="utf-8"?>
 <p:sld xmlns:a="http://schemas.openxmlformats.org/drawingml/2006/main" xmlns:r="http://schemas.openxmlformats.org/officeDocument/2006/relationships" xmlns:p="http://schemas.openxmlformats.org/presentationml/2006/main">
   <p:cSld>
     <p:spTree>
@@ -14329,7 +14504,7 @@
           <p:cNvPr id="2" name="Title 1">
             <a:extLst>
               <a:ext uri="{FF2B5EF4-FFF2-40B4-BE49-F238E27FC236}">
-                <a16:creationId xmlns:a16="http://schemas.microsoft.com/office/drawing/2014/main" id="{67F46049-50F4-43A1-A76E-4694D3D0BFBD}"/>
+                <a16:creationId xmlns:a16="http://schemas.microsoft.com/office/drawing/2014/main" id="{D46A2450-FB96-477B-A567-430871864802}"/>
               </a:ext>
             </a:extLst>
           </p:cNvPr>
@@ -14345,19 +14520,16 @@
           <a:bodyPr/>
           <a:lstStyle/>
           <a:p>
-            <a:r>
-              <a:rPr lang="en-US" dirty="0"/>
-              <a:t>Branching</a:t>
-            </a:r>
+            <a:endParaRPr lang="en-US"/>
           </a:p>
         </p:txBody>
       </p:sp>
       <p:pic>
         <p:nvPicPr>
-          <p:cNvPr id="5" name="Content Placeholder 4">
+          <p:cNvPr id="5" name="Content Placeholder 4" descr="A giraffe standing in a field&#10;&#10;Description automatically generated">
             <a:extLst>
               <a:ext uri="{FF2B5EF4-FFF2-40B4-BE49-F238E27FC236}">
-                <a16:creationId xmlns:a16="http://schemas.microsoft.com/office/drawing/2014/main" id="{0A755846-A235-48DD-8239-194A89C787FF}"/>
+                <a16:creationId xmlns:a16="http://schemas.microsoft.com/office/drawing/2014/main" id="{A2D38F4B-3DBC-4AC7-A40E-50FCEEA747F7}"/>
               </a:ext>
             </a:extLst>
           </p:cNvPr>
@@ -14373,9 +14545,6 @@
             <a:extLst>
               <a:ext uri="{28A0092B-C50C-407E-A947-70E740481C1C}">
                 <a14:useLocalDpi xmlns:a14="http://schemas.microsoft.com/office/drawing/2010/main" val="0"/>
-              </a:ext>
-              <a:ext uri="{96DAC541-7B7A-43D3-8B79-37D633B846F1}">
-                <asvg:svgBlip xmlns:asvg="http://schemas.microsoft.com/office/drawing/2016/SVG/main" r:embed="rId3"/>
               </a:ext>
             </a:extLst>
           </a:blip>
@@ -14385,15 +14554,15 @@
         </p:blipFill>
         <p:spPr>
           <a:xfrm>
-            <a:off x="2295705" y="1825625"/>
-            <a:ext cx="7600590" cy="4351338"/>
+            <a:off x="1714500" y="1547654"/>
+            <a:ext cx="8782050" cy="4917948"/>
           </a:xfrm>
         </p:spPr>
       </p:pic>
     </p:spTree>
     <p:extLst>
       <p:ext uri="{BB962C8B-B14F-4D97-AF65-F5344CB8AC3E}">
-        <p14:creationId xmlns:p14="http://schemas.microsoft.com/office/powerpoint/2010/main" val="3394842086"/>
+        <p14:creationId xmlns:p14="http://schemas.microsoft.com/office/powerpoint/2010/main" val="2820151260"/>
       </p:ext>
     </p:extLst>
   </p:cSld>

--- a/Slides/Git for the Normal Developer.pptx
+++ b/Slides/Git for the Normal Developer.pptx
@@ -1090,7 +1090,7 @@
           <a:noFill/>
           <a:extLst>
             <a:ext uri="{909E8E84-426E-40dd-AFC4-6F175D3DCCD1}">
-              <a14:hiddenFill xmlns="" xmlns:a14="http://schemas.microsoft.com/office/drawing/2010/main">
+              <a14:hiddenFill xmlns:a14="http://schemas.microsoft.com/office/drawing/2010/main" xmlns="">
                 <a:solidFill>
                   <a:srgbClr val="FFFFFF"/>
                 </a:solidFill>
@@ -1306,7 +1306,7 @@
           <a:noFill/>
           <a:extLst>
             <a:ext uri="{909E8E84-426E-40dd-AFC4-6F175D3DCCD1}">
-              <a14:hiddenFill xmlns="" xmlns:a14="http://schemas.microsoft.com/office/drawing/2010/main">
+              <a14:hiddenFill xmlns:a14="http://schemas.microsoft.com/office/drawing/2010/main" xmlns="">
                 <a:solidFill>
                   <a:srgbClr val="FFFFFF"/>
                 </a:solidFill>
@@ -1345,7 +1345,7 @@
           <a:noFill/>
           <a:extLst>
             <a:ext uri="{909E8E84-426E-40dd-AFC4-6F175D3DCCD1}">
-              <a14:hiddenFill xmlns="" xmlns:a14="http://schemas.microsoft.com/office/drawing/2010/main">
+              <a14:hiddenFill xmlns:a14="http://schemas.microsoft.com/office/drawing/2010/main" xmlns="">
                 <a:solidFill>
                   <a:srgbClr val="FFFFFF"/>
                 </a:solidFill>
@@ -1531,7 +1531,7 @@
           <a:noFill/>
           <a:extLst>
             <a:ext uri="{909E8E84-426E-40dd-AFC4-6F175D3DCCD1}">
-              <a14:hiddenFill xmlns="" xmlns:a14="http://schemas.microsoft.com/office/drawing/2010/main">
+              <a14:hiddenFill xmlns:a14="http://schemas.microsoft.com/office/drawing/2010/main" xmlns="">
                 <a:solidFill>
                   <a:srgbClr val="FFFFFF"/>
                 </a:solidFill>
@@ -1747,7 +1747,7 @@
           <a:noFill/>
           <a:extLst>
             <a:ext uri="{909E8E84-426E-40dd-AFC4-6F175D3DCCD1}">
-              <a14:hiddenFill xmlns="" xmlns:a14="http://schemas.microsoft.com/office/drawing/2010/main">
+              <a14:hiddenFill xmlns:a14="http://schemas.microsoft.com/office/drawing/2010/main" xmlns="">
                 <a:solidFill>
                   <a:srgbClr val="FFFFFF"/>
                 </a:solidFill>
@@ -1795,7 +1795,7 @@
           <a:noFill/>
           <a:extLst>
             <a:ext uri="{909E8E84-426E-40dd-AFC4-6F175D3DCCD1}">
-              <a14:hiddenFill xmlns="" xmlns:a14="http://schemas.microsoft.com/office/drawing/2010/main">
+              <a14:hiddenFill xmlns:a14="http://schemas.microsoft.com/office/drawing/2010/main" xmlns="">
                 <a:solidFill>
                   <a:srgbClr val="FFFFFF"/>
                 </a:solidFill>
@@ -1981,7 +1981,7 @@
           <a:noFill/>
           <a:extLst>
             <a:ext uri="{909E8E84-426E-40dd-AFC4-6F175D3DCCD1}">
-              <a14:hiddenFill xmlns="" xmlns:a14="http://schemas.microsoft.com/office/drawing/2010/main">
+              <a14:hiddenFill xmlns:a14="http://schemas.microsoft.com/office/drawing/2010/main" xmlns="">
                 <a:solidFill>
                   <a:srgbClr val="FFFFFF"/>
                 </a:solidFill>
@@ -2196,7 +2196,7 @@
           <a:noFill/>
           <a:extLst>
             <a:ext uri="{909E8E84-426E-40dd-AFC4-6F175D3DCCD1}">
-              <a14:hiddenFill xmlns="" xmlns:a14="http://schemas.microsoft.com/office/drawing/2010/main">
+              <a14:hiddenFill xmlns:a14="http://schemas.microsoft.com/office/drawing/2010/main" xmlns="">
                 <a:solidFill>
                   <a:srgbClr val="FFFFFF"/>
                 </a:solidFill>
@@ -2412,7 +2412,7 @@
           <a:noFill/>
           <a:extLst>
             <a:ext uri="{909E8E84-426E-40dd-AFC4-6F175D3DCCD1}">
-              <a14:hiddenFill xmlns="" xmlns:a14="http://schemas.microsoft.com/office/drawing/2010/main">
+              <a14:hiddenFill xmlns:a14="http://schemas.microsoft.com/office/drawing/2010/main" xmlns="">
                 <a:solidFill>
                   <a:srgbClr val="FFFFFF"/>
                 </a:solidFill>
@@ -2627,7 +2627,7 @@
           <a:noFill/>
           <a:extLst>
             <a:ext uri="{909E8E84-426E-40dd-AFC4-6F175D3DCCD1}">
-              <a14:hiddenFill xmlns="" xmlns:a14="http://schemas.microsoft.com/office/drawing/2010/main">
+              <a14:hiddenFill xmlns:a14="http://schemas.microsoft.com/office/drawing/2010/main" xmlns="">
                 <a:solidFill>
                   <a:srgbClr val="FFFFFF"/>
                 </a:solidFill>
@@ -2843,7 +2843,7 @@
           <a:noFill/>
           <a:extLst>
             <a:ext uri="{909E8E84-426E-40dd-AFC4-6F175D3DCCD1}">
-              <a14:hiddenFill xmlns="" xmlns:a14="http://schemas.microsoft.com/office/drawing/2010/main">
+              <a14:hiddenFill xmlns:a14="http://schemas.microsoft.com/office/drawing/2010/main" xmlns="">
                 <a:solidFill>
                   <a:srgbClr val="FFFFFF"/>
                 </a:solidFill>
@@ -3206,7 +3206,7 @@
           <a:noFill/>
           <a:extLst>
             <a:ext uri="{909E8E84-426E-40dd-AFC4-6F175D3DCCD1}">
-              <a14:hiddenFill xmlns="" xmlns:a14="http://schemas.microsoft.com/office/drawing/2010/main">
+              <a14:hiddenFill xmlns:a14="http://schemas.microsoft.com/office/drawing/2010/main" xmlns="">
                 <a:solidFill>
                   <a:srgbClr val="FFFFFF"/>
                 </a:solidFill>
@@ -3245,7 +3245,7 @@
           <a:noFill/>
           <a:extLst>
             <a:ext uri="{909E8E84-426E-40dd-AFC4-6F175D3DCCD1}">
-              <a14:hiddenFill xmlns="" xmlns:a14="http://schemas.microsoft.com/office/drawing/2010/main">
+              <a14:hiddenFill xmlns:a14="http://schemas.microsoft.com/office/drawing/2010/main" xmlns="">
                 <a:solidFill>
                   <a:srgbClr val="FFFFFF"/>
                 </a:solidFill>
@@ -3284,7 +3284,7 @@
           <a:noFill/>
           <a:extLst>
             <a:ext uri="{909E8E84-426E-40dd-AFC4-6F175D3DCCD1}">
-              <a14:hiddenFill xmlns="" xmlns:a14="http://schemas.microsoft.com/office/drawing/2010/main">
+              <a14:hiddenFill xmlns:a14="http://schemas.microsoft.com/office/drawing/2010/main" xmlns="">
                 <a:solidFill>
                   <a:srgbClr val="FFFFFF"/>
                 </a:solidFill>
@@ -3470,7 +3470,7 @@
           <a:noFill/>
           <a:extLst>
             <a:ext uri="{909E8E84-426E-40dd-AFC4-6F175D3DCCD1}">
-              <a14:hiddenFill xmlns="" xmlns:a14="http://schemas.microsoft.com/office/drawing/2010/main">
+              <a14:hiddenFill xmlns:a14="http://schemas.microsoft.com/office/drawing/2010/main" xmlns="">
                 <a:solidFill>
                   <a:srgbClr val="FFFFFF"/>
                 </a:solidFill>
@@ -3627,7 +3627,7 @@
           <a:noFill/>
           <a:extLst>
             <a:ext uri="{909E8E84-426E-40dd-AFC4-6F175D3DCCD1}">
-              <a14:hiddenFill xmlns="" xmlns:a14="http://schemas.microsoft.com/office/drawing/2010/main">
+              <a14:hiddenFill xmlns:a14="http://schemas.microsoft.com/office/drawing/2010/main" xmlns="">
                 <a:solidFill>
                   <a:srgbClr val="FFFFFF"/>
                 </a:solidFill>
@@ -3704,7 +3704,7 @@
           <a:noFill/>
           <a:extLst>
             <a:ext uri="{909E8E84-426E-40dd-AFC4-6F175D3DCCD1}">
-              <a14:hiddenFill xmlns="" xmlns:a14="http://schemas.microsoft.com/office/drawing/2010/main">
+              <a14:hiddenFill xmlns:a14="http://schemas.microsoft.com/office/drawing/2010/main" xmlns="">
                 <a:solidFill>
                   <a:srgbClr val="FFFFFF"/>
                 </a:solidFill>
@@ -3743,7 +3743,7 @@
           <a:noFill/>
           <a:extLst>
             <a:ext uri="{909E8E84-426E-40dd-AFC4-6F175D3DCCD1}">
-              <a14:hiddenFill xmlns="" xmlns:a14="http://schemas.microsoft.com/office/drawing/2010/main">
+              <a14:hiddenFill xmlns:a14="http://schemas.microsoft.com/office/drawing/2010/main" xmlns="">
                 <a:solidFill>
                   <a:srgbClr val="FFFFFF"/>
                 </a:solidFill>
@@ -3929,7 +3929,7 @@
           <a:noFill/>
           <a:extLst>
             <a:ext uri="{909E8E84-426E-40dd-AFC4-6F175D3DCCD1}">
-              <a14:hiddenFill xmlns="" xmlns:a14="http://schemas.microsoft.com/office/drawing/2010/main">
+              <a14:hiddenFill xmlns:a14="http://schemas.microsoft.com/office/drawing/2010/main" xmlns="">
                 <a:solidFill>
                   <a:srgbClr val="FFFFFF"/>
                 </a:solidFill>
@@ -4144,7 +4144,7 @@
           <a:noFill/>
           <a:extLst>
             <a:ext uri="{909E8E84-426E-40dd-AFC4-6F175D3DCCD1}">
-              <a14:hiddenFill xmlns="" xmlns:a14="http://schemas.microsoft.com/office/drawing/2010/main">
+              <a14:hiddenFill xmlns:a14="http://schemas.microsoft.com/office/drawing/2010/main" xmlns="">
                 <a:solidFill>
                   <a:srgbClr val="FFFFFF"/>
                 </a:solidFill>
@@ -4294,7 +4294,7 @@
           <a:noFill/>
           <a:extLst>
             <a:ext uri="{909E8E84-426E-40dd-AFC4-6F175D3DCCD1}">
-              <a14:hiddenFill xmlns="" xmlns:a14="http://schemas.microsoft.com/office/drawing/2010/main">
+              <a14:hiddenFill xmlns:a14="http://schemas.microsoft.com/office/drawing/2010/main" xmlns="">
                 <a:solidFill>
                   <a:srgbClr val="FFFFFF"/>
                 </a:solidFill>
@@ -4371,7 +4371,7 @@
           <a:noFill/>
           <a:extLst>
             <a:ext uri="{909E8E84-426E-40dd-AFC4-6F175D3DCCD1}">
-              <a14:hiddenFill xmlns="" xmlns:a14="http://schemas.microsoft.com/office/drawing/2010/main">
+              <a14:hiddenFill xmlns:a14="http://schemas.microsoft.com/office/drawing/2010/main" xmlns="">
                 <a:solidFill>
                   <a:srgbClr val="FFFFFF"/>
                 </a:solidFill>
@@ -4587,7 +4587,7 @@
           <a:noFill/>
           <a:extLst>
             <a:ext uri="{909E8E84-426E-40dd-AFC4-6F175D3DCCD1}">
-              <a14:hiddenFill xmlns="" xmlns:a14="http://schemas.microsoft.com/office/drawing/2010/main">
+              <a14:hiddenFill xmlns:a14="http://schemas.microsoft.com/office/drawing/2010/main" xmlns="">
                 <a:solidFill>
                   <a:srgbClr val="FFFFFF"/>
                 </a:solidFill>
@@ -4737,7 +4737,7 @@
           <a:noFill/>
           <a:extLst>
             <a:ext uri="{909E8E84-426E-40dd-AFC4-6F175D3DCCD1}">
-              <a14:hiddenFill xmlns="" xmlns:a14="http://schemas.microsoft.com/office/drawing/2010/main">
+              <a14:hiddenFill xmlns:a14="http://schemas.microsoft.com/office/drawing/2010/main" xmlns="">
                 <a:solidFill>
                   <a:srgbClr val="FFFFFF"/>
                 </a:solidFill>
@@ -4814,7 +4814,7 @@
           <a:noFill/>
           <a:extLst>
             <a:ext uri="{909E8E84-426E-40dd-AFC4-6F175D3DCCD1}">
-              <a14:hiddenFill xmlns="" xmlns:a14="http://schemas.microsoft.com/office/drawing/2010/main">
+              <a14:hiddenFill xmlns:a14="http://schemas.microsoft.com/office/drawing/2010/main" xmlns="">
                 <a:solidFill>
                   <a:srgbClr val="FFFFFF"/>
                 </a:solidFill>
@@ -4961,7 +4961,7 @@
           <a:noFill/>
           <a:extLst>
             <a:ext uri="{909E8E84-426E-40dd-AFC4-6F175D3DCCD1}">
-              <a14:hiddenFill xmlns="" xmlns:a14="http://schemas.microsoft.com/office/drawing/2010/main">
+              <a14:hiddenFill xmlns:a14="http://schemas.microsoft.com/office/drawing/2010/main" xmlns="">
                 <a:solidFill>
                   <a:srgbClr val="FFFFFF"/>
                 </a:solidFill>
@@ -14292,7 +14292,9 @@
         </p:nvSpPr>
         <p:spPr/>
         <p:txBody>
-          <a:bodyPr/>
+          <a:bodyPr>
+            <a:normAutofit lnSpcReduction="10000"/>
+          </a:bodyPr>
           <a:lstStyle/>
           <a:p>
             <a:r>
@@ -14332,6 +14334,31 @@
               <a:rPr lang="en-US" dirty="0"/>
               <a:t>If you do a push and a pull, you have synced the repositories.</a:t>
             </a:r>
+          </a:p>
+          <a:p>
+            <a:r>
+              <a:rPr lang="en-US" dirty="0"/>
+              <a:t>Pull Request</a:t>
+            </a:r>
+          </a:p>
+          <a:p>
+            <a:pPr lvl="1"/>
+            <a:r>
+              <a:rPr lang="en-US" dirty="0"/>
+              <a:t>A request to take a forked branch and merge it back to an upstream branch. For instance, merging a feature branch into master.</a:t>
+            </a:r>
+          </a:p>
+          <a:p>
+            <a:pPr lvl="1"/>
+            <a:r>
+              <a:rPr lang="en-US" dirty="0"/>
+              <a:t>This provides a chance for others to review the code, make comments, and revise the code before it </a:t>
+            </a:r>
+            <a:r>
+              <a:rPr lang="en-US"/>
+              <a:t>is merged.</a:t>
+            </a:r>
+            <a:endParaRPr lang="en-US" dirty="0"/>
           </a:p>
           <a:p>
             <a:endParaRPr lang="en-US" dirty="0"/>

--- a/Slides/Git for the Normal Developer.pptx
+++ b/Slides/Git for the Normal Developer.pptx
@@ -5,47 +5,49 @@
     <p:sldMasterId id="2147483648" r:id="rId1"/>
   </p:sldMasterIdLst>
   <p:notesMasterIdLst>
-    <p:notesMasterId r:id="rId40"/>
+    <p:notesMasterId r:id="rId42"/>
   </p:notesMasterIdLst>
   <p:sldIdLst>
     <p:sldId id="425" r:id="rId2"/>
     <p:sldId id="427" r:id="rId3"/>
     <p:sldId id="428" r:id="rId4"/>
     <p:sldId id="436" r:id="rId5"/>
-    <p:sldId id="441" r:id="rId6"/>
-    <p:sldId id="454" r:id="rId7"/>
-    <p:sldId id="455" r:id="rId8"/>
-    <p:sldId id="456" r:id="rId9"/>
-    <p:sldId id="461" r:id="rId10"/>
-    <p:sldId id="457" r:id="rId11"/>
-    <p:sldId id="458" r:id="rId12"/>
-    <p:sldId id="459" r:id="rId13"/>
-    <p:sldId id="460" r:id="rId14"/>
-    <p:sldId id="437" r:id="rId15"/>
-    <p:sldId id="438" r:id="rId16"/>
-    <p:sldId id="439" r:id="rId17"/>
-    <p:sldId id="440" r:id="rId18"/>
-    <p:sldId id="442" r:id="rId19"/>
-    <p:sldId id="443" r:id="rId20"/>
-    <p:sldId id="444" r:id="rId21"/>
-    <p:sldId id="445" r:id="rId22"/>
-    <p:sldId id="462" r:id="rId23"/>
-    <p:sldId id="435" r:id="rId24"/>
-    <p:sldId id="429" r:id="rId25"/>
-    <p:sldId id="430" r:id="rId26"/>
-    <p:sldId id="431" r:id="rId27"/>
-    <p:sldId id="432" r:id="rId28"/>
-    <p:sldId id="434" r:id="rId29"/>
-    <p:sldId id="446" r:id="rId30"/>
-    <p:sldId id="452" r:id="rId31"/>
-    <p:sldId id="453" r:id="rId32"/>
-    <p:sldId id="447" r:id="rId33"/>
-    <p:sldId id="448" r:id="rId34"/>
-    <p:sldId id="449" r:id="rId35"/>
-    <p:sldId id="450" r:id="rId36"/>
-    <p:sldId id="451" r:id="rId37"/>
-    <p:sldId id="433" r:id="rId38"/>
-    <p:sldId id="423" r:id="rId39"/>
+    <p:sldId id="463" r:id="rId6"/>
+    <p:sldId id="441" r:id="rId7"/>
+    <p:sldId id="454" r:id="rId8"/>
+    <p:sldId id="455" r:id="rId9"/>
+    <p:sldId id="456" r:id="rId10"/>
+    <p:sldId id="461" r:id="rId11"/>
+    <p:sldId id="457" r:id="rId12"/>
+    <p:sldId id="458" r:id="rId13"/>
+    <p:sldId id="459" r:id="rId14"/>
+    <p:sldId id="460" r:id="rId15"/>
+    <p:sldId id="437" r:id="rId16"/>
+    <p:sldId id="438" r:id="rId17"/>
+    <p:sldId id="439" r:id="rId18"/>
+    <p:sldId id="440" r:id="rId19"/>
+    <p:sldId id="442" r:id="rId20"/>
+    <p:sldId id="443" r:id="rId21"/>
+    <p:sldId id="444" r:id="rId22"/>
+    <p:sldId id="445" r:id="rId23"/>
+    <p:sldId id="462" r:id="rId24"/>
+    <p:sldId id="435" r:id="rId25"/>
+    <p:sldId id="429" r:id="rId26"/>
+    <p:sldId id="430" r:id="rId27"/>
+    <p:sldId id="431" r:id="rId28"/>
+    <p:sldId id="432" r:id="rId29"/>
+    <p:sldId id="434" r:id="rId30"/>
+    <p:sldId id="446" r:id="rId31"/>
+    <p:sldId id="452" r:id="rId32"/>
+    <p:sldId id="453" r:id="rId33"/>
+    <p:sldId id="447" r:id="rId34"/>
+    <p:sldId id="448" r:id="rId35"/>
+    <p:sldId id="449" r:id="rId36"/>
+    <p:sldId id="450" r:id="rId37"/>
+    <p:sldId id="451" r:id="rId38"/>
+    <p:sldId id="464" r:id="rId39"/>
+    <p:sldId id="433" r:id="rId40"/>
+    <p:sldId id="423" r:id="rId41"/>
   </p:sldIdLst>
   <p:sldSz cx="12192000" cy="6858000"/>
   <p:notesSz cx="6858000" cy="9144000"/>
@@ -153,6 +155,7 @@
             <p14:sldId id="427"/>
             <p14:sldId id="428"/>
             <p14:sldId id="436"/>
+            <p14:sldId id="463"/>
             <p14:sldId id="441"/>
             <p14:sldId id="454"/>
             <p14:sldId id="455"/>
@@ -185,6 +188,7 @@
             <p14:sldId id="449"/>
             <p14:sldId id="450"/>
             <p14:sldId id="451"/>
+            <p14:sldId id="464"/>
             <p14:sldId id="433"/>
             <p14:sldId id="423"/>
           </p14:sldIdLst>
@@ -1090,7 +1094,7 @@
           <a:noFill/>
           <a:extLst>
             <a:ext uri="{909E8E84-426E-40dd-AFC4-6F175D3DCCD1}">
-              <a14:hiddenFill xmlns:a14="http://schemas.microsoft.com/office/drawing/2010/main" xmlns="">
+              <a14:hiddenFill xmlns="" xmlns:a14="http://schemas.microsoft.com/office/drawing/2010/main">
                 <a:solidFill>
                   <a:srgbClr val="FFFFFF"/>
                 </a:solidFill>
@@ -1306,7 +1310,7 @@
           <a:noFill/>
           <a:extLst>
             <a:ext uri="{909E8E84-426E-40dd-AFC4-6F175D3DCCD1}">
-              <a14:hiddenFill xmlns:a14="http://schemas.microsoft.com/office/drawing/2010/main" xmlns="">
+              <a14:hiddenFill xmlns="" xmlns:a14="http://schemas.microsoft.com/office/drawing/2010/main">
                 <a:solidFill>
                   <a:srgbClr val="FFFFFF"/>
                 </a:solidFill>
@@ -1345,7 +1349,7 @@
           <a:noFill/>
           <a:extLst>
             <a:ext uri="{909E8E84-426E-40dd-AFC4-6F175D3DCCD1}">
-              <a14:hiddenFill xmlns:a14="http://schemas.microsoft.com/office/drawing/2010/main" xmlns="">
+              <a14:hiddenFill xmlns="" xmlns:a14="http://schemas.microsoft.com/office/drawing/2010/main">
                 <a:solidFill>
                   <a:srgbClr val="FFFFFF"/>
                 </a:solidFill>
@@ -1531,7 +1535,7 @@
           <a:noFill/>
           <a:extLst>
             <a:ext uri="{909E8E84-426E-40dd-AFC4-6F175D3DCCD1}">
-              <a14:hiddenFill xmlns:a14="http://schemas.microsoft.com/office/drawing/2010/main" xmlns="">
+              <a14:hiddenFill xmlns="" xmlns:a14="http://schemas.microsoft.com/office/drawing/2010/main">
                 <a:solidFill>
                   <a:srgbClr val="FFFFFF"/>
                 </a:solidFill>
@@ -1747,7 +1751,7 @@
           <a:noFill/>
           <a:extLst>
             <a:ext uri="{909E8E84-426E-40dd-AFC4-6F175D3DCCD1}">
-              <a14:hiddenFill xmlns:a14="http://schemas.microsoft.com/office/drawing/2010/main" xmlns="">
+              <a14:hiddenFill xmlns="" xmlns:a14="http://schemas.microsoft.com/office/drawing/2010/main">
                 <a:solidFill>
                   <a:srgbClr val="FFFFFF"/>
                 </a:solidFill>
@@ -1795,7 +1799,7 @@
           <a:noFill/>
           <a:extLst>
             <a:ext uri="{909E8E84-426E-40dd-AFC4-6F175D3DCCD1}">
-              <a14:hiddenFill xmlns:a14="http://schemas.microsoft.com/office/drawing/2010/main" xmlns="">
+              <a14:hiddenFill xmlns="" xmlns:a14="http://schemas.microsoft.com/office/drawing/2010/main">
                 <a:solidFill>
                   <a:srgbClr val="FFFFFF"/>
                 </a:solidFill>
@@ -1981,7 +1985,7 @@
           <a:noFill/>
           <a:extLst>
             <a:ext uri="{909E8E84-426E-40dd-AFC4-6F175D3DCCD1}">
-              <a14:hiddenFill xmlns:a14="http://schemas.microsoft.com/office/drawing/2010/main" xmlns="">
+              <a14:hiddenFill xmlns="" xmlns:a14="http://schemas.microsoft.com/office/drawing/2010/main">
                 <a:solidFill>
                   <a:srgbClr val="FFFFFF"/>
                 </a:solidFill>
@@ -2196,7 +2200,7 @@
           <a:noFill/>
           <a:extLst>
             <a:ext uri="{909E8E84-426E-40dd-AFC4-6F175D3DCCD1}">
-              <a14:hiddenFill xmlns:a14="http://schemas.microsoft.com/office/drawing/2010/main" xmlns="">
+              <a14:hiddenFill xmlns="" xmlns:a14="http://schemas.microsoft.com/office/drawing/2010/main">
                 <a:solidFill>
                   <a:srgbClr val="FFFFFF"/>
                 </a:solidFill>
@@ -2412,7 +2416,7 @@
           <a:noFill/>
           <a:extLst>
             <a:ext uri="{909E8E84-426E-40dd-AFC4-6F175D3DCCD1}">
-              <a14:hiddenFill xmlns:a14="http://schemas.microsoft.com/office/drawing/2010/main" xmlns="">
+              <a14:hiddenFill xmlns="" xmlns:a14="http://schemas.microsoft.com/office/drawing/2010/main">
                 <a:solidFill>
                   <a:srgbClr val="FFFFFF"/>
                 </a:solidFill>
@@ -2627,7 +2631,7 @@
           <a:noFill/>
           <a:extLst>
             <a:ext uri="{909E8E84-426E-40dd-AFC4-6F175D3DCCD1}">
-              <a14:hiddenFill xmlns:a14="http://schemas.microsoft.com/office/drawing/2010/main" xmlns="">
+              <a14:hiddenFill xmlns="" xmlns:a14="http://schemas.microsoft.com/office/drawing/2010/main">
                 <a:solidFill>
                   <a:srgbClr val="FFFFFF"/>
                 </a:solidFill>
@@ -2843,7 +2847,7 @@
           <a:noFill/>
           <a:extLst>
             <a:ext uri="{909E8E84-426E-40dd-AFC4-6F175D3DCCD1}">
-              <a14:hiddenFill xmlns:a14="http://schemas.microsoft.com/office/drawing/2010/main" xmlns="">
+              <a14:hiddenFill xmlns="" xmlns:a14="http://schemas.microsoft.com/office/drawing/2010/main">
                 <a:solidFill>
                   <a:srgbClr val="FFFFFF"/>
                 </a:solidFill>
@@ -3206,7 +3210,7 @@
           <a:noFill/>
           <a:extLst>
             <a:ext uri="{909E8E84-426E-40dd-AFC4-6F175D3DCCD1}">
-              <a14:hiddenFill xmlns:a14="http://schemas.microsoft.com/office/drawing/2010/main" xmlns="">
+              <a14:hiddenFill xmlns="" xmlns:a14="http://schemas.microsoft.com/office/drawing/2010/main">
                 <a:solidFill>
                   <a:srgbClr val="FFFFFF"/>
                 </a:solidFill>
@@ -3245,7 +3249,7 @@
           <a:noFill/>
           <a:extLst>
             <a:ext uri="{909E8E84-426E-40dd-AFC4-6F175D3DCCD1}">
-              <a14:hiddenFill xmlns:a14="http://schemas.microsoft.com/office/drawing/2010/main" xmlns="">
+              <a14:hiddenFill xmlns="" xmlns:a14="http://schemas.microsoft.com/office/drawing/2010/main">
                 <a:solidFill>
                   <a:srgbClr val="FFFFFF"/>
                 </a:solidFill>
@@ -3284,7 +3288,7 @@
           <a:noFill/>
           <a:extLst>
             <a:ext uri="{909E8E84-426E-40dd-AFC4-6F175D3DCCD1}">
-              <a14:hiddenFill xmlns:a14="http://schemas.microsoft.com/office/drawing/2010/main" xmlns="">
+              <a14:hiddenFill xmlns="" xmlns:a14="http://schemas.microsoft.com/office/drawing/2010/main">
                 <a:solidFill>
                   <a:srgbClr val="FFFFFF"/>
                 </a:solidFill>
@@ -3470,7 +3474,7 @@
           <a:noFill/>
           <a:extLst>
             <a:ext uri="{909E8E84-426E-40dd-AFC4-6F175D3DCCD1}">
-              <a14:hiddenFill xmlns:a14="http://schemas.microsoft.com/office/drawing/2010/main" xmlns="">
+              <a14:hiddenFill xmlns="" xmlns:a14="http://schemas.microsoft.com/office/drawing/2010/main">
                 <a:solidFill>
                   <a:srgbClr val="FFFFFF"/>
                 </a:solidFill>
@@ -3627,7 +3631,7 @@
           <a:noFill/>
           <a:extLst>
             <a:ext uri="{909E8E84-426E-40dd-AFC4-6F175D3DCCD1}">
-              <a14:hiddenFill xmlns:a14="http://schemas.microsoft.com/office/drawing/2010/main" xmlns="">
+              <a14:hiddenFill xmlns="" xmlns:a14="http://schemas.microsoft.com/office/drawing/2010/main">
                 <a:solidFill>
                   <a:srgbClr val="FFFFFF"/>
                 </a:solidFill>
@@ -3704,7 +3708,7 @@
           <a:noFill/>
           <a:extLst>
             <a:ext uri="{909E8E84-426E-40dd-AFC4-6F175D3DCCD1}">
-              <a14:hiddenFill xmlns:a14="http://schemas.microsoft.com/office/drawing/2010/main" xmlns="">
+              <a14:hiddenFill xmlns="" xmlns:a14="http://schemas.microsoft.com/office/drawing/2010/main">
                 <a:solidFill>
                   <a:srgbClr val="FFFFFF"/>
                 </a:solidFill>
@@ -3743,7 +3747,7 @@
           <a:noFill/>
           <a:extLst>
             <a:ext uri="{909E8E84-426E-40dd-AFC4-6F175D3DCCD1}">
-              <a14:hiddenFill xmlns:a14="http://schemas.microsoft.com/office/drawing/2010/main" xmlns="">
+              <a14:hiddenFill xmlns="" xmlns:a14="http://schemas.microsoft.com/office/drawing/2010/main">
                 <a:solidFill>
                   <a:srgbClr val="FFFFFF"/>
                 </a:solidFill>
@@ -3929,7 +3933,7 @@
           <a:noFill/>
           <a:extLst>
             <a:ext uri="{909E8E84-426E-40dd-AFC4-6F175D3DCCD1}">
-              <a14:hiddenFill xmlns:a14="http://schemas.microsoft.com/office/drawing/2010/main" xmlns="">
+              <a14:hiddenFill xmlns="" xmlns:a14="http://schemas.microsoft.com/office/drawing/2010/main">
                 <a:solidFill>
                   <a:srgbClr val="FFFFFF"/>
                 </a:solidFill>
@@ -4144,7 +4148,7 @@
           <a:noFill/>
           <a:extLst>
             <a:ext uri="{909E8E84-426E-40dd-AFC4-6F175D3DCCD1}">
-              <a14:hiddenFill xmlns:a14="http://schemas.microsoft.com/office/drawing/2010/main" xmlns="">
+              <a14:hiddenFill xmlns="" xmlns:a14="http://schemas.microsoft.com/office/drawing/2010/main">
                 <a:solidFill>
                   <a:srgbClr val="FFFFFF"/>
                 </a:solidFill>
@@ -4294,7 +4298,7 @@
           <a:noFill/>
           <a:extLst>
             <a:ext uri="{909E8E84-426E-40dd-AFC4-6F175D3DCCD1}">
-              <a14:hiddenFill xmlns:a14="http://schemas.microsoft.com/office/drawing/2010/main" xmlns="">
+              <a14:hiddenFill xmlns="" xmlns:a14="http://schemas.microsoft.com/office/drawing/2010/main">
                 <a:solidFill>
                   <a:srgbClr val="FFFFFF"/>
                 </a:solidFill>
@@ -4371,7 +4375,7 @@
           <a:noFill/>
           <a:extLst>
             <a:ext uri="{909E8E84-426E-40dd-AFC4-6F175D3DCCD1}">
-              <a14:hiddenFill xmlns:a14="http://schemas.microsoft.com/office/drawing/2010/main" xmlns="">
+              <a14:hiddenFill xmlns="" xmlns:a14="http://schemas.microsoft.com/office/drawing/2010/main">
                 <a:solidFill>
                   <a:srgbClr val="FFFFFF"/>
                 </a:solidFill>
@@ -4587,7 +4591,7 @@
           <a:noFill/>
           <a:extLst>
             <a:ext uri="{909E8E84-426E-40dd-AFC4-6F175D3DCCD1}">
-              <a14:hiddenFill xmlns:a14="http://schemas.microsoft.com/office/drawing/2010/main" xmlns="">
+              <a14:hiddenFill xmlns="" xmlns:a14="http://schemas.microsoft.com/office/drawing/2010/main">
                 <a:solidFill>
                   <a:srgbClr val="FFFFFF"/>
                 </a:solidFill>
@@ -4737,7 +4741,7 @@
           <a:noFill/>
           <a:extLst>
             <a:ext uri="{909E8E84-426E-40dd-AFC4-6F175D3DCCD1}">
-              <a14:hiddenFill xmlns:a14="http://schemas.microsoft.com/office/drawing/2010/main" xmlns="">
+              <a14:hiddenFill xmlns="" xmlns:a14="http://schemas.microsoft.com/office/drawing/2010/main">
                 <a:solidFill>
                   <a:srgbClr val="FFFFFF"/>
                 </a:solidFill>
@@ -4814,7 +4818,7 @@
           <a:noFill/>
           <a:extLst>
             <a:ext uri="{909E8E84-426E-40dd-AFC4-6F175D3DCCD1}">
-              <a14:hiddenFill xmlns:a14="http://schemas.microsoft.com/office/drawing/2010/main" xmlns="">
+              <a14:hiddenFill xmlns="" xmlns:a14="http://schemas.microsoft.com/office/drawing/2010/main">
                 <a:solidFill>
                   <a:srgbClr val="FFFFFF"/>
                 </a:solidFill>
@@ -4961,7 +4965,7 @@
           <a:noFill/>
           <a:extLst>
             <a:ext uri="{909E8E84-426E-40dd-AFC4-6F175D3DCCD1}">
-              <a14:hiddenFill xmlns:a14="http://schemas.microsoft.com/office/drawing/2010/main" xmlns="">
+              <a14:hiddenFill xmlns="" xmlns:a14="http://schemas.microsoft.com/office/drawing/2010/main">
                 <a:solidFill>
                   <a:srgbClr val="FFFFFF"/>
                 </a:solidFill>
@@ -9068,7 +9072,7 @@
           <p:cNvPr id="2" name="Title 1">
             <a:extLst>
               <a:ext uri="{FF2B5EF4-FFF2-40B4-BE49-F238E27FC236}">
-                <a16:creationId xmlns:a16="http://schemas.microsoft.com/office/drawing/2014/main" id="{67F46049-50F4-43A1-A76E-4694D3D0BFBD}"/>
+                <a16:creationId xmlns:a16="http://schemas.microsoft.com/office/drawing/2014/main" id="{D46A2450-FB96-477B-A567-430871864802}"/>
               </a:ext>
             </a:extLst>
           </p:cNvPr>
@@ -9084,19 +9088,16 @@
           <a:bodyPr/>
           <a:lstStyle/>
           <a:p>
-            <a:r>
-              <a:rPr lang="en-US" dirty="0"/>
-              <a:t>Branching</a:t>
-            </a:r>
+            <a:endParaRPr lang="en-US"/>
           </a:p>
         </p:txBody>
       </p:sp>
       <p:pic>
         <p:nvPicPr>
-          <p:cNvPr id="5" name="Content Placeholder 4">
+          <p:cNvPr id="5" name="Content Placeholder 4" descr="A giraffe standing in a field&#10;&#10;Description automatically generated">
             <a:extLst>
               <a:ext uri="{FF2B5EF4-FFF2-40B4-BE49-F238E27FC236}">
-                <a16:creationId xmlns:a16="http://schemas.microsoft.com/office/drawing/2014/main" id="{0A755846-A235-48DD-8239-194A89C787FF}"/>
+                <a16:creationId xmlns:a16="http://schemas.microsoft.com/office/drawing/2014/main" id="{A2D38F4B-3DBC-4AC7-A40E-50FCEEA747F7}"/>
               </a:ext>
             </a:extLst>
           </p:cNvPr>
@@ -9112,9 +9113,6 @@
             <a:extLst>
               <a:ext uri="{28A0092B-C50C-407E-A947-70E740481C1C}">
                 <a14:useLocalDpi xmlns:a14="http://schemas.microsoft.com/office/drawing/2010/main" val="0"/>
-              </a:ext>
-              <a:ext uri="{96DAC541-7B7A-43D3-8B79-37D633B846F1}">
-                <asvg:svgBlip xmlns:asvg="http://schemas.microsoft.com/office/drawing/2016/SVG/main" r:embed="rId3"/>
               </a:ext>
             </a:extLst>
           </a:blip>
@@ -9124,15 +9122,15 @@
         </p:blipFill>
         <p:spPr>
           <a:xfrm>
-            <a:off x="2295705" y="1825625"/>
-            <a:ext cx="7600590" cy="4351338"/>
+            <a:off x="1714500" y="1547654"/>
+            <a:ext cx="8782050" cy="4917948"/>
           </a:xfrm>
         </p:spPr>
       </p:pic>
     </p:spTree>
     <p:extLst>
       <p:ext uri="{BB962C8B-B14F-4D97-AF65-F5344CB8AC3E}">
-        <p14:creationId xmlns:p14="http://schemas.microsoft.com/office/powerpoint/2010/main" val="3394842086"/>
+        <p14:creationId xmlns:p14="http://schemas.microsoft.com/office/powerpoint/2010/main" val="2820151260"/>
       </p:ext>
     </p:extLst>
   </p:cSld>
@@ -9164,7 +9162,7 @@
           <p:cNvPr id="2" name="Title 1">
             <a:extLst>
               <a:ext uri="{FF2B5EF4-FFF2-40B4-BE49-F238E27FC236}">
-                <a16:creationId xmlns:a16="http://schemas.microsoft.com/office/drawing/2014/main" id="{F1982618-43DB-48A1-9CF8-7B367D2B56D7}"/>
+                <a16:creationId xmlns:a16="http://schemas.microsoft.com/office/drawing/2014/main" id="{67F46049-50F4-43A1-A76E-4694D3D0BFBD}"/>
               </a:ext>
             </a:extLst>
           </p:cNvPr>
@@ -9182,7 +9180,7 @@
           <a:p>
             <a:r>
               <a:rPr lang="en-US" dirty="0"/>
-              <a:t>Merging</a:t>
+              <a:t>Branching</a:t>
             </a:r>
           </a:p>
         </p:txBody>
@@ -9192,7 +9190,7 @@
           <p:cNvPr id="5" name="Content Placeholder 4">
             <a:extLst>
               <a:ext uri="{FF2B5EF4-FFF2-40B4-BE49-F238E27FC236}">
-                <a16:creationId xmlns:a16="http://schemas.microsoft.com/office/drawing/2014/main" id="{D3F26FBB-643D-4556-9863-0587724DC48C}"/>
+                <a16:creationId xmlns:a16="http://schemas.microsoft.com/office/drawing/2014/main" id="{0A755846-A235-48DD-8239-194A89C787FF}"/>
               </a:ext>
             </a:extLst>
           </p:cNvPr>
@@ -9220,15 +9218,15 @@
         </p:blipFill>
         <p:spPr>
           <a:xfrm>
-            <a:off x="2848733" y="1825625"/>
-            <a:ext cx="6494534" cy="4351338"/>
+            <a:off x="2295705" y="1825625"/>
+            <a:ext cx="7600590" cy="4351338"/>
           </a:xfrm>
         </p:spPr>
       </p:pic>
     </p:spTree>
     <p:extLst>
       <p:ext uri="{BB962C8B-B14F-4D97-AF65-F5344CB8AC3E}">
-        <p14:creationId xmlns:p14="http://schemas.microsoft.com/office/powerpoint/2010/main" val="3214448015"/>
+        <p14:creationId xmlns:p14="http://schemas.microsoft.com/office/powerpoint/2010/main" val="3394842086"/>
       </p:ext>
     </p:extLst>
   </p:cSld>
@@ -9260,7 +9258,7 @@
           <p:cNvPr id="2" name="Title 1">
             <a:extLst>
               <a:ext uri="{FF2B5EF4-FFF2-40B4-BE49-F238E27FC236}">
-                <a16:creationId xmlns:a16="http://schemas.microsoft.com/office/drawing/2014/main" id="{05B857E2-61DA-432C-BAD1-4CF4FC2D981F}"/>
+                <a16:creationId xmlns:a16="http://schemas.microsoft.com/office/drawing/2014/main" id="{F1982618-43DB-48A1-9CF8-7B367D2B56D7}"/>
               </a:ext>
             </a:extLst>
           </p:cNvPr>
@@ -9278,7 +9276,7 @@
           <a:p>
             <a:r>
               <a:rPr lang="en-US" dirty="0"/>
-              <a:t>Rebasing</a:t>
+              <a:t>Merging</a:t>
             </a:r>
           </a:p>
         </p:txBody>
@@ -9288,7 +9286,7 @@
           <p:cNvPr id="5" name="Content Placeholder 4">
             <a:extLst>
               <a:ext uri="{FF2B5EF4-FFF2-40B4-BE49-F238E27FC236}">
-                <a16:creationId xmlns:a16="http://schemas.microsoft.com/office/drawing/2014/main" id="{34782428-3BC1-4848-9801-D1FF8C8D058A}"/>
+                <a16:creationId xmlns:a16="http://schemas.microsoft.com/office/drawing/2014/main" id="{D3F26FBB-643D-4556-9863-0587724DC48C}"/>
               </a:ext>
             </a:extLst>
           </p:cNvPr>
@@ -9316,15 +9314,15 @@
         </p:blipFill>
         <p:spPr>
           <a:xfrm>
-            <a:off x="2902357" y="1825625"/>
-            <a:ext cx="6387285" cy="4351338"/>
+            <a:off x="2848733" y="1825625"/>
+            <a:ext cx="6494534" cy="4351338"/>
           </a:xfrm>
         </p:spPr>
       </p:pic>
     </p:spTree>
     <p:extLst>
       <p:ext uri="{BB962C8B-B14F-4D97-AF65-F5344CB8AC3E}">
-        <p14:creationId xmlns:p14="http://schemas.microsoft.com/office/powerpoint/2010/main" val="1290580419"/>
+        <p14:creationId xmlns:p14="http://schemas.microsoft.com/office/powerpoint/2010/main" val="3214448015"/>
       </p:ext>
     </p:extLst>
   </p:cSld>
@@ -9356,7 +9354,7 @@
           <p:cNvPr id="2" name="Title 1">
             <a:extLst>
               <a:ext uri="{FF2B5EF4-FFF2-40B4-BE49-F238E27FC236}">
-                <a16:creationId xmlns:a16="http://schemas.microsoft.com/office/drawing/2014/main" id="{4B12FC63-BB25-4729-9D2F-FA753345DE7D}"/>
+                <a16:creationId xmlns:a16="http://schemas.microsoft.com/office/drawing/2014/main" id="{05B857E2-61DA-432C-BAD1-4CF4FC2D981F}"/>
               </a:ext>
             </a:extLst>
           </p:cNvPr>
@@ -9374,49 +9372,53 @@
           <a:p>
             <a:r>
               <a:rPr lang="en-US" dirty="0"/>
-              <a:t>Best practice</a:t>
-            </a:r>
-          </a:p>
-        </p:txBody>
-      </p:sp>
-      <p:sp>
-        <p:nvSpPr>
-          <p:cNvPr id="3" name="Content Placeholder 2">
+              <a:t>Rebasing</a:t>
+            </a:r>
+          </a:p>
+        </p:txBody>
+      </p:sp>
+      <p:pic>
+        <p:nvPicPr>
+          <p:cNvPr id="5" name="Content Placeholder 4">
             <a:extLst>
               <a:ext uri="{FF2B5EF4-FFF2-40B4-BE49-F238E27FC236}">
-                <a16:creationId xmlns:a16="http://schemas.microsoft.com/office/drawing/2014/main" id="{4D7FCE7B-CAEF-4602-AB9E-2A090CED56FE}"/>
+                <a16:creationId xmlns:a16="http://schemas.microsoft.com/office/drawing/2014/main" id="{34782428-3BC1-4848-9801-D1FF8C8D058A}"/>
               </a:ext>
             </a:extLst>
           </p:cNvPr>
-          <p:cNvSpPr>
-            <a:spLocks noGrp="1"/>
-          </p:cNvSpPr>
+          <p:cNvPicPr>
+            <a:picLocks noGrp="1" noChangeAspect="1"/>
+          </p:cNvPicPr>
           <p:nvPr>
             <p:ph idx="1"/>
           </p:nvPr>
-        </p:nvSpPr>
-        <p:spPr/>
-        <p:txBody>
-          <a:bodyPr/>
-          <a:lstStyle/>
-          <a:p>
-            <a:r>
-              <a:rPr lang="en-US" dirty="0"/>
-              <a:t>Don’t ever rebase onto a public branch</a:t>
-            </a:r>
-          </a:p>
-          <a:p>
-            <a:r>
-              <a:rPr lang="en-US" dirty="0"/>
-              <a:t>Honestly, probably stick to merge unless your team has clear guidelines on when to rebase</a:t>
-            </a:r>
-          </a:p>
-        </p:txBody>
-      </p:sp>
+        </p:nvPicPr>
+        <p:blipFill>
+          <a:blip r:embed="rId2">
+            <a:extLst>
+              <a:ext uri="{28A0092B-C50C-407E-A947-70E740481C1C}">
+                <a14:useLocalDpi xmlns:a14="http://schemas.microsoft.com/office/drawing/2010/main" val="0"/>
+              </a:ext>
+              <a:ext uri="{96DAC541-7B7A-43D3-8B79-37D633B846F1}">
+                <asvg:svgBlip xmlns:asvg="http://schemas.microsoft.com/office/drawing/2016/SVG/main" r:embed="rId3"/>
+              </a:ext>
+            </a:extLst>
+          </a:blip>
+          <a:stretch>
+            <a:fillRect/>
+          </a:stretch>
+        </p:blipFill>
+        <p:spPr>
+          <a:xfrm>
+            <a:off x="2902357" y="1825625"/>
+            <a:ext cx="6387285" cy="4351338"/>
+          </a:xfrm>
+        </p:spPr>
+      </p:pic>
     </p:spTree>
     <p:extLst>
       <p:ext uri="{BB962C8B-B14F-4D97-AF65-F5344CB8AC3E}">
-        <p14:creationId xmlns:p14="http://schemas.microsoft.com/office/powerpoint/2010/main" val="1583342092"/>
+        <p14:creationId xmlns:p14="http://schemas.microsoft.com/office/powerpoint/2010/main" val="1290580419"/>
       </p:ext>
     </p:extLst>
   </p:cSld>
@@ -9445,10 +9447,10 @@
       </p:grpSpPr>
       <p:sp>
         <p:nvSpPr>
-          <p:cNvPr id="4" name="Title 3">
+          <p:cNvPr id="2" name="Title 1">
             <a:extLst>
               <a:ext uri="{FF2B5EF4-FFF2-40B4-BE49-F238E27FC236}">
-                <a16:creationId xmlns:a16="http://schemas.microsoft.com/office/drawing/2014/main" id="{953D25B8-FE41-473F-A945-9B5740425B60}"/>
+                <a16:creationId xmlns:a16="http://schemas.microsoft.com/office/drawing/2014/main" id="{4B12FC63-BB25-4729-9D2F-FA753345DE7D}"/>
               </a:ext>
             </a:extLst>
           </p:cNvPr>
@@ -9459,29 +9461,24 @@
             <p:ph type="title"/>
           </p:nvPr>
         </p:nvSpPr>
-        <p:spPr>
-          <a:xfrm>
-            <a:off x="838200" y="365125"/>
-            <a:ext cx="10515600" cy="1325563"/>
-          </a:xfrm>
-        </p:spPr>
+        <p:spPr/>
         <p:txBody>
           <a:bodyPr/>
           <a:lstStyle/>
           <a:p>
             <a:r>
               <a:rPr lang="en-US" dirty="0"/>
-              <a:t>Snapshots – Not Diffs</a:t>
-            </a:r>
-          </a:p>
-        </p:txBody>
-      </p:sp>
-      <p:sp>
-        <p:nvSpPr>
-          <p:cNvPr id="5" name="Content Placeholder 4">
+              <a:t>Best practice</a:t>
+            </a:r>
+          </a:p>
+        </p:txBody>
+      </p:sp>
+      <p:sp>
+        <p:nvSpPr>
+          <p:cNvPr id="3" name="Content Placeholder 2">
             <a:extLst>
               <a:ext uri="{FF2B5EF4-FFF2-40B4-BE49-F238E27FC236}">
-                <a16:creationId xmlns:a16="http://schemas.microsoft.com/office/drawing/2014/main" id="{3FDCFACD-8BD8-4FC9-B119-8103F4E2A851}"/>
+                <a16:creationId xmlns:a16="http://schemas.microsoft.com/office/drawing/2014/main" id="{4D7FCE7B-CAEF-4602-AB9E-2A090CED56FE}"/>
               </a:ext>
             </a:extLst>
           </p:cNvPr>
@@ -9492,74 +9489,28 @@
             <p:ph idx="1"/>
           </p:nvPr>
         </p:nvSpPr>
-        <p:spPr>
-          <a:xfrm>
-            <a:off x="838200" y="1555844"/>
-            <a:ext cx="10515600" cy="655093"/>
-          </a:xfrm>
-        </p:spPr>
+        <p:spPr/>
         <p:txBody>
           <a:bodyPr/>
           <a:lstStyle/>
           <a:p>
             <a:r>
               <a:rPr lang="en-US" dirty="0"/>
-              <a:t>Most Version Control Systems (VCS) track differences.</a:t>
-            </a:r>
-          </a:p>
-        </p:txBody>
-      </p:sp>
-      <p:pic>
-        <p:nvPicPr>
-          <p:cNvPr id="1026" name="Picture 2" descr="Storing data as changes to a base version of each file.">
-            <a:extLst>
-              <a:ext uri="{FF2B5EF4-FFF2-40B4-BE49-F238E27FC236}">
-                <a16:creationId xmlns:a16="http://schemas.microsoft.com/office/drawing/2014/main" id="{DAC1C573-FF74-41F7-8FF5-A6D336DDC122}"/>
-              </a:ext>
-            </a:extLst>
-          </p:cNvPr>
-          <p:cNvPicPr>
-            <a:picLocks noChangeAspect="1" noChangeArrowheads="1"/>
-          </p:cNvPicPr>
-          <p:nvPr/>
-        </p:nvPicPr>
-        <p:blipFill>
-          <a:blip r:embed="rId2">
-            <a:extLst>
-              <a:ext uri="{28A0092B-C50C-407E-A947-70E740481C1C}">
-                <a14:useLocalDpi xmlns:a14="http://schemas.microsoft.com/office/drawing/2010/main" val="0"/>
-              </a:ext>
-            </a:extLst>
-          </a:blip>
-          <a:srcRect/>
-          <a:stretch>
-            <a:fillRect/>
-          </a:stretch>
-        </p:blipFill>
-        <p:spPr bwMode="auto">
-          <a:xfrm>
-            <a:off x="1520730" y="2210937"/>
-            <a:ext cx="9150540" cy="3545834"/>
-          </a:xfrm>
-          <a:prstGeom prst="rect">
-            <a:avLst/>
-          </a:prstGeom>
-          <a:noFill/>
-          <a:extLst>
-            <a:ext uri="{909E8E84-426E-40DD-AFC4-6F175D3DCCD1}">
-              <a14:hiddenFill xmlns:a14="http://schemas.microsoft.com/office/drawing/2010/main">
-                <a:solidFill>
-                  <a:srgbClr val="FFFFFF"/>
-                </a:solidFill>
-              </a14:hiddenFill>
-            </a:ext>
-          </a:extLst>
-        </p:spPr>
-      </p:pic>
+              <a:t>Don’t ever rebase onto a public branch</a:t>
+            </a:r>
+          </a:p>
+          <a:p>
+            <a:r>
+              <a:rPr lang="en-US" dirty="0"/>
+              <a:t>Honestly, probably stick to merge unless your team has clear guidelines on when to rebase</a:t>
+            </a:r>
+          </a:p>
+        </p:txBody>
+      </p:sp>
     </p:spTree>
     <p:extLst>
       <p:ext uri="{BB962C8B-B14F-4D97-AF65-F5344CB8AC3E}">
-        <p14:creationId xmlns:p14="http://schemas.microsoft.com/office/powerpoint/2010/main" val="3472819714"/>
+        <p14:creationId xmlns:p14="http://schemas.microsoft.com/office/powerpoint/2010/main" val="1583342092"/>
       </p:ext>
     </p:extLst>
   </p:cSld>
@@ -9588,10 +9539,10 @@
       </p:grpSpPr>
       <p:sp>
         <p:nvSpPr>
-          <p:cNvPr id="2" name="Title 1">
+          <p:cNvPr id="4" name="Title 3">
             <a:extLst>
               <a:ext uri="{FF2B5EF4-FFF2-40B4-BE49-F238E27FC236}">
-                <a16:creationId xmlns:a16="http://schemas.microsoft.com/office/drawing/2014/main" id="{308775A3-9078-47B1-BCA5-76A8080AAD80}"/>
+                <a16:creationId xmlns:a16="http://schemas.microsoft.com/office/drawing/2014/main" id="{953D25B8-FE41-473F-A945-9B5740425B60}"/>
               </a:ext>
             </a:extLst>
           </p:cNvPr>
@@ -9602,24 +9553,29 @@
             <p:ph type="title"/>
           </p:nvPr>
         </p:nvSpPr>
-        <p:spPr/>
+        <p:spPr>
+          <a:xfrm>
+            <a:off x="838200" y="365125"/>
+            <a:ext cx="10515600" cy="1325563"/>
+          </a:xfrm>
+        </p:spPr>
         <p:txBody>
           <a:bodyPr/>
           <a:lstStyle/>
           <a:p>
             <a:r>
               <a:rPr lang="en-US" dirty="0"/>
-              <a:t>Snapshot – Not Diffs</a:t>
-            </a:r>
-          </a:p>
-        </p:txBody>
-      </p:sp>
-      <p:sp>
-        <p:nvSpPr>
-          <p:cNvPr id="3" name="Content Placeholder 2">
+              <a:t>Snapshots – Not Diffs</a:t>
+            </a:r>
+          </a:p>
+        </p:txBody>
+      </p:sp>
+      <p:sp>
+        <p:nvSpPr>
+          <p:cNvPr id="5" name="Content Placeholder 4">
             <a:extLst>
               <a:ext uri="{FF2B5EF4-FFF2-40B4-BE49-F238E27FC236}">
-                <a16:creationId xmlns:a16="http://schemas.microsoft.com/office/drawing/2014/main" id="{D92A0E7A-AE89-46F3-A617-829ACAB1F1EE}"/>
+                <a16:creationId xmlns:a16="http://schemas.microsoft.com/office/drawing/2014/main" id="{3FDCFACD-8BD8-4FC9-B119-8103F4E2A851}"/>
               </a:ext>
             </a:extLst>
           </p:cNvPr>
@@ -9632,8 +9588,8 @@
         </p:nvSpPr>
         <p:spPr>
           <a:xfrm>
-            <a:off x="838200" y="1825625"/>
-            <a:ext cx="10515600" cy="658268"/>
+            <a:off x="838200" y="1555844"/>
+            <a:ext cx="10515600" cy="655093"/>
           </a:xfrm>
         </p:spPr>
         <p:txBody>
@@ -9642,17 +9598,17 @@
           <a:p>
             <a:r>
               <a:rPr lang="en-US" dirty="0"/>
-              <a:t>Git tracks a snapshot of the file – only tracking changed files.</a:t>
+              <a:t>Most Version Control Systems (VCS) track differences.</a:t>
             </a:r>
           </a:p>
         </p:txBody>
       </p:sp>
       <p:pic>
         <p:nvPicPr>
-          <p:cNvPr id="2050" name="Picture 2" descr="Git stores data as snapshots of the project over time.">
+          <p:cNvPr id="1026" name="Picture 2" descr="Storing data as changes to a base version of each file.">
             <a:extLst>
               <a:ext uri="{FF2B5EF4-FFF2-40B4-BE49-F238E27FC236}">
-                <a16:creationId xmlns:a16="http://schemas.microsoft.com/office/drawing/2014/main" id="{7CF41BA9-04C2-482D-85CC-047C6AF0864A}"/>
+                <a16:creationId xmlns:a16="http://schemas.microsoft.com/office/drawing/2014/main" id="{DAC1C573-FF74-41F7-8FF5-A6D336DDC122}"/>
               </a:ext>
             </a:extLst>
           </p:cNvPr>
@@ -9676,8 +9632,8 @@
         </p:blipFill>
         <p:spPr bwMode="auto">
           <a:xfrm>
-            <a:off x="1460236" y="2715905"/>
-            <a:ext cx="9271528" cy="3534770"/>
+            <a:off x="1520730" y="2210937"/>
+            <a:ext cx="9150540" cy="3545834"/>
           </a:xfrm>
           <a:prstGeom prst="rect">
             <a:avLst/>
@@ -9697,7 +9653,7 @@
     </p:spTree>
     <p:extLst>
       <p:ext uri="{BB962C8B-B14F-4D97-AF65-F5344CB8AC3E}">
-        <p14:creationId xmlns:p14="http://schemas.microsoft.com/office/powerpoint/2010/main" val="2467824290"/>
+        <p14:creationId xmlns:p14="http://schemas.microsoft.com/office/powerpoint/2010/main" val="3472819714"/>
       </p:ext>
     </p:extLst>
   </p:cSld>
@@ -9729,7 +9685,7 @@
           <p:cNvPr id="2" name="Title 1">
             <a:extLst>
               <a:ext uri="{FF2B5EF4-FFF2-40B4-BE49-F238E27FC236}">
-                <a16:creationId xmlns:a16="http://schemas.microsoft.com/office/drawing/2014/main" id="{24CC2CD7-2C6F-40C6-A804-DD7A36C5B32F}"/>
+                <a16:creationId xmlns:a16="http://schemas.microsoft.com/office/drawing/2014/main" id="{308775A3-9078-47B1-BCA5-76A8080AAD80}"/>
               </a:ext>
             </a:extLst>
           </p:cNvPr>
@@ -9747,7 +9703,7 @@
           <a:p>
             <a:r>
               <a:rPr lang="en-US" dirty="0"/>
-              <a:t>Local Operations</a:t>
+              <a:t>Snapshot – Not Diffs</a:t>
             </a:r>
           </a:p>
         </p:txBody>
@@ -9757,7 +9713,7 @@
           <p:cNvPr id="3" name="Content Placeholder 2">
             <a:extLst>
               <a:ext uri="{FF2B5EF4-FFF2-40B4-BE49-F238E27FC236}">
-                <a16:creationId xmlns:a16="http://schemas.microsoft.com/office/drawing/2014/main" id="{5B1783C5-7E91-459F-8CA1-5C8BCAC5C446}"/>
+                <a16:creationId xmlns:a16="http://schemas.microsoft.com/office/drawing/2014/main" id="{D92A0E7A-AE89-46F3-A617-829ACAB1F1EE}"/>
               </a:ext>
             </a:extLst>
           </p:cNvPr>
@@ -9768,46 +9724,74 @@
             <p:ph idx="1"/>
           </p:nvPr>
         </p:nvSpPr>
-        <p:spPr/>
+        <p:spPr>
+          <a:xfrm>
+            <a:off x="838200" y="1825625"/>
+            <a:ext cx="10515600" cy="658268"/>
+          </a:xfrm>
+        </p:spPr>
         <p:txBody>
           <a:bodyPr/>
           <a:lstStyle/>
           <a:p>
             <a:r>
               <a:rPr lang="en-US" dirty="0"/>
-              <a:t>Git keeps the full repo on your local computer</a:t>
-            </a:r>
-          </a:p>
-          <a:p>
-            <a:r>
-              <a:rPr lang="en-US" dirty="0"/>
-              <a:t>Commits, Log operations, branching\merging – it’s all local</a:t>
-            </a:r>
-          </a:p>
-          <a:p>
-            <a:r>
-              <a:rPr lang="en-US" dirty="0"/>
-              <a:t>Only the initial checkout, and synchronizing your branch is done remotely!</a:t>
-            </a:r>
-          </a:p>
-          <a:p>
-            <a:r>
-              <a:rPr lang="en-US" dirty="0"/>
-              <a:t>(Well, pull requests too, sort of, but that’s a deeper topic!)</a:t>
-            </a:r>
-          </a:p>
-          <a:p>
-            <a:r>
-              <a:rPr lang="en-US" dirty="0"/>
-              <a:t>This means you can work offline, in a distributed scenario. No file locks, checking the central server, or being blocked by bad internet access!</a:t>
-            </a:r>
-          </a:p>
-        </p:txBody>
-      </p:sp>
+              <a:t>Git tracks a snapshot of the file – only tracking changed files.</a:t>
+            </a:r>
+          </a:p>
+        </p:txBody>
+      </p:sp>
+      <p:pic>
+        <p:nvPicPr>
+          <p:cNvPr id="2050" name="Picture 2" descr="Git stores data as snapshots of the project over time.">
+            <a:extLst>
+              <a:ext uri="{FF2B5EF4-FFF2-40B4-BE49-F238E27FC236}">
+                <a16:creationId xmlns:a16="http://schemas.microsoft.com/office/drawing/2014/main" id="{7CF41BA9-04C2-482D-85CC-047C6AF0864A}"/>
+              </a:ext>
+            </a:extLst>
+          </p:cNvPr>
+          <p:cNvPicPr>
+            <a:picLocks noChangeAspect="1" noChangeArrowheads="1"/>
+          </p:cNvPicPr>
+          <p:nvPr/>
+        </p:nvPicPr>
+        <p:blipFill>
+          <a:blip r:embed="rId2">
+            <a:extLst>
+              <a:ext uri="{28A0092B-C50C-407E-A947-70E740481C1C}">
+                <a14:useLocalDpi xmlns:a14="http://schemas.microsoft.com/office/drawing/2010/main" val="0"/>
+              </a:ext>
+            </a:extLst>
+          </a:blip>
+          <a:srcRect/>
+          <a:stretch>
+            <a:fillRect/>
+          </a:stretch>
+        </p:blipFill>
+        <p:spPr bwMode="auto">
+          <a:xfrm>
+            <a:off x="1460236" y="2715905"/>
+            <a:ext cx="9271528" cy="3534770"/>
+          </a:xfrm>
+          <a:prstGeom prst="rect">
+            <a:avLst/>
+          </a:prstGeom>
+          <a:noFill/>
+          <a:extLst>
+            <a:ext uri="{909E8E84-426E-40DD-AFC4-6F175D3DCCD1}">
+              <a14:hiddenFill xmlns:a14="http://schemas.microsoft.com/office/drawing/2010/main">
+                <a:solidFill>
+                  <a:srgbClr val="FFFFFF"/>
+                </a:solidFill>
+              </a14:hiddenFill>
+            </a:ext>
+          </a:extLst>
+        </p:spPr>
+      </p:pic>
     </p:spTree>
     <p:extLst>
       <p:ext uri="{BB962C8B-B14F-4D97-AF65-F5344CB8AC3E}">
-        <p14:creationId xmlns:p14="http://schemas.microsoft.com/office/powerpoint/2010/main" val="1988009388"/>
+        <p14:creationId xmlns:p14="http://schemas.microsoft.com/office/powerpoint/2010/main" val="2467824290"/>
       </p:ext>
     </p:extLst>
   </p:cSld>
@@ -9839,7 +9823,7 @@
           <p:cNvPr id="2" name="Title 1">
             <a:extLst>
               <a:ext uri="{FF2B5EF4-FFF2-40B4-BE49-F238E27FC236}">
-                <a16:creationId xmlns:a16="http://schemas.microsoft.com/office/drawing/2014/main" id="{2D3BA762-E4FA-4368-B751-764176300177}"/>
+                <a16:creationId xmlns:a16="http://schemas.microsoft.com/office/drawing/2014/main" id="{24CC2CD7-2C6F-40C6-A804-DD7A36C5B32F}"/>
               </a:ext>
             </a:extLst>
           </p:cNvPr>
@@ -9857,7 +9841,7 @@
           <a:p>
             <a:r>
               <a:rPr lang="en-US" dirty="0"/>
-              <a:t>Git has Integrity</a:t>
+              <a:t>Local Operations</a:t>
             </a:r>
           </a:p>
         </p:txBody>
@@ -9867,7 +9851,7 @@
           <p:cNvPr id="3" name="Content Placeholder 2">
             <a:extLst>
               <a:ext uri="{FF2B5EF4-FFF2-40B4-BE49-F238E27FC236}">
-                <a16:creationId xmlns:a16="http://schemas.microsoft.com/office/drawing/2014/main" id="{AAB4FD9A-15F8-48E9-A693-489CB3730C2E}"/>
+                <a16:creationId xmlns:a16="http://schemas.microsoft.com/office/drawing/2014/main" id="{5B1783C5-7E91-459F-8CA1-5C8BCAC5C446}"/>
               </a:ext>
             </a:extLst>
           </p:cNvPr>
@@ -9885,27 +9869,31 @@
           <a:p>
             <a:r>
               <a:rPr lang="en-US" dirty="0"/>
-              <a:t>The SHA-1 thing I mentioned earlier?</a:t>
-            </a:r>
-          </a:p>
-          <a:p>
-            <a:r>
-              <a:rPr lang="en-US" dirty="0"/>
-              <a:t>Git computes a SHA-1 Hash of the commit you just made, and it makes it so you can’t make changes to watched files without Git knowing about it.</a:t>
-            </a:r>
-          </a:p>
-          <a:p>
-            <a:r>
-              <a:rPr lang="en-US" dirty="0"/>
-              <a:t>How? I </a:t>
-            </a:r>
-            <a:r>
-              <a:rPr lang="en-US" dirty="0" err="1"/>
-              <a:t>dunno</a:t>
-            </a:r>
-            <a:r>
-              <a:rPr lang="en-US" dirty="0"/>
-              <a:t>. Magic probably.</a:t>
+              <a:t>Git keeps the full repo on your local computer</a:t>
+            </a:r>
+          </a:p>
+          <a:p>
+            <a:r>
+              <a:rPr lang="en-US" dirty="0"/>
+              <a:t>Commits, Log operations, branching\merging – it’s all local</a:t>
+            </a:r>
+          </a:p>
+          <a:p>
+            <a:r>
+              <a:rPr lang="en-US" dirty="0"/>
+              <a:t>Only the initial checkout, and synchronizing your branch is done remotely!</a:t>
+            </a:r>
+          </a:p>
+          <a:p>
+            <a:r>
+              <a:rPr lang="en-US" dirty="0"/>
+              <a:t>(Well, pull requests too, sort of, but that’s a deeper topic!)</a:t>
+            </a:r>
+          </a:p>
+          <a:p>
+            <a:r>
+              <a:rPr lang="en-US" dirty="0"/>
+              <a:t>This means you can work offline, in a distributed scenario. No file locks, checking the central server, or being blocked by bad internet access!</a:t>
             </a:r>
           </a:p>
         </p:txBody>
@@ -9913,7 +9901,7 @@
     </p:spTree>
     <p:extLst>
       <p:ext uri="{BB962C8B-B14F-4D97-AF65-F5344CB8AC3E}">
-        <p14:creationId xmlns:p14="http://schemas.microsoft.com/office/powerpoint/2010/main" val="2504312543"/>
+        <p14:creationId xmlns:p14="http://schemas.microsoft.com/office/powerpoint/2010/main" val="1988009388"/>
       </p:ext>
     </p:extLst>
   </p:cSld>
@@ -9945,7 +9933,7 @@
           <p:cNvPr id="2" name="Title 1">
             <a:extLst>
               <a:ext uri="{FF2B5EF4-FFF2-40B4-BE49-F238E27FC236}">
-                <a16:creationId xmlns:a16="http://schemas.microsoft.com/office/drawing/2014/main" id="{0FA6AEAC-E7B5-460D-AB9D-92BC4090C5B7}"/>
+                <a16:creationId xmlns:a16="http://schemas.microsoft.com/office/drawing/2014/main" id="{2D3BA762-E4FA-4368-B751-764176300177}"/>
               </a:ext>
             </a:extLst>
           </p:cNvPr>
@@ -9963,7 +9951,7 @@
           <a:p>
             <a:r>
               <a:rPr lang="en-US" dirty="0"/>
-              <a:t>Git is recoverable</a:t>
+              <a:t>Git has Integrity</a:t>
             </a:r>
           </a:p>
         </p:txBody>
@@ -9973,7 +9961,7 @@
           <p:cNvPr id="3" name="Content Placeholder 2">
             <a:extLst>
               <a:ext uri="{FF2B5EF4-FFF2-40B4-BE49-F238E27FC236}">
-                <a16:creationId xmlns:a16="http://schemas.microsoft.com/office/drawing/2014/main" id="{475C6E75-54FD-47E6-9EBF-F85A49A7907E}"/>
+                <a16:creationId xmlns:a16="http://schemas.microsoft.com/office/drawing/2014/main" id="{AAB4FD9A-15F8-48E9-A693-489CB3730C2E}"/>
               </a:ext>
             </a:extLst>
           </p:cNvPr>
@@ -9991,19 +9979,27 @@
           <a:p>
             <a:r>
               <a:rPr lang="en-US" dirty="0"/>
-              <a:t>Git generally only *adds* data.</a:t>
-            </a:r>
-          </a:p>
-          <a:p>
-            <a:r>
-              <a:rPr lang="en-US" dirty="0"/>
-              <a:t>There’s a couple things you can do that are un-undoable, probably, but I haven’t found them yet.</a:t>
-            </a:r>
-          </a:p>
-          <a:p>
-            <a:r>
-              <a:rPr lang="en-US" dirty="0"/>
-              <a:t>Once you commit a change, you can always go back and access it. If you mess something up, you can revert to a previous change-set, and you’re good to go!</a:t>
+              <a:t>The SHA-1 thing I mentioned earlier?</a:t>
+            </a:r>
+          </a:p>
+          <a:p>
+            <a:r>
+              <a:rPr lang="en-US" dirty="0"/>
+              <a:t>Git computes a SHA-1 Hash of the commit you just made, and it makes it so you can’t make changes to watched files without Git knowing about it.</a:t>
+            </a:r>
+          </a:p>
+          <a:p>
+            <a:r>
+              <a:rPr lang="en-US" dirty="0"/>
+              <a:t>How? I </a:t>
+            </a:r>
+            <a:r>
+              <a:rPr lang="en-US" dirty="0" err="1"/>
+              <a:t>dunno</a:t>
+            </a:r>
+            <a:r>
+              <a:rPr lang="en-US" dirty="0"/>
+              <a:t>. Magic probably.</a:t>
             </a:r>
           </a:p>
         </p:txBody>
@@ -10011,7 +10007,7 @@
     </p:spTree>
     <p:extLst>
       <p:ext uri="{BB962C8B-B14F-4D97-AF65-F5344CB8AC3E}">
-        <p14:creationId xmlns:p14="http://schemas.microsoft.com/office/powerpoint/2010/main" val="189421915"/>
+        <p14:creationId xmlns:p14="http://schemas.microsoft.com/office/powerpoint/2010/main" val="2504312543"/>
       </p:ext>
     </p:extLst>
   </p:cSld>
@@ -10043,7 +10039,7 @@
           <p:cNvPr id="2" name="Title 1">
             <a:extLst>
               <a:ext uri="{FF2B5EF4-FFF2-40B4-BE49-F238E27FC236}">
-                <a16:creationId xmlns:a16="http://schemas.microsoft.com/office/drawing/2014/main" id="{8A9629C9-9AD4-4A86-97C1-0BA5B0C19D94}"/>
+                <a16:creationId xmlns:a16="http://schemas.microsoft.com/office/drawing/2014/main" id="{0FA6AEAC-E7B5-460D-AB9D-92BC4090C5B7}"/>
               </a:ext>
             </a:extLst>
           </p:cNvPr>
@@ -10061,91 +10057,47 @@
           <a:p>
             <a:r>
               <a:rPr lang="en-US" dirty="0"/>
-              <a:t>Basic Workflow</a:t>
-            </a:r>
-          </a:p>
-        </p:txBody>
-      </p:sp>
-      <p:pic>
-        <p:nvPicPr>
-          <p:cNvPr id="3074" name="Picture 2" descr="Working tree, staging area, and Git directory.">
+              <a:t>Git is recoverable</a:t>
+            </a:r>
+          </a:p>
+        </p:txBody>
+      </p:sp>
+      <p:sp>
+        <p:nvSpPr>
+          <p:cNvPr id="3" name="Content Placeholder 2">
             <a:extLst>
               <a:ext uri="{FF2B5EF4-FFF2-40B4-BE49-F238E27FC236}">
-                <a16:creationId xmlns:a16="http://schemas.microsoft.com/office/drawing/2014/main" id="{25F68965-AA38-4808-B661-2D8747F8E8E5}"/>
+                <a16:creationId xmlns:a16="http://schemas.microsoft.com/office/drawing/2014/main" id="{475C6E75-54FD-47E6-9EBF-F85A49A7907E}"/>
               </a:ext>
             </a:extLst>
           </p:cNvPr>
-          <p:cNvPicPr>
-            <a:picLocks noGrp="1" noChangeAspect="1" noChangeArrowheads="1"/>
-          </p:cNvPicPr>
+          <p:cNvSpPr>
+            <a:spLocks noGrp="1"/>
+          </p:cNvSpPr>
           <p:nvPr>
             <p:ph idx="1"/>
           </p:nvPr>
-        </p:nvPicPr>
-        <p:blipFill>
-          <a:blip r:embed="rId2">
-            <a:extLst>
-              <a:ext uri="{28A0092B-C50C-407E-A947-70E740481C1C}">
-                <a14:useLocalDpi xmlns:a14="http://schemas.microsoft.com/office/drawing/2010/main" val="0"/>
-              </a:ext>
-            </a:extLst>
-          </a:blip>
-          <a:srcRect/>
-          <a:stretch>
-            <a:fillRect/>
-          </a:stretch>
-        </p:blipFill>
-        <p:spPr bwMode="auto">
-          <a:xfrm>
-            <a:off x="2286000" y="1901031"/>
-            <a:ext cx="7620000" cy="4200525"/>
-          </a:xfrm>
-          <a:prstGeom prst="rect">
-            <a:avLst/>
-          </a:prstGeom>
-          <a:noFill/>
-          <a:extLst>
-            <a:ext uri="{909E8E84-426E-40DD-AFC4-6F175D3DCCD1}">
-              <a14:hiddenFill xmlns:a14="http://schemas.microsoft.com/office/drawing/2010/main">
-                <a:solidFill>
-                  <a:srgbClr val="FFFFFF"/>
-                </a:solidFill>
-              </a14:hiddenFill>
-            </a:ext>
-          </a:extLst>
-        </p:spPr>
-      </p:pic>
-      <p:sp>
-        <p:nvSpPr>
-          <p:cNvPr id="3" name="TextBox 2">
-            <a:extLst>
-              <a:ext uri="{FF2B5EF4-FFF2-40B4-BE49-F238E27FC236}">
-                <a16:creationId xmlns:a16="http://schemas.microsoft.com/office/drawing/2014/main" id="{35177CA5-A56E-426F-B4F0-298FED920311}"/>
-              </a:ext>
-            </a:extLst>
-          </p:cNvPr>
-          <p:cNvSpPr txBox="1"/>
-          <p:nvPr/>
-        </p:nvSpPr>
-        <p:spPr>
-          <a:xfrm>
-            <a:off x="7566212" y="3244334"/>
-            <a:ext cx="1102659" cy="369332"/>
-          </a:xfrm>
-          <a:prstGeom prst="rect">
-            <a:avLst/>
-          </a:prstGeom>
-          <a:noFill/>
-        </p:spPr>
-        <p:txBody>
-          <a:bodyPr wrap="square" rtlCol="0">
-            <a:spAutoFit/>
-          </a:bodyPr>
+        </p:nvSpPr>
+        <p:spPr/>
+        <p:txBody>
+          <a:bodyPr/>
           <a:lstStyle/>
           <a:p>
             <a:r>
               <a:rPr lang="en-US" dirty="0"/>
-              <a:t>(Clone)</a:t>
+              <a:t>Git generally only *adds* data.</a:t>
+            </a:r>
+          </a:p>
+          <a:p>
+            <a:r>
+              <a:rPr lang="en-US" dirty="0"/>
+              <a:t>There’s a couple things you can do that are un-undoable, probably, but I haven’t found them yet.</a:t>
+            </a:r>
+          </a:p>
+          <a:p>
+            <a:r>
+              <a:rPr lang="en-US" dirty="0"/>
+              <a:t>Once you commit a change, you can always go back and access it. If you mess something up, you can revert to a previous change-set, and you’re good to go!</a:t>
             </a:r>
           </a:p>
         </p:txBody>
@@ -10153,7 +10105,7 @@
     </p:spTree>
     <p:extLst>
       <p:ext uri="{BB962C8B-B14F-4D97-AF65-F5344CB8AC3E}">
-        <p14:creationId xmlns:p14="http://schemas.microsoft.com/office/powerpoint/2010/main" val="1617573897"/>
+        <p14:creationId xmlns:p14="http://schemas.microsoft.com/office/powerpoint/2010/main" val="189421915"/>
       </p:ext>
     </p:extLst>
   </p:cSld>
@@ -10358,7 +10310,7 @@
           <p:cNvPr id="2" name="Title 1">
             <a:extLst>
               <a:ext uri="{FF2B5EF4-FFF2-40B4-BE49-F238E27FC236}">
-                <a16:creationId xmlns:a16="http://schemas.microsoft.com/office/drawing/2014/main" id="{7FC8900C-5155-4F12-9845-2CC9027CCBCA}"/>
+                <a16:creationId xmlns:a16="http://schemas.microsoft.com/office/drawing/2014/main" id="{8A9629C9-9AD4-4A86-97C1-0BA5B0C19D94}"/>
               </a:ext>
             </a:extLst>
           </p:cNvPr>
@@ -10376,75 +10328,91 @@
           <a:p>
             <a:r>
               <a:rPr lang="en-US" dirty="0"/>
-              <a:t>Three States</a:t>
-            </a:r>
-          </a:p>
-        </p:txBody>
-      </p:sp>
-      <p:sp>
-        <p:nvSpPr>
-          <p:cNvPr id="3" name="Content Placeholder 2">
+              <a:t>Basic Workflow</a:t>
+            </a:r>
+          </a:p>
+        </p:txBody>
+      </p:sp>
+      <p:pic>
+        <p:nvPicPr>
+          <p:cNvPr id="3074" name="Picture 2" descr="Working tree, staging area, and Git directory.">
             <a:extLst>
               <a:ext uri="{FF2B5EF4-FFF2-40B4-BE49-F238E27FC236}">
-                <a16:creationId xmlns:a16="http://schemas.microsoft.com/office/drawing/2014/main" id="{41415508-FBBE-4D83-AA4F-B5A08A348B02}"/>
+                <a16:creationId xmlns:a16="http://schemas.microsoft.com/office/drawing/2014/main" id="{25F68965-AA38-4808-B661-2D8747F8E8E5}"/>
               </a:ext>
             </a:extLst>
           </p:cNvPr>
-          <p:cNvSpPr>
-            <a:spLocks noGrp="1"/>
-          </p:cNvSpPr>
+          <p:cNvPicPr>
+            <a:picLocks noGrp="1" noChangeAspect="1" noChangeArrowheads="1"/>
+          </p:cNvPicPr>
           <p:nvPr>
             <p:ph idx="1"/>
           </p:nvPr>
-        </p:nvSpPr>
-        <p:spPr/>
-        <p:txBody>
-          <a:bodyPr/>
+        </p:nvPicPr>
+        <p:blipFill>
+          <a:blip r:embed="rId2">
+            <a:extLst>
+              <a:ext uri="{28A0092B-C50C-407E-A947-70E740481C1C}">
+                <a14:useLocalDpi xmlns:a14="http://schemas.microsoft.com/office/drawing/2010/main" val="0"/>
+              </a:ext>
+            </a:extLst>
+          </a:blip>
+          <a:srcRect/>
+          <a:stretch>
+            <a:fillRect/>
+          </a:stretch>
+        </p:blipFill>
+        <p:spPr bwMode="auto">
+          <a:xfrm>
+            <a:off x="2286000" y="1901031"/>
+            <a:ext cx="7620000" cy="4200525"/>
+          </a:xfrm>
+          <a:prstGeom prst="rect">
+            <a:avLst/>
+          </a:prstGeom>
+          <a:noFill/>
+          <a:extLst>
+            <a:ext uri="{909E8E84-426E-40DD-AFC4-6F175D3DCCD1}">
+              <a14:hiddenFill xmlns:a14="http://schemas.microsoft.com/office/drawing/2010/main">
+                <a:solidFill>
+                  <a:srgbClr val="FFFFFF"/>
+                </a:solidFill>
+              </a14:hiddenFill>
+            </a:ext>
+          </a:extLst>
+        </p:spPr>
+      </p:pic>
+      <p:sp>
+        <p:nvSpPr>
+          <p:cNvPr id="3" name="TextBox 2">
+            <a:extLst>
+              <a:ext uri="{FF2B5EF4-FFF2-40B4-BE49-F238E27FC236}">
+                <a16:creationId xmlns:a16="http://schemas.microsoft.com/office/drawing/2014/main" id="{35177CA5-A56E-426F-B4F0-298FED920311}"/>
+              </a:ext>
+            </a:extLst>
+          </p:cNvPr>
+          <p:cNvSpPr txBox="1"/>
+          <p:nvPr/>
+        </p:nvSpPr>
+        <p:spPr>
+          <a:xfrm>
+            <a:off x="7566212" y="3244334"/>
+            <a:ext cx="1102659" cy="369332"/>
+          </a:xfrm>
+          <a:prstGeom prst="rect">
+            <a:avLst/>
+          </a:prstGeom>
+          <a:noFill/>
+        </p:spPr>
+        <p:txBody>
+          <a:bodyPr wrap="square" rtlCol="0">
+            <a:spAutoFit/>
+          </a:bodyPr>
           <a:lstStyle/>
           <a:p>
             <a:r>
               <a:rPr lang="en-US" dirty="0"/>
-              <a:t>Modified</a:t>
-            </a:r>
-          </a:p>
-          <a:p>
-            <a:pPr lvl="1"/>
-            <a:r>
-              <a:rPr lang="en-US" dirty="0"/>
-              <a:t>You’ve made a change to one or more files.</a:t>
-            </a:r>
-          </a:p>
-          <a:p>
-            <a:r>
-              <a:rPr lang="en-US" dirty="0"/>
-              <a:t>Staged</a:t>
-            </a:r>
-          </a:p>
-          <a:p>
-            <a:pPr lvl="1"/>
-            <a:r>
-              <a:rPr lang="en-US" dirty="0"/>
-              <a:t>You’ve gone through and selected the files you want to commit</a:t>
-            </a:r>
-          </a:p>
-          <a:p>
-            <a:pPr lvl="1"/>
-            <a:r>
-              <a:rPr lang="en-US" dirty="0"/>
-              <a:t>You don’t HAVE to commit everything in one go!</a:t>
-            </a:r>
-          </a:p>
-          <a:p>
-            <a:r>
-              <a:rPr lang="en-US" dirty="0"/>
-              <a:t>Committed</a:t>
-            </a:r>
-          </a:p>
-          <a:p>
-            <a:pPr lvl="1"/>
-            <a:r>
-              <a:rPr lang="en-US" dirty="0"/>
-              <a:t>Committing is the part that is recorded to Git. It’s now part of the log and can be seen in the history.</a:t>
+              <a:t>(Clone)</a:t>
             </a:r>
           </a:p>
         </p:txBody>
@@ -10452,7 +10420,7 @@
     </p:spTree>
     <p:extLst>
       <p:ext uri="{BB962C8B-B14F-4D97-AF65-F5344CB8AC3E}">
-        <p14:creationId xmlns:p14="http://schemas.microsoft.com/office/powerpoint/2010/main" val="4231516819"/>
+        <p14:creationId xmlns:p14="http://schemas.microsoft.com/office/powerpoint/2010/main" val="1617573897"/>
       </p:ext>
     </p:extLst>
   </p:cSld>
@@ -10484,7 +10452,7 @@
           <p:cNvPr id="2" name="Title 1">
             <a:extLst>
               <a:ext uri="{FF2B5EF4-FFF2-40B4-BE49-F238E27FC236}">
-                <a16:creationId xmlns:a16="http://schemas.microsoft.com/office/drawing/2014/main" id="{6374560B-CBBB-4D34-81B8-BCEC16AC23A1}"/>
+                <a16:creationId xmlns:a16="http://schemas.microsoft.com/office/drawing/2014/main" id="{7FC8900C-5155-4F12-9845-2CC9027CCBCA}"/>
               </a:ext>
             </a:extLst>
           </p:cNvPr>
@@ -10502,15 +10470,7 @@
           <a:p>
             <a:r>
               <a:rPr lang="en-US" dirty="0"/>
-              <a:t>Not </a:t>
-            </a:r>
-            <a:r>
-              <a:rPr lang="en-US" i="1" dirty="0"/>
-              <a:t>quite </a:t>
-            </a:r>
-            <a:r>
-              <a:rPr lang="en-US" dirty="0"/>
-              <a:t>done - probably</a:t>
+              <a:t>Three States</a:t>
             </a:r>
           </a:p>
         </p:txBody>
@@ -10520,7 +10480,7 @@
           <p:cNvPr id="3" name="Content Placeholder 2">
             <a:extLst>
               <a:ext uri="{FF2B5EF4-FFF2-40B4-BE49-F238E27FC236}">
-                <a16:creationId xmlns:a16="http://schemas.microsoft.com/office/drawing/2014/main" id="{3917125C-2BDC-4B04-B75A-31F80461EF98}"/>
+                <a16:creationId xmlns:a16="http://schemas.microsoft.com/office/drawing/2014/main" id="{41415508-FBBE-4D83-AA4F-B5A08A348B02}"/>
               </a:ext>
             </a:extLst>
           </p:cNvPr>
@@ -10538,28 +10498,47 @@
           <a:p>
             <a:r>
               <a:rPr lang="en-US" dirty="0"/>
-              <a:t>In most cases, you still need to synchronize your code with a shared repository.</a:t>
-            </a:r>
-          </a:p>
-          <a:p>
-            <a:r>
-              <a:rPr lang="en-US" dirty="0"/>
-              <a:t>This is known as a “Push”</a:t>
-            </a:r>
-          </a:p>
-          <a:p>
-            <a:r>
-              <a:rPr lang="en-US" dirty="0"/>
-              <a:t>Getting code from the central repo is known as a “Pull”</a:t>
-            </a:r>
-          </a:p>
-          <a:p>
-            <a:endParaRPr lang="en-US" dirty="0"/>
-          </a:p>
-          <a:p>
-            <a:r>
-              <a:rPr lang="en-US" dirty="0"/>
-              <a:t>If you both “Pull” and “Push” – you have “synced” your code.</a:t>
+              <a:t>Modified</a:t>
+            </a:r>
+          </a:p>
+          <a:p>
+            <a:pPr lvl="1"/>
+            <a:r>
+              <a:rPr lang="en-US" dirty="0"/>
+              <a:t>You’ve made a change to one or more files.</a:t>
+            </a:r>
+          </a:p>
+          <a:p>
+            <a:r>
+              <a:rPr lang="en-US" dirty="0"/>
+              <a:t>Staged</a:t>
+            </a:r>
+          </a:p>
+          <a:p>
+            <a:pPr lvl="1"/>
+            <a:r>
+              <a:rPr lang="en-US" dirty="0"/>
+              <a:t>You’ve gone through and selected the files you want to commit</a:t>
+            </a:r>
+          </a:p>
+          <a:p>
+            <a:pPr lvl="1"/>
+            <a:r>
+              <a:rPr lang="en-US" dirty="0"/>
+              <a:t>You don’t HAVE to commit everything in one go!</a:t>
+            </a:r>
+          </a:p>
+          <a:p>
+            <a:r>
+              <a:rPr lang="en-US" dirty="0"/>
+              <a:t>Committed</a:t>
+            </a:r>
+          </a:p>
+          <a:p>
+            <a:pPr lvl="1"/>
+            <a:r>
+              <a:rPr lang="en-US" dirty="0"/>
+              <a:t>Committing is the part that is recorded to Git. It’s now part of the log and can be seen in the history.</a:t>
             </a:r>
           </a:p>
         </p:txBody>
@@ -10567,7 +10546,7 @@
     </p:spTree>
     <p:extLst>
       <p:ext uri="{BB962C8B-B14F-4D97-AF65-F5344CB8AC3E}">
-        <p14:creationId xmlns:p14="http://schemas.microsoft.com/office/powerpoint/2010/main" val="4155925949"/>
+        <p14:creationId xmlns:p14="http://schemas.microsoft.com/office/powerpoint/2010/main" val="4231516819"/>
       </p:ext>
     </p:extLst>
   </p:cSld>
@@ -10580,14 +10559,6 @@
 <file path=ppt/slides/slide22.xml><?xml version="1.0" encoding="utf-8"?>
 <p:sld xmlns:a="http://schemas.openxmlformats.org/drawingml/2006/main" xmlns:r="http://schemas.openxmlformats.org/officeDocument/2006/relationships" xmlns:p="http://schemas.openxmlformats.org/presentationml/2006/main">
   <p:cSld>
-    <p:bg>
-      <p:bgPr>
-        <a:solidFill>
-          <a:schemeClr val="bg1"/>
-        </a:solidFill>
-        <a:effectLst/>
-      </p:bgPr>
-    </p:bg>
     <p:spTree>
       <p:nvGrpSpPr>
         <p:cNvPr id="1" name=""/>
@@ -10602,47 +10573,95 @@
           <a:chExt cx="0" cy="0"/>
         </a:xfrm>
       </p:grpSpPr>
-      <p:pic>
-        <p:nvPicPr>
-          <p:cNvPr id="5" name="Content Placeholder 4" descr="A person holding a sign&#10;&#10;Description automatically generated">
+      <p:sp>
+        <p:nvSpPr>
+          <p:cNvPr id="2" name="Title 1">
             <a:extLst>
               <a:ext uri="{FF2B5EF4-FFF2-40B4-BE49-F238E27FC236}">
-                <a16:creationId xmlns:a16="http://schemas.microsoft.com/office/drawing/2014/main" id="{4124081A-8BCF-4FD7-B45F-708EB2565254}"/>
+                <a16:creationId xmlns:a16="http://schemas.microsoft.com/office/drawing/2014/main" id="{6374560B-CBBB-4D34-81B8-BCEC16AC23A1}"/>
               </a:ext>
             </a:extLst>
           </p:cNvPr>
-          <p:cNvPicPr>
-            <a:picLocks noGrp="1" noChangeAspect="1"/>
-          </p:cNvPicPr>
+          <p:cNvSpPr>
+            <a:spLocks noGrp="1"/>
+          </p:cNvSpPr>
+          <p:nvPr>
+            <p:ph type="title"/>
+          </p:nvPr>
+        </p:nvSpPr>
+        <p:spPr/>
+        <p:txBody>
+          <a:bodyPr/>
+          <a:lstStyle/>
+          <a:p>
+            <a:r>
+              <a:rPr lang="en-US" dirty="0"/>
+              <a:t>Not </a:t>
+            </a:r>
+            <a:r>
+              <a:rPr lang="en-US" i="1" dirty="0"/>
+              <a:t>quite </a:t>
+            </a:r>
+            <a:r>
+              <a:rPr lang="en-US" dirty="0"/>
+              <a:t>done - probably</a:t>
+            </a:r>
+          </a:p>
+        </p:txBody>
+      </p:sp>
+      <p:sp>
+        <p:nvSpPr>
+          <p:cNvPr id="3" name="Content Placeholder 2">
+            <a:extLst>
+              <a:ext uri="{FF2B5EF4-FFF2-40B4-BE49-F238E27FC236}">
+                <a16:creationId xmlns:a16="http://schemas.microsoft.com/office/drawing/2014/main" id="{3917125C-2BDC-4B04-B75A-31F80461EF98}"/>
+              </a:ext>
+            </a:extLst>
+          </p:cNvPr>
+          <p:cNvSpPr>
+            <a:spLocks noGrp="1"/>
+          </p:cNvSpPr>
           <p:nvPr>
             <p:ph idx="1"/>
           </p:nvPr>
-        </p:nvPicPr>
-        <p:blipFill rotWithShape="1">
-          <a:blip r:embed="rId2">
-            <a:extLst>
-              <a:ext uri="{28A0092B-C50C-407E-A947-70E740481C1C}">
-                <a14:useLocalDpi xmlns:a14="http://schemas.microsoft.com/office/drawing/2010/main" val="0"/>
-              </a:ext>
-            </a:extLst>
-          </a:blip>
-          <a:srcRect t="1747"/>
-          <a:stretch/>
-        </p:blipFill>
-        <p:spPr>
-          <a:xfrm>
-            <a:off x="20" y="10"/>
-            <a:ext cx="12191980" cy="6857990"/>
-          </a:xfrm>
-          <a:prstGeom prst="rect">
-            <a:avLst/>
-          </a:prstGeom>
-        </p:spPr>
-      </p:pic>
+        </p:nvSpPr>
+        <p:spPr/>
+        <p:txBody>
+          <a:bodyPr/>
+          <a:lstStyle/>
+          <a:p>
+            <a:r>
+              <a:rPr lang="en-US" dirty="0"/>
+              <a:t>In most cases, you still need to synchronize your code with a shared repository.</a:t>
+            </a:r>
+          </a:p>
+          <a:p>
+            <a:r>
+              <a:rPr lang="en-US" dirty="0"/>
+              <a:t>This is known as a “Push”</a:t>
+            </a:r>
+          </a:p>
+          <a:p>
+            <a:r>
+              <a:rPr lang="en-US" dirty="0"/>
+              <a:t>Getting code from the central repo is known as a “Pull”</a:t>
+            </a:r>
+          </a:p>
+          <a:p>
+            <a:endParaRPr lang="en-US" dirty="0"/>
+          </a:p>
+          <a:p>
+            <a:r>
+              <a:rPr lang="en-US" dirty="0"/>
+              <a:t>If you both “Pull” and “Push” – you have “synced” your code.</a:t>
+            </a:r>
+          </a:p>
+        </p:txBody>
+      </p:sp>
     </p:spTree>
     <p:extLst>
       <p:ext uri="{BB962C8B-B14F-4D97-AF65-F5344CB8AC3E}">
-        <p14:creationId xmlns:p14="http://schemas.microsoft.com/office/powerpoint/2010/main" val="1754849514"/>
+        <p14:creationId xmlns:p14="http://schemas.microsoft.com/office/powerpoint/2010/main" val="4155925949"/>
       </p:ext>
     </p:extLst>
   </p:cSld>
@@ -10677,115 +10696,23 @@
           <a:chExt cx="0" cy="0"/>
         </a:xfrm>
       </p:grpSpPr>
-      <p:sp>
-        <p:nvSpPr>
-          <p:cNvPr id="8" name="Rectangle 7">
+      <p:pic>
+        <p:nvPicPr>
+          <p:cNvPr id="5" name="Content Placeholder 4" descr="A person holding a sign&#10;&#10;Description automatically generated">
             <a:extLst>
               <a:ext uri="{FF2B5EF4-FFF2-40B4-BE49-F238E27FC236}">
-                <a16:creationId xmlns:a16="http://schemas.microsoft.com/office/drawing/2014/main" id="{23962611-DFD5-4092-AAFD-559E3DFCE2C9}"/>
-              </a:ext>
-              <a:ext uri="{C183D7F6-B498-43B3-948B-1728B52AA6E4}">
-                <adec:decorative xmlns:adec="http://schemas.microsoft.com/office/drawing/2017/decorative" val="1"/>
-              </a:ext>
-            </a:extLst>
-          </p:cNvPr>
-          <p:cNvSpPr>
-            <a:spLocks noGrp="1" noRot="1" noChangeAspect="1" noMove="1" noResize="1" noEditPoints="1" noAdjustHandles="1" noChangeArrowheads="1" noChangeShapeType="1" noTextEdit="1"/>
-          </p:cNvSpPr>
-          <p:nvPr>
-            <p:extLst>
-              <p:ext uri="{386F3935-93C4-4BCD-93E2-E3B085C9AB24}">
-                <p16:designElem xmlns:p16="http://schemas.microsoft.com/office/powerpoint/2015/main" val="1"/>
-              </p:ext>
-            </p:extLst>
-          </p:nvPr>
-        </p:nvSpPr>
-        <p:spPr>
-          <a:xfrm>
-            <a:off x="475488" y="0"/>
-            <a:ext cx="10910292" cy="6858000"/>
-          </a:xfrm>
-          <a:prstGeom prst="rect">
-            <a:avLst/>
-          </a:prstGeom>
-          <a:gradFill>
-            <a:gsLst>
-              <a:gs pos="0">
-                <a:schemeClr val="accent1">
-                  <a:lumMod val="90000"/>
-                </a:schemeClr>
-              </a:gs>
-              <a:gs pos="25000">
-                <a:schemeClr val="accent1">
-                  <a:lumMod val="90000"/>
-                </a:schemeClr>
-              </a:gs>
-              <a:gs pos="94000">
-                <a:schemeClr val="bg2">
-                  <a:lumMod val="25000"/>
-                </a:schemeClr>
-              </a:gs>
-              <a:gs pos="100000">
-                <a:schemeClr val="bg2">
-                  <a:lumMod val="25000"/>
-                </a:schemeClr>
-              </a:gs>
-            </a:gsLst>
-            <a:lin ang="4200000" scaled="0"/>
-          </a:gradFill>
-          <a:ln>
-            <a:noFill/>
-          </a:ln>
-        </p:spPr>
-        <p:style>
-          <a:lnRef idx="2">
-            <a:schemeClr val="accent1">
-              <a:shade val="50000"/>
-            </a:schemeClr>
-          </a:lnRef>
-          <a:fillRef idx="1">
-            <a:schemeClr val="accent1"/>
-          </a:fillRef>
-          <a:effectRef idx="0">
-            <a:schemeClr val="accent1"/>
-          </a:effectRef>
-          <a:fontRef idx="minor">
-            <a:schemeClr val="lt1"/>
-          </a:fontRef>
-        </p:style>
-        <p:txBody>
-          <a:bodyPr rtlCol="0" anchor="ctr"/>
-          <a:lstStyle/>
-          <a:p>
-            <a:pPr algn="ctr"/>
-            <a:endParaRPr lang="en-US"/>
-          </a:p>
-        </p:txBody>
-      </p:sp>
-      <p:pic>
-        <p:nvPicPr>
-          <p:cNvPr id="10" name="Picture 9">
-            <a:extLst>
-              <a:ext uri="{FF2B5EF4-FFF2-40B4-BE49-F238E27FC236}">
-                <a16:creationId xmlns:a16="http://schemas.microsoft.com/office/drawing/2014/main" id="{2270F1FA-0425-408F-9861-80BF5AFB276D}"/>
-              </a:ext>
-              <a:ext uri="{C183D7F6-B498-43B3-948B-1728B52AA6E4}">
-                <adec:decorative xmlns:adec="http://schemas.microsoft.com/office/drawing/2017/decorative" val="1"/>
+                <a16:creationId xmlns:a16="http://schemas.microsoft.com/office/drawing/2014/main" id="{4124081A-8BCF-4FD7-B45F-708EB2565254}"/>
               </a:ext>
             </a:extLst>
           </p:cNvPr>
           <p:cNvPicPr>
-            <a:picLocks noGrp="1" noRot="1" noChangeAspect="1" noMove="1" noResize="1" noEditPoints="1" noAdjustHandles="1" noChangeArrowheads="1" noChangeShapeType="1" noCrop="1"/>
+            <a:picLocks noGrp="1" noChangeAspect="1"/>
           </p:cNvPicPr>
           <p:nvPr>
-            <p:extLst>
-              <p:ext uri="{386F3935-93C4-4BCD-93E2-E3B085C9AB24}">
-                <p16:designElem xmlns:p16="http://schemas.microsoft.com/office/powerpoint/2015/main" val="1"/>
-              </p:ext>
-            </p:extLst>
+            <p:ph idx="1"/>
           </p:nvPr>
         </p:nvPicPr>
-        <p:blipFill>
+        <p:blipFill rotWithShape="1">
           <a:blip r:embed="rId2">
             <a:extLst>
               <a:ext uri="{28A0092B-C50C-407E-A947-70E740481C1C}">
@@ -10793,110 +10720,23 @@
               </a:ext>
             </a:extLst>
           </a:blip>
-          <a:stretch>
-            <a:fillRect/>
-          </a:stretch>
+          <a:srcRect t="1747"/>
+          <a:stretch/>
         </p:blipFill>
         <p:spPr>
           <a:xfrm>
-            <a:off x="0" y="0"/>
-            <a:ext cx="12192000" cy="6858000"/>
+            <a:off x="20" y="10"/>
+            <a:ext cx="12191980" cy="6857990"/>
           </a:xfrm>
           <a:prstGeom prst="rect">
             <a:avLst/>
           </a:prstGeom>
         </p:spPr>
       </p:pic>
-      <p:sp>
-        <p:nvSpPr>
-          <p:cNvPr id="2" name="Title 1">
-            <a:extLst>
-              <a:ext uri="{FF2B5EF4-FFF2-40B4-BE49-F238E27FC236}">
-                <a16:creationId xmlns:a16="http://schemas.microsoft.com/office/drawing/2014/main" id="{9232E434-9413-4B36-99F6-6127E6ACA56E}"/>
-              </a:ext>
-            </a:extLst>
-          </p:cNvPr>
-          <p:cNvSpPr>
-            <a:spLocks noGrp="1"/>
-          </p:cNvSpPr>
-          <p:nvPr>
-            <p:ph type="title"/>
-          </p:nvPr>
-        </p:nvSpPr>
-        <p:spPr>
-          <a:xfrm>
-            <a:off x="3045368" y="2043663"/>
-            <a:ext cx="6105194" cy="2031055"/>
-          </a:xfrm>
-        </p:spPr>
-        <p:txBody>
-          <a:bodyPr vert="horz" lIns="91440" tIns="45720" rIns="91440" bIns="45720" rtlCol="0" anchor="b">
-            <a:normAutofit/>
-          </a:bodyPr>
-          <a:lstStyle/>
-          <a:p>
-            <a:pPr algn="ctr"/>
-            <a:r>
-              <a:rPr lang="en-US" kern="1200">
-                <a:solidFill>
-                  <a:srgbClr val="FFFFFF"/>
-                </a:solidFill>
-                <a:latin typeface="+mj-lt"/>
-                <a:ea typeface="+mj-ea"/>
-                <a:cs typeface="+mj-cs"/>
-              </a:rPr>
-              <a:t>Hosted Git Repos</a:t>
-            </a:r>
-          </a:p>
-        </p:txBody>
-      </p:sp>
-      <p:sp>
-        <p:nvSpPr>
-          <p:cNvPr id="3" name="Text Placeholder 2">
-            <a:extLst>
-              <a:ext uri="{FF2B5EF4-FFF2-40B4-BE49-F238E27FC236}">
-                <a16:creationId xmlns:a16="http://schemas.microsoft.com/office/drawing/2014/main" id="{980E02D7-15CA-454F-A487-78BF648CF9F0}"/>
-              </a:ext>
-            </a:extLst>
-          </p:cNvPr>
-          <p:cNvSpPr>
-            <a:spLocks noGrp="1"/>
-          </p:cNvSpPr>
-          <p:nvPr>
-            <p:ph type="body" idx="1"/>
-          </p:nvPr>
-        </p:nvSpPr>
-        <p:spPr>
-          <a:xfrm>
-            <a:off x="3045368" y="4074718"/>
-            <a:ext cx="6105194" cy="682079"/>
-          </a:xfrm>
-        </p:spPr>
-        <p:txBody>
-          <a:bodyPr vert="horz" lIns="91440" tIns="45720" rIns="91440" bIns="45720" rtlCol="0">
-            <a:normAutofit/>
-          </a:bodyPr>
-          <a:lstStyle/>
-          <a:p>
-            <a:pPr algn="ctr"/>
-            <a:r>
-              <a:rPr lang="en-US" kern="1200">
-                <a:solidFill>
-                  <a:srgbClr val="FFFFFF"/>
-                </a:solidFill>
-                <a:latin typeface="+mn-lt"/>
-                <a:ea typeface="+mn-ea"/>
-                <a:cs typeface="+mn-cs"/>
-              </a:rPr>
-              <a:t>Sharing the code!</a:t>
-            </a:r>
-          </a:p>
-        </p:txBody>
-      </p:sp>
     </p:spTree>
     <p:extLst>
       <p:ext uri="{BB962C8B-B14F-4D97-AF65-F5344CB8AC3E}">
-        <p14:creationId xmlns:p14="http://schemas.microsoft.com/office/powerpoint/2010/main" val="784079646"/>
+        <p14:creationId xmlns:p14="http://schemas.microsoft.com/office/powerpoint/2010/main" val="1754849514"/>
       </p:ext>
     </p:extLst>
   </p:cSld>
@@ -10931,12 +10771,12 @@
           <a:chExt cx="0" cy="0"/>
         </a:xfrm>
       </p:grpSpPr>
-      <p:sp useBgFill="1">
+      <p:sp>
         <p:nvSpPr>
           <p:cNvPr id="8" name="Rectangle 7">
             <a:extLst>
               <a:ext uri="{FF2B5EF4-FFF2-40B4-BE49-F238E27FC236}">
-                <a16:creationId xmlns:a16="http://schemas.microsoft.com/office/drawing/2014/main" id="{3B854194-185D-494D-905C-7C7CB2E30F6E}"/>
+                <a16:creationId xmlns:a16="http://schemas.microsoft.com/office/drawing/2014/main" id="{23962611-DFD5-4092-AAFD-559E3DFCE2C9}"/>
               </a:ext>
               <a:ext uri="{C183D7F6-B498-43B3-948B-1728B52AA6E4}">
                 <adec:decorative xmlns:adec="http://schemas.microsoft.com/office/drawing/2017/decorative" val="1"/>
@@ -10956,68 +10796,8 @@
         </p:nvSpPr>
         <p:spPr>
           <a:xfrm>
-            <a:off x="1" y="0"/>
-            <a:ext cx="6082110" cy="6858000"/>
-          </a:xfrm>
-          <a:prstGeom prst="rect">
-            <a:avLst/>
-          </a:prstGeom>
-          <a:ln>
-            <a:noFill/>
-          </a:ln>
-        </p:spPr>
-        <p:style>
-          <a:lnRef idx="2">
-            <a:schemeClr val="accent1">
-              <a:shade val="50000"/>
-            </a:schemeClr>
-          </a:lnRef>
-          <a:fillRef idx="1">
-            <a:schemeClr val="accent1"/>
-          </a:fillRef>
-          <a:effectRef idx="0">
-            <a:schemeClr val="accent1"/>
-          </a:effectRef>
-          <a:fontRef idx="minor">
-            <a:schemeClr val="lt1"/>
-          </a:fontRef>
-        </p:style>
-        <p:txBody>
-          <a:bodyPr rtlCol="0" anchor="ctr"/>
-          <a:lstStyle/>
-          <a:p>
-            <a:pPr algn="ctr"/>
-            <a:endParaRPr lang="en-US"/>
-          </a:p>
-        </p:txBody>
-      </p:sp>
-      <p:sp>
-        <p:nvSpPr>
-          <p:cNvPr id="10" name="Rectangle 9">
-            <a:extLst>
-              <a:ext uri="{FF2B5EF4-FFF2-40B4-BE49-F238E27FC236}">
-                <a16:creationId xmlns:a16="http://schemas.microsoft.com/office/drawing/2014/main" id="{B4F5FA0D-0104-4987-8241-EFF7C85B88DE}"/>
-              </a:ext>
-              <a:ext uri="{C183D7F6-B498-43B3-948B-1728B52AA6E4}">
-                <adec:decorative xmlns:adec="http://schemas.microsoft.com/office/drawing/2017/decorative" val="1"/>
-              </a:ext>
-            </a:extLst>
-          </p:cNvPr>
-          <p:cNvSpPr>
-            <a:spLocks noGrp="1" noRot="1" noChangeAspect="1" noMove="1" noResize="1" noEditPoints="1" noAdjustHandles="1" noChangeArrowheads="1" noChangeShapeType="1" noTextEdit="1"/>
-          </p:cNvSpPr>
-          <p:nvPr>
-            <p:extLst>
-              <p:ext uri="{386F3935-93C4-4BCD-93E2-E3B085C9AB24}">
-                <p16:designElem xmlns:p16="http://schemas.microsoft.com/office/powerpoint/2015/main" val="1"/>
-              </p:ext>
-            </p:extLst>
-          </p:nvPr>
-        </p:nvSpPr>
-        <p:spPr>
-          <a:xfrm>
-            <a:off x="1" y="0"/>
-            <a:ext cx="12191998" cy="6858000"/>
+            <a:off x="475488" y="0"/>
+            <a:ext cx="10910292" cy="6858000"/>
           </a:xfrm>
           <a:prstGeom prst="rect">
             <a:avLst/>
@@ -11078,10 +10858,10 @@
       </p:sp>
       <p:pic>
         <p:nvPicPr>
-          <p:cNvPr id="20" name="Picture 11">
+          <p:cNvPr id="10" name="Picture 9">
             <a:extLst>
               <a:ext uri="{FF2B5EF4-FFF2-40B4-BE49-F238E27FC236}">
-                <a16:creationId xmlns:a16="http://schemas.microsoft.com/office/drawing/2014/main" id="{2897127E-6CEF-446C-BE87-93B7C46E49D1}"/>
+                <a16:creationId xmlns:a16="http://schemas.microsoft.com/office/drawing/2014/main" id="{2270F1FA-0425-408F-9861-80BF5AFB276D}"/>
               </a:ext>
               <a:ext uri="{C183D7F6-B498-43B3-948B-1728B52AA6E4}">
                 <adec:decorative xmlns:adec="http://schemas.microsoft.com/office/drawing/2017/decorative" val="1"/>
@@ -11126,7 +10906,7 @@
           <p:cNvPr id="2" name="Title 1">
             <a:extLst>
               <a:ext uri="{FF2B5EF4-FFF2-40B4-BE49-F238E27FC236}">
-                <a16:creationId xmlns:a16="http://schemas.microsoft.com/office/drawing/2014/main" id="{5B9111D1-EBA9-469A-A5AC-94959A3B7E01}"/>
+                <a16:creationId xmlns:a16="http://schemas.microsoft.com/office/drawing/2014/main" id="{9232E434-9413-4B36-99F6-6127E6ACA56E}"/>
               </a:ext>
             </a:extLst>
           </p:cNvPr>
@@ -11139,33 +10919,37 @@
         </p:nvSpPr>
         <p:spPr>
           <a:xfrm>
-            <a:off x="640079" y="2053641"/>
-            <a:ext cx="3669161" cy="2760098"/>
-          </a:xfrm>
-        </p:spPr>
-        <p:txBody>
-          <a:bodyPr>
+            <a:off x="3045368" y="2043663"/>
+            <a:ext cx="6105194" cy="2031055"/>
+          </a:xfrm>
+        </p:spPr>
+        <p:txBody>
+          <a:bodyPr vert="horz" lIns="91440" tIns="45720" rIns="91440" bIns="45720" rtlCol="0" anchor="b">
             <a:normAutofit/>
           </a:bodyPr>
           <a:lstStyle/>
           <a:p>
-            <a:r>
-              <a:rPr lang="en-US">
+            <a:pPr algn="ctr"/>
+            <a:r>
+              <a:rPr lang="en-US" kern="1200">
                 <a:solidFill>
                   <a:srgbClr val="FFFFFF"/>
                 </a:solidFill>
+                <a:latin typeface="+mj-lt"/>
+                <a:ea typeface="+mj-ea"/>
+                <a:cs typeface="+mj-cs"/>
               </a:rPr>
-              <a:t>Repos</a:t>
-            </a:r>
-          </a:p>
-        </p:txBody>
-      </p:sp>
-      <p:sp>
-        <p:nvSpPr>
-          <p:cNvPr id="3" name="Content Placeholder 2">
+              <a:t>Hosted Git Repos</a:t>
+            </a:r>
+          </a:p>
+        </p:txBody>
+      </p:sp>
+      <p:sp>
+        <p:nvSpPr>
+          <p:cNvPr id="3" name="Text Placeholder 2">
             <a:extLst>
               <a:ext uri="{FF2B5EF4-FFF2-40B4-BE49-F238E27FC236}">
-                <a16:creationId xmlns:a16="http://schemas.microsoft.com/office/drawing/2014/main" id="{66A1847F-81AF-4B9B-96B0-C1825FDCDF8F}"/>
+                <a16:creationId xmlns:a16="http://schemas.microsoft.com/office/drawing/2014/main" id="{980E02D7-15CA-454F-A487-78BF648CF9F0}"/>
               </a:ext>
             </a:extLst>
           </p:cNvPr>
@@ -11173,140 +10957,40 @@
             <a:spLocks noGrp="1"/>
           </p:cNvSpPr>
           <p:nvPr>
-            <p:ph idx="1"/>
+            <p:ph type="body" idx="1"/>
           </p:nvPr>
         </p:nvSpPr>
         <p:spPr>
           <a:xfrm>
-            <a:off x="6090574" y="801866"/>
-            <a:ext cx="5306084" cy="5230634"/>
-          </a:xfrm>
-        </p:spPr>
-        <p:txBody>
-          <a:bodyPr anchor="ctr">
+            <a:off x="3045368" y="4074718"/>
+            <a:ext cx="6105194" cy="682079"/>
+          </a:xfrm>
+        </p:spPr>
+        <p:txBody>
+          <a:bodyPr vert="horz" lIns="91440" tIns="45720" rIns="91440" bIns="45720" rtlCol="0">
             <a:normAutofit/>
           </a:bodyPr>
           <a:lstStyle/>
           <a:p>
-            <a:r>
-              <a:rPr lang="en-US" sz="2200">
-                <a:solidFill>
-                  <a:srgbClr val="000000"/>
-                </a:solidFill>
+            <a:pPr algn="ctr"/>
+            <a:r>
+              <a:rPr lang="en-US" kern="1200">
+                <a:solidFill>
+                  <a:srgbClr val="FFFFFF"/>
+                </a:solidFill>
+                <a:latin typeface="+mn-lt"/>
+                <a:ea typeface="+mn-ea"/>
+                <a:cs typeface="+mn-cs"/>
               </a:rPr>
-              <a:t>Big 3</a:t>
-            </a:r>
-          </a:p>
-          <a:p>
-            <a:r>
-              <a:rPr lang="en-US" sz="2200">
-                <a:solidFill>
-                  <a:srgbClr val="000000"/>
-                </a:solidFill>
-              </a:rPr>
-              <a:t>Azure Devops</a:t>
-            </a:r>
-          </a:p>
-          <a:p>
-            <a:pPr lvl="1"/>
-            <a:r>
-              <a:rPr lang="en-US" sz="2200">
-                <a:solidFill>
-                  <a:srgbClr val="000000"/>
-                </a:solidFill>
-              </a:rPr>
-              <a:t>Known for closed source projects</a:t>
-            </a:r>
-          </a:p>
-          <a:p>
-            <a:pPr lvl="1"/>
-            <a:r>
-              <a:rPr lang="en-US" sz="2200">
-                <a:solidFill>
-                  <a:srgbClr val="000000"/>
-                </a:solidFill>
-              </a:rPr>
-              <a:t>High-End CI/CD functionality</a:t>
-            </a:r>
-          </a:p>
-          <a:p>
-            <a:pPr lvl="1"/>
-            <a:r>
-              <a:rPr lang="en-US" sz="2200">
-                <a:solidFill>
-                  <a:srgbClr val="000000"/>
-                </a:solidFill>
-              </a:rPr>
-              <a:t>Exceptional project tracking via TFS</a:t>
-            </a:r>
-          </a:p>
-          <a:p>
-            <a:r>
-              <a:rPr lang="en-US" sz="2200">
-                <a:solidFill>
-                  <a:srgbClr val="000000"/>
-                </a:solidFill>
-              </a:rPr>
-              <a:t>GitHub</a:t>
-            </a:r>
-          </a:p>
-          <a:p>
-            <a:pPr lvl="1"/>
-            <a:r>
-              <a:rPr lang="en-US" sz="2200">
-                <a:solidFill>
-                  <a:srgbClr val="000000"/>
-                </a:solidFill>
-              </a:rPr>
-              <a:t>Known for open source projects</a:t>
-            </a:r>
-          </a:p>
-          <a:p>
-            <a:pPr lvl="1"/>
-            <a:r>
-              <a:rPr lang="en-US" sz="2200">
-                <a:solidFill>
-                  <a:srgbClr val="000000"/>
-                </a:solidFill>
-              </a:rPr>
-              <a:t>Exceptional bug-tracking and messaging</a:t>
-            </a:r>
-          </a:p>
-          <a:p>
-            <a:pPr lvl="1"/>
-            <a:r>
-              <a:rPr lang="en-US" sz="2200">
-                <a:solidFill>
-                  <a:srgbClr val="000000"/>
-                </a:solidFill>
-              </a:rPr>
-              <a:t>API works well with most CI/CD platforms, Team City, Jenkins, TFS, etc.</a:t>
-            </a:r>
-          </a:p>
-          <a:p>
-            <a:r>
-              <a:rPr lang="en-US" sz="2200">
-                <a:solidFill>
-                  <a:srgbClr val="000000"/>
-                </a:solidFill>
-              </a:rPr>
-              <a:t>BitBucket</a:t>
-            </a:r>
-          </a:p>
-          <a:p>
-            <a:pPr lvl="1"/>
-            <a:endParaRPr lang="en-US" sz="2200">
-              <a:solidFill>
-                <a:srgbClr val="000000"/>
-              </a:solidFill>
-            </a:endParaRPr>
+              <a:t>Sharing the code!</a:t>
+            </a:r>
           </a:p>
         </p:txBody>
       </p:sp>
     </p:spTree>
     <p:extLst>
       <p:ext uri="{BB962C8B-B14F-4D97-AF65-F5344CB8AC3E}">
-        <p14:creationId xmlns:p14="http://schemas.microsoft.com/office/powerpoint/2010/main" val="662332301"/>
+        <p14:creationId xmlns:p14="http://schemas.microsoft.com/office/powerpoint/2010/main" val="784079646"/>
       </p:ext>
     </p:extLst>
   </p:cSld>
@@ -11488,7 +11172,7 @@
       </p:sp>
       <p:pic>
         <p:nvPicPr>
-          <p:cNvPr id="12" name="Picture 11">
+          <p:cNvPr id="20" name="Picture 11">
             <a:extLst>
               <a:ext uri="{FF2B5EF4-FFF2-40B4-BE49-F238E27FC236}">
                 <a16:creationId xmlns:a16="http://schemas.microsoft.com/office/drawing/2014/main" id="{2897127E-6CEF-446C-BE87-93B7C46E49D1}"/>
@@ -11536,7 +11220,7 @@
           <p:cNvPr id="2" name="Title 1">
             <a:extLst>
               <a:ext uri="{FF2B5EF4-FFF2-40B4-BE49-F238E27FC236}">
-                <a16:creationId xmlns:a16="http://schemas.microsoft.com/office/drawing/2014/main" id="{29093CCA-7953-439D-9E03-48C7A94BACAD}"/>
+                <a16:creationId xmlns:a16="http://schemas.microsoft.com/office/drawing/2014/main" id="{5B9111D1-EBA9-469A-A5AC-94959A3B7E01}"/>
               </a:ext>
             </a:extLst>
           </p:cNvPr>
@@ -11565,7 +11249,7 @@
                   <a:srgbClr val="FFFFFF"/>
                 </a:solidFill>
               </a:rPr>
-              <a:t>Azure Devops</a:t>
+              <a:t>Repos</a:t>
             </a:r>
           </a:p>
         </p:txBody>
@@ -11575,7 +11259,7 @@
           <p:cNvPr id="3" name="Content Placeholder 2">
             <a:extLst>
               <a:ext uri="{FF2B5EF4-FFF2-40B4-BE49-F238E27FC236}">
-                <a16:creationId xmlns:a16="http://schemas.microsoft.com/office/drawing/2014/main" id="{5552C562-13BC-49D0-9EF3-1406A4C3C4E4}"/>
+                <a16:creationId xmlns:a16="http://schemas.microsoft.com/office/drawing/2014/main" id="{66A1847F-81AF-4B9B-96B0-C1825FDCDF8F}"/>
               </a:ext>
             </a:extLst>
           </p:cNvPr>
@@ -11599,93 +11283,124 @@
           <a:lstStyle/>
           <a:p>
             <a:r>
-              <a:rPr lang="en-US" sz="2400">
+              <a:rPr lang="en-US" sz="2200">
                 <a:solidFill>
                   <a:srgbClr val="000000"/>
                 </a:solidFill>
               </a:rPr>
-              <a:t>Free up to 5 users</a:t>
-            </a:r>
-          </a:p>
-          <a:p>
-            <a:r>
-              <a:rPr lang="en-US" sz="2400">
+              <a:t>Big 3</a:t>
+            </a:r>
+          </a:p>
+          <a:p>
+            <a:r>
+              <a:rPr lang="en-US" sz="2200">
                 <a:solidFill>
                   <a:srgbClr val="000000"/>
                 </a:solidFill>
               </a:rPr>
-              <a:t>Unlimited private repos</a:t>
-            </a:r>
-          </a:p>
-          <a:p>
-            <a:r>
-              <a:rPr lang="en-US" sz="2400" strike="sngStrike">
+              <a:t>Azure Devops</a:t>
+            </a:r>
+          </a:p>
+          <a:p>
+            <a:pPr lvl="1"/>
+            <a:r>
+              <a:rPr lang="en-US" sz="2200">
                 <a:solidFill>
                   <a:srgbClr val="000000"/>
                 </a:solidFill>
               </a:rPr>
-              <a:t>No public repositories! </a:t>
-            </a:r>
-            <a:r>
-              <a:rPr lang="en-US" sz="2400">
+              <a:t>Known for closed source projects</a:t>
+            </a:r>
+          </a:p>
+          <a:p>
+            <a:pPr lvl="1"/>
+            <a:r>
+              <a:rPr lang="en-US" sz="2200">
                 <a:solidFill>
                   <a:srgbClr val="000000"/>
                 </a:solidFill>
               </a:rPr>
-              <a:t>Public Repositories are in preview as of this writing.</a:t>
-            </a:r>
-            <a:endParaRPr lang="en-US" sz="2400" strike="sngStrike">
+              <a:t>High-End CI/CD functionality</a:t>
+            </a:r>
+          </a:p>
+          <a:p>
+            <a:pPr lvl="1"/>
+            <a:r>
+              <a:rPr lang="en-US" sz="2200">
+                <a:solidFill>
+                  <a:srgbClr val="000000"/>
+                </a:solidFill>
+              </a:rPr>
+              <a:t>Exceptional project tracking via TFS</a:t>
+            </a:r>
+          </a:p>
+          <a:p>
+            <a:r>
+              <a:rPr lang="en-US" sz="2200">
+                <a:solidFill>
+                  <a:srgbClr val="000000"/>
+                </a:solidFill>
+              </a:rPr>
+              <a:t>GitHub</a:t>
+            </a:r>
+          </a:p>
+          <a:p>
+            <a:pPr lvl="1"/>
+            <a:r>
+              <a:rPr lang="en-US" sz="2200">
+                <a:solidFill>
+                  <a:srgbClr val="000000"/>
+                </a:solidFill>
+              </a:rPr>
+              <a:t>Known for open source projects</a:t>
+            </a:r>
+          </a:p>
+          <a:p>
+            <a:pPr lvl="1"/>
+            <a:r>
+              <a:rPr lang="en-US" sz="2200">
+                <a:solidFill>
+                  <a:srgbClr val="000000"/>
+                </a:solidFill>
+              </a:rPr>
+              <a:t>Exceptional bug-tracking and messaging</a:t>
+            </a:r>
+          </a:p>
+          <a:p>
+            <a:pPr lvl="1"/>
+            <a:r>
+              <a:rPr lang="en-US" sz="2200">
+                <a:solidFill>
+                  <a:srgbClr val="000000"/>
+                </a:solidFill>
+              </a:rPr>
+              <a:t>API works well with most CI/CD platforms, Team City, Jenkins, TFS, etc.</a:t>
+            </a:r>
+          </a:p>
+          <a:p>
+            <a:r>
+              <a:rPr lang="en-US" sz="2200">
+                <a:solidFill>
+                  <a:srgbClr val="000000"/>
+                </a:solidFill>
+              </a:rPr>
+              <a:t>BitBucket</a:t>
+            </a:r>
+          </a:p>
+          <a:p>
+            <a:pPr lvl="1"/>
+            <a:endParaRPr lang="en-US" sz="2200">
               <a:solidFill>
                 <a:srgbClr val="000000"/>
               </a:solidFill>
             </a:endParaRPr>
           </a:p>
-          <a:p>
-            <a:r>
-              <a:rPr lang="en-US" sz="2400">
-                <a:solidFill>
-                  <a:srgbClr val="000000"/>
-                </a:solidFill>
-              </a:rPr>
-              <a:t>CI/CD pipeline is well developed – no Team City necessary, Octopus Deploy is debatable.</a:t>
-            </a:r>
-          </a:p>
-          <a:p>
-            <a:r>
-              <a:rPr lang="en-US" sz="2400">
-                <a:solidFill>
-                  <a:srgbClr val="000000"/>
-                </a:solidFill>
-              </a:rPr>
-              <a:t>Azure is well integrated – great for websites, services, mobile, etc</a:t>
-            </a:r>
-          </a:p>
-          <a:p>
-            <a:r>
-              <a:rPr lang="en-US" sz="2400">
-                <a:solidFill>
-                  <a:srgbClr val="000000"/>
-                </a:solidFill>
-              </a:rPr>
-              <a:t>Great choice for small business!</a:t>
-            </a:r>
-          </a:p>
-          <a:p>
-            <a:r>
-              <a:rPr lang="en-US" sz="2400">
-                <a:solidFill>
-                  <a:srgbClr val="000000"/>
-                </a:solidFill>
-              </a:rPr>
-              <a:t>Learning Curve: Experience with MS products makes this easy-ish</a:t>
-            </a:r>
-          </a:p>
         </p:txBody>
       </p:sp>
     </p:spTree>
     <p:extLst>
       <p:ext uri="{BB962C8B-B14F-4D97-AF65-F5344CB8AC3E}">
-        <p14:creationId xmlns:p14="http://schemas.microsoft.com/office/powerpoint/2010/main" val="951745335"/>
+        <p14:creationId xmlns:p14="http://schemas.microsoft.com/office/powerpoint/2010/main" val="662332301"/>
       </p:ext>
     </p:extLst>
   </p:cSld>
@@ -11782,7 +11497,7 @@
       </p:sp>
       <p:sp>
         <p:nvSpPr>
-          <p:cNvPr id="14" name="Rectangle 9">
+          <p:cNvPr id="10" name="Rectangle 9">
             <a:extLst>
               <a:ext uri="{FF2B5EF4-FFF2-40B4-BE49-F238E27FC236}">
                 <a16:creationId xmlns:a16="http://schemas.microsoft.com/office/drawing/2014/main" id="{B4F5FA0D-0104-4987-8241-EFF7C85B88DE}"/>
@@ -11867,7 +11582,7 @@
       </p:sp>
       <p:pic>
         <p:nvPicPr>
-          <p:cNvPr id="15" name="Picture 11">
+          <p:cNvPr id="12" name="Picture 11">
             <a:extLst>
               <a:ext uri="{FF2B5EF4-FFF2-40B4-BE49-F238E27FC236}">
                 <a16:creationId xmlns:a16="http://schemas.microsoft.com/office/drawing/2014/main" id="{2897127E-6CEF-446C-BE87-93B7C46E49D1}"/>
@@ -11915,7 +11630,7 @@
           <p:cNvPr id="2" name="Title 1">
             <a:extLst>
               <a:ext uri="{FF2B5EF4-FFF2-40B4-BE49-F238E27FC236}">
-                <a16:creationId xmlns:a16="http://schemas.microsoft.com/office/drawing/2014/main" id="{9F5EE912-1E0A-470C-AB7B-2F2CCC87BB2A}"/>
+                <a16:creationId xmlns:a16="http://schemas.microsoft.com/office/drawing/2014/main" id="{29093CCA-7953-439D-9E03-48C7A94BACAD}"/>
               </a:ext>
             </a:extLst>
           </p:cNvPr>
@@ -11944,7 +11659,7 @@
                   <a:srgbClr val="FFFFFF"/>
                 </a:solidFill>
               </a:rPr>
-              <a:t>Github</a:t>
+              <a:t>Azure Devops</a:t>
             </a:r>
           </a:p>
         </p:txBody>
@@ -11954,7 +11669,7 @@
           <p:cNvPr id="3" name="Content Placeholder 2">
             <a:extLst>
               <a:ext uri="{FF2B5EF4-FFF2-40B4-BE49-F238E27FC236}">
-                <a16:creationId xmlns:a16="http://schemas.microsoft.com/office/drawing/2014/main" id="{64252670-4F73-4792-B175-6F43FDE66830}"/>
+                <a16:creationId xmlns:a16="http://schemas.microsoft.com/office/drawing/2014/main" id="{5552C562-13BC-49D0-9EF3-1406A4C3C4E4}"/>
               </a:ext>
             </a:extLst>
           </p:cNvPr>
@@ -11978,56 +11693,42 @@
           <a:lstStyle/>
           <a:p>
             <a:r>
-              <a:rPr lang="en-US" sz="2000">
+              <a:rPr lang="en-US" sz="2400">
                 <a:solidFill>
                   <a:srgbClr val="000000"/>
                 </a:solidFill>
               </a:rPr>
-              <a:t>Most widely used hosting platform</a:t>
-            </a:r>
-          </a:p>
-          <a:p>
-            <a:r>
-              <a:rPr lang="en-US" sz="2000">
+              <a:t>Free up to 5 users</a:t>
+            </a:r>
+          </a:p>
+          <a:p>
+            <a:r>
+              <a:rPr lang="en-US" sz="2400">
                 <a:solidFill>
                   <a:srgbClr val="000000"/>
                 </a:solidFill>
               </a:rPr>
-              <a:t>Unlimited public repositories</a:t>
-            </a:r>
-          </a:p>
-          <a:p>
-            <a:r>
-              <a:rPr lang="en-US" sz="2000">
+              <a:t>Unlimited private repos</a:t>
+            </a:r>
+          </a:p>
+          <a:p>
+            <a:r>
+              <a:rPr lang="en-US" sz="2400" strike="sngStrike">
                 <a:solidFill>
                   <a:srgbClr val="000000"/>
                 </a:solidFill>
               </a:rPr>
-              <a:t>$7/month personal account with unlimited private repositories</a:t>
-            </a:r>
-          </a:p>
-          <a:p>
-            <a:r>
-              <a:rPr lang="en-US" sz="2000">
+              <a:t>No public repositories! </a:t>
+            </a:r>
+            <a:r>
+              <a:rPr lang="en-US" sz="2400">
                 <a:solidFill>
                   <a:srgbClr val="000000"/>
                 </a:solidFill>
               </a:rPr>
-              <a:t>Enterprise plans allow on-premises hosted solutions.</a:t>
-            </a:r>
-          </a:p>
-          <a:p>
-            <a:r>
-              <a:rPr lang="en-US" sz="2000">
-                <a:solidFill>
-                  <a:srgbClr val="000000"/>
-                </a:solidFill>
-              </a:rPr>
-              <a:t>Learning Curve: Experience with Git helps make this easy-ish</a:t>
-            </a:r>
-          </a:p>
-          <a:p>
-            <a:endParaRPr lang="en-US" sz="2000">
+              <a:t>Public Repositories are in preview as of this writing.</a:t>
+            </a:r>
+            <a:endParaRPr lang="en-US" sz="2400" strike="sngStrike">
               <a:solidFill>
                 <a:srgbClr val="000000"/>
               </a:solidFill>
@@ -12035,50 +11736,42 @@
           </a:p>
           <a:p>
             <a:r>
-              <a:rPr lang="en-US" sz="2000" b="1">
+              <a:rPr lang="en-US" sz="2400">
                 <a:solidFill>
                   <a:srgbClr val="000000"/>
                 </a:solidFill>
               </a:rPr>
-              <a:t>EVERY DEVELOPER SHOULD HAVE A GITHUB PROFILE</a:t>
-            </a:r>
-            <a:endParaRPr lang="en-US" sz="2000">
-              <a:solidFill>
-                <a:srgbClr val="000000"/>
-              </a:solidFill>
-            </a:endParaRPr>
-          </a:p>
-          <a:p>
-            <a:pPr lvl="1"/>
-            <a:r>
-              <a:rPr lang="en-US" sz="2000">
+              <a:t>CI/CD pipeline is well developed – no Team City necessary, Octopus Deploy is debatable.</a:t>
+            </a:r>
+          </a:p>
+          <a:p>
+            <a:r>
+              <a:rPr lang="en-US" sz="2400">
                 <a:solidFill>
                   <a:srgbClr val="000000"/>
                 </a:solidFill>
               </a:rPr>
-              <a:t>Host code you’re proud of</a:t>
-            </a:r>
-          </a:p>
-          <a:p>
-            <a:pPr lvl="1"/>
-            <a:r>
-              <a:rPr lang="en-US" sz="2000">
+              <a:t>Azure is well integrated – great for websites, services, mobile, etc</a:t>
+            </a:r>
+          </a:p>
+          <a:p>
+            <a:r>
+              <a:rPr lang="en-US" sz="2400">
                 <a:solidFill>
                   <a:srgbClr val="000000"/>
                 </a:solidFill>
               </a:rPr>
-              <a:t>Fork someone else’s code and make a change</a:t>
-            </a:r>
-          </a:p>
-          <a:p>
-            <a:pPr lvl="1"/>
-            <a:r>
-              <a:rPr lang="en-US" sz="2000">
+              <a:t>Great choice for small business!</a:t>
+            </a:r>
+          </a:p>
+          <a:p>
+            <a:r>
+              <a:rPr lang="en-US" sz="2400">
                 <a:solidFill>
                   <a:srgbClr val="000000"/>
                 </a:solidFill>
               </a:rPr>
-              <a:t>It’s as good as or better than a resume!</a:t>
+              <a:t>Learning Curve: Experience with MS products makes this easy-ish</a:t>
             </a:r>
           </a:p>
         </p:txBody>
@@ -12086,7 +11779,7 @@
     </p:spTree>
     <p:extLst>
       <p:ext uri="{BB962C8B-B14F-4D97-AF65-F5344CB8AC3E}">
-        <p14:creationId xmlns:p14="http://schemas.microsoft.com/office/powerpoint/2010/main" val="3303160553"/>
+        <p14:creationId xmlns:p14="http://schemas.microsoft.com/office/powerpoint/2010/main" val="951745335"/>
       </p:ext>
     </p:extLst>
   </p:cSld>
@@ -12183,7 +11876,7 @@
       </p:sp>
       <p:sp>
         <p:nvSpPr>
-          <p:cNvPr id="10" name="Rectangle 9">
+          <p:cNvPr id="14" name="Rectangle 9">
             <a:extLst>
               <a:ext uri="{FF2B5EF4-FFF2-40B4-BE49-F238E27FC236}">
                 <a16:creationId xmlns:a16="http://schemas.microsoft.com/office/drawing/2014/main" id="{B4F5FA0D-0104-4987-8241-EFF7C85B88DE}"/>
@@ -12268,7 +11961,7 @@
       </p:sp>
       <p:pic>
         <p:nvPicPr>
-          <p:cNvPr id="12" name="Picture 11">
+          <p:cNvPr id="15" name="Picture 11">
             <a:extLst>
               <a:ext uri="{FF2B5EF4-FFF2-40B4-BE49-F238E27FC236}">
                 <a16:creationId xmlns:a16="http://schemas.microsoft.com/office/drawing/2014/main" id="{2897127E-6CEF-446C-BE87-93B7C46E49D1}"/>
@@ -12316,7 +12009,7 @@
           <p:cNvPr id="2" name="Title 1">
             <a:extLst>
               <a:ext uri="{FF2B5EF4-FFF2-40B4-BE49-F238E27FC236}">
-                <a16:creationId xmlns:a16="http://schemas.microsoft.com/office/drawing/2014/main" id="{4EAC3CEE-55B5-498F-B337-F6698845AD6D}"/>
+                <a16:creationId xmlns:a16="http://schemas.microsoft.com/office/drawing/2014/main" id="{9F5EE912-1E0A-470C-AB7B-2F2CCC87BB2A}"/>
               </a:ext>
             </a:extLst>
           </p:cNvPr>
@@ -12345,7 +12038,7 @@
                   <a:srgbClr val="FFFFFF"/>
                 </a:solidFill>
               </a:rPr>
-              <a:t>BitBucket</a:t>
+              <a:t>Github</a:t>
             </a:r>
           </a:p>
         </p:txBody>
@@ -12355,7 +12048,7 @@
           <p:cNvPr id="3" name="Content Placeholder 2">
             <a:extLst>
               <a:ext uri="{FF2B5EF4-FFF2-40B4-BE49-F238E27FC236}">
-                <a16:creationId xmlns:a16="http://schemas.microsoft.com/office/drawing/2014/main" id="{A230217E-4487-403E-9114-3429E27BD4A2}"/>
+                <a16:creationId xmlns:a16="http://schemas.microsoft.com/office/drawing/2014/main" id="{64252670-4F73-4792-B175-6F43FDE66830}"/>
               </a:ext>
             </a:extLst>
           </p:cNvPr>
@@ -12379,17 +12072,17 @@
           <a:lstStyle/>
           <a:p>
             <a:r>
-              <a:rPr lang="en-US" sz="2400">
+              <a:rPr lang="en-US" sz="2000">
                 <a:solidFill>
                   <a:srgbClr val="000000"/>
                 </a:solidFill>
               </a:rPr>
-              <a:t>Free up to 5 users</a:t>
-            </a:r>
-          </a:p>
-          <a:p>
-            <a:r>
-              <a:rPr lang="en-US" sz="2400">
+              <a:t>Most widely used hosting platform</a:t>
+            </a:r>
+          </a:p>
+          <a:p>
+            <a:r>
+              <a:rPr lang="en-US" sz="2000">
                 <a:solidFill>
                   <a:srgbClr val="000000"/>
                 </a:solidFill>
@@ -12399,37 +12092,95 @@
           </a:p>
           <a:p>
             <a:r>
-              <a:rPr lang="en-US" sz="2400">
+              <a:rPr lang="en-US" sz="2000">
                 <a:solidFill>
                   <a:srgbClr val="000000"/>
                 </a:solidFill>
               </a:rPr>
-              <a:t>Unlimited private repositories</a:t>
-            </a:r>
-          </a:p>
-          <a:p>
-            <a:r>
-              <a:rPr lang="en-US" sz="2400">
+              <a:t>$7/month personal account with unlimited private repositories</a:t>
+            </a:r>
+          </a:p>
+          <a:p>
+            <a:r>
+              <a:rPr lang="en-US" sz="2000">
                 <a:solidFill>
                   <a:srgbClr val="000000"/>
                 </a:solidFill>
               </a:rPr>
-              <a:t>Pricing beyond 5 users is roughly $1/month/user</a:t>
-            </a:r>
-          </a:p>
-          <a:p>
-            <a:endParaRPr lang="en-US" sz="2400">
+              <a:t>Enterprise plans allow on-premises hosted solutions.</a:t>
+            </a:r>
+          </a:p>
+          <a:p>
+            <a:r>
+              <a:rPr lang="en-US" sz="2000">
+                <a:solidFill>
+                  <a:srgbClr val="000000"/>
+                </a:solidFill>
+              </a:rPr>
+              <a:t>Learning Curve: Experience with Git helps make this easy-ish</a:t>
+            </a:r>
+          </a:p>
+          <a:p>
+            <a:endParaRPr lang="en-US" sz="2000">
               <a:solidFill>
                 <a:srgbClr val="000000"/>
               </a:solidFill>
             </a:endParaRPr>
           </a:p>
+          <a:p>
+            <a:r>
+              <a:rPr lang="en-US" sz="2000" b="1">
+                <a:solidFill>
+                  <a:srgbClr val="000000"/>
+                </a:solidFill>
+              </a:rPr>
+              <a:t>EVERY DEVELOPER SHOULD HAVE A GITHUB PROFILE</a:t>
+            </a:r>
+            <a:endParaRPr lang="en-US" sz="2000">
+              <a:solidFill>
+                <a:srgbClr val="000000"/>
+              </a:solidFill>
+            </a:endParaRPr>
+          </a:p>
+          <a:p>
+            <a:pPr lvl="1"/>
+            <a:r>
+              <a:rPr lang="en-US" sz="2000">
+                <a:solidFill>
+                  <a:srgbClr val="000000"/>
+                </a:solidFill>
+              </a:rPr>
+              <a:t>Host code you’re proud of</a:t>
+            </a:r>
+          </a:p>
+          <a:p>
+            <a:pPr lvl="1"/>
+            <a:r>
+              <a:rPr lang="en-US" sz="2000">
+                <a:solidFill>
+                  <a:srgbClr val="000000"/>
+                </a:solidFill>
+              </a:rPr>
+              <a:t>Fork someone else’s code and make a change</a:t>
+            </a:r>
+          </a:p>
+          <a:p>
+            <a:pPr lvl="1"/>
+            <a:r>
+              <a:rPr lang="en-US" sz="2000">
+                <a:solidFill>
+                  <a:srgbClr val="000000"/>
+                </a:solidFill>
+              </a:rPr>
+              <a:t>It’s as good as or better than a resume!</a:t>
+            </a:r>
+          </a:p>
         </p:txBody>
       </p:sp>
     </p:spTree>
     <p:extLst>
       <p:ext uri="{BB962C8B-B14F-4D97-AF65-F5344CB8AC3E}">
-        <p14:creationId xmlns:p14="http://schemas.microsoft.com/office/powerpoint/2010/main" val="2402215412"/>
+        <p14:creationId xmlns:p14="http://schemas.microsoft.com/office/powerpoint/2010/main" val="3303160553"/>
       </p:ext>
     </p:extLst>
   </p:cSld>
@@ -12464,6 +12215,349 @@
           <a:chExt cx="0" cy="0"/>
         </a:xfrm>
       </p:grpSpPr>
+      <p:sp useBgFill="1">
+        <p:nvSpPr>
+          <p:cNvPr id="8" name="Rectangle 7">
+            <a:extLst>
+              <a:ext uri="{FF2B5EF4-FFF2-40B4-BE49-F238E27FC236}">
+                <a16:creationId xmlns:a16="http://schemas.microsoft.com/office/drawing/2014/main" id="{3B854194-185D-494D-905C-7C7CB2E30F6E}"/>
+              </a:ext>
+              <a:ext uri="{C183D7F6-B498-43B3-948B-1728B52AA6E4}">
+                <adec:decorative xmlns:adec="http://schemas.microsoft.com/office/drawing/2017/decorative" val="1"/>
+              </a:ext>
+            </a:extLst>
+          </p:cNvPr>
+          <p:cNvSpPr>
+            <a:spLocks noGrp="1" noRot="1" noChangeAspect="1" noMove="1" noResize="1" noEditPoints="1" noAdjustHandles="1" noChangeArrowheads="1" noChangeShapeType="1" noTextEdit="1"/>
+          </p:cNvSpPr>
+          <p:nvPr>
+            <p:extLst>
+              <p:ext uri="{386F3935-93C4-4BCD-93E2-E3B085C9AB24}">
+                <p16:designElem xmlns:p16="http://schemas.microsoft.com/office/powerpoint/2015/main" val="1"/>
+              </p:ext>
+            </p:extLst>
+          </p:nvPr>
+        </p:nvSpPr>
+        <p:spPr>
+          <a:xfrm>
+            <a:off x="1" y="0"/>
+            <a:ext cx="6082110" cy="6858000"/>
+          </a:xfrm>
+          <a:prstGeom prst="rect">
+            <a:avLst/>
+          </a:prstGeom>
+          <a:ln>
+            <a:noFill/>
+          </a:ln>
+        </p:spPr>
+        <p:style>
+          <a:lnRef idx="2">
+            <a:schemeClr val="accent1">
+              <a:shade val="50000"/>
+            </a:schemeClr>
+          </a:lnRef>
+          <a:fillRef idx="1">
+            <a:schemeClr val="accent1"/>
+          </a:fillRef>
+          <a:effectRef idx="0">
+            <a:schemeClr val="accent1"/>
+          </a:effectRef>
+          <a:fontRef idx="minor">
+            <a:schemeClr val="lt1"/>
+          </a:fontRef>
+        </p:style>
+        <p:txBody>
+          <a:bodyPr rtlCol="0" anchor="ctr"/>
+          <a:lstStyle/>
+          <a:p>
+            <a:pPr algn="ctr"/>
+            <a:endParaRPr lang="en-US"/>
+          </a:p>
+        </p:txBody>
+      </p:sp>
+      <p:sp>
+        <p:nvSpPr>
+          <p:cNvPr id="10" name="Rectangle 9">
+            <a:extLst>
+              <a:ext uri="{FF2B5EF4-FFF2-40B4-BE49-F238E27FC236}">
+                <a16:creationId xmlns:a16="http://schemas.microsoft.com/office/drawing/2014/main" id="{B4F5FA0D-0104-4987-8241-EFF7C85B88DE}"/>
+              </a:ext>
+              <a:ext uri="{C183D7F6-B498-43B3-948B-1728B52AA6E4}">
+                <adec:decorative xmlns:adec="http://schemas.microsoft.com/office/drawing/2017/decorative" val="1"/>
+              </a:ext>
+            </a:extLst>
+          </p:cNvPr>
+          <p:cNvSpPr>
+            <a:spLocks noGrp="1" noRot="1" noChangeAspect="1" noMove="1" noResize="1" noEditPoints="1" noAdjustHandles="1" noChangeArrowheads="1" noChangeShapeType="1" noTextEdit="1"/>
+          </p:cNvSpPr>
+          <p:nvPr>
+            <p:extLst>
+              <p:ext uri="{386F3935-93C4-4BCD-93E2-E3B085C9AB24}">
+                <p16:designElem xmlns:p16="http://schemas.microsoft.com/office/powerpoint/2015/main" val="1"/>
+              </p:ext>
+            </p:extLst>
+          </p:nvPr>
+        </p:nvSpPr>
+        <p:spPr>
+          <a:xfrm>
+            <a:off x="1" y="0"/>
+            <a:ext cx="12191998" cy="6858000"/>
+          </a:xfrm>
+          <a:prstGeom prst="rect">
+            <a:avLst/>
+          </a:prstGeom>
+          <a:gradFill>
+            <a:gsLst>
+              <a:gs pos="0">
+                <a:schemeClr val="accent1">
+                  <a:lumMod val="90000"/>
+                </a:schemeClr>
+              </a:gs>
+              <a:gs pos="25000">
+                <a:schemeClr val="accent1">
+                  <a:lumMod val="90000"/>
+                </a:schemeClr>
+              </a:gs>
+              <a:gs pos="94000">
+                <a:schemeClr val="bg2">
+                  <a:lumMod val="25000"/>
+                </a:schemeClr>
+              </a:gs>
+              <a:gs pos="100000">
+                <a:schemeClr val="bg2">
+                  <a:lumMod val="25000"/>
+                </a:schemeClr>
+              </a:gs>
+            </a:gsLst>
+            <a:lin ang="4200000" scaled="0"/>
+          </a:gradFill>
+          <a:ln>
+            <a:noFill/>
+          </a:ln>
+        </p:spPr>
+        <p:style>
+          <a:lnRef idx="2">
+            <a:schemeClr val="accent1">
+              <a:shade val="50000"/>
+            </a:schemeClr>
+          </a:lnRef>
+          <a:fillRef idx="1">
+            <a:schemeClr val="accent1"/>
+          </a:fillRef>
+          <a:effectRef idx="0">
+            <a:schemeClr val="accent1"/>
+          </a:effectRef>
+          <a:fontRef idx="minor">
+            <a:schemeClr val="lt1"/>
+          </a:fontRef>
+        </p:style>
+        <p:txBody>
+          <a:bodyPr rtlCol="0" anchor="ctr"/>
+          <a:lstStyle/>
+          <a:p>
+            <a:pPr algn="ctr"/>
+            <a:endParaRPr lang="en-US"/>
+          </a:p>
+        </p:txBody>
+      </p:sp>
+      <p:pic>
+        <p:nvPicPr>
+          <p:cNvPr id="12" name="Picture 11">
+            <a:extLst>
+              <a:ext uri="{FF2B5EF4-FFF2-40B4-BE49-F238E27FC236}">
+                <a16:creationId xmlns:a16="http://schemas.microsoft.com/office/drawing/2014/main" id="{2897127E-6CEF-446C-BE87-93B7C46E49D1}"/>
+              </a:ext>
+              <a:ext uri="{C183D7F6-B498-43B3-948B-1728B52AA6E4}">
+                <adec:decorative xmlns:adec="http://schemas.microsoft.com/office/drawing/2017/decorative" val="1"/>
+              </a:ext>
+            </a:extLst>
+          </p:cNvPr>
+          <p:cNvPicPr>
+            <a:picLocks noGrp="1" noRot="1" noChangeAspect="1" noMove="1" noResize="1" noEditPoints="1" noAdjustHandles="1" noChangeArrowheads="1" noChangeShapeType="1" noCrop="1"/>
+          </p:cNvPicPr>
+          <p:nvPr>
+            <p:extLst>
+              <p:ext uri="{386F3935-93C4-4BCD-93E2-E3B085C9AB24}">
+                <p16:designElem xmlns:p16="http://schemas.microsoft.com/office/powerpoint/2015/main" val="1"/>
+              </p:ext>
+            </p:extLst>
+          </p:nvPr>
+        </p:nvPicPr>
+        <p:blipFill>
+          <a:blip r:embed="rId2">
+            <a:extLst>
+              <a:ext uri="{28A0092B-C50C-407E-A947-70E740481C1C}">
+                <a14:useLocalDpi xmlns:a14="http://schemas.microsoft.com/office/drawing/2010/main" val="0"/>
+              </a:ext>
+            </a:extLst>
+          </a:blip>
+          <a:stretch>
+            <a:fillRect/>
+          </a:stretch>
+        </p:blipFill>
+        <p:spPr>
+          <a:xfrm>
+            <a:off x="0" y="0"/>
+            <a:ext cx="12192000" cy="6858000"/>
+          </a:xfrm>
+          <a:prstGeom prst="rect">
+            <a:avLst/>
+          </a:prstGeom>
+        </p:spPr>
+      </p:pic>
+      <p:sp>
+        <p:nvSpPr>
+          <p:cNvPr id="2" name="Title 1">
+            <a:extLst>
+              <a:ext uri="{FF2B5EF4-FFF2-40B4-BE49-F238E27FC236}">
+                <a16:creationId xmlns:a16="http://schemas.microsoft.com/office/drawing/2014/main" id="{4EAC3CEE-55B5-498F-B337-F6698845AD6D}"/>
+              </a:ext>
+            </a:extLst>
+          </p:cNvPr>
+          <p:cNvSpPr>
+            <a:spLocks noGrp="1"/>
+          </p:cNvSpPr>
+          <p:nvPr>
+            <p:ph type="title"/>
+          </p:nvPr>
+        </p:nvSpPr>
+        <p:spPr>
+          <a:xfrm>
+            <a:off x="640079" y="2053641"/>
+            <a:ext cx="3669161" cy="2760098"/>
+          </a:xfrm>
+        </p:spPr>
+        <p:txBody>
+          <a:bodyPr>
+            <a:normAutofit/>
+          </a:bodyPr>
+          <a:lstStyle/>
+          <a:p>
+            <a:r>
+              <a:rPr lang="en-US">
+                <a:solidFill>
+                  <a:srgbClr val="FFFFFF"/>
+                </a:solidFill>
+              </a:rPr>
+              <a:t>BitBucket</a:t>
+            </a:r>
+          </a:p>
+        </p:txBody>
+      </p:sp>
+      <p:sp>
+        <p:nvSpPr>
+          <p:cNvPr id="3" name="Content Placeholder 2">
+            <a:extLst>
+              <a:ext uri="{FF2B5EF4-FFF2-40B4-BE49-F238E27FC236}">
+                <a16:creationId xmlns:a16="http://schemas.microsoft.com/office/drawing/2014/main" id="{A230217E-4487-403E-9114-3429E27BD4A2}"/>
+              </a:ext>
+            </a:extLst>
+          </p:cNvPr>
+          <p:cNvSpPr>
+            <a:spLocks noGrp="1"/>
+          </p:cNvSpPr>
+          <p:nvPr>
+            <p:ph idx="1"/>
+          </p:nvPr>
+        </p:nvSpPr>
+        <p:spPr>
+          <a:xfrm>
+            <a:off x="6090574" y="801866"/>
+            <a:ext cx="5306084" cy="5230634"/>
+          </a:xfrm>
+        </p:spPr>
+        <p:txBody>
+          <a:bodyPr anchor="ctr">
+            <a:normAutofit/>
+          </a:bodyPr>
+          <a:lstStyle/>
+          <a:p>
+            <a:r>
+              <a:rPr lang="en-US" sz="2400">
+                <a:solidFill>
+                  <a:srgbClr val="000000"/>
+                </a:solidFill>
+              </a:rPr>
+              <a:t>Free up to 5 users</a:t>
+            </a:r>
+          </a:p>
+          <a:p>
+            <a:r>
+              <a:rPr lang="en-US" sz="2400">
+                <a:solidFill>
+                  <a:srgbClr val="000000"/>
+                </a:solidFill>
+              </a:rPr>
+              <a:t>Unlimited public repositories</a:t>
+            </a:r>
+          </a:p>
+          <a:p>
+            <a:r>
+              <a:rPr lang="en-US" sz="2400">
+                <a:solidFill>
+                  <a:srgbClr val="000000"/>
+                </a:solidFill>
+              </a:rPr>
+              <a:t>Unlimited private repositories</a:t>
+            </a:r>
+          </a:p>
+          <a:p>
+            <a:r>
+              <a:rPr lang="en-US" sz="2400">
+                <a:solidFill>
+                  <a:srgbClr val="000000"/>
+                </a:solidFill>
+              </a:rPr>
+              <a:t>Pricing beyond 5 users is roughly $1/month/user</a:t>
+            </a:r>
+          </a:p>
+          <a:p>
+            <a:endParaRPr lang="en-US" sz="2400">
+              <a:solidFill>
+                <a:srgbClr val="000000"/>
+              </a:solidFill>
+            </a:endParaRPr>
+          </a:p>
+        </p:txBody>
+      </p:sp>
+    </p:spTree>
+    <p:extLst>
+      <p:ext uri="{BB962C8B-B14F-4D97-AF65-F5344CB8AC3E}">
+        <p14:creationId xmlns:p14="http://schemas.microsoft.com/office/powerpoint/2010/main" val="2402215412"/>
+      </p:ext>
+    </p:extLst>
+  </p:cSld>
+  <p:clrMapOvr>
+    <a:masterClrMapping/>
+  </p:clrMapOvr>
+</p:sld>
+</file>
+
+<file path=ppt/slides/slide29.xml><?xml version="1.0" encoding="utf-8"?>
+<p:sld xmlns:a="http://schemas.openxmlformats.org/drawingml/2006/main" xmlns:r="http://schemas.openxmlformats.org/officeDocument/2006/relationships" xmlns:p="http://schemas.openxmlformats.org/presentationml/2006/main">
+  <p:cSld>
+    <p:bg>
+      <p:bgPr>
+        <a:solidFill>
+          <a:schemeClr val="bg1"/>
+        </a:solidFill>
+        <a:effectLst/>
+      </p:bgPr>
+    </p:bg>
+    <p:spTree>
+      <p:nvGrpSpPr>
+        <p:cNvPr id="1" name=""/>
+        <p:cNvGrpSpPr/>
+        <p:nvPr/>
+      </p:nvGrpSpPr>
+      <p:grpSpPr>
+        <a:xfrm>
+          <a:off x="0" y="0"/>
+          <a:ext cx="0" cy="0"/>
+          <a:chOff x="0" y="0"/>
+          <a:chExt cx="0" cy="0"/>
+        </a:xfrm>
+      </p:grpSpPr>
       <p:sp>
         <p:nvSpPr>
           <p:cNvPr id="8" name="Rectangle 7">
@@ -12722,92 +12816,6 @@
 </p:sld>
 </file>
 
-<file path=ppt/slides/slide29.xml><?xml version="1.0" encoding="utf-8"?>
-<p:sld xmlns:a="http://schemas.openxmlformats.org/drawingml/2006/main" xmlns:r="http://schemas.openxmlformats.org/officeDocument/2006/relationships" xmlns:p="http://schemas.openxmlformats.org/presentationml/2006/main">
-  <p:cSld>
-    <p:spTree>
-      <p:nvGrpSpPr>
-        <p:cNvPr id="1" name=""/>
-        <p:cNvGrpSpPr/>
-        <p:nvPr/>
-      </p:nvGrpSpPr>
-      <p:grpSpPr>
-        <a:xfrm>
-          <a:off x="0" y="0"/>
-          <a:ext cx="0" cy="0"/>
-          <a:chOff x="0" y="0"/>
-          <a:chExt cx="0" cy="0"/>
-        </a:xfrm>
-      </p:grpSpPr>
-      <p:sp>
-        <p:nvSpPr>
-          <p:cNvPr id="2" name="Title 1">
-            <a:extLst>
-              <a:ext uri="{FF2B5EF4-FFF2-40B4-BE49-F238E27FC236}">
-                <a16:creationId xmlns:a16="http://schemas.microsoft.com/office/drawing/2014/main" id="{009C8563-8243-4BD7-A153-2AF7C9C016E2}"/>
-              </a:ext>
-            </a:extLst>
-          </p:cNvPr>
-          <p:cNvSpPr>
-            <a:spLocks noGrp="1"/>
-          </p:cNvSpPr>
-          <p:nvPr>
-            <p:ph type="title"/>
-          </p:nvPr>
-        </p:nvSpPr>
-        <p:spPr/>
-        <p:txBody>
-          <a:bodyPr/>
-          <a:lstStyle/>
-          <a:p>
-            <a:r>
-              <a:rPr lang="en-US" dirty="0"/>
-              <a:t>Strategies</a:t>
-            </a:r>
-          </a:p>
-        </p:txBody>
-      </p:sp>
-      <p:sp>
-        <p:nvSpPr>
-          <p:cNvPr id="3" name="Text Placeholder 2">
-            <a:extLst>
-              <a:ext uri="{FF2B5EF4-FFF2-40B4-BE49-F238E27FC236}">
-                <a16:creationId xmlns:a16="http://schemas.microsoft.com/office/drawing/2014/main" id="{182F19D3-529A-4D24-A8A1-8F63D0085728}"/>
-              </a:ext>
-            </a:extLst>
-          </p:cNvPr>
-          <p:cNvSpPr>
-            <a:spLocks noGrp="1"/>
-          </p:cNvSpPr>
-          <p:nvPr>
-            <p:ph type="body" idx="1"/>
-          </p:nvPr>
-        </p:nvSpPr>
-        <p:spPr/>
-        <p:txBody>
-          <a:bodyPr/>
-          <a:lstStyle/>
-          <a:p>
-            <a:r>
-              <a:rPr lang="en-US" dirty="0"/>
-              <a:t>How to stay sane</a:t>
-            </a:r>
-          </a:p>
-        </p:txBody>
-      </p:sp>
-    </p:spTree>
-    <p:extLst>
-      <p:ext uri="{BB962C8B-B14F-4D97-AF65-F5344CB8AC3E}">
-        <p14:creationId xmlns:p14="http://schemas.microsoft.com/office/powerpoint/2010/main" val="3084031404"/>
-      </p:ext>
-    </p:extLst>
-  </p:cSld>
-  <p:clrMapOvr>
-    <a:masterClrMapping/>
-  </p:clrMapOvr>
-</p:sld>
-</file>
-
 <file path=ppt/slides/slide3.xml><?xml version="1.0" encoding="utf-8"?>
 <p:sld xmlns:a="http://schemas.openxmlformats.org/drawingml/2006/main" xmlns:r="http://schemas.openxmlformats.org/officeDocument/2006/relationships" xmlns:p="http://schemas.openxmlformats.org/presentationml/2006/main">
   <p:cSld>
@@ -12939,10 +12947,10 @@
       </p:grpSpPr>
       <p:sp>
         <p:nvSpPr>
-          <p:cNvPr id="4" name="Title 3">
+          <p:cNvPr id="2" name="Title 1">
             <a:extLst>
               <a:ext uri="{FF2B5EF4-FFF2-40B4-BE49-F238E27FC236}">
-                <a16:creationId xmlns:a16="http://schemas.microsoft.com/office/drawing/2014/main" id="{B4D0A662-C37A-473D-A246-0D681A71BA66}"/>
+                <a16:creationId xmlns:a16="http://schemas.microsoft.com/office/drawing/2014/main" id="{009C8563-8243-4BD7-A153-2AF7C9C016E2}"/>
               </a:ext>
             </a:extLst>
           </p:cNvPr>
@@ -12960,66 +12968,43 @@
           <a:p>
             <a:r>
               <a:rPr lang="en-US" dirty="0"/>
-              <a:t>Gitflow</a:t>
-            </a:r>
-          </a:p>
-        </p:txBody>
-      </p:sp>
-      <p:pic>
-        <p:nvPicPr>
-          <p:cNvPr id="7" name="Content Placeholder 6">
+              <a:t>Strategies</a:t>
+            </a:r>
+          </a:p>
+        </p:txBody>
+      </p:sp>
+      <p:sp>
+        <p:nvSpPr>
+          <p:cNvPr id="3" name="Text Placeholder 2">
             <a:extLst>
               <a:ext uri="{FF2B5EF4-FFF2-40B4-BE49-F238E27FC236}">
-                <a16:creationId xmlns:a16="http://schemas.microsoft.com/office/drawing/2014/main" id="{EEB5084E-8EDB-474F-8DAC-73F4A7AF336D}"/>
+                <a16:creationId xmlns:a16="http://schemas.microsoft.com/office/drawing/2014/main" id="{182F19D3-529A-4D24-A8A1-8F63D0085728}"/>
               </a:ext>
             </a:extLst>
           </p:cNvPr>
-          <p:cNvPicPr>
-            <a:picLocks noGrp="1" noChangeAspect="1"/>
-          </p:cNvPicPr>
-          <p:nvPr>
-            <p:ph idx="1"/>
-          </p:nvPr>
-        </p:nvPicPr>
-        <p:blipFill>
-          <a:blip r:embed="rId2">
-            <a:extLst>
-              <a:ext uri="{28A0092B-C50C-407E-A947-70E740481C1C}">
-                <a14:useLocalDpi xmlns:a14="http://schemas.microsoft.com/office/drawing/2010/main" val="0"/>
-              </a:ext>
-              <a:ext uri="{96DAC541-7B7A-43D3-8B79-37D633B846F1}">
-                <asvg:svgBlip xmlns:asvg="http://schemas.microsoft.com/office/drawing/2016/SVG/main" r:embed="rId3"/>
-              </a:ext>
-            </a:extLst>
-          </a:blip>
-          <a:stretch>
-            <a:fillRect/>
-          </a:stretch>
-        </p:blipFill>
-        <p:spPr bwMode="auto">
-          <a:xfrm>
-            <a:off x="3063709" y="1825625"/>
-            <a:ext cx="6064582" cy="4351338"/>
-          </a:xfrm>
-          <a:prstGeom prst="rect">
-            <a:avLst/>
-          </a:prstGeom>
-          <a:noFill/>
-          <a:extLst>
-            <a:ext uri="{909E8E84-426E-40DD-AFC4-6F175D3DCCD1}">
-              <a14:hiddenFill xmlns:a14="http://schemas.microsoft.com/office/drawing/2010/main">
-                <a:solidFill>
-                  <a:srgbClr val="FFFFFF"/>
-                </a:solidFill>
-              </a14:hiddenFill>
-            </a:ext>
-          </a:extLst>
-        </p:spPr>
-      </p:pic>
+          <p:cNvSpPr>
+            <a:spLocks noGrp="1"/>
+          </p:cNvSpPr>
+          <p:nvPr>
+            <p:ph type="body" idx="1"/>
+          </p:nvPr>
+        </p:nvSpPr>
+        <p:spPr/>
+        <p:txBody>
+          <a:bodyPr/>
+          <a:lstStyle/>
+          <a:p>
+            <a:r>
+              <a:rPr lang="en-US" dirty="0"/>
+              <a:t>How to stay sane</a:t>
+            </a:r>
+          </a:p>
+        </p:txBody>
+      </p:sp>
     </p:spTree>
     <p:extLst>
       <p:ext uri="{BB962C8B-B14F-4D97-AF65-F5344CB8AC3E}">
-        <p14:creationId xmlns:p14="http://schemas.microsoft.com/office/powerpoint/2010/main" val="2377605413"/>
+        <p14:creationId xmlns:p14="http://schemas.microsoft.com/office/powerpoint/2010/main" val="3084031404"/>
       </p:ext>
     </p:extLst>
   </p:cSld>
@@ -13048,10 +13033,10 @@
       </p:grpSpPr>
       <p:sp>
         <p:nvSpPr>
-          <p:cNvPr id="2" name="Title 1">
+          <p:cNvPr id="4" name="Title 3">
             <a:extLst>
               <a:ext uri="{FF2B5EF4-FFF2-40B4-BE49-F238E27FC236}">
-                <a16:creationId xmlns:a16="http://schemas.microsoft.com/office/drawing/2014/main" id="{CC4A54E6-05F8-4D89-971E-BC053D209B94}"/>
+                <a16:creationId xmlns:a16="http://schemas.microsoft.com/office/drawing/2014/main" id="{B4D0A662-C37A-473D-A246-0D681A71BA66}"/>
               </a:ext>
             </a:extLst>
           </p:cNvPr>
@@ -13069,17 +13054,17 @@
           <a:p>
             <a:r>
               <a:rPr lang="en-US" dirty="0"/>
-              <a:t>Github Flow</a:t>
+              <a:t>Gitflow</a:t>
             </a:r>
           </a:p>
         </p:txBody>
       </p:sp>
       <p:pic>
         <p:nvPicPr>
-          <p:cNvPr id="5" name="Content Placeholder 4">
+          <p:cNvPr id="7" name="Content Placeholder 6">
             <a:extLst>
               <a:ext uri="{FF2B5EF4-FFF2-40B4-BE49-F238E27FC236}">
-                <a16:creationId xmlns:a16="http://schemas.microsoft.com/office/drawing/2014/main" id="{7A2BCEFD-3342-43C1-B40B-42DE90C5E3F6}"/>
+                <a16:creationId xmlns:a16="http://schemas.microsoft.com/office/drawing/2014/main" id="{EEB5084E-8EDB-474F-8DAC-73F4A7AF336D}"/>
               </a:ext>
             </a:extLst>
           </p:cNvPr>
@@ -13096,23 +13081,39 @@
               <a:ext uri="{28A0092B-C50C-407E-A947-70E740481C1C}">
                 <a14:useLocalDpi xmlns:a14="http://schemas.microsoft.com/office/drawing/2010/main" val="0"/>
               </a:ext>
+              <a:ext uri="{96DAC541-7B7A-43D3-8B79-37D633B846F1}">
+                <asvg:svgBlip xmlns:asvg="http://schemas.microsoft.com/office/drawing/2016/SVG/main" r:embed="rId3"/>
+              </a:ext>
             </a:extLst>
           </a:blip>
           <a:stretch>
             <a:fillRect/>
           </a:stretch>
         </p:blipFill>
-        <p:spPr>
-          <a:xfrm>
-            <a:off x="838200" y="2678073"/>
-            <a:ext cx="10515600" cy="2646442"/>
-          </a:xfrm>
+        <p:spPr bwMode="auto">
+          <a:xfrm>
+            <a:off x="3063709" y="1825625"/>
+            <a:ext cx="6064582" cy="4351338"/>
+          </a:xfrm>
+          <a:prstGeom prst="rect">
+            <a:avLst/>
+          </a:prstGeom>
+          <a:noFill/>
+          <a:extLst>
+            <a:ext uri="{909E8E84-426E-40DD-AFC4-6F175D3DCCD1}">
+              <a14:hiddenFill xmlns:a14="http://schemas.microsoft.com/office/drawing/2010/main">
+                <a:solidFill>
+                  <a:srgbClr val="FFFFFF"/>
+                </a:solidFill>
+              </a14:hiddenFill>
+            </a:ext>
+          </a:extLst>
         </p:spPr>
       </p:pic>
     </p:spTree>
     <p:extLst>
       <p:ext uri="{BB962C8B-B14F-4D97-AF65-F5344CB8AC3E}">
-        <p14:creationId xmlns:p14="http://schemas.microsoft.com/office/powerpoint/2010/main" val="3213113248"/>
+        <p14:creationId xmlns:p14="http://schemas.microsoft.com/office/powerpoint/2010/main" val="2377605413"/>
       </p:ext>
     </p:extLst>
   </p:cSld>
@@ -13144,7 +13145,7 @@
           <p:cNvPr id="2" name="Title 1">
             <a:extLst>
               <a:ext uri="{FF2B5EF4-FFF2-40B4-BE49-F238E27FC236}">
-                <a16:creationId xmlns:a16="http://schemas.microsoft.com/office/drawing/2014/main" id="{F220168B-851B-448D-B065-1390D2D73C20}"/>
+                <a16:creationId xmlns:a16="http://schemas.microsoft.com/office/drawing/2014/main" id="{CC4A54E6-05F8-4D89-971E-BC053D209B94}"/>
               </a:ext>
             </a:extLst>
           </p:cNvPr>
@@ -13162,40 +13163,50 @@
           <a:p>
             <a:r>
               <a:rPr lang="en-US" dirty="0"/>
-              <a:t>Common UI Tools</a:t>
-            </a:r>
-          </a:p>
-        </p:txBody>
-      </p:sp>
-      <p:sp>
-        <p:nvSpPr>
-          <p:cNvPr id="3" name="Text Placeholder 2">
+              <a:t>Github Flow</a:t>
+            </a:r>
+          </a:p>
+        </p:txBody>
+      </p:sp>
+      <p:pic>
+        <p:nvPicPr>
+          <p:cNvPr id="5" name="Content Placeholder 4">
             <a:extLst>
               <a:ext uri="{FF2B5EF4-FFF2-40B4-BE49-F238E27FC236}">
-                <a16:creationId xmlns:a16="http://schemas.microsoft.com/office/drawing/2014/main" id="{1471B88D-28C1-4B4E-A5A7-4BC5DECCA821}"/>
+                <a16:creationId xmlns:a16="http://schemas.microsoft.com/office/drawing/2014/main" id="{7A2BCEFD-3342-43C1-B40B-42DE90C5E3F6}"/>
               </a:ext>
             </a:extLst>
           </p:cNvPr>
-          <p:cNvSpPr>
-            <a:spLocks noGrp="1"/>
-          </p:cNvSpPr>
-          <p:nvPr>
-            <p:ph type="body" idx="1"/>
-          </p:nvPr>
-        </p:nvSpPr>
-        <p:spPr/>
-        <p:txBody>
-          <a:bodyPr/>
-          <a:lstStyle/>
-          <a:p>
-            <a:endParaRPr lang="en-US"/>
-          </a:p>
-        </p:txBody>
-      </p:sp>
+          <p:cNvPicPr>
+            <a:picLocks noGrp="1" noChangeAspect="1"/>
+          </p:cNvPicPr>
+          <p:nvPr>
+            <p:ph idx="1"/>
+          </p:nvPr>
+        </p:nvPicPr>
+        <p:blipFill>
+          <a:blip r:embed="rId2">
+            <a:extLst>
+              <a:ext uri="{28A0092B-C50C-407E-A947-70E740481C1C}">
+                <a14:useLocalDpi xmlns:a14="http://schemas.microsoft.com/office/drawing/2010/main" val="0"/>
+              </a:ext>
+            </a:extLst>
+          </a:blip>
+          <a:stretch>
+            <a:fillRect/>
+          </a:stretch>
+        </p:blipFill>
+        <p:spPr>
+          <a:xfrm>
+            <a:off x="838200" y="2678073"/>
+            <a:ext cx="10515600" cy="2646442"/>
+          </a:xfrm>
+        </p:spPr>
+      </p:pic>
     </p:spTree>
     <p:extLst>
       <p:ext uri="{BB962C8B-B14F-4D97-AF65-F5344CB8AC3E}">
-        <p14:creationId xmlns:p14="http://schemas.microsoft.com/office/powerpoint/2010/main" val="384892571"/>
+        <p14:creationId xmlns:p14="http://schemas.microsoft.com/office/powerpoint/2010/main" val="3213113248"/>
       </p:ext>
     </p:extLst>
   </p:cSld>
@@ -13227,7 +13238,7 @@
           <p:cNvPr id="2" name="Title 1">
             <a:extLst>
               <a:ext uri="{FF2B5EF4-FFF2-40B4-BE49-F238E27FC236}">
-                <a16:creationId xmlns:a16="http://schemas.microsoft.com/office/drawing/2014/main" id="{58877F43-7F96-4A05-9192-F72D5998C0FD}"/>
+                <a16:creationId xmlns:a16="http://schemas.microsoft.com/office/drawing/2014/main" id="{F220168B-851B-448D-B065-1390D2D73C20}"/>
               </a:ext>
             </a:extLst>
           </p:cNvPr>
@@ -13245,47 +13256,40 @@
           <a:p>
             <a:r>
               <a:rPr lang="en-US" dirty="0"/>
-              <a:t>The Command Line</a:t>
-            </a:r>
-          </a:p>
-        </p:txBody>
-      </p:sp>
-      <p:pic>
-        <p:nvPicPr>
-          <p:cNvPr id="4" name="Content Placeholder 3">
+              <a:t>Common UI Tools</a:t>
+            </a:r>
+          </a:p>
+        </p:txBody>
+      </p:sp>
+      <p:sp>
+        <p:nvSpPr>
+          <p:cNvPr id="3" name="Text Placeholder 2">
             <a:extLst>
               <a:ext uri="{FF2B5EF4-FFF2-40B4-BE49-F238E27FC236}">
-                <a16:creationId xmlns:a16="http://schemas.microsoft.com/office/drawing/2014/main" id="{58CD5727-155C-4842-B31F-01A46BD28679}"/>
+                <a16:creationId xmlns:a16="http://schemas.microsoft.com/office/drawing/2014/main" id="{1471B88D-28C1-4B4E-A5A7-4BC5DECCA821}"/>
               </a:ext>
             </a:extLst>
           </p:cNvPr>
-          <p:cNvPicPr>
-            <a:picLocks noGrp="1" noChangeAspect="1"/>
-          </p:cNvPicPr>
-          <p:nvPr>
-            <p:ph idx="1"/>
-          </p:nvPr>
-        </p:nvPicPr>
-        <p:blipFill>
-          <a:blip r:embed="rId2"/>
-          <a:stretch>
-            <a:fillRect/>
-          </a:stretch>
-        </p:blipFill>
-        <p:spPr>
-          <a:xfrm>
-            <a:off x="2032713" y="1881069"/>
-            <a:ext cx="8126574" cy="4240449"/>
-          </a:xfrm>
-          <a:prstGeom prst="rect">
-            <a:avLst/>
-          </a:prstGeom>
-        </p:spPr>
-      </p:pic>
+          <p:cNvSpPr>
+            <a:spLocks noGrp="1"/>
+          </p:cNvSpPr>
+          <p:nvPr>
+            <p:ph type="body" idx="1"/>
+          </p:nvPr>
+        </p:nvSpPr>
+        <p:spPr/>
+        <p:txBody>
+          <a:bodyPr/>
+          <a:lstStyle/>
+          <a:p>
+            <a:endParaRPr lang="en-US"/>
+          </a:p>
+        </p:txBody>
+      </p:sp>
     </p:spTree>
     <p:extLst>
       <p:ext uri="{BB962C8B-B14F-4D97-AF65-F5344CB8AC3E}">
-        <p14:creationId xmlns:p14="http://schemas.microsoft.com/office/powerpoint/2010/main" val="1978598311"/>
+        <p14:creationId xmlns:p14="http://schemas.microsoft.com/office/powerpoint/2010/main" val="384892571"/>
       </p:ext>
     </p:extLst>
   </p:cSld>
@@ -13317,7 +13321,7 @@
           <p:cNvPr id="2" name="Title 1">
             <a:extLst>
               <a:ext uri="{FF2B5EF4-FFF2-40B4-BE49-F238E27FC236}">
-                <a16:creationId xmlns:a16="http://schemas.microsoft.com/office/drawing/2014/main" id="{6F065B9B-DF9F-4EE1-A34B-B214540B13E1}"/>
+                <a16:creationId xmlns:a16="http://schemas.microsoft.com/office/drawing/2014/main" id="{58877F43-7F96-4A05-9192-F72D5998C0FD}"/>
               </a:ext>
             </a:extLst>
           </p:cNvPr>
@@ -13340,79 +13344,42 @@
           </a:p>
         </p:txBody>
       </p:sp>
-      <p:sp>
-        <p:nvSpPr>
-          <p:cNvPr id="3" name="Content Placeholder 2">
+      <p:pic>
+        <p:nvPicPr>
+          <p:cNvPr id="4" name="Content Placeholder 3">
             <a:extLst>
               <a:ext uri="{FF2B5EF4-FFF2-40B4-BE49-F238E27FC236}">
-                <a16:creationId xmlns:a16="http://schemas.microsoft.com/office/drawing/2014/main" id="{C45A14B0-644B-4112-AA76-B2906EAB6FFB}"/>
+                <a16:creationId xmlns:a16="http://schemas.microsoft.com/office/drawing/2014/main" id="{58CD5727-155C-4842-B31F-01A46BD28679}"/>
               </a:ext>
             </a:extLst>
           </p:cNvPr>
-          <p:cNvSpPr>
-            <a:spLocks noGrp="1"/>
-          </p:cNvSpPr>
+          <p:cNvPicPr>
+            <a:picLocks noGrp="1" noChangeAspect="1"/>
+          </p:cNvPicPr>
           <p:nvPr>
             <p:ph idx="1"/>
           </p:nvPr>
-        </p:nvSpPr>
-        <p:spPr/>
-        <p:txBody>
-          <a:bodyPr/>
-          <a:lstStyle/>
-          <a:p>
-            <a:r>
-              <a:rPr lang="en-US" dirty="0"/>
-              <a:t>Advantages</a:t>
-            </a:r>
-          </a:p>
-          <a:p>
-            <a:pPr lvl="1"/>
-            <a:r>
-              <a:rPr lang="en-US" dirty="0"/>
-              <a:t>Ubiquitous</a:t>
-            </a:r>
-          </a:p>
-          <a:p>
-            <a:pPr lvl="1"/>
-            <a:r>
-              <a:rPr lang="en-US" dirty="0"/>
-              <a:t>Easy to find solutions, answers, hints</a:t>
-            </a:r>
-          </a:p>
-          <a:p>
-            <a:pPr lvl="1"/>
-            <a:r>
-              <a:rPr lang="en-US" dirty="0"/>
-              <a:t>It’s always there</a:t>
-            </a:r>
-          </a:p>
-          <a:p>
-            <a:r>
-              <a:rPr lang="en-US" dirty="0"/>
-              <a:t>Disadvantages</a:t>
-            </a:r>
-          </a:p>
-          <a:p>
-            <a:pPr lvl="1"/>
-            <a:r>
-              <a:rPr lang="en-US" dirty="0"/>
-              <a:t>It’s the command line.</a:t>
-            </a:r>
-          </a:p>
-          <a:p>
-            <a:pPr lvl="1"/>
-            <a:r>
-              <a:rPr lang="en-US" dirty="0"/>
-              <a:t>Seriously though… it’s the command line.</a:t>
-            </a:r>
-          </a:p>
-        </p:txBody>
-      </p:sp>
+        </p:nvPicPr>
+        <p:blipFill>
+          <a:blip r:embed="rId2"/>
+          <a:stretch>
+            <a:fillRect/>
+          </a:stretch>
+        </p:blipFill>
+        <p:spPr>
+          <a:xfrm>
+            <a:off x="2032713" y="1881069"/>
+            <a:ext cx="8126574" cy="4240449"/>
+          </a:xfrm>
+          <a:prstGeom prst="rect">
+            <a:avLst/>
+          </a:prstGeom>
+        </p:spPr>
+      </p:pic>
     </p:spTree>
     <p:extLst>
       <p:ext uri="{BB962C8B-B14F-4D97-AF65-F5344CB8AC3E}">
-        <p14:creationId xmlns:p14="http://schemas.microsoft.com/office/powerpoint/2010/main" val="2403642711"/>
+        <p14:creationId xmlns:p14="http://schemas.microsoft.com/office/powerpoint/2010/main" val="1978598311"/>
       </p:ext>
     </p:extLst>
   </p:cSld>
@@ -13444,7 +13411,7 @@
           <p:cNvPr id="2" name="Title 1">
             <a:extLst>
               <a:ext uri="{FF2B5EF4-FFF2-40B4-BE49-F238E27FC236}">
-                <a16:creationId xmlns:a16="http://schemas.microsoft.com/office/drawing/2014/main" id="{52B9E538-2607-48E8-89B9-7E324991C43E}"/>
+                <a16:creationId xmlns:a16="http://schemas.microsoft.com/office/drawing/2014/main" id="{6F065B9B-DF9F-4EE1-A34B-B214540B13E1}"/>
               </a:ext>
             </a:extLst>
           </p:cNvPr>
@@ -13462,47 +13429,84 @@
           <a:p>
             <a:r>
               <a:rPr lang="en-US" dirty="0"/>
-              <a:t>SourceTree</a:t>
-            </a:r>
-          </a:p>
-        </p:txBody>
-      </p:sp>
-      <p:pic>
-        <p:nvPicPr>
-          <p:cNvPr id="4" name="Content Placeholder 3">
+              <a:t>The Command Line</a:t>
+            </a:r>
+          </a:p>
+        </p:txBody>
+      </p:sp>
+      <p:sp>
+        <p:nvSpPr>
+          <p:cNvPr id="3" name="Content Placeholder 2">
             <a:extLst>
               <a:ext uri="{FF2B5EF4-FFF2-40B4-BE49-F238E27FC236}">
-                <a16:creationId xmlns:a16="http://schemas.microsoft.com/office/drawing/2014/main" id="{170692BA-4A52-45A4-AD54-BDE3EB083DF2}"/>
+                <a16:creationId xmlns:a16="http://schemas.microsoft.com/office/drawing/2014/main" id="{C45A14B0-644B-4112-AA76-B2906EAB6FFB}"/>
               </a:ext>
             </a:extLst>
           </p:cNvPr>
-          <p:cNvPicPr>
-            <a:picLocks noGrp="1" noChangeAspect="1"/>
-          </p:cNvPicPr>
+          <p:cNvSpPr>
+            <a:spLocks noGrp="1"/>
+          </p:cNvSpPr>
           <p:nvPr>
             <p:ph idx="1"/>
           </p:nvPr>
-        </p:nvPicPr>
-        <p:blipFill>
-          <a:blip r:embed="rId2"/>
-          <a:stretch>
-            <a:fillRect/>
-          </a:stretch>
-        </p:blipFill>
-        <p:spPr>
-          <a:xfrm>
-            <a:off x="2228144" y="1825625"/>
-            <a:ext cx="7735711" cy="4351338"/>
-          </a:xfrm>
-          <a:prstGeom prst="rect">
-            <a:avLst/>
-          </a:prstGeom>
-        </p:spPr>
-      </p:pic>
+        </p:nvSpPr>
+        <p:spPr/>
+        <p:txBody>
+          <a:bodyPr/>
+          <a:lstStyle/>
+          <a:p>
+            <a:r>
+              <a:rPr lang="en-US" dirty="0"/>
+              <a:t>Advantages</a:t>
+            </a:r>
+          </a:p>
+          <a:p>
+            <a:pPr lvl="1"/>
+            <a:r>
+              <a:rPr lang="en-US" dirty="0"/>
+              <a:t>Ubiquitous</a:t>
+            </a:r>
+          </a:p>
+          <a:p>
+            <a:pPr lvl="1"/>
+            <a:r>
+              <a:rPr lang="en-US" dirty="0"/>
+              <a:t>Easy to find solutions, answers, hints</a:t>
+            </a:r>
+          </a:p>
+          <a:p>
+            <a:pPr lvl="1"/>
+            <a:r>
+              <a:rPr lang="en-US" dirty="0"/>
+              <a:t>It’s always there</a:t>
+            </a:r>
+          </a:p>
+          <a:p>
+            <a:r>
+              <a:rPr lang="en-US" dirty="0"/>
+              <a:t>Disadvantages</a:t>
+            </a:r>
+          </a:p>
+          <a:p>
+            <a:pPr lvl="1"/>
+            <a:r>
+              <a:rPr lang="en-US" dirty="0"/>
+              <a:t>It’s the command line.</a:t>
+            </a:r>
+          </a:p>
+          <a:p>
+            <a:pPr lvl="1"/>
+            <a:r>
+              <a:rPr lang="en-US" dirty="0"/>
+              <a:t>Seriously though… it’s the command line.</a:t>
+            </a:r>
+          </a:p>
+        </p:txBody>
+      </p:sp>
     </p:spTree>
     <p:extLst>
       <p:ext uri="{BB962C8B-B14F-4D97-AF65-F5344CB8AC3E}">
-        <p14:creationId xmlns:p14="http://schemas.microsoft.com/office/powerpoint/2010/main" val="932627191"/>
+        <p14:creationId xmlns:p14="http://schemas.microsoft.com/office/powerpoint/2010/main" val="2403642711"/>
       </p:ext>
     </p:extLst>
   </p:cSld>
@@ -13534,7 +13538,7 @@
           <p:cNvPr id="2" name="Title 1">
             <a:extLst>
               <a:ext uri="{FF2B5EF4-FFF2-40B4-BE49-F238E27FC236}">
-                <a16:creationId xmlns:a16="http://schemas.microsoft.com/office/drawing/2014/main" id="{47F9B615-73A8-454F-BA70-483057F276EF}"/>
+                <a16:creationId xmlns:a16="http://schemas.microsoft.com/office/drawing/2014/main" id="{52B9E538-2607-48E8-89B9-7E324991C43E}"/>
               </a:ext>
             </a:extLst>
           </p:cNvPr>
@@ -13557,83 +13561,42 @@
           </a:p>
         </p:txBody>
       </p:sp>
-      <p:sp>
-        <p:nvSpPr>
-          <p:cNvPr id="3" name="Content Placeholder 2">
+      <p:pic>
+        <p:nvPicPr>
+          <p:cNvPr id="4" name="Content Placeholder 3">
             <a:extLst>
               <a:ext uri="{FF2B5EF4-FFF2-40B4-BE49-F238E27FC236}">
-                <a16:creationId xmlns:a16="http://schemas.microsoft.com/office/drawing/2014/main" id="{FFC99A81-2CCC-44FA-A25B-613AAA5F0C11}"/>
+                <a16:creationId xmlns:a16="http://schemas.microsoft.com/office/drawing/2014/main" id="{170692BA-4A52-45A4-AD54-BDE3EB083DF2}"/>
               </a:ext>
             </a:extLst>
           </p:cNvPr>
-          <p:cNvSpPr>
-            <a:spLocks noGrp="1"/>
-          </p:cNvSpPr>
+          <p:cNvPicPr>
+            <a:picLocks noGrp="1" noChangeAspect="1"/>
+          </p:cNvPicPr>
           <p:nvPr>
             <p:ph idx="1"/>
           </p:nvPr>
-        </p:nvSpPr>
-        <p:spPr/>
-        <p:txBody>
-          <a:bodyPr/>
-          <a:lstStyle/>
-          <a:p>
-            <a:r>
-              <a:rPr lang="en-US" dirty="0"/>
-              <a:t>Advantages</a:t>
-            </a:r>
-          </a:p>
-          <a:p>
-            <a:pPr lvl="1"/>
-            <a:r>
-              <a:rPr lang="en-US" dirty="0"/>
-              <a:t>Common UI</a:t>
-            </a:r>
-          </a:p>
-          <a:p>
-            <a:pPr lvl="1"/>
-            <a:r>
-              <a:rPr lang="en-US" dirty="0"/>
-              <a:t>Easy to use</a:t>
-            </a:r>
-          </a:p>
-          <a:p>
-            <a:pPr lvl="1"/>
-            <a:r>
-              <a:rPr lang="en-US" dirty="0"/>
-              <a:t>Multi-Platform</a:t>
-            </a:r>
-          </a:p>
-          <a:p>
-            <a:r>
-              <a:rPr lang="en-US" dirty="0"/>
-              <a:t>Disadvantages</a:t>
-            </a:r>
-          </a:p>
-          <a:p>
-            <a:pPr lvl="1"/>
-            <a:r>
-              <a:rPr lang="en-US" dirty="0"/>
-              <a:t>Seems to update a LOT – this can be a pain</a:t>
-            </a:r>
-          </a:p>
-          <a:p>
-            <a:pPr lvl="1"/>
-            <a:r>
-              <a:rPr lang="en-US" dirty="0"/>
-              <a:t>Owned by Atlassian, requires </a:t>
-            </a:r>
-            <a:r>
-              <a:rPr lang="en-US"/>
-              <a:t>an account</a:t>
-            </a:r>
-          </a:p>
-        </p:txBody>
-      </p:sp>
+        </p:nvPicPr>
+        <p:blipFill>
+          <a:blip r:embed="rId2"/>
+          <a:stretch>
+            <a:fillRect/>
+          </a:stretch>
+        </p:blipFill>
+        <p:spPr>
+          <a:xfrm>
+            <a:off x="2228144" y="1825625"/>
+            <a:ext cx="7735711" cy="4351338"/>
+          </a:xfrm>
+          <a:prstGeom prst="rect">
+            <a:avLst/>
+          </a:prstGeom>
+        </p:spPr>
+      </p:pic>
     </p:spTree>
     <p:extLst>
       <p:ext uri="{BB962C8B-B14F-4D97-AF65-F5344CB8AC3E}">
-        <p14:creationId xmlns:p14="http://schemas.microsoft.com/office/powerpoint/2010/main" val="105811851"/>
+        <p14:creationId xmlns:p14="http://schemas.microsoft.com/office/powerpoint/2010/main" val="932627191"/>
       </p:ext>
     </p:extLst>
   </p:cSld>
@@ -13665,7 +13628,7 @@
           <p:cNvPr id="2" name="Title 1">
             <a:extLst>
               <a:ext uri="{FF2B5EF4-FFF2-40B4-BE49-F238E27FC236}">
-                <a16:creationId xmlns:a16="http://schemas.microsoft.com/office/drawing/2014/main" id="{BF5778DD-3C07-454D-981B-E4BE4CA84837}"/>
+                <a16:creationId xmlns:a16="http://schemas.microsoft.com/office/drawing/2014/main" id="{47F9B615-73A8-454F-BA70-483057F276EF}"/>
               </a:ext>
             </a:extLst>
           </p:cNvPr>
@@ -13683,7 +13646,7 @@
           <a:p>
             <a:r>
               <a:rPr lang="en-US" dirty="0"/>
-              <a:t>Further Reading</a:t>
+              <a:t>SourceTree</a:t>
             </a:r>
           </a:p>
         </p:txBody>
@@ -13693,7 +13656,7 @@
           <p:cNvPr id="3" name="Content Placeholder 2">
             <a:extLst>
               <a:ext uri="{FF2B5EF4-FFF2-40B4-BE49-F238E27FC236}">
-                <a16:creationId xmlns:a16="http://schemas.microsoft.com/office/drawing/2014/main" id="{E247E0E1-E313-4A40-8C8D-801950F08A6F}"/>
+                <a16:creationId xmlns:a16="http://schemas.microsoft.com/office/drawing/2014/main" id="{FFC99A81-2CCC-44FA-A25B-613AAA5F0C11}"/>
               </a:ext>
             </a:extLst>
           </p:cNvPr>
@@ -13711,66 +13674,60 @@
           <a:p>
             <a:r>
               <a:rPr lang="en-US" dirty="0"/>
-              <a:t>Comparisons of Hosting Platforms</a:t>
+              <a:t>Advantages</a:t>
             </a:r>
           </a:p>
           <a:p>
             <a:pPr lvl="1"/>
             <a:r>
-              <a:rPr lang="en-US" dirty="0">
-                <a:hlinkClick r:id="rId2"/>
-              </a:rPr>
-              <a:t>https://www.funkysi1701.com/2017/03/06/github-vs-bitbucket-vs-vsts/</a:t>
-            </a:r>
-            <a:endParaRPr lang="en-US" dirty="0"/>
+              <a:rPr lang="en-US" dirty="0"/>
+              <a:t>Common UI</a:t>
+            </a:r>
           </a:p>
           <a:p>
             <a:pPr lvl="1"/>
             <a:r>
-              <a:rPr lang="en-US" dirty="0">
-                <a:hlinkClick r:id="rId3"/>
-              </a:rPr>
-              <a:t>https://www.upguard.com/articles/microsoft-visual-studio-team-services-vs-github</a:t>
-            </a:r>
-            <a:r>
-              <a:rPr lang="en-US" dirty="0"/>
-              <a:t> </a:t>
-            </a:r>
-          </a:p>
-          <a:p>
-            <a:r>
-              <a:rPr lang="en-US" dirty="0"/>
-              <a:t>Tips and Tricks</a:t>
+              <a:rPr lang="en-US" dirty="0"/>
+              <a:t>Easy to use</a:t>
             </a:r>
           </a:p>
           <a:p>
             <a:pPr lvl="1"/>
             <a:r>
               <a:rPr lang="en-US" dirty="0"/>
-              <a:t>Sync VSTS and Github: </a:t>
-            </a:r>
-            <a:r>
-              <a:rPr lang="en-US" dirty="0">
-                <a:hlinkClick r:id="rId4"/>
-              </a:rPr>
-              <a:t>https://nkdagility.com/open-source-vsts-tfs-github-better-devops/</a:t>
-            </a:r>
-            <a:endParaRPr lang="en-US" dirty="0"/>
+              <a:t>Multi-Platform</a:t>
+            </a:r>
+          </a:p>
+          <a:p>
+            <a:r>
+              <a:rPr lang="en-US" dirty="0"/>
+              <a:t>Disadvantages</a:t>
+            </a:r>
           </a:p>
           <a:p>
             <a:pPr lvl="1"/>
-            <a:endParaRPr lang="en-US" dirty="0"/>
+            <a:r>
+              <a:rPr lang="en-US" dirty="0"/>
+              <a:t>Seems to update a LOT – this can be a pain</a:t>
+            </a:r>
           </a:p>
           <a:p>
             <a:pPr lvl="1"/>
-            <a:endParaRPr lang="en-US" dirty="0"/>
+            <a:r>
+              <a:rPr lang="en-US" dirty="0"/>
+              <a:t>Owned by Atlassian, requires </a:t>
+            </a:r>
+            <a:r>
+              <a:rPr lang="en-US"/>
+              <a:t>an account</a:t>
+            </a:r>
           </a:p>
         </p:txBody>
       </p:sp>
     </p:spTree>
     <p:extLst>
       <p:ext uri="{BB962C8B-B14F-4D97-AF65-F5344CB8AC3E}">
-        <p14:creationId xmlns:p14="http://schemas.microsoft.com/office/powerpoint/2010/main" val="1356405967"/>
+        <p14:creationId xmlns:p14="http://schemas.microsoft.com/office/powerpoint/2010/main" val="105811851"/>
       </p:ext>
     </p:extLst>
   </p:cSld>
@@ -13781,6 +13738,81 @@
 </file>
 
 <file path=ppt/slides/slide38.xml><?xml version="1.0" encoding="utf-8"?>
+<p:sld xmlns:a="http://schemas.openxmlformats.org/drawingml/2006/main" xmlns:r="http://schemas.openxmlformats.org/officeDocument/2006/relationships" xmlns:p="http://schemas.openxmlformats.org/presentationml/2006/main">
+  <p:cSld>
+    <p:bg>
+      <p:bgPr>
+        <a:solidFill>
+          <a:schemeClr val="bg1"/>
+        </a:solidFill>
+        <a:effectLst/>
+      </p:bgPr>
+    </p:bg>
+    <p:spTree>
+      <p:nvGrpSpPr>
+        <p:cNvPr id="1" name=""/>
+        <p:cNvGrpSpPr/>
+        <p:nvPr/>
+      </p:nvGrpSpPr>
+      <p:grpSpPr>
+        <a:xfrm>
+          <a:off x="0" y="0"/>
+          <a:ext cx="0" cy="0"/>
+          <a:chOff x="0" y="0"/>
+          <a:chExt cx="0" cy="0"/>
+        </a:xfrm>
+      </p:grpSpPr>
+      <p:pic>
+        <p:nvPicPr>
+          <p:cNvPr id="5" name="Content Placeholder 4" descr="A screenshot of a cell phone&#10;&#10;Description automatically generated">
+            <a:extLst>
+              <a:ext uri="{FF2B5EF4-FFF2-40B4-BE49-F238E27FC236}">
+                <a16:creationId xmlns:a16="http://schemas.microsoft.com/office/drawing/2014/main" id="{01658ECE-54C8-46FA-A7FC-118AD333C8CB}"/>
+              </a:ext>
+            </a:extLst>
+          </p:cNvPr>
+          <p:cNvPicPr>
+            <a:picLocks noGrp="1" noChangeAspect="1"/>
+          </p:cNvPicPr>
+          <p:nvPr>
+            <p:ph idx="1"/>
+          </p:nvPr>
+        </p:nvPicPr>
+        <p:blipFill rotWithShape="1">
+          <a:blip r:embed="rId2">
+            <a:extLst>
+              <a:ext uri="{28A0092B-C50C-407E-A947-70E740481C1C}">
+                <a14:useLocalDpi xmlns:a14="http://schemas.microsoft.com/office/drawing/2010/main" val="0"/>
+              </a:ext>
+            </a:extLst>
+          </a:blip>
+          <a:srcRect t="694" r="-1" b="530"/>
+          <a:stretch/>
+        </p:blipFill>
+        <p:spPr>
+          <a:xfrm>
+            <a:off x="20" y="10"/>
+            <a:ext cx="12191980" cy="6857990"/>
+          </a:xfrm>
+          <a:prstGeom prst="rect">
+            <a:avLst/>
+          </a:prstGeom>
+        </p:spPr>
+      </p:pic>
+    </p:spTree>
+    <p:extLst>
+      <p:ext uri="{BB962C8B-B14F-4D97-AF65-F5344CB8AC3E}">
+        <p14:creationId xmlns:p14="http://schemas.microsoft.com/office/powerpoint/2010/main" val="396134791"/>
+      </p:ext>
+    </p:extLst>
+  </p:cSld>
+  <p:clrMapOvr>
+    <a:masterClrMapping/>
+  </p:clrMapOvr>
+</p:sld>
+</file>
+
+<file path=ppt/slides/slide39.xml><?xml version="1.0" encoding="utf-8"?>
 <p:sld xmlns:a="http://schemas.openxmlformats.org/drawingml/2006/main" xmlns:r="http://schemas.openxmlformats.org/officeDocument/2006/relationships" xmlns:p="http://schemas.openxmlformats.org/presentationml/2006/main">
   <p:cSld>
     <p:spTree>
@@ -13799,12 +13831,18 @@
       </p:grpSpPr>
       <p:sp>
         <p:nvSpPr>
-          <p:cNvPr id="6" name="Text Placeholder 5"/>
+          <p:cNvPr id="2" name="Title 1">
+            <a:extLst>
+              <a:ext uri="{FF2B5EF4-FFF2-40B4-BE49-F238E27FC236}">
+                <a16:creationId xmlns:a16="http://schemas.microsoft.com/office/drawing/2014/main" id="{BF5778DD-3C07-454D-981B-E4BE4CA84837}"/>
+              </a:ext>
+            </a:extLst>
+          </p:cNvPr>
           <p:cNvSpPr>
             <a:spLocks noGrp="1"/>
           </p:cNvSpPr>
           <p:nvPr>
-            <p:ph type="body" sz="quarter" idx="10"/>
+            <p:ph type="title"/>
           </p:nvPr>
         </p:nvSpPr>
         <p:spPr/>
@@ -13812,18 +13850,27 @@
           <a:bodyPr/>
           <a:lstStyle/>
           <a:p>
-            <a:endParaRPr lang="en-US" dirty="0"/>
-          </a:p>
-        </p:txBody>
-      </p:sp>
-      <p:sp>
-        <p:nvSpPr>
-          <p:cNvPr id="7" name="Text Placeholder 6"/>
+            <a:r>
+              <a:rPr lang="en-US" dirty="0"/>
+              <a:t>Further Reading</a:t>
+            </a:r>
+          </a:p>
+        </p:txBody>
+      </p:sp>
+      <p:sp>
+        <p:nvSpPr>
+          <p:cNvPr id="3" name="Content Placeholder 2">
+            <a:extLst>
+              <a:ext uri="{FF2B5EF4-FFF2-40B4-BE49-F238E27FC236}">
+                <a16:creationId xmlns:a16="http://schemas.microsoft.com/office/drawing/2014/main" id="{E247E0E1-E313-4A40-8C8D-801950F08A6F}"/>
+              </a:ext>
+            </a:extLst>
+          </p:cNvPr>
           <p:cNvSpPr>
             <a:spLocks noGrp="1"/>
           </p:cNvSpPr>
           <p:nvPr>
-            <p:ph type="body" sz="quarter" idx="11"/>
+            <p:ph idx="1"/>
           </p:nvPr>
         </p:nvSpPr>
         <p:spPr/>
@@ -13831,6 +13878,60 @@
           <a:bodyPr/>
           <a:lstStyle/>
           <a:p>
+            <a:r>
+              <a:rPr lang="en-US" dirty="0"/>
+              <a:t>Comparisons of Hosting Platforms</a:t>
+            </a:r>
+          </a:p>
+          <a:p>
+            <a:pPr lvl="1"/>
+            <a:r>
+              <a:rPr lang="en-US" dirty="0">
+                <a:hlinkClick r:id="rId2"/>
+              </a:rPr>
+              <a:t>https://www.funkysi1701.com/2017/03/06/github-vs-bitbucket-vs-vsts/</a:t>
+            </a:r>
+            <a:endParaRPr lang="en-US" dirty="0"/>
+          </a:p>
+          <a:p>
+            <a:pPr lvl="1"/>
+            <a:r>
+              <a:rPr lang="en-US" dirty="0">
+                <a:hlinkClick r:id="rId3"/>
+              </a:rPr>
+              <a:t>https://www.upguard.com/articles/microsoft-visual-studio-team-services-vs-github</a:t>
+            </a:r>
+            <a:r>
+              <a:rPr lang="en-US" dirty="0"/>
+              <a:t> </a:t>
+            </a:r>
+          </a:p>
+          <a:p>
+            <a:r>
+              <a:rPr lang="en-US" dirty="0"/>
+              <a:t>Tips and Tricks</a:t>
+            </a:r>
+          </a:p>
+          <a:p>
+            <a:pPr lvl="1"/>
+            <a:r>
+              <a:rPr lang="en-US" dirty="0"/>
+              <a:t>Sync VSTS and Github: </a:t>
+            </a:r>
+            <a:r>
+              <a:rPr lang="en-US" dirty="0">
+                <a:hlinkClick r:id="rId4"/>
+              </a:rPr>
+              <a:t>https://nkdagility.com/open-source-vsts-tfs-github-better-devops/</a:t>
+            </a:r>
+            <a:endParaRPr lang="en-US" dirty="0"/>
+          </a:p>
+          <a:p>
+            <a:pPr lvl="1"/>
+            <a:endParaRPr lang="en-US" dirty="0"/>
+          </a:p>
+          <a:p>
+            <a:pPr lvl="1"/>
             <a:endParaRPr lang="en-US" dirty="0"/>
           </a:p>
         </p:txBody>
@@ -13838,7 +13939,7 @@
     </p:spTree>
     <p:extLst>
       <p:ext uri="{BB962C8B-B14F-4D97-AF65-F5344CB8AC3E}">
-        <p14:creationId xmlns:p14="http://schemas.microsoft.com/office/powerpoint/2010/main" val="1253018918"/>
+        <p14:creationId xmlns:p14="http://schemas.microsoft.com/office/powerpoint/2010/main" val="1356405967"/>
       </p:ext>
     </p:extLst>
   </p:cSld>
@@ -13931,7 +14032,7 @@
 </p:sld>
 </file>
 
-<file path=ppt/slides/slide5.xml><?xml version="1.0" encoding="utf-8"?>
+<file path=ppt/slides/slide40.xml><?xml version="1.0" encoding="utf-8"?>
 <p:sld xmlns:a="http://schemas.openxmlformats.org/drawingml/2006/main" xmlns:r="http://schemas.openxmlformats.org/officeDocument/2006/relationships" xmlns:p="http://schemas.openxmlformats.org/presentationml/2006/main">
   <p:cSld>
     <p:spTree>
@@ -13950,18 +14051,12 @@
       </p:grpSpPr>
       <p:sp>
         <p:nvSpPr>
-          <p:cNvPr id="2" name="Title 1">
-            <a:extLst>
-              <a:ext uri="{FF2B5EF4-FFF2-40B4-BE49-F238E27FC236}">
-                <a16:creationId xmlns:a16="http://schemas.microsoft.com/office/drawing/2014/main" id="{71E24656-6B52-405F-BB67-7DE183700510}"/>
-              </a:ext>
-            </a:extLst>
-          </p:cNvPr>
+          <p:cNvPr id="6" name="Text Placeholder 5"/>
           <p:cNvSpPr>
             <a:spLocks noGrp="1"/>
           </p:cNvSpPr>
           <p:nvPr>
-            <p:ph type="title"/>
+            <p:ph type="body" sz="quarter" idx="10"/>
           </p:nvPr>
         </p:nvSpPr>
         <p:spPr/>
@@ -13969,27 +14064,18 @@
           <a:bodyPr/>
           <a:lstStyle/>
           <a:p>
-            <a:r>
-              <a:rPr lang="en-US" dirty="0"/>
-              <a:t>These are BASICS!!!</a:t>
-            </a:r>
-          </a:p>
-        </p:txBody>
-      </p:sp>
-      <p:sp>
-        <p:nvSpPr>
-          <p:cNvPr id="3" name="Content Placeholder 2">
-            <a:extLst>
-              <a:ext uri="{FF2B5EF4-FFF2-40B4-BE49-F238E27FC236}">
-                <a16:creationId xmlns:a16="http://schemas.microsoft.com/office/drawing/2014/main" id="{66009EEA-4BD3-427E-9680-B9E0115DA2E5}"/>
-              </a:ext>
-            </a:extLst>
-          </p:cNvPr>
+            <a:endParaRPr lang="en-US" dirty="0"/>
+          </a:p>
+        </p:txBody>
+      </p:sp>
+      <p:sp>
+        <p:nvSpPr>
+          <p:cNvPr id="7" name="Text Placeholder 6"/>
           <p:cNvSpPr>
             <a:spLocks noGrp="1"/>
           </p:cNvSpPr>
           <p:nvPr>
-            <p:ph idx="1"/>
+            <p:ph type="body" sz="quarter" idx="11"/>
           </p:nvPr>
         </p:nvSpPr>
         <p:spPr/>
@@ -13997,38 +14083,411 @@
           <a:bodyPr/>
           <a:lstStyle/>
           <a:p>
-            <a:r>
-              <a:rPr lang="en-US" dirty="0"/>
-              <a:t>I’m really not a Git Guru. </a:t>
-            </a:r>
-          </a:p>
-          <a:p>
-            <a:r>
-              <a:rPr lang="en-US" dirty="0"/>
-              <a:t>I don’t really know how the SHA-1 Hashes are computed. Nor do I care.</a:t>
-            </a:r>
-          </a:p>
-          <a:p>
-            <a:r>
-              <a:rPr lang="en-US" dirty="0"/>
-              <a:t>I don’t know why Snapshot differences are better than Delta differences… I just know it works, and makes my life easier.</a:t>
-            </a:r>
-          </a:p>
-          <a:p>
             <a:endParaRPr lang="en-US" dirty="0"/>
-          </a:p>
-          <a:p>
-            <a:r>
-              <a:rPr lang="en-US" dirty="0"/>
-              <a:t>I will try to give you some places to find more in-depth answers!</a:t>
-            </a:r>
           </a:p>
         </p:txBody>
       </p:sp>
     </p:spTree>
     <p:extLst>
       <p:ext uri="{BB962C8B-B14F-4D97-AF65-F5344CB8AC3E}">
-        <p14:creationId xmlns:p14="http://schemas.microsoft.com/office/powerpoint/2010/main" val="1234754382"/>
+        <p14:creationId xmlns:p14="http://schemas.microsoft.com/office/powerpoint/2010/main" val="1253018918"/>
+      </p:ext>
+    </p:extLst>
+  </p:cSld>
+  <p:clrMapOvr>
+    <a:masterClrMapping/>
+  </p:clrMapOvr>
+</p:sld>
+</file>
+
+<file path=ppt/slides/slide5.xml><?xml version="1.0" encoding="utf-8"?>
+<p:sld xmlns:a="http://schemas.openxmlformats.org/drawingml/2006/main" xmlns:r="http://schemas.openxmlformats.org/officeDocument/2006/relationships" xmlns:p="http://schemas.openxmlformats.org/presentationml/2006/main">
+  <p:cSld>
+    <p:bg>
+      <p:bgPr>
+        <a:solidFill>
+          <a:schemeClr val="bg1"/>
+        </a:solidFill>
+        <a:effectLst/>
+      </p:bgPr>
+    </p:bg>
+    <p:spTree>
+      <p:nvGrpSpPr>
+        <p:cNvPr id="1" name=""/>
+        <p:cNvGrpSpPr/>
+        <p:nvPr/>
+      </p:nvGrpSpPr>
+      <p:grpSpPr>
+        <a:xfrm>
+          <a:off x="0" y="0"/>
+          <a:ext cx="0" cy="0"/>
+          <a:chOff x="0" y="0"/>
+          <a:chExt cx="0" cy="0"/>
+        </a:xfrm>
+      </p:grpSpPr>
+      <p:sp>
+        <p:nvSpPr>
+          <p:cNvPr id="12" name="Rectangle 11">
+            <a:extLst>
+              <a:ext uri="{FF2B5EF4-FFF2-40B4-BE49-F238E27FC236}">
+                <a16:creationId xmlns:a16="http://schemas.microsoft.com/office/drawing/2014/main" id="{57845966-6EFC-468A-9CC7-BAB4B95854E7}"/>
+              </a:ext>
+              <a:ext uri="{C183D7F6-B498-43B3-948B-1728B52AA6E4}">
+                <adec:decorative xmlns:adec="http://schemas.microsoft.com/office/drawing/2017/decorative" val="1"/>
+              </a:ext>
+            </a:extLst>
+          </p:cNvPr>
+          <p:cNvSpPr>
+            <a:spLocks noGrp="1" noRot="1" noChangeAspect="1" noMove="1" noResize="1" noEditPoints="1" noAdjustHandles="1" noChangeArrowheads="1" noChangeShapeType="1" noTextEdit="1"/>
+          </p:cNvSpPr>
+          <p:nvPr>
+            <p:extLst>
+              <p:ext uri="{386F3935-93C4-4BCD-93E2-E3B085C9AB24}">
+                <p16:designElem xmlns:p16="http://schemas.microsoft.com/office/powerpoint/2015/main" val="1"/>
+              </p:ext>
+            </p:extLst>
+          </p:nvPr>
+        </p:nvSpPr>
+        <p:spPr>
+          <a:xfrm>
+            <a:off x="1354372" y="0"/>
+            <a:ext cx="9483256" cy="6858000"/>
+          </a:xfrm>
+          <a:prstGeom prst="rect">
+            <a:avLst/>
+          </a:prstGeom>
+          <a:gradFill>
+            <a:gsLst>
+              <a:gs pos="0">
+                <a:schemeClr val="accent1">
+                  <a:lumMod val="100000"/>
+                  <a:alpha val="82000"/>
+                </a:schemeClr>
+              </a:gs>
+              <a:gs pos="25000">
+                <a:schemeClr val="accent1">
+                  <a:alpha val="60000"/>
+                </a:schemeClr>
+              </a:gs>
+              <a:gs pos="94000">
+                <a:schemeClr val="bg2">
+                  <a:lumMod val="75000"/>
+                </a:schemeClr>
+              </a:gs>
+              <a:gs pos="100000">
+                <a:schemeClr val="bg2">
+                  <a:lumMod val="75000"/>
+                </a:schemeClr>
+              </a:gs>
+            </a:gsLst>
+            <a:lin ang="4200000" scaled="0"/>
+          </a:gradFill>
+          <a:ln>
+            <a:noFill/>
+          </a:ln>
+        </p:spPr>
+        <p:style>
+          <a:lnRef idx="2">
+            <a:schemeClr val="accent1">
+              <a:shade val="50000"/>
+            </a:schemeClr>
+          </a:lnRef>
+          <a:fillRef idx="1">
+            <a:schemeClr val="accent1"/>
+          </a:fillRef>
+          <a:effectRef idx="0">
+            <a:schemeClr val="accent1"/>
+          </a:effectRef>
+          <a:fontRef idx="minor">
+            <a:schemeClr val="lt1"/>
+          </a:fontRef>
+        </p:style>
+        <p:txBody>
+          <a:bodyPr rtlCol="0" anchor="ctr"/>
+          <a:lstStyle/>
+          <a:p>
+            <a:pPr algn="ctr"/>
+            <a:endParaRPr lang="en-US"/>
+          </a:p>
+        </p:txBody>
+      </p:sp>
+      <p:pic>
+        <p:nvPicPr>
+          <p:cNvPr id="14" name="Picture 13">
+            <a:extLst>
+              <a:ext uri="{FF2B5EF4-FFF2-40B4-BE49-F238E27FC236}">
+                <a16:creationId xmlns:a16="http://schemas.microsoft.com/office/drawing/2014/main" id="{75554383-98AF-4A47-BB65-705FAAA4BE6A}"/>
+              </a:ext>
+              <a:ext uri="{C183D7F6-B498-43B3-948B-1728B52AA6E4}">
+                <adec:decorative xmlns:adec="http://schemas.microsoft.com/office/drawing/2017/decorative" val="1"/>
+              </a:ext>
+            </a:extLst>
+          </p:cNvPr>
+          <p:cNvPicPr>
+            <a:picLocks noGrp="1" noRot="1" noChangeAspect="1" noMove="1" noResize="1" noEditPoints="1" noAdjustHandles="1" noChangeArrowheads="1" noChangeShapeType="1" noCrop="1"/>
+          </p:cNvPicPr>
+          <p:nvPr>
+            <p:extLst>
+              <p:ext uri="{386F3935-93C4-4BCD-93E2-E3B085C9AB24}">
+                <p16:designElem xmlns:p16="http://schemas.microsoft.com/office/powerpoint/2015/main" val="1"/>
+              </p:ext>
+            </p:extLst>
+          </p:nvPr>
+        </p:nvPicPr>
+        <p:blipFill>
+          <a:blip r:embed="rId2">
+            <a:extLst>
+              <a:ext uri="{28A0092B-C50C-407E-A947-70E740481C1C}">
+                <a14:useLocalDpi xmlns:a14="http://schemas.microsoft.com/office/drawing/2010/main" val="0"/>
+              </a:ext>
+            </a:extLst>
+          </a:blip>
+          <a:stretch>
+            <a:fillRect/>
+          </a:stretch>
+        </p:blipFill>
+        <p:spPr>
+          <a:xfrm>
+            <a:off x="0" y="0"/>
+            <a:ext cx="12192000" cy="6858000"/>
+          </a:xfrm>
+          <a:prstGeom prst="rect">
+            <a:avLst/>
+          </a:prstGeom>
+        </p:spPr>
+      </p:pic>
+      <p:sp>
+        <p:nvSpPr>
+          <p:cNvPr id="16" name="Freeform: Shape 15">
+            <a:extLst>
+              <a:ext uri="{FF2B5EF4-FFF2-40B4-BE49-F238E27FC236}">
+                <a16:creationId xmlns:a16="http://schemas.microsoft.com/office/drawing/2014/main" id="{ADAD1991-FFD1-4E94-ABAB-7560D33008E4}"/>
+              </a:ext>
+              <a:ext uri="{C183D7F6-B498-43B3-948B-1728B52AA6E4}">
+                <adec:decorative xmlns:adec="http://schemas.microsoft.com/office/drawing/2017/decorative" val="1"/>
+              </a:ext>
+            </a:extLst>
+          </p:cNvPr>
+          <p:cNvSpPr>
+            <a:spLocks noGrp="1" noRot="1" noChangeAspect="1" noMove="1" noResize="1" noEditPoints="1" noAdjustHandles="1" noChangeArrowheads="1" noChangeShapeType="1" noTextEdit="1"/>
+          </p:cNvSpPr>
+          <p:nvPr>
+            <p:extLst>
+              <p:ext uri="{386F3935-93C4-4BCD-93E2-E3B085C9AB24}">
+                <p16:designElem xmlns:p16="http://schemas.microsoft.com/office/powerpoint/2015/main" val="1"/>
+              </p:ext>
+            </p:extLst>
+          </p:nvPr>
+        </p:nvSpPr>
+        <p:spPr>
+          <a:xfrm>
+            <a:off x="2144484" y="0"/>
+            <a:ext cx="7837716" cy="6858000"/>
+          </a:xfrm>
+          <a:custGeom>
+            <a:avLst/>
+            <a:gdLst>
+              <a:gd name="connsiteX0" fmla="*/ 2232159 w 7837716"/>
+              <a:gd name="connsiteY0" fmla="*/ 0 h 6858000"/>
+              <a:gd name="connsiteX1" fmla="*/ 5605557 w 7837716"/>
+              <a:gd name="connsiteY1" fmla="*/ 0 h 6858000"/>
+              <a:gd name="connsiteX2" fmla="*/ 5617845 w 7837716"/>
+              <a:gd name="connsiteY2" fmla="*/ 5384 h 6858000"/>
+              <a:gd name="connsiteX3" fmla="*/ 7837716 w 7837716"/>
+              <a:gd name="connsiteY3" fmla="*/ 3429000 h 6858000"/>
+              <a:gd name="connsiteX4" fmla="*/ 5617845 w 7837716"/>
+              <a:gd name="connsiteY4" fmla="*/ 6852616 h 6858000"/>
+              <a:gd name="connsiteX5" fmla="*/ 5605557 w 7837716"/>
+              <a:gd name="connsiteY5" fmla="*/ 6858000 h 6858000"/>
+              <a:gd name="connsiteX6" fmla="*/ 2232159 w 7837716"/>
+              <a:gd name="connsiteY6" fmla="*/ 6858000 h 6858000"/>
+              <a:gd name="connsiteX7" fmla="*/ 2219871 w 7837716"/>
+              <a:gd name="connsiteY7" fmla="*/ 6852616 h 6858000"/>
+              <a:gd name="connsiteX8" fmla="*/ 0 w 7837716"/>
+              <a:gd name="connsiteY8" fmla="*/ 3429000 h 6858000"/>
+              <a:gd name="connsiteX9" fmla="*/ 2219871 w 7837716"/>
+              <a:gd name="connsiteY9" fmla="*/ 5384 h 6858000"/>
+            </a:gdLst>
+            <a:ahLst/>
+            <a:cxnLst>
+              <a:cxn ang="0">
+                <a:pos x="connsiteX0" y="connsiteY0"/>
+              </a:cxn>
+              <a:cxn ang="0">
+                <a:pos x="connsiteX1" y="connsiteY1"/>
+              </a:cxn>
+              <a:cxn ang="0">
+                <a:pos x="connsiteX2" y="connsiteY2"/>
+              </a:cxn>
+              <a:cxn ang="0">
+                <a:pos x="connsiteX3" y="connsiteY3"/>
+              </a:cxn>
+              <a:cxn ang="0">
+                <a:pos x="connsiteX4" y="connsiteY4"/>
+              </a:cxn>
+              <a:cxn ang="0">
+                <a:pos x="connsiteX5" y="connsiteY5"/>
+              </a:cxn>
+              <a:cxn ang="0">
+                <a:pos x="connsiteX6" y="connsiteY6"/>
+              </a:cxn>
+              <a:cxn ang="0">
+                <a:pos x="connsiteX7" y="connsiteY7"/>
+              </a:cxn>
+              <a:cxn ang="0">
+                <a:pos x="connsiteX8" y="connsiteY8"/>
+              </a:cxn>
+              <a:cxn ang="0">
+                <a:pos x="connsiteX9" y="connsiteY9"/>
+              </a:cxn>
+            </a:cxnLst>
+            <a:rect l="l" t="t" r="r" b="b"/>
+            <a:pathLst>
+              <a:path w="7837716" h="6858000">
+                <a:moveTo>
+                  <a:pt x="2232159" y="0"/>
+                </a:moveTo>
+                <a:lnTo>
+                  <a:pt x="5605557" y="0"/>
+                </a:lnTo>
+                <a:lnTo>
+                  <a:pt x="5617845" y="5384"/>
+                </a:lnTo>
+                <a:cubicBezTo>
+                  <a:pt x="6931322" y="618789"/>
+                  <a:pt x="7837716" y="1921305"/>
+                  <a:pt x="7837716" y="3429000"/>
+                </a:cubicBezTo>
+                <a:cubicBezTo>
+                  <a:pt x="7837716" y="4936696"/>
+                  <a:pt x="6931322" y="6239212"/>
+                  <a:pt x="5617845" y="6852616"/>
+                </a:cubicBezTo>
+                <a:lnTo>
+                  <a:pt x="5605557" y="6858000"/>
+                </a:lnTo>
+                <a:lnTo>
+                  <a:pt x="2232159" y="6858000"/>
+                </a:lnTo>
+                <a:lnTo>
+                  <a:pt x="2219871" y="6852616"/>
+                </a:lnTo>
+                <a:cubicBezTo>
+                  <a:pt x="906394" y="6239212"/>
+                  <a:pt x="0" y="4936696"/>
+                  <a:pt x="0" y="3429000"/>
+                </a:cubicBezTo>
+                <a:cubicBezTo>
+                  <a:pt x="0" y="1921305"/>
+                  <a:pt x="906394" y="618789"/>
+                  <a:pt x="2219871" y="5384"/>
+                </a:cubicBezTo>
+                <a:close/>
+              </a:path>
+            </a:pathLst>
+          </a:custGeom>
+          <a:solidFill>
+            <a:schemeClr val="bg1"/>
+          </a:solidFill>
+          <a:ln>
+            <a:gradFill>
+              <a:gsLst>
+                <a:gs pos="0">
+                  <a:schemeClr val="accent1">
+                    <a:lumMod val="40000"/>
+                    <a:lumOff val="60000"/>
+                  </a:schemeClr>
+                </a:gs>
+                <a:gs pos="23000">
+                  <a:schemeClr val="accent1">
+                    <a:lumMod val="45000"/>
+                    <a:lumOff val="55000"/>
+                  </a:schemeClr>
+                </a:gs>
+                <a:gs pos="83000">
+                  <a:schemeClr val="bg2">
+                    <a:lumMod val="82000"/>
+                  </a:schemeClr>
+                </a:gs>
+                <a:gs pos="100000">
+                  <a:schemeClr val="bg2">
+                    <a:lumMod val="87000"/>
+                  </a:schemeClr>
+                </a:gs>
+              </a:gsLst>
+              <a:lin ang="5400000" scaled="1"/>
+            </a:gradFill>
+          </a:ln>
+        </p:spPr>
+        <p:style>
+          <a:lnRef idx="2">
+            <a:schemeClr val="accent1">
+              <a:shade val="50000"/>
+            </a:schemeClr>
+          </a:lnRef>
+          <a:fillRef idx="1">
+            <a:schemeClr val="accent1"/>
+          </a:fillRef>
+          <a:effectRef idx="0">
+            <a:schemeClr val="accent1"/>
+          </a:effectRef>
+          <a:fontRef idx="minor">
+            <a:schemeClr val="lt1"/>
+          </a:fontRef>
+        </p:style>
+        <p:txBody>
+          <a:bodyPr wrap="square" rtlCol="0" anchor="ctr">
+            <a:noAutofit/>
+          </a:bodyPr>
+          <a:lstStyle/>
+          <a:p>
+            <a:pPr algn="ctr"/>
+            <a:endParaRPr lang="en-US"/>
+          </a:p>
+        </p:txBody>
+      </p:sp>
+      <p:pic>
+        <p:nvPicPr>
+          <p:cNvPr id="7" name="Content Placeholder 6" descr="A close up of a piece of paper&#10;&#10;Description automatically generated">
+            <a:extLst>
+              <a:ext uri="{FF2B5EF4-FFF2-40B4-BE49-F238E27FC236}">
+                <a16:creationId xmlns:a16="http://schemas.microsoft.com/office/drawing/2014/main" id="{F5C00389-CABC-4FA7-A29F-98AA6742CA6C}"/>
+              </a:ext>
+            </a:extLst>
+          </p:cNvPr>
+          <p:cNvPicPr>
+            <a:picLocks noGrp="1" noChangeAspect="1"/>
+          </p:cNvPicPr>
+          <p:nvPr>
+            <p:ph idx="1"/>
+          </p:nvPr>
+        </p:nvPicPr>
+        <p:blipFill>
+          <a:blip r:embed="rId3">
+            <a:extLst>
+              <a:ext uri="{28A0092B-C50C-407E-A947-70E740481C1C}">
+                <a14:useLocalDpi xmlns:a14="http://schemas.microsoft.com/office/drawing/2010/main" val="0"/>
+              </a:ext>
+            </a:extLst>
+          </a:blip>
+          <a:stretch>
+            <a:fillRect/>
+          </a:stretch>
+        </p:blipFill>
+        <p:spPr>
+          <a:xfrm>
+            <a:off x="4398343" y="1176793"/>
+            <a:ext cx="3138221" cy="4548146"/>
+          </a:xfrm>
+          <a:prstGeom prst="rect">
+            <a:avLst/>
+          </a:prstGeom>
+        </p:spPr>
+      </p:pic>
+    </p:spTree>
+    <p:extLst>
+      <p:ext uri="{BB962C8B-B14F-4D97-AF65-F5344CB8AC3E}">
+        <p14:creationId xmlns:p14="http://schemas.microsoft.com/office/powerpoint/2010/main" val="2945883655"/>
       </p:ext>
     </p:extLst>
   </p:cSld>
@@ -14060,7 +14519,7 @@
           <p:cNvPr id="2" name="Title 1">
             <a:extLst>
               <a:ext uri="{FF2B5EF4-FFF2-40B4-BE49-F238E27FC236}">
-                <a16:creationId xmlns:a16="http://schemas.microsoft.com/office/drawing/2014/main" id="{045A233C-DA6C-4F11-9C3E-C4C6186B3EB3}"/>
+                <a16:creationId xmlns:a16="http://schemas.microsoft.com/office/drawing/2014/main" id="{71E24656-6B52-405F-BB67-7DE183700510}"/>
               </a:ext>
             </a:extLst>
           </p:cNvPr>
@@ -14078,7 +14537,7 @@
           <a:p>
             <a:r>
               <a:rPr lang="en-US" dirty="0"/>
-              <a:t>Terms</a:t>
+              <a:t>These are BASICS!!!</a:t>
             </a:r>
           </a:p>
         </p:txBody>
@@ -14088,7 +14547,7 @@
           <p:cNvPr id="3" name="Content Placeholder 2">
             <a:extLst>
               <a:ext uri="{FF2B5EF4-FFF2-40B4-BE49-F238E27FC236}">
-                <a16:creationId xmlns:a16="http://schemas.microsoft.com/office/drawing/2014/main" id="{1BF24279-44D6-4BFE-8DAA-4AF2A1B08429}"/>
+                <a16:creationId xmlns:a16="http://schemas.microsoft.com/office/drawing/2014/main" id="{66009EEA-4BD3-427E-9680-B9E0115DA2E5}"/>
               </a:ext>
             </a:extLst>
           </p:cNvPr>
@@ -14101,117 +14560,33 @@
         </p:nvSpPr>
         <p:spPr/>
         <p:txBody>
-          <a:bodyPr>
-            <a:normAutofit fontScale="70000" lnSpcReduction="20000"/>
-          </a:bodyPr>
+          <a:bodyPr/>
           <a:lstStyle/>
           <a:p>
             <a:r>
               <a:rPr lang="en-US" dirty="0"/>
-              <a:t>Clone</a:t>
-            </a:r>
-          </a:p>
-          <a:p>
-            <a:pPr lvl="1"/>
-            <a:r>
-              <a:rPr lang="en-US" dirty="0"/>
-              <a:t>Make a local copy of another repository.</a:t>
-            </a:r>
-          </a:p>
-          <a:p>
-            <a:pPr lvl="1"/>
-            <a:r>
-              <a:rPr lang="en-US" dirty="0"/>
-              <a:t>You can clone local repositories – but this is usually done to bring a remote repository to your local workspace.</a:t>
-            </a:r>
-          </a:p>
-          <a:p>
-            <a:r>
-              <a:rPr lang="en-US" dirty="0"/>
-              <a:t>Stage </a:t>
-            </a:r>
-          </a:p>
-          <a:p>
-            <a:pPr lvl="1"/>
-            <a:r>
-              <a:rPr lang="en-US" dirty="0"/>
-              <a:t>Tells git that you have changes you want to commit.</a:t>
-            </a:r>
-          </a:p>
-          <a:p>
-            <a:pPr lvl="1"/>
-            <a:r>
-              <a:rPr lang="en-US" dirty="0"/>
-              <a:t>Can be used to “stage” small subsets of changes, making it obvious that they are related.</a:t>
-            </a:r>
-          </a:p>
-          <a:p>
-            <a:pPr lvl="1"/>
-            <a:r>
-              <a:rPr lang="en-US" dirty="0"/>
-              <a:t>Can be “</a:t>
-            </a:r>
-            <a:r>
-              <a:rPr lang="en-US" dirty="0" err="1"/>
-              <a:t>unstaged</a:t>
-            </a:r>
-            <a:r>
-              <a:rPr lang="en-US" dirty="0"/>
-              <a:t>”.</a:t>
-            </a:r>
-          </a:p>
-          <a:p>
-            <a:pPr lvl="1"/>
-            <a:r>
-              <a:rPr lang="en-US" dirty="0"/>
-              <a:t>Can stage portions of files as well as a full file.</a:t>
-            </a:r>
-          </a:p>
-          <a:p>
-            <a:r>
-              <a:rPr lang="en-US" dirty="0"/>
-              <a:t>Commit</a:t>
-            </a:r>
-          </a:p>
-          <a:p>
-            <a:pPr lvl="1"/>
-            <a:r>
-              <a:rPr lang="en-US" dirty="0"/>
-              <a:t>Tells git to save the changes and make an entry in the log.</a:t>
-            </a:r>
-          </a:p>
-          <a:p>
-            <a:pPr lvl="1"/>
-            <a:r>
-              <a:rPr lang="en-US" dirty="0"/>
-              <a:t>Can be reversed.</a:t>
-            </a:r>
-          </a:p>
-          <a:p>
-            <a:pPr lvl="1"/>
-            <a:r>
-              <a:rPr lang="en-US" dirty="0"/>
-              <a:t>Requires a message describing the change.</a:t>
-            </a:r>
-          </a:p>
-          <a:p>
-            <a:r>
-              <a:rPr lang="en-US" dirty="0"/>
-              <a:t>Fetch</a:t>
-            </a:r>
-          </a:p>
-          <a:p>
-            <a:pPr lvl="1"/>
-            <a:r>
-              <a:rPr lang="en-US" dirty="0"/>
-              <a:t>Gets information from the remote source about what is different between you and the remote.</a:t>
-            </a:r>
-          </a:p>
-          <a:p>
-            <a:pPr lvl="1"/>
-            <a:r>
-              <a:rPr lang="en-US" dirty="0"/>
-              <a:t>Does not actually perform a merge operation.</a:t>
+              <a:t>I’m really not a Git Guru. </a:t>
+            </a:r>
+          </a:p>
+          <a:p>
+            <a:r>
+              <a:rPr lang="en-US" dirty="0"/>
+              <a:t>I don’t really know how the SHA-1 Hashes are computed. Nor do I care.</a:t>
+            </a:r>
+          </a:p>
+          <a:p>
+            <a:r>
+              <a:rPr lang="en-US" dirty="0"/>
+              <a:t>I don’t know why Snapshot differences are better than Delta differences… I just know it works, and makes my life easier.</a:t>
+            </a:r>
+          </a:p>
+          <a:p>
+            <a:endParaRPr lang="en-US" dirty="0"/>
+          </a:p>
+          <a:p>
+            <a:r>
+              <a:rPr lang="en-US" dirty="0"/>
+              <a:t>I will try to give you some places to find more in-depth answers!</a:t>
             </a:r>
           </a:p>
         </p:txBody>
@@ -14219,7 +14594,7 @@
     </p:spTree>
     <p:extLst>
       <p:ext uri="{BB962C8B-B14F-4D97-AF65-F5344CB8AC3E}">
-        <p14:creationId xmlns:p14="http://schemas.microsoft.com/office/powerpoint/2010/main" val="1036394060"/>
+        <p14:creationId xmlns:p14="http://schemas.microsoft.com/office/powerpoint/2010/main" val="1234754382"/>
       </p:ext>
     </p:extLst>
   </p:cSld>
@@ -14251,7 +14626,7 @@
           <p:cNvPr id="2" name="Title 1">
             <a:extLst>
               <a:ext uri="{FF2B5EF4-FFF2-40B4-BE49-F238E27FC236}">
-                <a16:creationId xmlns:a16="http://schemas.microsoft.com/office/drawing/2014/main" id="{7D8352EA-3D30-4FD6-B95D-2F6587E008E5}"/>
+                <a16:creationId xmlns:a16="http://schemas.microsoft.com/office/drawing/2014/main" id="{045A233C-DA6C-4F11-9C3E-C4C6186B3EB3}"/>
               </a:ext>
             </a:extLst>
           </p:cNvPr>
@@ -14279,7 +14654,7 @@
           <p:cNvPr id="3" name="Content Placeholder 2">
             <a:extLst>
               <a:ext uri="{FF2B5EF4-FFF2-40B4-BE49-F238E27FC236}">
-                <a16:creationId xmlns:a16="http://schemas.microsoft.com/office/drawing/2014/main" id="{8D68AD8E-A1FB-4F18-92E8-A11F0D3844D8}"/>
+                <a16:creationId xmlns:a16="http://schemas.microsoft.com/office/drawing/2014/main" id="{1BF24279-44D6-4BFE-8DAA-4AF2A1B08429}"/>
               </a:ext>
             </a:extLst>
           </p:cNvPr>
@@ -14293,82 +14668,124 @@
         <p:spPr/>
         <p:txBody>
           <a:bodyPr>
-            <a:normAutofit lnSpcReduction="10000"/>
+            <a:normAutofit fontScale="70000" lnSpcReduction="20000"/>
           </a:bodyPr>
           <a:lstStyle/>
           <a:p>
             <a:r>
               <a:rPr lang="en-US" dirty="0"/>
-              <a:t>Pull</a:t>
+              <a:t>Clone</a:t>
             </a:r>
           </a:p>
           <a:p>
             <a:pPr lvl="1"/>
             <a:r>
               <a:rPr lang="en-US" dirty="0"/>
-              <a:t>Merges changes on the remote repository with your local repository.</a:t>
-            </a:r>
-          </a:p>
-          <a:p>
-            <a:r>
-              <a:rPr lang="en-US" dirty="0"/>
-              <a:t>Push</a:t>
+              <a:t>Make a local copy of another repository.</a:t>
             </a:r>
           </a:p>
           <a:p>
             <a:pPr lvl="1"/>
             <a:r>
               <a:rPr lang="en-US" dirty="0"/>
-              <a:t>Replicates your changes to the remote repository.</a:t>
-            </a:r>
-          </a:p>
-          <a:p>
-            <a:r>
-              <a:rPr lang="en-US" dirty="0"/>
-              <a:t>Sync</a:t>
+              <a:t>You can clone local repositories – but this is usually done to bring a remote repository to your local workspace.</a:t>
+            </a:r>
+          </a:p>
+          <a:p>
+            <a:r>
+              <a:rPr lang="en-US" dirty="0"/>
+              <a:t>Stage </a:t>
             </a:r>
           </a:p>
           <a:p>
             <a:pPr lvl="1"/>
             <a:r>
               <a:rPr lang="en-US" dirty="0"/>
-              <a:t>If you do a push and a pull, you have synced the repositories.</a:t>
-            </a:r>
-          </a:p>
-          <a:p>
-            <a:r>
-              <a:rPr lang="en-US" dirty="0"/>
-              <a:t>Pull Request</a:t>
+              <a:t>Tells git that you have changes you want to commit.</a:t>
             </a:r>
           </a:p>
           <a:p>
             <a:pPr lvl="1"/>
             <a:r>
               <a:rPr lang="en-US" dirty="0"/>
-              <a:t>A request to take a forked branch and merge it back to an upstream branch. For instance, merging a feature branch into master.</a:t>
+              <a:t>Can be used to “stage” small subsets of changes, making it obvious that they are related.</a:t>
             </a:r>
           </a:p>
           <a:p>
             <a:pPr lvl="1"/>
             <a:r>
               <a:rPr lang="en-US" dirty="0"/>
-              <a:t>This provides a chance for others to review the code, make comments, and revise the code before it </a:t>
-            </a:r>
-            <a:r>
-              <a:rPr lang="en-US"/>
-              <a:t>is merged.</a:t>
-            </a:r>
-            <a:endParaRPr lang="en-US" dirty="0"/>
-          </a:p>
-          <a:p>
-            <a:endParaRPr lang="en-US" dirty="0"/>
+              <a:t>Can be “</a:t>
+            </a:r>
+            <a:r>
+              <a:rPr lang="en-US" dirty="0" err="1"/>
+              <a:t>unstaged</a:t>
+            </a:r>
+            <a:r>
+              <a:rPr lang="en-US" dirty="0"/>
+              <a:t>”.</a:t>
+            </a:r>
+          </a:p>
+          <a:p>
+            <a:pPr lvl="1"/>
+            <a:r>
+              <a:rPr lang="en-US" dirty="0"/>
+              <a:t>Can stage portions of files as well as a full file.</a:t>
+            </a:r>
+          </a:p>
+          <a:p>
+            <a:r>
+              <a:rPr lang="en-US" dirty="0"/>
+              <a:t>Commit</a:t>
+            </a:r>
+          </a:p>
+          <a:p>
+            <a:pPr lvl="1"/>
+            <a:r>
+              <a:rPr lang="en-US" dirty="0"/>
+              <a:t>Tells git to save the changes and make an entry in the log.</a:t>
+            </a:r>
+          </a:p>
+          <a:p>
+            <a:pPr lvl="1"/>
+            <a:r>
+              <a:rPr lang="en-US" dirty="0"/>
+              <a:t>Can be reversed.</a:t>
+            </a:r>
+          </a:p>
+          <a:p>
+            <a:pPr lvl="1"/>
+            <a:r>
+              <a:rPr lang="en-US" dirty="0"/>
+              <a:t>Requires a message describing the change.</a:t>
+            </a:r>
+          </a:p>
+          <a:p>
+            <a:r>
+              <a:rPr lang="en-US" dirty="0"/>
+              <a:t>Fetch</a:t>
+            </a:r>
+          </a:p>
+          <a:p>
+            <a:pPr lvl="1"/>
+            <a:r>
+              <a:rPr lang="en-US" dirty="0"/>
+              <a:t>Gets information from the remote source about what is different between you and the remote.</a:t>
+            </a:r>
+          </a:p>
+          <a:p>
+            <a:pPr lvl="1"/>
+            <a:r>
+              <a:rPr lang="en-US" dirty="0"/>
+              <a:t>Does not actually perform a merge operation.</a:t>
+            </a:r>
           </a:p>
         </p:txBody>
       </p:sp>
     </p:spTree>
     <p:extLst>
       <p:ext uri="{BB962C8B-B14F-4D97-AF65-F5344CB8AC3E}">
-        <p14:creationId xmlns:p14="http://schemas.microsoft.com/office/powerpoint/2010/main" val="2795945886"/>
+        <p14:creationId xmlns:p14="http://schemas.microsoft.com/office/powerpoint/2010/main" val="1036394060"/>
       </p:ext>
     </p:extLst>
   </p:cSld>
@@ -14400,7 +14817,7 @@
           <p:cNvPr id="2" name="Title 1">
             <a:extLst>
               <a:ext uri="{FF2B5EF4-FFF2-40B4-BE49-F238E27FC236}">
-                <a16:creationId xmlns:a16="http://schemas.microsoft.com/office/drawing/2014/main" id="{28425DF4-0F10-4E4E-B789-48D474CCCC54}"/>
+                <a16:creationId xmlns:a16="http://schemas.microsoft.com/office/drawing/2014/main" id="{7D8352EA-3D30-4FD6-B95D-2F6587E008E5}"/>
               </a:ext>
             </a:extLst>
           </p:cNvPr>
@@ -14428,7 +14845,7 @@
           <p:cNvPr id="3" name="Content Placeholder 2">
             <a:extLst>
               <a:ext uri="{FF2B5EF4-FFF2-40B4-BE49-F238E27FC236}">
-                <a16:creationId xmlns:a16="http://schemas.microsoft.com/office/drawing/2014/main" id="{7F5E0436-080B-4045-9717-6ACDFEC420A4}"/>
+                <a16:creationId xmlns:a16="http://schemas.microsoft.com/office/drawing/2014/main" id="{8D68AD8E-A1FB-4F18-92E8-A11F0D3844D8}"/>
               </a:ext>
             </a:extLst>
           </p:cNvPr>
@@ -14441,65 +14858,83 @@
         </p:nvSpPr>
         <p:spPr/>
         <p:txBody>
-          <a:bodyPr/>
+          <a:bodyPr>
+            <a:normAutofit lnSpcReduction="10000"/>
+          </a:bodyPr>
           <a:lstStyle/>
           <a:p>
             <a:r>
               <a:rPr lang="en-US" dirty="0"/>
-              <a:t>Merge</a:t>
+              <a:t>Pull</a:t>
             </a:r>
           </a:p>
           <a:p>
             <a:pPr lvl="1"/>
             <a:r>
               <a:rPr lang="en-US" dirty="0"/>
-              <a:t>A way of bringing the commits on one branch into another branch</a:t>
+              <a:t>Merges changes on the remote repository with your local repository.</a:t>
+            </a:r>
+          </a:p>
+          <a:p>
+            <a:r>
+              <a:rPr lang="en-US" dirty="0"/>
+              <a:t>Push</a:t>
             </a:r>
           </a:p>
           <a:p>
             <a:pPr lvl="1"/>
             <a:r>
               <a:rPr lang="en-US" dirty="0"/>
-              <a:t>Results in a “Merge Commit”</a:t>
+              <a:t>Replicates your changes to the remote repository.</a:t>
+            </a:r>
+          </a:p>
+          <a:p>
+            <a:r>
+              <a:rPr lang="en-US" dirty="0"/>
+              <a:t>Sync</a:t>
             </a:r>
           </a:p>
           <a:p>
             <a:pPr lvl="1"/>
             <a:r>
               <a:rPr lang="en-US" dirty="0"/>
-              <a:t>Generally the preferred way to synchronize branches</a:t>
+              <a:t>If you do a push and a pull, you have synced the repositories.</a:t>
+            </a:r>
+          </a:p>
+          <a:p>
+            <a:r>
+              <a:rPr lang="en-US" dirty="0"/>
+              <a:t>Pull Request</a:t>
             </a:r>
           </a:p>
           <a:p>
             <a:pPr lvl="1"/>
+            <a:r>
+              <a:rPr lang="en-US" dirty="0"/>
+              <a:t>A request to take a forked branch and merge it back to an upstream branch. For instance, merging a feature branch into master.</a:t>
+            </a:r>
+          </a:p>
+          <a:p>
+            <a:pPr lvl="1"/>
+            <a:r>
+              <a:rPr lang="en-US" dirty="0"/>
+              <a:t>This provides a chance for others to review the code, make comments, and revise the code before it </a:t>
+            </a:r>
+            <a:r>
+              <a:rPr lang="en-US"/>
+              <a:t>is merged.</a:t>
+            </a:r>
             <a:endParaRPr lang="en-US" dirty="0"/>
           </a:p>
           <a:p>
-            <a:r>
-              <a:rPr lang="en-US" dirty="0"/>
-              <a:t>Rebase</a:t>
-            </a:r>
-          </a:p>
-          <a:p>
-            <a:pPr lvl="1"/>
-            <a:r>
-              <a:rPr lang="en-US" dirty="0"/>
-              <a:t>An alternative to merge</a:t>
-            </a:r>
-          </a:p>
-          <a:p>
-            <a:pPr lvl="1"/>
-            <a:r>
-              <a:rPr lang="en-US" dirty="0"/>
-              <a:t>Brings the tip of one branch to the end of the other</a:t>
-            </a:r>
+            <a:endParaRPr lang="en-US" dirty="0"/>
           </a:p>
         </p:txBody>
       </p:sp>
     </p:spTree>
     <p:extLst>
       <p:ext uri="{BB962C8B-B14F-4D97-AF65-F5344CB8AC3E}">
-        <p14:creationId xmlns:p14="http://schemas.microsoft.com/office/powerpoint/2010/main" val="1901867814"/>
+        <p14:creationId xmlns:p14="http://schemas.microsoft.com/office/powerpoint/2010/main" val="2795945886"/>
       </p:ext>
     </p:extLst>
   </p:cSld>
@@ -14531,7 +14966,7 @@
           <p:cNvPr id="2" name="Title 1">
             <a:extLst>
               <a:ext uri="{FF2B5EF4-FFF2-40B4-BE49-F238E27FC236}">
-                <a16:creationId xmlns:a16="http://schemas.microsoft.com/office/drawing/2014/main" id="{D46A2450-FB96-477B-A567-430871864802}"/>
+                <a16:creationId xmlns:a16="http://schemas.microsoft.com/office/drawing/2014/main" id="{28425DF4-0F10-4E4E-B789-48D474CCCC54}"/>
               </a:ext>
             </a:extLst>
           </p:cNvPr>
@@ -14547,49 +14982,90 @@
           <a:bodyPr/>
           <a:lstStyle/>
           <a:p>
-            <a:endParaRPr lang="en-US"/>
-          </a:p>
-        </p:txBody>
-      </p:sp>
-      <p:pic>
-        <p:nvPicPr>
-          <p:cNvPr id="5" name="Content Placeholder 4" descr="A giraffe standing in a field&#10;&#10;Description automatically generated">
+            <a:r>
+              <a:rPr lang="en-US" dirty="0"/>
+              <a:t>Terms</a:t>
+            </a:r>
+          </a:p>
+        </p:txBody>
+      </p:sp>
+      <p:sp>
+        <p:nvSpPr>
+          <p:cNvPr id="3" name="Content Placeholder 2">
             <a:extLst>
               <a:ext uri="{FF2B5EF4-FFF2-40B4-BE49-F238E27FC236}">
-                <a16:creationId xmlns:a16="http://schemas.microsoft.com/office/drawing/2014/main" id="{A2D38F4B-3DBC-4AC7-A40E-50FCEEA747F7}"/>
+                <a16:creationId xmlns:a16="http://schemas.microsoft.com/office/drawing/2014/main" id="{7F5E0436-080B-4045-9717-6ACDFEC420A4}"/>
               </a:ext>
             </a:extLst>
           </p:cNvPr>
-          <p:cNvPicPr>
-            <a:picLocks noGrp="1" noChangeAspect="1"/>
-          </p:cNvPicPr>
+          <p:cNvSpPr>
+            <a:spLocks noGrp="1"/>
+          </p:cNvSpPr>
           <p:nvPr>
             <p:ph idx="1"/>
           </p:nvPr>
-        </p:nvPicPr>
-        <p:blipFill>
-          <a:blip r:embed="rId2">
-            <a:extLst>
-              <a:ext uri="{28A0092B-C50C-407E-A947-70E740481C1C}">
-                <a14:useLocalDpi xmlns:a14="http://schemas.microsoft.com/office/drawing/2010/main" val="0"/>
-              </a:ext>
-            </a:extLst>
-          </a:blip>
-          <a:stretch>
-            <a:fillRect/>
-          </a:stretch>
-        </p:blipFill>
-        <p:spPr>
-          <a:xfrm>
-            <a:off x="1714500" y="1547654"/>
-            <a:ext cx="8782050" cy="4917948"/>
-          </a:xfrm>
-        </p:spPr>
-      </p:pic>
+        </p:nvSpPr>
+        <p:spPr/>
+        <p:txBody>
+          <a:bodyPr/>
+          <a:lstStyle/>
+          <a:p>
+            <a:r>
+              <a:rPr lang="en-US" dirty="0"/>
+              <a:t>Merge</a:t>
+            </a:r>
+          </a:p>
+          <a:p>
+            <a:pPr lvl="1"/>
+            <a:r>
+              <a:rPr lang="en-US" dirty="0"/>
+              <a:t>A way of bringing the commits on one branch into another branch</a:t>
+            </a:r>
+          </a:p>
+          <a:p>
+            <a:pPr lvl="1"/>
+            <a:r>
+              <a:rPr lang="en-US" dirty="0"/>
+              <a:t>Results in a “Merge Commit”</a:t>
+            </a:r>
+          </a:p>
+          <a:p>
+            <a:pPr lvl="1"/>
+            <a:r>
+              <a:rPr lang="en-US" dirty="0"/>
+              <a:t>Generally the preferred way to synchronize branches</a:t>
+            </a:r>
+          </a:p>
+          <a:p>
+            <a:pPr lvl="1"/>
+            <a:endParaRPr lang="en-US" dirty="0"/>
+          </a:p>
+          <a:p>
+            <a:r>
+              <a:rPr lang="en-US" dirty="0"/>
+              <a:t>Rebase</a:t>
+            </a:r>
+          </a:p>
+          <a:p>
+            <a:pPr lvl="1"/>
+            <a:r>
+              <a:rPr lang="en-US" dirty="0"/>
+              <a:t>An alternative to merge</a:t>
+            </a:r>
+          </a:p>
+          <a:p>
+            <a:pPr lvl="1"/>
+            <a:r>
+              <a:rPr lang="en-US" dirty="0"/>
+              <a:t>Brings the tip of one branch to the end of the other</a:t>
+            </a:r>
+          </a:p>
+        </p:txBody>
+      </p:sp>
     </p:spTree>
     <p:extLst>
       <p:ext uri="{BB962C8B-B14F-4D97-AF65-F5344CB8AC3E}">
-        <p14:creationId xmlns:p14="http://schemas.microsoft.com/office/powerpoint/2010/main" val="2820151260"/>
+        <p14:creationId xmlns:p14="http://schemas.microsoft.com/office/powerpoint/2010/main" val="1901867814"/>
       </p:ext>
     </p:extLst>
   </p:cSld>
